--- a/ZaleniumJenkins.pptx
+++ b/ZaleniumJenkins.pptx
@@ -5,10 +5,10 @@
     <p:sldMasterId id="2147483648" r:id="rId4"/>
   </p:sldMasterIdLst>
   <p:notesMasterIdLst>
-    <p:notesMasterId r:id="rId21"/>
+    <p:notesMasterId r:id="rId17"/>
   </p:notesMasterIdLst>
   <p:handoutMasterIdLst>
-    <p:handoutMasterId r:id="rId22"/>
+    <p:handoutMasterId r:id="rId18"/>
   </p:handoutMasterIdLst>
   <p:sldIdLst>
     <p:sldId id="303" r:id="rId5"/>
@@ -17,16 +17,12 @@
     <p:sldId id="294" r:id="rId8"/>
     <p:sldId id="309" r:id="rId9"/>
     <p:sldId id="306" r:id="rId10"/>
-    <p:sldId id="291" r:id="rId11"/>
-    <p:sldId id="295" r:id="rId12"/>
-    <p:sldId id="296" r:id="rId13"/>
-    <p:sldId id="307" r:id="rId14"/>
-    <p:sldId id="292" r:id="rId15"/>
-    <p:sldId id="310" r:id="rId16"/>
-    <p:sldId id="308" r:id="rId17"/>
-    <p:sldId id="293" r:id="rId18"/>
-    <p:sldId id="297" r:id="rId19"/>
-    <p:sldId id="267" r:id="rId20"/>
+    <p:sldId id="313" r:id="rId11"/>
+    <p:sldId id="310" r:id="rId12"/>
+    <p:sldId id="311" r:id="rId13"/>
+    <p:sldId id="308" r:id="rId14"/>
+    <p:sldId id="312" r:id="rId15"/>
+    <p:sldId id="267" r:id="rId16"/>
   </p:sldIdLst>
   <p:sldSz cx="9144000" cy="6858000" type="screen4x3"/>
   <p:notesSz cx="6858000" cy="9144000"/>
@@ -226,7 +222,7 @@
           <a:p>
             <a:fld id="{99005F40-3085-A94C-86F1-8086CB7D3208}" type="datetimeFigureOut">
               <a:rPr lang="en-US" smtClean="0"/>
-              <a:t>9/27/18</a:t>
+              <a:t>10/23/18</a:t>
             </a:fld>
             <a:endParaRPr lang="en-US"/>
           </a:p>
@@ -391,7 +387,7 @@
           <a:p>
             <a:fld id="{8F794CCD-B965-4F1A-9017-84B1EA84E2E2}" type="datetimeFigureOut">
               <a:rPr lang="en-GB" smtClean="0"/>
-              <a:t>27/09/2018</a:t>
+              <a:t>23/10/2018</a:t>
             </a:fld>
             <a:endParaRPr lang="en-GB" dirty="0"/>
           </a:p>
@@ -807,14 +803,7 @@
           <a:bodyPr/>
           <a:lstStyle/>
           <a:p>
-            <a:r>
-              <a:rPr lang="en-US" dirty="0" err="1"/>
-              <a:t>Zalando</a:t>
-            </a:r>
-            <a:r>
-              <a:rPr lang="en-US" dirty="0"/>
-              <a:t> have provided a nice image of how both of those scenarios I’ve just described play out – demonstrating how the Hub, proxy, containers and cloud testing providers all work together.</a:t>
-            </a:r>
+            <a:endParaRPr lang="en-US" dirty="0"/>
           </a:p>
         </p:txBody>
       </p:sp>
@@ -844,7 +833,7 @@
     </p:spTree>
     <p:extLst>
       <p:ext uri="{BB962C8B-B14F-4D97-AF65-F5344CB8AC3E}">
-        <p14:creationId xmlns:p14="http://schemas.microsoft.com/office/powerpoint/2010/main" val="1654401628"/>
+        <p14:creationId xmlns:p14="http://schemas.microsoft.com/office/powerpoint/2010/main" val="2965049787"/>
       </p:ext>
     </p:extLst>
   </p:cSld>
@@ -898,85 +887,6 @@
           <a:bodyPr/>
           <a:lstStyle/>
           <a:p>
-            <a:r>
-              <a:rPr lang="en-US" dirty="0"/>
-              <a:t>So, why would you decide to use </a:t>
-            </a:r>
-            <a:r>
-              <a:rPr lang="en-US" dirty="0" err="1"/>
-              <a:t>Zalenium</a:t>
-            </a:r>
-            <a:r>
-              <a:rPr lang="en-US" dirty="0"/>
-              <a:t>?</a:t>
-            </a:r>
-          </a:p>
-          <a:p>
-            <a:endParaRPr lang="en-US" dirty="0"/>
-          </a:p>
-          <a:p>
-            <a:r>
-              <a:rPr lang="en-US" dirty="0"/>
-              <a:t>*CLICK* First of all, it auto-scales by creating more docker containers as and when they are needed. It also scales back down as tests finish.</a:t>
-            </a:r>
-          </a:p>
-          <a:p>
-            <a:endParaRPr lang="en-US" dirty="0"/>
-          </a:p>
-          <a:p>
-            <a:r>
-              <a:rPr lang="en-US" dirty="0"/>
-              <a:t>*CLICK* A lot of time is invested in setting up and maintaining your own Selenium Grid. Having all browser versions updated and in line with the Selenium WebDriver browser drivers is often a frustrating process. </a:t>
-            </a:r>
-          </a:p>
-          <a:p>
-            <a:r>
-              <a:rPr lang="en-US" dirty="0" err="1"/>
-              <a:t>Zalenium</a:t>
-            </a:r>
-            <a:r>
-              <a:rPr lang="en-US" dirty="0"/>
-              <a:t> manages this for you, removing this frustration.</a:t>
-            </a:r>
-          </a:p>
-          <a:p>
-            <a:endParaRPr lang="en-US" dirty="0"/>
-          </a:p>
-          <a:p>
-            <a:r>
-              <a:rPr lang="en-US" dirty="0"/>
-              <a:t>*CLICK* </a:t>
-            </a:r>
-            <a:r>
-              <a:rPr lang="en-US" dirty="0" err="1"/>
-              <a:t>Zalenium</a:t>
-            </a:r>
-            <a:r>
-              <a:rPr lang="en-US" dirty="0"/>
-              <a:t> allows anyone to have flexible and disposable Selenium Grid infrastructure created within seconds. It means that functional testing can take place easily at any point in the development cycle as the infrastructure is available to all.</a:t>
-            </a:r>
-          </a:p>
-          <a:p>
-            <a:endParaRPr lang="en-US" dirty="0"/>
-          </a:p>
-          <a:p>
-            <a:r>
-              <a:rPr lang="en-US" dirty="0"/>
-              <a:t>*CLICK* It compliments your existing cloud testing providers. If you already use providers such as Sauce Labs and Testing Bot then </a:t>
-            </a:r>
-            <a:r>
-              <a:rPr lang="en-US" dirty="0" err="1"/>
-              <a:t>Zalenium</a:t>
-            </a:r>
-            <a:r>
-              <a:rPr lang="en-US" dirty="0"/>
-              <a:t> can work alongside those. Have the Chrome and Firefox tests run on host machines for faster feedback, but tests in other browsers can be directed to your provider.</a:t>
-            </a:r>
-          </a:p>
-          <a:p>
-            <a:endParaRPr lang="en-US" dirty="0"/>
-          </a:p>
-          <a:p>
             <a:pPr marL="0" marR="0" lvl="0" indent="0" algn="l" defTabSz="914400" rtl="0" eaLnBrk="1" fontAlgn="auto" latinLnBrk="0" hangingPunct="1">
               <a:lnSpc>
                 <a:spcPct val="100000"/>
@@ -994,53 +904,15 @@
               <a:tabLst/>
               <a:defRPr/>
             </a:pPr>
-            <a:r>
-              <a:rPr lang="en-US" dirty="0"/>
-              <a:t>*CLICK* Videos are automatically recorded, if required into a temporary location. These videos are automatically saved in a temporary location on the host machine.</a:t>
-            </a:r>
-          </a:p>
-          <a:p>
-            <a:endParaRPr lang="en-US" dirty="0"/>
-          </a:p>
-          <a:p>
-            <a:r>
-              <a:rPr lang="en-US" dirty="0"/>
-              <a:t>*CLICK* The dashboard feature or live preview can show you exactly what is happening in your tests. It also displays both Selenium logs and browser logs (which can be saved in JSON format onto the host machine).</a:t>
-            </a:r>
-          </a:p>
-          <a:p>
-            <a:endParaRPr lang="en-US" dirty="0"/>
-          </a:p>
-          <a:p>
-            <a:r>
-              <a:rPr lang="en-US" dirty="0"/>
-              <a:t>*CLICK* It also has Kubernetes support. We won’t be covering this in this session, but we may do a part 2 of the Playground exploring how to run </a:t>
-            </a:r>
-            <a:r>
-              <a:rPr lang="en-US" dirty="0" err="1"/>
-              <a:t>Zalenium</a:t>
-            </a:r>
-            <a:r>
-              <a:rPr lang="en-US" dirty="0"/>
-              <a:t> as part of CI using Kubernetes.</a:t>
-            </a:r>
-          </a:p>
-          <a:p>
-            <a:endParaRPr lang="en-US" dirty="0"/>
-          </a:p>
-          <a:p>
-            <a:r>
-              <a:rPr lang="en-US" dirty="0"/>
-              <a:t>Overall, </a:t>
-            </a:r>
-            <a:r>
-              <a:rPr lang="en-US" dirty="0" err="1"/>
-              <a:t>Zalenium</a:t>
-            </a:r>
-            <a:r>
-              <a:rPr lang="en-US" dirty="0"/>
-              <a:t> can increase the speed of your continuous testing process  as it manages them in a smarter way by providing more containers when required and allowing anyone to have flexible and disposable Selenium Grid infrastructure.</a:t>
-            </a:r>
+            <a:endParaRPr lang="en-GB" sz="1200" b="0" i="0" kern="1200" dirty="0">
+              <a:solidFill>
+                <a:schemeClr val="tx1"/>
+              </a:solidFill>
+              <a:effectLst/>
+              <a:latin typeface="+mn-lt"/>
+              <a:ea typeface="+mn-ea"/>
+              <a:cs typeface="+mn-cs"/>
+            </a:endParaRPr>
           </a:p>
         </p:txBody>
       </p:sp>
@@ -1070,470 +942,7 @@
     </p:spTree>
     <p:extLst>
       <p:ext uri="{BB962C8B-B14F-4D97-AF65-F5344CB8AC3E}">
-        <p14:creationId xmlns:p14="http://schemas.microsoft.com/office/powerpoint/2010/main" val="4076460706"/>
-      </p:ext>
-    </p:extLst>
-  </p:cSld>
-  <p:clrMapOvr>
-    <a:masterClrMapping/>
-  </p:clrMapOvr>
-</p:notes>
-</file>
-
-<file path=ppt/notesSlides/notesSlide12.xml><?xml version="1.0" encoding="utf-8"?>
-<p:notes xmlns:a="http://schemas.openxmlformats.org/drawingml/2006/main" xmlns:r="http://schemas.openxmlformats.org/officeDocument/2006/relationships" xmlns:p="http://schemas.openxmlformats.org/presentationml/2006/main">
-  <p:cSld>
-    <p:spTree>
-      <p:nvGrpSpPr>
-        <p:cNvPr id="1" name=""/>
-        <p:cNvGrpSpPr/>
-        <p:nvPr/>
-      </p:nvGrpSpPr>
-      <p:grpSpPr>
-        <a:xfrm>
-          <a:off x="0" y="0"/>
-          <a:ext cx="0" cy="0"/>
-          <a:chOff x="0" y="0"/>
-          <a:chExt cx="0" cy="0"/>
-        </a:xfrm>
-      </p:grpSpPr>
-      <p:sp>
-        <p:nvSpPr>
-          <p:cNvPr id="2" name="Slide Image Placeholder 1"/>
-          <p:cNvSpPr>
-            <a:spLocks noGrp="1" noRot="1" noChangeAspect="1"/>
-          </p:cNvSpPr>
-          <p:nvPr>
-            <p:ph type="sldImg"/>
-          </p:nvPr>
-        </p:nvSpPr>
-        <p:spPr/>
-      </p:sp>
-      <p:sp>
-        <p:nvSpPr>
-          <p:cNvPr id="3" name="Notes Placeholder 2"/>
-          <p:cNvSpPr>
-            <a:spLocks noGrp="1"/>
-          </p:cNvSpPr>
-          <p:nvPr>
-            <p:ph type="body" idx="1"/>
-          </p:nvPr>
-        </p:nvSpPr>
-        <p:spPr/>
-        <p:txBody>
-          <a:bodyPr/>
-          <a:lstStyle/>
-          <a:p>
-            <a:r>
-              <a:rPr lang="en-US" dirty="0"/>
-              <a:t>Now I’ll discuss some of the negatives of </a:t>
-            </a:r>
-            <a:r>
-              <a:rPr lang="en-US" dirty="0" err="1"/>
-              <a:t>Zalenium</a:t>
-            </a:r>
-            <a:r>
-              <a:rPr lang="en-US" dirty="0"/>
-              <a:t> performance that we have discovered whilst using this tool. </a:t>
-            </a:r>
-          </a:p>
-          <a:p>
-            <a:endParaRPr lang="en-US" dirty="0"/>
-          </a:p>
-          <a:p>
-            <a:pPr marL="0" marR="0" lvl="0" indent="0" algn="l" defTabSz="914400" rtl="0" eaLnBrk="1" fontAlgn="auto" latinLnBrk="0" hangingPunct="1">
-              <a:lnSpc>
-                <a:spcPct val="100000"/>
-              </a:lnSpc>
-              <a:spcBef>
-                <a:spcPts val="0"/>
-              </a:spcBef>
-              <a:spcAft>
-                <a:spcPts val="0"/>
-              </a:spcAft>
-              <a:buClrTx/>
-              <a:buSzTx/>
-              <a:buFontTx/>
-              <a:buNone/>
-              <a:tabLst/>
-              <a:defRPr/>
-            </a:pPr>
-            <a:r>
-              <a:rPr lang="en-US" dirty="0"/>
-              <a:t>(t2.large 2 cores and 16GB RAM)</a:t>
-            </a:r>
-          </a:p>
-          <a:p>
-            <a:endParaRPr lang="en-US" dirty="0"/>
-          </a:p>
-          <a:p>
-            <a:r>
-              <a:rPr lang="en-US" dirty="0"/>
-              <a:t>*CLICK* Performance can sometimes be an issue. The video recording aspect uses a lot of CPU. Whilst this can be disabled, having videos recorded is a big selling point for </a:t>
-            </a:r>
-            <a:r>
-              <a:rPr lang="en-US" dirty="0" err="1"/>
-              <a:t>Zalenium</a:t>
-            </a:r>
-            <a:r>
-              <a:rPr lang="en-US" dirty="0"/>
-              <a:t>.</a:t>
-            </a:r>
-          </a:p>
-          <a:p>
-            <a:r>
-              <a:rPr lang="en-US" dirty="0"/>
-              <a:t>Increasing beyond 16-18 containers can cause performance issues. Sometimes tests will fail due to timeout rather than for a valid reason. </a:t>
-            </a:r>
-          </a:p>
-          <a:p>
-            <a:r>
-              <a:rPr lang="en-US" dirty="0"/>
-              <a:t>It’s a good idea to monitor CPU when you’re first setting up your test runs. This maybe isn’t exclusive to </a:t>
-            </a:r>
-            <a:r>
-              <a:rPr lang="en-US" dirty="0" err="1"/>
-              <a:t>Zalenium</a:t>
-            </a:r>
-            <a:r>
-              <a:rPr lang="en-US" dirty="0"/>
-              <a:t>, but it’s something to keep in mind.</a:t>
-            </a:r>
-          </a:p>
-          <a:p>
-            <a:endParaRPr lang="en-US" dirty="0"/>
-          </a:p>
-          <a:p>
-            <a:r>
-              <a:rPr lang="en-US" dirty="0"/>
-              <a:t>There is quite a lot of discussion online about how to improve </a:t>
-            </a:r>
-            <a:r>
-              <a:rPr lang="en-US" dirty="0" err="1"/>
-              <a:t>Zalenium</a:t>
-            </a:r>
-            <a:r>
-              <a:rPr lang="en-US" dirty="0"/>
-              <a:t> performance.</a:t>
-            </a:r>
-          </a:p>
-        </p:txBody>
-      </p:sp>
-      <p:sp>
-        <p:nvSpPr>
-          <p:cNvPr id="4" name="Slide Number Placeholder 3"/>
-          <p:cNvSpPr>
-            <a:spLocks noGrp="1"/>
-          </p:cNvSpPr>
-          <p:nvPr>
-            <p:ph type="sldNum" sz="quarter" idx="5"/>
-          </p:nvPr>
-        </p:nvSpPr>
-        <p:spPr/>
-        <p:txBody>
-          <a:bodyPr/>
-          <a:lstStyle/>
-          <a:p>
-            <a:fld id="{7A507E9C-E9CF-45CC-A225-331D2025989C}" type="slidenum">
-              <a:rPr lang="en-GB" smtClean="0"/>
-              <a:t>12</a:t>
-            </a:fld>
-            <a:endParaRPr lang="en-GB" dirty="0"/>
-          </a:p>
-        </p:txBody>
-      </p:sp>
-    </p:spTree>
-    <p:extLst>
-      <p:ext uri="{BB962C8B-B14F-4D97-AF65-F5344CB8AC3E}">
-        <p14:creationId xmlns:p14="http://schemas.microsoft.com/office/powerpoint/2010/main" val="20849945"/>
-      </p:ext>
-    </p:extLst>
-  </p:cSld>
-  <p:clrMapOvr>
-    <a:masterClrMapping/>
-  </p:clrMapOvr>
-</p:notes>
-</file>
-
-<file path=ppt/notesSlides/notesSlide13.xml><?xml version="1.0" encoding="utf-8"?>
-<p:notes xmlns:a="http://schemas.openxmlformats.org/drawingml/2006/main" xmlns:r="http://schemas.openxmlformats.org/officeDocument/2006/relationships" xmlns:p="http://schemas.openxmlformats.org/presentationml/2006/main">
-  <p:cSld>
-    <p:spTree>
-      <p:nvGrpSpPr>
-        <p:cNvPr id="1" name=""/>
-        <p:cNvGrpSpPr/>
-        <p:nvPr/>
-      </p:nvGrpSpPr>
-      <p:grpSpPr>
-        <a:xfrm>
-          <a:off x="0" y="0"/>
-          <a:ext cx="0" cy="0"/>
-          <a:chOff x="0" y="0"/>
-          <a:chExt cx="0" cy="0"/>
-        </a:xfrm>
-      </p:grpSpPr>
-      <p:sp>
-        <p:nvSpPr>
-          <p:cNvPr id="2" name="Slide Image Placeholder 1"/>
-          <p:cNvSpPr>
-            <a:spLocks noGrp="1" noRot="1" noChangeAspect="1"/>
-          </p:cNvSpPr>
-          <p:nvPr>
-            <p:ph type="sldImg"/>
-          </p:nvPr>
-        </p:nvSpPr>
-        <p:spPr/>
-      </p:sp>
-      <p:sp>
-        <p:nvSpPr>
-          <p:cNvPr id="3" name="Notes Placeholder 2"/>
-          <p:cNvSpPr>
-            <a:spLocks noGrp="1"/>
-          </p:cNvSpPr>
-          <p:nvPr>
-            <p:ph type="body" idx="1"/>
-          </p:nvPr>
-        </p:nvSpPr>
-        <p:spPr/>
-        <p:txBody>
-          <a:bodyPr/>
-          <a:lstStyle/>
-          <a:p>
-            <a:endParaRPr lang="en-US" dirty="0"/>
-          </a:p>
-        </p:txBody>
-      </p:sp>
-      <p:sp>
-        <p:nvSpPr>
-          <p:cNvPr id="4" name="Slide Number Placeholder 3"/>
-          <p:cNvSpPr>
-            <a:spLocks noGrp="1"/>
-          </p:cNvSpPr>
-          <p:nvPr>
-            <p:ph type="sldNum" sz="quarter" idx="5"/>
-          </p:nvPr>
-        </p:nvSpPr>
-        <p:spPr/>
-        <p:txBody>
-          <a:bodyPr/>
-          <a:lstStyle/>
-          <a:p>
-            <a:fld id="{7A507E9C-E9CF-45CC-A225-331D2025989C}" type="slidenum">
-              <a:rPr lang="en-GB" smtClean="0"/>
-              <a:t>13</a:t>
-            </a:fld>
-            <a:endParaRPr lang="en-GB" dirty="0"/>
-          </a:p>
-        </p:txBody>
-      </p:sp>
-    </p:spTree>
-    <p:extLst>
-      <p:ext uri="{BB962C8B-B14F-4D97-AF65-F5344CB8AC3E}">
-        <p14:creationId xmlns:p14="http://schemas.microsoft.com/office/powerpoint/2010/main" val="2965049787"/>
-      </p:ext>
-    </p:extLst>
-  </p:cSld>
-  <p:clrMapOvr>
-    <a:masterClrMapping/>
-  </p:clrMapOvr>
-</p:notes>
-</file>
-
-<file path=ppt/notesSlides/notesSlide14.xml><?xml version="1.0" encoding="utf-8"?>
-<p:notes xmlns:a="http://schemas.openxmlformats.org/drawingml/2006/main" xmlns:r="http://schemas.openxmlformats.org/officeDocument/2006/relationships" xmlns:p="http://schemas.openxmlformats.org/presentationml/2006/main">
-  <p:cSld>
-    <p:spTree>
-      <p:nvGrpSpPr>
-        <p:cNvPr id="1" name=""/>
-        <p:cNvGrpSpPr/>
-        <p:nvPr/>
-      </p:nvGrpSpPr>
-      <p:grpSpPr>
-        <a:xfrm>
-          <a:off x="0" y="0"/>
-          <a:ext cx="0" cy="0"/>
-          <a:chOff x="0" y="0"/>
-          <a:chExt cx="0" cy="0"/>
-        </a:xfrm>
-      </p:grpSpPr>
-      <p:sp>
-        <p:nvSpPr>
-          <p:cNvPr id="2" name="Slide Image Placeholder 1"/>
-          <p:cNvSpPr>
-            <a:spLocks noGrp="1" noRot="1" noChangeAspect="1"/>
-          </p:cNvSpPr>
-          <p:nvPr>
-            <p:ph type="sldImg"/>
-          </p:nvPr>
-        </p:nvSpPr>
-        <p:spPr/>
-      </p:sp>
-      <p:sp>
-        <p:nvSpPr>
-          <p:cNvPr id="3" name="Notes Placeholder 2"/>
-          <p:cNvSpPr>
-            <a:spLocks noGrp="1"/>
-          </p:cNvSpPr>
-          <p:nvPr>
-            <p:ph type="body" idx="1"/>
-          </p:nvPr>
-        </p:nvSpPr>
-        <p:spPr/>
-        <p:txBody>
-          <a:bodyPr/>
-          <a:lstStyle/>
-          <a:p>
-            <a:r>
-              <a:rPr lang="en-US" dirty="0"/>
-              <a:t>*CLICK* So as well as the scenario we’ve just show, we can also these tests on cloud providers. Just now there is support for Sauce Labs, </a:t>
-            </a:r>
-            <a:r>
-              <a:rPr lang="en-US" dirty="0" err="1"/>
-              <a:t>TestingBot</a:t>
-            </a:r>
-            <a:r>
-              <a:rPr lang="en-US" dirty="0"/>
-              <a:t> and Browser Stack.</a:t>
-            </a:r>
-          </a:p>
-          <a:p>
-            <a:endParaRPr lang="en-US" dirty="0"/>
-          </a:p>
-          <a:p>
-            <a:r>
-              <a:rPr lang="en-US" dirty="0"/>
-              <a:t>*CLICK* It’s pretty simple to register these providers to </a:t>
-            </a:r>
-            <a:r>
-              <a:rPr lang="en-US" dirty="0" err="1"/>
-              <a:t>Zalenium</a:t>
-            </a:r>
-            <a:r>
-              <a:rPr lang="en-US" dirty="0"/>
-              <a:t>. An example of how to do this is shown below. You simply add these arguments to the </a:t>
-            </a:r>
-            <a:r>
-              <a:rPr lang="en-US" dirty="0" err="1"/>
-              <a:t>Zalenium</a:t>
-            </a:r>
-            <a:r>
-              <a:rPr lang="en-US" dirty="0"/>
-              <a:t> run command which we executed earlier.</a:t>
-            </a:r>
-          </a:p>
-        </p:txBody>
-      </p:sp>
-      <p:sp>
-        <p:nvSpPr>
-          <p:cNvPr id="4" name="Slide Number Placeholder 3"/>
-          <p:cNvSpPr>
-            <a:spLocks noGrp="1"/>
-          </p:cNvSpPr>
-          <p:nvPr>
-            <p:ph type="sldNum" sz="quarter" idx="5"/>
-          </p:nvPr>
-        </p:nvSpPr>
-        <p:spPr/>
-        <p:txBody>
-          <a:bodyPr/>
-          <a:lstStyle/>
-          <a:p>
-            <a:fld id="{7A507E9C-E9CF-45CC-A225-331D2025989C}" type="slidenum">
-              <a:rPr lang="en-GB" smtClean="0"/>
-              <a:t>14</a:t>
-            </a:fld>
-            <a:endParaRPr lang="en-GB" dirty="0"/>
-          </a:p>
-        </p:txBody>
-      </p:sp>
-    </p:spTree>
-    <p:extLst>
-      <p:ext uri="{BB962C8B-B14F-4D97-AF65-F5344CB8AC3E}">
-        <p14:creationId xmlns:p14="http://schemas.microsoft.com/office/powerpoint/2010/main" val="1491456688"/>
-      </p:ext>
-    </p:extLst>
-  </p:cSld>
-  <p:clrMapOvr>
-    <a:masterClrMapping/>
-  </p:clrMapOvr>
-</p:notes>
-</file>
-
-<file path=ppt/notesSlides/notesSlide15.xml><?xml version="1.0" encoding="utf-8"?>
-<p:notes xmlns:a="http://schemas.openxmlformats.org/drawingml/2006/main" xmlns:r="http://schemas.openxmlformats.org/officeDocument/2006/relationships" xmlns:p="http://schemas.openxmlformats.org/presentationml/2006/main">
-  <p:cSld>
-    <p:spTree>
-      <p:nvGrpSpPr>
-        <p:cNvPr id="1" name=""/>
-        <p:cNvGrpSpPr/>
-        <p:nvPr/>
-      </p:nvGrpSpPr>
-      <p:grpSpPr>
-        <a:xfrm>
-          <a:off x="0" y="0"/>
-          <a:ext cx="0" cy="0"/>
-          <a:chOff x="0" y="0"/>
-          <a:chExt cx="0" cy="0"/>
-        </a:xfrm>
-      </p:grpSpPr>
-      <p:sp>
-        <p:nvSpPr>
-          <p:cNvPr id="2" name="Slide Image Placeholder 1"/>
-          <p:cNvSpPr>
-            <a:spLocks noGrp="1" noRot="1" noChangeAspect="1"/>
-          </p:cNvSpPr>
-          <p:nvPr>
-            <p:ph type="sldImg"/>
-          </p:nvPr>
-        </p:nvSpPr>
-        <p:spPr/>
-      </p:sp>
-      <p:sp>
-        <p:nvSpPr>
-          <p:cNvPr id="3" name="Notes Placeholder 2"/>
-          <p:cNvSpPr>
-            <a:spLocks noGrp="1"/>
-          </p:cNvSpPr>
-          <p:nvPr>
-            <p:ph type="body" idx="1"/>
-          </p:nvPr>
-        </p:nvSpPr>
-        <p:spPr/>
-        <p:txBody>
-          <a:bodyPr/>
-          <a:lstStyle/>
-          <a:p>
-            <a:endParaRPr lang="en-US" dirty="0"/>
-          </a:p>
-        </p:txBody>
-      </p:sp>
-      <p:sp>
-        <p:nvSpPr>
-          <p:cNvPr id="4" name="Slide Number Placeholder 3"/>
-          <p:cNvSpPr>
-            <a:spLocks noGrp="1"/>
-          </p:cNvSpPr>
-          <p:nvPr>
-            <p:ph type="sldNum" sz="quarter" idx="5"/>
-          </p:nvPr>
-        </p:nvSpPr>
-        <p:spPr/>
-        <p:txBody>
-          <a:bodyPr/>
-          <a:lstStyle/>
-          <a:p>
-            <a:fld id="{7A507E9C-E9CF-45CC-A225-331D2025989C}" type="slidenum">
-              <a:rPr lang="en-GB" smtClean="0"/>
-              <a:t>15</a:t>
-            </a:fld>
-            <a:endParaRPr lang="en-GB" dirty="0"/>
-          </a:p>
-        </p:txBody>
-      </p:sp>
-    </p:spTree>
-    <p:extLst>
-      <p:ext uri="{BB962C8B-B14F-4D97-AF65-F5344CB8AC3E}">
-        <p14:creationId xmlns:p14="http://schemas.microsoft.com/office/powerpoint/2010/main" val="3675866693"/>
+        <p14:creationId xmlns:p14="http://schemas.microsoft.com/office/powerpoint/2010/main" val="2981770478"/>
       </p:ext>
     </p:extLst>
   </p:cSld>
@@ -1587,7 +996,26 @@
           <a:bodyPr/>
           <a:lstStyle/>
           <a:p>
-            <a:endParaRPr lang="en-US" dirty="0"/>
+            <a:r>
+              <a:rPr lang="en-US" dirty="0"/>
+              <a:t>Tonight’s Playground session will involve setting up a continuous testing pipeline in Jenkins. We will be using a set of JavaScript tests written using Selenium </a:t>
+            </a:r>
+            <a:r>
+              <a:rPr lang="en-US" dirty="0" err="1"/>
+              <a:t>WebDriver.io</a:t>
+            </a:r>
+            <a:r>
+              <a:rPr lang="en-US" dirty="0"/>
+              <a:t> and running these through </a:t>
+            </a:r>
+            <a:r>
+              <a:rPr lang="en-US" dirty="0" err="1"/>
+              <a:t>Zalenium</a:t>
+            </a:r>
+            <a:r>
+              <a:rPr lang="en-US" dirty="0"/>
+              <a:t>. At the end of the test run we will be generating test reports using Allure.</a:t>
+            </a:r>
           </a:p>
         </p:txBody>
       </p:sp>
@@ -1706,15 +1134,15 @@
           <a:p>
             <a:r>
               <a:rPr lang="en-US" dirty="0"/>
-              <a:t>The speaker lineup details should be getting announced soon, and you can follow them on Twitter @</a:t>
+              <a:t>The speaker lineup details are announced, full details can be found on the </a:t>
             </a:r>
             <a:r>
               <a:rPr lang="en-US" dirty="0" err="1"/>
-              <a:t>devopsdaysedi</a:t>
+              <a:t>DevOpsDays</a:t>
             </a:r>
             <a:r>
               <a:rPr lang="en-US" dirty="0"/>
-              <a:t> for further updates.</a:t>
+              <a:t> website or Twitter account.</a:t>
             </a:r>
           </a:p>
         </p:txBody>
@@ -1828,7 +1256,7 @@
           <a:p>
             <a:r>
               <a:rPr lang="en-US" dirty="0"/>
-              <a:t>If you find this Playground interesting and are interested in doing more like this then feel free to speak to any of us or Connor about potential opportunities as we are hiring.</a:t>
+              <a:t>If you find this Playground interesting and are interested in doing more like this then feel free to speak to any of us or Connor about potential opportunities.</a:t>
             </a:r>
           </a:p>
         </p:txBody>
@@ -2000,24 +1428,92 @@
           <a:bodyPr/>
           <a:lstStyle/>
           <a:p>
+            <a:pPr marL="0" marR="0" lvl="0" indent="0" algn="l" defTabSz="914400" rtl="0" eaLnBrk="1" fontAlgn="auto" latinLnBrk="0" hangingPunct="1">
+              <a:lnSpc>
+                <a:spcPct val="100000"/>
+              </a:lnSpc>
+              <a:spcBef>
+                <a:spcPts val="0"/>
+              </a:spcBef>
+              <a:spcAft>
+                <a:spcPts val="0"/>
+              </a:spcAft>
+              <a:buClrTx/>
+              <a:buSzTx/>
+              <a:buFontTx/>
+              <a:buNone/>
+              <a:tabLst/>
+              <a:defRPr/>
+            </a:pPr>
             <a:r>
               <a:rPr lang="en-US" dirty="0"/>
-              <a:t>First of all I’ll give a high-level overview of what Selenium WebDriver is. </a:t>
-            </a:r>
-          </a:p>
-          <a:p>
+              <a:t>*CLICK* </a:t>
+            </a:r>
+            <a:r>
+              <a:rPr lang="en-US" dirty="0" err="1"/>
+              <a:t>Zalenium</a:t>
+            </a:r>
+            <a:r>
+              <a:rPr lang="en-US" dirty="0"/>
+              <a:t> is an open-source tool created by </a:t>
+            </a:r>
+            <a:r>
+              <a:rPr lang="en-US" dirty="0" err="1"/>
+              <a:t>Zalando</a:t>
+            </a:r>
+            <a:r>
+              <a:rPr lang="en-US" dirty="0"/>
+              <a:t>, a German ecommerce company with a huge tech department, in 2017. It has </a:t>
+            </a:r>
+            <a:r>
+              <a:rPr lang="en-US" sz="1200" dirty="0"/>
+              <a:t>over 11,000 users in more than 80 countries. 500 people use it daily and has executed over 4.5 million tests since 2017.</a:t>
+            </a:r>
             <a:endParaRPr lang="en-US" dirty="0"/>
           </a:p>
           <a:p>
+            <a:endParaRPr lang="en-US" dirty="0"/>
+          </a:p>
+          <a:p>
+            <a:pPr marL="0" marR="0" lvl="0" indent="0" algn="l" defTabSz="914400" rtl="0" eaLnBrk="1" fontAlgn="auto" latinLnBrk="0" hangingPunct="1">
+              <a:lnSpc>
+                <a:spcPct val="100000"/>
+              </a:lnSpc>
+              <a:spcBef>
+                <a:spcPts val="0"/>
+              </a:spcBef>
+              <a:spcAft>
+                <a:spcPts val="0"/>
+              </a:spcAft>
+              <a:buClrTx/>
+              <a:buSzTx/>
+              <a:buFontTx/>
+              <a:buNone/>
+              <a:tabLst/>
+              <a:defRPr/>
+            </a:pPr>
             <a:r>
               <a:rPr lang="en-US" dirty="0"/>
-              <a:t>Who has used Selenium?</a:t>
-            </a:r>
+              <a:t>*CLICK* It can be run out of the box using Docker and Kubernetes. This means it can also be run on most cloud providers.</a:t>
+            </a:r>
+          </a:p>
+          <a:p>
+            <a:endParaRPr lang="en-US" dirty="0"/>
           </a:p>
           <a:p>
             <a:r>
               <a:rPr lang="en-US" dirty="0"/>
-              <a:t>Who has used Selenium Grid?</a:t>
+              <a:t>*CLICK* A lot of time is invested in setting up and maintaining your own Selenium Grid. Having all browser versions updated and in line with the Selenium WebDriver browser drivers is often a frustrating process. </a:t>
+            </a:r>
+          </a:p>
+          <a:p>
+            <a:r>
+              <a:rPr lang="en-US" dirty="0" err="1"/>
+              <a:t>Zalenium</a:t>
+            </a:r>
+            <a:r>
+              <a:rPr lang="en-US" dirty="0"/>
+              <a:t> manages this for you, removing this frustration.</a:t>
             </a:r>
           </a:p>
           <a:p>
@@ -2026,51 +1522,41 @@
           <a:p>
             <a:r>
               <a:rPr lang="en-US" dirty="0"/>
-              <a:t>*CLICK* WebDriver is an open source web automation framework that allows you to automate tests against different web browsers. </a:t>
-            </a:r>
-          </a:p>
-          <a:p>
+              <a:t>*CLICK* </a:t>
+            </a:r>
+            <a:r>
+              <a:rPr lang="en-US" dirty="0" err="1"/>
+              <a:t>Zalenium</a:t>
+            </a:r>
             <a:r>
               <a:rPr lang="en-US" dirty="0"/>
-              <a:t>It interacts with page elements and allows you to assert that certain elements are displayed on the page, can be interacted with and text can be input as just a few examples. It allows us to add browser testing to our continuous testing solution.</a:t>
-            </a:r>
-          </a:p>
-          <a:p>
+              <a:t> allows anyone to have flexible and disposable Selenium Grid infrastructure created within seconds. It means that functional testing can take place easily at any point in the development cycle as the infrastructure is available to all.</a:t>
+            </a:r>
+          </a:p>
+          <a:p>
+            <a:endParaRPr lang="en-US" dirty="0"/>
+          </a:p>
+          <a:p>
+            <a:pPr marL="0" marR="0" lvl="0" indent="0" algn="l" defTabSz="914400" rtl="0" eaLnBrk="1" fontAlgn="auto" latinLnBrk="0" hangingPunct="1">
+              <a:lnSpc>
+                <a:spcPct val="100000"/>
+              </a:lnSpc>
+              <a:spcBef>
+                <a:spcPts val="0"/>
+              </a:spcBef>
+              <a:spcAft>
+                <a:spcPts val="0"/>
+              </a:spcAft>
+              <a:buClrTx/>
+              <a:buSzTx/>
+              <a:buFontTx/>
+              <a:buNone/>
+              <a:tabLst/>
+              <a:defRPr/>
+            </a:pPr>
             <a:r>
               <a:rPr lang="en-US" dirty="0"/>
-              <a:t>You can write your tests in your language of choice. I know there’s support for C#, Java, JavaScript, Python and many more.</a:t>
-            </a:r>
-          </a:p>
-          <a:p>
-            <a:endParaRPr lang="en-US" dirty="0"/>
-          </a:p>
-          <a:p>
-            <a:r>
-              <a:rPr lang="en-US" dirty="0"/>
-              <a:t>For tonight’s hands-on example we have created a small suite of simple JavaScript tests which run in parallel. We won’t be delving into the </a:t>
-            </a:r>
-            <a:r>
-              <a:rPr lang="en-US" dirty="0" err="1"/>
-              <a:t>Javascript</a:t>
-            </a:r>
-            <a:r>
-              <a:rPr lang="en-US" dirty="0"/>
-              <a:t> code itself, but feel free to see how it has been created in our GitHub repo after tonight’s session.</a:t>
-            </a:r>
-          </a:p>
-          <a:p>
-            <a:endParaRPr lang="en-US" dirty="0"/>
-          </a:p>
-          <a:p>
-            <a:r>
-              <a:rPr lang="en-US" dirty="0"/>
-              <a:t>*CLICK* docker-selenium is a Docker image for Selenium Grid. Selenium Grid allows us to run distributed test cases across multiple machines. Selenium for docker allows us to create pre-made Docker containers which include Selenium Grid, making running tests created in WebDriver easy.</a:t>
-            </a:r>
-          </a:p>
-          <a:p>
-            <a:r>
-              <a:rPr lang="en-US" dirty="0"/>
-              <a:t>It contains configurations for Firefox and Chrome.</a:t>
+              <a:t>*CLICK* The number of docker-selenium instances scales during run time of the tests. Once the requests to run the tests are received the tool creates new containers. Once the tests are finished it auto-deletes the containers meaning resource is not wasted.</a:t>
             </a:r>
           </a:p>
         </p:txBody>
@@ -2155,139 +1641,6 @@
           <a:bodyPr/>
           <a:lstStyle/>
           <a:p>
-            <a:r>
-              <a:rPr lang="en-US" dirty="0"/>
-              <a:t>*CLICK* </a:t>
-            </a:r>
-            <a:r>
-              <a:rPr lang="en-US" dirty="0" err="1"/>
-              <a:t>Zalenium</a:t>
-            </a:r>
-            <a:r>
-              <a:rPr lang="en-US" dirty="0"/>
-              <a:t> is an open-source tool created by a company called </a:t>
-            </a:r>
-            <a:r>
-              <a:rPr lang="en-US" dirty="0" err="1"/>
-              <a:t>Zalando</a:t>
-            </a:r>
-            <a:r>
-              <a:rPr lang="en-US" dirty="0"/>
-              <a:t>. </a:t>
-            </a:r>
-            <a:r>
-              <a:rPr lang="en-US" dirty="0" err="1"/>
-              <a:t>Zalando</a:t>
-            </a:r>
-            <a:r>
-              <a:rPr lang="en-US" dirty="0"/>
-              <a:t> are an ecommerce company based in Germany </a:t>
-            </a:r>
-            <a:r>
-              <a:rPr lang="en-US" dirty="0" err="1"/>
-              <a:t>specialising</a:t>
-            </a:r>
-            <a:r>
-              <a:rPr lang="en-US" dirty="0"/>
-              <a:t> in fashion and beauty with over 1,000 employees in the tech department. Then Name of </a:t>
-            </a:r>
-            <a:r>
-              <a:rPr lang="en-US" dirty="0" err="1"/>
-              <a:t>Zalenium</a:t>
-            </a:r>
-            <a:r>
-              <a:rPr lang="en-US" dirty="0"/>
-              <a:t> tool is mixture of </a:t>
-            </a:r>
-            <a:r>
-              <a:rPr lang="en-US" dirty="0" err="1"/>
-              <a:t>Zalando</a:t>
-            </a:r>
-            <a:r>
-              <a:rPr lang="en-US" dirty="0"/>
-              <a:t> and Selenium.</a:t>
-            </a:r>
-          </a:p>
-          <a:p>
-            <a:endParaRPr lang="en-US" dirty="0"/>
-          </a:p>
-          <a:p>
-            <a:r>
-              <a:rPr lang="en-US" dirty="0"/>
-              <a:t>*CLICK* The main purpose of the tool is to allow you to create dynamic and on-demand docker-selenium instances within seconds. </a:t>
-            </a:r>
-          </a:p>
-          <a:p>
-            <a:endParaRPr lang="en-US" dirty="0"/>
-          </a:p>
-          <a:p>
-            <a:r>
-              <a:rPr lang="en-US" dirty="0"/>
-              <a:t>*CLICK* It can be run out of the box using Docker and Kubernetes. It is is the only open source tool which provides complete functionality with both of these. It can also be run on most cloud providers e.g. AWS, Azure, Google Cloud Engine etc.</a:t>
-            </a:r>
-          </a:p>
-          <a:p>
-            <a:endParaRPr lang="en-US" dirty="0"/>
-          </a:p>
-          <a:p>
-            <a:r>
-              <a:rPr lang="en-US" dirty="0"/>
-              <a:t>*CLICK* As it is based on docker-selenium, tests can be run on Firefox and Chrome. I’ll discuss a bit later about how it is possible to run tests on other browsers using </a:t>
-            </a:r>
-            <a:r>
-              <a:rPr lang="en-US" dirty="0" err="1"/>
-              <a:t>Zalenium</a:t>
-            </a:r>
-            <a:r>
-              <a:rPr lang="en-US" dirty="0"/>
-              <a:t>.</a:t>
-            </a:r>
-          </a:p>
-          <a:p>
-            <a:endParaRPr lang="en-US" dirty="0"/>
-          </a:p>
-          <a:p>
-            <a:r>
-              <a:rPr lang="en-US" dirty="0"/>
-              <a:t>*CLICK* The number of docker-selenium instances scales during run time of the tests. Once the requests to run the tests are received the tool creates new containers. Once the tests are finished it auto-deletes the containers meaning resource is not wasted.</a:t>
-            </a:r>
-          </a:p>
-          <a:p>
-            <a:endParaRPr lang="en-US" dirty="0"/>
-          </a:p>
-          <a:p>
-            <a:r>
-              <a:rPr lang="en-US" dirty="0"/>
-              <a:t>*CLICK* It’s really simple to set up and get started with.</a:t>
-            </a:r>
-          </a:p>
-          <a:p>
-            <a:endParaRPr lang="en-US" dirty="0"/>
-          </a:p>
-          <a:p>
-            <a:r>
-              <a:rPr lang="en-US" dirty="0"/>
-              <a:t>*CLICK* It can work in collaboration with cloud testing providers, such as Sauce Labs, </a:t>
-            </a:r>
-            <a:r>
-              <a:rPr lang="en-US" dirty="0" err="1"/>
-              <a:t>TestingBot</a:t>
-            </a:r>
-            <a:r>
-              <a:rPr lang="en-US" dirty="0"/>
-              <a:t> and Browser Stack, meaning that tests can be run on other platforms. </a:t>
-            </a:r>
-          </a:p>
-          <a:p>
-            <a:endParaRPr lang="en-US" dirty="0"/>
-          </a:p>
-          <a:p>
-            <a:endParaRPr lang="en-US" dirty="0"/>
-          </a:p>
-          <a:p>
-            <a:endParaRPr lang="en-US" dirty="0"/>
-          </a:p>
-          <a:p>
             <a:pPr marL="0" marR="0" lvl="0" indent="0" algn="l" defTabSz="914400" rtl="0" eaLnBrk="1" fontAlgn="auto" latinLnBrk="0" hangingPunct="1">
               <a:lnSpc>
                 <a:spcPct val="100000"/>
@@ -2305,13 +1658,6 @@
               <a:tabLst/>
               <a:defRPr/>
             </a:pPr>
-            <a:r>
-              <a:rPr lang="en-US" sz="1200" dirty="0"/>
-              <a:t>Over 11,000 users in more than 80 countries. 500 people use it daily and has executed over 4.5 million tests since 2017.</a:t>
-            </a:r>
-            <a:endParaRPr lang="en-US" dirty="0"/>
-          </a:p>
-          <a:p>
             <a:endParaRPr lang="en-US" dirty="0"/>
           </a:p>
         </p:txBody>
@@ -2342,7 +1688,7 @@
     </p:spTree>
     <p:extLst>
       <p:ext uri="{BB962C8B-B14F-4D97-AF65-F5344CB8AC3E}">
-        <p14:creationId xmlns:p14="http://schemas.microsoft.com/office/powerpoint/2010/main" val="3415472371"/>
+        <p14:creationId xmlns:p14="http://schemas.microsoft.com/office/powerpoint/2010/main" val="2394361495"/>
       </p:ext>
     </p:extLst>
   </p:cSld>
@@ -2396,58 +1742,6 @@
           <a:bodyPr/>
           <a:lstStyle/>
           <a:p>
-            <a:r>
-              <a:rPr lang="en-US" dirty="0"/>
-              <a:t>I’ll now go into a bit more detail about how </a:t>
-            </a:r>
-            <a:r>
-              <a:rPr lang="en-US" dirty="0" err="1"/>
-              <a:t>Zalenium</a:t>
-            </a:r>
-            <a:r>
-              <a:rPr lang="en-US" dirty="0"/>
-              <a:t> works behind the scenes.</a:t>
-            </a:r>
-          </a:p>
-          <a:p>
-            <a:endParaRPr lang="en-US" dirty="0"/>
-          </a:p>
-          <a:p>
-            <a:r>
-              <a:rPr lang="en-US" dirty="0"/>
-              <a:t>*CLICK* Upon entering the run command, which we’ll show later, a Selenium Grid Hub is started by </a:t>
-            </a:r>
-            <a:r>
-              <a:rPr lang="en-US" dirty="0" err="1"/>
-              <a:t>Zalenium</a:t>
-            </a:r>
-            <a:r>
-              <a:rPr lang="en-US" dirty="0"/>
-              <a:t>.</a:t>
-            </a:r>
-          </a:p>
-          <a:p>
-            <a:endParaRPr lang="en-US" dirty="0"/>
-          </a:p>
-          <a:p>
-            <a:r>
-              <a:rPr lang="en-US" dirty="0"/>
-              <a:t>*CLICK* A docker-selenium starter proxy is then started. This Is used to handle incoming requests.</a:t>
-            </a:r>
-          </a:p>
-          <a:p>
-            <a:endParaRPr lang="en-US" dirty="0"/>
-          </a:p>
-          <a:p>
-            <a:r>
-              <a:rPr lang="en-US" dirty="0"/>
-              <a:t>*CLICK* When a test request is triggered by the host machine, a request is sent to the Grid Hub.</a:t>
-            </a:r>
-          </a:p>
-          <a:p>
-            <a:endParaRPr lang="en-US" dirty="0"/>
-          </a:p>
-          <a:p>
             <a:pPr marL="0" marR="0" lvl="0" indent="0" algn="l" defTabSz="914400" rtl="0" eaLnBrk="1" fontAlgn="auto" latinLnBrk="0" hangingPunct="1">
               <a:lnSpc>
                 <a:spcPct val="100000"/>
@@ -2466,8 +1760,28 @@
               <a:defRPr/>
             </a:pPr>
             <a:r>
-              <a:rPr lang="en-US" dirty="0"/>
-              <a:t>*CLICK* The Hub then sends the request to the docker-selenium proxy, which creates a new container, which will register itself to the Grid Hub.</a:t>
+              <a:rPr lang="en-GB" sz="1200" b="0" i="0" kern="1200" dirty="0">
+                <a:solidFill>
+                  <a:schemeClr val="tx1"/>
+                </a:solidFill>
+                <a:effectLst/>
+                <a:latin typeface="+mn-lt"/>
+                <a:ea typeface="+mn-ea"/>
+                <a:cs typeface="+mn-cs"/>
+              </a:rPr>
+              <a:t>Jenkins is an open-source tool which offers a simple way to set up a continuous integration environment for almost any combination of languages and source code repositories</a:t>
+            </a:r>
+            <a:r>
+              <a:rPr lang="en-US" sz="1200" b="0" i="0" kern="1200" dirty="0">
+                <a:solidFill>
+                  <a:schemeClr val="tx1"/>
+                </a:solidFill>
+                <a:effectLst/>
+                <a:latin typeface="+mn-lt"/>
+                <a:ea typeface="+mn-ea"/>
+                <a:cs typeface="+mn-cs"/>
+              </a:rPr>
+              <a:t>. Activities can be triggered by pull requests being completed into a code repository, for example.</a:t>
             </a:r>
           </a:p>
           <a:p>
@@ -2488,7 +1802,15 @@
               <a:tabLst/>
               <a:defRPr/>
             </a:pPr>
-            <a:endParaRPr lang="en-US" dirty="0"/>
+            <a:endParaRPr lang="en-US" sz="1200" b="0" i="0" kern="1200" dirty="0">
+              <a:solidFill>
+                <a:schemeClr val="tx1"/>
+              </a:solidFill>
+              <a:effectLst/>
+              <a:latin typeface="+mn-lt"/>
+              <a:ea typeface="+mn-ea"/>
+              <a:cs typeface="+mn-cs"/>
+            </a:endParaRPr>
           </a:p>
           <a:p>
             <a:pPr marL="0" marR="0" lvl="0" indent="0" algn="l" defTabSz="914400" rtl="0" eaLnBrk="1" fontAlgn="auto" latinLnBrk="0" hangingPunct="1">
@@ -2509,8 +1831,40 @@
               <a:defRPr/>
             </a:pPr>
             <a:r>
-              <a:rPr lang="en-US" dirty="0"/>
-              <a:t>*CLICK* The Hub then assigns a new test to the container where it is executed.</a:t>
+              <a:rPr lang="en-GB" sz="1200" b="0" i="0" kern="1200" dirty="0">
+                <a:solidFill>
+                  <a:schemeClr val="tx1"/>
+                </a:solidFill>
+                <a:effectLst/>
+                <a:latin typeface="+mn-lt"/>
+                <a:ea typeface="+mn-ea"/>
+                <a:cs typeface="+mn-cs"/>
+              </a:rPr>
+              <a:t>*CLICK* Jenkins Pipeline is a suite of plugins which supports implementing and integrating </a:t>
+            </a:r>
+            <a:r>
+              <a:rPr lang="en-GB" sz="1200" b="0" i="1" kern="1200" dirty="0">
+                <a:solidFill>
+                  <a:schemeClr val="tx1"/>
+                </a:solidFill>
+                <a:effectLst/>
+                <a:latin typeface="+mn-lt"/>
+                <a:ea typeface="+mn-ea"/>
+                <a:cs typeface="+mn-cs"/>
+              </a:rPr>
+              <a:t>continuous delivery pipelines</a:t>
+            </a:r>
+            <a:r>
+              <a:rPr lang="en-GB" sz="1200" b="0" i="0" kern="1200" dirty="0">
+                <a:solidFill>
+                  <a:schemeClr val="tx1"/>
+                </a:solidFill>
+                <a:effectLst/>
+                <a:latin typeface="+mn-lt"/>
+                <a:ea typeface="+mn-ea"/>
+                <a:cs typeface="+mn-cs"/>
+              </a:rPr>
+              <a:t> into Jenkins.</a:t>
             </a:r>
           </a:p>
           <a:p>
@@ -2531,7 +1885,15 @@
               <a:tabLst/>
               <a:defRPr/>
             </a:pPr>
-            <a:endParaRPr lang="en-US" dirty="0"/>
+            <a:endParaRPr lang="en-GB" sz="1200" b="0" i="0" kern="1200" dirty="0">
+              <a:solidFill>
+                <a:schemeClr val="tx1"/>
+              </a:solidFill>
+              <a:effectLst/>
+              <a:latin typeface="+mn-lt"/>
+              <a:ea typeface="+mn-ea"/>
+              <a:cs typeface="+mn-cs"/>
+            </a:endParaRPr>
           </a:p>
           <a:p>
             <a:pPr marL="0" marR="0" lvl="0" indent="0" algn="l" defTabSz="914400" rtl="0" eaLnBrk="1" fontAlgn="auto" latinLnBrk="0" hangingPunct="1">
@@ -2552,8 +1914,16 @@
               <a:defRPr/>
             </a:pPr>
             <a:r>
-              <a:rPr lang="en-US" dirty="0"/>
-              <a:t>*CLICK* Once the test is complete, the node is shut down and a video file is saved to a temporary location on the host machine.</a:t>
+              <a:rPr lang="en-GB" sz="1200" b="0" i="0" kern="1200" dirty="0">
+                <a:solidFill>
+                  <a:schemeClr val="tx1"/>
+                </a:solidFill>
+                <a:effectLst/>
+                <a:latin typeface="+mn-lt"/>
+                <a:ea typeface="+mn-ea"/>
+                <a:cs typeface="+mn-cs"/>
+              </a:rPr>
+              <a:t>It allows us to implement a repeatable process for getting code from version control right through to our users or customers. It allows us to implement a reliable process of moving software through different stages of testing and deployment.</a:t>
             </a:r>
           </a:p>
           <a:p>
@@ -2574,7 +1944,15 @@
               <a:tabLst/>
               <a:defRPr/>
             </a:pPr>
-            <a:endParaRPr lang="en-US" dirty="0"/>
+            <a:endParaRPr lang="en-GB" sz="1200" b="0" i="0" kern="1200" dirty="0">
+              <a:solidFill>
+                <a:schemeClr val="tx1"/>
+              </a:solidFill>
+              <a:effectLst/>
+              <a:latin typeface="+mn-lt"/>
+              <a:ea typeface="+mn-ea"/>
+              <a:cs typeface="+mn-cs"/>
+            </a:endParaRPr>
           </a:p>
           <a:p>
             <a:pPr marL="0" marR="0" lvl="0" indent="0" algn="l" defTabSz="914400" rtl="0" eaLnBrk="1" fontAlgn="auto" latinLnBrk="0" hangingPunct="1">
@@ -2594,10 +1972,329 @@
               <a:tabLst/>
               <a:defRPr/>
             </a:pPr>
-            <a:endParaRPr lang="en-US" dirty="0"/>
-          </a:p>
-          <a:p>
-            <a:endParaRPr lang="en-US" dirty="0"/>
+            <a:r>
+              <a:rPr lang="en-GB" sz="1200" b="0" i="0" kern="1200" dirty="0">
+                <a:solidFill>
+                  <a:schemeClr val="tx1"/>
+                </a:solidFill>
+                <a:effectLst/>
+                <a:latin typeface="+mn-lt"/>
+                <a:ea typeface="+mn-ea"/>
+                <a:cs typeface="+mn-cs"/>
+              </a:rPr>
+              <a:t>*CLICK* Pipeline provides an extensible set of tools for </a:t>
+            </a:r>
+            <a:r>
+              <a:rPr lang="en-GB" sz="1200" b="0" i="0" kern="1200" dirty="0" err="1">
+                <a:solidFill>
+                  <a:schemeClr val="tx1"/>
+                </a:solidFill>
+                <a:effectLst/>
+                <a:latin typeface="+mn-lt"/>
+                <a:ea typeface="+mn-ea"/>
+                <a:cs typeface="+mn-cs"/>
+              </a:rPr>
+              <a:t>modeling</a:t>
+            </a:r>
+            <a:r>
+              <a:rPr lang="en-GB" sz="1200" b="0" i="0" kern="1200" dirty="0">
+                <a:solidFill>
+                  <a:schemeClr val="tx1"/>
+                </a:solidFill>
+                <a:effectLst/>
+                <a:latin typeface="+mn-lt"/>
+                <a:ea typeface="+mn-ea"/>
+                <a:cs typeface="+mn-cs"/>
+              </a:rPr>
+              <a:t> simple-to-complex delivery pipelines "as code" via the Pipeline syntax, which is built on Groovy.</a:t>
+            </a:r>
+          </a:p>
+          <a:p>
+            <a:pPr marL="0" marR="0" lvl="0" indent="0" algn="l" defTabSz="914400" rtl="0" eaLnBrk="1" fontAlgn="auto" latinLnBrk="0" hangingPunct="1">
+              <a:lnSpc>
+                <a:spcPct val="100000"/>
+              </a:lnSpc>
+              <a:spcBef>
+                <a:spcPts val="0"/>
+              </a:spcBef>
+              <a:spcAft>
+                <a:spcPts val="0"/>
+              </a:spcAft>
+              <a:buClrTx/>
+              <a:buSzTx/>
+              <a:buFontTx/>
+              <a:buNone/>
+              <a:tabLst/>
+              <a:defRPr/>
+            </a:pPr>
+            <a:endParaRPr lang="en-GB" sz="1200" b="0" i="0" kern="1200" dirty="0">
+              <a:solidFill>
+                <a:schemeClr val="tx1"/>
+              </a:solidFill>
+              <a:effectLst/>
+              <a:latin typeface="+mn-lt"/>
+              <a:ea typeface="+mn-ea"/>
+              <a:cs typeface="+mn-cs"/>
+            </a:endParaRPr>
+          </a:p>
+          <a:p>
+            <a:pPr marL="0" marR="0" lvl="0" indent="0" algn="l" defTabSz="914400" rtl="0" eaLnBrk="1" fontAlgn="auto" latinLnBrk="0" hangingPunct="1">
+              <a:lnSpc>
+                <a:spcPct val="100000"/>
+              </a:lnSpc>
+              <a:spcBef>
+                <a:spcPts val="0"/>
+              </a:spcBef>
+              <a:spcAft>
+                <a:spcPts val="0"/>
+              </a:spcAft>
+              <a:buClrTx/>
+              <a:buSzTx/>
+              <a:buFontTx/>
+              <a:buNone/>
+              <a:tabLst/>
+              <a:defRPr/>
+            </a:pPr>
+            <a:r>
+              <a:rPr lang="en-GB" sz="1200" b="0" i="0" kern="1200" dirty="0">
+                <a:solidFill>
+                  <a:schemeClr val="tx1"/>
+                </a:solidFill>
+                <a:effectLst/>
+                <a:latin typeface="+mn-lt"/>
+                <a:ea typeface="+mn-ea"/>
+                <a:cs typeface="+mn-cs"/>
+              </a:rPr>
+              <a:t>*CLICK* The Pipeline script that you create can be put into source control in the format of a </a:t>
+            </a:r>
+            <a:r>
+              <a:rPr lang="en-GB" sz="1200" b="0" i="0" kern="1200" dirty="0" err="1">
+                <a:solidFill>
+                  <a:schemeClr val="tx1"/>
+                </a:solidFill>
+                <a:effectLst/>
+                <a:latin typeface="+mn-lt"/>
+                <a:ea typeface="+mn-ea"/>
+                <a:cs typeface="+mn-cs"/>
+              </a:rPr>
+              <a:t>Jenkinsfile</a:t>
+            </a:r>
+            <a:r>
+              <a:rPr lang="en-GB" sz="1200" b="0" i="0" kern="1200" dirty="0">
+                <a:solidFill>
+                  <a:schemeClr val="tx1"/>
+                </a:solidFill>
+                <a:effectLst/>
+                <a:latin typeface="+mn-lt"/>
+                <a:ea typeface="+mn-ea"/>
+                <a:cs typeface="+mn-cs"/>
+              </a:rPr>
+              <a:t>. For the purposes of this evening’s Playground we will not be using a </a:t>
+            </a:r>
+            <a:r>
+              <a:rPr lang="en-GB" sz="1200" b="0" i="0" kern="1200" dirty="0" err="1">
+                <a:solidFill>
+                  <a:schemeClr val="tx1"/>
+                </a:solidFill>
+                <a:effectLst/>
+                <a:latin typeface="+mn-lt"/>
+                <a:ea typeface="+mn-ea"/>
+                <a:cs typeface="+mn-cs"/>
+              </a:rPr>
+              <a:t>Jenkinsfile</a:t>
+            </a:r>
+            <a:r>
+              <a:rPr lang="en-GB" sz="1200" b="0" i="0" kern="1200" dirty="0">
+                <a:solidFill>
+                  <a:schemeClr val="tx1"/>
+                </a:solidFill>
+                <a:effectLst/>
+                <a:latin typeface="+mn-lt"/>
+                <a:ea typeface="+mn-ea"/>
+                <a:cs typeface="+mn-cs"/>
+              </a:rPr>
+              <a:t> but editing directly in the Jenkins UI.</a:t>
+            </a:r>
+          </a:p>
+          <a:p>
+            <a:pPr marL="0" marR="0" lvl="0" indent="0" algn="l" defTabSz="914400" rtl="0" eaLnBrk="1" fontAlgn="auto" latinLnBrk="0" hangingPunct="1">
+              <a:lnSpc>
+                <a:spcPct val="100000"/>
+              </a:lnSpc>
+              <a:spcBef>
+                <a:spcPts val="0"/>
+              </a:spcBef>
+              <a:spcAft>
+                <a:spcPts val="0"/>
+              </a:spcAft>
+              <a:buClrTx/>
+              <a:buSzTx/>
+              <a:buFontTx/>
+              <a:buNone/>
+              <a:tabLst/>
+              <a:defRPr/>
+            </a:pPr>
+            <a:endParaRPr lang="en-GB" sz="1200" b="0" i="0" kern="1200" dirty="0">
+              <a:solidFill>
+                <a:schemeClr val="tx1"/>
+              </a:solidFill>
+              <a:effectLst/>
+              <a:latin typeface="+mn-lt"/>
+              <a:ea typeface="+mn-ea"/>
+              <a:cs typeface="+mn-cs"/>
+            </a:endParaRPr>
+          </a:p>
+          <a:p>
+            <a:pPr marL="0" marR="0" lvl="0" indent="0" algn="l" defTabSz="914400" rtl="0" eaLnBrk="1" fontAlgn="auto" latinLnBrk="0" hangingPunct="1">
+              <a:lnSpc>
+                <a:spcPct val="100000"/>
+              </a:lnSpc>
+              <a:spcBef>
+                <a:spcPts val="0"/>
+              </a:spcBef>
+              <a:spcAft>
+                <a:spcPts val="0"/>
+              </a:spcAft>
+              <a:buClrTx/>
+              <a:buSzTx/>
+              <a:buFontTx/>
+              <a:buNone/>
+              <a:tabLst/>
+              <a:defRPr/>
+            </a:pPr>
+            <a:r>
+              <a:rPr lang="en-GB" sz="1200" b="0" i="0" kern="1200" dirty="0">
+                <a:solidFill>
+                  <a:schemeClr val="tx1"/>
+                </a:solidFill>
+                <a:effectLst/>
+                <a:latin typeface="+mn-lt"/>
+                <a:ea typeface="+mn-ea"/>
+                <a:cs typeface="+mn-cs"/>
+              </a:rPr>
+              <a:t>This is not best practice. It’s highly advised to have your Pipeline script in version control as it:</a:t>
+            </a:r>
+          </a:p>
+          <a:p>
+            <a:pPr marL="0" marR="0" lvl="0" indent="0" algn="l" defTabSz="914400" rtl="0" eaLnBrk="1" fontAlgn="auto" latinLnBrk="0" hangingPunct="1">
+              <a:lnSpc>
+                <a:spcPct val="100000"/>
+              </a:lnSpc>
+              <a:spcBef>
+                <a:spcPts val="0"/>
+              </a:spcBef>
+              <a:spcAft>
+                <a:spcPts val="0"/>
+              </a:spcAft>
+              <a:buClrTx/>
+              <a:buSzTx/>
+              <a:buFontTx/>
+              <a:buNone/>
+              <a:tabLst/>
+              <a:defRPr/>
+            </a:pPr>
+            <a:endParaRPr lang="en-GB" sz="1200" b="0" i="0" kern="1200" dirty="0">
+              <a:solidFill>
+                <a:schemeClr val="tx1"/>
+              </a:solidFill>
+              <a:effectLst/>
+              <a:latin typeface="+mn-lt"/>
+              <a:ea typeface="+mn-ea"/>
+              <a:cs typeface="+mn-cs"/>
+            </a:endParaRPr>
+          </a:p>
+          <a:p>
+            <a:pPr marL="0" marR="0" lvl="0" indent="0" algn="l" defTabSz="914400" rtl="0" eaLnBrk="1" fontAlgn="auto" latinLnBrk="0" hangingPunct="1">
+              <a:lnSpc>
+                <a:spcPct val="100000"/>
+              </a:lnSpc>
+              <a:spcBef>
+                <a:spcPts val="0"/>
+              </a:spcBef>
+              <a:spcAft>
+                <a:spcPts val="0"/>
+              </a:spcAft>
+              <a:buClrTx/>
+              <a:buSzTx/>
+              <a:buFontTx/>
+              <a:buNone/>
+              <a:tabLst/>
+              <a:defRPr/>
+            </a:pPr>
+            <a:r>
+              <a:rPr lang="en-GB" sz="1200" b="0" i="0" kern="1200" dirty="0">
+                <a:solidFill>
+                  <a:schemeClr val="tx1"/>
+                </a:solidFill>
+                <a:effectLst/>
+                <a:latin typeface="+mn-lt"/>
+                <a:ea typeface="+mn-ea"/>
+                <a:cs typeface="+mn-cs"/>
+              </a:rPr>
+              <a:t>*CLICK* means all changes can go through code review.</a:t>
+            </a:r>
+          </a:p>
+          <a:p>
+            <a:pPr marL="0" marR="0" lvl="0" indent="0" algn="l" defTabSz="914400" rtl="0" eaLnBrk="1" fontAlgn="auto" latinLnBrk="0" hangingPunct="1">
+              <a:lnSpc>
+                <a:spcPct val="100000"/>
+              </a:lnSpc>
+              <a:spcBef>
+                <a:spcPts val="0"/>
+              </a:spcBef>
+              <a:spcAft>
+                <a:spcPts val="0"/>
+              </a:spcAft>
+              <a:buClrTx/>
+              <a:buSzTx/>
+              <a:buFontTx/>
+              <a:buNone/>
+              <a:tabLst/>
+              <a:defRPr/>
+            </a:pPr>
+            <a:r>
+              <a:rPr lang="en-GB" sz="1200" b="0" i="0" kern="1200" dirty="0">
+                <a:solidFill>
+                  <a:schemeClr val="tx1"/>
+                </a:solidFill>
+                <a:effectLst/>
+                <a:latin typeface="+mn-lt"/>
+                <a:ea typeface="+mn-ea"/>
+                <a:cs typeface="+mn-cs"/>
+              </a:rPr>
+              <a:t>*CLICK* there is an audit trail for the Pipeline script. This is not available when editing directly in Jenkins UI.</a:t>
+            </a:r>
+          </a:p>
+          <a:p>
+            <a:pPr marL="0" marR="0" lvl="0" indent="0" algn="l" defTabSz="914400" rtl="0" eaLnBrk="1" fontAlgn="auto" latinLnBrk="0" hangingPunct="1">
+              <a:lnSpc>
+                <a:spcPct val="100000"/>
+              </a:lnSpc>
+              <a:spcBef>
+                <a:spcPts val="0"/>
+              </a:spcBef>
+              <a:spcAft>
+                <a:spcPts val="0"/>
+              </a:spcAft>
+              <a:buClrTx/>
+              <a:buSzTx/>
+              <a:buFontTx/>
+              <a:buNone/>
+              <a:tabLst/>
+              <a:defRPr/>
+            </a:pPr>
+            <a:r>
+              <a:rPr lang="en-GB" sz="1200" b="0" i="0" kern="1200" dirty="0">
+                <a:solidFill>
+                  <a:schemeClr val="tx1"/>
+                </a:solidFill>
+                <a:effectLst/>
+                <a:latin typeface="+mn-lt"/>
+                <a:ea typeface="+mn-ea"/>
+                <a:cs typeface="+mn-cs"/>
+              </a:rPr>
+              <a:t>*CLICK* All branches and pull requests will follow a Pipeline build process.</a:t>
+            </a:r>
           </a:p>
         </p:txBody>
       </p:sp>
@@ -2627,7 +2324,7 @@
     </p:spTree>
     <p:extLst>
       <p:ext uri="{BB962C8B-B14F-4D97-AF65-F5344CB8AC3E}">
-        <p14:creationId xmlns:p14="http://schemas.microsoft.com/office/powerpoint/2010/main" val="2514290525"/>
+        <p14:creationId xmlns:p14="http://schemas.microsoft.com/office/powerpoint/2010/main" val="3746921493"/>
       </p:ext>
     </p:extLst>
   </p:cSld>
@@ -2681,32 +2378,388 @@
           <a:bodyPr/>
           <a:lstStyle/>
           <a:p>
-            <a:r>
-              <a:rPr lang="en-US" dirty="0"/>
-              <a:t>That’s an overview of how the main functionality of </a:t>
-            </a:r>
-            <a:r>
-              <a:rPr lang="en-US" dirty="0" err="1"/>
-              <a:t>Zalenium</a:t>
-            </a:r>
-            <a:r>
-              <a:rPr lang="en-US" dirty="0"/>
-              <a:t> is performed and the process it goes through, but there is also an additional scenario.</a:t>
-            </a:r>
-          </a:p>
-          <a:p>
-            <a:endParaRPr lang="en-US" dirty="0"/>
-          </a:p>
-          <a:p>
-            <a:r>
-              <a:rPr lang="en-US" dirty="0"/>
-              <a:t>*CLICK* If the Grid Hub receives a test that docker-selenium cannot run (i.e. one in a browser other than Chrome or Firefox), then it will check for the availability of a cloud testing provider, such as Sauce Labs, which is where it will run those tests. </a:t>
-            </a:r>
-          </a:p>
-          <a:p>
-            <a:r>
-              <a:rPr lang="en-US" dirty="0"/>
-              <a:t>I’ll cover how to specify the availability of a cloud testing provider later on.</a:t>
+            <a:pPr marL="0" marR="0" lvl="0" indent="0" algn="l" defTabSz="914400" rtl="0" eaLnBrk="1" fontAlgn="auto" latinLnBrk="0" hangingPunct="1">
+              <a:lnSpc>
+                <a:spcPct val="100000"/>
+              </a:lnSpc>
+              <a:spcBef>
+                <a:spcPts val="0"/>
+              </a:spcBef>
+              <a:spcAft>
+                <a:spcPts val="0"/>
+              </a:spcAft>
+              <a:buClrTx/>
+              <a:buSzTx/>
+              <a:buFontTx/>
+              <a:buNone/>
+              <a:tabLst/>
+              <a:defRPr/>
+            </a:pPr>
+            <a:r>
+              <a:rPr lang="en-GB" sz="1200" b="0" i="0" kern="1200" dirty="0">
+                <a:solidFill>
+                  <a:schemeClr val="tx1"/>
+                </a:solidFill>
+                <a:effectLst/>
+                <a:latin typeface="+mn-lt"/>
+                <a:ea typeface="+mn-ea"/>
+                <a:cs typeface="+mn-cs"/>
+              </a:rPr>
+              <a:t>Given all of that information about Jenkins Pipeline, why would you want to use?</a:t>
+            </a:r>
+          </a:p>
+          <a:p>
+            <a:pPr marL="0" marR="0" lvl="0" indent="0" algn="l" defTabSz="914400" rtl="0" eaLnBrk="1" fontAlgn="auto" latinLnBrk="0" hangingPunct="1">
+              <a:lnSpc>
+                <a:spcPct val="100000"/>
+              </a:lnSpc>
+              <a:spcBef>
+                <a:spcPts val="0"/>
+              </a:spcBef>
+              <a:spcAft>
+                <a:spcPts val="0"/>
+              </a:spcAft>
+              <a:buClrTx/>
+              <a:buSzTx/>
+              <a:buFontTx/>
+              <a:buNone/>
+              <a:tabLst/>
+              <a:defRPr/>
+            </a:pPr>
+            <a:endParaRPr lang="en-GB" sz="1200" b="0" i="0" kern="1200" dirty="0">
+              <a:solidFill>
+                <a:schemeClr val="tx1"/>
+              </a:solidFill>
+              <a:effectLst/>
+              <a:latin typeface="+mn-lt"/>
+              <a:ea typeface="+mn-ea"/>
+              <a:cs typeface="+mn-cs"/>
+            </a:endParaRPr>
+          </a:p>
+          <a:p>
+            <a:pPr marL="0" marR="0" lvl="0" indent="0" algn="l" defTabSz="914400" rtl="0" eaLnBrk="1" fontAlgn="auto" latinLnBrk="0" hangingPunct="1">
+              <a:lnSpc>
+                <a:spcPct val="100000"/>
+              </a:lnSpc>
+              <a:spcBef>
+                <a:spcPts val="0"/>
+              </a:spcBef>
+              <a:spcAft>
+                <a:spcPts val="0"/>
+              </a:spcAft>
+              <a:buClrTx/>
+              <a:buSzTx/>
+              <a:buFontTx/>
+              <a:buNone/>
+              <a:tabLst/>
+              <a:defRPr/>
+            </a:pPr>
+            <a:r>
+              <a:rPr lang="en-GB" sz="1200" b="0" i="0" kern="1200" dirty="0">
+                <a:solidFill>
+                  <a:schemeClr val="tx1"/>
+                </a:solidFill>
+                <a:effectLst/>
+                <a:latin typeface="+mn-lt"/>
+                <a:ea typeface="+mn-ea"/>
+                <a:cs typeface="+mn-cs"/>
+              </a:rPr>
+              <a:t>*CLICK* It adds access to a lot of powerful automation tools into Jenkins, ranging from Continuous Integration to Continuous Delivery activities.</a:t>
+            </a:r>
+          </a:p>
+          <a:p>
+            <a:pPr marL="0" marR="0" lvl="0" indent="0" algn="l" defTabSz="914400" rtl="0" eaLnBrk="1" fontAlgn="auto" latinLnBrk="0" hangingPunct="1">
+              <a:lnSpc>
+                <a:spcPct val="100000"/>
+              </a:lnSpc>
+              <a:spcBef>
+                <a:spcPts val="0"/>
+              </a:spcBef>
+              <a:spcAft>
+                <a:spcPts val="0"/>
+              </a:spcAft>
+              <a:buClrTx/>
+              <a:buSzTx/>
+              <a:buFontTx/>
+              <a:buNone/>
+              <a:tabLst/>
+              <a:defRPr/>
+            </a:pPr>
+            <a:endParaRPr lang="en-GB" sz="1200" b="0" i="0" kern="1200" dirty="0">
+              <a:solidFill>
+                <a:schemeClr val="tx1"/>
+              </a:solidFill>
+              <a:effectLst/>
+              <a:latin typeface="+mn-lt"/>
+              <a:ea typeface="+mn-ea"/>
+              <a:cs typeface="+mn-cs"/>
+            </a:endParaRPr>
+          </a:p>
+          <a:p>
+            <a:pPr marL="0" marR="0" lvl="0" indent="0" algn="l" defTabSz="914400" rtl="0" eaLnBrk="1" fontAlgn="auto" latinLnBrk="0" hangingPunct="1">
+              <a:lnSpc>
+                <a:spcPct val="100000"/>
+              </a:lnSpc>
+              <a:spcBef>
+                <a:spcPts val="0"/>
+              </a:spcBef>
+              <a:spcAft>
+                <a:spcPts val="0"/>
+              </a:spcAft>
+              <a:buClrTx/>
+              <a:buSzTx/>
+              <a:buFontTx/>
+              <a:buNone/>
+              <a:tabLst/>
+              <a:defRPr/>
+            </a:pPr>
+            <a:r>
+              <a:rPr lang="en-GB" sz="1200" b="0" i="0" kern="1200" dirty="0">
+                <a:solidFill>
+                  <a:schemeClr val="tx1"/>
+                </a:solidFill>
+                <a:effectLst/>
+                <a:latin typeface="+mn-lt"/>
+                <a:ea typeface="+mn-ea"/>
+                <a:cs typeface="+mn-cs"/>
+              </a:rPr>
+              <a:t>*CLICK* Pipelines are implemented in code and typically checked into source control, giving teams the ability to edit, review, and iterate upon their delivery pipeline.</a:t>
+            </a:r>
+          </a:p>
+          <a:p>
+            <a:pPr marL="0" marR="0" lvl="0" indent="0" algn="l" defTabSz="914400" rtl="0" eaLnBrk="1" fontAlgn="auto" latinLnBrk="0" hangingPunct="1">
+              <a:lnSpc>
+                <a:spcPct val="100000"/>
+              </a:lnSpc>
+              <a:spcBef>
+                <a:spcPts val="0"/>
+              </a:spcBef>
+              <a:spcAft>
+                <a:spcPts val="0"/>
+              </a:spcAft>
+              <a:buClrTx/>
+              <a:buSzTx/>
+              <a:buFontTx/>
+              <a:buNone/>
+              <a:tabLst/>
+              <a:defRPr/>
+            </a:pPr>
+            <a:endParaRPr lang="en-GB" sz="1200" b="0" i="0" kern="1200" dirty="0">
+              <a:solidFill>
+                <a:schemeClr val="tx1"/>
+              </a:solidFill>
+              <a:effectLst/>
+              <a:latin typeface="+mn-lt"/>
+              <a:ea typeface="+mn-ea"/>
+              <a:cs typeface="+mn-cs"/>
+            </a:endParaRPr>
+          </a:p>
+          <a:p>
+            <a:pPr marL="0" marR="0" lvl="0" indent="0" algn="l" defTabSz="914400" rtl="0" eaLnBrk="1" fontAlgn="auto" latinLnBrk="0" hangingPunct="1">
+              <a:lnSpc>
+                <a:spcPct val="100000"/>
+              </a:lnSpc>
+              <a:spcBef>
+                <a:spcPts val="0"/>
+              </a:spcBef>
+              <a:spcAft>
+                <a:spcPts val="0"/>
+              </a:spcAft>
+              <a:buClrTx/>
+              <a:buSzTx/>
+              <a:buFontTx/>
+              <a:buNone/>
+              <a:tabLst/>
+              <a:defRPr/>
+            </a:pPr>
+            <a:r>
+              <a:rPr lang="en-GB" sz="1200" b="0" i="0" kern="1200" dirty="0">
+                <a:solidFill>
+                  <a:schemeClr val="tx1"/>
+                </a:solidFill>
+                <a:effectLst/>
+                <a:latin typeface="+mn-lt"/>
+                <a:ea typeface="+mn-ea"/>
+                <a:cs typeface="+mn-cs"/>
+              </a:rPr>
+              <a:t>*CLICK* Pipelines can survive both planned and unplanned restarts of the Jenkins master.</a:t>
+            </a:r>
+          </a:p>
+          <a:p>
+            <a:pPr marL="0" marR="0" lvl="0" indent="0" algn="l" defTabSz="914400" rtl="0" eaLnBrk="1" fontAlgn="auto" latinLnBrk="0" hangingPunct="1">
+              <a:lnSpc>
+                <a:spcPct val="100000"/>
+              </a:lnSpc>
+              <a:spcBef>
+                <a:spcPts val="0"/>
+              </a:spcBef>
+              <a:spcAft>
+                <a:spcPts val="0"/>
+              </a:spcAft>
+              <a:buClrTx/>
+              <a:buSzTx/>
+              <a:buFontTx/>
+              <a:buNone/>
+              <a:tabLst/>
+              <a:defRPr/>
+            </a:pPr>
+            <a:endParaRPr lang="en-GB" sz="1200" b="0" i="0" kern="1200" dirty="0">
+              <a:solidFill>
+                <a:schemeClr val="tx1"/>
+              </a:solidFill>
+              <a:effectLst/>
+              <a:latin typeface="+mn-lt"/>
+              <a:ea typeface="+mn-ea"/>
+              <a:cs typeface="+mn-cs"/>
+            </a:endParaRPr>
+          </a:p>
+          <a:p>
+            <a:pPr marL="0" marR="0" lvl="0" indent="0" algn="l" defTabSz="914400" rtl="0" eaLnBrk="1" fontAlgn="auto" latinLnBrk="0" hangingPunct="1">
+              <a:lnSpc>
+                <a:spcPct val="100000"/>
+              </a:lnSpc>
+              <a:spcBef>
+                <a:spcPts val="0"/>
+              </a:spcBef>
+              <a:spcAft>
+                <a:spcPts val="0"/>
+              </a:spcAft>
+              <a:buClrTx/>
+              <a:buSzTx/>
+              <a:buFontTx/>
+              <a:buNone/>
+              <a:tabLst/>
+              <a:defRPr/>
+            </a:pPr>
+            <a:r>
+              <a:rPr lang="en-GB" sz="1200" b="0" i="0" kern="1200" dirty="0">
+                <a:solidFill>
+                  <a:schemeClr val="tx1"/>
+                </a:solidFill>
+                <a:effectLst/>
+                <a:latin typeface="+mn-lt"/>
+                <a:ea typeface="+mn-ea"/>
+                <a:cs typeface="+mn-cs"/>
+              </a:rPr>
+              <a:t>*CLICK* It may not be better practice but Pipelines can optionally stop and wait for human input or approval before continuing the Pipeline run.</a:t>
+            </a:r>
+          </a:p>
+          <a:p>
+            <a:pPr marL="0" marR="0" lvl="0" indent="0" algn="l" defTabSz="914400" rtl="0" eaLnBrk="1" fontAlgn="auto" latinLnBrk="0" hangingPunct="1">
+              <a:lnSpc>
+                <a:spcPct val="100000"/>
+              </a:lnSpc>
+              <a:spcBef>
+                <a:spcPts val="0"/>
+              </a:spcBef>
+              <a:spcAft>
+                <a:spcPts val="0"/>
+              </a:spcAft>
+              <a:buClrTx/>
+              <a:buSzTx/>
+              <a:buFontTx/>
+              <a:buNone/>
+              <a:tabLst/>
+              <a:defRPr/>
+            </a:pPr>
+            <a:endParaRPr lang="en-GB" sz="1200" b="0" i="0" kern="1200" dirty="0">
+              <a:solidFill>
+                <a:schemeClr val="tx1"/>
+              </a:solidFill>
+              <a:effectLst/>
+              <a:latin typeface="+mn-lt"/>
+              <a:ea typeface="+mn-ea"/>
+              <a:cs typeface="+mn-cs"/>
+            </a:endParaRPr>
+          </a:p>
+          <a:p>
+            <a:pPr marL="0" marR="0" lvl="0" indent="0" algn="l" defTabSz="914400" rtl="0" eaLnBrk="1" fontAlgn="auto" latinLnBrk="0" hangingPunct="1">
+              <a:lnSpc>
+                <a:spcPct val="100000"/>
+              </a:lnSpc>
+              <a:spcBef>
+                <a:spcPts val="0"/>
+              </a:spcBef>
+              <a:spcAft>
+                <a:spcPts val="0"/>
+              </a:spcAft>
+              <a:buClrTx/>
+              <a:buSzTx/>
+              <a:buFontTx/>
+              <a:buNone/>
+              <a:tabLst/>
+              <a:defRPr/>
+            </a:pPr>
+            <a:r>
+              <a:rPr lang="en-GB" sz="1200" b="0" i="0" kern="1200" dirty="0">
+                <a:solidFill>
+                  <a:schemeClr val="tx1"/>
+                </a:solidFill>
+                <a:effectLst/>
+                <a:latin typeface="+mn-lt"/>
+                <a:ea typeface="+mn-ea"/>
+                <a:cs typeface="+mn-cs"/>
+              </a:rPr>
+              <a:t>*CLICK* Pipelines support complex real-world CD requirements, including the ability to fork, loop, and perform work in parallel.</a:t>
+            </a:r>
+          </a:p>
+          <a:p>
+            <a:pPr marL="0" marR="0" lvl="0" indent="0" algn="l" defTabSz="914400" rtl="0" eaLnBrk="1" fontAlgn="auto" latinLnBrk="0" hangingPunct="1">
+              <a:lnSpc>
+                <a:spcPct val="100000"/>
+              </a:lnSpc>
+              <a:spcBef>
+                <a:spcPts val="0"/>
+              </a:spcBef>
+              <a:spcAft>
+                <a:spcPts val="0"/>
+              </a:spcAft>
+              <a:buClrTx/>
+              <a:buSzTx/>
+              <a:buFontTx/>
+              <a:buNone/>
+              <a:tabLst/>
+              <a:defRPr/>
+            </a:pPr>
+            <a:endParaRPr lang="en-GB" sz="1200" b="0" i="0" kern="1200" dirty="0">
+              <a:solidFill>
+                <a:schemeClr val="tx1"/>
+              </a:solidFill>
+              <a:effectLst/>
+              <a:latin typeface="+mn-lt"/>
+              <a:ea typeface="+mn-ea"/>
+              <a:cs typeface="+mn-cs"/>
+            </a:endParaRPr>
+          </a:p>
+          <a:p>
+            <a:pPr marL="0" marR="0" lvl="0" indent="0" algn="l" defTabSz="914400" rtl="0" eaLnBrk="1" fontAlgn="auto" latinLnBrk="0" hangingPunct="1">
+              <a:lnSpc>
+                <a:spcPct val="100000"/>
+              </a:lnSpc>
+              <a:spcBef>
+                <a:spcPts val="0"/>
+              </a:spcBef>
+              <a:spcAft>
+                <a:spcPts val="0"/>
+              </a:spcAft>
+              <a:buClrTx/>
+              <a:buSzTx/>
+              <a:buFontTx/>
+              <a:buNone/>
+              <a:tabLst/>
+              <a:defRPr/>
+            </a:pPr>
+            <a:r>
+              <a:rPr lang="en-GB" sz="1200" b="0" i="0" kern="1200" dirty="0">
+                <a:solidFill>
+                  <a:schemeClr val="tx1"/>
+                </a:solidFill>
+                <a:effectLst/>
+                <a:latin typeface="+mn-lt"/>
+                <a:ea typeface="+mn-ea"/>
+                <a:cs typeface="+mn-cs"/>
+              </a:rPr>
+              <a:t>*CLICK* The Pipeline plugin supports custom extensions to its DSL and multiple options for integration with other plugins.</a:t>
             </a:r>
           </a:p>
         </p:txBody>
@@ -2737,7 +2790,7 @@
     </p:spTree>
     <p:extLst>
       <p:ext uri="{BB962C8B-B14F-4D97-AF65-F5344CB8AC3E}">
-        <p14:creationId xmlns:p14="http://schemas.microsoft.com/office/powerpoint/2010/main" val="3915370653"/>
+        <p14:creationId xmlns:p14="http://schemas.microsoft.com/office/powerpoint/2010/main" val="810663806"/>
       </p:ext>
     </p:extLst>
   </p:cSld>
@@ -5700,41 +5753,6 @@
           <a:chExt cx="0" cy="0"/>
         </a:xfrm>
       </p:grpSpPr>
-      <p:pic>
-        <p:nvPicPr>
-          <p:cNvPr id="6" name="Content Placeholder 5">
-            <a:extLst>
-              <a:ext uri="{FF2B5EF4-FFF2-40B4-BE49-F238E27FC236}">
-                <a16:creationId xmlns:a16="http://schemas.microsoft.com/office/drawing/2014/main" id="{95677DF3-8E4B-F040-9C38-E181634D7F65}"/>
-              </a:ext>
-            </a:extLst>
-          </p:cNvPr>
-          <p:cNvPicPr>
-            <a:picLocks noGrp="1" noChangeAspect="1"/>
-          </p:cNvPicPr>
-          <p:nvPr>
-            <p:ph idx="1"/>
-          </p:nvPr>
-        </p:nvPicPr>
-        <p:blipFill>
-          <a:blip r:embed="rId3">
-            <a:extLst>
-              <a:ext uri="{28A0092B-C50C-407E-A947-70E740481C1C}">
-                <a14:useLocalDpi xmlns:a14="http://schemas.microsoft.com/office/drawing/2010/main" val="0"/>
-              </a:ext>
-            </a:extLst>
-          </a:blip>
-          <a:stretch>
-            <a:fillRect/>
-          </a:stretch>
-        </p:blipFill>
-        <p:spPr>
-          <a:xfrm>
-            <a:off x="611188" y="1823726"/>
-            <a:ext cx="7921625" cy="4078910"/>
-          </a:xfrm>
-        </p:spPr>
-      </p:pic>
       <p:sp>
         <p:nvSpPr>
           <p:cNvPr id="3" name="Footer Placeholder 2"/>
@@ -5792,15 +5810,130 @@
                 <a:latin typeface="Arial" panose="020B0604020202020204" pitchFamily="34" charset="0"/>
                 <a:cs typeface="Arial" panose="020B0604020202020204" pitchFamily="34" charset="0"/>
               </a:rPr>
-              <a:t>How it works</a:t>
-            </a:r>
+              <a:t>Playground</a:t>
+            </a:r>
+          </a:p>
+        </p:txBody>
+      </p:sp>
+      <p:sp>
+        <p:nvSpPr>
+          <p:cNvPr id="5" name="Content Placeholder 4">
+            <a:extLst>
+              <a:ext uri="{FF2B5EF4-FFF2-40B4-BE49-F238E27FC236}">
+                <a16:creationId xmlns:a16="http://schemas.microsoft.com/office/drawing/2014/main" id="{122D25EA-2C5B-F546-B0F0-A1ECE4E5202C}"/>
+              </a:ext>
+            </a:extLst>
+          </p:cNvPr>
+          <p:cNvSpPr>
+            <a:spLocks noGrp="1"/>
+          </p:cNvSpPr>
+          <p:nvPr>
+            <p:ph idx="1"/>
+          </p:nvPr>
+        </p:nvSpPr>
+        <p:spPr/>
+        <p:txBody>
+          <a:bodyPr/>
+          <a:lstStyle/>
+          <a:p>
+            <a:endParaRPr lang="en-US" dirty="0"/>
+          </a:p>
+          <a:p>
+            <a:r>
+              <a:rPr lang="en-US" dirty="0"/>
+              <a:t>Access the Playground ReadMe and GitHub repo here: </a:t>
+            </a:r>
+            <a:r>
+              <a:rPr lang="en-US" dirty="0">
+                <a:hlinkClick r:id="rId3"/>
+              </a:rPr>
+              <a:t>https://bit.ly/2zrbOED</a:t>
+            </a:r>
+            <a:endParaRPr lang="en-US" dirty="0"/>
+          </a:p>
+          <a:p>
+            <a:endParaRPr lang="en-US" dirty="0"/>
+          </a:p>
+          <a:p>
+            <a:r>
+              <a:rPr lang="en-US" dirty="0"/>
+              <a:t>We’re going to:</a:t>
+            </a:r>
+          </a:p>
+          <a:p>
+            <a:pPr lvl="1"/>
+            <a:r>
+              <a:rPr lang="en-US" dirty="0"/>
+              <a:t>Install docker-selenium and </a:t>
+            </a:r>
+            <a:r>
+              <a:rPr lang="en-US" dirty="0" err="1"/>
+              <a:t>Zalenium</a:t>
+            </a:r>
+            <a:r>
+              <a:rPr lang="en-US" dirty="0"/>
+              <a:t>.</a:t>
+            </a:r>
+          </a:p>
+          <a:p>
+            <a:pPr lvl="1"/>
+            <a:r>
+              <a:rPr lang="en-US" dirty="0"/>
+              <a:t>Run </a:t>
+            </a:r>
+            <a:r>
+              <a:rPr lang="en-US" dirty="0" err="1"/>
+              <a:t>Zalenium</a:t>
+            </a:r>
+            <a:endParaRPr lang="en-US" dirty="0"/>
+          </a:p>
+          <a:p>
+            <a:pPr lvl="1"/>
+            <a:r>
+              <a:rPr lang="en-US" dirty="0"/>
+              <a:t>Run JavaScript </a:t>
+            </a:r>
+            <a:r>
+              <a:rPr lang="en-US" dirty="0" err="1"/>
+              <a:t>WebDriver.io</a:t>
+            </a:r>
+            <a:r>
+              <a:rPr lang="en-US" dirty="0"/>
+              <a:t> tests in parallel using </a:t>
+            </a:r>
+            <a:r>
+              <a:rPr lang="en-US" dirty="0" err="1"/>
+              <a:t>Zalenium</a:t>
+            </a:r>
+            <a:endParaRPr lang="en-US" dirty="0"/>
+          </a:p>
+          <a:p>
+            <a:pPr lvl="1"/>
+            <a:r>
+              <a:rPr lang="en-US" dirty="0"/>
+              <a:t>View the </a:t>
+            </a:r>
+            <a:r>
+              <a:rPr lang="en-US" dirty="0" err="1"/>
+              <a:t>Zalenium</a:t>
+            </a:r>
+            <a:r>
+              <a:rPr lang="en-US" dirty="0"/>
+              <a:t> Dashboard</a:t>
+            </a:r>
+          </a:p>
+          <a:p>
+            <a:endParaRPr lang="en-US" dirty="0"/>
+          </a:p>
+          <a:p>
+            <a:endParaRPr lang="en-US" dirty="0"/>
           </a:p>
         </p:txBody>
       </p:sp>
     </p:spTree>
     <p:extLst>
       <p:ext uri="{BB962C8B-B14F-4D97-AF65-F5344CB8AC3E}">
-        <p14:creationId xmlns:p14="http://schemas.microsoft.com/office/powerpoint/2010/main" val="2039348773"/>
+        <p14:creationId xmlns:p14="http://schemas.microsoft.com/office/powerpoint/2010/main" val="2752887665"/>
       </p:ext>
     </p:extLst>
   </p:cSld>
@@ -5850,69 +5983,21 @@
           <a:lstStyle/>
           <a:p>
             <a:r>
-              <a:rPr lang="en-US" dirty="0" err="1"/>
-              <a:t>Zalenium</a:t>
-            </a:r>
-            <a:r>
-              <a:rPr lang="en-US" dirty="0"/>
-              <a:t> auto-scales.</a:t>
-            </a:r>
-          </a:p>
-          <a:p>
-            <a:r>
-              <a:rPr lang="en-US" dirty="0"/>
-              <a:t>Difficult to maintain all requirements in Grid (e.g. keeping all browsers up to date, maintaining Selenium drivers).</a:t>
-            </a:r>
-          </a:p>
-          <a:p>
-            <a:r>
-              <a:rPr lang="en-US" dirty="0"/>
-              <a:t>Allows anyone in your team to have </a:t>
-            </a:r>
-            <a:r>
-              <a:rPr lang="en-US" b="1" dirty="0"/>
-              <a:t>flexible and disposable Selenium Grid infrastructure created within seconds.</a:t>
-            </a:r>
-          </a:p>
-          <a:p>
-            <a:r>
-              <a:rPr lang="en-US" dirty="0"/>
-              <a:t>Compliments external cloud testing providers which can run tests on browsers other than Firefox and Chrome.</a:t>
-            </a:r>
-          </a:p>
-          <a:p>
-            <a:r>
-              <a:rPr lang="en-US" dirty="0"/>
-              <a:t>Videos recorded (can be disabled) in </a:t>
-            </a:r>
-            <a:r>
-              <a:rPr lang="en-US" i="1" dirty="0"/>
-              <a:t>‘</a:t>
-            </a:r>
-            <a:r>
-              <a:rPr lang="en-US" i="1" dirty="0" err="1"/>
-              <a:t>tmp</a:t>
-            </a:r>
-            <a:r>
-              <a:rPr lang="en-US" i="1" dirty="0"/>
-              <a:t>/videos’ </a:t>
-            </a:r>
-            <a:r>
-              <a:rPr lang="en-US" dirty="0"/>
-              <a:t>folder.</a:t>
-            </a:r>
-          </a:p>
-          <a:p>
-            <a:r>
-              <a:rPr lang="en-US" dirty="0"/>
-              <a:t>Dashboard available to see test execution history.</a:t>
-            </a:r>
-          </a:p>
-          <a:p>
-            <a:r>
-              <a:rPr lang="en-US" dirty="0"/>
-              <a:t>Also works with Kubernetes.</a:t>
-            </a:r>
+              <a:rPr lang="en-US" sz="2300" dirty="0"/>
+              <a:t>On a Linux (Ubuntu 16.04) VM hosted in Azure.</a:t>
+            </a:r>
+          </a:p>
+          <a:p>
+            <a:r>
+              <a:rPr lang="en-US" sz="2300" dirty="0"/>
+              <a:t>Installed using the suggested plugins upon first run-time.</a:t>
+            </a:r>
+          </a:p>
+          <a:p>
+            <a:endParaRPr lang="en-US" sz="2300" dirty="0"/>
+          </a:p>
+          <a:p>
+            <a:endParaRPr lang="en-US" sz="2300" dirty="0"/>
           </a:p>
         </p:txBody>
       </p:sp>
@@ -5926,18 +6011,19 @@
             <p:ph type="ftr" sz="quarter" idx="3"/>
           </p:nvPr>
         </p:nvSpPr>
-        <p:spPr/>
+        <p:spPr>
+          <a:xfrm>
+            <a:off x="3124200" y="6356351"/>
+            <a:ext cx="2895600" cy="365125"/>
+          </a:xfrm>
+        </p:spPr>
         <p:txBody>
           <a:bodyPr/>
           <a:lstStyle/>
           <a:p>
             <a:r>
-              <a:rPr lang="en-GB" sz="1600" dirty="0"/>
-              <a:t>#</a:t>
-            </a:r>
-            <a:r>
-              <a:rPr lang="en-GB" sz="1600" dirty="0" err="1"/>
-              <a:t>DevOpsPlayground</a:t>
+              <a:rPr lang="en-GB" sz="1600"/>
+              <a:t>#DevOpsPlayground</a:t>
             </a:r>
             <a:endParaRPr lang="en-GB" sz="1600" dirty="0"/>
           </a:p>
@@ -5973,8 +6059,1250 @@
                 <a:latin typeface="Arial" panose="020B0604020202020204" pitchFamily="34" charset="0"/>
                 <a:cs typeface="Arial" panose="020B0604020202020204" pitchFamily="34" charset="0"/>
               </a:rPr>
-              <a:t>Why use </a:t>
-            </a:r>
+              <a:t>How have we set up Jenkins?</a:t>
+            </a:r>
+          </a:p>
+        </p:txBody>
+      </p:sp>
+      <p:pic>
+        <p:nvPicPr>
+          <p:cNvPr id="6" name="Picture 5">
+            <a:extLst>
+              <a:ext uri="{FF2B5EF4-FFF2-40B4-BE49-F238E27FC236}">
+                <a16:creationId xmlns:a16="http://schemas.microsoft.com/office/drawing/2014/main" id="{6ED58919-6A29-3345-9C23-AFD4A5775CFA}"/>
+              </a:ext>
+            </a:extLst>
+          </p:cNvPr>
+          <p:cNvPicPr>
+            <a:picLocks noChangeAspect="1"/>
+          </p:cNvPicPr>
+          <p:nvPr/>
+        </p:nvPicPr>
+        <p:blipFill>
+          <a:blip r:embed="rId3">
+            <a:extLst>
+              <a:ext uri="{28A0092B-C50C-407E-A947-70E740481C1C}">
+                <a14:useLocalDpi xmlns:a14="http://schemas.microsoft.com/office/drawing/2010/main" val="0"/>
+              </a:ext>
+            </a:extLst>
+          </a:blip>
+          <a:stretch>
+            <a:fillRect/>
+          </a:stretch>
+        </p:blipFill>
+        <p:spPr>
+          <a:xfrm>
+            <a:off x="5364088" y="-171678"/>
+            <a:ext cx="1541692" cy="1541692"/>
+          </a:xfrm>
+          <a:prstGeom prst="rect">
+            <a:avLst/>
+          </a:prstGeom>
+        </p:spPr>
+      </p:pic>
+    </p:spTree>
+    <p:extLst>
+      <p:ext uri="{BB962C8B-B14F-4D97-AF65-F5344CB8AC3E}">
+        <p14:creationId xmlns:p14="http://schemas.microsoft.com/office/powerpoint/2010/main" val="2753762352"/>
+      </p:ext>
+    </p:extLst>
+  </p:cSld>
+  <p:clrMapOvr>
+    <a:masterClrMapping/>
+  </p:clrMapOvr>
+</p:sld>
+</file>
+
+<file path=ppt/slides/slide12.xml><?xml version="1.0" encoding="utf-8"?>
+<p:sld xmlns:a="http://schemas.openxmlformats.org/drawingml/2006/main" xmlns:r="http://schemas.openxmlformats.org/officeDocument/2006/relationships" xmlns:p="http://schemas.openxmlformats.org/presentationml/2006/main">
+  <p:cSld>
+    <p:spTree>
+      <p:nvGrpSpPr>
+        <p:cNvPr id="1" name=""/>
+        <p:cNvGrpSpPr/>
+        <p:nvPr/>
+      </p:nvGrpSpPr>
+      <p:grpSpPr>
+        <a:xfrm>
+          <a:off x="0" y="0"/>
+          <a:ext cx="0" cy="0"/>
+          <a:chOff x="0" y="0"/>
+          <a:chExt cx="0" cy="0"/>
+        </a:xfrm>
+      </p:grpSpPr>
+      <p:sp>
+        <p:nvSpPr>
+          <p:cNvPr id="2" name="Footer Placeholder 1"/>
+          <p:cNvSpPr>
+            <a:spLocks noGrp="1"/>
+          </p:cNvSpPr>
+          <p:nvPr>
+            <p:ph type="ftr" sz="quarter" idx="11"/>
+          </p:nvPr>
+        </p:nvSpPr>
+        <p:spPr/>
+        <p:txBody>
+          <a:bodyPr/>
+          <a:lstStyle/>
+          <a:p>
+            <a:r>
+              <a:rPr lang="en-GB" sz="1600" dirty="0">
+                <a:solidFill>
+                  <a:schemeClr val="bg1"/>
+                </a:solidFill>
+              </a:rPr>
+              <a:t>#</a:t>
+            </a:r>
+            <a:r>
+              <a:rPr lang="en-GB" sz="1600" dirty="0" err="1">
+                <a:solidFill>
+                  <a:schemeClr val="bg1"/>
+                </a:solidFill>
+              </a:rPr>
+              <a:t>DevOpsPlayground</a:t>
+            </a:r>
+            <a:endParaRPr lang="en-GB" sz="1600" dirty="0">
+              <a:solidFill>
+                <a:schemeClr val="bg1"/>
+              </a:solidFill>
+            </a:endParaRPr>
+          </a:p>
+        </p:txBody>
+      </p:sp>
+      <p:sp>
+        <p:nvSpPr>
+          <p:cNvPr id="3" name="Text Placeholder 2"/>
+          <p:cNvSpPr>
+            <a:spLocks noGrp="1"/>
+          </p:cNvSpPr>
+          <p:nvPr>
+            <p:ph type="body" idx="13"/>
+          </p:nvPr>
+        </p:nvSpPr>
+        <p:spPr/>
+        <p:txBody>
+          <a:bodyPr/>
+          <a:lstStyle/>
+          <a:p>
+            <a:r>
+              <a:rPr lang="en-GB" dirty="0"/>
+              <a:t>Thank You</a:t>
+            </a:r>
+          </a:p>
+        </p:txBody>
+      </p:sp>
+      <p:sp>
+        <p:nvSpPr>
+          <p:cNvPr id="4" name="Title 5"/>
+          <p:cNvSpPr txBox="1">
+            <a:spLocks/>
+          </p:cNvSpPr>
+          <p:nvPr/>
+        </p:nvSpPr>
+        <p:spPr>
+          <a:xfrm>
+            <a:off x="539552" y="5661248"/>
+            <a:ext cx="7772400" cy="345281"/>
+          </a:xfrm>
+          <a:prstGeom prst="rect">
+            <a:avLst/>
+          </a:prstGeom>
+        </p:spPr>
+        <p:txBody>
+          <a:bodyPr vert="horz" lIns="91440" tIns="45720" rIns="91440" bIns="45720" rtlCol="0" anchor="ctr">
+            <a:normAutofit fontScale="85000" lnSpcReduction="20000"/>
+          </a:bodyPr>
+          <a:lstStyle>
+            <a:lvl1pPr algn="l" defTabSz="914400" rtl="0" eaLnBrk="1" latinLnBrk="0" hangingPunct="1">
+              <a:spcBef>
+                <a:spcPct val="0"/>
+              </a:spcBef>
+              <a:buNone/>
+              <a:defRPr sz="4000" kern="1200">
+                <a:solidFill>
+                  <a:schemeClr val="bg1"/>
+                </a:solidFill>
+                <a:latin typeface="Arial" panose="020B0604020202020204" pitchFamily="34" charset="0"/>
+                <a:ea typeface="+mj-ea"/>
+                <a:cs typeface="Arial" panose="020B0604020202020204" pitchFamily="34" charset="0"/>
+              </a:defRPr>
+            </a:lvl1pPr>
+          </a:lstStyle>
+          <a:p>
+            <a:r>
+              <a:rPr lang="en-GB" sz="2400" dirty="0"/>
+              <a:t>Ali Hill, Hammad </a:t>
+            </a:r>
+            <a:r>
+              <a:rPr lang="en-GB" sz="2400" dirty="0" err="1"/>
+              <a:t>Chandio</a:t>
+            </a:r>
+            <a:r>
+              <a:rPr lang="en-GB" sz="2400" dirty="0"/>
+              <a:t>, Farhan Shaikh</a:t>
+            </a:r>
+          </a:p>
+        </p:txBody>
+      </p:sp>
+      <p:pic>
+        <p:nvPicPr>
+          <p:cNvPr id="6" name="Picture 5">
+            <a:extLst>
+              <a:ext uri="{FF2B5EF4-FFF2-40B4-BE49-F238E27FC236}">
+                <a16:creationId xmlns:a16="http://schemas.microsoft.com/office/drawing/2014/main" id="{AFC81AFD-59B1-1547-8B68-C03A1AA21FAD}"/>
+              </a:ext>
+            </a:extLst>
+          </p:cNvPr>
+          <p:cNvPicPr>
+            <a:picLocks noChangeAspect="1"/>
+          </p:cNvPicPr>
+          <p:nvPr/>
+        </p:nvPicPr>
+        <p:blipFill>
+          <a:blip r:embed="rId2">
+            <a:extLst>
+              <a:ext uri="{28A0092B-C50C-407E-A947-70E740481C1C}">
+                <a14:useLocalDpi xmlns:a14="http://schemas.microsoft.com/office/drawing/2010/main" val="0"/>
+              </a:ext>
+            </a:extLst>
+          </a:blip>
+          <a:stretch>
+            <a:fillRect/>
+          </a:stretch>
+        </p:blipFill>
+        <p:spPr>
+          <a:xfrm>
+            <a:off x="2801506" y="2820296"/>
+            <a:ext cx="5818698" cy="2491130"/>
+          </a:xfrm>
+          <a:prstGeom prst="rect">
+            <a:avLst/>
+          </a:prstGeom>
+        </p:spPr>
+      </p:pic>
+      <p:pic>
+        <p:nvPicPr>
+          <p:cNvPr id="8" name="Picture 7">
+            <a:extLst>
+              <a:ext uri="{FF2B5EF4-FFF2-40B4-BE49-F238E27FC236}">
+                <a16:creationId xmlns:a16="http://schemas.microsoft.com/office/drawing/2014/main" id="{ADAE0AD4-F82D-C04F-84B2-1463927F637A}"/>
+              </a:ext>
+            </a:extLst>
+          </p:cNvPr>
+          <p:cNvPicPr>
+            <a:picLocks noChangeAspect="1"/>
+          </p:cNvPicPr>
+          <p:nvPr/>
+        </p:nvPicPr>
+        <p:blipFill>
+          <a:blip r:embed="rId3">
+            <a:extLst>
+              <a:ext uri="{28A0092B-C50C-407E-A947-70E740481C1C}">
+                <a14:useLocalDpi xmlns:a14="http://schemas.microsoft.com/office/drawing/2010/main" val="0"/>
+              </a:ext>
+            </a:extLst>
+          </a:blip>
+          <a:stretch>
+            <a:fillRect/>
+          </a:stretch>
+        </p:blipFill>
+        <p:spPr>
+          <a:xfrm>
+            <a:off x="3235530" y="531786"/>
+            <a:ext cx="5244986" cy="2197816"/>
+          </a:xfrm>
+          <a:prstGeom prst="rect">
+            <a:avLst/>
+          </a:prstGeom>
+        </p:spPr>
+      </p:pic>
+    </p:spTree>
+    <p:extLst>
+      <p:ext uri="{BB962C8B-B14F-4D97-AF65-F5344CB8AC3E}">
+        <p14:creationId xmlns:p14="http://schemas.microsoft.com/office/powerpoint/2010/main" val="2079933839"/>
+      </p:ext>
+    </p:extLst>
+  </p:cSld>
+  <p:clrMapOvr>
+    <a:masterClrMapping/>
+  </p:clrMapOvr>
+</p:sld>
+</file>
+
+<file path=ppt/slides/slide2.xml><?xml version="1.0" encoding="utf-8"?>
+<p:sld xmlns:a="http://schemas.openxmlformats.org/drawingml/2006/main" xmlns:r="http://schemas.openxmlformats.org/officeDocument/2006/relationships" xmlns:p="http://schemas.openxmlformats.org/presentationml/2006/main">
+  <p:cSld>
+    <p:spTree>
+      <p:nvGrpSpPr>
+        <p:cNvPr id="1" name=""/>
+        <p:cNvGrpSpPr/>
+        <p:nvPr/>
+      </p:nvGrpSpPr>
+      <p:grpSpPr>
+        <a:xfrm>
+          <a:off x="0" y="0"/>
+          <a:ext cx="0" cy="0"/>
+          <a:chOff x="0" y="0"/>
+          <a:chExt cx="0" cy="0"/>
+        </a:xfrm>
+      </p:grpSpPr>
+      <p:sp>
+        <p:nvSpPr>
+          <p:cNvPr id="6" name="Title 5"/>
+          <p:cNvSpPr>
+            <a:spLocks noGrp="1"/>
+          </p:cNvSpPr>
+          <p:nvPr>
+            <p:ph type="ctrTitle"/>
+          </p:nvPr>
+        </p:nvSpPr>
+        <p:spPr>
+          <a:xfrm>
+            <a:off x="611560" y="2276872"/>
+            <a:ext cx="7772400" cy="2088232"/>
+          </a:xfrm>
+        </p:spPr>
+        <p:txBody>
+          <a:bodyPr>
+            <a:normAutofit fontScale="90000"/>
+          </a:bodyPr>
+          <a:lstStyle/>
+          <a:p>
+            <a:r>
+              <a:rPr lang="en-GB" dirty="0"/>
+              <a:t>Continuous Testing with Jenkins and </a:t>
+            </a:r>
+            <a:r>
+              <a:rPr lang="en-GB" dirty="0" err="1"/>
+              <a:t>Zalenium</a:t>
+            </a:r>
+            <a:br>
+              <a:rPr lang="en-GB" dirty="0"/>
+            </a:br>
+            <a:br>
+              <a:rPr lang="en-GB" dirty="0"/>
+            </a:br>
+            <a:r>
+              <a:rPr lang="en-GB" sz="2700" dirty="0"/>
+              <a:t>#</a:t>
+            </a:r>
+            <a:r>
+              <a:rPr lang="en-GB" sz="2700" dirty="0" err="1"/>
+              <a:t>DevOpsPlayground</a:t>
+            </a:r>
+            <a:endParaRPr lang="en-GB" sz="2700" dirty="0"/>
+          </a:p>
+        </p:txBody>
+      </p:sp>
+      <p:sp>
+        <p:nvSpPr>
+          <p:cNvPr id="7" name="Title 5"/>
+          <p:cNvSpPr txBox="1">
+            <a:spLocks/>
+          </p:cNvSpPr>
+          <p:nvPr/>
+        </p:nvSpPr>
+        <p:spPr>
+          <a:xfrm>
+            <a:off x="539552" y="5661248"/>
+            <a:ext cx="7772400" cy="345281"/>
+          </a:xfrm>
+          <a:prstGeom prst="rect">
+            <a:avLst/>
+          </a:prstGeom>
+        </p:spPr>
+        <p:txBody>
+          <a:bodyPr vert="horz" lIns="91440" tIns="45720" rIns="91440" bIns="45720" rtlCol="0" anchor="ctr">
+            <a:normAutofit fontScale="85000" lnSpcReduction="20000"/>
+          </a:bodyPr>
+          <a:lstStyle>
+            <a:lvl1pPr algn="l" defTabSz="914400" rtl="0" eaLnBrk="1" latinLnBrk="0" hangingPunct="1">
+              <a:spcBef>
+                <a:spcPct val="0"/>
+              </a:spcBef>
+              <a:buNone/>
+              <a:defRPr sz="4000" kern="1200">
+                <a:solidFill>
+                  <a:schemeClr val="bg1"/>
+                </a:solidFill>
+                <a:latin typeface="Arial" panose="020B0604020202020204" pitchFamily="34" charset="0"/>
+                <a:ea typeface="+mj-ea"/>
+                <a:cs typeface="Arial" panose="020B0604020202020204" pitchFamily="34" charset="0"/>
+              </a:defRPr>
+            </a:lvl1pPr>
+          </a:lstStyle>
+          <a:p>
+            <a:r>
+              <a:rPr lang="en-GB" sz="2400" dirty="0"/>
+              <a:t>Ali Hill, Hammad </a:t>
+            </a:r>
+            <a:r>
+              <a:rPr lang="en-GB" sz="2400" dirty="0" err="1"/>
+              <a:t>Chandio</a:t>
+            </a:r>
+            <a:r>
+              <a:rPr lang="en-GB" sz="2400" dirty="0"/>
+              <a:t>, Farhan Shaikh</a:t>
+            </a:r>
+          </a:p>
+        </p:txBody>
+      </p:sp>
+    </p:spTree>
+    <p:extLst>
+      <p:ext uri="{BB962C8B-B14F-4D97-AF65-F5344CB8AC3E}">
+        <p14:creationId xmlns:p14="http://schemas.microsoft.com/office/powerpoint/2010/main" val="2954165043"/>
+      </p:ext>
+    </p:extLst>
+  </p:cSld>
+  <p:clrMapOvr>
+    <a:masterClrMapping/>
+  </p:clrMapOvr>
+</p:sld>
+</file>
+
+<file path=ppt/slides/slide3.xml><?xml version="1.0" encoding="utf-8"?>
+<p:sld xmlns:a="http://schemas.openxmlformats.org/drawingml/2006/main" xmlns:r="http://schemas.openxmlformats.org/officeDocument/2006/relationships" xmlns:p="http://schemas.openxmlformats.org/presentationml/2006/main">
+  <p:cSld>
+    <p:spTree>
+      <p:nvGrpSpPr>
+        <p:cNvPr id="1" name=""/>
+        <p:cNvGrpSpPr/>
+        <p:nvPr/>
+      </p:nvGrpSpPr>
+      <p:grpSpPr>
+        <a:xfrm>
+          <a:off x="0" y="0"/>
+          <a:ext cx="0" cy="0"/>
+          <a:chOff x="0" y="0"/>
+          <a:chExt cx="0" cy="0"/>
+        </a:xfrm>
+      </p:grpSpPr>
+      <p:pic>
+        <p:nvPicPr>
+          <p:cNvPr id="5" name="Content Placeholder 4">
+            <a:extLst>
+              <a:ext uri="{FF2B5EF4-FFF2-40B4-BE49-F238E27FC236}">
+                <a16:creationId xmlns:a16="http://schemas.microsoft.com/office/drawing/2014/main" id="{4D74334C-8D09-A647-8B55-CDD7F8C8B339}"/>
+              </a:ext>
+            </a:extLst>
+          </p:cNvPr>
+          <p:cNvPicPr>
+            <a:picLocks noGrp="1" noChangeAspect="1"/>
+          </p:cNvPicPr>
+          <p:nvPr>
+            <p:ph idx="1"/>
+          </p:nvPr>
+        </p:nvPicPr>
+        <p:blipFill>
+          <a:blip r:embed="rId3">
+            <a:extLst>
+              <a:ext uri="{28A0092B-C50C-407E-A947-70E740481C1C}">
+                <a14:useLocalDpi xmlns:a14="http://schemas.microsoft.com/office/drawing/2010/main" val="0"/>
+              </a:ext>
+            </a:extLst>
+          </a:blip>
+          <a:stretch>
+            <a:fillRect/>
+          </a:stretch>
+        </p:blipFill>
+        <p:spPr>
+          <a:xfrm>
+            <a:off x="634380" y="1808820"/>
+            <a:ext cx="3073524" cy="3073524"/>
+          </a:xfrm>
+        </p:spPr>
+      </p:pic>
+      <p:pic>
+        <p:nvPicPr>
+          <p:cNvPr id="7" name="Picture 6">
+            <a:extLst>
+              <a:ext uri="{FF2B5EF4-FFF2-40B4-BE49-F238E27FC236}">
+                <a16:creationId xmlns:a16="http://schemas.microsoft.com/office/drawing/2014/main" id="{C434120E-954D-1F40-9F56-757C29069AA1}"/>
+              </a:ext>
+            </a:extLst>
+          </p:cNvPr>
+          <p:cNvPicPr>
+            <a:picLocks noChangeAspect="1"/>
+          </p:cNvPicPr>
+          <p:nvPr/>
+        </p:nvPicPr>
+        <p:blipFill>
+          <a:blip r:embed="rId4">
+            <a:extLst>
+              <a:ext uri="{28A0092B-C50C-407E-A947-70E740481C1C}">
+                <a14:useLocalDpi xmlns:a14="http://schemas.microsoft.com/office/drawing/2010/main" val="0"/>
+              </a:ext>
+            </a:extLst>
+          </a:blip>
+          <a:stretch>
+            <a:fillRect/>
+          </a:stretch>
+        </p:blipFill>
+        <p:spPr>
+          <a:xfrm>
+            <a:off x="4896036" y="2726922"/>
+            <a:ext cx="3611942" cy="1512256"/>
+          </a:xfrm>
+          <a:prstGeom prst="rect">
+            <a:avLst/>
+          </a:prstGeom>
+        </p:spPr>
+      </p:pic>
+      <p:sp>
+        <p:nvSpPr>
+          <p:cNvPr id="8" name="TextBox 7">
+            <a:extLst>
+              <a:ext uri="{FF2B5EF4-FFF2-40B4-BE49-F238E27FC236}">
+                <a16:creationId xmlns:a16="http://schemas.microsoft.com/office/drawing/2014/main" id="{47643DDA-87ED-724D-AF74-C1F3D7F53847}"/>
+              </a:ext>
+            </a:extLst>
+          </p:cNvPr>
+          <p:cNvSpPr txBox="1"/>
+          <p:nvPr/>
+        </p:nvSpPr>
+        <p:spPr>
+          <a:xfrm>
+            <a:off x="634380" y="5427222"/>
+            <a:ext cx="7824410" cy="923330"/>
+          </a:xfrm>
+          <a:prstGeom prst="rect">
+            <a:avLst/>
+          </a:prstGeom>
+          <a:noFill/>
+        </p:spPr>
+        <p:txBody>
+          <a:bodyPr wrap="square" rtlCol="0">
+            <a:spAutoFit/>
+          </a:bodyPr>
+          <a:lstStyle/>
+          <a:p>
+            <a:pPr algn="ctr"/>
+            <a:r>
+              <a:rPr lang="en-US" dirty="0"/>
+              <a:t>1</a:t>
+            </a:r>
+            <a:r>
+              <a:rPr lang="en-US" baseline="30000" dirty="0"/>
+              <a:t>st</a:t>
+            </a:r>
+            <a:r>
+              <a:rPr lang="en-US" dirty="0"/>
+              <a:t>-2</a:t>
+            </a:r>
+            <a:r>
+              <a:rPr lang="en-US" baseline="30000" dirty="0"/>
+              <a:t>nd</a:t>
+            </a:r>
+            <a:r>
+              <a:rPr lang="en-US" dirty="0"/>
+              <a:t> November 2018</a:t>
+            </a:r>
+          </a:p>
+          <a:p>
+            <a:pPr algn="ctr"/>
+            <a:endParaRPr lang="en-US" dirty="0"/>
+          </a:p>
+          <a:p>
+            <a:pPr algn="ctr"/>
+            <a:r>
+              <a:rPr lang="en-GB" b="1" dirty="0">
+                <a:hlinkClick r:id="rId5"/>
+              </a:rPr>
+              <a:t>@</a:t>
+            </a:r>
+            <a:r>
+              <a:rPr lang="en-GB" u="sng" dirty="0">
+                <a:hlinkClick r:id="rId5"/>
+              </a:rPr>
+              <a:t>devopsdaysedi</a:t>
+            </a:r>
+            <a:endParaRPr lang="en-US" dirty="0"/>
+          </a:p>
+        </p:txBody>
+      </p:sp>
+      <p:sp>
+        <p:nvSpPr>
+          <p:cNvPr id="9" name="TextBox 8">
+            <a:extLst>
+              <a:ext uri="{FF2B5EF4-FFF2-40B4-BE49-F238E27FC236}">
+                <a16:creationId xmlns:a16="http://schemas.microsoft.com/office/drawing/2014/main" id="{12EEDC4B-D179-5240-94EF-03491ACB3399}"/>
+              </a:ext>
+            </a:extLst>
+          </p:cNvPr>
+          <p:cNvSpPr txBox="1"/>
+          <p:nvPr/>
+        </p:nvSpPr>
+        <p:spPr>
+          <a:xfrm>
+            <a:off x="1477964" y="5057890"/>
+            <a:ext cx="6235618" cy="369332"/>
+          </a:xfrm>
+          <a:prstGeom prst="rect">
+            <a:avLst/>
+          </a:prstGeom>
+          <a:noFill/>
+        </p:spPr>
+        <p:txBody>
+          <a:bodyPr wrap="none" rtlCol="0">
+            <a:spAutoFit/>
+          </a:bodyPr>
+          <a:lstStyle/>
+          <a:p>
+            <a:r>
+              <a:rPr lang="en-US" dirty="0"/>
+              <a:t>https://</a:t>
+            </a:r>
+            <a:r>
+              <a:rPr lang="en-US" dirty="0" err="1"/>
+              <a:t>www.devopsdays.org</a:t>
+            </a:r>
+            <a:r>
+              <a:rPr lang="en-US" dirty="0"/>
+              <a:t>/events/2018-edinburgh/welcome/</a:t>
+            </a:r>
+          </a:p>
+        </p:txBody>
+      </p:sp>
+    </p:spTree>
+    <p:extLst>
+      <p:ext uri="{BB962C8B-B14F-4D97-AF65-F5344CB8AC3E}">
+        <p14:creationId xmlns:p14="http://schemas.microsoft.com/office/powerpoint/2010/main" val="3071101924"/>
+      </p:ext>
+    </p:extLst>
+  </p:cSld>
+  <p:clrMapOvr>
+    <a:masterClrMapping/>
+  </p:clrMapOvr>
+</p:sld>
+</file>
+
+<file path=ppt/slides/slide4.xml><?xml version="1.0" encoding="utf-8"?>
+<p:sld xmlns:a="http://schemas.openxmlformats.org/drawingml/2006/main" xmlns:r="http://schemas.openxmlformats.org/officeDocument/2006/relationships" xmlns:p="http://schemas.openxmlformats.org/presentationml/2006/main">
+  <p:cSld>
+    <p:spTree>
+      <p:nvGrpSpPr>
+        <p:cNvPr id="1" name=""/>
+        <p:cNvGrpSpPr/>
+        <p:nvPr/>
+      </p:nvGrpSpPr>
+      <p:grpSpPr>
+        <a:xfrm>
+          <a:off x="0" y="0"/>
+          <a:ext cx="0" cy="0"/>
+          <a:chOff x="0" y="0"/>
+          <a:chExt cx="0" cy="0"/>
+        </a:xfrm>
+      </p:grpSpPr>
+      <p:sp>
+        <p:nvSpPr>
+          <p:cNvPr id="2" name="Content Placeholder 1"/>
+          <p:cNvSpPr>
+            <a:spLocks noGrp="1"/>
+          </p:cNvSpPr>
+          <p:nvPr>
+            <p:ph idx="1"/>
+          </p:nvPr>
+        </p:nvSpPr>
+        <p:spPr>
+          <a:xfrm>
+            <a:off x="611560" y="1600201"/>
+            <a:ext cx="7920880" cy="4525963"/>
+          </a:xfrm>
+        </p:spPr>
+        <p:txBody>
+          <a:bodyPr>
+            <a:noAutofit/>
+          </a:bodyPr>
+          <a:lstStyle/>
+          <a:p>
+            <a:r>
+              <a:rPr lang="en-US" sz="2300" dirty="0"/>
+              <a:t>Ali Hill</a:t>
+            </a:r>
+          </a:p>
+          <a:p>
+            <a:pPr lvl="1"/>
+            <a:r>
+              <a:rPr lang="en-US" dirty="0"/>
+              <a:t>QA and Continuous Delivery Consultant (Edinburgh)</a:t>
+            </a:r>
+          </a:p>
+          <a:p>
+            <a:pPr lvl="1"/>
+            <a:r>
+              <a:rPr lang="en-US" dirty="0"/>
+              <a:t>Twitter: </a:t>
+            </a:r>
+            <a:r>
+              <a:rPr lang="en-GB" b="1" dirty="0">
+                <a:hlinkClick r:id="rId3"/>
+              </a:rPr>
+              <a:t>@</a:t>
+            </a:r>
+            <a:r>
+              <a:rPr lang="en-GB" u="sng" dirty="0">
+                <a:hlinkClick r:id="rId3"/>
+              </a:rPr>
+              <a:t>ali_hill91</a:t>
+            </a:r>
+            <a:endParaRPr lang="en-GB" u="sng" dirty="0"/>
+          </a:p>
+          <a:p>
+            <a:pPr marL="457200" lvl="1" indent="0">
+              <a:buNone/>
+            </a:pPr>
+            <a:endParaRPr lang="en-US" sz="2300" dirty="0"/>
+          </a:p>
+          <a:p>
+            <a:r>
+              <a:rPr lang="en-US" sz="2300" dirty="0"/>
+              <a:t>Hammad </a:t>
+            </a:r>
+            <a:r>
+              <a:rPr lang="en-US" sz="2300" dirty="0" err="1"/>
+              <a:t>Chandio</a:t>
+            </a:r>
+            <a:endParaRPr lang="en-US" sz="2300" dirty="0"/>
+          </a:p>
+          <a:p>
+            <a:pPr lvl="1"/>
+            <a:r>
+              <a:rPr lang="en-US" dirty="0"/>
+              <a:t>QA and Continuous Delivery Consultant (London)</a:t>
+            </a:r>
+          </a:p>
+          <a:p>
+            <a:endParaRPr lang="en-US" sz="2300" dirty="0"/>
+          </a:p>
+          <a:p>
+            <a:r>
+              <a:rPr lang="en-US" sz="2300" dirty="0"/>
+              <a:t>Farhan Shaikh</a:t>
+            </a:r>
+          </a:p>
+          <a:p>
+            <a:pPr lvl="1"/>
+            <a:r>
+              <a:rPr lang="en-US" dirty="0"/>
+              <a:t>QA and Continuous Delivery Consultant (London)</a:t>
+            </a:r>
+          </a:p>
+          <a:p>
+            <a:endParaRPr lang="en-US" sz="2300" dirty="0"/>
+          </a:p>
+        </p:txBody>
+      </p:sp>
+      <p:sp>
+        <p:nvSpPr>
+          <p:cNvPr id="3" name="Footer Placeholder 2"/>
+          <p:cNvSpPr>
+            <a:spLocks noGrp="1"/>
+          </p:cNvSpPr>
+          <p:nvPr>
+            <p:ph type="ftr" sz="quarter" idx="3"/>
+          </p:nvPr>
+        </p:nvSpPr>
+        <p:spPr>
+          <a:xfrm>
+            <a:off x="3124200" y="6356351"/>
+            <a:ext cx="2895600" cy="365125"/>
+          </a:xfrm>
+        </p:spPr>
+        <p:txBody>
+          <a:bodyPr/>
+          <a:lstStyle/>
+          <a:p>
+            <a:r>
+              <a:rPr lang="en-GB" sz="1600" dirty="0"/>
+              <a:t>#</a:t>
+            </a:r>
+            <a:r>
+              <a:rPr lang="en-GB" sz="1600" dirty="0" err="1"/>
+              <a:t>DevOpsPlayground</a:t>
+            </a:r>
+            <a:endParaRPr lang="en-GB" sz="1600" dirty="0"/>
+          </a:p>
+        </p:txBody>
+      </p:sp>
+      <p:sp>
+        <p:nvSpPr>
+          <p:cNvPr id="4" name="TextBox 3"/>
+          <p:cNvSpPr txBox="1"/>
+          <p:nvPr/>
+        </p:nvSpPr>
+        <p:spPr>
+          <a:xfrm>
+            <a:off x="611560" y="692696"/>
+            <a:ext cx="7920880" cy="523220"/>
+          </a:xfrm>
+          <a:prstGeom prst="rect">
+            <a:avLst/>
+          </a:prstGeom>
+          <a:noFill/>
+        </p:spPr>
+        <p:txBody>
+          <a:bodyPr wrap="square" rtlCol="0">
+            <a:spAutoFit/>
+          </a:bodyPr>
+          <a:lstStyle/>
+          <a:p>
+            <a:r>
+              <a:rPr lang="en-GB" sz="2800">
+                <a:solidFill>
+                  <a:srgbClr val="0070B7"/>
+                </a:solidFill>
+                <a:latin typeface="Arial" panose="020B0604020202020204" pitchFamily="34" charset="0"/>
+                <a:cs typeface="Arial" panose="020B0604020202020204" pitchFamily="34" charset="0"/>
+              </a:rPr>
+              <a:t>About Us</a:t>
+            </a:r>
+            <a:endParaRPr lang="en-GB" sz="2800" dirty="0">
+              <a:solidFill>
+                <a:srgbClr val="0070B7"/>
+              </a:solidFill>
+              <a:latin typeface="Arial" panose="020B0604020202020204" pitchFamily="34" charset="0"/>
+              <a:cs typeface="Arial" panose="020B0604020202020204" pitchFamily="34" charset="0"/>
+            </a:endParaRPr>
+          </a:p>
+        </p:txBody>
+      </p:sp>
+      <p:pic>
+        <p:nvPicPr>
+          <p:cNvPr id="6" name="Picture 5">
+            <a:extLst>
+              <a:ext uri="{FF2B5EF4-FFF2-40B4-BE49-F238E27FC236}">
+                <a16:creationId xmlns:a16="http://schemas.microsoft.com/office/drawing/2014/main" id="{4923CEB4-8350-6E43-9BF4-39D82C16F2CA}"/>
+              </a:ext>
+            </a:extLst>
+          </p:cNvPr>
+          <p:cNvPicPr>
+            <a:picLocks noChangeAspect="1"/>
+          </p:cNvPicPr>
+          <p:nvPr/>
+        </p:nvPicPr>
+        <p:blipFill>
+          <a:blip r:embed="rId4">
+            <a:extLst>
+              <a:ext uri="{28A0092B-C50C-407E-A947-70E740481C1C}">
+                <a14:useLocalDpi xmlns:a14="http://schemas.microsoft.com/office/drawing/2010/main" val="0"/>
+              </a:ext>
+            </a:extLst>
+          </a:blip>
+          <a:stretch>
+            <a:fillRect/>
+          </a:stretch>
+        </p:blipFill>
+        <p:spPr>
+          <a:xfrm>
+            <a:off x="7277670" y="1370014"/>
+            <a:ext cx="1707304" cy="1707304"/>
+          </a:xfrm>
+          <a:prstGeom prst="rect">
+            <a:avLst/>
+          </a:prstGeom>
+        </p:spPr>
+      </p:pic>
+      <p:pic>
+        <p:nvPicPr>
+          <p:cNvPr id="8" name="Picture 7">
+            <a:extLst>
+              <a:ext uri="{FF2B5EF4-FFF2-40B4-BE49-F238E27FC236}">
+                <a16:creationId xmlns:a16="http://schemas.microsoft.com/office/drawing/2014/main" id="{199FCAF8-314F-BC47-B6CA-AE961E8659F6}"/>
+              </a:ext>
+            </a:extLst>
+          </p:cNvPr>
+          <p:cNvPicPr>
+            <a:picLocks noChangeAspect="1"/>
+          </p:cNvPicPr>
+          <p:nvPr/>
+        </p:nvPicPr>
+        <p:blipFill>
+          <a:blip r:embed="rId5">
+            <a:extLst>
+              <a:ext uri="{28A0092B-C50C-407E-A947-70E740481C1C}">
+                <a14:useLocalDpi xmlns:a14="http://schemas.microsoft.com/office/drawing/2010/main" val="0"/>
+              </a:ext>
+            </a:extLst>
+          </a:blip>
+          <a:stretch>
+            <a:fillRect/>
+          </a:stretch>
+        </p:blipFill>
+        <p:spPr>
+          <a:xfrm>
+            <a:off x="7299726" y="3145850"/>
+            <a:ext cx="1694643" cy="1694643"/>
+          </a:xfrm>
+          <a:prstGeom prst="rect">
+            <a:avLst/>
+          </a:prstGeom>
+        </p:spPr>
+      </p:pic>
+      <p:pic>
+        <p:nvPicPr>
+          <p:cNvPr id="10" name="Picture 9">
+            <a:extLst>
+              <a:ext uri="{FF2B5EF4-FFF2-40B4-BE49-F238E27FC236}">
+                <a16:creationId xmlns:a16="http://schemas.microsoft.com/office/drawing/2014/main" id="{69C3AAA4-3A24-3047-88F7-C7516244C761}"/>
+              </a:ext>
+            </a:extLst>
+          </p:cNvPr>
+          <p:cNvPicPr>
+            <a:picLocks noChangeAspect="1"/>
+          </p:cNvPicPr>
+          <p:nvPr/>
+        </p:nvPicPr>
+        <p:blipFill>
+          <a:blip r:embed="rId6">
+            <a:extLst>
+              <a:ext uri="{28A0092B-C50C-407E-A947-70E740481C1C}">
+                <a14:useLocalDpi xmlns:a14="http://schemas.microsoft.com/office/drawing/2010/main" val="0"/>
+              </a:ext>
+            </a:extLst>
+          </a:blip>
+          <a:stretch>
+            <a:fillRect/>
+          </a:stretch>
+        </p:blipFill>
+        <p:spPr>
+          <a:xfrm>
+            <a:off x="7277670" y="4909025"/>
+            <a:ext cx="1716699" cy="1716699"/>
+          </a:xfrm>
+          <a:prstGeom prst="rect">
+            <a:avLst/>
+          </a:prstGeom>
+        </p:spPr>
+      </p:pic>
+    </p:spTree>
+    <p:extLst>
+      <p:ext uri="{BB962C8B-B14F-4D97-AF65-F5344CB8AC3E}">
+        <p14:creationId xmlns:p14="http://schemas.microsoft.com/office/powerpoint/2010/main" val="795935867"/>
+      </p:ext>
+    </p:extLst>
+  </p:cSld>
+  <p:clrMapOvr>
+    <a:masterClrMapping/>
+  </p:clrMapOvr>
+</p:sld>
+</file>
+
+<file path=ppt/slides/slide5.xml><?xml version="1.0" encoding="utf-8"?>
+<p:sld xmlns:a="http://schemas.openxmlformats.org/drawingml/2006/main" xmlns:r="http://schemas.openxmlformats.org/officeDocument/2006/relationships" xmlns:p="http://schemas.openxmlformats.org/presentationml/2006/main">
+  <p:cSld>
+    <p:spTree>
+      <p:nvGrpSpPr>
+        <p:cNvPr id="1" name=""/>
+        <p:cNvGrpSpPr/>
+        <p:nvPr/>
+      </p:nvGrpSpPr>
+      <p:grpSpPr>
+        <a:xfrm>
+          <a:off x="0" y="0"/>
+          <a:ext cx="0" cy="0"/>
+          <a:chOff x="0" y="0"/>
+          <a:chExt cx="0" cy="0"/>
+        </a:xfrm>
+      </p:grpSpPr>
+      <p:sp>
+        <p:nvSpPr>
+          <p:cNvPr id="2" name="Content Placeholder 1"/>
+          <p:cNvSpPr>
+            <a:spLocks noGrp="1"/>
+          </p:cNvSpPr>
+          <p:nvPr>
+            <p:ph idx="1"/>
+          </p:nvPr>
+        </p:nvSpPr>
+        <p:spPr>
+          <a:xfrm>
+            <a:off x="611560" y="1600201"/>
+            <a:ext cx="7920880" cy="4525963"/>
+          </a:xfrm>
+        </p:spPr>
+        <p:txBody>
+          <a:bodyPr>
+            <a:noAutofit/>
+          </a:bodyPr>
+          <a:lstStyle/>
+          <a:p>
+            <a:r>
+              <a:rPr lang="en-US" sz="2300" dirty="0"/>
+              <a:t>Quick re-cap of </a:t>
+            </a:r>
+            <a:r>
+              <a:rPr lang="en-US" sz="2300" dirty="0" err="1"/>
+              <a:t>Zalenium</a:t>
+            </a:r>
+            <a:r>
+              <a:rPr lang="en-US" sz="2300" dirty="0"/>
+              <a:t>.</a:t>
+            </a:r>
+          </a:p>
+          <a:p>
+            <a:r>
+              <a:rPr lang="en-US" sz="2300" dirty="0"/>
+              <a:t>Overview of Jenkins Pipeline.</a:t>
+            </a:r>
+          </a:p>
+          <a:p>
+            <a:r>
+              <a:rPr lang="en-US" sz="2300" dirty="0"/>
+              <a:t>Why use Jenkins Pipeline?</a:t>
+            </a:r>
+          </a:p>
+          <a:p>
+            <a:r>
+              <a:rPr lang="en-US" sz="2300" dirty="0"/>
+              <a:t>Overview of our test structure.</a:t>
+            </a:r>
+          </a:p>
+          <a:p>
+            <a:r>
+              <a:rPr lang="en-US" sz="2300" dirty="0"/>
+              <a:t>Playground – Jenkins, </a:t>
+            </a:r>
+            <a:r>
+              <a:rPr lang="en-US" sz="2300" dirty="0" err="1"/>
+              <a:t>Zalenium</a:t>
+            </a:r>
+            <a:r>
+              <a:rPr lang="en-US" sz="2300" dirty="0"/>
+              <a:t>, Allure.</a:t>
+            </a:r>
+          </a:p>
+          <a:p>
+            <a:endParaRPr lang="en-US" sz="2300" dirty="0"/>
+          </a:p>
+          <a:p>
+            <a:endParaRPr lang="en-US" sz="2300" dirty="0"/>
+          </a:p>
+        </p:txBody>
+      </p:sp>
+      <p:sp>
+        <p:nvSpPr>
+          <p:cNvPr id="3" name="Footer Placeholder 2"/>
+          <p:cNvSpPr>
+            <a:spLocks noGrp="1"/>
+          </p:cNvSpPr>
+          <p:nvPr>
+            <p:ph type="ftr" sz="quarter" idx="3"/>
+          </p:nvPr>
+        </p:nvSpPr>
+        <p:spPr>
+          <a:xfrm>
+            <a:off x="3124200" y="6356351"/>
+            <a:ext cx="2895600" cy="365125"/>
+          </a:xfrm>
+        </p:spPr>
+        <p:txBody>
+          <a:bodyPr/>
+          <a:lstStyle/>
+          <a:p>
+            <a:r>
+              <a:rPr lang="en-GB" sz="1600" dirty="0"/>
+              <a:t>#</a:t>
+            </a:r>
+            <a:r>
+              <a:rPr lang="en-GB" sz="1600" dirty="0" err="1"/>
+              <a:t>DevOpsPlayground</a:t>
+            </a:r>
+            <a:endParaRPr lang="en-GB" sz="1600" dirty="0"/>
+          </a:p>
+        </p:txBody>
+      </p:sp>
+      <p:sp>
+        <p:nvSpPr>
+          <p:cNvPr id="4" name="TextBox 3"/>
+          <p:cNvSpPr txBox="1"/>
+          <p:nvPr/>
+        </p:nvSpPr>
+        <p:spPr>
+          <a:xfrm>
+            <a:off x="611560" y="692696"/>
+            <a:ext cx="7920880" cy="523220"/>
+          </a:xfrm>
+          <a:prstGeom prst="rect">
+            <a:avLst/>
+          </a:prstGeom>
+          <a:noFill/>
+        </p:spPr>
+        <p:txBody>
+          <a:bodyPr wrap="square" rtlCol="0">
+            <a:spAutoFit/>
+          </a:bodyPr>
+          <a:lstStyle/>
+          <a:p>
+            <a:r>
+              <a:rPr lang="en-GB" sz="2800" dirty="0">
+                <a:solidFill>
+                  <a:srgbClr val="0070B7"/>
+                </a:solidFill>
+                <a:latin typeface="Arial" panose="020B0604020202020204" pitchFamily="34" charset="0"/>
+                <a:cs typeface="Arial" panose="020B0604020202020204" pitchFamily="34" charset="0"/>
+              </a:rPr>
+              <a:t>Agenda</a:t>
+            </a:r>
+          </a:p>
+        </p:txBody>
+      </p:sp>
+    </p:spTree>
+    <p:extLst>
+      <p:ext uri="{BB962C8B-B14F-4D97-AF65-F5344CB8AC3E}">
+        <p14:creationId xmlns:p14="http://schemas.microsoft.com/office/powerpoint/2010/main" val="3447186591"/>
+      </p:ext>
+    </p:extLst>
+  </p:cSld>
+  <p:clrMapOvr>
+    <a:masterClrMapping/>
+  </p:clrMapOvr>
+</p:sld>
+</file>
+
+<file path=ppt/slides/slide6.xml><?xml version="1.0" encoding="utf-8"?>
+<p:sld xmlns:a="http://schemas.openxmlformats.org/drawingml/2006/main" xmlns:r="http://schemas.openxmlformats.org/officeDocument/2006/relationships" xmlns:p="http://schemas.openxmlformats.org/presentationml/2006/main">
+  <p:cSld>
+    <p:spTree>
+      <p:nvGrpSpPr>
+        <p:cNvPr id="1" name=""/>
+        <p:cNvGrpSpPr/>
+        <p:nvPr/>
+      </p:nvGrpSpPr>
+      <p:grpSpPr>
+        <a:xfrm>
+          <a:off x="0" y="0"/>
+          <a:ext cx="0" cy="0"/>
+          <a:chOff x="0" y="0"/>
+          <a:chExt cx="0" cy="0"/>
+        </a:xfrm>
+      </p:grpSpPr>
+      <p:sp>
+        <p:nvSpPr>
+          <p:cNvPr id="2" name="Content Placeholder 1"/>
+          <p:cNvSpPr>
+            <a:spLocks noGrp="1"/>
+          </p:cNvSpPr>
+          <p:nvPr>
+            <p:ph idx="1"/>
+          </p:nvPr>
+        </p:nvSpPr>
+        <p:spPr>
+          <a:xfrm>
+            <a:off x="611560" y="1600201"/>
+            <a:ext cx="7920880" cy="4525963"/>
+          </a:xfrm>
+        </p:spPr>
+        <p:txBody>
+          <a:bodyPr>
+            <a:noAutofit/>
+          </a:bodyPr>
+          <a:lstStyle/>
+          <a:p>
+            <a:r>
+              <a:rPr lang="en-US" sz="2300" dirty="0"/>
+              <a:t>Open-source tool created by </a:t>
+            </a:r>
+            <a:r>
+              <a:rPr lang="en-US" sz="2300" dirty="0" err="1"/>
+              <a:t>Zalando</a:t>
+            </a:r>
+            <a:r>
+              <a:rPr lang="en-US" sz="2300" dirty="0"/>
+              <a:t> in 2017.</a:t>
+            </a:r>
+          </a:p>
+          <a:p>
+            <a:r>
+              <a:rPr lang="en-US" sz="2300" dirty="0"/>
+              <a:t>Can be run out of the box using Docker and Kubernetes.</a:t>
+            </a:r>
+          </a:p>
+          <a:p>
+            <a:r>
+              <a:rPr lang="en-US" sz="2300" dirty="0"/>
+              <a:t>Removes pain points of maintaining your own Selenium Grid.</a:t>
+            </a:r>
+          </a:p>
+          <a:p>
+            <a:r>
+              <a:rPr lang="en-US" sz="2300" dirty="0"/>
+              <a:t>Allows anyone in your team to have </a:t>
+            </a:r>
+            <a:r>
+              <a:rPr lang="en-US" sz="2300" b="1" dirty="0"/>
+              <a:t>flexible and disposable Selenium Grid infrastructure created within seconds.</a:t>
+            </a:r>
+          </a:p>
+          <a:p>
+            <a:r>
+              <a:rPr lang="en-US" sz="2300" dirty="0"/>
+              <a:t>Auto-scales during and after tests are run.</a:t>
+            </a:r>
+          </a:p>
+          <a:p>
+            <a:pPr marL="0" indent="0">
+              <a:buNone/>
+            </a:pPr>
+            <a:endParaRPr lang="en-US" sz="2300" dirty="0"/>
+          </a:p>
+          <a:p>
+            <a:pPr marL="0" indent="0">
+              <a:buNone/>
+            </a:pPr>
+            <a:endParaRPr lang="en-US" sz="2300" dirty="0"/>
+          </a:p>
+        </p:txBody>
+      </p:sp>
+      <p:sp>
+        <p:nvSpPr>
+          <p:cNvPr id="3" name="Footer Placeholder 2"/>
+          <p:cNvSpPr>
+            <a:spLocks noGrp="1"/>
+          </p:cNvSpPr>
+          <p:nvPr>
+            <p:ph type="ftr" sz="quarter" idx="3"/>
+          </p:nvPr>
+        </p:nvSpPr>
+        <p:spPr>
+          <a:xfrm>
+            <a:off x="3124200" y="6356351"/>
+            <a:ext cx="2895600" cy="365125"/>
+          </a:xfrm>
+        </p:spPr>
+        <p:txBody>
+          <a:bodyPr/>
+          <a:lstStyle/>
+          <a:p>
+            <a:r>
+              <a:rPr lang="en-GB" sz="1600"/>
+              <a:t>#DevOpsPlayground</a:t>
+            </a:r>
+            <a:endParaRPr lang="en-GB" sz="1600" dirty="0"/>
+          </a:p>
+        </p:txBody>
+      </p:sp>
+      <p:sp>
+        <p:nvSpPr>
+          <p:cNvPr id="4" name="TextBox 3"/>
+          <p:cNvSpPr txBox="1"/>
+          <p:nvPr/>
+        </p:nvSpPr>
+        <p:spPr>
+          <a:xfrm>
+            <a:off x="611560" y="692696"/>
+            <a:ext cx="7920880" cy="523220"/>
+          </a:xfrm>
+          <a:prstGeom prst="rect">
+            <a:avLst/>
+          </a:prstGeom>
+          <a:noFill/>
+        </p:spPr>
+        <p:txBody>
+          <a:bodyPr wrap="square" rtlCol="0">
+            <a:spAutoFit/>
+          </a:bodyPr>
+          <a:lstStyle/>
+          <a:p>
             <a:r>
               <a:rPr lang="en-GB" sz="2800" dirty="0" err="1">
                 <a:solidFill>
@@ -5993,15 +7321,51 @@
                 <a:latin typeface="Arial" panose="020B0604020202020204" pitchFamily="34" charset="0"/>
                 <a:cs typeface="Arial" panose="020B0604020202020204" pitchFamily="34" charset="0"/>
               </a:rPr>
-              <a:t>?</a:t>
-            </a:r>
-          </a:p>
-        </p:txBody>
-      </p:sp>
+              <a:t> Re-Cap</a:t>
+            </a:r>
+          </a:p>
+        </p:txBody>
+      </p:sp>
+      <p:pic>
+        <p:nvPicPr>
+          <p:cNvPr id="7" name="Picture 6">
+            <a:extLst>
+              <a:ext uri="{FF2B5EF4-FFF2-40B4-BE49-F238E27FC236}">
+                <a16:creationId xmlns:a16="http://schemas.microsoft.com/office/drawing/2014/main" id="{F9187D82-AD56-6A43-85C7-59204BF89967}"/>
+              </a:ext>
+            </a:extLst>
+          </p:cNvPr>
+          <p:cNvPicPr>
+            <a:picLocks noChangeAspect="1"/>
+          </p:cNvPicPr>
+          <p:nvPr/>
+        </p:nvPicPr>
+        <p:blipFill>
+          <a:blip r:embed="rId3">
+            <a:extLst>
+              <a:ext uri="{28A0092B-C50C-407E-A947-70E740481C1C}">
+                <a14:useLocalDpi xmlns:a14="http://schemas.microsoft.com/office/drawing/2010/main" val="0"/>
+              </a:ext>
+            </a:extLst>
+          </a:blip>
+          <a:stretch>
+            <a:fillRect/>
+          </a:stretch>
+        </p:blipFill>
+        <p:spPr>
+          <a:xfrm>
+            <a:off x="2195736" y="4319208"/>
+            <a:ext cx="4489458" cy="1922050"/>
+          </a:xfrm>
+          <a:prstGeom prst="rect">
+            <a:avLst/>
+          </a:prstGeom>
+        </p:spPr>
+      </p:pic>
     </p:spTree>
     <p:extLst>
       <p:ext uri="{BB962C8B-B14F-4D97-AF65-F5344CB8AC3E}">
-        <p14:creationId xmlns:p14="http://schemas.microsoft.com/office/powerpoint/2010/main" val="1200131251"/>
+        <p14:creationId xmlns:p14="http://schemas.microsoft.com/office/powerpoint/2010/main" val="1663746683"/>
       </p:ext>
     </p:extLst>
   </p:cSld>
@@ -6261,3302 +7625,6 @@
                       </p:childTnLst>
                     </p:cTn>
                   </p:par>
-                  <p:par>
-                    <p:cTn id="23" fill="hold">
-                      <p:stCondLst>
-                        <p:cond delay="indefinite"/>
-                      </p:stCondLst>
-                      <p:childTnLst>
-                        <p:par>
-                          <p:cTn id="24" fill="hold">
-                            <p:stCondLst>
-                              <p:cond delay="0"/>
-                            </p:stCondLst>
-                            <p:childTnLst>
-                              <p:par>
-                                <p:cTn id="25" presetID="1" presetClass="entr" presetSubtype="0" fill="hold" grpId="0" nodeType="clickEffect">
-                                  <p:stCondLst>
-                                    <p:cond delay="0"/>
-                                  </p:stCondLst>
-                                  <p:childTnLst>
-                                    <p:set>
-                                      <p:cBhvr>
-                                        <p:cTn id="26" dur="1" fill="hold">
-                                          <p:stCondLst>
-                                            <p:cond delay="0"/>
-                                          </p:stCondLst>
-                                        </p:cTn>
-                                        <p:tgtEl>
-                                          <p:spTgt spid="2">
-                                            <p:txEl>
-                                              <p:pRg st="5" end="5"/>
-                                            </p:txEl>
-                                          </p:spTgt>
-                                        </p:tgtEl>
-                                        <p:attrNameLst>
-                                          <p:attrName>style.visibility</p:attrName>
-                                        </p:attrNameLst>
-                                      </p:cBhvr>
-                                      <p:to>
-                                        <p:strVal val="visible"/>
-                                      </p:to>
-                                    </p:set>
-                                  </p:childTnLst>
-                                </p:cTn>
-                              </p:par>
-                            </p:childTnLst>
-                          </p:cTn>
-                        </p:par>
-                      </p:childTnLst>
-                    </p:cTn>
-                  </p:par>
-                  <p:par>
-                    <p:cTn id="27" fill="hold">
-                      <p:stCondLst>
-                        <p:cond delay="indefinite"/>
-                      </p:stCondLst>
-                      <p:childTnLst>
-                        <p:par>
-                          <p:cTn id="28" fill="hold">
-                            <p:stCondLst>
-                              <p:cond delay="0"/>
-                            </p:stCondLst>
-                            <p:childTnLst>
-                              <p:par>
-                                <p:cTn id="29" presetID="1" presetClass="entr" presetSubtype="0" fill="hold" grpId="0" nodeType="clickEffect">
-                                  <p:stCondLst>
-                                    <p:cond delay="0"/>
-                                  </p:stCondLst>
-                                  <p:childTnLst>
-                                    <p:set>
-                                      <p:cBhvr>
-                                        <p:cTn id="30" dur="1" fill="hold">
-                                          <p:stCondLst>
-                                            <p:cond delay="0"/>
-                                          </p:stCondLst>
-                                        </p:cTn>
-                                        <p:tgtEl>
-                                          <p:spTgt spid="2">
-                                            <p:txEl>
-                                              <p:pRg st="6" end="6"/>
-                                            </p:txEl>
-                                          </p:spTgt>
-                                        </p:tgtEl>
-                                        <p:attrNameLst>
-                                          <p:attrName>style.visibility</p:attrName>
-                                        </p:attrNameLst>
-                                      </p:cBhvr>
-                                      <p:to>
-                                        <p:strVal val="visible"/>
-                                      </p:to>
-                                    </p:set>
-                                  </p:childTnLst>
-                                </p:cTn>
-                              </p:par>
-                            </p:childTnLst>
-                          </p:cTn>
-                        </p:par>
-                      </p:childTnLst>
-                    </p:cTn>
-                  </p:par>
-                </p:childTnLst>
-              </p:cTn>
-              <p:prevCondLst>
-                <p:cond evt="onPrev" delay="0">
-                  <p:tgtEl>
-                    <p:sldTgt/>
-                  </p:tgtEl>
-                </p:cond>
-              </p:prevCondLst>
-              <p:nextCondLst>
-                <p:cond evt="onNext" delay="0">
-                  <p:tgtEl>
-                    <p:sldTgt/>
-                  </p:tgtEl>
-                </p:cond>
-              </p:nextCondLst>
-            </p:seq>
-          </p:childTnLst>
-        </p:cTn>
-      </p:par>
-    </p:tnLst>
-    <p:bldLst>
-      <p:bldP spid="2" grpId="0" build="p"/>
-    </p:bldLst>
-  </p:timing>
-</p:sld>
-</file>
-
-<file path=ppt/slides/slide12.xml><?xml version="1.0" encoding="utf-8"?>
-<p:sld xmlns:a="http://schemas.openxmlformats.org/drawingml/2006/main" xmlns:r="http://schemas.openxmlformats.org/officeDocument/2006/relationships" xmlns:p="http://schemas.openxmlformats.org/presentationml/2006/main">
-  <p:cSld>
-    <p:spTree>
-      <p:nvGrpSpPr>
-        <p:cNvPr id="1" name=""/>
-        <p:cNvGrpSpPr/>
-        <p:nvPr/>
-      </p:nvGrpSpPr>
-      <p:grpSpPr>
-        <a:xfrm>
-          <a:off x="0" y="0"/>
-          <a:ext cx="0" cy="0"/>
-          <a:chOff x="0" y="0"/>
-          <a:chExt cx="0" cy="0"/>
-        </a:xfrm>
-      </p:grpSpPr>
-      <p:sp>
-        <p:nvSpPr>
-          <p:cNvPr id="2" name="Content Placeholder 1"/>
-          <p:cNvSpPr>
-            <a:spLocks noGrp="1"/>
-          </p:cNvSpPr>
-          <p:nvPr>
-            <p:ph idx="1"/>
-          </p:nvPr>
-        </p:nvSpPr>
-        <p:spPr>
-          <a:xfrm>
-            <a:off x="611560" y="1600201"/>
-            <a:ext cx="7920880" cy="4525963"/>
-          </a:xfrm>
-        </p:spPr>
-        <p:txBody>
-          <a:bodyPr>
-            <a:noAutofit/>
-          </a:bodyPr>
-          <a:lstStyle/>
-          <a:p>
-            <a:r>
-              <a:rPr lang="en-US" dirty="0"/>
-              <a:t>Performance</a:t>
-            </a:r>
-          </a:p>
-          <a:p>
-            <a:pPr lvl="1"/>
-            <a:r>
-              <a:rPr lang="en-US" dirty="0"/>
-              <a:t>Having video recording active consumes a lot of CPU (can be disabled).</a:t>
-            </a:r>
-          </a:p>
-          <a:p>
-            <a:pPr lvl="1"/>
-            <a:r>
-              <a:rPr lang="en-US" dirty="0"/>
-              <a:t>Increasing beyond 16-18 containers can cause Selenium Grid to run slower.</a:t>
-            </a:r>
-          </a:p>
-          <a:p>
-            <a:pPr lvl="1"/>
-            <a:r>
-              <a:rPr lang="en-US" dirty="0"/>
-              <a:t>High CPU usage can cause tests to time out.</a:t>
-            </a:r>
-          </a:p>
-          <a:p>
-            <a:pPr lvl="1"/>
-            <a:endParaRPr lang="en-US" dirty="0"/>
-          </a:p>
-        </p:txBody>
-      </p:sp>
-      <p:sp>
-        <p:nvSpPr>
-          <p:cNvPr id="3" name="Footer Placeholder 2"/>
-          <p:cNvSpPr>
-            <a:spLocks noGrp="1"/>
-          </p:cNvSpPr>
-          <p:nvPr>
-            <p:ph type="ftr" sz="quarter" idx="3"/>
-          </p:nvPr>
-        </p:nvSpPr>
-        <p:spPr/>
-        <p:txBody>
-          <a:bodyPr/>
-          <a:lstStyle/>
-          <a:p>
-            <a:r>
-              <a:rPr lang="en-GB" sz="1600" dirty="0"/>
-              <a:t>#</a:t>
-            </a:r>
-            <a:r>
-              <a:rPr lang="en-GB" sz="1600" dirty="0" err="1"/>
-              <a:t>DevOpsPlayground</a:t>
-            </a:r>
-            <a:endParaRPr lang="en-GB" sz="1600" dirty="0"/>
-          </a:p>
-        </p:txBody>
-      </p:sp>
-      <p:sp>
-        <p:nvSpPr>
-          <p:cNvPr id="4" name="TextBox 3"/>
-          <p:cNvSpPr txBox="1"/>
-          <p:nvPr/>
-        </p:nvSpPr>
-        <p:spPr>
-          <a:xfrm>
-            <a:off x="611560" y="692696"/>
-            <a:ext cx="7920880" cy="523220"/>
-          </a:xfrm>
-          <a:prstGeom prst="rect">
-            <a:avLst/>
-          </a:prstGeom>
-          <a:noFill/>
-        </p:spPr>
-        <p:txBody>
-          <a:bodyPr wrap="square" rtlCol="0">
-            <a:spAutoFit/>
-          </a:bodyPr>
-          <a:lstStyle/>
-          <a:p>
-            <a:r>
-              <a:rPr lang="en-GB" sz="2800" dirty="0">
-                <a:solidFill>
-                  <a:srgbClr val="0070B7"/>
-                </a:solidFill>
-                <a:latin typeface="Arial" panose="020B0604020202020204" pitchFamily="34" charset="0"/>
-                <a:cs typeface="Arial" panose="020B0604020202020204" pitchFamily="34" charset="0"/>
-              </a:rPr>
-              <a:t>Cons</a:t>
-            </a:r>
-          </a:p>
-        </p:txBody>
-      </p:sp>
-    </p:spTree>
-    <p:extLst>
-      <p:ext uri="{BB962C8B-B14F-4D97-AF65-F5344CB8AC3E}">
-        <p14:creationId xmlns:p14="http://schemas.microsoft.com/office/powerpoint/2010/main" val="1457147259"/>
-      </p:ext>
-    </p:extLst>
-  </p:cSld>
-  <p:clrMapOvr>
-    <a:masterClrMapping/>
-  </p:clrMapOvr>
-  <p:timing>
-    <p:tnLst>
-      <p:par>
-        <p:cTn id="1" dur="indefinite" restart="never" nodeType="tmRoot">
-          <p:childTnLst>
-            <p:seq concurrent="1" nextAc="seek">
-              <p:cTn id="2" dur="indefinite" nodeType="mainSeq">
-                <p:childTnLst>
-                  <p:par>
-                    <p:cTn id="3" fill="hold">
-                      <p:stCondLst>
-                        <p:cond delay="indefinite"/>
-                      </p:stCondLst>
-                      <p:childTnLst>
-                        <p:par>
-                          <p:cTn id="4" fill="hold">
-                            <p:stCondLst>
-                              <p:cond delay="0"/>
-                            </p:stCondLst>
-                            <p:childTnLst>
-                              <p:par>
-                                <p:cTn id="5" presetID="1" presetClass="entr" presetSubtype="0" fill="hold" grpId="0" nodeType="clickEffect">
-                                  <p:stCondLst>
-                                    <p:cond delay="0"/>
-                                  </p:stCondLst>
-                                  <p:childTnLst>
-                                    <p:set>
-                                      <p:cBhvr>
-                                        <p:cTn id="6" dur="1" fill="hold">
-                                          <p:stCondLst>
-                                            <p:cond delay="0"/>
-                                          </p:stCondLst>
-                                        </p:cTn>
-                                        <p:tgtEl>
-                                          <p:spTgt spid="2">
-                                            <p:txEl>
-                                              <p:pRg st="0" end="0"/>
-                                            </p:txEl>
-                                          </p:spTgt>
-                                        </p:tgtEl>
-                                        <p:attrNameLst>
-                                          <p:attrName>style.visibility</p:attrName>
-                                        </p:attrNameLst>
-                                      </p:cBhvr>
-                                      <p:to>
-                                        <p:strVal val="visible"/>
-                                      </p:to>
-                                    </p:set>
-                                  </p:childTnLst>
-                                </p:cTn>
-                              </p:par>
-                              <p:par>
-                                <p:cTn id="7" presetID="1" presetClass="entr" presetSubtype="0" fill="hold" grpId="0" nodeType="withEffect">
-                                  <p:stCondLst>
-                                    <p:cond delay="0"/>
-                                  </p:stCondLst>
-                                  <p:childTnLst>
-                                    <p:set>
-                                      <p:cBhvr>
-                                        <p:cTn id="8" dur="1" fill="hold">
-                                          <p:stCondLst>
-                                            <p:cond delay="0"/>
-                                          </p:stCondLst>
-                                        </p:cTn>
-                                        <p:tgtEl>
-                                          <p:spTgt spid="2">
-                                            <p:txEl>
-                                              <p:pRg st="1" end="1"/>
-                                            </p:txEl>
-                                          </p:spTgt>
-                                        </p:tgtEl>
-                                        <p:attrNameLst>
-                                          <p:attrName>style.visibility</p:attrName>
-                                        </p:attrNameLst>
-                                      </p:cBhvr>
-                                      <p:to>
-                                        <p:strVal val="visible"/>
-                                      </p:to>
-                                    </p:set>
-                                  </p:childTnLst>
-                                </p:cTn>
-                              </p:par>
-                              <p:par>
-                                <p:cTn id="9" presetID="1" presetClass="entr" presetSubtype="0" fill="hold" grpId="0" nodeType="withEffect">
-                                  <p:stCondLst>
-                                    <p:cond delay="0"/>
-                                  </p:stCondLst>
-                                  <p:childTnLst>
-                                    <p:set>
-                                      <p:cBhvr>
-                                        <p:cTn id="10" dur="1" fill="hold">
-                                          <p:stCondLst>
-                                            <p:cond delay="0"/>
-                                          </p:stCondLst>
-                                        </p:cTn>
-                                        <p:tgtEl>
-                                          <p:spTgt spid="2">
-                                            <p:txEl>
-                                              <p:pRg st="2" end="2"/>
-                                            </p:txEl>
-                                          </p:spTgt>
-                                        </p:tgtEl>
-                                        <p:attrNameLst>
-                                          <p:attrName>style.visibility</p:attrName>
-                                        </p:attrNameLst>
-                                      </p:cBhvr>
-                                      <p:to>
-                                        <p:strVal val="visible"/>
-                                      </p:to>
-                                    </p:set>
-                                  </p:childTnLst>
-                                </p:cTn>
-                              </p:par>
-                              <p:par>
-                                <p:cTn id="11" presetID="1" presetClass="entr" presetSubtype="0" fill="hold" grpId="0" nodeType="withEffect">
-                                  <p:stCondLst>
-                                    <p:cond delay="0"/>
-                                  </p:stCondLst>
-                                  <p:childTnLst>
-                                    <p:set>
-                                      <p:cBhvr>
-                                        <p:cTn id="12" dur="1" fill="hold">
-                                          <p:stCondLst>
-                                            <p:cond delay="0"/>
-                                          </p:stCondLst>
-                                        </p:cTn>
-                                        <p:tgtEl>
-                                          <p:spTgt spid="2">
-                                            <p:txEl>
-                                              <p:pRg st="3" end="3"/>
-                                            </p:txEl>
-                                          </p:spTgt>
-                                        </p:tgtEl>
-                                        <p:attrNameLst>
-                                          <p:attrName>style.visibility</p:attrName>
-                                        </p:attrNameLst>
-                                      </p:cBhvr>
-                                      <p:to>
-                                        <p:strVal val="visible"/>
-                                      </p:to>
-                                    </p:set>
-                                  </p:childTnLst>
-                                </p:cTn>
-                              </p:par>
-                            </p:childTnLst>
-                          </p:cTn>
-                        </p:par>
-                      </p:childTnLst>
-                    </p:cTn>
-                  </p:par>
-                </p:childTnLst>
-              </p:cTn>
-              <p:prevCondLst>
-                <p:cond evt="onPrev" delay="0">
-                  <p:tgtEl>
-                    <p:sldTgt/>
-                  </p:tgtEl>
-                </p:cond>
-              </p:prevCondLst>
-              <p:nextCondLst>
-                <p:cond evt="onNext" delay="0">
-                  <p:tgtEl>
-                    <p:sldTgt/>
-                  </p:tgtEl>
-                </p:cond>
-              </p:nextCondLst>
-            </p:seq>
-          </p:childTnLst>
-        </p:cTn>
-      </p:par>
-    </p:tnLst>
-    <p:bldLst>
-      <p:bldP spid="2" grpId="0" uiExpand="1" build="p"/>
-    </p:bldLst>
-  </p:timing>
-</p:sld>
-</file>
-
-<file path=ppt/slides/slide13.xml><?xml version="1.0" encoding="utf-8"?>
-<p:sld xmlns:a="http://schemas.openxmlformats.org/drawingml/2006/main" xmlns:r="http://schemas.openxmlformats.org/officeDocument/2006/relationships" xmlns:p="http://schemas.openxmlformats.org/presentationml/2006/main">
-  <p:cSld>
-    <p:spTree>
-      <p:nvGrpSpPr>
-        <p:cNvPr id="1" name=""/>
-        <p:cNvGrpSpPr/>
-        <p:nvPr/>
-      </p:nvGrpSpPr>
-      <p:grpSpPr>
-        <a:xfrm>
-          <a:off x="0" y="0"/>
-          <a:ext cx="0" cy="0"/>
-          <a:chOff x="0" y="0"/>
-          <a:chExt cx="0" cy="0"/>
-        </a:xfrm>
-      </p:grpSpPr>
-      <p:sp>
-        <p:nvSpPr>
-          <p:cNvPr id="3" name="Footer Placeholder 2"/>
-          <p:cNvSpPr>
-            <a:spLocks noGrp="1"/>
-          </p:cNvSpPr>
-          <p:nvPr>
-            <p:ph type="ftr" sz="quarter" idx="3"/>
-          </p:nvPr>
-        </p:nvSpPr>
-        <p:spPr/>
-        <p:txBody>
-          <a:bodyPr/>
-          <a:lstStyle/>
-          <a:p>
-            <a:r>
-              <a:rPr lang="en-GB" sz="1600" dirty="0"/>
-              <a:t>#</a:t>
-            </a:r>
-            <a:r>
-              <a:rPr lang="en-GB" sz="1600" dirty="0" err="1"/>
-              <a:t>DevOpsPlayground</a:t>
-            </a:r>
-            <a:endParaRPr lang="en-GB" sz="1600" dirty="0"/>
-          </a:p>
-        </p:txBody>
-      </p:sp>
-      <p:sp>
-        <p:nvSpPr>
-          <p:cNvPr id="4" name="TextBox 3"/>
-          <p:cNvSpPr txBox="1"/>
-          <p:nvPr/>
-        </p:nvSpPr>
-        <p:spPr>
-          <a:xfrm>
-            <a:off x="611560" y="692696"/>
-            <a:ext cx="7920880" cy="523220"/>
-          </a:xfrm>
-          <a:prstGeom prst="rect">
-            <a:avLst/>
-          </a:prstGeom>
-          <a:noFill/>
-        </p:spPr>
-        <p:txBody>
-          <a:bodyPr wrap="square" rtlCol="0">
-            <a:spAutoFit/>
-          </a:bodyPr>
-          <a:lstStyle/>
-          <a:p>
-            <a:r>
-              <a:rPr lang="en-GB" sz="2800" dirty="0">
-                <a:solidFill>
-                  <a:srgbClr val="0070B7"/>
-                </a:solidFill>
-                <a:latin typeface="Arial" panose="020B0604020202020204" pitchFamily="34" charset="0"/>
-                <a:cs typeface="Arial" panose="020B0604020202020204" pitchFamily="34" charset="0"/>
-              </a:rPr>
-              <a:t>Playground</a:t>
-            </a:r>
-          </a:p>
-        </p:txBody>
-      </p:sp>
-      <p:sp>
-        <p:nvSpPr>
-          <p:cNvPr id="5" name="Content Placeholder 4">
-            <a:extLst>
-              <a:ext uri="{FF2B5EF4-FFF2-40B4-BE49-F238E27FC236}">
-                <a16:creationId xmlns:a16="http://schemas.microsoft.com/office/drawing/2014/main" id="{122D25EA-2C5B-F546-B0F0-A1ECE4E5202C}"/>
-              </a:ext>
-            </a:extLst>
-          </p:cNvPr>
-          <p:cNvSpPr>
-            <a:spLocks noGrp="1"/>
-          </p:cNvSpPr>
-          <p:nvPr>
-            <p:ph idx="1"/>
-          </p:nvPr>
-        </p:nvSpPr>
-        <p:spPr/>
-        <p:txBody>
-          <a:bodyPr/>
-          <a:lstStyle/>
-          <a:p>
-            <a:r>
-              <a:rPr lang="en-US" dirty="0"/>
-              <a:t>Everyone should have an IP address to log into over SSH.</a:t>
-            </a:r>
-          </a:p>
-          <a:p>
-            <a:endParaRPr lang="en-US" dirty="0"/>
-          </a:p>
-          <a:p>
-            <a:r>
-              <a:rPr lang="en-US" dirty="0"/>
-              <a:t>Access the Playground ReadMe and GitHub repo here: </a:t>
-            </a:r>
-            <a:r>
-              <a:rPr lang="en-US" dirty="0">
-                <a:hlinkClick r:id="rId3"/>
-              </a:rPr>
-              <a:t>https://bit.ly/2zrbOED</a:t>
-            </a:r>
-            <a:endParaRPr lang="en-US" dirty="0"/>
-          </a:p>
-          <a:p>
-            <a:endParaRPr lang="en-US" dirty="0"/>
-          </a:p>
-          <a:p>
-            <a:r>
-              <a:rPr lang="en-US" dirty="0"/>
-              <a:t>We’re going to:</a:t>
-            </a:r>
-          </a:p>
-          <a:p>
-            <a:pPr lvl="1"/>
-            <a:r>
-              <a:rPr lang="en-US" dirty="0"/>
-              <a:t>Install docker-selenium and </a:t>
-            </a:r>
-            <a:r>
-              <a:rPr lang="en-US" dirty="0" err="1"/>
-              <a:t>Zalenium</a:t>
-            </a:r>
-            <a:r>
-              <a:rPr lang="en-US" dirty="0"/>
-              <a:t>.</a:t>
-            </a:r>
-          </a:p>
-          <a:p>
-            <a:pPr lvl="1"/>
-            <a:r>
-              <a:rPr lang="en-US" dirty="0"/>
-              <a:t>Run </a:t>
-            </a:r>
-            <a:r>
-              <a:rPr lang="en-US" dirty="0" err="1"/>
-              <a:t>Zalenium</a:t>
-            </a:r>
-            <a:endParaRPr lang="en-US" dirty="0"/>
-          </a:p>
-          <a:p>
-            <a:pPr lvl="1"/>
-            <a:r>
-              <a:rPr lang="en-US" dirty="0"/>
-              <a:t>Run JavaScript </a:t>
-            </a:r>
-            <a:r>
-              <a:rPr lang="en-US" dirty="0" err="1"/>
-              <a:t>WebDriver.io</a:t>
-            </a:r>
-            <a:r>
-              <a:rPr lang="en-US" dirty="0"/>
-              <a:t> tests in parallel using </a:t>
-            </a:r>
-            <a:r>
-              <a:rPr lang="en-US" dirty="0" err="1"/>
-              <a:t>Zalenium</a:t>
-            </a:r>
-            <a:endParaRPr lang="en-US" dirty="0"/>
-          </a:p>
-          <a:p>
-            <a:pPr lvl="1"/>
-            <a:r>
-              <a:rPr lang="en-US" dirty="0"/>
-              <a:t>View the </a:t>
-            </a:r>
-            <a:r>
-              <a:rPr lang="en-US" dirty="0" err="1"/>
-              <a:t>Zalenium</a:t>
-            </a:r>
-            <a:r>
-              <a:rPr lang="en-US" dirty="0"/>
-              <a:t> Dashboard</a:t>
-            </a:r>
-          </a:p>
-          <a:p>
-            <a:endParaRPr lang="en-US" dirty="0"/>
-          </a:p>
-          <a:p>
-            <a:endParaRPr lang="en-US" dirty="0"/>
-          </a:p>
-        </p:txBody>
-      </p:sp>
-    </p:spTree>
-    <p:extLst>
-      <p:ext uri="{BB962C8B-B14F-4D97-AF65-F5344CB8AC3E}">
-        <p14:creationId xmlns:p14="http://schemas.microsoft.com/office/powerpoint/2010/main" val="2752887665"/>
-      </p:ext>
-    </p:extLst>
-  </p:cSld>
-  <p:clrMapOvr>
-    <a:masterClrMapping/>
-  </p:clrMapOvr>
-</p:sld>
-</file>
-
-<file path=ppt/slides/slide14.xml><?xml version="1.0" encoding="utf-8"?>
-<p:sld xmlns:a="http://schemas.openxmlformats.org/drawingml/2006/main" xmlns:r="http://schemas.openxmlformats.org/officeDocument/2006/relationships" xmlns:p="http://schemas.openxmlformats.org/presentationml/2006/main">
-  <p:cSld>
-    <p:spTree>
-      <p:nvGrpSpPr>
-        <p:cNvPr id="1" name=""/>
-        <p:cNvGrpSpPr/>
-        <p:nvPr/>
-      </p:nvGrpSpPr>
-      <p:grpSpPr>
-        <a:xfrm>
-          <a:off x="0" y="0"/>
-          <a:ext cx="0" cy="0"/>
-          <a:chOff x="0" y="0"/>
-          <a:chExt cx="0" cy="0"/>
-        </a:xfrm>
-      </p:grpSpPr>
-      <p:sp>
-        <p:nvSpPr>
-          <p:cNvPr id="2" name="Content Placeholder 1"/>
-          <p:cNvSpPr>
-            <a:spLocks noGrp="1"/>
-          </p:cNvSpPr>
-          <p:nvPr>
-            <p:ph idx="1"/>
-          </p:nvPr>
-        </p:nvSpPr>
-        <p:spPr>
-          <a:xfrm>
-            <a:off x="611560" y="1600201"/>
-            <a:ext cx="7920880" cy="4525963"/>
-          </a:xfrm>
-        </p:spPr>
-        <p:txBody>
-          <a:bodyPr>
-            <a:noAutofit/>
-          </a:bodyPr>
-          <a:lstStyle/>
-          <a:p>
-            <a:r>
-              <a:rPr lang="en-US" sz="2300" dirty="0"/>
-              <a:t>As well as running tests on VMs, </a:t>
-            </a:r>
-            <a:r>
-              <a:rPr lang="en-US" sz="2300" dirty="0" err="1"/>
-              <a:t>Zalenium</a:t>
-            </a:r>
-            <a:r>
-              <a:rPr lang="en-US" sz="2300" dirty="0"/>
-              <a:t> also has support for the following providers:</a:t>
-            </a:r>
-          </a:p>
-          <a:p>
-            <a:pPr lvl="2"/>
-            <a:r>
-              <a:rPr lang="en-US" sz="2300" dirty="0"/>
-              <a:t>Sauce Labs</a:t>
-            </a:r>
-          </a:p>
-          <a:p>
-            <a:pPr lvl="2"/>
-            <a:r>
-              <a:rPr lang="en-US" sz="2300" dirty="0" err="1"/>
-              <a:t>TestingBot</a:t>
-            </a:r>
-            <a:endParaRPr lang="en-US" sz="2300" dirty="0"/>
-          </a:p>
-          <a:p>
-            <a:pPr lvl="2"/>
-            <a:r>
-              <a:rPr lang="en-US" sz="2300" dirty="0"/>
-              <a:t>Browser Stack</a:t>
-            </a:r>
-          </a:p>
-          <a:p>
-            <a:pPr marL="914400" lvl="2" indent="0">
-              <a:buNone/>
-            </a:pPr>
-            <a:endParaRPr lang="en-US" sz="2300" dirty="0"/>
-          </a:p>
-          <a:p>
-            <a:r>
-              <a:rPr lang="en-US" sz="2300" dirty="0"/>
-              <a:t>An example of this, to access Sauce Labs, add the following to your startup command:</a:t>
-            </a:r>
-          </a:p>
-          <a:p>
-            <a:pPr marL="0" indent="0">
-              <a:buNone/>
-            </a:pPr>
-            <a:r>
-              <a:rPr lang="en-US" sz="2300" i="1" dirty="0"/>
-              <a:t>	</a:t>
-            </a:r>
-            <a:r>
-              <a:rPr lang="en-GB" i="1" dirty="0"/>
-              <a:t>export SAUCE_USERNAME=&lt;your Sauce Labs username&gt; export 	SAUCE_ACCESS_KEY=&lt;your Sauce Labs access key&gt; export 	SAUCE_LABS_URL=&lt;your Sauce Labs </a:t>
-            </a:r>
-            <a:r>
-              <a:rPr lang="en-GB" i="1" dirty="0" err="1"/>
-              <a:t>url:port</a:t>
-            </a:r>
-            <a:r>
-              <a:rPr lang="en-GB" i="1" dirty="0"/>
-              <a:t> number&gt; </a:t>
-            </a:r>
-            <a:r>
-              <a:rPr lang="en-US" sz="2300" i="1" dirty="0"/>
-              <a:t> </a:t>
-            </a:r>
-          </a:p>
-          <a:p>
-            <a:pPr marL="0" indent="0">
-              <a:buNone/>
-            </a:pPr>
-            <a:r>
-              <a:rPr lang="en-GB" dirty="0"/>
-              <a:t>                </a:t>
-            </a:r>
-            <a:r>
-              <a:rPr lang="en-GB" i="1" dirty="0"/>
-              <a:t>--</a:t>
-            </a:r>
-            <a:r>
-              <a:rPr lang="en-GB" i="1" dirty="0" err="1"/>
-              <a:t>sauceLabsEnabled</a:t>
-            </a:r>
-            <a:r>
-              <a:rPr lang="en-GB" i="1" dirty="0"/>
-              <a:t> true</a:t>
-            </a:r>
-            <a:br>
-              <a:rPr lang="en-US" sz="2300" dirty="0"/>
-            </a:br>
-            <a:br>
-              <a:rPr lang="en-US" sz="2300" dirty="0"/>
-            </a:br>
-            <a:br>
-              <a:rPr lang="en-US" sz="2300" dirty="0"/>
-            </a:br>
-            <a:endParaRPr lang="en-US" sz="2300" dirty="0"/>
-          </a:p>
-          <a:p>
-            <a:pPr marL="914400" lvl="2" indent="0">
-              <a:buNone/>
-            </a:pPr>
-            <a:endParaRPr lang="en-US" sz="2300" dirty="0"/>
-          </a:p>
-        </p:txBody>
-      </p:sp>
-      <p:sp>
-        <p:nvSpPr>
-          <p:cNvPr id="3" name="Footer Placeholder 2"/>
-          <p:cNvSpPr>
-            <a:spLocks noGrp="1"/>
-          </p:cNvSpPr>
-          <p:nvPr>
-            <p:ph type="ftr" sz="quarter" idx="3"/>
-          </p:nvPr>
-        </p:nvSpPr>
-        <p:spPr/>
-        <p:txBody>
-          <a:bodyPr/>
-          <a:lstStyle/>
-          <a:p>
-            <a:r>
-              <a:rPr lang="en-GB" sz="1600" dirty="0"/>
-              <a:t>#</a:t>
-            </a:r>
-            <a:r>
-              <a:rPr lang="en-GB" sz="1600" dirty="0" err="1"/>
-              <a:t>DevOpsPlayground</a:t>
-            </a:r>
-            <a:endParaRPr lang="en-GB" sz="1600" dirty="0"/>
-          </a:p>
-        </p:txBody>
-      </p:sp>
-      <p:sp>
-        <p:nvSpPr>
-          <p:cNvPr id="4" name="TextBox 3"/>
-          <p:cNvSpPr txBox="1"/>
-          <p:nvPr/>
-        </p:nvSpPr>
-        <p:spPr>
-          <a:xfrm>
-            <a:off x="611560" y="692696"/>
-            <a:ext cx="7920880" cy="523220"/>
-          </a:xfrm>
-          <a:prstGeom prst="rect">
-            <a:avLst/>
-          </a:prstGeom>
-          <a:noFill/>
-        </p:spPr>
-        <p:txBody>
-          <a:bodyPr wrap="square" rtlCol="0">
-            <a:spAutoFit/>
-          </a:bodyPr>
-          <a:lstStyle/>
-          <a:p>
-            <a:r>
-              <a:rPr lang="en-GB" sz="2800" dirty="0">
-                <a:solidFill>
-                  <a:srgbClr val="0070B7"/>
-                </a:solidFill>
-                <a:latin typeface="Arial" panose="020B0604020202020204" pitchFamily="34" charset="0"/>
-                <a:cs typeface="Arial" panose="020B0604020202020204" pitchFamily="34" charset="0"/>
-              </a:rPr>
-              <a:t>Running tests on Cloud Proxy</a:t>
-            </a:r>
-          </a:p>
-        </p:txBody>
-      </p:sp>
-    </p:spTree>
-    <p:extLst>
-      <p:ext uri="{BB962C8B-B14F-4D97-AF65-F5344CB8AC3E}">
-        <p14:creationId xmlns:p14="http://schemas.microsoft.com/office/powerpoint/2010/main" val="630844028"/>
-      </p:ext>
-    </p:extLst>
-  </p:cSld>
-  <p:clrMapOvr>
-    <a:masterClrMapping/>
-  </p:clrMapOvr>
-  <p:timing>
-    <p:tnLst>
-      <p:par>
-        <p:cTn id="1" dur="indefinite" restart="never" nodeType="tmRoot">
-          <p:childTnLst>
-            <p:seq concurrent="1" nextAc="seek">
-              <p:cTn id="2" dur="indefinite" nodeType="mainSeq">
-                <p:childTnLst>
-                  <p:par>
-                    <p:cTn id="3" fill="hold">
-                      <p:stCondLst>
-                        <p:cond delay="indefinite"/>
-                      </p:stCondLst>
-                      <p:childTnLst>
-                        <p:par>
-                          <p:cTn id="4" fill="hold">
-                            <p:stCondLst>
-                              <p:cond delay="0"/>
-                            </p:stCondLst>
-                            <p:childTnLst>
-                              <p:par>
-                                <p:cTn id="5" presetID="1" presetClass="entr" presetSubtype="0" fill="hold" grpId="0" nodeType="clickEffect">
-                                  <p:stCondLst>
-                                    <p:cond delay="0"/>
-                                  </p:stCondLst>
-                                  <p:childTnLst>
-                                    <p:set>
-                                      <p:cBhvr>
-                                        <p:cTn id="6" dur="1" fill="hold">
-                                          <p:stCondLst>
-                                            <p:cond delay="0"/>
-                                          </p:stCondLst>
-                                        </p:cTn>
-                                        <p:tgtEl>
-                                          <p:spTgt spid="2">
-                                            <p:txEl>
-                                              <p:pRg st="0" end="0"/>
-                                            </p:txEl>
-                                          </p:spTgt>
-                                        </p:tgtEl>
-                                        <p:attrNameLst>
-                                          <p:attrName>style.visibility</p:attrName>
-                                        </p:attrNameLst>
-                                      </p:cBhvr>
-                                      <p:to>
-                                        <p:strVal val="visible"/>
-                                      </p:to>
-                                    </p:set>
-                                  </p:childTnLst>
-                                </p:cTn>
-                              </p:par>
-                              <p:par>
-                                <p:cTn id="7" presetID="1" presetClass="entr" presetSubtype="0" fill="hold" grpId="0" nodeType="withEffect">
-                                  <p:stCondLst>
-                                    <p:cond delay="0"/>
-                                  </p:stCondLst>
-                                  <p:childTnLst>
-                                    <p:set>
-                                      <p:cBhvr>
-                                        <p:cTn id="8" dur="1" fill="hold">
-                                          <p:stCondLst>
-                                            <p:cond delay="0"/>
-                                          </p:stCondLst>
-                                        </p:cTn>
-                                        <p:tgtEl>
-                                          <p:spTgt spid="2">
-                                            <p:txEl>
-                                              <p:pRg st="1" end="1"/>
-                                            </p:txEl>
-                                          </p:spTgt>
-                                        </p:tgtEl>
-                                        <p:attrNameLst>
-                                          <p:attrName>style.visibility</p:attrName>
-                                        </p:attrNameLst>
-                                      </p:cBhvr>
-                                      <p:to>
-                                        <p:strVal val="visible"/>
-                                      </p:to>
-                                    </p:set>
-                                  </p:childTnLst>
-                                </p:cTn>
-                              </p:par>
-                              <p:par>
-                                <p:cTn id="9" presetID="1" presetClass="entr" presetSubtype="0" fill="hold" grpId="0" nodeType="withEffect">
-                                  <p:stCondLst>
-                                    <p:cond delay="0"/>
-                                  </p:stCondLst>
-                                  <p:childTnLst>
-                                    <p:set>
-                                      <p:cBhvr>
-                                        <p:cTn id="10" dur="1" fill="hold">
-                                          <p:stCondLst>
-                                            <p:cond delay="0"/>
-                                          </p:stCondLst>
-                                        </p:cTn>
-                                        <p:tgtEl>
-                                          <p:spTgt spid="2">
-                                            <p:txEl>
-                                              <p:pRg st="2" end="2"/>
-                                            </p:txEl>
-                                          </p:spTgt>
-                                        </p:tgtEl>
-                                        <p:attrNameLst>
-                                          <p:attrName>style.visibility</p:attrName>
-                                        </p:attrNameLst>
-                                      </p:cBhvr>
-                                      <p:to>
-                                        <p:strVal val="visible"/>
-                                      </p:to>
-                                    </p:set>
-                                  </p:childTnLst>
-                                </p:cTn>
-                              </p:par>
-                              <p:par>
-                                <p:cTn id="11" presetID="1" presetClass="entr" presetSubtype="0" fill="hold" grpId="0" nodeType="withEffect">
-                                  <p:stCondLst>
-                                    <p:cond delay="0"/>
-                                  </p:stCondLst>
-                                  <p:childTnLst>
-                                    <p:set>
-                                      <p:cBhvr>
-                                        <p:cTn id="12" dur="1" fill="hold">
-                                          <p:stCondLst>
-                                            <p:cond delay="0"/>
-                                          </p:stCondLst>
-                                        </p:cTn>
-                                        <p:tgtEl>
-                                          <p:spTgt spid="2">
-                                            <p:txEl>
-                                              <p:pRg st="3" end="3"/>
-                                            </p:txEl>
-                                          </p:spTgt>
-                                        </p:tgtEl>
-                                        <p:attrNameLst>
-                                          <p:attrName>style.visibility</p:attrName>
-                                        </p:attrNameLst>
-                                      </p:cBhvr>
-                                      <p:to>
-                                        <p:strVal val="visible"/>
-                                      </p:to>
-                                    </p:set>
-                                  </p:childTnLst>
-                                </p:cTn>
-                              </p:par>
-                            </p:childTnLst>
-                          </p:cTn>
-                        </p:par>
-                      </p:childTnLst>
-                    </p:cTn>
-                  </p:par>
-                  <p:par>
-                    <p:cTn id="13" fill="hold">
-                      <p:stCondLst>
-                        <p:cond delay="indefinite"/>
-                      </p:stCondLst>
-                      <p:childTnLst>
-                        <p:par>
-                          <p:cTn id="14" fill="hold">
-                            <p:stCondLst>
-                              <p:cond delay="0"/>
-                            </p:stCondLst>
-                            <p:childTnLst>
-                              <p:par>
-                                <p:cTn id="15" presetID="1" presetClass="entr" presetSubtype="0" fill="hold" grpId="0" nodeType="clickEffect">
-                                  <p:stCondLst>
-                                    <p:cond delay="0"/>
-                                  </p:stCondLst>
-                                  <p:childTnLst>
-                                    <p:set>
-                                      <p:cBhvr>
-                                        <p:cTn id="16" dur="1" fill="hold">
-                                          <p:stCondLst>
-                                            <p:cond delay="0"/>
-                                          </p:stCondLst>
-                                        </p:cTn>
-                                        <p:tgtEl>
-                                          <p:spTgt spid="2">
-                                            <p:txEl>
-                                              <p:pRg st="5" end="5"/>
-                                            </p:txEl>
-                                          </p:spTgt>
-                                        </p:tgtEl>
-                                        <p:attrNameLst>
-                                          <p:attrName>style.visibility</p:attrName>
-                                        </p:attrNameLst>
-                                      </p:cBhvr>
-                                      <p:to>
-                                        <p:strVal val="visible"/>
-                                      </p:to>
-                                    </p:set>
-                                  </p:childTnLst>
-                                </p:cTn>
-                              </p:par>
-                            </p:childTnLst>
-                          </p:cTn>
-                        </p:par>
-                      </p:childTnLst>
-                    </p:cTn>
-                  </p:par>
-                  <p:par>
-                    <p:cTn id="17" fill="hold">
-                      <p:stCondLst>
-                        <p:cond delay="indefinite"/>
-                      </p:stCondLst>
-                      <p:childTnLst>
-                        <p:par>
-                          <p:cTn id="18" fill="hold">
-                            <p:stCondLst>
-                              <p:cond delay="0"/>
-                            </p:stCondLst>
-                            <p:childTnLst>
-                              <p:par>
-                                <p:cTn id="19" presetID="1" presetClass="entr" presetSubtype="0" fill="hold" grpId="0" nodeType="clickEffect">
-                                  <p:stCondLst>
-                                    <p:cond delay="0"/>
-                                  </p:stCondLst>
-                                  <p:childTnLst>
-                                    <p:set>
-                                      <p:cBhvr>
-                                        <p:cTn id="20" dur="1" fill="hold">
-                                          <p:stCondLst>
-                                            <p:cond delay="0"/>
-                                          </p:stCondLst>
-                                        </p:cTn>
-                                        <p:tgtEl>
-                                          <p:spTgt spid="2">
-                                            <p:txEl>
-                                              <p:pRg st="6" end="6"/>
-                                            </p:txEl>
-                                          </p:spTgt>
-                                        </p:tgtEl>
-                                        <p:attrNameLst>
-                                          <p:attrName>style.visibility</p:attrName>
-                                        </p:attrNameLst>
-                                      </p:cBhvr>
-                                      <p:to>
-                                        <p:strVal val="visible"/>
-                                      </p:to>
-                                    </p:set>
-                                  </p:childTnLst>
-                                </p:cTn>
-                              </p:par>
-                            </p:childTnLst>
-                          </p:cTn>
-                        </p:par>
-                      </p:childTnLst>
-                    </p:cTn>
-                  </p:par>
-                  <p:par>
-                    <p:cTn id="21" fill="hold">
-                      <p:stCondLst>
-                        <p:cond delay="indefinite"/>
-                      </p:stCondLst>
-                      <p:childTnLst>
-                        <p:par>
-                          <p:cTn id="22" fill="hold">
-                            <p:stCondLst>
-                              <p:cond delay="0"/>
-                            </p:stCondLst>
-                            <p:childTnLst>
-                              <p:par>
-                                <p:cTn id="23" presetID="1" presetClass="entr" presetSubtype="0" fill="hold" grpId="0" nodeType="clickEffect">
-                                  <p:stCondLst>
-                                    <p:cond delay="0"/>
-                                  </p:stCondLst>
-                                  <p:childTnLst>
-                                    <p:set>
-                                      <p:cBhvr>
-                                        <p:cTn id="24" dur="1" fill="hold">
-                                          <p:stCondLst>
-                                            <p:cond delay="0"/>
-                                          </p:stCondLst>
-                                        </p:cTn>
-                                        <p:tgtEl>
-                                          <p:spTgt spid="2">
-                                            <p:txEl>
-                                              <p:pRg st="7" end="7"/>
-                                            </p:txEl>
-                                          </p:spTgt>
-                                        </p:tgtEl>
-                                        <p:attrNameLst>
-                                          <p:attrName>style.visibility</p:attrName>
-                                        </p:attrNameLst>
-                                      </p:cBhvr>
-                                      <p:to>
-                                        <p:strVal val="visible"/>
-                                      </p:to>
-                                    </p:set>
-                                  </p:childTnLst>
-                                </p:cTn>
-                              </p:par>
-                            </p:childTnLst>
-                          </p:cTn>
-                        </p:par>
-                      </p:childTnLst>
-                    </p:cTn>
-                  </p:par>
-                </p:childTnLst>
-              </p:cTn>
-              <p:prevCondLst>
-                <p:cond evt="onPrev" delay="0">
-                  <p:tgtEl>
-                    <p:sldTgt/>
-                  </p:tgtEl>
-                </p:cond>
-              </p:prevCondLst>
-              <p:nextCondLst>
-                <p:cond evt="onNext" delay="0">
-                  <p:tgtEl>
-                    <p:sldTgt/>
-                  </p:tgtEl>
-                </p:cond>
-              </p:nextCondLst>
-            </p:seq>
-          </p:childTnLst>
-        </p:cTn>
-      </p:par>
-    </p:tnLst>
-    <p:bldLst>
-      <p:bldP spid="2" grpId="0" uiExpand="1" build="p"/>
-    </p:bldLst>
-  </p:timing>
-</p:sld>
-</file>
-
-<file path=ppt/slides/slide15.xml><?xml version="1.0" encoding="utf-8"?>
-<p:sld xmlns:a="http://schemas.openxmlformats.org/drawingml/2006/main" xmlns:r="http://schemas.openxmlformats.org/officeDocument/2006/relationships" xmlns:p="http://schemas.openxmlformats.org/presentationml/2006/main">
-  <p:cSld>
-    <p:spTree>
-      <p:nvGrpSpPr>
-        <p:cNvPr id="1" name=""/>
-        <p:cNvGrpSpPr/>
-        <p:nvPr/>
-      </p:nvGrpSpPr>
-      <p:grpSpPr>
-        <a:xfrm>
-          <a:off x="0" y="0"/>
-          <a:ext cx="0" cy="0"/>
-          <a:chOff x="0" y="0"/>
-          <a:chExt cx="0" cy="0"/>
-        </a:xfrm>
-      </p:grpSpPr>
-      <p:sp>
-        <p:nvSpPr>
-          <p:cNvPr id="2" name="Content Placeholder 1"/>
-          <p:cNvSpPr>
-            <a:spLocks noGrp="1"/>
-          </p:cNvSpPr>
-          <p:nvPr>
-            <p:ph idx="1"/>
-          </p:nvPr>
-        </p:nvSpPr>
-        <p:spPr>
-          <a:xfrm>
-            <a:off x="611560" y="1600201"/>
-            <a:ext cx="7920880" cy="4525963"/>
-          </a:xfrm>
-        </p:spPr>
-        <p:txBody>
-          <a:bodyPr>
-            <a:noAutofit/>
-          </a:bodyPr>
-          <a:lstStyle/>
-          <a:p>
-            <a:r>
-              <a:rPr lang="en-US" sz="2300" dirty="0"/>
-              <a:t>Basic </a:t>
-            </a:r>
-            <a:r>
-              <a:rPr lang="en-US" sz="2300" dirty="0" err="1"/>
-              <a:t>auth</a:t>
-            </a:r>
-            <a:r>
-              <a:rPr lang="en-US" sz="2300" dirty="0"/>
-              <a:t> grid protection can be implemented for deploying </a:t>
-            </a:r>
-            <a:r>
-              <a:rPr lang="en-US" sz="2300" dirty="0" err="1"/>
-              <a:t>Zalenium</a:t>
-            </a:r>
-            <a:r>
-              <a:rPr lang="en-US" sz="2300" dirty="0"/>
-              <a:t> in the cloud.</a:t>
-            </a:r>
-          </a:p>
-          <a:p>
-            <a:endParaRPr lang="en-US" sz="2300" dirty="0"/>
-          </a:p>
-          <a:p>
-            <a:r>
-              <a:rPr lang="en-US" sz="2300" dirty="0" err="1"/>
-              <a:t>Zalenium</a:t>
-            </a:r>
-            <a:r>
-              <a:rPr lang="en-US" sz="2300" dirty="0"/>
-              <a:t> start/stop can be streamlined into one curl command </a:t>
-            </a:r>
-          </a:p>
-          <a:p>
-            <a:pPr lvl="1"/>
-            <a:r>
-              <a:rPr lang="en-GB" i="1" dirty="0"/>
-              <a:t>curl -</a:t>
-            </a:r>
-            <a:r>
-              <a:rPr lang="en-GB" i="1" dirty="0" err="1"/>
-              <a:t>sSL</a:t>
-            </a:r>
-            <a:r>
-              <a:rPr lang="en-GB" i="1" dirty="0"/>
-              <a:t> https://</a:t>
-            </a:r>
-            <a:r>
-              <a:rPr lang="en-GB" i="1" dirty="0" err="1"/>
-              <a:t>raw.githubusercontent.com</a:t>
-            </a:r>
-            <a:r>
-              <a:rPr lang="en-GB" i="1" dirty="0"/>
-              <a:t>/</a:t>
-            </a:r>
-            <a:r>
-              <a:rPr lang="en-GB" i="1" dirty="0" err="1"/>
-              <a:t>dosel</a:t>
-            </a:r>
-            <a:r>
-              <a:rPr lang="en-GB" i="1" dirty="0"/>
-              <a:t>/t/</a:t>
-            </a:r>
-            <a:r>
-              <a:rPr lang="en-GB" i="1" dirty="0" err="1"/>
-              <a:t>i</a:t>
-            </a:r>
-            <a:r>
-              <a:rPr lang="en-GB" i="1" dirty="0"/>
-              <a:t>/p | bash -s start </a:t>
-            </a:r>
-          </a:p>
-          <a:p>
-            <a:pPr lvl="1"/>
-            <a:r>
-              <a:rPr lang="en-GB" i="1" dirty="0"/>
-              <a:t>curl -</a:t>
-            </a:r>
-            <a:r>
-              <a:rPr lang="en-GB" i="1" dirty="0" err="1"/>
-              <a:t>sSL</a:t>
-            </a:r>
-            <a:r>
-              <a:rPr lang="en-GB" i="1" dirty="0"/>
-              <a:t> https://</a:t>
-            </a:r>
-            <a:r>
-              <a:rPr lang="en-GB" i="1" dirty="0" err="1"/>
-              <a:t>raw.githubusercontent.com</a:t>
-            </a:r>
-            <a:r>
-              <a:rPr lang="en-GB" i="1" dirty="0"/>
-              <a:t>/</a:t>
-            </a:r>
-            <a:r>
-              <a:rPr lang="en-GB" i="1" dirty="0" err="1"/>
-              <a:t>dosel</a:t>
-            </a:r>
-            <a:r>
-              <a:rPr lang="en-GB" i="1" dirty="0"/>
-              <a:t>/t/</a:t>
-            </a:r>
-            <a:r>
-              <a:rPr lang="en-GB" i="1" dirty="0" err="1"/>
-              <a:t>i</a:t>
-            </a:r>
-            <a:r>
-              <a:rPr lang="en-GB" i="1" dirty="0"/>
-              <a:t>/p | bash -s stop</a:t>
-            </a:r>
-            <a:endParaRPr lang="en-GB" sz="2400" i="1" dirty="0"/>
-          </a:p>
-          <a:p>
-            <a:endParaRPr lang="en-GB" sz="2400" i="1" dirty="0"/>
-          </a:p>
-          <a:p>
-            <a:r>
-              <a:rPr lang="en-GB" sz="2400" dirty="0"/>
-              <a:t>Set CPU/memory limits, output logs to JSON, set browser screen width/height, time zones and much more…</a:t>
-            </a:r>
-            <a:br>
-              <a:rPr lang="en-GB" sz="2400" dirty="0"/>
-            </a:br>
-            <a:br>
-              <a:rPr lang="en-US" sz="2300" dirty="0"/>
-            </a:br>
-            <a:br>
-              <a:rPr lang="en-US" sz="2300" dirty="0"/>
-            </a:br>
-            <a:br>
-              <a:rPr lang="en-US" sz="2300" dirty="0"/>
-            </a:br>
-            <a:endParaRPr lang="en-US" sz="2300" dirty="0"/>
-          </a:p>
-          <a:p>
-            <a:pPr marL="914400" lvl="2" indent="0">
-              <a:buNone/>
-            </a:pPr>
-            <a:endParaRPr lang="en-US" sz="2300" dirty="0"/>
-          </a:p>
-        </p:txBody>
-      </p:sp>
-      <p:sp>
-        <p:nvSpPr>
-          <p:cNvPr id="3" name="Footer Placeholder 2"/>
-          <p:cNvSpPr>
-            <a:spLocks noGrp="1"/>
-          </p:cNvSpPr>
-          <p:nvPr>
-            <p:ph type="ftr" sz="quarter" idx="3"/>
-          </p:nvPr>
-        </p:nvSpPr>
-        <p:spPr/>
-        <p:txBody>
-          <a:bodyPr/>
-          <a:lstStyle/>
-          <a:p>
-            <a:r>
-              <a:rPr lang="en-GB" sz="1600" dirty="0"/>
-              <a:t>#</a:t>
-            </a:r>
-            <a:r>
-              <a:rPr lang="en-GB" sz="1600" dirty="0" err="1"/>
-              <a:t>DevOpsPlayground</a:t>
-            </a:r>
-            <a:endParaRPr lang="en-GB" sz="1600" dirty="0"/>
-          </a:p>
-        </p:txBody>
-      </p:sp>
-      <p:sp>
-        <p:nvSpPr>
-          <p:cNvPr id="4" name="TextBox 3"/>
-          <p:cNvSpPr txBox="1"/>
-          <p:nvPr/>
-        </p:nvSpPr>
-        <p:spPr>
-          <a:xfrm>
-            <a:off x="611560" y="692696"/>
-            <a:ext cx="7920880" cy="523220"/>
-          </a:xfrm>
-          <a:prstGeom prst="rect">
-            <a:avLst/>
-          </a:prstGeom>
-          <a:noFill/>
-        </p:spPr>
-        <p:txBody>
-          <a:bodyPr wrap="square" rtlCol="0">
-            <a:spAutoFit/>
-          </a:bodyPr>
-          <a:lstStyle/>
-          <a:p>
-            <a:r>
-              <a:rPr lang="en-GB" sz="2800" dirty="0">
-                <a:solidFill>
-                  <a:srgbClr val="0070B7"/>
-                </a:solidFill>
-                <a:latin typeface="Arial" panose="020B0604020202020204" pitchFamily="34" charset="0"/>
-                <a:cs typeface="Arial" panose="020B0604020202020204" pitchFamily="34" charset="0"/>
-              </a:rPr>
-              <a:t>What else can be customised?</a:t>
-            </a:r>
-          </a:p>
-        </p:txBody>
-      </p:sp>
-    </p:spTree>
-    <p:extLst>
-      <p:ext uri="{BB962C8B-B14F-4D97-AF65-F5344CB8AC3E}">
-        <p14:creationId xmlns:p14="http://schemas.microsoft.com/office/powerpoint/2010/main" val="199186152"/>
-      </p:ext>
-    </p:extLst>
-  </p:cSld>
-  <p:clrMapOvr>
-    <a:masterClrMapping/>
-  </p:clrMapOvr>
-  <p:timing>
-    <p:tnLst>
-      <p:par>
-        <p:cTn id="1" dur="indefinite" restart="never" nodeType="tmRoot">
-          <p:childTnLst>
-            <p:seq concurrent="1" nextAc="seek">
-              <p:cTn id="2" dur="indefinite" nodeType="mainSeq">
-                <p:childTnLst>
-                  <p:par>
-                    <p:cTn id="3" fill="hold">
-                      <p:stCondLst>
-                        <p:cond delay="indefinite"/>
-                      </p:stCondLst>
-                      <p:childTnLst>
-                        <p:par>
-                          <p:cTn id="4" fill="hold">
-                            <p:stCondLst>
-                              <p:cond delay="0"/>
-                            </p:stCondLst>
-                            <p:childTnLst>
-                              <p:par>
-                                <p:cTn id="5" presetID="1" presetClass="entr" presetSubtype="0" fill="hold" grpId="0" nodeType="clickEffect">
-                                  <p:stCondLst>
-                                    <p:cond delay="0"/>
-                                  </p:stCondLst>
-                                  <p:childTnLst>
-                                    <p:set>
-                                      <p:cBhvr>
-                                        <p:cTn id="6" dur="1" fill="hold">
-                                          <p:stCondLst>
-                                            <p:cond delay="0"/>
-                                          </p:stCondLst>
-                                        </p:cTn>
-                                        <p:tgtEl>
-                                          <p:spTgt spid="2">
-                                            <p:txEl>
-                                              <p:pRg st="0" end="0"/>
-                                            </p:txEl>
-                                          </p:spTgt>
-                                        </p:tgtEl>
-                                        <p:attrNameLst>
-                                          <p:attrName>style.visibility</p:attrName>
-                                        </p:attrNameLst>
-                                      </p:cBhvr>
-                                      <p:to>
-                                        <p:strVal val="visible"/>
-                                      </p:to>
-                                    </p:set>
-                                  </p:childTnLst>
-                                </p:cTn>
-                              </p:par>
-                            </p:childTnLst>
-                          </p:cTn>
-                        </p:par>
-                      </p:childTnLst>
-                    </p:cTn>
-                  </p:par>
-                  <p:par>
-                    <p:cTn id="7" fill="hold">
-                      <p:stCondLst>
-                        <p:cond delay="indefinite"/>
-                      </p:stCondLst>
-                      <p:childTnLst>
-                        <p:par>
-                          <p:cTn id="8" fill="hold">
-                            <p:stCondLst>
-                              <p:cond delay="0"/>
-                            </p:stCondLst>
-                            <p:childTnLst>
-                              <p:par>
-                                <p:cTn id="9" presetID="1" presetClass="entr" presetSubtype="0" fill="hold" grpId="0" nodeType="clickEffect">
-                                  <p:stCondLst>
-                                    <p:cond delay="0"/>
-                                  </p:stCondLst>
-                                  <p:childTnLst>
-                                    <p:set>
-                                      <p:cBhvr>
-                                        <p:cTn id="10" dur="1" fill="hold">
-                                          <p:stCondLst>
-                                            <p:cond delay="0"/>
-                                          </p:stCondLst>
-                                        </p:cTn>
-                                        <p:tgtEl>
-                                          <p:spTgt spid="2">
-                                            <p:txEl>
-                                              <p:pRg st="2" end="2"/>
-                                            </p:txEl>
-                                          </p:spTgt>
-                                        </p:tgtEl>
-                                        <p:attrNameLst>
-                                          <p:attrName>style.visibility</p:attrName>
-                                        </p:attrNameLst>
-                                      </p:cBhvr>
-                                      <p:to>
-                                        <p:strVal val="visible"/>
-                                      </p:to>
-                                    </p:set>
-                                  </p:childTnLst>
-                                </p:cTn>
-                              </p:par>
-                              <p:par>
-                                <p:cTn id="11" presetID="1" presetClass="entr" presetSubtype="0" fill="hold" grpId="0" nodeType="withEffect">
-                                  <p:stCondLst>
-                                    <p:cond delay="0"/>
-                                  </p:stCondLst>
-                                  <p:childTnLst>
-                                    <p:set>
-                                      <p:cBhvr>
-                                        <p:cTn id="12" dur="1" fill="hold">
-                                          <p:stCondLst>
-                                            <p:cond delay="0"/>
-                                          </p:stCondLst>
-                                        </p:cTn>
-                                        <p:tgtEl>
-                                          <p:spTgt spid="2">
-                                            <p:txEl>
-                                              <p:pRg st="3" end="3"/>
-                                            </p:txEl>
-                                          </p:spTgt>
-                                        </p:tgtEl>
-                                        <p:attrNameLst>
-                                          <p:attrName>style.visibility</p:attrName>
-                                        </p:attrNameLst>
-                                      </p:cBhvr>
-                                      <p:to>
-                                        <p:strVal val="visible"/>
-                                      </p:to>
-                                    </p:set>
-                                  </p:childTnLst>
-                                </p:cTn>
-                              </p:par>
-                              <p:par>
-                                <p:cTn id="13" presetID="1" presetClass="entr" presetSubtype="0" fill="hold" grpId="0" nodeType="withEffect">
-                                  <p:stCondLst>
-                                    <p:cond delay="0"/>
-                                  </p:stCondLst>
-                                  <p:childTnLst>
-                                    <p:set>
-                                      <p:cBhvr>
-                                        <p:cTn id="14" dur="1" fill="hold">
-                                          <p:stCondLst>
-                                            <p:cond delay="0"/>
-                                          </p:stCondLst>
-                                        </p:cTn>
-                                        <p:tgtEl>
-                                          <p:spTgt spid="2">
-                                            <p:txEl>
-                                              <p:pRg st="4" end="4"/>
-                                            </p:txEl>
-                                          </p:spTgt>
-                                        </p:tgtEl>
-                                        <p:attrNameLst>
-                                          <p:attrName>style.visibility</p:attrName>
-                                        </p:attrNameLst>
-                                      </p:cBhvr>
-                                      <p:to>
-                                        <p:strVal val="visible"/>
-                                      </p:to>
-                                    </p:set>
-                                  </p:childTnLst>
-                                </p:cTn>
-                              </p:par>
-                            </p:childTnLst>
-                          </p:cTn>
-                        </p:par>
-                      </p:childTnLst>
-                    </p:cTn>
-                  </p:par>
-                  <p:par>
-                    <p:cTn id="15" fill="hold">
-                      <p:stCondLst>
-                        <p:cond delay="indefinite"/>
-                      </p:stCondLst>
-                      <p:childTnLst>
-                        <p:par>
-                          <p:cTn id="16" fill="hold">
-                            <p:stCondLst>
-                              <p:cond delay="0"/>
-                            </p:stCondLst>
-                            <p:childTnLst>
-                              <p:par>
-                                <p:cTn id="17" presetID="1" presetClass="entr" presetSubtype="0" fill="hold" grpId="0" nodeType="clickEffect">
-                                  <p:stCondLst>
-                                    <p:cond delay="0"/>
-                                  </p:stCondLst>
-                                  <p:childTnLst>
-                                    <p:set>
-                                      <p:cBhvr>
-                                        <p:cTn id="18" dur="1" fill="hold">
-                                          <p:stCondLst>
-                                            <p:cond delay="0"/>
-                                          </p:stCondLst>
-                                        </p:cTn>
-                                        <p:tgtEl>
-                                          <p:spTgt spid="2">
-                                            <p:txEl>
-                                              <p:pRg st="6" end="6"/>
-                                            </p:txEl>
-                                          </p:spTgt>
-                                        </p:tgtEl>
-                                        <p:attrNameLst>
-                                          <p:attrName>style.visibility</p:attrName>
-                                        </p:attrNameLst>
-                                      </p:cBhvr>
-                                      <p:to>
-                                        <p:strVal val="visible"/>
-                                      </p:to>
-                                    </p:set>
-                                  </p:childTnLst>
-                                </p:cTn>
-                              </p:par>
-                            </p:childTnLst>
-                          </p:cTn>
-                        </p:par>
-                      </p:childTnLst>
-                    </p:cTn>
-                  </p:par>
-                </p:childTnLst>
-              </p:cTn>
-              <p:prevCondLst>
-                <p:cond evt="onPrev" delay="0">
-                  <p:tgtEl>
-                    <p:sldTgt/>
-                  </p:tgtEl>
-                </p:cond>
-              </p:prevCondLst>
-              <p:nextCondLst>
-                <p:cond evt="onNext" delay="0">
-                  <p:tgtEl>
-                    <p:sldTgt/>
-                  </p:tgtEl>
-                </p:cond>
-              </p:nextCondLst>
-            </p:seq>
-          </p:childTnLst>
-        </p:cTn>
-      </p:par>
-    </p:tnLst>
-    <p:bldLst>
-      <p:bldP spid="2" grpId="0" build="p"/>
-    </p:bldLst>
-  </p:timing>
-</p:sld>
-</file>
-
-<file path=ppt/slides/slide16.xml><?xml version="1.0" encoding="utf-8"?>
-<p:sld xmlns:a="http://schemas.openxmlformats.org/drawingml/2006/main" xmlns:r="http://schemas.openxmlformats.org/officeDocument/2006/relationships" xmlns:p="http://schemas.openxmlformats.org/presentationml/2006/main">
-  <p:cSld>
-    <p:spTree>
-      <p:nvGrpSpPr>
-        <p:cNvPr id="1" name=""/>
-        <p:cNvGrpSpPr/>
-        <p:nvPr/>
-      </p:nvGrpSpPr>
-      <p:grpSpPr>
-        <a:xfrm>
-          <a:off x="0" y="0"/>
-          <a:ext cx="0" cy="0"/>
-          <a:chOff x="0" y="0"/>
-          <a:chExt cx="0" cy="0"/>
-        </a:xfrm>
-      </p:grpSpPr>
-      <p:sp>
-        <p:nvSpPr>
-          <p:cNvPr id="2" name="Footer Placeholder 1"/>
-          <p:cNvSpPr>
-            <a:spLocks noGrp="1"/>
-          </p:cNvSpPr>
-          <p:nvPr>
-            <p:ph type="ftr" sz="quarter" idx="11"/>
-          </p:nvPr>
-        </p:nvSpPr>
-        <p:spPr/>
-        <p:txBody>
-          <a:bodyPr/>
-          <a:lstStyle/>
-          <a:p>
-            <a:r>
-              <a:rPr lang="en-GB" sz="1600" dirty="0"/>
-              <a:t>#</a:t>
-            </a:r>
-            <a:r>
-              <a:rPr lang="en-GB" sz="1600" dirty="0" err="1"/>
-              <a:t>DevOpsPlayground</a:t>
-            </a:r>
-            <a:endParaRPr lang="en-GB" sz="1600" dirty="0"/>
-          </a:p>
-        </p:txBody>
-      </p:sp>
-      <p:sp>
-        <p:nvSpPr>
-          <p:cNvPr id="3" name="Text Placeholder 2"/>
-          <p:cNvSpPr>
-            <a:spLocks noGrp="1"/>
-          </p:cNvSpPr>
-          <p:nvPr>
-            <p:ph type="body" idx="13"/>
-          </p:nvPr>
-        </p:nvSpPr>
-        <p:spPr/>
-        <p:txBody>
-          <a:bodyPr/>
-          <a:lstStyle/>
-          <a:p>
-            <a:r>
-              <a:rPr lang="en-GB" dirty="0"/>
-              <a:t>Thank You</a:t>
-            </a:r>
-          </a:p>
-        </p:txBody>
-      </p:sp>
-      <p:sp>
-        <p:nvSpPr>
-          <p:cNvPr id="4" name="Title 5"/>
-          <p:cNvSpPr txBox="1">
-            <a:spLocks/>
-          </p:cNvSpPr>
-          <p:nvPr/>
-        </p:nvSpPr>
-        <p:spPr>
-          <a:xfrm>
-            <a:off x="539552" y="5661248"/>
-            <a:ext cx="7772400" cy="345281"/>
-          </a:xfrm>
-          <a:prstGeom prst="rect">
-            <a:avLst/>
-          </a:prstGeom>
-        </p:spPr>
-        <p:txBody>
-          <a:bodyPr vert="horz" lIns="91440" tIns="45720" rIns="91440" bIns="45720" rtlCol="0" anchor="ctr">
-            <a:normAutofit fontScale="85000" lnSpcReduction="20000"/>
-          </a:bodyPr>
-          <a:lstStyle>
-            <a:lvl1pPr algn="l" defTabSz="914400" rtl="0" eaLnBrk="1" latinLnBrk="0" hangingPunct="1">
-              <a:spcBef>
-                <a:spcPct val="0"/>
-              </a:spcBef>
-              <a:buNone/>
-              <a:defRPr sz="4000" kern="1200">
-                <a:solidFill>
-                  <a:schemeClr val="bg1"/>
-                </a:solidFill>
-                <a:latin typeface="Arial" panose="020B0604020202020204" pitchFamily="34" charset="0"/>
-                <a:ea typeface="+mj-ea"/>
-                <a:cs typeface="Arial" panose="020B0604020202020204" pitchFamily="34" charset="0"/>
-              </a:defRPr>
-            </a:lvl1pPr>
-          </a:lstStyle>
-          <a:p>
-            <a:r>
-              <a:rPr lang="en-GB" sz="2400" dirty="0"/>
-              <a:t>Ali Hill, Hammad </a:t>
-            </a:r>
-            <a:r>
-              <a:rPr lang="en-GB" sz="2400" dirty="0" err="1"/>
-              <a:t>Chandio</a:t>
-            </a:r>
-            <a:r>
-              <a:rPr lang="en-GB" sz="2400" dirty="0"/>
-              <a:t>, Farhan Shaikh</a:t>
-            </a:r>
-          </a:p>
-        </p:txBody>
-      </p:sp>
-      <p:pic>
-        <p:nvPicPr>
-          <p:cNvPr id="6" name="Picture 5">
-            <a:extLst>
-              <a:ext uri="{FF2B5EF4-FFF2-40B4-BE49-F238E27FC236}">
-                <a16:creationId xmlns:a16="http://schemas.microsoft.com/office/drawing/2014/main" id="{AFC81AFD-59B1-1547-8B68-C03A1AA21FAD}"/>
-              </a:ext>
-            </a:extLst>
-          </p:cNvPr>
-          <p:cNvPicPr>
-            <a:picLocks noChangeAspect="1"/>
-          </p:cNvPicPr>
-          <p:nvPr/>
-        </p:nvPicPr>
-        <p:blipFill>
-          <a:blip r:embed="rId2">
-            <a:extLst>
-              <a:ext uri="{28A0092B-C50C-407E-A947-70E740481C1C}">
-                <a14:useLocalDpi xmlns:a14="http://schemas.microsoft.com/office/drawing/2010/main" val="0"/>
-              </a:ext>
-            </a:extLst>
-          </a:blip>
-          <a:stretch>
-            <a:fillRect/>
-          </a:stretch>
-        </p:blipFill>
-        <p:spPr>
-          <a:xfrm>
-            <a:off x="2801506" y="2820296"/>
-            <a:ext cx="5818698" cy="2491130"/>
-          </a:xfrm>
-          <a:prstGeom prst="rect">
-            <a:avLst/>
-          </a:prstGeom>
-        </p:spPr>
-      </p:pic>
-      <p:pic>
-        <p:nvPicPr>
-          <p:cNvPr id="8" name="Picture 7">
-            <a:extLst>
-              <a:ext uri="{FF2B5EF4-FFF2-40B4-BE49-F238E27FC236}">
-                <a16:creationId xmlns:a16="http://schemas.microsoft.com/office/drawing/2014/main" id="{ADAE0AD4-F82D-C04F-84B2-1463927F637A}"/>
-              </a:ext>
-            </a:extLst>
-          </p:cNvPr>
-          <p:cNvPicPr>
-            <a:picLocks noChangeAspect="1"/>
-          </p:cNvPicPr>
-          <p:nvPr/>
-        </p:nvPicPr>
-        <p:blipFill>
-          <a:blip r:embed="rId3">
-            <a:extLst>
-              <a:ext uri="{28A0092B-C50C-407E-A947-70E740481C1C}">
-                <a14:useLocalDpi xmlns:a14="http://schemas.microsoft.com/office/drawing/2010/main" val="0"/>
-              </a:ext>
-            </a:extLst>
-          </a:blip>
-          <a:stretch>
-            <a:fillRect/>
-          </a:stretch>
-        </p:blipFill>
-        <p:spPr>
-          <a:xfrm>
-            <a:off x="3235530" y="531786"/>
-            <a:ext cx="5244986" cy="2197816"/>
-          </a:xfrm>
-          <a:prstGeom prst="rect">
-            <a:avLst/>
-          </a:prstGeom>
-        </p:spPr>
-      </p:pic>
-    </p:spTree>
-    <p:extLst>
-      <p:ext uri="{BB962C8B-B14F-4D97-AF65-F5344CB8AC3E}">
-        <p14:creationId xmlns:p14="http://schemas.microsoft.com/office/powerpoint/2010/main" val="2079933839"/>
-      </p:ext>
-    </p:extLst>
-  </p:cSld>
-  <p:clrMapOvr>
-    <a:masterClrMapping/>
-  </p:clrMapOvr>
-</p:sld>
-</file>
-
-<file path=ppt/slides/slide2.xml><?xml version="1.0" encoding="utf-8"?>
-<p:sld xmlns:a="http://schemas.openxmlformats.org/drawingml/2006/main" xmlns:r="http://schemas.openxmlformats.org/officeDocument/2006/relationships" xmlns:p="http://schemas.openxmlformats.org/presentationml/2006/main">
-  <p:cSld>
-    <p:spTree>
-      <p:nvGrpSpPr>
-        <p:cNvPr id="1" name=""/>
-        <p:cNvGrpSpPr/>
-        <p:nvPr/>
-      </p:nvGrpSpPr>
-      <p:grpSpPr>
-        <a:xfrm>
-          <a:off x="0" y="0"/>
-          <a:ext cx="0" cy="0"/>
-          <a:chOff x="0" y="0"/>
-          <a:chExt cx="0" cy="0"/>
-        </a:xfrm>
-      </p:grpSpPr>
-      <p:sp>
-        <p:nvSpPr>
-          <p:cNvPr id="6" name="Title 5"/>
-          <p:cNvSpPr>
-            <a:spLocks noGrp="1"/>
-          </p:cNvSpPr>
-          <p:nvPr>
-            <p:ph type="ctrTitle"/>
-          </p:nvPr>
-        </p:nvSpPr>
-        <p:spPr>
-          <a:xfrm>
-            <a:off x="611560" y="2276872"/>
-            <a:ext cx="7772400" cy="2088232"/>
-          </a:xfrm>
-        </p:spPr>
-        <p:txBody>
-          <a:bodyPr>
-            <a:normAutofit fontScale="90000"/>
-          </a:bodyPr>
-          <a:lstStyle/>
-          <a:p>
-            <a:r>
-              <a:rPr lang="en-GB" dirty="0"/>
-              <a:t>Continuous Testing with Jenkins and </a:t>
-            </a:r>
-            <a:r>
-              <a:rPr lang="en-GB" dirty="0" err="1"/>
-              <a:t>Zalenium</a:t>
-            </a:r>
-            <a:br>
-              <a:rPr lang="en-GB" dirty="0"/>
-            </a:br>
-            <a:br>
-              <a:rPr lang="en-GB" dirty="0"/>
-            </a:br>
-            <a:r>
-              <a:rPr lang="en-GB" sz="2700" dirty="0"/>
-              <a:t>#</a:t>
-            </a:r>
-            <a:r>
-              <a:rPr lang="en-GB" sz="2700" dirty="0" err="1"/>
-              <a:t>DevOpsPlayground</a:t>
-            </a:r>
-            <a:endParaRPr lang="en-GB" sz="2700" dirty="0"/>
-          </a:p>
-        </p:txBody>
-      </p:sp>
-      <p:sp>
-        <p:nvSpPr>
-          <p:cNvPr id="7" name="Title 5"/>
-          <p:cNvSpPr txBox="1">
-            <a:spLocks/>
-          </p:cNvSpPr>
-          <p:nvPr/>
-        </p:nvSpPr>
-        <p:spPr>
-          <a:xfrm>
-            <a:off x="539552" y="5661248"/>
-            <a:ext cx="7772400" cy="345281"/>
-          </a:xfrm>
-          <a:prstGeom prst="rect">
-            <a:avLst/>
-          </a:prstGeom>
-        </p:spPr>
-        <p:txBody>
-          <a:bodyPr vert="horz" lIns="91440" tIns="45720" rIns="91440" bIns="45720" rtlCol="0" anchor="ctr">
-            <a:normAutofit fontScale="85000" lnSpcReduction="20000"/>
-          </a:bodyPr>
-          <a:lstStyle>
-            <a:lvl1pPr algn="l" defTabSz="914400" rtl="0" eaLnBrk="1" latinLnBrk="0" hangingPunct="1">
-              <a:spcBef>
-                <a:spcPct val="0"/>
-              </a:spcBef>
-              <a:buNone/>
-              <a:defRPr sz="4000" kern="1200">
-                <a:solidFill>
-                  <a:schemeClr val="bg1"/>
-                </a:solidFill>
-                <a:latin typeface="Arial" panose="020B0604020202020204" pitchFamily="34" charset="0"/>
-                <a:ea typeface="+mj-ea"/>
-                <a:cs typeface="Arial" panose="020B0604020202020204" pitchFamily="34" charset="0"/>
-              </a:defRPr>
-            </a:lvl1pPr>
-          </a:lstStyle>
-          <a:p>
-            <a:r>
-              <a:rPr lang="en-GB" sz="2400" dirty="0"/>
-              <a:t>Ali Hill, Hammad </a:t>
-            </a:r>
-            <a:r>
-              <a:rPr lang="en-GB" sz="2400" dirty="0" err="1"/>
-              <a:t>Chandio</a:t>
-            </a:r>
-            <a:r>
-              <a:rPr lang="en-GB" sz="2400" dirty="0"/>
-              <a:t>, Farhan Shaikh</a:t>
-            </a:r>
-          </a:p>
-        </p:txBody>
-      </p:sp>
-    </p:spTree>
-    <p:extLst>
-      <p:ext uri="{BB962C8B-B14F-4D97-AF65-F5344CB8AC3E}">
-        <p14:creationId xmlns:p14="http://schemas.microsoft.com/office/powerpoint/2010/main" val="2954165043"/>
-      </p:ext>
-    </p:extLst>
-  </p:cSld>
-  <p:clrMapOvr>
-    <a:masterClrMapping/>
-  </p:clrMapOvr>
-</p:sld>
-</file>
-
-<file path=ppt/slides/slide3.xml><?xml version="1.0" encoding="utf-8"?>
-<p:sld xmlns:a="http://schemas.openxmlformats.org/drawingml/2006/main" xmlns:r="http://schemas.openxmlformats.org/officeDocument/2006/relationships" xmlns:p="http://schemas.openxmlformats.org/presentationml/2006/main">
-  <p:cSld>
-    <p:spTree>
-      <p:nvGrpSpPr>
-        <p:cNvPr id="1" name=""/>
-        <p:cNvGrpSpPr/>
-        <p:nvPr/>
-      </p:nvGrpSpPr>
-      <p:grpSpPr>
-        <a:xfrm>
-          <a:off x="0" y="0"/>
-          <a:ext cx="0" cy="0"/>
-          <a:chOff x="0" y="0"/>
-          <a:chExt cx="0" cy="0"/>
-        </a:xfrm>
-      </p:grpSpPr>
-      <p:pic>
-        <p:nvPicPr>
-          <p:cNvPr id="5" name="Content Placeholder 4">
-            <a:extLst>
-              <a:ext uri="{FF2B5EF4-FFF2-40B4-BE49-F238E27FC236}">
-                <a16:creationId xmlns:a16="http://schemas.microsoft.com/office/drawing/2014/main" id="{4D74334C-8D09-A647-8B55-CDD7F8C8B339}"/>
-              </a:ext>
-            </a:extLst>
-          </p:cNvPr>
-          <p:cNvPicPr>
-            <a:picLocks noGrp="1" noChangeAspect="1"/>
-          </p:cNvPicPr>
-          <p:nvPr>
-            <p:ph idx="1"/>
-          </p:nvPr>
-        </p:nvPicPr>
-        <p:blipFill>
-          <a:blip r:embed="rId3">
-            <a:extLst>
-              <a:ext uri="{28A0092B-C50C-407E-A947-70E740481C1C}">
-                <a14:useLocalDpi xmlns:a14="http://schemas.microsoft.com/office/drawing/2010/main" val="0"/>
-              </a:ext>
-            </a:extLst>
-          </a:blip>
-          <a:stretch>
-            <a:fillRect/>
-          </a:stretch>
-        </p:blipFill>
-        <p:spPr>
-          <a:xfrm>
-            <a:off x="634380" y="1808820"/>
-            <a:ext cx="3073524" cy="3073524"/>
-          </a:xfrm>
-        </p:spPr>
-      </p:pic>
-      <p:pic>
-        <p:nvPicPr>
-          <p:cNvPr id="7" name="Picture 6">
-            <a:extLst>
-              <a:ext uri="{FF2B5EF4-FFF2-40B4-BE49-F238E27FC236}">
-                <a16:creationId xmlns:a16="http://schemas.microsoft.com/office/drawing/2014/main" id="{C434120E-954D-1F40-9F56-757C29069AA1}"/>
-              </a:ext>
-            </a:extLst>
-          </p:cNvPr>
-          <p:cNvPicPr>
-            <a:picLocks noChangeAspect="1"/>
-          </p:cNvPicPr>
-          <p:nvPr/>
-        </p:nvPicPr>
-        <p:blipFill>
-          <a:blip r:embed="rId4">
-            <a:extLst>
-              <a:ext uri="{28A0092B-C50C-407E-A947-70E740481C1C}">
-                <a14:useLocalDpi xmlns:a14="http://schemas.microsoft.com/office/drawing/2010/main" val="0"/>
-              </a:ext>
-            </a:extLst>
-          </a:blip>
-          <a:stretch>
-            <a:fillRect/>
-          </a:stretch>
-        </p:blipFill>
-        <p:spPr>
-          <a:xfrm>
-            <a:off x="4896036" y="2726922"/>
-            <a:ext cx="3611942" cy="1512256"/>
-          </a:xfrm>
-          <a:prstGeom prst="rect">
-            <a:avLst/>
-          </a:prstGeom>
-        </p:spPr>
-      </p:pic>
-      <p:sp>
-        <p:nvSpPr>
-          <p:cNvPr id="8" name="TextBox 7">
-            <a:extLst>
-              <a:ext uri="{FF2B5EF4-FFF2-40B4-BE49-F238E27FC236}">
-                <a16:creationId xmlns:a16="http://schemas.microsoft.com/office/drawing/2014/main" id="{47643DDA-87ED-724D-AF74-C1F3D7F53847}"/>
-              </a:ext>
-            </a:extLst>
-          </p:cNvPr>
-          <p:cNvSpPr txBox="1"/>
-          <p:nvPr/>
-        </p:nvSpPr>
-        <p:spPr>
-          <a:xfrm>
-            <a:off x="634380" y="5427222"/>
-            <a:ext cx="7824410" cy="923330"/>
-          </a:xfrm>
-          <a:prstGeom prst="rect">
-            <a:avLst/>
-          </a:prstGeom>
-          <a:noFill/>
-        </p:spPr>
-        <p:txBody>
-          <a:bodyPr wrap="square" rtlCol="0">
-            <a:spAutoFit/>
-          </a:bodyPr>
-          <a:lstStyle/>
-          <a:p>
-            <a:pPr algn="ctr"/>
-            <a:r>
-              <a:rPr lang="en-US" dirty="0"/>
-              <a:t>1</a:t>
-            </a:r>
-            <a:r>
-              <a:rPr lang="en-US" baseline="30000" dirty="0"/>
-              <a:t>st</a:t>
-            </a:r>
-            <a:r>
-              <a:rPr lang="en-US" dirty="0"/>
-              <a:t>-2</a:t>
-            </a:r>
-            <a:r>
-              <a:rPr lang="en-US" baseline="30000" dirty="0"/>
-              <a:t>nd</a:t>
-            </a:r>
-            <a:r>
-              <a:rPr lang="en-US" dirty="0"/>
-              <a:t> November 2018</a:t>
-            </a:r>
-          </a:p>
-          <a:p>
-            <a:pPr algn="ctr"/>
-            <a:endParaRPr lang="en-US" dirty="0"/>
-          </a:p>
-          <a:p>
-            <a:pPr algn="ctr"/>
-            <a:r>
-              <a:rPr lang="en-GB" b="1" dirty="0">
-                <a:hlinkClick r:id="rId5"/>
-              </a:rPr>
-              <a:t>@</a:t>
-            </a:r>
-            <a:r>
-              <a:rPr lang="en-GB" u="sng" dirty="0">
-                <a:hlinkClick r:id="rId5"/>
-              </a:rPr>
-              <a:t>devopsdaysedi</a:t>
-            </a:r>
-            <a:endParaRPr lang="en-US" dirty="0"/>
-          </a:p>
-        </p:txBody>
-      </p:sp>
-      <p:sp>
-        <p:nvSpPr>
-          <p:cNvPr id="9" name="TextBox 8">
-            <a:extLst>
-              <a:ext uri="{FF2B5EF4-FFF2-40B4-BE49-F238E27FC236}">
-                <a16:creationId xmlns:a16="http://schemas.microsoft.com/office/drawing/2014/main" id="{12EEDC4B-D179-5240-94EF-03491ACB3399}"/>
-              </a:ext>
-            </a:extLst>
-          </p:cNvPr>
-          <p:cNvSpPr txBox="1"/>
-          <p:nvPr/>
-        </p:nvSpPr>
-        <p:spPr>
-          <a:xfrm>
-            <a:off x="1477964" y="5057890"/>
-            <a:ext cx="6235618" cy="369332"/>
-          </a:xfrm>
-          <a:prstGeom prst="rect">
-            <a:avLst/>
-          </a:prstGeom>
-          <a:noFill/>
-        </p:spPr>
-        <p:txBody>
-          <a:bodyPr wrap="none" rtlCol="0">
-            <a:spAutoFit/>
-          </a:bodyPr>
-          <a:lstStyle/>
-          <a:p>
-            <a:r>
-              <a:rPr lang="en-US" dirty="0"/>
-              <a:t>https://</a:t>
-            </a:r>
-            <a:r>
-              <a:rPr lang="en-US" dirty="0" err="1"/>
-              <a:t>www.devopsdays.org</a:t>
-            </a:r>
-            <a:r>
-              <a:rPr lang="en-US" dirty="0"/>
-              <a:t>/events/2018-edinburgh/welcome/</a:t>
-            </a:r>
-          </a:p>
-        </p:txBody>
-      </p:sp>
-    </p:spTree>
-    <p:extLst>
-      <p:ext uri="{BB962C8B-B14F-4D97-AF65-F5344CB8AC3E}">
-        <p14:creationId xmlns:p14="http://schemas.microsoft.com/office/powerpoint/2010/main" val="3071101924"/>
-      </p:ext>
-    </p:extLst>
-  </p:cSld>
-  <p:clrMapOvr>
-    <a:masterClrMapping/>
-  </p:clrMapOvr>
-</p:sld>
-</file>
-
-<file path=ppt/slides/slide4.xml><?xml version="1.0" encoding="utf-8"?>
-<p:sld xmlns:a="http://schemas.openxmlformats.org/drawingml/2006/main" xmlns:r="http://schemas.openxmlformats.org/officeDocument/2006/relationships" xmlns:p="http://schemas.openxmlformats.org/presentationml/2006/main">
-  <p:cSld>
-    <p:spTree>
-      <p:nvGrpSpPr>
-        <p:cNvPr id="1" name=""/>
-        <p:cNvGrpSpPr/>
-        <p:nvPr/>
-      </p:nvGrpSpPr>
-      <p:grpSpPr>
-        <a:xfrm>
-          <a:off x="0" y="0"/>
-          <a:ext cx="0" cy="0"/>
-          <a:chOff x="0" y="0"/>
-          <a:chExt cx="0" cy="0"/>
-        </a:xfrm>
-      </p:grpSpPr>
-      <p:sp>
-        <p:nvSpPr>
-          <p:cNvPr id="2" name="Content Placeholder 1"/>
-          <p:cNvSpPr>
-            <a:spLocks noGrp="1"/>
-          </p:cNvSpPr>
-          <p:nvPr>
-            <p:ph idx="1"/>
-          </p:nvPr>
-        </p:nvSpPr>
-        <p:spPr>
-          <a:xfrm>
-            <a:off x="611560" y="1600201"/>
-            <a:ext cx="7920880" cy="4525963"/>
-          </a:xfrm>
-        </p:spPr>
-        <p:txBody>
-          <a:bodyPr>
-            <a:noAutofit/>
-          </a:bodyPr>
-          <a:lstStyle/>
-          <a:p>
-            <a:r>
-              <a:rPr lang="en-US" sz="2300" dirty="0"/>
-              <a:t>Ali Hill</a:t>
-            </a:r>
-          </a:p>
-          <a:p>
-            <a:pPr lvl="1"/>
-            <a:r>
-              <a:rPr lang="en-US" dirty="0"/>
-              <a:t>QA and Continuous Delivery Consultant (Edinburgh)</a:t>
-            </a:r>
-          </a:p>
-          <a:p>
-            <a:pPr lvl="1"/>
-            <a:r>
-              <a:rPr lang="en-US" dirty="0"/>
-              <a:t>Twitter: </a:t>
-            </a:r>
-            <a:r>
-              <a:rPr lang="en-GB" b="1" dirty="0">
-                <a:hlinkClick r:id="rId3"/>
-              </a:rPr>
-              <a:t>@</a:t>
-            </a:r>
-            <a:r>
-              <a:rPr lang="en-GB" u="sng" dirty="0">
-                <a:hlinkClick r:id="rId3"/>
-              </a:rPr>
-              <a:t>ali_hill91</a:t>
-            </a:r>
-            <a:endParaRPr lang="en-GB" u="sng" dirty="0"/>
-          </a:p>
-          <a:p>
-            <a:pPr marL="457200" lvl="1" indent="0">
-              <a:buNone/>
-            </a:pPr>
-            <a:endParaRPr lang="en-US" sz="2300" dirty="0"/>
-          </a:p>
-          <a:p>
-            <a:r>
-              <a:rPr lang="en-US" sz="2300" dirty="0"/>
-              <a:t>Hammad </a:t>
-            </a:r>
-            <a:r>
-              <a:rPr lang="en-US" sz="2300" dirty="0" err="1"/>
-              <a:t>Chandio</a:t>
-            </a:r>
-            <a:endParaRPr lang="en-US" sz="2300" dirty="0"/>
-          </a:p>
-          <a:p>
-            <a:pPr lvl="1"/>
-            <a:r>
-              <a:rPr lang="en-US" dirty="0"/>
-              <a:t>QA and Continuous Delivery Consultant (London)</a:t>
-            </a:r>
-          </a:p>
-          <a:p>
-            <a:endParaRPr lang="en-US" sz="2300" dirty="0"/>
-          </a:p>
-          <a:p>
-            <a:r>
-              <a:rPr lang="en-US" sz="2300" dirty="0"/>
-              <a:t>Farhan Shaikh</a:t>
-            </a:r>
-          </a:p>
-          <a:p>
-            <a:pPr lvl="1"/>
-            <a:r>
-              <a:rPr lang="en-US" dirty="0"/>
-              <a:t>QA and Continuous Delivery Consultant (London)</a:t>
-            </a:r>
-          </a:p>
-          <a:p>
-            <a:endParaRPr lang="en-US" sz="2300" dirty="0"/>
-          </a:p>
-        </p:txBody>
-      </p:sp>
-      <p:sp>
-        <p:nvSpPr>
-          <p:cNvPr id="3" name="Footer Placeholder 2"/>
-          <p:cNvSpPr>
-            <a:spLocks noGrp="1"/>
-          </p:cNvSpPr>
-          <p:nvPr>
-            <p:ph type="ftr" sz="quarter" idx="3"/>
-          </p:nvPr>
-        </p:nvSpPr>
-        <p:spPr>
-          <a:xfrm>
-            <a:off x="3124200" y="6356351"/>
-            <a:ext cx="2895600" cy="365125"/>
-          </a:xfrm>
-        </p:spPr>
-        <p:txBody>
-          <a:bodyPr/>
-          <a:lstStyle/>
-          <a:p>
-            <a:r>
-              <a:rPr lang="en-GB" sz="1600" dirty="0"/>
-              <a:t>#</a:t>
-            </a:r>
-            <a:r>
-              <a:rPr lang="en-GB" sz="1600" dirty="0" err="1"/>
-              <a:t>DevOpsPlayground</a:t>
-            </a:r>
-            <a:endParaRPr lang="en-GB" sz="1600" dirty="0"/>
-          </a:p>
-        </p:txBody>
-      </p:sp>
-      <p:sp>
-        <p:nvSpPr>
-          <p:cNvPr id="4" name="TextBox 3"/>
-          <p:cNvSpPr txBox="1"/>
-          <p:nvPr/>
-        </p:nvSpPr>
-        <p:spPr>
-          <a:xfrm>
-            <a:off x="611560" y="692696"/>
-            <a:ext cx="7920880" cy="523220"/>
-          </a:xfrm>
-          <a:prstGeom prst="rect">
-            <a:avLst/>
-          </a:prstGeom>
-          <a:noFill/>
-        </p:spPr>
-        <p:txBody>
-          <a:bodyPr wrap="square" rtlCol="0">
-            <a:spAutoFit/>
-          </a:bodyPr>
-          <a:lstStyle/>
-          <a:p>
-            <a:r>
-              <a:rPr lang="en-GB" sz="2800">
-                <a:solidFill>
-                  <a:srgbClr val="0070B7"/>
-                </a:solidFill>
-                <a:latin typeface="Arial" panose="020B0604020202020204" pitchFamily="34" charset="0"/>
-                <a:cs typeface="Arial" panose="020B0604020202020204" pitchFamily="34" charset="0"/>
-              </a:rPr>
-              <a:t>About Us</a:t>
-            </a:r>
-            <a:endParaRPr lang="en-GB" sz="2800" dirty="0">
-              <a:solidFill>
-                <a:srgbClr val="0070B7"/>
-              </a:solidFill>
-              <a:latin typeface="Arial" panose="020B0604020202020204" pitchFamily="34" charset="0"/>
-              <a:cs typeface="Arial" panose="020B0604020202020204" pitchFamily="34" charset="0"/>
-            </a:endParaRPr>
-          </a:p>
-        </p:txBody>
-      </p:sp>
-      <p:pic>
-        <p:nvPicPr>
-          <p:cNvPr id="6" name="Picture 5">
-            <a:extLst>
-              <a:ext uri="{FF2B5EF4-FFF2-40B4-BE49-F238E27FC236}">
-                <a16:creationId xmlns:a16="http://schemas.microsoft.com/office/drawing/2014/main" id="{4923CEB4-8350-6E43-9BF4-39D82C16F2CA}"/>
-              </a:ext>
-            </a:extLst>
-          </p:cNvPr>
-          <p:cNvPicPr>
-            <a:picLocks noChangeAspect="1"/>
-          </p:cNvPicPr>
-          <p:nvPr/>
-        </p:nvPicPr>
-        <p:blipFill>
-          <a:blip r:embed="rId4">
-            <a:extLst>
-              <a:ext uri="{28A0092B-C50C-407E-A947-70E740481C1C}">
-                <a14:useLocalDpi xmlns:a14="http://schemas.microsoft.com/office/drawing/2010/main" val="0"/>
-              </a:ext>
-            </a:extLst>
-          </a:blip>
-          <a:stretch>
-            <a:fillRect/>
-          </a:stretch>
-        </p:blipFill>
-        <p:spPr>
-          <a:xfrm>
-            <a:off x="7277670" y="1370014"/>
-            <a:ext cx="1707304" cy="1707304"/>
-          </a:xfrm>
-          <a:prstGeom prst="rect">
-            <a:avLst/>
-          </a:prstGeom>
-        </p:spPr>
-      </p:pic>
-      <p:pic>
-        <p:nvPicPr>
-          <p:cNvPr id="8" name="Picture 7">
-            <a:extLst>
-              <a:ext uri="{FF2B5EF4-FFF2-40B4-BE49-F238E27FC236}">
-                <a16:creationId xmlns:a16="http://schemas.microsoft.com/office/drawing/2014/main" id="{199FCAF8-314F-BC47-B6CA-AE961E8659F6}"/>
-              </a:ext>
-            </a:extLst>
-          </p:cNvPr>
-          <p:cNvPicPr>
-            <a:picLocks noChangeAspect="1"/>
-          </p:cNvPicPr>
-          <p:nvPr/>
-        </p:nvPicPr>
-        <p:blipFill>
-          <a:blip r:embed="rId5">
-            <a:extLst>
-              <a:ext uri="{28A0092B-C50C-407E-A947-70E740481C1C}">
-                <a14:useLocalDpi xmlns:a14="http://schemas.microsoft.com/office/drawing/2010/main" val="0"/>
-              </a:ext>
-            </a:extLst>
-          </a:blip>
-          <a:stretch>
-            <a:fillRect/>
-          </a:stretch>
-        </p:blipFill>
-        <p:spPr>
-          <a:xfrm>
-            <a:off x="7299726" y="3145850"/>
-            <a:ext cx="1694643" cy="1694643"/>
-          </a:xfrm>
-          <a:prstGeom prst="rect">
-            <a:avLst/>
-          </a:prstGeom>
-        </p:spPr>
-      </p:pic>
-      <p:pic>
-        <p:nvPicPr>
-          <p:cNvPr id="10" name="Picture 9">
-            <a:extLst>
-              <a:ext uri="{FF2B5EF4-FFF2-40B4-BE49-F238E27FC236}">
-                <a16:creationId xmlns:a16="http://schemas.microsoft.com/office/drawing/2014/main" id="{69C3AAA4-3A24-3047-88F7-C7516244C761}"/>
-              </a:ext>
-            </a:extLst>
-          </p:cNvPr>
-          <p:cNvPicPr>
-            <a:picLocks noChangeAspect="1"/>
-          </p:cNvPicPr>
-          <p:nvPr/>
-        </p:nvPicPr>
-        <p:blipFill>
-          <a:blip r:embed="rId6">
-            <a:extLst>
-              <a:ext uri="{28A0092B-C50C-407E-A947-70E740481C1C}">
-                <a14:useLocalDpi xmlns:a14="http://schemas.microsoft.com/office/drawing/2010/main" val="0"/>
-              </a:ext>
-            </a:extLst>
-          </a:blip>
-          <a:stretch>
-            <a:fillRect/>
-          </a:stretch>
-        </p:blipFill>
-        <p:spPr>
-          <a:xfrm>
-            <a:off x="7277670" y="4909025"/>
-            <a:ext cx="1716699" cy="1716699"/>
-          </a:xfrm>
-          <a:prstGeom prst="rect">
-            <a:avLst/>
-          </a:prstGeom>
-        </p:spPr>
-      </p:pic>
-    </p:spTree>
-    <p:extLst>
-      <p:ext uri="{BB962C8B-B14F-4D97-AF65-F5344CB8AC3E}">
-        <p14:creationId xmlns:p14="http://schemas.microsoft.com/office/powerpoint/2010/main" val="795935867"/>
-      </p:ext>
-    </p:extLst>
-  </p:cSld>
-  <p:clrMapOvr>
-    <a:masterClrMapping/>
-  </p:clrMapOvr>
-</p:sld>
-</file>
-
-<file path=ppt/slides/slide5.xml><?xml version="1.0" encoding="utf-8"?>
-<p:sld xmlns:a="http://schemas.openxmlformats.org/drawingml/2006/main" xmlns:r="http://schemas.openxmlformats.org/officeDocument/2006/relationships" xmlns:p="http://schemas.openxmlformats.org/presentationml/2006/main">
-  <p:cSld>
-    <p:spTree>
-      <p:nvGrpSpPr>
-        <p:cNvPr id="1" name=""/>
-        <p:cNvGrpSpPr/>
-        <p:nvPr/>
-      </p:nvGrpSpPr>
-      <p:grpSpPr>
-        <a:xfrm>
-          <a:off x="0" y="0"/>
-          <a:ext cx="0" cy="0"/>
-          <a:chOff x="0" y="0"/>
-          <a:chExt cx="0" cy="0"/>
-        </a:xfrm>
-      </p:grpSpPr>
-      <p:sp>
-        <p:nvSpPr>
-          <p:cNvPr id="2" name="Content Placeholder 1"/>
-          <p:cNvSpPr>
-            <a:spLocks noGrp="1"/>
-          </p:cNvSpPr>
-          <p:nvPr>
-            <p:ph idx="1"/>
-          </p:nvPr>
-        </p:nvSpPr>
-        <p:spPr>
-          <a:xfrm>
-            <a:off x="611560" y="1600201"/>
-            <a:ext cx="7920880" cy="4525963"/>
-          </a:xfrm>
-        </p:spPr>
-        <p:txBody>
-          <a:bodyPr>
-            <a:noAutofit/>
-          </a:bodyPr>
-          <a:lstStyle/>
-          <a:p>
-            <a:r>
-              <a:rPr lang="en-US" sz="2300" dirty="0"/>
-              <a:t>Overview of Selenium WebDriver and docker-selenium</a:t>
-            </a:r>
-          </a:p>
-          <a:p>
-            <a:r>
-              <a:rPr lang="en-US" sz="2300" dirty="0"/>
-              <a:t>What is </a:t>
-            </a:r>
-            <a:r>
-              <a:rPr lang="en-US" sz="2300" dirty="0" err="1"/>
-              <a:t>Zalenium</a:t>
-            </a:r>
-            <a:r>
-              <a:rPr lang="en-US" sz="2300" dirty="0"/>
-              <a:t>?</a:t>
-            </a:r>
-          </a:p>
-          <a:p>
-            <a:r>
-              <a:rPr lang="en-US" sz="2300" dirty="0"/>
-              <a:t>How does </a:t>
-            </a:r>
-            <a:r>
-              <a:rPr lang="en-US" sz="2300" dirty="0" err="1"/>
-              <a:t>Zalenium</a:t>
-            </a:r>
-            <a:r>
-              <a:rPr lang="en-US" sz="2300" dirty="0"/>
-              <a:t> work?</a:t>
-            </a:r>
-          </a:p>
-          <a:p>
-            <a:r>
-              <a:rPr lang="en-US" sz="2300" dirty="0"/>
-              <a:t>Why use </a:t>
-            </a:r>
-            <a:r>
-              <a:rPr lang="en-US" sz="2300" dirty="0" err="1"/>
-              <a:t>Zalenium</a:t>
-            </a:r>
-            <a:r>
-              <a:rPr lang="en-US" sz="2300" dirty="0"/>
-              <a:t>?</a:t>
-            </a:r>
-          </a:p>
-          <a:p>
-            <a:r>
-              <a:rPr lang="en-US" sz="2300" dirty="0"/>
-              <a:t>Hands-on session with </a:t>
-            </a:r>
-            <a:r>
-              <a:rPr lang="en-US" sz="2300" dirty="0" err="1"/>
-              <a:t>Zalenium</a:t>
-            </a:r>
-            <a:r>
-              <a:rPr lang="en-US" sz="2300" dirty="0"/>
-              <a:t>.</a:t>
-            </a:r>
-          </a:p>
-          <a:p>
-            <a:r>
-              <a:rPr lang="en-US" sz="2300" dirty="0"/>
-              <a:t>How to run </a:t>
-            </a:r>
-            <a:r>
-              <a:rPr lang="en-US" sz="2300" dirty="0" err="1"/>
-              <a:t>Zalenium</a:t>
-            </a:r>
-            <a:r>
-              <a:rPr lang="en-US" sz="2300" dirty="0"/>
-              <a:t> using a cloud testing provider.</a:t>
-            </a:r>
-          </a:p>
-          <a:p>
-            <a:r>
-              <a:rPr lang="en-US" sz="2300" dirty="0"/>
-              <a:t>Further features of </a:t>
-            </a:r>
-            <a:r>
-              <a:rPr lang="en-US" sz="2300" dirty="0" err="1"/>
-              <a:t>Zalenium</a:t>
-            </a:r>
-            <a:r>
-              <a:rPr lang="en-US" sz="2300" dirty="0"/>
-              <a:t>.</a:t>
-            </a:r>
-          </a:p>
-          <a:p>
-            <a:endParaRPr lang="en-US" sz="2300" dirty="0"/>
-          </a:p>
-          <a:p>
-            <a:endParaRPr lang="en-US" sz="2300" dirty="0"/>
-          </a:p>
-          <a:p>
-            <a:endParaRPr lang="en-US" sz="2300" dirty="0"/>
-          </a:p>
-        </p:txBody>
-      </p:sp>
-      <p:sp>
-        <p:nvSpPr>
-          <p:cNvPr id="3" name="Footer Placeholder 2"/>
-          <p:cNvSpPr>
-            <a:spLocks noGrp="1"/>
-          </p:cNvSpPr>
-          <p:nvPr>
-            <p:ph type="ftr" sz="quarter" idx="3"/>
-          </p:nvPr>
-        </p:nvSpPr>
-        <p:spPr>
-          <a:xfrm>
-            <a:off x="3124200" y="6356351"/>
-            <a:ext cx="2895600" cy="365125"/>
-          </a:xfrm>
-        </p:spPr>
-        <p:txBody>
-          <a:bodyPr/>
-          <a:lstStyle/>
-          <a:p>
-            <a:r>
-              <a:rPr lang="en-GB" sz="1600" dirty="0"/>
-              <a:t>#</a:t>
-            </a:r>
-            <a:r>
-              <a:rPr lang="en-GB" sz="1600" dirty="0" err="1"/>
-              <a:t>DevOpsPlayground</a:t>
-            </a:r>
-            <a:endParaRPr lang="en-GB" sz="1600" dirty="0"/>
-          </a:p>
-        </p:txBody>
-      </p:sp>
-      <p:sp>
-        <p:nvSpPr>
-          <p:cNvPr id="4" name="TextBox 3"/>
-          <p:cNvSpPr txBox="1"/>
-          <p:nvPr/>
-        </p:nvSpPr>
-        <p:spPr>
-          <a:xfrm>
-            <a:off x="611560" y="692696"/>
-            <a:ext cx="7920880" cy="523220"/>
-          </a:xfrm>
-          <a:prstGeom prst="rect">
-            <a:avLst/>
-          </a:prstGeom>
-          <a:noFill/>
-        </p:spPr>
-        <p:txBody>
-          <a:bodyPr wrap="square" rtlCol="0">
-            <a:spAutoFit/>
-          </a:bodyPr>
-          <a:lstStyle/>
-          <a:p>
-            <a:r>
-              <a:rPr lang="en-GB" sz="2800" dirty="0">
-                <a:solidFill>
-                  <a:srgbClr val="0070B7"/>
-                </a:solidFill>
-                <a:latin typeface="Arial" panose="020B0604020202020204" pitchFamily="34" charset="0"/>
-                <a:cs typeface="Arial" panose="020B0604020202020204" pitchFamily="34" charset="0"/>
-              </a:rPr>
-              <a:t>Agenda</a:t>
-            </a:r>
-          </a:p>
-        </p:txBody>
-      </p:sp>
-    </p:spTree>
-    <p:extLst>
-      <p:ext uri="{BB962C8B-B14F-4D97-AF65-F5344CB8AC3E}">
-        <p14:creationId xmlns:p14="http://schemas.microsoft.com/office/powerpoint/2010/main" val="3447186591"/>
-      </p:ext>
-    </p:extLst>
-  </p:cSld>
-  <p:clrMapOvr>
-    <a:masterClrMapping/>
-  </p:clrMapOvr>
-</p:sld>
-</file>
-
-<file path=ppt/slides/slide6.xml><?xml version="1.0" encoding="utf-8"?>
-<p:sld xmlns:a="http://schemas.openxmlformats.org/drawingml/2006/main" xmlns:r="http://schemas.openxmlformats.org/officeDocument/2006/relationships" xmlns:p="http://schemas.openxmlformats.org/presentationml/2006/main">
-  <p:cSld>
-    <p:spTree>
-      <p:nvGrpSpPr>
-        <p:cNvPr id="1" name=""/>
-        <p:cNvGrpSpPr/>
-        <p:nvPr/>
-      </p:nvGrpSpPr>
-      <p:grpSpPr>
-        <a:xfrm>
-          <a:off x="0" y="0"/>
-          <a:ext cx="0" cy="0"/>
-          <a:chOff x="0" y="0"/>
-          <a:chExt cx="0" cy="0"/>
-        </a:xfrm>
-      </p:grpSpPr>
-      <p:sp>
-        <p:nvSpPr>
-          <p:cNvPr id="2" name="Content Placeholder 1"/>
-          <p:cNvSpPr>
-            <a:spLocks noGrp="1"/>
-          </p:cNvSpPr>
-          <p:nvPr>
-            <p:ph idx="1"/>
-          </p:nvPr>
-        </p:nvSpPr>
-        <p:spPr>
-          <a:xfrm>
-            <a:off x="611560" y="1600201"/>
-            <a:ext cx="7920880" cy="4525963"/>
-          </a:xfrm>
-        </p:spPr>
-        <p:txBody>
-          <a:bodyPr>
-            <a:noAutofit/>
-          </a:bodyPr>
-          <a:lstStyle/>
-          <a:p>
-            <a:r>
-              <a:rPr lang="en-US" sz="2300" dirty="0"/>
-              <a:t>WebDriver </a:t>
-            </a:r>
-          </a:p>
-          <a:p>
-            <a:pPr lvl="1"/>
-            <a:r>
-              <a:rPr lang="en-US" sz="2300" dirty="0"/>
-              <a:t>Web browser automation library. </a:t>
-            </a:r>
-          </a:p>
-          <a:p>
-            <a:pPr lvl="1"/>
-            <a:r>
-              <a:rPr lang="en-US" sz="2300" dirty="0"/>
-              <a:t>Used for automating browser interaction.</a:t>
-            </a:r>
-          </a:p>
-          <a:p>
-            <a:pPr lvl="1"/>
-            <a:r>
-              <a:rPr lang="en-US" sz="2300" dirty="0"/>
-              <a:t>Tests can be written in language of choice.</a:t>
-            </a:r>
-          </a:p>
-          <a:p>
-            <a:pPr marL="0" indent="0">
-              <a:buNone/>
-            </a:pPr>
-            <a:endParaRPr lang="en-US" sz="2300" dirty="0"/>
-          </a:p>
-          <a:p>
-            <a:r>
-              <a:rPr lang="en-US" sz="2300" dirty="0"/>
-              <a:t>docker-selenium</a:t>
-            </a:r>
-          </a:p>
-          <a:p>
-            <a:pPr lvl="1"/>
-            <a:r>
-              <a:rPr lang="en-US" sz="2300" dirty="0"/>
-              <a:t>Docker images for Selenium Grid server.</a:t>
-            </a:r>
-          </a:p>
-          <a:p>
-            <a:pPr lvl="1"/>
-            <a:r>
-              <a:rPr lang="en-US" sz="2300" dirty="0"/>
-              <a:t>Contains hub and node configurations for Firefox and Chrome.</a:t>
-            </a:r>
-          </a:p>
-          <a:p>
-            <a:pPr lvl="1"/>
-            <a:endParaRPr lang="en-US" sz="2300" dirty="0"/>
-          </a:p>
-          <a:p>
-            <a:pPr marL="0" indent="0">
-              <a:buNone/>
-            </a:pPr>
-            <a:endParaRPr lang="en-US" sz="2300" dirty="0"/>
-          </a:p>
-        </p:txBody>
-      </p:sp>
-      <p:sp>
-        <p:nvSpPr>
-          <p:cNvPr id="3" name="Footer Placeholder 2"/>
-          <p:cNvSpPr>
-            <a:spLocks noGrp="1"/>
-          </p:cNvSpPr>
-          <p:nvPr>
-            <p:ph type="ftr" sz="quarter" idx="3"/>
-          </p:nvPr>
-        </p:nvSpPr>
-        <p:spPr>
-          <a:xfrm>
-            <a:off x="3124200" y="6356351"/>
-            <a:ext cx="2895600" cy="365125"/>
-          </a:xfrm>
-        </p:spPr>
-        <p:txBody>
-          <a:bodyPr/>
-          <a:lstStyle/>
-          <a:p>
-            <a:r>
-              <a:rPr lang="en-GB" sz="1600"/>
-              <a:t>#DevOpsPlayground</a:t>
-            </a:r>
-            <a:endParaRPr lang="en-GB" sz="1600" dirty="0"/>
-          </a:p>
-        </p:txBody>
-      </p:sp>
-      <p:sp>
-        <p:nvSpPr>
-          <p:cNvPr id="4" name="TextBox 3"/>
-          <p:cNvSpPr txBox="1"/>
-          <p:nvPr/>
-        </p:nvSpPr>
-        <p:spPr>
-          <a:xfrm>
-            <a:off x="611560" y="692696"/>
-            <a:ext cx="7920880" cy="523220"/>
-          </a:xfrm>
-          <a:prstGeom prst="rect">
-            <a:avLst/>
-          </a:prstGeom>
-          <a:noFill/>
-        </p:spPr>
-        <p:txBody>
-          <a:bodyPr wrap="square" rtlCol="0">
-            <a:spAutoFit/>
-          </a:bodyPr>
-          <a:lstStyle/>
-          <a:p>
-            <a:r>
-              <a:rPr lang="en-GB" sz="2800" dirty="0">
-                <a:solidFill>
-                  <a:srgbClr val="0070B7"/>
-                </a:solidFill>
-                <a:latin typeface="Arial" panose="020B0604020202020204" pitchFamily="34" charset="0"/>
-                <a:cs typeface="Arial" panose="020B0604020202020204" pitchFamily="34" charset="0"/>
-              </a:rPr>
-              <a:t>Selenium Overview</a:t>
-            </a:r>
-          </a:p>
-        </p:txBody>
-      </p:sp>
-      <p:pic>
-        <p:nvPicPr>
-          <p:cNvPr id="6" name="Picture 5">
-            <a:extLst>
-              <a:ext uri="{FF2B5EF4-FFF2-40B4-BE49-F238E27FC236}">
-                <a16:creationId xmlns:a16="http://schemas.microsoft.com/office/drawing/2014/main" id="{51C27788-2E18-824B-B70D-CBBD54D4C4E3}"/>
-              </a:ext>
-            </a:extLst>
-          </p:cNvPr>
-          <p:cNvPicPr>
-            <a:picLocks noChangeAspect="1"/>
-          </p:cNvPicPr>
-          <p:nvPr/>
-        </p:nvPicPr>
-        <p:blipFill>
-          <a:blip r:embed="rId3">
-            <a:extLst>
-              <a:ext uri="{28A0092B-C50C-407E-A947-70E740481C1C}">
-                <a14:useLocalDpi xmlns:a14="http://schemas.microsoft.com/office/drawing/2010/main" val="0"/>
-              </a:ext>
-            </a:extLst>
-          </a:blip>
-          <a:stretch>
-            <a:fillRect/>
-          </a:stretch>
-        </p:blipFill>
-        <p:spPr>
-          <a:xfrm>
-            <a:off x="6660232" y="1603639"/>
-            <a:ext cx="2095500" cy="1892300"/>
-          </a:xfrm>
-          <a:prstGeom prst="rect">
-            <a:avLst/>
-          </a:prstGeom>
-        </p:spPr>
-      </p:pic>
-      <p:pic>
-        <p:nvPicPr>
-          <p:cNvPr id="9" name="Picture 8">
-            <a:extLst>
-              <a:ext uri="{FF2B5EF4-FFF2-40B4-BE49-F238E27FC236}">
-                <a16:creationId xmlns:a16="http://schemas.microsoft.com/office/drawing/2014/main" id="{B18648BA-231B-184F-B06E-CBA46EB47214}"/>
-              </a:ext>
-            </a:extLst>
-          </p:cNvPr>
-          <p:cNvPicPr>
-            <a:picLocks noChangeAspect="1"/>
-          </p:cNvPicPr>
-          <p:nvPr/>
-        </p:nvPicPr>
-        <p:blipFill>
-          <a:blip r:embed="rId4">
-            <a:extLst>
-              <a:ext uri="{28A0092B-C50C-407E-A947-70E740481C1C}">
-                <a14:useLocalDpi xmlns:a14="http://schemas.microsoft.com/office/drawing/2010/main" val="0"/>
-              </a:ext>
-            </a:extLst>
-          </a:blip>
-          <a:stretch>
-            <a:fillRect/>
-          </a:stretch>
-        </p:blipFill>
-        <p:spPr>
-          <a:xfrm>
-            <a:off x="6622132" y="4901948"/>
-            <a:ext cx="2133600" cy="1816100"/>
-          </a:xfrm>
-          <a:prstGeom prst="rect">
-            <a:avLst/>
-          </a:prstGeom>
-        </p:spPr>
-      </p:pic>
-    </p:spTree>
-    <p:extLst>
-      <p:ext uri="{BB962C8B-B14F-4D97-AF65-F5344CB8AC3E}">
-        <p14:creationId xmlns:p14="http://schemas.microsoft.com/office/powerpoint/2010/main" val="1663746683"/>
-      </p:ext>
-    </p:extLst>
-  </p:cSld>
-  <p:clrMapOvr>
-    <a:masterClrMapping/>
-  </p:clrMapOvr>
-  <p:timing>
-    <p:tnLst>
-      <p:par>
-        <p:cTn id="1" dur="indefinite" restart="never" nodeType="tmRoot">
-          <p:childTnLst>
-            <p:seq concurrent="1" nextAc="seek">
-              <p:cTn id="2" dur="indefinite" nodeType="mainSeq">
-                <p:childTnLst>
-                  <p:par>
-                    <p:cTn id="3" fill="hold">
-                      <p:stCondLst>
-                        <p:cond delay="indefinite"/>
-                      </p:stCondLst>
-                      <p:childTnLst>
-                        <p:par>
-                          <p:cTn id="4" fill="hold">
-                            <p:stCondLst>
-                              <p:cond delay="0"/>
-                            </p:stCondLst>
-                            <p:childTnLst>
-                              <p:par>
-                                <p:cTn id="5" presetID="1" presetClass="entr" presetSubtype="0" fill="hold" grpId="0" nodeType="clickEffect">
-                                  <p:stCondLst>
-                                    <p:cond delay="0"/>
-                                  </p:stCondLst>
-                                  <p:childTnLst>
-                                    <p:set>
-                                      <p:cBhvr>
-                                        <p:cTn id="6" dur="1" fill="hold">
-                                          <p:stCondLst>
-                                            <p:cond delay="0"/>
-                                          </p:stCondLst>
-                                        </p:cTn>
-                                        <p:tgtEl>
-                                          <p:spTgt spid="2">
-                                            <p:txEl>
-                                              <p:pRg st="0" end="0"/>
-                                            </p:txEl>
-                                          </p:spTgt>
-                                        </p:tgtEl>
-                                        <p:attrNameLst>
-                                          <p:attrName>style.visibility</p:attrName>
-                                        </p:attrNameLst>
-                                      </p:cBhvr>
-                                      <p:to>
-                                        <p:strVal val="visible"/>
-                                      </p:to>
-                                    </p:set>
-                                  </p:childTnLst>
-                                </p:cTn>
-                              </p:par>
-                              <p:par>
-                                <p:cTn id="7" presetID="1" presetClass="entr" presetSubtype="0" fill="hold" grpId="0" nodeType="withEffect">
-                                  <p:stCondLst>
-                                    <p:cond delay="0"/>
-                                  </p:stCondLst>
-                                  <p:childTnLst>
-                                    <p:set>
-                                      <p:cBhvr>
-                                        <p:cTn id="8" dur="1" fill="hold">
-                                          <p:stCondLst>
-                                            <p:cond delay="0"/>
-                                          </p:stCondLst>
-                                        </p:cTn>
-                                        <p:tgtEl>
-                                          <p:spTgt spid="2">
-                                            <p:txEl>
-                                              <p:pRg st="1" end="1"/>
-                                            </p:txEl>
-                                          </p:spTgt>
-                                        </p:tgtEl>
-                                        <p:attrNameLst>
-                                          <p:attrName>style.visibility</p:attrName>
-                                        </p:attrNameLst>
-                                      </p:cBhvr>
-                                      <p:to>
-                                        <p:strVal val="visible"/>
-                                      </p:to>
-                                    </p:set>
-                                  </p:childTnLst>
-                                </p:cTn>
-                              </p:par>
-                              <p:par>
-                                <p:cTn id="9" presetID="1" presetClass="entr" presetSubtype="0" fill="hold" grpId="0" nodeType="withEffect">
-                                  <p:stCondLst>
-                                    <p:cond delay="0"/>
-                                  </p:stCondLst>
-                                  <p:childTnLst>
-                                    <p:set>
-                                      <p:cBhvr>
-                                        <p:cTn id="10" dur="1" fill="hold">
-                                          <p:stCondLst>
-                                            <p:cond delay="0"/>
-                                          </p:stCondLst>
-                                        </p:cTn>
-                                        <p:tgtEl>
-                                          <p:spTgt spid="2">
-                                            <p:txEl>
-                                              <p:pRg st="2" end="2"/>
-                                            </p:txEl>
-                                          </p:spTgt>
-                                        </p:tgtEl>
-                                        <p:attrNameLst>
-                                          <p:attrName>style.visibility</p:attrName>
-                                        </p:attrNameLst>
-                                      </p:cBhvr>
-                                      <p:to>
-                                        <p:strVal val="visible"/>
-                                      </p:to>
-                                    </p:set>
-                                  </p:childTnLst>
-                                </p:cTn>
-                              </p:par>
-                              <p:par>
-                                <p:cTn id="11" presetID="1" presetClass="entr" presetSubtype="0" fill="hold" grpId="0" nodeType="withEffect">
-                                  <p:stCondLst>
-                                    <p:cond delay="0"/>
-                                  </p:stCondLst>
-                                  <p:childTnLst>
-                                    <p:set>
-                                      <p:cBhvr>
-                                        <p:cTn id="12" dur="1" fill="hold">
-                                          <p:stCondLst>
-                                            <p:cond delay="0"/>
-                                          </p:stCondLst>
-                                        </p:cTn>
-                                        <p:tgtEl>
-                                          <p:spTgt spid="2">
-                                            <p:txEl>
-                                              <p:pRg st="3" end="3"/>
-                                            </p:txEl>
-                                          </p:spTgt>
-                                        </p:tgtEl>
-                                        <p:attrNameLst>
-                                          <p:attrName>style.visibility</p:attrName>
-                                        </p:attrNameLst>
-                                      </p:cBhvr>
-                                      <p:to>
-                                        <p:strVal val="visible"/>
-                                      </p:to>
-                                    </p:set>
-                                  </p:childTnLst>
-                                </p:cTn>
-                              </p:par>
-                            </p:childTnLst>
-                          </p:cTn>
-                        </p:par>
-                      </p:childTnLst>
-                    </p:cTn>
-                  </p:par>
-                  <p:par>
-                    <p:cTn id="13" fill="hold">
-                      <p:stCondLst>
-                        <p:cond delay="indefinite"/>
-                      </p:stCondLst>
-                      <p:childTnLst>
-                        <p:par>
-                          <p:cTn id="14" fill="hold">
-                            <p:stCondLst>
-                              <p:cond delay="0"/>
-                            </p:stCondLst>
-                            <p:childTnLst>
-                              <p:par>
-                                <p:cTn id="15" presetID="1" presetClass="entr" presetSubtype="0" fill="hold" grpId="0" nodeType="clickEffect">
-                                  <p:stCondLst>
-                                    <p:cond delay="0"/>
-                                  </p:stCondLst>
-                                  <p:childTnLst>
-                                    <p:set>
-                                      <p:cBhvr>
-                                        <p:cTn id="16" dur="1" fill="hold">
-                                          <p:stCondLst>
-                                            <p:cond delay="0"/>
-                                          </p:stCondLst>
-                                        </p:cTn>
-                                        <p:tgtEl>
-                                          <p:spTgt spid="2">
-                                            <p:txEl>
-                                              <p:pRg st="5" end="5"/>
-                                            </p:txEl>
-                                          </p:spTgt>
-                                        </p:tgtEl>
-                                        <p:attrNameLst>
-                                          <p:attrName>style.visibility</p:attrName>
-                                        </p:attrNameLst>
-                                      </p:cBhvr>
-                                      <p:to>
-                                        <p:strVal val="visible"/>
-                                      </p:to>
-                                    </p:set>
-                                  </p:childTnLst>
-                                </p:cTn>
-                              </p:par>
-                              <p:par>
-                                <p:cTn id="17" presetID="1" presetClass="entr" presetSubtype="0" fill="hold" grpId="0" nodeType="withEffect">
-                                  <p:stCondLst>
-                                    <p:cond delay="0"/>
-                                  </p:stCondLst>
-                                  <p:childTnLst>
-                                    <p:set>
-                                      <p:cBhvr>
-                                        <p:cTn id="18" dur="1" fill="hold">
-                                          <p:stCondLst>
-                                            <p:cond delay="0"/>
-                                          </p:stCondLst>
-                                        </p:cTn>
-                                        <p:tgtEl>
-                                          <p:spTgt spid="2">
-                                            <p:txEl>
-                                              <p:pRg st="6" end="6"/>
-                                            </p:txEl>
-                                          </p:spTgt>
-                                        </p:tgtEl>
-                                        <p:attrNameLst>
-                                          <p:attrName>style.visibility</p:attrName>
-                                        </p:attrNameLst>
-                                      </p:cBhvr>
-                                      <p:to>
-                                        <p:strVal val="visible"/>
-                                      </p:to>
-                                    </p:set>
-                                  </p:childTnLst>
-                                </p:cTn>
-                              </p:par>
-                              <p:par>
-                                <p:cTn id="19" presetID="1" presetClass="entr" presetSubtype="0" fill="hold" grpId="0" nodeType="withEffect">
-                                  <p:stCondLst>
-                                    <p:cond delay="0"/>
-                                  </p:stCondLst>
-                                  <p:childTnLst>
-                                    <p:set>
-                                      <p:cBhvr>
-                                        <p:cTn id="20" dur="1" fill="hold">
-                                          <p:stCondLst>
-                                            <p:cond delay="0"/>
-                                          </p:stCondLst>
-                                        </p:cTn>
-                                        <p:tgtEl>
-                                          <p:spTgt spid="2">
-                                            <p:txEl>
-                                              <p:pRg st="7" end="7"/>
-                                            </p:txEl>
-                                          </p:spTgt>
-                                        </p:tgtEl>
-                                        <p:attrNameLst>
-                                          <p:attrName>style.visibility</p:attrName>
-                                        </p:attrNameLst>
-                                      </p:cBhvr>
-                                      <p:to>
-                                        <p:strVal val="visible"/>
-                                      </p:to>
-                                    </p:set>
-                                  </p:childTnLst>
-                                </p:cTn>
-                              </p:par>
-                            </p:childTnLst>
-                          </p:cTn>
-                        </p:par>
-                      </p:childTnLst>
-                    </p:cTn>
-                  </p:par>
                 </p:childTnLst>
               </p:cTn>
               <p:prevCondLst>
@@ -9624,61 +7692,17 @@
           </a:bodyPr>
           <a:lstStyle/>
           <a:p>
-            <a:r>
-              <a:rPr lang="en-US" sz="2300" dirty="0"/>
-              <a:t>Open-source tool created by </a:t>
-            </a:r>
-            <a:r>
-              <a:rPr lang="en-US" sz="2300" dirty="0" err="1"/>
-              <a:t>Zalando</a:t>
-            </a:r>
-            <a:r>
-              <a:rPr lang="en-US" sz="2300" dirty="0"/>
-              <a:t> in 2017.</a:t>
-            </a:r>
-          </a:p>
-          <a:p>
-            <a:r>
-              <a:rPr lang="en-US" sz="2300" dirty="0"/>
-              <a:t>Allows you to create a dynamic, on-demand docker-selenium instances within seconds.</a:t>
-            </a:r>
-          </a:p>
-          <a:p>
-            <a:r>
-              <a:rPr lang="en-US" sz="2300" dirty="0"/>
-              <a:t>Can be run out of the box using Docker and Kubernetes. It can be run on most cloud providers.</a:t>
-            </a:r>
-          </a:p>
-          <a:p>
-            <a:r>
-              <a:rPr lang="en-US" sz="2300" dirty="0"/>
-              <a:t>Based on ‘docker-selenium’ so tests can be run in Firefox and Chrome.</a:t>
-            </a:r>
-          </a:p>
-          <a:p>
-            <a:r>
-              <a:rPr lang="en-US" sz="2300" dirty="0"/>
-              <a:t>Auto-scales during run-time and deletes nodes after tests are finished.</a:t>
-            </a:r>
-          </a:p>
-          <a:p>
-            <a:r>
-              <a:rPr lang="en-US" sz="2300" dirty="0"/>
-              <a:t>Simple to set up and run.</a:t>
-            </a:r>
-          </a:p>
-          <a:p>
-            <a:r>
-              <a:rPr lang="en-US" sz="2300" dirty="0"/>
-              <a:t>Tests can be run on other cloud testing platforms.</a:t>
-            </a:r>
-          </a:p>
-          <a:p>
             <a:pPr marL="0" indent="0">
               <a:buNone/>
             </a:pPr>
             <a:endParaRPr lang="en-US" sz="2300" dirty="0"/>
           </a:p>
+          <a:p>
+            <a:pPr marL="0" indent="0">
+              <a:buNone/>
+            </a:pPr>
+            <a:endParaRPr lang="en-US" sz="2300" dirty="0"/>
+          </a:p>
         </p:txBody>
       </p:sp>
       <p:sp>
@@ -9691,18 +7715,19 @@
             <p:ph type="ftr" sz="quarter" idx="3"/>
           </p:nvPr>
         </p:nvSpPr>
-        <p:spPr/>
+        <p:spPr>
+          <a:xfrm>
+            <a:off x="3124200" y="6356351"/>
+            <a:ext cx="2895600" cy="365125"/>
+          </a:xfrm>
+        </p:spPr>
         <p:txBody>
           <a:bodyPr/>
           <a:lstStyle/>
           <a:p>
             <a:r>
-              <a:rPr lang="en-GB" sz="1600" dirty="0"/>
-              <a:t>#</a:t>
-            </a:r>
-            <a:r>
-              <a:rPr lang="en-GB" sz="1600" dirty="0" err="1"/>
-              <a:t>DevOpsPlayground</a:t>
+              <a:rPr lang="en-GB" sz="1600"/>
+              <a:t>#DevOpsPlayground</a:t>
             </a:r>
             <a:endParaRPr lang="en-GB" sz="1600" dirty="0"/>
           </a:p>
@@ -9738,18 +7763,168 @@
                 <a:latin typeface="Arial" panose="020B0604020202020204" pitchFamily="34" charset="0"/>
                 <a:cs typeface="Arial" panose="020B0604020202020204" pitchFamily="34" charset="0"/>
               </a:rPr>
-              <a:t>What is </a:t>
-            </a:r>
-            <a:r>
-              <a:rPr lang="en-GB" sz="2800" dirty="0" err="1">
-                <a:solidFill>
-                  <a:srgbClr val="0070B7"/>
-                </a:solidFill>
-                <a:latin typeface="Arial" panose="020B0604020202020204" pitchFamily="34" charset="0"/>
-                <a:cs typeface="Arial" panose="020B0604020202020204" pitchFamily="34" charset="0"/>
-              </a:rPr>
-              <a:t>Zalenium</a:t>
-            </a:r>
+              <a:t>Test Code</a:t>
+            </a:r>
+          </a:p>
+        </p:txBody>
+      </p:sp>
+    </p:spTree>
+    <p:extLst>
+      <p:ext uri="{BB962C8B-B14F-4D97-AF65-F5344CB8AC3E}">
+        <p14:creationId xmlns:p14="http://schemas.microsoft.com/office/powerpoint/2010/main" val="423809741"/>
+      </p:ext>
+    </p:extLst>
+  </p:cSld>
+  <p:clrMapOvr>
+    <a:masterClrMapping/>
+  </p:clrMapOvr>
+</p:sld>
+</file>
+
+<file path=ppt/slides/slide8.xml><?xml version="1.0" encoding="utf-8"?>
+<p:sld xmlns:a="http://schemas.openxmlformats.org/drawingml/2006/main" xmlns:r="http://schemas.openxmlformats.org/officeDocument/2006/relationships" xmlns:p="http://schemas.openxmlformats.org/presentationml/2006/main">
+  <p:cSld>
+    <p:spTree>
+      <p:nvGrpSpPr>
+        <p:cNvPr id="1" name=""/>
+        <p:cNvGrpSpPr/>
+        <p:nvPr/>
+      </p:nvGrpSpPr>
+      <p:grpSpPr>
+        <a:xfrm>
+          <a:off x="0" y="0"/>
+          <a:ext cx="0" cy="0"/>
+          <a:chOff x="0" y="0"/>
+          <a:chExt cx="0" cy="0"/>
+        </a:xfrm>
+      </p:grpSpPr>
+      <p:sp>
+        <p:nvSpPr>
+          <p:cNvPr id="2" name="Content Placeholder 1"/>
+          <p:cNvSpPr>
+            <a:spLocks noGrp="1"/>
+          </p:cNvSpPr>
+          <p:nvPr>
+            <p:ph idx="1"/>
+          </p:nvPr>
+        </p:nvSpPr>
+        <p:spPr>
+          <a:xfrm>
+            <a:off x="611560" y="1600201"/>
+            <a:ext cx="7920880" cy="4525963"/>
+          </a:xfrm>
+        </p:spPr>
+        <p:txBody>
+          <a:bodyPr>
+            <a:noAutofit/>
+          </a:bodyPr>
+          <a:lstStyle/>
+          <a:p>
+            <a:r>
+              <a:rPr lang="en-US" sz="2300" dirty="0"/>
+              <a:t>Jenkins Pipeline is a plugin which allows us to implement a continuous delivery (CD) pipeline.</a:t>
+            </a:r>
+          </a:p>
+          <a:p>
+            <a:r>
+              <a:rPr lang="en-US" sz="2300" dirty="0"/>
+              <a:t>Pipeline provides us with a set of tools to write CD pipelines as code using a Pipeline syntax.</a:t>
+            </a:r>
+          </a:p>
+          <a:p>
+            <a:r>
+              <a:rPr lang="en-US" sz="2300" dirty="0"/>
+              <a:t>Pipeline script can be put into version control by using a ‘</a:t>
+            </a:r>
+            <a:r>
+              <a:rPr lang="en-US" sz="2300" dirty="0" err="1"/>
+              <a:t>Jenkinsfile</a:t>
+            </a:r>
+            <a:r>
+              <a:rPr lang="en-US" sz="2300" dirty="0"/>
+              <a:t>’ – better practice.</a:t>
+            </a:r>
+          </a:p>
+          <a:p>
+            <a:pPr lvl="1"/>
+            <a:r>
+              <a:rPr lang="en-US" sz="2300" dirty="0"/>
+              <a:t>Allows for code review for Pipeline process.</a:t>
+            </a:r>
+          </a:p>
+          <a:p>
+            <a:pPr lvl="1"/>
+            <a:r>
+              <a:rPr lang="en-US" sz="2300" dirty="0"/>
+              <a:t>Provides an audit trail.</a:t>
+            </a:r>
+          </a:p>
+          <a:p>
+            <a:pPr lvl="1"/>
+            <a:r>
+              <a:rPr lang="en-US" sz="2300" dirty="0"/>
+              <a:t>All branches/pull requests have a Pipeline build process.</a:t>
+            </a:r>
+          </a:p>
+          <a:p>
+            <a:pPr lvl="1"/>
+            <a:endParaRPr lang="en-US" sz="2300" dirty="0"/>
+          </a:p>
+          <a:p>
+            <a:endParaRPr lang="en-US" sz="2300" dirty="0"/>
+          </a:p>
+        </p:txBody>
+      </p:sp>
+      <p:sp>
+        <p:nvSpPr>
+          <p:cNvPr id="3" name="Footer Placeholder 2"/>
+          <p:cNvSpPr>
+            <a:spLocks noGrp="1"/>
+          </p:cNvSpPr>
+          <p:nvPr>
+            <p:ph type="ftr" sz="quarter" idx="3"/>
+          </p:nvPr>
+        </p:nvSpPr>
+        <p:spPr>
+          <a:xfrm>
+            <a:off x="3124200" y="6356351"/>
+            <a:ext cx="2895600" cy="365125"/>
+          </a:xfrm>
+        </p:spPr>
+        <p:txBody>
+          <a:bodyPr/>
+          <a:lstStyle/>
+          <a:p>
+            <a:r>
+              <a:rPr lang="en-GB" sz="1600"/>
+              <a:t>#DevOpsPlayground</a:t>
+            </a:r>
+            <a:endParaRPr lang="en-GB" sz="1600" dirty="0"/>
+          </a:p>
+        </p:txBody>
+      </p:sp>
+      <p:sp>
+        <p:nvSpPr>
+          <p:cNvPr id="4" name="TextBox 3"/>
+          <p:cNvSpPr txBox="1"/>
+          <p:nvPr/>
+        </p:nvSpPr>
+        <p:spPr>
+          <a:xfrm>
+            <a:off x="611560" y="692696"/>
+            <a:ext cx="7920880" cy="523220"/>
+          </a:xfrm>
+          <a:prstGeom prst="rect">
+            <a:avLst/>
+          </a:prstGeom>
+          <a:noFill/>
+        </p:spPr>
+        <p:txBody>
+          <a:bodyPr wrap="square" rtlCol="0">
+            <a:spAutoFit/>
+          </a:bodyPr>
+          <a:lstStyle/>
+          <a:p>
             <a:r>
               <a:rPr lang="en-GB" sz="2800" dirty="0">
                 <a:solidFill>
@@ -9758,7 +7933,7 @@
                 <a:latin typeface="Arial" panose="020B0604020202020204" pitchFamily="34" charset="0"/>
                 <a:cs typeface="Arial" panose="020B0604020202020204" pitchFamily="34" charset="0"/>
               </a:rPr>
-              <a:t>?</a:t>
+              <a:t>Jenkins Pipeline</a:t>
             </a:r>
           </a:p>
         </p:txBody>
@@ -9768,7 +7943,7 @@
           <p:cNvPr id="6" name="Picture 5">
             <a:extLst>
               <a:ext uri="{FF2B5EF4-FFF2-40B4-BE49-F238E27FC236}">
-                <a16:creationId xmlns:a16="http://schemas.microsoft.com/office/drawing/2014/main" id="{77370321-58F0-1544-9EDF-BF6AB3D64224}"/>
+                <a16:creationId xmlns:a16="http://schemas.microsoft.com/office/drawing/2014/main" id="{6ED58919-6A29-3345-9C23-AFD4A5775CFA}"/>
               </a:ext>
             </a:extLst>
           </p:cNvPr>
@@ -9791,8 +7966,8 @@
         </p:blipFill>
         <p:spPr>
           <a:xfrm>
-            <a:off x="3779912" y="95855"/>
-            <a:ext cx="2616200" cy="1120061"/>
+            <a:off x="4393670" y="-137717"/>
+            <a:ext cx="1541692" cy="1541692"/>
           </a:xfrm>
           <a:prstGeom prst="rect">
             <a:avLst/>
@@ -9802,881 +7977,13 @@
     </p:spTree>
     <p:extLst>
       <p:ext uri="{BB962C8B-B14F-4D97-AF65-F5344CB8AC3E}">
-        <p14:creationId xmlns:p14="http://schemas.microsoft.com/office/powerpoint/2010/main" val="1437738720"/>
+        <p14:creationId xmlns:p14="http://schemas.microsoft.com/office/powerpoint/2010/main" val="180493539"/>
       </p:ext>
     </p:extLst>
   </p:cSld>
   <p:clrMapOvr>
     <a:masterClrMapping/>
   </p:clrMapOvr>
-  <p:timing>
-    <p:tnLst>
-      <p:par>
-        <p:cTn id="1" dur="indefinite" restart="never" nodeType="tmRoot">
-          <p:childTnLst>
-            <p:seq concurrent="1" nextAc="seek">
-              <p:cTn id="2" dur="indefinite" nodeType="mainSeq">
-                <p:childTnLst>
-                  <p:par>
-                    <p:cTn id="3" fill="hold">
-                      <p:stCondLst>
-                        <p:cond delay="indefinite"/>
-                      </p:stCondLst>
-                      <p:childTnLst>
-                        <p:par>
-                          <p:cTn id="4" fill="hold">
-                            <p:stCondLst>
-                              <p:cond delay="0"/>
-                            </p:stCondLst>
-                            <p:childTnLst>
-                              <p:par>
-                                <p:cTn id="5" presetID="1" presetClass="entr" presetSubtype="0" fill="hold" grpId="0" nodeType="clickEffect">
-                                  <p:stCondLst>
-                                    <p:cond delay="0"/>
-                                  </p:stCondLst>
-                                  <p:childTnLst>
-                                    <p:set>
-                                      <p:cBhvr>
-                                        <p:cTn id="6" dur="1" fill="hold">
-                                          <p:stCondLst>
-                                            <p:cond delay="0"/>
-                                          </p:stCondLst>
-                                        </p:cTn>
-                                        <p:tgtEl>
-                                          <p:spTgt spid="2">
-                                            <p:txEl>
-                                              <p:pRg st="0" end="0"/>
-                                            </p:txEl>
-                                          </p:spTgt>
-                                        </p:tgtEl>
-                                        <p:attrNameLst>
-                                          <p:attrName>style.visibility</p:attrName>
-                                        </p:attrNameLst>
-                                      </p:cBhvr>
-                                      <p:to>
-                                        <p:strVal val="visible"/>
-                                      </p:to>
-                                    </p:set>
-                                  </p:childTnLst>
-                                </p:cTn>
-                              </p:par>
-                            </p:childTnLst>
-                          </p:cTn>
-                        </p:par>
-                      </p:childTnLst>
-                    </p:cTn>
-                  </p:par>
-                  <p:par>
-                    <p:cTn id="7" fill="hold">
-                      <p:stCondLst>
-                        <p:cond delay="indefinite"/>
-                      </p:stCondLst>
-                      <p:childTnLst>
-                        <p:par>
-                          <p:cTn id="8" fill="hold">
-                            <p:stCondLst>
-                              <p:cond delay="0"/>
-                            </p:stCondLst>
-                            <p:childTnLst>
-                              <p:par>
-                                <p:cTn id="9" presetID="1" presetClass="entr" presetSubtype="0" fill="hold" grpId="0" nodeType="clickEffect">
-                                  <p:stCondLst>
-                                    <p:cond delay="0"/>
-                                  </p:stCondLst>
-                                  <p:childTnLst>
-                                    <p:set>
-                                      <p:cBhvr>
-                                        <p:cTn id="10" dur="1" fill="hold">
-                                          <p:stCondLst>
-                                            <p:cond delay="0"/>
-                                          </p:stCondLst>
-                                        </p:cTn>
-                                        <p:tgtEl>
-                                          <p:spTgt spid="2">
-                                            <p:txEl>
-                                              <p:pRg st="1" end="1"/>
-                                            </p:txEl>
-                                          </p:spTgt>
-                                        </p:tgtEl>
-                                        <p:attrNameLst>
-                                          <p:attrName>style.visibility</p:attrName>
-                                        </p:attrNameLst>
-                                      </p:cBhvr>
-                                      <p:to>
-                                        <p:strVal val="visible"/>
-                                      </p:to>
-                                    </p:set>
-                                  </p:childTnLst>
-                                </p:cTn>
-                              </p:par>
-                            </p:childTnLst>
-                          </p:cTn>
-                        </p:par>
-                      </p:childTnLst>
-                    </p:cTn>
-                  </p:par>
-                  <p:par>
-                    <p:cTn id="11" fill="hold">
-                      <p:stCondLst>
-                        <p:cond delay="indefinite"/>
-                      </p:stCondLst>
-                      <p:childTnLst>
-                        <p:par>
-                          <p:cTn id="12" fill="hold">
-                            <p:stCondLst>
-                              <p:cond delay="0"/>
-                            </p:stCondLst>
-                            <p:childTnLst>
-                              <p:par>
-                                <p:cTn id="13" presetID="1" presetClass="entr" presetSubtype="0" fill="hold" grpId="0" nodeType="clickEffect">
-                                  <p:stCondLst>
-                                    <p:cond delay="0"/>
-                                  </p:stCondLst>
-                                  <p:childTnLst>
-                                    <p:set>
-                                      <p:cBhvr>
-                                        <p:cTn id="14" dur="1" fill="hold">
-                                          <p:stCondLst>
-                                            <p:cond delay="0"/>
-                                          </p:stCondLst>
-                                        </p:cTn>
-                                        <p:tgtEl>
-                                          <p:spTgt spid="2">
-                                            <p:txEl>
-                                              <p:pRg st="2" end="2"/>
-                                            </p:txEl>
-                                          </p:spTgt>
-                                        </p:tgtEl>
-                                        <p:attrNameLst>
-                                          <p:attrName>style.visibility</p:attrName>
-                                        </p:attrNameLst>
-                                      </p:cBhvr>
-                                      <p:to>
-                                        <p:strVal val="visible"/>
-                                      </p:to>
-                                    </p:set>
-                                  </p:childTnLst>
-                                </p:cTn>
-                              </p:par>
-                            </p:childTnLst>
-                          </p:cTn>
-                        </p:par>
-                      </p:childTnLst>
-                    </p:cTn>
-                  </p:par>
-                  <p:par>
-                    <p:cTn id="15" fill="hold">
-                      <p:stCondLst>
-                        <p:cond delay="indefinite"/>
-                      </p:stCondLst>
-                      <p:childTnLst>
-                        <p:par>
-                          <p:cTn id="16" fill="hold">
-                            <p:stCondLst>
-                              <p:cond delay="0"/>
-                            </p:stCondLst>
-                            <p:childTnLst>
-                              <p:par>
-                                <p:cTn id="17" presetID="1" presetClass="entr" presetSubtype="0" fill="hold" grpId="0" nodeType="clickEffect">
-                                  <p:stCondLst>
-                                    <p:cond delay="0"/>
-                                  </p:stCondLst>
-                                  <p:childTnLst>
-                                    <p:set>
-                                      <p:cBhvr>
-                                        <p:cTn id="18" dur="1" fill="hold">
-                                          <p:stCondLst>
-                                            <p:cond delay="0"/>
-                                          </p:stCondLst>
-                                        </p:cTn>
-                                        <p:tgtEl>
-                                          <p:spTgt spid="2">
-                                            <p:txEl>
-                                              <p:pRg st="3" end="3"/>
-                                            </p:txEl>
-                                          </p:spTgt>
-                                        </p:tgtEl>
-                                        <p:attrNameLst>
-                                          <p:attrName>style.visibility</p:attrName>
-                                        </p:attrNameLst>
-                                      </p:cBhvr>
-                                      <p:to>
-                                        <p:strVal val="visible"/>
-                                      </p:to>
-                                    </p:set>
-                                  </p:childTnLst>
-                                </p:cTn>
-                              </p:par>
-                            </p:childTnLst>
-                          </p:cTn>
-                        </p:par>
-                      </p:childTnLst>
-                    </p:cTn>
-                  </p:par>
-                  <p:par>
-                    <p:cTn id="19" fill="hold">
-                      <p:stCondLst>
-                        <p:cond delay="indefinite"/>
-                      </p:stCondLst>
-                      <p:childTnLst>
-                        <p:par>
-                          <p:cTn id="20" fill="hold">
-                            <p:stCondLst>
-                              <p:cond delay="0"/>
-                            </p:stCondLst>
-                            <p:childTnLst>
-                              <p:par>
-                                <p:cTn id="21" presetID="1" presetClass="entr" presetSubtype="0" fill="hold" grpId="0" nodeType="clickEffect">
-                                  <p:stCondLst>
-                                    <p:cond delay="0"/>
-                                  </p:stCondLst>
-                                  <p:childTnLst>
-                                    <p:set>
-                                      <p:cBhvr>
-                                        <p:cTn id="22" dur="1" fill="hold">
-                                          <p:stCondLst>
-                                            <p:cond delay="0"/>
-                                          </p:stCondLst>
-                                        </p:cTn>
-                                        <p:tgtEl>
-                                          <p:spTgt spid="2">
-                                            <p:txEl>
-                                              <p:pRg st="4" end="4"/>
-                                            </p:txEl>
-                                          </p:spTgt>
-                                        </p:tgtEl>
-                                        <p:attrNameLst>
-                                          <p:attrName>style.visibility</p:attrName>
-                                        </p:attrNameLst>
-                                      </p:cBhvr>
-                                      <p:to>
-                                        <p:strVal val="visible"/>
-                                      </p:to>
-                                    </p:set>
-                                  </p:childTnLst>
-                                </p:cTn>
-                              </p:par>
-                            </p:childTnLst>
-                          </p:cTn>
-                        </p:par>
-                      </p:childTnLst>
-                    </p:cTn>
-                  </p:par>
-                  <p:par>
-                    <p:cTn id="23" fill="hold">
-                      <p:stCondLst>
-                        <p:cond delay="indefinite"/>
-                      </p:stCondLst>
-                      <p:childTnLst>
-                        <p:par>
-                          <p:cTn id="24" fill="hold">
-                            <p:stCondLst>
-                              <p:cond delay="0"/>
-                            </p:stCondLst>
-                            <p:childTnLst>
-                              <p:par>
-                                <p:cTn id="25" presetID="1" presetClass="entr" presetSubtype="0" fill="hold" grpId="0" nodeType="clickEffect">
-                                  <p:stCondLst>
-                                    <p:cond delay="0"/>
-                                  </p:stCondLst>
-                                  <p:childTnLst>
-                                    <p:set>
-                                      <p:cBhvr>
-                                        <p:cTn id="26" dur="1" fill="hold">
-                                          <p:stCondLst>
-                                            <p:cond delay="0"/>
-                                          </p:stCondLst>
-                                        </p:cTn>
-                                        <p:tgtEl>
-                                          <p:spTgt spid="2">
-                                            <p:txEl>
-                                              <p:pRg st="5" end="5"/>
-                                            </p:txEl>
-                                          </p:spTgt>
-                                        </p:tgtEl>
-                                        <p:attrNameLst>
-                                          <p:attrName>style.visibility</p:attrName>
-                                        </p:attrNameLst>
-                                      </p:cBhvr>
-                                      <p:to>
-                                        <p:strVal val="visible"/>
-                                      </p:to>
-                                    </p:set>
-                                  </p:childTnLst>
-                                </p:cTn>
-                              </p:par>
-                            </p:childTnLst>
-                          </p:cTn>
-                        </p:par>
-                      </p:childTnLst>
-                    </p:cTn>
-                  </p:par>
-                  <p:par>
-                    <p:cTn id="27" fill="hold">
-                      <p:stCondLst>
-                        <p:cond delay="indefinite"/>
-                      </p:stCondLst>
-                      <p:childTnLst>
-                        <p:par>
-                          <p:cTn id="28" fill="hold">
-                            <p:stCondLst>
-                              <p:cond delay="0"/>
-                            </p:stCondLst>
-                            <p:childTnLst>
-                              <p:par>
-                                <p:cTn id="29" presetID="1" presetClass="entr" presetSubtype="0" fill="hold" grpId="0" nodeType="clickEffect">
-                                  <p:stCondLst>
-                                    <p:cond delay="0"/>
-                                  </p:stCondLst>
-                                  <p:childTnLst>
-                                    <p:set>
-                                      <p:cBhvr>
-                                        <p:cTn id="30" dur="1" fill="hold">
-                                          <p:stCondLst>
-                                            <p:cond delay="0"/>
-                                          </p:stCondLst>
-                                        </p:cTn>
-                                        <p:tgtEl>
-                                          <p:spTgt spid="2">
-                                            <p:txEl>
-                                              <p:pRg st="6" end="6"/>
-                                            </p:txEl>
-                                          </p:spTgt>
-                                        </p:tgtEl>
-                                        <p:attrNameLst>
-                                          <p:attrName>style.visibility</p:attrName>
-                                        </p:attrNameLst>
-                                      </p:cBhvr>
-                                      <p:to>
-                                        <p:strVal val="visible"/>
-                                      </p:to>
-                                    </p:set>
-                                  </p:childTnLst>
-                                </p:cTn>
-                              </p:par>
-                            </p:childTnLst>
-                          </p:cTn>
-                        </p:par>
-                      </p:childTnLst>
-                    </p:cTn>
-                  </p:par>
-                </p:childTnLst>
-              </p:cTn>
-              <p:prevCondLst>
-                <p:cond evt="onPrev" delay="0">
-                  <p:tgtEl>
-                    <p:sldTgt/>
-                  </p:tgtEl>
-                </p:cond>
-              </p:prevCondLst>
-              <p:nextCondLst>
-                <p:cond evt="onNext" delay="0">
-                  <p:tgtEl>
-                    <p:sldTgt/>
-                  </p:tgtEl>
-                </p:cond>
-              </p:nextCondLst>
-            </p:seq>
-          </p:childTnLst>
-        </p:cTn>
-      </p:par>
-    </p:tnLst>
-    <p:bldLst>
-      <p:bldP spid="2" grpId="0" build="p"/>
-    </p:bldLst>
-  </p:timing>
-</p:sld>
-</file>
-
-<file path=ppt/slides/slide8.xml><?xml version="1.0" encoding="utf-8"?>
-<p:sld xmlns:a="http://schemas.openxmlformats.org/drawingml/2006/main" xmlns:r="http://schemas.openxmlformats.org/officeDocument/2006/relationships" xmlns:p="http://schemas.openxmlformats.org/presentationml/2006/main">
-  <p:cSld>
-    <p:spTree>
-      <p:nvGrpSpPr>
-        <p:cNvPr id="1" name=""/>
-        <p:cNvGrpSpPr/>
-        <p:nvPr/>
-      </p:nvGrpSpPr>
-      <p:grpSpPr>
-        <a:xfrm>
-          <a:off x="0" y="0"/>
-          <a:ext cx="0" cy="0"/>
-          <a:chOff x="0" y="0"/>
-          <a:chExt cx="0" cy="0"/>
-        </a:xfrm>
-      </p:grpSpPr>
-      <p:sp>
-        <p:nvSpPr>
-          <p:cNvPr id="2" name="Content Placeholder 1"/>
-          <p:cNvSpPr>
-            <a:spLocks noGrp="1"/>
-          </p:cNvSpPr>
-          <p:nvPr>
-            <p:ph idx="1"/>
-          </p:nvPr>
-        </p:nvSpPr>
-        <p:spPr>
-          <a:xfrm>
-            <a:off x="611560" y="1600201"/>
-            <a:ext cx="7920880" cy="4525963"/>
-          </a:xfrm>
-        </p:spPr>
-        <p:txBody>
-          <a:bodyPr>
-            <a:noAutofit/>
-          </a:bodyPr>
-          <a:lstStyle/>
-          <a:p>
-            <a:r>
-              <a:rPr lang="en-US" sz="2300" dirty="0"/>
-              <a:t>Upon running the </a:t>
-            </a:r>
-            <a:r>
-              <a:rPr lang="en-US" sz="2300" dirty="0" err="1"/>
-              <a:t>Zalenium</a:t>
-            </a:r>
-            <a:r>
-              <a:rPr lang="en-US" sz="2300" dirty="0"/>
-              <a:t> start Docker command a Selenium Grid Hub is started.</a:t>
-            </a:r>
-          </a:p>
-          <a:p>
-            <a:r>
-              <a:rPr lang="en-US" sz="2300" dirty="0"/>
-              <a:t>A docker-selenium starter proxy then starts. This handles incoming requests.</a:t>
-            </a:r>
-          </a:p>
-          <a:p>
-            <a:r>
-              <a:rPr lang="en-US" sz="2300" dirty="0"/>
-              <a:t>A test request is sent to the Hub from the host machine.</a:t>
-            </a:r>
-          </a:p>
-          <a:p>
-            <a:r>
-              <a:rPr lang="en-US" sz="2300" dirty="0"/>
-              <a:t>docker-selenium proxy analyses the test and creates a new docker-selenium container which registers itself to the Hub.</a:t>
-            </a:r>
-          </a:p>
-          <a:p>
-            <a:r>
-              <a:rPr lang="en-US" sz="2300" dirty="0"/>
-              <a:t>The Hub then assigns a new test to the container where it is executed.</a:t>
-            </a:r>
-          </a:p>
-          <a:p>
-            <a:r>
-              <a:rPr lang="en-US" sz="2300" dirty="0"/>
-              <a:t>Once the test is complete, the node shuts down, and saves video files to a temporary location on the host machine.</a:t>
-            </a:r>
-          </a:p>
-          <a:p>
-            <a:pPr marL="0" indent="0">
-              <a:buNone/>
-            </a:pPr>
-            <a:endParaRPr lang="en-US" sz="2300" dirty="0"/>
-          </a:p>
-        </p:txBody>
-      </p:sp>
-      <p:sp>
-        <p:nvSpPr>
-          <p:cNvPr id="3" name="Footer Placeholder 2"/>
-          <p:cNvSpPr>
-            <a:spLocks noGrp="1"/>
-          </p:cNvSpPr>
-          <p:nvPr>
-            <p:ph type="ftr" sz="quarter" idx="3"/>
-          </p:nvPr>
-        </p:nvSpPr>
-        <p:spPr/>
-        <p:txBody>
-          <a:bodyPr/>
-          <a:lstStyle/>
-          <a:p>
-            <a:r>
-              <a:rPr lang="en-GB" sz="1600" dirty="0"/>
-              <a:t>#</a:t>
-            </a:r>
-            <a:r>
-              <a:rPr lang="en-GB" sz="1600" dirty="0" err="1"/>
-              <a:t>DevOpsPlayground</a:t>
-            </a:r>
-            <a:endParaRPr lang="en-GB" sz="1600" dirty="0"/>
-          </a:p>
-        </p:txBody>
-      </p:sp>
-      <p:sp>
-        <p:nvSpPr>
-          <p:cNvPr id="4" name="TextBox 3"/>
-          <p:cNvSpPr txBox="1"/>
-          <p:nvPr/>
-        </p:nvSpPr>
-        <p:spPr>
-          <a:xfrm>
-            <a:off x="611560" y="692696"/>
-            <a:ext cx="7920880" cy="523220"/>
-          </a:xfrm>
-          <a:prstGeom prst="rect">
-            <a:avLst/>
-          </a:prstGeom>
-          <a:noFill/>
-        </p:spPr>
-        <p:txBody>
-          <a:bodyPr wrap="square" rtlCol="0">
-            <a:spAutoFit/>
-          </a:bodyPr>
-          <a:lstStyle/>
-          <a:p>
-            <a:r>
-              <a:rPr lang="en-GB" sz="2800" dirty="0">
-                <a:solidFill>
-                  <a:srgbClr val="0070B7"/>
-                </a:solidFill>
-                <a:latin typeface="Arial" panose="020B0604020202020204" pitchFamily="34" charset="0"/>
-                <a:cs typeface="Arial" panose="020B0604020202020204" pitchFamily="34" charset="0"/>
-              </a:rPr>
-              <a:t>How it works</a:t>
-            </a:r>
-          </a:p>
-        </p:txBody>
-      </p:sp>
-    </p:spTree>
-    <p:extLst>
-      <p:ext uri="{BB962C8B-B14F-4D97-AF65-F5344CB8AC3E}">
-        <p14:creationId xmlns:p14="http://schemas.microsoft.com/office/powerpoint/2010/main" val="2596209834"/>
-      </p:ext>
-    </p:extLst>
-  </p:cSld>
-  <p:clrMapOvr>
-    <a:masterClrMapping/>
-  </p:clrMapOvr>
-  <p:timing>
-    <p:tnLst>
-      <p:par>
-        <p:cTn id="1" dur="indefinite" restart="never" nodeType="tmRoot">
-          <p:childTnLst>
-            <p:seq concurrent="1" nextAc="seek">
-              <p:cTn id="2" dur="indefinite" nodeType="mainSeq">
-                <p:childTnLst>
-                  <p:par>
-                    <p:cTn id="3" fill="hold">
-                      <p:stCondLst>
-                        <p:cond delay="indefinite"/>
-                      </p:stCondLst>
-                      <p:childTnLst>
-                        <p:par>
-                          <p:cTn id="4" fill="hold">
-                            <p:stCondLst>
-                              <p:cond delay="0"/>
-                            </p:stCondLst>
-                            <p:childTnLst>
-                              <p:par>
-                                <p:cTn id="5" presetID="1" presetClass="entr" presetSubtype="0" fill="hold" grpId="0" nodeType="clickEffect">
-                                  <p:stCondLst>
-                                    <p:cond delay="0"/>
-                                  </p:stCondLst>
-                                  <p:childTnLst>
-                                    <p:set>
-                                      <p:cBhvr>
-                                        <p:cTn id="6" dur="1" fill="hold">
-                                          <p:stCondLst>
-                                            <p:cond delay="0"/>
-                                          </p:stCondLst>
-                                        </p:cTn>
-                                        <p:tgtEl>
-                                          <p:spTgt spid="2">
-                                            <p:txEl>
-                                              <p:pRg st="0" end="0"/>
-                                            </p:txEl>
-                                          </p:spTgt>
-                                        </p:tgtEl>
-                                        <p:attrNameLst>
-                                          <p:attrName>style.visibility</p:attrName>
-                                        </p:attrNameLst>
-                                      </p:cBhvr>
-                                      <p:to>
-                                        <p:strVal val="visible"/>
-                                      </p:to>
-                                    </p:set>
-                                  </p:childTnLst>
-                                </p:cTn>
-                              </p:par>
-                            </p:childTnLst>
-                          </p:cTn>
-                        </p:par>
-                      </p:childTnLst>
-                    </p:cTn>
-                  </p:par>
-                  <p:par>
-                    <p:cTn id="7" fill="hold">
-                      <p:stCondLst>
-                        <p:cond delay="indefinite"/>
-                      </p:stCondLst>
-                      <p:childTnLst>
-                        <p:par>
-                          <p:cTn id="8" fill="hold">
-                            <p:stCondLst>
-                              <p:cond delay="0"/>
-                            </p:stCondLst>
-                            <p:childTnLst>
-                              <p:par>
-                                <p:cTn id="9" presetID="1" presetClass="entr" presetSubtype="0" fill="hold" grpId="0" nodeType="clickEffect">
-                                  <p:stCondLst>
-                                    <p:cond delay="0"/>
-                                  </p:stCondLst>
-                                  <p:childTnLst>
-                                    <p:set>
-                                      <p:cBhvr>
-                                        <p:cTn id="10" dur="1" fill="hold">
-                                          <p:stCondLst>
-                                            <p:cond delay="0"/>
-                                          </p:stCondLst>
-                                        </p:cTn>
-                                        <p:tgtEl>
-                                          <p:spTgt spid="2">
-                                            <p:txEl>
-                                              <p:pRg st="1" end="1"/>
-                                            </p:txEl>
-                                          </p:spTgt>
-                                        </p:tgtEl>
-                                        <p:attrNameLst>
-                                          <p:attrName>style.visibility</p:attrName>
-                                        </p:attrNameLst>
-                                      </p:cBhvr>
-                                      <p:to>
-                                        <p:strVal val="visible"/>
-                                      </p:to>
-                                    </p:set>
-                                  </p:childTnLst>
-                                </p:cTn>
-                              </p:par>
-                            </p:childTnLst>
-                          </p:cTn>
-                        </p:par>
-                      </p:childTnLst>
-                    </p:cTn>
-                  </p:par>
-                  <p:par>
-                    <p:cTn id="11" fill="hold">
-                      <p:stCondLst>
-                        <p:cond delay="indefinite"/>
-                      </p:stCondLst>
-                      <p:childTnLst>
-                        <p:par>
-                          <p:cTn id="12" fill="hold">
-                            <p:stCondLst>
-                              <p:cond delay="0"/>
-                            </p:stCondLst>
-                            <p:childTnLst>
-                              <p:par>
-                                <p:cTn id="13" presetID="1" presetClass="entr" presetSubtype="0" fill="hold" grpId="0" nodeType="clickEffect">
-                                  <p:stCondLst>
-                                    <p:cond delay="0"/>
-                                  </p:stCondLst>
-                                  <p:childTnLst>
-                                    <p:set>
-                                      <p:cBhvr>
-                                        <p:cTn id="14" dur="1" fill="hold">
-                                          <p:stCondLst>
-                                            <p:cond delay="0"/>
-                                          </p:stCondLst>
-                                        </p:cTn>
-                                        <p:tgtEl>
-                                          <p:spTgt spid="2">
-                                            <p:txEl>
-                                              <p:pRg st="2" end="2"/>
-                                            </p:txEl>
-                                          </p:spTgt>
-                                        </p:tgtEl>
-                                        <p:attrNameLst>
-                                          <p:attrName>style.visibility</p:attrName>
-                                        </p:attrNameLst>
-                                      </p:cBhvr>
-                                      <p:to>
-                                        <p:strVal val="visible"/>
-                                      </p:to>
-                                    </p:set>
-                                  </p:childTnLst>
-                                </p:cTn>
-                              </p:par>
-                            </p:childTnLst>
-                          </p:cTn>
-                        </p:par>
-                      </p:childTnLst>
-                    </p:cTn>
-                  </p:par>
-                  <p:par>
-                    <p:cTn id="15" fill="hold">
-                      <p:stCondLst>
-                        <p:cond delay="indefinite"/>
-                      </p:stCondLst>
-                      <p:childTnLst>
-                        <p:par>
-                          <p:cTn id="16" fill="hold">
-                            <p:stCondLst>
-                              <p:cond delay="0"/>
-                            </p:stCondLst>
-                            <p:childTnLst>
-                              <p:par>
-                                <p:cTn id="17" presetID="1" presetClass="entr" presetSubtype="0" fill="hold" grpId="0" nodeType="clickEffect">
-                                  <p:stCondLst>
-                                    <p:cond delay="0"/>
-                                  </p:stCondLst>
-                                  <p:childTnLst>
-                                    <p:set>
-                                      <p:cBhvr>
-                                        <p:cTn id="18" dur="1" fill="hold">
-                                          <p:stCondLst>
-                                            <p:cond delay="0"/>
-                                          </p:stCondLst>
-                                        </p:cTn>
-                                        <p:tgtEl>
-                                          <p:spTgt spid="2">
-                                            <p:txEl>
-                                              <p:pRg st="3" end="3"/>
-                                            </p:txEl>
-                                          </p:spTgt>
-                                        </p:tgtEl>
-                                        <p:attrNameLst>
-                                          <p:attrName>style.visibility</p:attrName>
-                                        </p:attrNameLst>
-                                      </p:cBhvr>
-                                      <p:to>
-                                        <p:strVal val="visible"/>
-                                      </p:to>
-                                    </p:set>
-                                  </p:childTnLst>
-                                </p:cTn>
-                              </p:par>
-                            </p:childTnLst>
-                          </p:cTn>
-                        </p:par>
-                      </p:childTnLst>
-                    </p:cTn>
-                  </p:par>
-                  <p:par>
-                    <p:cTn id="19" fill="hold">
-                      <p:stCondLst>
-                        <p:cond delay="indefinite"/>
-                      </p:stCondLst>
-                      <p:childTnLst>
-                        <p:par>
-                          <p:cTn id="20" fill="hold">
-                            <p:stCondLst>
-                              <p:cond delay="0"/>
-                            </p:stCondLst>
-                            <p:childTnLst>
-                              <p:par>
-                                <p:cTn id="21" presetID="1" presetClass="entr" presetSubtype="0" fill="hold" grpId="0" nodeType="clickEffect">
-                                  <p:stCondLst>
-                                    <p:cond delay="0"/>
-                                  </p:stCondLst>
-                                  <p:childTnLst>
-                                    <p:set>
-                                      <p:cBhvr>
-                                        <p:cTn id="22" dur="1" fill="hold">
-                                          <p:stCondLst>
-                                            <p:cond delay="0"/>
-                                          </p:stCondLst>
-                                        </p:cTn>
-                                        <p:tgtEl>
-                                          <p:spTgt spid="2">
-                                            <p:txEl>
-                                              <p:pRg st="4" end="4"/>
-                                            </p:txEl>
-                                          </p:spTgt>
-                                        </p:tgtEl>
-                                        <p:attrNameLst>
-                                          <p:attrName>style.visibility</p:attrName>
-                                        </p:attrNameLst>
-                                      </p:cBhvr>
-                                      <p:to>
-                                        <p:strVal val="visible"/>
-                                      </p:to>
-                                    </p:set>
-                                  </p:childTnLst>
-                                </p:cTn>
-                              </p:par>
-                            </p:childTnLst>
-                          </p:cTn>
-                        </p:par>
-                      </p:childTnLst>
-                    </p:cTn>
-                  </p:par>
-                  <p:par>
-                    <p:cTn id="23" fill="hold">
-                      <p:stCondLst>
-                        <p:cond delay="indefinite"/>
-                      </p:stCondLst>
-                      <p:childTnLst>
-                        <p:par>
-                          <p:cTn id="24" fill="hold">
-                            <p:stCondLst>
-                              <p:cond delay="0"/>
-                            </p:stCondLst>
-                            <p:childTnLst>
-                              <p:par>
-                                <p:cTn id="25" presetID="1" presetClass="entr" presetSubtype="0" fill="hold" grpId="0" nodeType="clickEffect">
-                                  <p:stCondLst>
-                                    <p:cond delay="0"/>
-                                  </p:stCondLst>
-                                  <p:childTnLst>
-                                    <p:set>
-                                      <p:cBhvr>
-                                        <p:cTn id="26" dur="1" fill="hold">
-                                          <p:stCondLst>
-                                            <p:cond delay="0"/>
-                                          </p:stCondLst>
-                                        </p:cTn>
-                                        <p:tgtEl>
-                                          <p:spTgt spid="2">
-                                            <p:txEl>
-                                              <p:pRg st="5" end="5"/>
-                                            </p:txEl>
-                                          </p:spTgt>
-                                        </p:tgtEl>
-                                        <p:attrNameLst>
-                                          <p:attrName>style.visibility</p:attrName>
-                                        </p:attrNameLst>
-                                      </p:cBhvr>
-                                      <p:to>
-                                        <p:strVal val="visible"/>
-                                      </p:to>
-                                    </p:set>
-                                  </p:childTnLst>
-                                </p:cTn>
-                              </p:par>
-                            </p:childTnLst>
-                          </p:cTn>
-                        </p:par>
-                      </p:childTnLst>
-                    </p:cTn>
-                  </p:par>
-                </p:childTnLst>
-              </p:cTn>
-              <p:prevCondLst>
-                <p:cond evt="onPrev" delay="0">
-                  <p:tgtEl>
-                    <p:sldTgt/>
-                  </p:tgtEl>
-                </p:cond>
-              </p:prevCondLst>
-              <p:nextCondLst>
-                <p:cond evt="onNext" delay="0">
-                  <p:tgtEl>
-                    <p:sldTgt/>
-                  </p:tgtEl>
-                </p:cond>
-              </p:nextCondLst>
-            </p:seq>
-          </p:childTnLst>
-        </p:cTn>
-      </p:par>
-    </p:tnLst>
-    <p:bldLst>
-      <p:bldP spid="2" grpId="0" build="p"/>
-    </p:bldLst>
-  </p:timing>
 </p:sld>
 </file>
 
@@ -10721,7 +8028,48 @@
           <a:p>
             <a:r>
               <a:rPr lang="en-US" sz="2300" dirty="0"/>
-              <a:t>If the Hub receives a test that docker-selenium is not compatible with (e.g. Safari, IE) then it will check for the availability of a cloud testing provider, where it will run the tests.</a:t>
+              <a:t>Pipeline adds a set of automation tools into Jenkins to execute powerful CI/CD pipelines.</a:t>
+            </a:r>
+          </a:p>
+          <a:p>
+            <a:endParaRPr lang="en-US" sz="2300" dirty="0"/>
+          </a:p>
+          <a:p>
+            <a:r>
+              <a:rPr lang="en-US" sz="2300" dirty="0"/>
+              <a:t>Implemented in </a:t>
+            </a:r>
+            <a:r>
+              <a:rPr lang="en-US" sz="2300" b="1" dirty="0"/>
+              <a:t>Code.</a:t>
+            </a:r>
+          </a:p>
+          <a:p>
+            <a:r>
+              <a:rPr lang="en-US" sz="2300" b="1" dirty="0"/>
+              <a:t>Durable.</a:t>
+            </a:r>
+          </a:p>
+          <a:p>
+            <a:r>
+              <a:rPr lang="en-US" sz="2300" b="1" dirty="0" err="1"/>
+              <a:t>Pausable</a:t>
+            </a:r>
+            <a:r>
+              <a:rPr lang="en-US" sz="2300" b="1" dirty="0"/>
+              <a:t>.</a:t>
+            </a:r>
+          </a:p>
+          <a:p>
+            <a:r>
+              <a:rPr lang="en-US" sz="2300" b="1" dirty="0"/>
+              <a:t>Versatile.</a:t>
+            </a:r>
+          </a:p>
+          <a:p>
+            <a:r>
+              <a:rPr lang="en-US" sz="2300" b="1" dirty="0"/>
+              <a:t>Extensible.</a:t>
             </a:r>
           </a:p>
         </p:txBody>
@@ -10736,18 +8084,19 @@
             <p:ph type="ftr" sz="quarter" idx="3"/>
           </p:nvPr>
         </p:nvSpPr>
-        <p:spPr/>
+        <p:spPr>
+          <a:xfrm>
+            <a:off x="3124200" y="6356351"/>
+            <a:ext cx="2895600" cy="365125"/>
+          </a:xfrm>
+        </p:spPr>
         <p:txBody>
           <a:bodyPr/>
           <a:lstStyle/>
           <a:p>
             <a:r>
-              <a:rPr lang="en-GB" sz="1600" dirty="0"/>
-              <a:t>#</a:t>
-            </a:r>
-            <a:r>
-              <a:rPr lang="en-GB" sz="1600" dirty="0" err="1"/>
-              <a:t>DevOpsPlayground</a:t>
+              <a:rPr lang="en-GB" sz="1600"/>
+              <a:t>#DevOpsPlayground</a:t>
             </a:r>
             <a:endParaRPr lang="en-GB" sz="1600" dirty="0"/>
           </a:p>
@@ -10783,103 +8132,57 @@
                 <a:latin typeface="Arial" panose="020B0604020202020204" pitchFamily="34" charset="0"/>
                 <a:cs typeface="Arial" panose="020B0604020202020204" pitchFamily="34" charset="0"/>
               </a:rPr>
-              <a:t>How it works</a:t>
-            </a:r>
-          </a:p>
-        </p:txBody>
-      </p:sp>
+              <a:t>Why Pipeline?</a:t>
+            </a:r>
+          </a:p>
+        </p:txBody>
+      </p:sp>
+      <p:pic>
+        <p:nvPicPr>
+          <p:cNvPr id="6" name="Picture 5">
+            <a:extLst>
+              <a:ext uri="{FF2B5EF4-FFF2-40B4-BE49-F238E27FC236}">
+                <a16:creationId xmlns:a16="http://schemas.microsoft.com/office/drawing/2014/main" id="{6ED58919-6A29-3345-9C23-AFD4A5775CFA}"/>
+              </a:ext>
+            </a:extLst>
+          </p:cNvPr>
+          <p:cNvPicPr>
+            <a:picLocks noChangeAspect="1"/>
+          </p:cNvPicPr>
+          <p:nvPr/>
+        </p:nvPicPr>
+        <p:blipFill>
+          <a:blip r:embed="rId3">
+            <a:extLst>
+              <a:ext uri="{28A0092B-C50C-407E-A947-70E740481C1C}">
+                <a14:useLocalDpi xmlns:a14="http://schemas.microsoft.com/office/drawing/2010/main" val="0"/>
+              </a:ext>
+            </a:extLst>
+          </a:blip>
+          <a:stretch>
+            <a:fillRect/>
+          </a:stretch>
+        </p:blipFill>
+        <p:spPr>
+          <a:xfrm>
+            <a:off x="4393670" y="-137717"/>
+            <a:ext cx="1541692" cy="1541692"/>
+          </a:xfrm>
+          <a:prstGeom prst="rect">
+            <a:avLst/>
+          </a:prstGeom>
+        </p:spPr>
+      </p:pic>
     </p:spTree>
     <p:extLst>
       <p:ext uri="{BB962C8B-B14F-4D97-AF65-F5344CB8AC3E}">
-        <p14:creationId xmlns:p14="http://schemas.microsoft.com/office/powerpoint/2010/main" val="3047678062"/>
+        <p14:creationId xmlns:p14="http://schemas.microsoft.com/office/powerpoint/2010/main" val="2812815337"/>
       </p:ext>
     </p:extLst>
   </p:cSld>
   <p:clrMapOvr>
     <a:masterClrMapping/>
   </p:clrMapOvr>
-  <p:timing>
-    <p:tnLst>
-      <p:par>
-        <p:cTn id="1" dur="indefinite" restart="never" nodeType="tmRoot">
-          <p:childTnLst>
-            <p:seq concurrent="1" nextAc="seek">
-              <p:cTn id="2" dur="indefinite" nodeType="mainSeq">
-                <p:childTnLst>
-                  <p:par>
-                    <p:cTn id="3" fill="hold">
-                      <p:stCondLst>
-                        <p:cond delay="indefinite"/>
-                      </p:stCondLst>
-                      <p:childTnLst>
-                        <p:par>
-                          <p:cTn id="4" fill="hold">
-                            <p:stCondLst>
-                              <p:cond delay="0"/>
-                            </p:stCondLst>
-                            <p:childTnLst>
-                              <p:par>
-                                <p:cTn id="5" presetID="1" presetClass="entr" presetSubtype="0" fill="hold" grpId="0" nodeType="clickEffect">
-                                  <p:stCondLst>
-                                    <p:cond delay="0"/>
-                                  </p:stCondLst>
-                                  <p:childTnLst>
-                                    <p:set>
-                                      <p:cBhvr>
-                                        <p:cTn id="6" dur="1" fill="hold">
-                                          <p:stCondLst>
-                                            <p:cond delay="0"/>
-                                          </p:stCondLst>
-                                        </p:cTn>
-                                        <p:tgtEl>
-                                          <p:spTgt spid="2">
-                                            <p:txEl>
-                                              <p:pRg st="0" end="0"/>
-                                            </p:txEl>
-                                          </p:spTgt>
-                                        </p:tgtEl>
-                                        <p:attrNameLst>
-                                          <p:attrName>style.visibility</p:attrName>
-                                        </p:attrNameLst>
-                                      </p:cBhvr>
-                                      <p:to>
-                                        <p:strVal val="visible"/>
-                                      </p:to>
-                                    </p:set>
-                                  </p:childTnLst>
-                                </p:cTn>
-                              </p:par>
-                            </p:childTnLst>
-                          </p:cTn>
-                        </p:par>
-                      </p:childTnLst>
-                    </p:cTn>
-                  </p:par>
-                </p:childTnLst>
-              </p:cTn>
-              <p:prevCondLst>
-                <p:cond evt="onPrev" delay="0">
-                  <p:tgtEl>
-                    <p:sldTgt/>
-                  </p:tgtEl>
-                </p:cond>
-              </p:prevCondLst>
-              <p:nextCondLst>
-                <p:cond evt="onNext" delay="0">
-                  <p:tgtEl>
-                    <p:sldTgt/>
-                  </p:tgtEl>
-                </p:cond>
-              </p:nextCondLst>
-            </p:seq>
-          </p:childTnLst>
-        </p:cTn>
-      </p:par>
-    </p:tnLst>
-    <p:bldLst>
-      <p:bldP spid="2" grpId="0" build="p"/>
-    </p:bldLst>
-  </p:timing>
 </p:sld>
 </file>
 
@@ -11715,6 +9018,12 @@
 </file>
 
 <file path=customXml/item1.xml><?xml version="1.0" encoding="utf-8"?>
+<p:properties xmlns:p="http://schemas.microsoft.com/office/2006/metadata/properties" xmlns:xsi="http://www.w3.org/2001/XMLSchema-instance" xmlns:pc="http://schemas.microsoft.com/office/infopath/2007/PartnerControls">
+  <documentManagement/>
+</p:properties>
+</file>
+
+<file path=customXml/item2.xml><?xml version="1.0" encoding="utf-8"?>
 <ct:contentTypeSchema xmlns:ct="http://schemas.microsoft.com/office/2006/metadata/contentType" xmlns:ma="http://schemas.microsoft.com/office/2006/metadata/properties/metaAttributes" ct:_="" ma:_="" ma:contentTypeName="Document" ma:contentTypeID="0x01010032568B525010F846862294E756626199" ma:contentTypeVersion="8" ma:contentTypeDescription="Create a new document." ma:contentTypeScope="" ma:versionID="8038f208134572231f45b2239c7ee116">
   <xsd:schema xmlns:xsd="http://www.w3.org/2001/XMLSchema" xmlns:xs="http://www.w3.org/2001/XMLSchema" xmlns:p="http://schemas.microsoft.com/office/2006/metadata/properties" xmlns:ns2="78610437-699c-4941-bf2e-0011b0af15d9" xmlns:ns3="c7ddc322-a81d-4d45-a8a3-b42cbb00bae7" targetNamespace="http://schemas.microsoft.com/office/2006/metadata/properties" ma:root="true" ma:fieldsID="3bc37508e70c0eb62c75259443266f33" ns2:_="" ns3:_="">
     <xsd:import namespace="78610437-699c-4941-bf2e-0011b0af15d9"/>
@@ -11905,12 +9214,6 @@
 </ct:contentTypeSchema>
 </file>
 
-<file path=customXml/item2.xml><?xml version="1.0" encoding="utf-8"?>
-<p:properties xmlns:p="http://schemas.microsoft.com/office/2006/metadata/properties" xmlns:xsi="http://www.w3.org/2001/XMLSchema-instance" xmlns:pc="http://schemas.microsoft.com/office/infopath/2007/PartnerControls">
-  <documentManagement/>
-</p:properties>
-</file>
-
 <file path=customXml/item3.xml><?xml version="1.0" encoding="utf-8"?>
 <?mso-contentType ?>
 <FormTemplates xmlns="http://schemas.microsoft.com/sharepoint/v3/contenttype/forms">
@@ -11921,6 +9224,23 @@
 </file>
 
 <file path=customXml/itemProps1.xml><?xml version="1.0" encoding="utf-8"?>
+<ds:datastoreItem xmlns:ds="http://schemas.openxmlformats.org/officeDocument/2006/customXml" ds:itemID="{5B5A310F-8172-420C-8B07-5B368A43E2DC}">
+  <ds:schemaRefs>
+    <ds:schemaRef ds:uri="http://www.w3.org/XML/1998/namespace"/>
+    <ds:schemaRef ds:uri="http://schemas.microsoft.com/office/2006/documentManagement/types"/>
+    <ds:schemaRef ds:uri="http://purl.org/dc/elements/1.1/"/>
+    <ds:schemaRef ds:uri="http://purl.org/dc/terms/"/>
+    <ds:schemaRef ds:uri="http://schemas.microsoft.com/office/2006/metadata/properties"/>
+    <ds:schemaRef ds:uri="http://schemas.openxmlformats.org/package/2006/metadata/core-properties"/>
+    <ds:schemaRef ds:uri="c7ddc322-a81d-4d45-a8a3-b42cbb00bae7"/>
+    <ds:schemaRef ds:uri="http://purl.org/dc/dcmitype/"/>
+    <ds:schemaRef ds:uri="http://schemas.microsoft.com/office/infopath/2007/PartnerControls"/>
+    <ds:schemaRef ds:uri="78610437-699c-4941-bf2e-0011b0af15d9"/>
+  </ds:schemaRefs>
+</ds:datastoreItem>
+</file>
+
+<file path=customXml/itemProps2.xml><?xml version="1.0" encoding="utf-8"?>
 <ds:datastoreItem xmlns:ds="http://schemas.openxmlformats.org/officeDocument/2006/customXml" ds:itemID="{130D9AEF-63DD-4286-96FE-CAAEA6D0A342}">
   <ds:schemaRefs>
     <ds:schemaRef ds:uri="http://schemas.microsoft.com/office/2006/metadata/contentType"/>
@@ -11939,23 +9259,6 @@
 </ds:datastoreItem>
 </file>
 
-<file path=customXml/itemProps2.xml><?xml version="1.0" encoding="utf-8"?>
-<ds:datastoreItem xmlns:ds="http://schemas.openxmlformats.org/officeDocument/2006/customXml" ds:itemID="{5B5A310F-8172-420C-8B07-5B368A43E2DC}">
-  <ds:schemaRefs>
-    <ds:schemaRef ds:uri="http://www.w3.org/XML/1998/namespace"/>
-    <ds:schemaRef ds:uri="http://schemas.microsoft.com/office/2006/documentManagement/types"/>
-    <ds:schemaRef ds:uri="http://purl.org/dc/elements/1.1/"/>
-    <ds:schemaRef ds:uri="http://purl.org/dc/terms/"/>
-    <ds:schemaRef ds:uri="http://schemas.microsoft.com/office/2006/metadata/properties"/>
-    <ds:schemaRef ds:uri="http://schemas.openxmlformats.org/package/2006/metadata/core-properties"/>
-    <ds:schemaRef ds:uri="c7ddc322-a81d-4d45-a8a3-b42cbb00bae7"/>
-    <ds:schemaRef ds:uri="http://purl.org/dc/dcmitype/"/>
-    <ds:schemaRef ds:uri="http://schemas.microsoft.com/office/infopath/2007/PartnerControls"/>
-    <ds:schemaRef ds:uri="78610437-699c-4941-bf2e-0011b0af15d9"/>
-  </ds:schemaRefs>
-</ds:datastoreItem>
-</file>
-
 <file path=customXml/itemProps3.xml><?xml version="1.0" encoding="utf-8"?>
 <ds:datastoreItem xmlns:ds="http://schemas.openxmlformats.org/officeDocument/2006/customXml" ds:itemID="{003B5CD9-841F-44FE-B239-F6092E6A3514}">
   <ds:schemaRefs>

--- a/ZaleniumJenkins.pptx
+++ b/ZaleniumJenkins.pptx
@@ -803,7 +803,10 @@
           <a:bodyPr/>
           <a:lstStyle/>
           <a:p>
-            <a:endParaRPr lang="en-US" dirty="0"/>
+            <a:r>
+              <a:rPr lang="en-US" dirty="0"/>
+              <a:t>Tonight’s Playground can be accessed using the link on this slide *make sure people have accessed it fine*.</a:t>
+            </a:r>
           </a:p>
         </p:txBody>
       </p:sp>
@@ -904,6 +907,37 @@
               <a:tabLst/>
               <a:defRPr/>
             </a:pPr>
+            <a:r>
+              <a:rPr lang="en-GB" sz="1200" b="0" i="0" kern="1200" dirty="0">
+                <a:solidFill>
+                  <a:schemeClr val="tx1"/>
+                </a:solidFill>
+                <a:effectLst/>
+                <a:latin typeface="+mn-lt"/>
+                <a:ea typeface="+mn-ea"/>
+                <a:cs typeface="+mn-cs"/>
+              </a:rPr>
+              <a:t>*Have users follow ‘Accessing Your Jenkins Instance’ and log into their Jenkins instance – make sure all is ok*</a:t>
+            </a:r>
+          </a:p>
+          <a:p>
+            <a:pPr marL="0" marR="0" lvl="0" indent="0" algn="l" defTabSz="914400" rtl="0" eaLnBrk="1" fontAlgn="auto" latinLnBrk="0" hangingPunct="1">
+              <a:lnSpc>
+                <a:spcPct val="100000"/>
+              </a:lnSpc>
+              <a:spcBef>
+                <a:spcPts val="0"/>
+              </a:spcBef>
+              <a:spcAft>
+                <a:spcPts val="0"/>
+              </a:spcAft>
+              <a:buClrTx/>
+              <a:buSzTx/>
+              <a:buFontTx/>
+              <a:buNone/>
+              <a:tabLst/>
+              <a:defRPr/>
+            </a:pPr>
             <a:endParaRPr lang="en-GB" sz="1200" b="0" i="0" kern="1200" dirty="0">
               <a:solidFill>
                 <a:schemeClr val="tx1"/>
@@ -913,6 +947,450 @@
               <a:ea typeface="+mn-ea"/>
               <a:cs typeface="+mn-cs"/>
             </a:endParaRPr>
+          </a:p>
+          <a:p>
+            <a:pPr marL="0" marR="0" lvl="0" indent="0" algn="l" defTabSz="914400" rtl="0" eaLnBrk="1" fontAlgn="auto" latinLnBrk="0" hangingPunct="1">
+              <a:lnSpc>
+                <a:spcPct val="100000"/>
+              </a:lnSpc>
+              <a:spcBef>
+                <a:spcPts val="0"/>
+              </a:spcBef>
+              <a:spcAft>
+                <a:spcPts val="0"/>
+              </a:spcAft>
+              <a:buClrTx/>
+              <a:buSzTx/>
+              <a:buFontTx/>
+              <a:buNone/>
+              <a:tabLst/>
+              <a:defRPr/>
+            </a:pPr>
+            <a:r>
+              <a:rPr lang="en-GB" sz="1200" b="0" i="0" kern="1200" dirty="0">
+                <a:solidFill>
+                  <a:schemeClr val="tx1"/>
+                </a:solidFill>
+                <a:effectLst/>
+                <a:latin typeface="+mn-lt"/>
+                <a:ea typeface="+mn-ea"/>
+                <a:cs typeface="+mn-cs"/>
+              </a:rPr>
+              <a:t>I’ll cover briefly what infrastructure your Jenkins instance is installed on and how we set it up.</a:t>
+            </a:r>
+          </a:p>
+          <a:p>
+            <a:pPr marL="0" marR="0" lvl="0" indent="0" algn="l" defTabSz="914400" rtl="0" eaLnBrk="1" fontAlgn="auto" latinLnBrk="0" hangingPunct="1">
+              <a:lnSpc>
+                <a:spcPct val="100000"/>
+              </a:lnSpc>
+              <a:spcBef>
+                <a:spcPts val="0"/>
+              </a:spcBef>
+              <a:spcAft>
+                <a:spcPts val="0"/>
+              </a:spcAft>
+              <a:buClrTx/>
+              <a:buSzTx/>
+              <a:buFontTx/>
+              <a:buNone/>
+              <a:tabLst/>
+              <a:defRPr/>
+            </a:pPr>
+            <a:endParaRPr lang="en-GB" sz="1200" b="0" i="0" kern="1200" dirty="0">
+              <a:solidFill>
+                <a:schemeClr val="tx1"/>
+              </a:solidFill>
+              <a:effectLst/>
+              <a:latin typeface="+mn-lt"/>
+              <a:ea typeface="+mn-ea"/>
+              <a:cs typeface="+mn-cs"/>
+            </a:endParaRPr>
+          </a:p>
+          <a:p>
+            <a:pPr marL="0" marR="0" lvl="0" indent="0" algn="l" defTabSz="914400" rtl="0" eaLnBrk="1" fontAlgn="auto" latinLnBrk="0" hangingPunct="1">
+              <a:lnSpc>
+                <a:spcPct val="100000"/>
+              </a:lnSpc>
+              <a:spcBef>
+                <a:spcPts val="0"/>
+              </a:spcBef>
+              <a:spcAft>
+                <a:spcPts val="0"/>
+              </a:spcAft>
+              <a:buClrTx/>
+              <a:buSzTx/>
+              <a:buFontTx/>
+              <a:buNone/>
+              <a:tabLst/>
+              <a:defRPr/>
+            </a:pPr>
+            <a:r>
+              <a:rPr lang="en-GB" sz="1200" b="0" i="0" kern="1200" dirty="0">
+                <a:solidFill>
+                  <a:schemeClr val="tx1"/>
+                </a:solidFill>
+                <a:effectLst/>
+                <a:latin typeface="+mn-lt"/>
+                <a:ea typeface="+mn-ea"/>
+                <a:cs typeface="+mn-cs"/>
+              </a:rPr>
+              <a:t>*CLICK* We first of all set up a Linux VM in a new resource group. We used Ubuntu 16.04 as our OS and created the VM through Azure Portal.</a:t>
+            </a:r>
+          </a:p>
+          <a:p>
+            <a:pPr marL="0" marR="0" lvl="0" indent="0" algn="l" defTabSz="914400" rtl="0" eaLnBrk="1" fontAlgn="auto" latinLnBrk="0" hangingPunct="1">
+              <a:lnSpc>
+                <a:spcPct val="100000"/>
+              </a:lnSpc>
+              <a:spcBef>
+                <a:spcPts val="0"/>
+              </a:spcBef>
+              <a:spcAft>
+                <a:spcPts val="0"/>
+              </a:spcAft>
+              <a:buClrTx/>
+              <a:buSzTx/>
+              <a:buFontTx/>
+              <a:buNone/>
+              <a:tabLst/>
+              <a:defRPr/>
+            </a:pPr>
+            <a:endParaRPr lang="en-GB" sz="1200" b="0" i="0" kern="1200" dirty="0">
+              <a:solidFill>
+                <a:schemeClr val="tx1"/>
+              </a:solidFill>
+              <a:effectLst/>
+              <a:latin typeface="+mn-lt"/>
+              <a:ea typeface="+mn-ea"/>
+              <a:cs typeface="+mn-cs"/>
+            </a:endParaRPr>
+          </a:p>
+          <a:p>
+            <a:pPr marL="0" marR="0" lvl="0" indent="0" algn="l" defTabSz="914400" rtl="0" eaLnBrk="1" fontAlgn="auto" latinLnBrk="0" hangingPunct="1">
+              <a:lnSpc>
+                <a:spcPct val="100000"/>
+              </a:lnSpc>
+              <a:spcBef>
+                <a:spcPts val="0"/>
+              </a:spcBef>
+              <a:spcAft>
+                <a:spcPts val="0"/>
+              </a:spcAft>
+              <a:buClrTx/>
+              <a:buSzTx/>
+              <a:buFontTx/>
+              <a:buNone/>
+              <a:tabLst/>
+              <a:defRPr/>
+            </a:pPr>
+            <a:r>
+              <a:rPr lang="en-GB" sz="1200" b="0" i="0" kern="1200" dirty="0">
+                <a:solidFill>
+                  <a:schemeClr val="tx1"/>
+                </a:solidFill>
+                <a:effectLst/>
+                <a:latin typeface="+mn-lt"/>
+                <a:ea typeface="+mn-ea"/>
+                <a:cs typeface="+mn-cs"/>
+              </a:rPr>
+              <a:t>*CLICK* On the first VM we created, we installed Java and Jenkins using the instructions linked in the ReadMe file. </a:t>
+            </a:r>
+          </a:p>
+          <a:p>
+            <a:pPr marL="0" marR="0" lvl="0" indent="0" algn="l" defTabSz="914400" rtl="0" eaLnBrk="1" fontAlgn="auto" latinLnBrk="0" hangingPunct="1">
+              <a:lnSpc>
+                <a:spcPct val="100000"/>
+              </a:lnSpc>
+              <a:spcBef>
+                <a:spcPts val="0"/>
+              </a:spcBef>
+              <a:spcAft>
+                <a:spcPts val="0"/>
+              </a:spcAft>
+              <a:buClrTx/>
+              <a:buSzTx/>
+              <a:buFontTx/>
+              <a:buNone/>
+              <a:tabLst/>
+              <a:defRPr/>
+            </a:pPr>
+            <a:endParaRPr lang="en-GB" sz="1200" b="0" i="0" kern="1200" dirty="0">
+              <a:solidFill>
+                <a:schemeClr val="tx1"/>
+              </a:solidFill>
+              <a:effectLst/>
+              <a:latin typeface="+mn-lt"/>
+              <a:ea typeface="+mn-ea"/>
+              <a:cs typeface="+mn-cs"/>
+            </a:endParaRPr>
+          </a:p>
+          <a:p>
+            <a:pPr marL="0" marR="0" lvl="0" indent="0" algn="l" defTabSz="914400" rtl="0" eaLnBrk="1" fontAlgn="auto" latinLnBrk="0" hangingPunct="1">
+              <a:lnSpc>
+                <a:spcPct val="100000"/>
+              </a:lnSpc>
+              <a:spcBef>
+                <a:spcPts val="0"/>
+              </a:spcBef>
+              <a:spcAft>
+                <a:spcPts val="0"/>
+              </a:spcAft>
+              <a:buClrTx/>
+              <a:buSzTx/>
+              <a:buFontTx/>
+              <a:buNone/>
+              <a:tabLst/>
+              <a:defRPr/>
+            </a:pPr>
+            <a:r>
+              <a:rPr lang="en-GB" sz="1200" b="0" i="0" kern="1200" dirty="0">
+                <a:solidFill>
+                  <a:schemeClr val="tx1"/>
+                </a:solidFill>
+                <a:effectLst/>
+                <a:latin typeface="+mn-lt"/>
+                <a:ea typeface="+mn-ea"/>
+                <a:cs typeface="+mn-cs"/>
+              </a:rPr>
+              <a:t>*CLICK* After starting Jenkins for the first-time we installed the suggested plugins and set up the ‘DevOps’ username and password.</a:t>
+            </a:r>
+          </a:p>
+          <a:p>
+            <a:pPr marL="0" marR="0" lvl="0" indent="0" algn="l" defTabSz="914400" rtl="0" eaLnBrk="1" fontAlgn="auto" latinLnBrk="0" hangingPunct="1">
+              <a:lnSpc>
+                <a:spcPct val="100000"/>
+              </a:lnSpc>
+              <a:spcBef>
+                <a:spcPts val="0"/>
+              </a:spcBef>
+              <a:spcAft>
+                <a:spcPts val="0"/>
+              </a:spcAft>
+              <a:buClrTx/>
+              <a:buSzTx/>
+              <a:buFontTx/>
+              <a:buNone/>
+              <a:tabLst/>
+              <a:defRPr/>
+            </a:pPr>
+            <a:endParaRPr lang="en-GB" sz="1200" b="0" i="0" kern="1200" dirty="0">
+              <a:solidFill>
+                <a:schemeClr val="tx1"/>
+              </a:solidFill>
+              <a:effectLst/>
+              <a:latin typeface="+mn-lt"/>
+              <a:ea typeface="+mn-ea"/>
+              <a:cs typeface="+mn-cs"/>
+            </a:endParaRPr>
+          </a:p>
+          <a:p>
+            <a:pPr marL="0" marR="0" lvl="0" indent="0" algn="l" defTabSz="914400" rtl="0" eaLnBrk="1" fontAlgn="auto" latinLnBrk="0" hangingPunct="1">
+              <a:lnSpc>
+                <a:spcPct val="100000"/>
+              </a:lnSpc>
+              <a:spcBef>
+                <a:spcPts val="0"/>
+              </a:spcBef>
+              <a:spcAft>
+                <a:spcPts val="0"/>
+              </a:spcAft>
+              <a:buClrTx/>
+              <a:buSzTx/>
+              <a:buFontTx/>
+              <a:buNone/>
+              <a:tabLst/>
+              <a:defRPr/>
+            </a:pPr>
+            <a:r>
+              <a:rPr lang="en-GB" sz="1200" b="0" i="0" kern="1200" dirty="0">
+                <a:solidFill>
+                  <a:schemeClr val="tx1"/>
+                </a:solidFill>
+                <a:effectLst/>
+                <a:latin typeface="+mn-lt"/>
+                <a:ea typeface="+mn-ea"/>
+                <a:cs typeface="+mn-cs"/>
+              </a:rPr>
+              <a:t>*CLICK* We then installed Blue Ocean, NodeJS and Allure - we’ll go into more details about these plugins later.</a:t>
+            </a:r>
+          </a:p>
+          <a:p>
+            <a:pPr marL="0" marR="0" lvl="0" indent="0" algn="l" defTabSz="914400" rtl="0" eaLnBrk="1" fontAlgn="auto" latinLnBrk="0" hangingPunct="1">
+              <a:lnSpc>
+                <a:spcPct val="100000"/>
+              </a:lnSpc>
+              <a:spcBef>
+                <a:spcPts val="0"/>
+              </a:spcBef>
+              <a:spcAft>
+                <a:spcPts val="0"/>
+              </a:spcAft>
+              <a:buClrTx/>
+              <a:buSzTx/>
+              <a:buFontTx/>
+              <a:buNone/>
+              <a:tabLst/>
+              <a:defRPr/>
+            </a:pPr>
+            <a:endParaRPr lang="en-GB" sz="1200" b="0" i="0" kern="1200" dirty="0">
+              <a:solidFill>
+                <a:schemeClr val="tx1"/>
+              </a:solidFill>
+              <a:effectLst/>
+              <a:latin typeface="+mn-lt"/>
+              <a:ea typeface="+mn-ea"/>
+              <a:cs typeface="+mn-cs"/>
+            </a:endParaRPr>
+          </a:p>
+          <a:p>
+            <a:pPr marL="0" marR="0" lvl="0" indent="0" algn="l" defTabSz="914400" rtl="0" eaLnBrk="1" fontAlgn="auto" latinLnBrk="0" hangingPunct="1">
+              <a:lnSpc>
+                <a:spcPct val="100000"/>
+              </a:lnSpc>
+              <a:spcBef>
+                <a:spcPts val="0"/>
+              </a:spcBef>
+              <a:spcAft>
+                <a:spcPts val="0"/>
+              </a:spcAft>
+              <a:buClrTx/>
+              <a:buSzTx/>
+              <a:buFontTx/>
+              <a:buNone/>
+              <a:tabLst/>
+              <a:defRPr/>
+            </a:pPr>
+            <a:r>
+              <a:rPr lang="en-GB" sz="1200" b="0" i="0" kern="1200" dirty="0">
+                <a:solidFill>
+                  <a:schemeClr val="tx1"/>
+                </a:solidFill>
+                <a:effectLst/>
+                <a:latin typeface="+mn-lt"/>
+                <a:ea typeface="+mn-ea"/>
+                <a:cs typeface="+mn-cs"/>
+              </a:rPr>
+              <a:t>*CLICK* We then set up the Global Tool Configuration to specify Allure and NodeJS names and versions for the Pipeline to use.</a:t>
+            </a:r>
+          </a:p>
+          <a:p>
+            <a:pPr marL="0" marR="0" lvl="0" indent="0" algn="l" defTabSz="914400" rtl="0" eaLnBrk="1" fontAlgn="auto" latinLnBrk="0" hangingPunct="1">
+              <a:lnSpc>
+                <a:spcPct val="100000"/>
+              </a:lnSpc>
+              <a:spcBef>
+                <a:spcPts val="0"/>
+              </a:spcBef>
+              <a:spcAft>
+                <a:spcPts val="0"/>
+              </a:spcAft>
+              <a:buClrTx/>
+              <a:buSzTx/>
+              <a:buFontTx/>
+              <a:buNone/>
+              <a:tabLst/>
+              <a:defRPr/>
+            </a:pPr>
+            <a:endParaRPr lang="en-GB" sz="1200" b="0" i="0" kern="1200" dirty="0">
+              <a:solidFill>
+                <a:schemeClr val="tx1"/>
+              </a:solidFill>
+              <a:effectLst/>
+              <a:latin typeface="+mn-lt"/>
+              <a:ea typeface="+mn-ea"/>
+              <a:cs typeface="+mn-cs"/>
+            </a:endParaRPr>
+          </a:p>
+          <a:p>
+            <a:pPr marL="0" marR="0" lvl="0" indent="0" algn="l" defTabSz="914400" rtl="0" eaLnBrk="1" fontAlgn="auto" latinLnBrk="0" hangingPunct="1">
+              <a:lnSpc>
+                <a:spcPct val="100000"/>
+              </a:lnSpc>
+              <a:spcBef>
+                <a:spcPts val="0"/>
+              </a:spcBef>
+              <a:spcAft>
+                <a:spcPts val="0"/>
+              </a:spcAft>
+              <a:buClrTx/>
+              <a:buSzTx/>
+              <a:buFontTx/>
+              <a:buNone/>
+              <a:tabLst/>
+              <a:defRPr/>
+            </a:pPr>
+            <a:r>
+              <a:rPr lang="en-GB" sz="1200" b="0" i="0" kern="1200" dirty="0">
+                <a:solidFill>
+                  <a:schemeClr val="tx1"/>
+                </a:solidFill>
+                <a:effectLst/>
+                <a:latin typeface="+mn-lt"/>
+                <a:ea typeface="+mn-ea"/>
+                <a:cs typeface="+mn-cs"/>
+              </a:rPr>
+              <a:t>*CLICK* At this point we stopped the VM and created multiple clones of the disk using Azure CLI. The instructions are included in the ReadMe.</a:t>
+            </a:r>
+          </a:p>
+          <a:p>
+            <a:pPr marL="0" marR="0" lvl="0" indent="0" algn="l" defTabSz="914400" rtl="0" eaLnBrk="1" fontAlgn="auto" latinLnBrk="0" hangingPunct="1">
+              <a:lnSpc>
+                <a:spcPct val="100000"/>
+              </a:lnSpc>
+              <a:spcBef>
+                <a:spcPts val="0"/>
+              </a:spcBef>
+              <a:spcAft>
+                <a:spcPts val="0"/>
+              </a:spcAft>
+              <a:buClrTx/>
+              <a:buSzTx/>
+              <a:buFontTx/>
+              <a:buNone/>
+              <a:tabLst/>
+              <a:defRPr/>
+            </a:pPr>
+            <a:endParaRPr lang="en-GB" sz="1200" b="0" i="0" kern="1200" dirty="0">
+              <a:solidFill>
+                <a:schemeClr val="tx1"/>
+              </a:solidFill>
+              <a:effectLst/>
+              <a:latin typeface="+mn-lt"/>
+              <a:ea typeface="+mn-ea"/>
+              <a:cs typeface="+mn-cs"/>
+            </a:endParaRPr>
+          </a:p>
+          <a:p>
+            <a:pPr marL="0" marR="0" lvl="0" indent="0" algn="l" defTabSz="914400" rtl="0" eaLnBrk="1" fontAlgn="auto" latinLnBrk="0" hangingPunct="1">
+              <a:lnSpc>
+                <a:spcPct val="100000"/>
+              </a:lnSpc>
+              <a:spcBef>
+                <a:spcPts val="0"/>
+              </a:spcBef>
+              <a:spcAft>
+                <a:spcPts val="0"/>
+              </a:spcAft>
+              <a:buClrTx/>
+              <a:buSzTx/>
+              <a:buFontTx/>
+              <a:buNone/>
+              <a:tabLst/>
+              <a:defRPr/>
+            </a:pPr>
+            <a:r>
+              <a:rPr lang="en-GB" sz="1200" b="0" i="0" kern="1200" dirty="0">
+                <a:solidFill>
+                  <a:schemeClr val="tx1"/>
+                </a:solidFill>
+                <a:effectLst/>
+                <a:latin typeface="+mn-lt"/>
+                <a:ea typeface="+mn-ea"/>
+                <a:cs typeface="+mn-cs"/>
+              </a:rPr>
+              <a:t>*CLICK* Finally, we created multiple VMs using our cloned disks by using Azure CLI. </a:t>
+            </a:r>
           </a:p>
         </p:txBody>
       </p:sp>
@@ -5847,24 +6325,41 @@
               <a:rPr lang="en-US" dirty="0">
                 <a:hlinkClick r:id="rId3"/>
               </a:rPr>
-              <a:t>https://bit.ly/2zrbOED</a:t>
-            </a:r>
+              <a:t>https://bit.ly/2R6v6F4</a:t>
+            </a:r>
+            <a:r>
+              <a:rPr lang="en-US" dirty="0"/>
+              <a:t> </a:t>
+            </a:r>
+          </a:p>
+          <a:p>
             <a:endParaRPr lang="en-US" dirty="0"/>
           </a:p>
           <a:p>
-            <a:endParaRPr lang="en-US" dirty="0"/>
-          </a:p>
-          <a:p>
             <a:r>
               <a:rPr lang="en-US" dirty="0"/>
-              <a:t>We’re going to:</a:t>
+              <a:t>We’re going to create a Jenkins Pipeline in multiple stages:</a:t>
             </a:r>
           </a:p>
           <a:p>
             <a:pPr lvl="1"/>
             <a:r>
               <a:rPr lang="en-US" dirty="0"/>
-              <a:t>Install docker-selenium and </a:t>
+              <a:t>Checking out test code from Git.</a:t>
+            </a:r>
+          </a:p>
+          <a:p>
+            <a:pPr lvl="1"/>
+            <a:r>
+              <a:rPr lang="en-US" dirty="0"/>
+              <a:t>Installing Dependencies.</a:t>
+            </a:r>
+          </a:p>
+          <a:p>
+            <a:pPr lvl="1"/>
+            <a:r>
+              <a:rPr lang="en-US" dirty="0"/>
+              <a:t>Starting </a:t>
             </a:r>
             <a:r>
               <a:rPr lang="en-US" dirty="0" err="1"/>
@@ -5879,53 +6374,34 @@
             <a:pPr lvl="1"/>
             <a:r>
               <a:rPr lang="en-US" dirty="0"/>
-              <a:t>Run </a:t>
+              <a:t>Running tests.</a:t>
+            </a:r>
+          </a:p>
+          <a:p>
+            <a:pPr lvl="1"/>
+            <a:r>
+              <a:rPr lang="en-US" dirty="0"/>
+              <a:t>Generating reports using Allure.</a:t>
+            </a:r>
+          </a:p>
+          <a:p>
+            <a:pPr lvl="1"/>
+            <a:r>
+              <a:rPr lang="en-US" dirty="0"/>
+              <a:t>Stopping </a:t>
             </a:r>
             <a:r>
               <a:rPr lang="en-US" dirty="0" err="1"/>
               <a:t>Zalenium</a:t>
             </a:r>
+            <a:r>
+              <a:rPr lang="en-US"/>
+              <a:t>.</a:t>
+            </a:r>
             <a:endParaRPr lang="en-US" dirty="0"/>
           </a:p>
           <a:p>
             <a:pPr lvl="1"/>
-            <a:r>
-              <a:rPr lang="en-US" dirty="0"/>
-              <a:t>Run JavaScript </a:t>
-            </a:r>
-            <a:r>
-              <a:rPr lang="en-US" dirty="0" err="1"/>
-              <a:t>WebDriver.io</a:t>
-            </a:r>
-            <a:r>
-              <a:rPr lang="en-US" dirty="0"/>
-              <a:t> tests in parallel using </a:t>
-            </a:r>
-            <a:r>
-              <a:rPr lang="en-US" dirty="0" err="1"/>
-              <a:t>Zalenium</a:t>
-            </a:r>
-            <a:endParaRPr lang="en-US" dirty="0"/>
-          </a:p>
-          <a:p>
-            <a:pPr lvl="1"/>
-            <a:r>
-              <a:rPr lang="en-US" dirty="0"/>
-              <a:t>View the </a:t>
-            </a:r>
-            <a:r>
-              <a:rPr lang="en-US" dirty="0" err="1"/>
-              <a:t>Zalenium</a:t>
-            </a:r>
-            <a:r>
-              <a:rPr lang="en-US" dirty="0"/>
-              <a:t> Dashboard</a:t>
-            </a:r>
-          </a:p>
-          <a:p>
-            <a:endParaRPr lang="en-US" dirty="0"/>
-          </a:p>
-          <a:p>
             <a:endParaRPr lang="en-US" dirty="0"/>
           </a:p>
         </p:txBody>
@@ -5990,8 +6466,41 @@
           <a:p>
             <a:r>
               <a:rPr lang="en-US" sz="2300" dirty="0"/>
-              <a:t>Installed using the suggested plugins upon first run-time.</a:t>
-            </a:r>
+              <a:t>Java and Jenkins installed using instructions in ReadMe.</a:t>
+            </a:r>
+          </a:p>
+          <a:p>
+            <a:r>
+              <a:rPr lang="en-US" sz="2300" dirty="0"/>
+              <a:t>Set-up Jenkins using the suggested plugins upon first run-time.</a:t>
+            </a:r>
+          </a:p>
+          <a:p>
+            <a:r>
+              <a:rPr lang="en-US" sz="2300" dirty="0"/>
+              <a:t>Custom plugins installed: Blue Ocean, NodeJS and Allure.</a:t>
+            </a:r>
+          </a:p>
+          <a:p>
+            <a:r>
+              <a:rPr lang="en-US" sz="2300" dirty="0"/>
+              <a:t>Global Tool Configuration for NodeJS and Allure.</a:t>
+            </a:r>
+          </a:p>
+          <a:p>
+            <a:r>
+              <a:rPr lang="en-US" sz="2300" dirty="0"/>
+              <a:t>Cloned the initial VM’s VHD.</a:t>
+            </a:r>
+          </a:p>
+          <a:p>
+            <a:r>
+              <a:rPr lang="en-US" sz="2300" dirty="0"/>
+              <a:t>Created multiple VMs using the clones of the disk.</a:t>
+            </a:r>
+          </a:p>
+          <a:p>
+            <a:endParaRPr lang="en-US" sz="2300" dirty="0"/>
           </a:p>
           <a:p>
             <a:endParaRPr lang="en-US" sz="2300" dirty="0"/>
@@ -6059,47 +6568,11 @@
                 <a:latin typeface="Arial" panose="020B0604020202020204" pitchFamily="34" charset="0"/>
                 <a:cs typeface="Arial" panose="020B0604020202020204" pitchFamily="34" charset="0"/>
               </a:rPr>
-              <a:t>How have we set up Jenkins?</a:t>
-            </a:r>
-          </a:p>
-        </p:txBody>
-      </p:sp>
-      <p:pic>
-        <p:nvPicPr>
-          <p:cNvPr id="6" name="Picture 5">
-            <a:extLst>
-              <a:ext uri="{FF2B5EF4-FFF2-40B4-BE49-F238E27FC236}">
-                <a16:creationId xmlns:a16="http://schemas.microsoft.com/office/drawing/2014/main" id="{6ED58919-6A29-3345-9C23-AFD4A5775CFA}"/>
-              </a:ext>
-            </a:extLst>
-          </p:cNvPr>
-          <p:cNvPicPr>
-            <a:picLocks noChangeAspect="1"/>
-          </p:cNvPicPr>
-          <p:nvPr/>
-        </p:nvPicPr>
-        <p:blipFill>
-          <a:blip r:embed="rId3">
-            <a:extLst>
-              <a:ext uri="{28A0092B-C50C-407E-A947-70E740481C1C}">
-                <a14:useLocalDpi xmlns:a14="http://schemas.microsoft.com/office/drawing/2010/main" val="0"/>
-              </a:ext>
-            </a:extLst>
-          </a:blip>
-          <a:stretch>
-            <a:fillRect/>
-          </a:stretch>
-        </p:blipFill>
-        <p:spPr>
-          <a:xfrm>
-            <a:off x="5364088" y="-171678"/>
-            <a:ext cx="1541692" cy="1541692"/>
-          </a:xfrm>
-          <a:prstGeom prst="rect">
-            <a:avLst/>
-          </a:prstGeom>
-        </p:spPr>
-      </p:pic>
+              <a:t>How have we set up this Playground?</a:t>
+            </a:r>
+          </a:p>
+        </p:txBody>
+      </p:sp>
     </p:spTree>
     <p:extLst>
       <p:ext uri="{BB962C8B-B14F-4D97-AF65-F5344CB8AC3E}">

--- a/ZaleniumJenkins.pptx
+++ b/ZaleniumJenkins.pptx
@@ -5,10 +5,10 @@
     <p:sldMasterId id="2147483648" r:id="rId4"/>
   </p:sldMasterIdLst>
   <p:notesMasterIdLst>
-    <p:notesMasterId r:id="rId17"/>
+    <p:notesMasterId r:id="rId19"/>
   </p:notesMasterIdLst>
   <p:handoutMasterIdLst>
-    <p:handoutMasterId r:id="rId18"/>
+    <p:handoutMasterId r:id="rId20"/>
   </p:handoutMasterIdLst>
   <p:sldIdLst>
     <p:sldId id="303" r:id="rId5"/>
@@ -22,7 +22,9 @@
     <p:sldId id="311" r:id="rId13"/>
     <p:sldId id="308" r:id="rId14"/>
     <p:sldId id="312" r:id="rId15"/>
-    <p:sldId id="267" r:id="rId16"/>
+    <p:sldId id="314" r:id="rId16"/>
+    <p:sldId id="315" r:id="rId17"/>
+    <p:sldId id="267" r:id="rId18"/>
   </p:sldIdLst>
   <p:sldSz cx="9144000" cy="6858000" type="screen4x3"/>
   <p:notesSz cx="6858000" cy="9144000"/>
@@ -1421,6 +1423,997 @@
     <p:extLst>
       <p:ext uri="{BB962C8B-B14F-4D97-AF65-F5344CB8AC3E}">
         <p14:creationId xmlns:p14="http://schemas.microsoft.com/office/powerpoint/2010/main" val="2981770478"/>
+      </p:ext>
+    </p:extLst>
+  </p:cSld>
+  <p:clrMapOvr>
+    <a:masterClrMapping/>
+  </p:clrMapOvr>
+</p:notes>
+</file>
+
+<file path=ppt/notesSlides/notesSlide12.xml><?xml version="1.0" encoding="utf-8"?>
+<p:notes xmlns:a="http://schemas.openxmlformats.org/drawingml/2006/main" xmlns:r="http://schemas.openxmlformats.org/officeDocument/2006/relationships" xmlns:p="http://schemas.openxmlformats.org/presentationml/2006/main">
+  <p:cSld>
+    <p:spTree>
+      <p:nvGrpSpPr>
+        <p:cNvPr id="1" name=""/>
+        <p:cNvGrpSpPr/>
+        <p:nvPr/>
+      </p:nvGrpSpPr>
+      <p:grpSpPr>
+        <a:xfrm>
+          <a:off x="0" y="0"/>
+          <a:ext cx="0" cy="0"/>
+          <a:chOff x="0" y="0"/>
+          <a:chExt cx="0" cy="0"/>
+        </a:xfrm>
+      </p:grpSpPr>
+      <p:sp>
+        <p:nvSpPr>
+          <p:cNvPr id="2" name="Slide Image Placeholder 1"/>
+          <p:cNvSpPr>
+            <a:spLocks noGrp="1" noRot="1" noChangeAspect="1"/>
+          </p:cNvSpPr>
+          <p:nvPr>
+            <p:ph type="sldImg"/>
+          </p:nvPr>
+        </p:nvSpPr>
+        <p:spPr/>
+      </p:sp>
+      <p:sp>
+        <p:nvSpPr>
+          <p:cNvPr id="3" name="Notes Placeholder 2"/>
+          <p:cNvSpPr>
+            <a:spLocks noGrp="1"/>
+          </p:cNvSpPr>
+          <p:nvPr>
+            <p:ph type="body" idx="1"/>
+          </p:nvPr>
+        </p:nvSpPr>
+        <p:spPr/>
+        <p:txBody>
+          <a:bodyPr/>
+          <a:lstStyle/>
+          <a:p>
+            <a:pPr marL="0" marR="0" lvl="0" indent="0" algn="l" defTabSz="914400" rtl="0" eaLnBrk="1" fontAlgn="auto" latinLnBrk="0" hangingPunct="1">
+              <a:lnSpc>
+                <a:spcPct val="100000"/>
+              </a:lnSpc>
+              <a:spcBef>
+                <a:spcPts val="0"/>
+              </a:spcBef>
+              <a:spcAft>
+                <a:spcPts val="0"/>
+              </a:spcAft>
+              <a:buClrTx/>
+              <a:buSzTx/>
+              <a:buFontTx/>
+              <a:buNone/>
+              <a:tabLst/>
+              <a:defRPr/>
+            </a:pPr>
+            <a:r>
+              <a:rPr lang="en-GB" sz="1200" b="0" i="0" kern="1200" dirty="0">
+                <a:solidFill>
+                  <a:schemeClr val="tx1"/>
+                </a:solidFill>
+                <a:effectLst/>
+                <a:latin typeface="+mn-lt"/>
+                <a:ea typeface="+mn-ea"/>
+                <a:cs typeface="+mn-cs"/>
+              </a:rPr>
+              <a:t>*Have users edit a Jenkins pipeline – show this slide after running*</a:t>
+            </a:r>
+          </a:p>
+          <a:p>
+            <a:pPr marL="0" marR="0" lvl="0" indent="0" algn="l" defTabSz="914400" rtl="0" eaLnBrk="1" fontAlgn="auto" latinLnBrk="0" hangingPunct="1">
+              <a:lnSpc>
+                <a:spcPct val="100000"/>
+              </a:lnSpc>
+              <a:spcBef>
+                <a:spcPts val="0"/>
+              </a:spcBef>
+              <a:spcAft>
+                <a:spcPts val="0"/>
+              </a:spcAft>
+              <a:buClrTx/>
+              <a:buSzTx/>
+              <a:buFontTx/>
+              <a:buNone/>
+              <a:tabLst/>
+              <a:defRPr/>
+            </a:pPr>
+            <a:endParaRPr lang="en-GB" sz="1200" b="0" i="0" kern="1200" dirty="0">
+              <a:solidFill>
+                <a:schemeClr val="tx1"/>
+              </a:solidFill>
+              <a:effectLst/>
+              <a:latin typeface="+mn-lt"/>
+              <a:ea typeface="+mn-ea"/>
+              <a:cs typeface="+mn-cs"/>
+            </a:endParaRPr>
+          </a:p>
+          <a:p>
+            <a:pPr marL="0" marR="0" lvl="0" indent="0" algn="l" defTabSz="914400" rtl="0" eaLnBrk="1" fontAlgn="auto" latinLnBrk="0" hangingPunct="1">
+              <a:lnSpc>
+                <a:spcPct val="100000"/>
+              </a:lnSpc>
+              <a:spcBef>
+                <a:spcPts val="0"/>
+              </a:spcBef>
+              <a:spcAft>
+                <a:spcPts val="0"/>
+              </a:spcAft>
+              <a:buClrTx/>
+              <a:buSzTx/>
+              <a:buFontTx/>
+              <a:buNone/>
+              <a:tabLst/>
+              <a:defRPr/>
+            </a:pPr>
+            <a:r>
+              <a:rPr lang="en-GB" sz="1200" b="0" i="0" kern="1200" dirty="0">
+                <a:solidFill>
+                  <a:schemeClr val="tx1"/>
+                </a:solidFill>
+                <a:effectLst/>
+                <a:latin typeface="+mn-lt"/>
+                <a:ea typeface="+mn-ea"/>
+                <a:cs typeface="+mn-cs"/>
+              </a:rPr>
+              <a:t>Whilst the first run is taking place I thought I would explain a bit more about the Pipeline code we are using.</a:t>
+            </a:r>
+          </a:p>
+          <a:p>
+            <a:pPr marL="0" marR="0" lvl="0" indent="0" algn="l" defTabSz="914400" rtl="0" eaLnBrk="1" fontAlgn="auto" latinLnBrk="0" hangingPunct="1">
+              <a:lnSpc>
+                <a:spcPct val="100000"/>
+              </a:lnSpc>
+              <a:spcBef>
+                <a:spcPts val="0"/>
+              </a:spcBef>
+              <a:spcAft>
+                <a:spcPts val="0"/>
+              </a:spcAft>
+              <a:buClrTx/>
+              <a:buSzTx/>
+              <a:buFontTx/>
+              <a:buNone/>
+              <a:tabLst/>
+              <a:defRPr/>
+            </a:pPr>
+            <a:endParaRPr lang="en-GB" sz="1200" b="0" i="0" kern="1200" dirty="0">
+              <a:solidFill>
+                <a:schemeClr val="tx1"/>
+              </a:solidFill>
+              <a:effectLst/>
+              <a:latin typeface="+mn-lt"/>
+              <a:ea typeface="+mn-ea"/>
+              <a:cs typeface="+mn-cs"/>
+            </a:endParaRPr>
+          </a:p>
+          <a:p>
+            <a:pPr marL="0" marR="0" lvl="0" indent="0" algn="l" defTabSz="914400" rtl="0" eaLnBrk="1" fontAlgn="auto" latinLnBrk="0" hangingPunct="1">
+              <a:lnSpc>
+                <a:spcPct val="100000"/>
+              </a:lnSpc>
+              <a:spcBef>
+                <a:spcPts val="0"/>
+              </a:spcBef>
+              <a:spcAft>
+                <a:spcPts val="0"/>
+              </a:spcAft>
+              <a:buClrTx/>
+              <a:buSzTx/>
+              <a:buFontTx/>
+              <a:buNone/>
+              <a:tabLst/>
+              <a:defRPr/>
+            </a:pPr>
+            <a:r>
+              <a:rPr lang="en-GB" sz="1200" b="0" i="0" kern="1200" dirty="0">
+                <a:solidFill>
+                  <a:schemeClr val="tx1"/>
+                </a:solidFill>
+                <a:effectLst/>
+                <a:latin typeface="+mn-lt"/>
+                <a:ea typeface="+mn-ea"/>
+                <a:cs typeface="+mn-cs"/>
+              </a:rPr>
+              <a:t>*CLICK* Our pipeline is a Declarative pipeline. Declarative Pipelines are relatively new to the Pipeline plugin and provides a relatively simple syntax to follow. </a:t>
+            </a:r>
+          </a:p>
+          <a:p>
+            <a:pPr marL="0" marR="0" lvl="0" indent="0" algn="l" defTabSz="914400" rtl="0" eaLnBrk="1" fontAlgn="auto" latinLnBrk="0" hangingPunct="1">
+              <a:lnSpc>
+                <a:spcPct val="100000"/>
+              </a:lnSpc>
+              <a:spcBef>
+                <a:spcPts val="0"/>
+              </a:spcBef>
+              <a:spcAft>
+                <a:spcPts val="0"/>
+              </a:spcAft>
+              <a:buClrTx/>
+              <a:buSzTx/>
+              <a:buFontTx/>
+              <a:buNone/>
+              <a:tabLst/>
+              <a:defRPr/>
+            </a:pPr>
+            <a:endParaRPr lang="en-GB" sz="1200" b="0" i="0" kern="1200" dirty="0">
+              <a:solidFill>
+                <a:schemeClr val="tx1"/>
+              </a:solidFill>
+              <a:effectLst/>
+              <a:latin typeface="+mn-lt"/>
+              <a:ea typeface="+mn-ea"/>
+              <a:cs typeface="+mn-cs"/>
+            </a:endParaRPr>
+          </a:p>
+          <a:p>
+            <a:pPr marL="0" marR="0" lvl="0" indent="0" algn="l" defTabSz="914400" rtl="0" eaLnBrk="1" fontAlgn="auto" latinLnBrk="0" hangingPunct="1">
+              <a:lnSpc>
+                <a:spcPct val="100000"/>
+              </a:lnSpc>
+              <a:spcBef>
+                <a:spcPts val="0"/>
+              </a:spcBef>
+              <a:spcAft>
+                <a:spcPts val="0"/>
+              </a:spcAft>
+              <a:buClrTx/>
+              <a:buSzTx/>
+              <a:buFontTx/>
+              <a:buNone/>
+              <a:tabLst/>
+              <a:defRPr/>
+            </a:pPr>
+            <a:r>
+              <a:rPr lang="en-GB" sz="1200" b="0" i="0" kern="1200" dirty="0">
+                <a:solidFill>
+                  <a:schemeClr val="tx1"/>
+                </a:solidFill>
+                <a:effectLst/>
+                <a:latin typeface="+mn-lt"/>
+                <a:ea typeface="+mn-ea"/>
+                <a:cs typeface="+mn-cs"/>
+              </a:rPr>
+              <a:t>Previously Pipelines were only written in a Scripted Pipeline syntax, which meant there was a bit of a learning curve for teams as it was written in pure Groovy. Scripted syntax may be more desirable for more experienced users as the only limitations on syntax come from Groovy itself.</a:t>
+            </a:r>
+          </a:p>
+          <a:p>
+            <a:pPr marL="0" marR="0" lvl="0" indent="0" algn="l" defTabSz="914400" rtl="0" eaLnBrk="1" fontAlgn="auto" latinLnBrk="0" hangingPunct="1">
+              <a:lnSpc>
+                <a:spcPct val="100000"/>
+              </a:lnSpc>
+              <a:spcBef>
+                <a:spcPts val="0"/>
+              </a:spcBef>
+              <a:spcAft>
+                <a:spcPts val="0"/>
+              </a:spcAft>
+              <a:buClrTx/>
+              <a:buSzTx/>
+              <a:buFontTx/>
+              <a:buNone/>
+              <a:tabLst/>
+              <a:defRPr/>
+            </a:pPr>
+            <a:endParaRPr lang="en-GB" sz="1200" b="0" i="0" kern="1200" dirty="0">
+              <a:solidFill>
+                <a:schemeClr val="tx1"/>
+              </a:solidFill>
+              <a:effectLst/>
+              <a:latin typeface="+mn-lt"/>
+              <a:ea typeface="+mn-ea"/>
+              <a:cs typeface="+mn-cs"/>
+            </a:endParaRPr>
+          </a:p>
+          <a:p>
+            <a:pPr marL="0" marR="0" lvl="0" indent="0" algn="l" defTabSz="914400" rtl="0" eaLnBrk="1" fontAlgn="auto" latinLnBrk="0" hangingPunct="1">
+              <a:lnSpc>
+                <a:spcPct val="100000"/>
+              </a:lnSpc>
+              <a:spcBef>
+                <a:spcPts val="0"/>
+              </a:spcBef>
+              <a:spcAft>
+                <a:spcPts val="0"/>
+              </a:spcAft>
+              <a:buClrTx/>
+              <a:buSzTx/>
+              <a:buFontTx/>
+              <a:buNone/>
+              <a:tabLst/>
+              <a:defRPr/>
+            </a:pPr>
+            <a:r>
+              <a:rPr lang="en-GB" sz="1200" b="0" i="0" kern="1200" dirty="0">
+                <a:solidFill>
+                  <a:schemeClr val="tx1"/>
+                </a:solidFill>
+                <a:effectLst/>
+                <a:latin typeface="+mn-lt"/>
+                <a:ea typeface="+mn-ea"/>
+                <a:cs typeface="+mn-cs"/>
+              </a:rPr>
+              <a:t>*CLICK* All declarative pipelines must be enclosed in a pipeline block.</a:t>
+            </a:r>
+          </a:p>
+          <a:p>
+            <a:pPr marL="0" marR="0" lvl="0" indent="0" algn="l" defTabSz="914400" rtl="0" eaLnBrk="1" fontAlgn="auto" latinLnBrk="0" hangingPunct="1">
+              <a:lnSpc>
+                <a:spcPct val="100000"/>
+              </a:lnSpc>
+              <a:spcBef>
+                <a:spcPts val="0"/>
+              </a:spcBef>
+              <a:spcAft>
+                <a:spcPts val="0"/>
+              </a:spcAft>
+              <a:buClrTx/>
+              <a:buSzTx/>
+              <a:buFontTx/>
+              <a:buNone/>
+              <a:tabLst/>
+              <a:defRPr/>
+            </a:pPr>
+            <a:endParaRPr lang="en-GB" sz="1200" b="0" i="0" kern="1200" dirty="0">
+              <a:solidFill>
+                <a:schemeClr val="tx1"/>
+              </a:solidFill>
+              <a:effectLst/>
+              <a:latin typeface="+mn-lt"/>
+              <a:ea typeface="+mn-ea"/>
+              <a:cs typeface="+mn-cs"/>
+            </a:endParaRPr>
+          </a:p>
+          <a:p>
+            <a:pPr marL="0" marR="0" lvl="0" indent="0" algn="l" defTabSz="914400" rtl="0" eaLnBrk="1" fontAlgn="auto" latinLnBrk="0" hangingPunct="1">
+              <a:lnSpc>
+                <a:spcPct val="100000"/>
+              </a:lnSpc>
+              <a:spcBef>
+                <a:spcPts val="0"/>
+              </a:spcBef>
+              <a:spcAft>
+                <a:spcPts val="0"/>
+              </a:spcAft>
+              <a:buClrTx/>
+              <a:buSzTx/>
+              <a:buFontTx/>
+              <a:buNone/>
+              <a:tabLst/>
+              <a:defRPr/>
+            </a:pPr>
+            <a:r>
+              <a:rPr lang="en-GB" sz="1200" b="0" i="0" kern="1200" dirty="0">
+                <a:solidFill>
+                  <a:schemeClr val="tx1"/>
+                </a:solidFill>
+                <a:effectLst/>
+                <a:latin typeface="+mn-lt"/>
+                <a:ea typeface="+mn-ea"/>
+                <a:cs typeface="+mn-cs"/>
+              </a:rPr>
+              <a:t>*CLICK* The agent property is required at the top level of the pipeline block, but you can declare optional agents at different stages of your pipeline. Our pipeline is not run on any specific agents so we use the value ‘any’, but if you would like your pipeline to run in Docker, for example, you can declare this here.</a:t>
+            </a:r>
+          </a:p>
+          <a:p>
+            <a:pPr marL="0" marR="0" lvl="0" indent="0" algn="l" defTabSz="914400" rtl="0" eaLnBrk="1" fontAlgn="auto" latinLnBrk="0" hangingPunct="1">
+              <a:lnSpc>
+                <a:spcPct val="100000"/>
+              </a:lnSpc>
+              <a:spcBef>
+                <a:spcPts val="0"/>
+              </a:spcBef>
+              <a:spcAft>
+                <a:spcPts val="0"/>
+              </a:spcAft>
+              <a:buClrTx/>
+              <a:buSzTx/>
+              <a:buFontTx/>
+              <a:buNone/>
+              <a:tabLst/>
+              <a:defRPr/>
+            </a:pPr>
+            <a:endParaRPr lang="en-GB" sz="1200" b="0" i="0" kern="1200" dirty="0">
+              <a:solidFill>
+                <a:schemeClr val="tx1"/>
+              </a:solidFill>
+              <a:effectLst/>
+              <a:latin typeface="+mn-lt"/>
+              <a:ea typeface="+mn-ea"/>
+              <a:cs typeface="+mn-cs"/>
+            </a:endParaRPr>
+          </a:p>
+          <a:p>
+            <a:pPr marL="0" marR="0" lvl="0" indent="0" algn="l" defTabSz="914400" rtl="0" eaLnBrk="1" fontAlgn="auto" latinLnBrk="0" hangingPunct="1">
+              <a:lnSpc>
+                <a:spcPct val="100000"/>
+              </a:lnSpc>
+              <a:spcBef>
+                <a:spcPts val="0"/>
+              </a:spcBef>
+              <a:spcAft>
+                <a:spcPts val="0"/>
+              </a:spcAft>
+              <a:buClrTx/>
+              <a:buSzTx/>
+              <a:buFontTx/>
+              <a:buNone/>
+              <a:tabLst/>
+              <a:defRPr/>
+            </a:pPr>
+            <a:r>
+              <a:rPr lang="en-GB" sz="1200" b="0" i="0" kern="1200" dirty="0">
+                <a:solidFill>
+                  <a:schemeClr val="tx1"/>
+                </a:solidFill>
+                <a:effectLst/>
+                <a:latin typeface="+mn-lt"/>
+                <a:ea typeface="+mn-ea"/>
+                <a:cs typeface="+mn-cs"/>
+              </a:rPr>
+              <a:t>*CLICK* The next sections we have is the tools section. It declares one or more tools to be installed and put on the PATH. In our case we installed NodeJS as we require it to install dependencies.  </a:t>
+            </a:r>
+          </a:p>
+          <a:p>
+            <a:pPr marL="0" marR="0" lvl="0" indent="0" algn="l" defTabSz="914400" rtl="0" eaLnBrk="1" fontAlgn="auto" latinLnBrk="0" hangingPunct="1">
+              <a:lnSpc>
+                <a:spcPct val="100000"/>
+              </a:lnSpc>
+              <a:spcBef>
+                <a:spcPts val="0"/>
+              </a:spcBef>
+              <a:spcAft>
+                <a:spcPts val="0"/>
+              </a:spcAft>
+              <a:buClrTx/>
+              <a:buSzTx/>
+              <a:buFontTx/>
+              <a:buNone/>
+              <a:tabLst/>
+              <a:defRPr/>
+            </a:pPr>
+            <a:endParaRPr lang="en-GB" sz="1200" b="0" i="0" kern="1200" dirty="0">
+              <a:solidFill>
+                <a:schemeClr val="tx1"/>
+              </a:solidFill>
+              <a:effectLst/>
+              <a:latin typeface="+mn-lt"/>
+              <a:ea typeface="+mn-ea"/>
+              <a:cs typeface="+mn-cs"/>
+            </a:endParaRPr>
+          </a:p>
+          <a:p>
+            <a:pPr marL="0" marR="0" lvl="0" indent="0" algn="l" defTabSz="914400" rtl="0" eaLnBrk="1" fontAlgn="auto" latinLnBrk="0" hangingPunct="1">
+              <a:lnSpc>
+                <a:spcPct val="100000"/>
+              </a:lnSpc>
+              <a:spcBef>
+                <a:spcPts val="0"/>
+              </a:spcBef>
+              <a:spcAft>
+                <a:spcPts val="0"/>
+              </a:spcAft>
+              <a:buClrTx/>
+              <a:buSzTx/>
+              <a:buFontTx/>
+              <a:buNone/>
+              <a:tabLst/>
+              <a:defRPr/>
+            </a:pPr>
+            <a:r>
+              <a:rPr lang="en-GB" sz="1200" b="0" i="0" kern="1200" dirty="0">
+                <a:solidFill>
+                  <a:schemeClr val="tx1"/>
+                </a:solidFill>
+                <a:effectLst/>
+                <a:latin typeface="+mn-lt"/>
+                <a:ea typeface="+mn-ea"/>
+                <a:cs typeface="+mn-cs"/>
+              </a:rPr>
+              <a:t>*CLICK* The stage section is pretty self-explanatory in that it defines the different stages or sections of your pipeline.</a:t>
+            </a:r>
+          </a:p>
+          <a:p>
+            <a:pPr marL="0" marR="0" lvl="0" indent="0" algn="l" defTabSz="914400" rtl="0" eaLnBrk="1" fontAlgn="auto" latinLnBrk="0" hangingPunct="1">
+              <a:lnSpc>
+                <a:spcPct val="100000"/>
+              </a:lnSpc>
+              <a:spcBef>
+                <a:spcPts val="0"/>
+              </a:spcBef>
+              <a:spcAft>
+                <a:spcPts val="0"/>
+              </a:spcAft>
+              <a:buClrTx/>
+              <a:buSzTx/>
+              <a:buFontTx/>
+              <a:buNone/>
+              <a:tabLst/>
+              <a:defRPr/>
+            </a:pPr>
+            <a:endParaRPr lang="en-GB" sz="1200" b="0" i="0" kern="1200" dirty="0">
+              <a:solidFill>
+                <a:schemeClr val="tx1"/>
+              </a:solidFill>
+              <a:effectLst/>
+              <a:latin typeface="+mn-lt"/>
+              <a:ea typeface="+mn-ea"/>
+              <a:cs typeface="+mn-cs"/>
+            </a:endParaRPr>
+          </a:p>
+          <a:p>
+            <a:pPr marL="0" marR="0" lvl="0" indent="0" algn="l" defTabSz="914400" rtl="0" eaLnBrk="1" fontAlgn="auto" latinLnBrk="0" hangingPunct="1">
+              <a:lnSpc>
+                <a:spcPct val="100000"/>
+              </a:lnSpc>
+              <a:spcBef>
+                <a:spcPts val="0"/>
+              </a:spcBef>
+              <a:spcAft>
+                <a:spcPts val="0"/>
+              </a:spcAft>
+              <a:buClrTx/>
+              <a:buSzTx/>
+              <a:buFontTx/>
+              <a:buNone/>
+              <a:tabLst/>
+              <a:defRPr/>
+            </a:pPr>
+            <a:r>
+              <a:rPr lang="en-GB" sz="1200" b="0" i="0" kern="1200" dirty="0">
+                <a:solidFill>
+                  <a:schemeClr val="tx1"/>
+                </a:solidFill>
+                <a:effectLst/>
+                <a:latin typeface="+mn-lt"/>
+                <a:ea typeface="+mn-ea"/>
+                <a:cs typeface="+mn-cs"/>
+              </a:rPr>
+              <a:t>*CLICK* The steps section, within each stage, defines what happens within the different declared stages. You might notice in our Pipeline that we are running the first two stages in parallel. </a:t>
+            </a:r>
+          </a:p>
+          <a:p>
+            <a:pPr marL="0" marR="0" lvl="0" indent="0" algn="l" defTabSz="914400" rtl="0" eaLnBrk="1" fontAlgn="auto" latinLnBrk="0" hangingPunct="1">
+              <a:lnSpc>
+                <a:spcPct val="100000"/>
+              </a:lnSpc>
+              <a:spcBef>
+                <a:spcPts val="0"/>
+              </a:spcBef>
+              <a:spcAft>
+                <a:spcPts val="0"/>
+              </a:spcAft>
+              <a:buClrTx/>
+              <a:buSzTx/>
+              <a:buFontTx/>
+              <a:buNone/>
+              <a:tabLst/>
+              <a:defRPr/>
+            </a:pPr>
+            <a:endParaRPr lang="en-GB" sz="1200" b="0" i="0" kern="1200" dirty="0">
+              <a:solidFill>
+                <a:schemeClr val="tx1"/>
+              </a:solidFill>
+              <a:effectLst/>
+              <a:latin typeface="+mn-lt"/>
+              <a:ea typeface="+mn-ea"/>
+              <a:cs typeface="+mn-cs"/>
+            </a:endParaRPr>
+          </a:p>
+          <a:p>
+            <a:pPr marL="0" marR="0" lvl="0" indent="0" algn="l" defTabSz="914400" rtl="0" eaLnBrk="1" fontAlgn="auto" latinLnBrk="0" hangingPunct="1">
+              <a:lnSpc>
+                <a:spcPct val="100000"/>
+              </a:lnSpc>
+              <a:spcBef>
+                <a:spcPts val="0"/>
+              </a:spcBef>
+              <a:spcAft>
+                <a:spcPts val="0"/>
+              </a:spcAft>
+              <a:buClrTx/>
+              <a:buSzTx/>
+              <a:buFontTx/>
+              <a:buNone/>
+              <a:tabLst/>
+              <a:defRPr/>
+            </a:pPr>
+            <a:r>
+              <a:rPr lang="en-GB" sz="1200" b="0" i="0" kern="1200" dirty="0">
+                <a:solidFill>
+                  <a:schemeClr val="tx1"/>
+                </a:solidFill>
+                <a:effectLst/>
+                <a:latin typeface="+mn-lt"/>
+                <a:ea typeface="+mn-ea"/>
+                <a:cs typeface="+mn-cs"/>
+              </a:rPr>
+              <a:t>Now that I’ve covered the basic structure of our pipeline I’ll go into the specifics of our pipeline.</a:t>
+            </a:r>
+          </a:p>
+        </p:txBody>
+      </p:sp>
+      <p:sp>
+        <p:nvSpPr>
+          <p:cNvPr id="4" name="Slide Number Placeholder 3"/>
+          <p:cNvSpPr>
+            <a:spLocks noGrp="1"/>
+          </p:cNvSpPr>
+          <p:nvPr>
+            <p:ph type="sldNum" sz="quarter" idx="5"/>
+          </p:nvPr>
+        </p:nvSpPr>
+        <p:spPr/>
+        <p:txBody>
+          <a:bodyPr/>
+          <a:lstStyle/>
+          <a:p>
+            <a:fld id="{7A507E9C-E9CF-45CC-A225-331D2025989C}" type="slidenum">
+              <a:rPr lang="en-GB" smtClean="0"/>
+              <a:t>12</a:t>
+            </a:fld>
+            <a:endParaRPr lang="en-GB" dirty="0"/>
+          </a:p>
+        </p:txBody>
+      </p:sp>
+    </p:spTree>
+    <p:extLst>
+      <p:ext uri="{BB962C8B-B14F-4D97-AF65-F5344CB8AC3E}">
+        <p14:creationId xmlns:p14="http://schemas.microsoft.com/office/powerpoint/2010/main" val="1161662153"/>
+      </p:ext>
+    </p:extLst>
+  </p:cSld>
+  <p:clrMapOvr>
+    <a:masterClrMapping/>
+  </p:clrMapOvr>
+</p:notes>
+</file>
+
+<file path=ppt/notesSlides/notesSlide13.xml><?xml version="1.0" encoding="utf-8"?>
+<p:notes xmlns:a="http://schemas.openxmlformats.org/drawingml/2006/main" xmlns:r="http://schemas.openxmlformats.org/officeDocument/2006/relationships" xmlns:p="http://schemas.openxmlformats.org/presentationml/2006/main">
+  <p:cSld>
+    <p:spTree>
+      <p:nvGrpSpPr>
+        <p:cNvPr id="1" name=""/>
+        <p:cNvGrpSpPr/>
+        <p:nvPr/>
+      </p:nvGrpSpPr>
+      <p:grpSpPr>
+        <a:xfrm>
+          <a:off x="0" y="0"/>
+          <a:ext cx="0" cy="0"/>
+          <a:chOff x="0" y="0"/>
+          <a:chExt cx="0" cy="0"/>
+        </a:xfrm>
+      </p:grpSpPr>
+      <p:sp>
+        <p:nvSpPr>
+          <p:cNvPr id="2" name="Slide Image Placeholder 1"/>
+          <p:cNvSpPr>
+            <a:spLocks noGrp="1" noRot="1" noChangeAspect="1"/>
+          </p:cNvSpPr>
+          <p:nvPr>
+            <p:ph type="sldImg"/>
+          </p:nvPr>
+        </p:nvSpPr>
+        <p:spPr/>
+      </p:sp>
+      <p:sp>
+        <p:nvSpPr>
+          <p:cNvPr id="3" name="Notes Placeholder 2"/>
+          <p:cNvSpPr>
+            <a:spLocks noGrp="1"/>
+          </p:cNvSpPr>
+          <p:nvPr>
+            <p:ph type="body" idx="1"/>
+          </p:nvPr>
+        </p:nvSpPr>
+        <p:spPr/>
+        <p:txBody>
+          <a:bodyPr/>
+          <a:lstStyle/>
+          <a:p>
+            <a:pPr marL="0" marR="0" lvl="0" indent="0" algn="l" defTabSz="914400" rtl="0" eaLnBrk="1" fontAlgn="auto" latinLnBrk="0" hangingPunct="1">
+              <a:lnSpc>
+                <a:spcPct val="100000"/>
+              </a:lnSpc>
+              <a:spcBef>
+                <a:spcPts val="0"/>
+              </a:spcBef>
+              <a:spcAft>
+                <a:spcPts val="0"/>
+              </a:spcAft>
+              <a:buClrTx/>
+              <a:buSzTx/>
+              <a:buFontTx/>
+              <a:buNone/>
+              <a:tabLst/>
+              <a:defRPr/>
+            </a:pPr>
+            <a:r>
+              <a:rPr lang="en-GB" sz="1200" b="0" i="0" kern="1200" dirty="0">
+                <a:solidFill>
+                  <a:schemeClr val="tx1"/>
+                </a:solidFill>
+                <a:effectLst/>
+                <a:latin typeface="+mn-lt"/>
+                <a:ea typeface="+mn-ea"/>
+                <a:cs typeface="+mn-cs"/>
+              </a:rPr>
+              <a:t>*Have users complete up to Reporting Using Allure*</a:t>
+            </a:r>
+          </a:p>
+          <a:p>
+            <a:pPr marL="0" marR="0" lvl="0" indent="0" algn="l" defTabSz="914400" rtl="0" eaLnBrk="1" fontAlgn="auto" latinLnBrk="0" hangingPunct="1">
+              <a:lnSpc>
+                <a:spcPct val="100000"/>
+              </a:lnSpc>
+              <a:spcBef>
+                <a:spcPts val="0"/>
+              </a:spcBef>
+              <a:spcAft>
+                <a:spcPts val="0"/>
+              </a:spcAft>
+              <a:buClrTx/>
+              <a:buSzTx/>
+              <a:buFontTx/>
+              <a:buNone/>
+              <a:tabLst/>
+              <a:defRPr/>
+            </a:pPr>
+            <a:endParaRPr lang="en-GB" sz="1200" b="0" i="0" kern="1200" dirty="0">
+              <a:solidFill>
+                <a:schemeClr val="tx1"/>
+              </a:solidFill>
+              <a:effectLst/>
+              <a:latin typeface="+mn-lt"/>
+              <a:ea typeface="+mn-ea"/>
+              <a:cs typeface="+mn-cs"/>
+            </a:endParaRPr>
+          </a:p>
+          <a:p>
+            <a:pPr marL="0" marR="0" lvl="0" indent="0" algn="l" defTabSz="914400" rtl="0" eaLnBrk="1" fontAlgn="auto" latinLnBrk="0" hangingPunct="1">
+              <a:lnSpc>
+                <a:spcPct val="100000"/>
+              </a:lnSpc>
+              <a:spcBef>
+                <a:spcPts val="0"/>
+              </a:spcBef>
+              <a:spcAft>
+                <a:spcPts val="0"/>
+              </a:spcAft>
+              <a:buClrTx/>
+              <a:buSzTx/>
+              <a:buFontTx/>
+              <a:buNone/>
+              <a:tabLst/>
+              <a:defRPr/>
+            </a:pPr>
+            <a:r>
+              <a:rPr lang="en-GB" sz="1200" b="0" i="0" kern="1200" dirty="0">
+                <a:solidFill>
+                  <a:schemeClr val="tx1"/>
+                </a:solidFill>
+                <a:effectLst/>
+                <a:latin typeface="+mn-lt"/>
+                <a:ea typeface="+mn-ea"/>
+                <a:cs typeface="+mn-cs"/>
+              </a:rPr>
+              <a:t>Before we add in the reporting capabilities I thought I’d cover what Allure reporter is.</a:t>
+            </a:r>
+          </a:p>
+          <a:p>
+            <a:pPr marL="0" marR="0" lvl="0" indent="0" algn="l" defTabSz="914400" rtl="0" eaLnBrk="1" fontAlgn="auto" latinLnBrk="0" hangingPunct="1">
+              <a:lnSpc>
+                <a:spcPct val="100000"/>
+              </a:lnSpc>
+              <a:spcBef>
+                <a:spcPts val="0"/>
+              </a:spcBef>
+              <a:spcAft>
+                <a:spcPts val="0"/>
+              </a:spcAft>
+              <a:buClrTx/>
+              <a:buSzTx/>
+              <a:buFontTx/>
+              <a:buNone/>
+              <a:tabLst/>
+              <a:defRPr/>
+            </a:pPr>
+            <a:endParaRPr lang="en-GB" sz="1200" b="0" i="0" kern="1200" dirty="0">
+              <a:solidFill>
+                <a:schemeClr val="tx1"/>
+              </a:solidFill>
+              <a:effectLst/>
+              <a:latin typeface="+mn-lt"/>
+              <a:ea typeface="+mn-ea"/>
+              <a:cs typeface="+mn-cs"/>
+            </a:endParaRPr>
+          </a:p>
+          <a:p>
+            <a:pPr marL="0" marR="0" lvl="0" indent="0" algn="l" defTabSz="914400" rtl="0" eaLnBrk="1" fontAlgn="auto" latinLnBrk="0" hangingPunct="1">
+              <a:lnSpc>
+                <a:spcPct val="100000"/>
+              </a:lnSpc>
+              <a:spcBef>
+                <a:spcPts val="0"/>
+              </a:spcBef>
+              <a:spcAft>
+                <a:spcPts val="0"/>
+              </a:spcAft>
+              <a:buClrTx/>
+              <a:buSzTx/>
+              <a:buFontTx/>
+              <a:buNone/>
+              <a:tabLst/>
+              <a:defRPr/>
+            </a:pPr>
+            <a:r>
+              <a:rPr lang="en-GB" sz="1200" b="0" i="0" kern="1200" dirty="0">
+                <a:solidFill>
+                  <a:schemeClr val="tx1"/>
+                </a:solidFill>
+                <a:effectLst/>
+                <a:latin typeface="+mn-lt"/>
+                <a:ea typeface="+mn-ea"/>
+                <a:cs typeface="+mn-cs"/>
+              </a:rPr>
+              <a:t>*CLICK* It’s an open-source test reporter created by the Yandex testing team. </a:t>
+            </a:r>
+          </a:p>
+          <a:p>
+            <a:pPr marL="0" marR="0" lvl="0" indent="0" algn="l" defTabSz="914400" rtl="0" eaLnBrk="1" fontAlgn="auto" latinLnBrk="0" hangingPunct="1">
+              <a:lnSpc>
+                <a:spcPct val="100000"/>
+              </a:lnSpc>
+              <a:spcBef>
+                <a:spcPts val="0"/>
+              </a:spcBef>
+              <a:spcAft>
+                <a:spcPts val="0"/>
+              </a:spcAft>
+              <a:buClrTx/>
+              <a:buSzTx/>
+              <a:buFontTx/>
+              <a:buNone/>
+              <a:tabLst/>
+              <a:defRPr/>
+            </a:pPr>
+            <a:endParaRPr lang="en-GB" sz="1200" b="0" i="0" kern="1200" dirty="0">
+              <a:solidFill>
+                <a:schemeClr val="tx1"/>
+              </a:solidFill>
+              <a:effectLst/>
+              <a:latin typeface="+mn-lt"/>
+              <a:ea typeface="+mn-ea"/>
+              <a:cs typeface="+mn-cs"/>
+            </a:endParaRPr>
+          </a:p>
+          <a:p>
+            <a:pPr marL="0" marR="0" lvl="0" indent="0" algn="l" defTabSz="914400" rtl="0" eaLnBrk="1" fontAlgn="auto" latinLnBrk="0" hangingPunct="1">
+              <a:lnSpc>
+                <a:spcPct val="100000"/>
+              </a:lnSpc>
+              <a:spcBef>
+                <a:spcPts val="0"/>
+              </a:spcBef>
+              <a:spcAft>
+                <a:spcPts val="0"/>
+              </a:spcAft>
+              <a:buClrTx/>
+              <a:buSzTx/>
+              <a:buFontTx/>
+              <a:buNone/>
+              <a:tabLst/>
+              <a:defRPr/>
+            </a:pPr>
+            <a:r>
+              <a:rPr lang="en-GB" sz="1200" b="0" i="0" kern="1200" dirty="0">
+                <a:solidFill>
+                  <a:schemeClr val="tx1"/>
+                </a:solidFill>
+                <a:effectLst/>
+                <a:latin typeface="+mn-lt"/>
+                <a:ea typeface="+mn-ea"/>
+                <a:cs typeface="+mn-cs"/>
+              </a:rPr>
+              <a:t>*CLICK* It generates clear test reports which are readable by all members of your delivery team. </a:t>
+            </a:r>
+          </a:p>
+          <a:p>
+            <a:pPr marL="0" marR="0" lvl="0" indent="0" algn="l" defTabSz="914400" rtl="0" eaLnBrk="1" fontAlgn="auto" latinLnBrk="0" hangingPunct="1">
+              <a:lnSpc>
+                <a:spcPct val="100000"/>
+              </a:lnSpc>
+              <a:spcBef>
+                <a:spcPts val="0"/>
+              </a:spcBef>
+              <a:spcAft>
+                <a:spcPts val="0"/>
+              </a:spcAft>
+              <a:buClrTx/>
+              <a:buSzTx/>
+              <a:buFontTx/>
+              <a:buNone/>
+              <a:tabLst/>
+              <a:defRPr/>
+            </a:pPr>
+            <a:endParaRPr lang="en-GB" sz="1200" b="0" i="0" kern="1200" dirty="0">
+              <a:solidFill>
+                <a:schemeClr val="tx1"/>
+              </a:solidFill>
+              <a:effectLst/>
+              <a:latin typeface="+mn-lt"/>
+              <a:ea typeface="+mn-ea"/>
+              <a:cs typeface="+mn-cs"/>
+            </a:endParaRPr>
+          </a:p>
+          <a:p>
+            <a:pPr marL="0" marR="0" lvl="0" indent="0" algn="l" defTabSz="914400" rtl="0" eaLnBrk="1" fontAlgn="auto" latinLnBrk="0" hangingPunct="1">
+              <a:lnSpc>
+                <a:spcPct val="100000"/>
+              </a:lnSpc>
+              <a:spcBef>
+                <a:spcPts val="0"/>
+              </a:spcBef>
+              <a:spcAft>
+                <a:spcPts val="0"/>
+              </a:spcAft>
+              <a:buClrTx/>
+              <a:buSzTx/>
+              <a:buFontTx/>
+              <a:buNone/>
+              <a:tabLst/>
+              <a:defRPr/>
+            </a:pPr>
+            <a:r>
+              <a:rPr lang="en-GB" sz="1200" b="0" i="0" kern="1200" dirty="0">
+                <a:solidFill>
+                  <a:schemeClr val="tx1"/>
+                </a:solidFill>
+                <a:effectLst/>
+                <a:latin typeface="+mn-lt"/>
+                <a:ea typeface="+mn-ea"/>
+                <a:cs typeface="+mn-cs"/>
+              </a:rPr>
+              <a:t>*CLICK* The reports it generates are in HTML. They can be accessed through the Jenkins UI and a new report is generated each time the tests are run, meaning the results of each Pipeline can be investigated. </a:t>
+            </a:r>
+          </a:p>
+        </p:txBody>
+      </p:sp>
+      <p:sp>
+        <p:nvSpPr>
+          <p:cNvPr id="4" name="Slide Number Placeholder 3"/>
+          <p:cNvSpPr>
+            <a:spLocks noGrp="1"/>
+          </p:cNvSpPr>
+          <p:nvPr>
+            <p:ph type="sldNum" sz="quarter" idx="5"/>
+          </p:nvPr>
+        </p:nvSpPr>
+        <p:spPr/>
+        <p:txBody>
+          <a:bodyPr/>
+          <a:lstStyle/>
+          <a:p>
+            <a:fld id="{7A507E9C-E9CF-45CC-A225-331D2025989C}" type="slidenum">
+              <a:rPr lang="en-GB" smtClean="0"/>
+              <a:t>13</a:t>
+            </a:fld>
+            <a:endParaRPr lang="en-GB" dirty="0"/>
+          </a:p>
+        </p:txBody>
+      </p:sp>
+    </p:spTree>
+    <p:extLst>
+      <p:ext uri="{BB962C8B-B14F-4D97-AF65-F5344CB8AC3E}">
+        <p14:creationId xmlns:p14="http://schemas.microsoft.com/office/powerpoint/2010/main" val="948540102"/>
       </p:ext>
     </p:extLst>
   </p:cSld>
@@ -6395,10 +7388,9 @@
               <a:t>Zalenium</a:t>
             </a:r>
             <a:r>
-              <a:rPr lang="en-US"/>
+              <a:rPr lang="en-US" dirty="0"/>
               <a:t>.</a:t>
             </a:r>
-            <a:endParaRPr lang="en-US" dirty="0"/>
           </a:p>
           <a:p>
             <a:pPr lvl="1"/>
@@ -6605,6 +7597,322 @@
       </p:grpSpPr>
       <p:sp>
         <p:nvSpPr>
+          <p:cNvPr id="2" name="Content Placeholder 1"/>
+          <p:cNvSpPr>
+            <a:spLocks noGrp="1"/>
+          </p:cNvSpPr>
+          <p:nvPr>
+            <p:ph idx="1"/>
+          </p:nvPr>
+        </p:nvSpPr>
+        <p:spPr>
+          <a:xfrm>
+            <a:off x="611560" y="1600201"/>
+            <a:ext cx="7920880" cy="4525963"/>
+          </a:xfrm>
+        </p:spPr>
+        <p:txBody>
+          <a:bodyPr>
+            <a:noAutofit/>
+          </a:bodyPr>
+          <a:lstStyle/>
+          <a:p>
+            <a:r>
+              <a:rPr lang="en-US" sz="2300" dirty="0"/>
+              <a:t>Declarative pipeline.</a:t>
+            </a:r>
+          </a:p>
+          <a:p>
+            <a:r>
+              <a:rPr lang="en-US" sz="2300" dirty="0"/>
+              <a:t>All Declarative pipelines must be enclosed in a </a:t>
+            </a:r>
+            <a:r>
+              <a:rPr lang="en-US" sz="2300" b="1" dirty="0"/>
+              <a:t>pipeline {} </a:t>
+            </a:r>
+            <a:r>
+              <a:rPr lang="en-US" sz="2300" dirty="0"/>
+              <a:t>block.</a:t>
+            </a:r>
+          </a:p>
+          <a:p>
+            <a:r>
+              <a:rPr lang="en-US" sz="2300" b="1" dirty="0"/>
+              <a:t>agent</a:t>
+            </a:r>
+            <a:r>
+              <a:rPr lang="en-US" sz="2300" dirty="0"/>
+              <a:t> – specifies where the pipeline will be run. </a:t>
+            </a:r>
+          </a:p>
+          <a:p>
+            <a:r>
+              <a:rPr lang="en-US" sz="2300" b="1" dirty="0"/>
+              <a:t>tools – </a:t>
+            </a:r>
+            <a:r>
+              <a:rPr lang="en-US" sz="2300" dirty="0"/>
+              <a:t>declares any tools required to be used in the pipeline.</a:t>
+            </a:r>
+          </a:p>
+          <a:p>
+            <a:r>
+              <a:rPr lang="en-US" sz="2300" b="1" dirty="0"/>
+              <a:t>stage – </a:t>
+            </a:r>
+            <a:r>
+              <a:rPr lang="en-US" sz="2300" dirty="0"/>
+              <a:t>declares the different stages of your pipeline.</a:t>
+            </a:r>
+          </a:p>
+          <a:p>
+            <a:r>
+              <a:rPr lang="en-US" sz="2300" b="1" dirty="0"/>
+              <a:t>steps – </a:t>
+            </a:r>
+            <a:r>
+              <a:rPr lang="en-US" sz="2300" dirty="0"/>
+              <a:t>defines what is happening during this stage.</a:t>
+            </a:r>
+          </a:p>
+        </p:txBody>
+      </p:sp>
+      <p:sp>
+        <p:nvSpPr>
+          <p:cNvPr id="3" name="Footer Placeholder 2"/>
+          <p:cNvSpPr>
+            <a:spLocks noGrp="1"/>
+          </p:cNvSpPr>
+          <p:nvPr>
+            <p:ph type="ftr" sz="quarter" idx="3"/>
+          </p:nvPr>
+        </p:nvSpPr>
+        <p:spPr>
+          <a:xfrm>
+            <a:off x="3124200" y="6356351"/>
+            <a:ext cx="2895600" cy="365125"/>
+          </a:xfrm>
+        </p:spPr>
+        <p:txBody>
+          <a:bodyPr/>
+          <a:lstStyle/>
+          <a:p>
+            <a:r>
+              <a:rPr lang="en-GB" sz="1600"/>
+              <a:t>#DevOpsPlayground</a:t>
+            </a:r>
+            <a:endParaRPr lang="en-GB" sz="1600" dirty="0"/>
+          </a:p>
+        </p:txBody>
+      </p:sp>
+      <p:sp>
+        <p:nvSpPr>
+          <p:cNvPr id="4" name="TextBox 3"/>
+          <p:cNvSpPr txBox="1"/>
+          <p:nvPr/>
+        </p:nvSpPr>
+        <p:spPr>
+          <a:xfrm>
+            <a:off x="611560" y="692696"/>
+            <a:ext cx="7920880" cy="523220"/>
+          </a:xfrm>
+          <a:prstGeom prst="rect">
+            <a:avLst/>
+          </a:prstGeom>
+          <a:noFill/>
+        </p:spPr>
+        <p:txBody>
+          <a:bodyPr wrap="square" rtlCol="0">
+            <a:spAutoFit/>
+          </a:bodyPr>
+          <a:lstStyle/>
+          <a:p>
+            <a:r>
+              <a:rPr lang="en-GB" sz="2800" dirty="0">
+                <a:solidFill>
+                  <a:srgbClr val="0070B7"/>
+                </a:solidFill>
+                <a:latin typeface="Arial" panose="020B0604020202020204" pitchFamily="34" charset="0"/>
+                <a:cs typeface="Arial" panose="020B0604020202020204" pitchFamily="34" charset="0"/>
+              </a:rPr>
+              <a:t>Pipeline Syntax</a:t>
+            </a:r>
+          </a:p>
+        </p:txBody>
+      </p:sp>
+    </p:spTree>
+    <p:extLst>
+      <p:ext uri="{BB962C8B-B14F-4D97-AF65-F5344CB8AC3E}">
+        <p14:creationId xmlns:p14="http://schemas.microsoft.com/office/powerpoint/2010/main" val="549948015"/>
+      </p:ext>
+    </p:extLst>
+  </p:cSld>
+  <p:clrMapOvr>
+    <a:masterClrMapping/>
+  </p:clrMapOvr>
+</p:sld>
+</file>
+
+<file path=ppt/slides/slide13.xml><?xml version="1.0" encoding="utf-8"?>
+<p:sld xmlns:a="http://schemas.openxmlformats.org/drawingml/2006/main" xmlns:r="http://schemas.openxmlformats.org/officeDocument/2006/relationships" xmlns:p="http://schemas.openxmlformats.org/presentationml/2006/main">
+  <p:cSld>
+    <p:spTree>
+      <p:nvGrpSpPr>
+        <p:cNvPr id="1" name=""/>
+        <p:cNvGrpSpPr/>
+        <p:nvPr/>
+      </p:nvGrpSpPr>
+      <p:grpSpPr>
+        <a:xfrm>
+          <a:off x="0" y="0"/>
+          <a:ext cx="0" cy="0"/>
+          <a:chOff x="0" y="0"/>
+          <a:chExt cx="0" cy="0"/>
+        </a:xfrm>
+      </p:grpSpPr>
+      <p:sp>
+        <p:nvSpPr>
+          <p:cNvPr id="2" name="Content Placeholder 1"/>
+          <p:cNvSpPr>
+            <a:spLocks noGrp="1"/>
+          </p:cNvSpPr>
+          <p:nvPr>
+            <p:ph idx="1"/>
+          </p:nvPr>
+        </p:nvSpPr>
+        <p:spPr>
+          <a:xfrm>
+            <a:off x="611560" y="1600201"/>
+            <a:ext cx="7920880" cy="4525963"/>
+          </a:xfrm>
+        </p:spPr>
+        <p:txBody>
+          <a:bodyPr>
+            <a:noAutofit/>
+          </a:bodyPr>
+          <a:lstStyle/>
+          <a:p>
+            <a:r>
+              <a:rPr lang="en-US" sz="2300" dirty="0"/>
+              <a:t>Open-source test reporter.</a:t>
+            </a:r>
+          </a:p>
+          <a:p>
+            <a:endParaRPr lang="en-US" sz="2300" dirty="0"/>
+          </a:p>
+          <a:p>
+            <a:r>
+              <a:rPr lang="en-US" sz="2300" dirty="0"/>
+              <a:t>Generates clear reports which are readable by all members of the team.</a:t>
+            </a:r>
+          </a:p>
+          <a:p>
+            <a:endParaRPr lang="en-US" sz="2300" dirty="0"/>
+          </a:p>
+          <a:p>
+            <a:r>
+              <a:rPr lang="en-US" sz="2300" dirty="0"/>
+              <a:t>HTML reports.</a:t>
+            </a:r>
+          </a:p>
+        </p:txBody>
+      </p:sp>
+      <p:sp>
+        <p:nvSpPr>
+          <p:cNvPr id="3" name="Footer Placeholder 2"/>
+          <p:cNvSpPr>
+            <a:spLocks noGrp="1"/>
+          </p:cNvSpPr>
+          <p:nvPr>
+            <p:ph type="ftr" sz="quarter" idx="3"/>
+          </p:nvPr>
+        </p:nvSpPr>
+        <p:spPr>
+          <a:xfrm>
+            <a:off x="3124200" y="6356351"/>
+            <a:ext cx="2895600" cy="365125"/>
+          </a:xfrm>
+        </p:spPr>
+        <p:txBody>
+          <a:bodyPr/>
+          <a:lstStyle/>
+          <a:p>
+            <a:r>
+              <a:rPr lang="en-GB" sz="1600"/>
+              <a:t>#DevOpsPlayground</a:t>
+            </a:r>
+            <a:endParaRPr lang="en-GB" sz="1600" dirty="0"/>
+          </a:p>
+        </p:txBody>
+      </p:sp>
+      <p:sp>
+        <p:nvSpPr>
+          <p:cNvPr id="4" name="TextBox 3"/>
+          <p:cNvSpPr txBox="1"/>
+          <p:nvPr/>
+        </p:nvSpPr>
+        <p:spPr>
+          <a:xfrm>
+            <a:off x="611560" y="692696"/>
+            <a:ext cx="7920880" cy="523220"/>
+          </a:xfrm>
+          <a:prstGeom prst="rect">
+            <a:avLst/>
+          </a:prstGeom>
+          <a:noFill/>
+        </p:spPr>
+        <p:txBody>
+          <a:bodyPr wrap="square" rtlCol="0">
+            <a:spAutoFit/>
+          </a:bodyPr>
+          <a:lstStyle/>
+          <a:p>
+            <a:r>
+              <a:rPr lang="en-GB" sz="2800" dirty="0">
+                <a:solidFill>
+                  <a:srgbClr val="0070B7"/>
+                </a:solidFill>
+                <a:latin typeface="Arial" panose="020B0604020202020204" pitchFamily="34" charset="0"/>
+                <a:cs typeface="Arial" panose="020B0604020202020204" pitchFamily="34" charset="0"/>
+              </a:rPr>
+              <a:t>What is Allure?</a:t>
+            </a:r>
+          </a:p>
+        </p:txBody>
+      </p:sp>
+    </p:spTree>
+    <p:extLst>
+      <p:ext uri="{BB962C8B-B14F-4D97-AF65-F5344CB8AC3E}">
+        <p14:creationId xmlns:p14="http://schemas.microsoft.com/office/powerpoint/2010/main" val="2373741416"/>
+      </p:ext>
+    </p:extLst>
+  </p:cSld>
+  <p:clrMapOvr>
+    <a:masterClrMapping/>
+  </p:clrMapOvr>
+</p:sld>
+</file>
+
+<file path=ppt/slides/slide14.xml><?xml version="1.0" encoding="utf-8"?>
+<p:sld xmlns:a="http://schemas.openxmlformats.org/drawingml/2006/main" xmlns:r="http://schemas.openxmlformats.org/officeDocument/2006/relationships" xmlns:p="http://schemas.openxmlformats.org/presentationml/2006/main">
+  <p:cSld>
+    <p:spTree>
+      <p:nvGrpSpPr>
+        <p:cNvPr id="1" name=""/>
+        <p:cNvGrpSpPr/>
+        <p:nvPr/>
+      </p:nvGrpSpPr>
+      <p:grpSpPr>
+        <a:xfrm>
+          <a:off x="0" y="0"/>
+          <a:ext cx="0" cy="0"/>
+          <a:chOff x="0" y="0"/>
+          <a:chExt cx="0" cy="0"/>
+        </a:xfrm>
+      </p:grpSpPr>
+      <p:sp>
+        <p:nvSpPr>
           <p:cNvPr id="2" name="Footer Placeholder 1"/>
           <p:cNvSpPr>
             <a:spLocks noGrp="1"/>
@@ -6745,8 +8053,8 @@
         </p:blipFill>
         <p:spPr>
           <a:xfrm>
-            <a:off x="2801506" y="2820296"/>
-            <a:ext cx="5818698" cy="2491130"/>
+            <a:off x="4896072" y="3717032"/>
+            <a:ext cx="3724132" cy="1594394"/>
           </a:xfrm>
           <a:prstGeom prst="rect">
             <a:avLst/>
@@ -6783,6 +8091,42 @@
           <a:xfrm>
             <a:off x="3235530" y="531786"/>
             <a:ext cx="5244986" cy="2197816"/>
+          </a:xfrm>
+          <a:prstGeom prst="rect">
+            <a:avLst/>
+          </a:prstGeom>
+        </p:spPr>
+      </p:pic>
+      <p:pic>
+        <p:nvPicPr>
+          <p:cNvPr id="7" name="Picture 6">
+            <a:extLst>
+              <a:ext uri="{FF2B5EF4-FFF2-40B4-BE49-F238E27FC236}">
+                <a16:creationId xmlns:a16="http://schemas.microsoft.com/office/drawing/2014/main" id="{D9D21443-E193-6449-86EF-19FE4E86768B}"/>
+              </a:ext>
+            </a:extLst>
+          </p:cNvPr>
+          <p:cNvPicPr>
+            <a:picLocks noChangeAspect="1"/>
+          </p:cNvPicPr>
+          <p:nvPr/>
+        </p:nvPicPr>
+        <p:blipFill>
+          <a:blip r:embed="rId4">
+            <a:extLst>
+              <a:ext uri="{28A0092B-C50C-407E-A947-70E740481C1C}">
+                <a14:useLocalDpi xmlns:a14="http://schemas.microsoft.com/office/drawing/2010/main" val="0"/>
+              </a:ext>
+            </a:extLst>
+          </a:blip>
+          <a:stretch>
+            <a:fillRect/>
+          </a:stretch>
+        </p:blipFill>
+        <p:spPr>
+          <a:xfrm>
+            <a:off x="2339752" y="3282044"/>
+            <a:ext cx="2304256" cy="2304256"/>
           </a:xfrm>
           <a:prstGeom prst="rect">
             <a:avLst/>

--- a/ZaleniumJenkins.pptx
+++ b/ZaleniumJenkins.pptx
@@ -5,10 +5,10 @@
     <p:sldMasterId id="2147483648" r:id="rId4"/>
   </p:sldMasterIdLst>
   <p:notesMasterIdLst>
-    <p:notesMasterId r:id="rId19"/>
+    <p:notesMasterId r:id="rId23"/>
   </p:notesMasterIdLst>
   <p:handoutMasterIdLst>
-    <p:handoutMasterId r:id="rId20"/>
+    <p:handoutMasterId r:id="rId24"/>
   </p:handoutMasterIdLst>
   <p:sldIdLst>
     <p:sldId id="303" r:id="rId5"/>
@@ -17,14 +17,18 @@
     <p:sldId id="294" r:id="rId8"/>
     <p:sldId id="309" r:id="rId9"/>
     <p:sldId id="306" r:id="rId10"/>
-    <p:sldId id="313" r:id="rId11"/>
-    <p:sldId id="310" r:id="rId12"/>
-    <p:sldId id="311" r:id="rId13"/>
-    <p:sldId id="308" r:id="rId14"/>
-    <p:sldId id="312" r:id="rId15"/>
-    <p:sldId id="314" r:id="rId16"/>
-    <p:sldId id="315" r:id="rId17"/>
-    <p:sldId id="267" r:id="rId18"/>
+    <p:sldId id="318" r:id="rId11"/>
+    <p:sldId id="316" r:id="rId12"/>
+    <p:sldId id="310" r:id="rId13"/>
+    <p:sldId id="311" r:id="rId14"/>
+    <p:sldId id="308" r:id="rId15"/>
+    <p:sldId id="312" r:id="rId16"/>
+    <p:sldId id="314" r:id="rId17"/>
+    <p:sldId id="313" r:id="rId18"/>
+    <p:sldId id="319" r:id="rId19"/>
+    <p:sldId id="315" r:id="rId20"/>
+    <p:sldId id="317" r:id="rId21"/>
+    <p:sldId id="267" r:id="rId22"/>
   </p:sldIdLst>
   <p:sldSz cx="9144000" cy="6858000" type="screen4x3"/>
   <p:notesSz cx="6858000" cy="9144000"/>
@@ -707,7 +711,10 @@
             </a:r>
           </a:p>
           <a:p>
-            <a:endParaRPr lang="en-US" dirty="0"/>
+            <a:r>
+              <a:rPr lang="en-US" dirty="0"/>
+              <a:t> </a:t>
+            </a:r>
           </a:p>
           <a:p>
             <a:r>
@@ -805,9 +812,388 @@
           <a:bodyPr/>
           <a:lstStyle/>
           <a:p>
-            <a:r>
-              <a:rPr lang="en-US" dirty="0"/>
-              <a:t>Tonight’s Playground can be accessed using the link on this slide *make sure people have accessed it fine*.</a:t>
+            <a:pPr marL="0" marR="0" lvl="0" indent="0" algn="l" defTabSz="914400" rtl="0" eaLnBrk="1" fontAlgn="auto" latinLnBrk="0" hangingPunct="1">
+              <a:lnSpc>
+                <a:spcPct val="100000"/>
+              </a:lnSpc>
+              <a:spcBef>
+                <a:spcPts val="0"/>
+              </a:spcBef>
+              <a:spcAft>
+                <a:spcPts val="0"/>
+              </a:spcAft>
+              <a:buClrTx/>
+              <a:buSzTx/>
+              <a:buFontTx/>
+              <a:buNone/>
+              <a:tabLst/>
+              <a:defRPr/>
+            </a:pPr>
+            <a:r>
+              <a:rPr lang="en-GB" sz="1200" b="0" i="0" kern="1200" dirty="0">
+                <a:solidFill>
+                  <a:schemeClr val="tx1"/>
+                </a:solidFill>
+                <a:effectLst/>
+                <a:latin typeface="+mn-lt"/>
+                <a:ea typeface="+mn-ea"/>
+                <a:cs typeface="+mn-cs"/>
+              </a:rPr>
+              <a:t>Given all of that information about Jenkins Pipeline, why would you want to use?</a:t>
+            </a:r>
+          </a:p>
+          <a:p>
+            <a:pPr marL="0" marR="0" lvl="0" indent="0" algn="l" defTabSz="914400" rtl="0" eaLnBrk="1" fontAlgn="auto" latinLnBrk="0" hangingPunct="1">
+              <a:lnSpc>
+                <a:spcPct val="100000"/>
+              </a:lnSpc>
+              <a:spcBef>
+                <a:spcPts val="0"/>
+              </a:spcBef>
+              <a:spcAft>
+                <a:spcPts val="0"/>
+              </a:spcAft>
+              <a:buClrTx/>
+              <a:buSzTx/>
+              <a:buFontTx/>
+              <a:buNone/>
+              <a:tabLst/>
+              <a:defRPr/>
+            </a:pPr>
+            <a:endParaRPr lang="en-GB" sz="1200" b="0" i="0" kern="1200" dirty="0">
+              <a:solidFill>
+                <a:schemeClr val="tx1"/>
+              </a:solidFill>
+              <a:effectLst/>
+              <a:latin typeface="+mn-lt"/>
+              <a:ea typeface="+mn-ea"/>
+              <a:cs typeface="+mn-cs"/>
+            </a:endParaRPr>
+          </a:p>
+          <a:p>
+            <a:pPr marL="0" marR="0" lvl="0" indent="0" algn="l" defTabSz="914400" rtl="0" eaLnBrk="1" fontAlgn="auto" latinLnBrk="0" hangingPunct="1">
+              <a:lnSpc>
+                <a:spcPct val="100000"/>
+              </a:lnSpc>
+              <a:spcBef>
+                <a:spcPts val="0"/>
+              </a:spcBef>
+              <a:spcAft>
+                <a:spcPts val="0"/>
+              </a:spcAft>
+              <a:buClrTx/>
+              <a:buSzTx/>
+              <a:buFontTx/>
+              <a:buNone/>
+              <a:tabLst/>
+              <a:defRPr/>
+            </a:pPr>
+            <a:r>
+              <a:rPr lang="en-GB" sz="1200" b="0" i="0" kern="1200" dirty="0">
+                <a:solidFill>
+                  <a:schemeClr val="tx1"/>
+                </a:solidFill>
+                <a:effectLst/>
+                <a:latin typeface="+mn-lt"/>
+                <a:ea typeface="+mn-ea"/>
+                <a:cs typeface="+mn-cs"/>
+              </a:rPr>
+              <a:t>*CLICK* It adds access to a lot of powerful automation tools into Jenkins, ranging from Continuous Integration to Continuous Delivery activities.</a:t>
+            </a:r>
+          </a:p>
+          <a:p>
+            <a:pPr marL="0" marR="0" lvl="0" indent="0" algn="l" defTabSz="914400" rtl="0" eaLnBrk="1" fontAlgn="auto" latinLnBrk="0" hangingPunct="1">
+              <a:lnSpc>
+                <a:spcPct val="100000"/>
+              </a:lnSpc>
+              <a:spcBef>
+                <a:spcPts val="0"/>
+              </a:spcBef>
+              <a:spcAft>
+                <a:spcPts val="0"/>
+              </a:spcAft>
+              <a:buClrTx/>
+              <a:buSzTx/>
+              <a:buFontTx/>
+              <a:buNone/>
+              <a:tabLst/>
+              <a:defRPr/>
+            </a:pPr>
+            <a:endParaRPr lang="en-GB" sz="1200" b="0" i="0" kern="1200" dirty="0">
+              <a:solidFill>
+                <a:schemeClr val="tx1"/>
+              </a:solidFill>
+              <a:effectLst/>
+              <a:latin typeface="+mn-lt"/>
+              <a:ea typeface="+mn-ea"/>
+              <a:cs typeface="+mn-cs"/>
+            </a:endParaRPr>
+          </a:p>
+          <a:p>
+            <a:pPr marL="0" marR="0" lvl="0" indent="0" algn="l" defTabSz="914400" rtl="0" eaLnBrk="1" fontAlgn="auto" latinLnBrk="0" hangingPunct="1">
+              <a:lnSpc>
+                <a:spcPct val="100000"/>
+              </a:lnSpc>
+              <a:spcBef>
+                <a:spcPts val="0"/>
+              </a:spcBef>
+              <a:spcAft>
+                <a:spcPts val="0"/>
+              </a:spcAft>
+              <a:buClrTx/>
+              <a:buSzTx/>
+              <a:buFontTx/>
+              <a:buNone/>
+              <a:tabLst/>
+              <a:defRPr/>
+            </a:pPr>
+            <a:r>
+              <a:rPr lang="en-GB" sz="1200" b="0" i="0" kern="1200" dirty="0">
+                <a:solidFill>
+                  <a:schemeClr val="tx1"/>
+                </a:solidFill>
+                <a:effectLst/>
+                <a:latin typeface="+mn-lt"/>
+                <a:ea typeface="+mn-ea"/>
+                <a:cs typeface="+mn-cs"/>
+              </a:rPr>
+              <a:t>*CLICK* Pipelines are implemented in code and typically checked into source control, giving teams the ability to edit, review, and iterate upon their delivery pipeline.</a:t>
+            </a:r>
+          </a:p>
+          <a:p>
+            <a:pPr marL="0" marR="0" lvl="0" indent="0" algn="l" defTabSz="914400" rtl="0" eaLnBrk="1" fontAlgn="auto" latinLnBrk="0" hangingPunct="1">
+              <a:lnSpc>
+                <a:spcPct val="100000"/>
+              </a:lnSpc>
+              <a:spcBef>
+                <a:spcPts val="0"/>
+              </a:spcBef>
+              <a:spcAft>
+                <a:spcPts val="0"/>
+              </a:spcAft>
+              <a:buClrTx/>
+              <a:buSzTx/>
+              <a:buFontTx/>
+              <a:buNone/>
+              <a:tabLst/>
+              <a:defRPr/>
+            </a:pPr>
+            <a:endParaRPr lang="en-GB" sz="1200" b="0" i="0" kern="1200" dirty="0">
+              <a:solidFill>
+                <a:schemeClr val="tx1"/>
+              </a:solidFill>
+              <a:effectLst/>
+              <a:latin typeface="+mn-lt"/>
+              <a:ea typeface="+mn-ea"/>
+              <a:cs typeface="+mn-cs"/>
+            </a:endParaRPr>
+          </a:p>
+          <a:p>
+            <a:pPr marL="0" marR="0" lvl="0" indent="0" algn="l" defTabSz="914400" rtl="0" eaLnBrk="1" fontAlgn="auto" latinLnBrk="0" hangingPunct="1">
+              <a:lnSpc>
+                <a:spcPct val="100000"/>
+              </a:lnSpc>
+              <a:spcBef>
+                <a:spcPts val="0"/>
+              </a:spcBef>
+              <a:spcAft>
+                <a:spcPts val="0"/>
+              </a:spcAft>
+              <a:buClrTx/>
+              <a:buSzTx/>
+              <a:buFontTx/>
+              <a:buNone/>
+              <a:tabLst/>
+              <a:defRPr/>
+            </a:pPr>
+            <a:r>
+              <a:rPr lang="en-GB" sz="1200" b="0" i="0" kern="1200" dirty="0">
+                <a:solidFill>
+                  <a:schemeClr val="tx1"/>
+                </a:solidFill>
+                <a:effectLst/>
+                <a:latin typeface="+mn-lt"/>
+                <a:ea typeface="+mn-ea"/>
+                <a:cs typeface="+mn-cs"/>
+              </a:rPr>
+              <a:t>*CLICK* Pipelines can survive both planned and unplanned restarts of the Jenkins master.</a:t>
+            </a:r>
+          </a:p>
+          <a:p>
+            <a:pPr marL="0" marR="0" lvl="0" indent="0" algn="l" defTabSz="914400" rtl="0" eaLnBrk="1" fontAlgn="auto" latinLnBrk="0" hangingPunct="1">
+              <a:lnSpc>
+                <a:spcPct val="100000"/>
+              </a:lnSpc>
+              <a:spcBef>
+                <a:spcPts val="0"/>
+              </a:spcBef>
+              <a:spcAft>
+                <a:spcPts val="0"/>
+              </a:spcAft>
+              <a:buClrTx/>
+              <a:buSzTx/>
+              <a:buFontTx/>
+              <a:buNone/>
+              <a:tabLst/>
+              <a:defRPr/>
+            </a:pPr>
+            <a:endParaRPr lang="en-GB" sz="1200" b="0" i="0" kern="1200" dirty="0">
+              <a:solidFill>
+                <a:schemeClr val="tx1"/>
+              </a:solidFill>
+              <a:effectLst/>
+              <a:latin typeface="+mn-lt"/>
+              <a:ea typeface="+mn-ea"/>
+              <a:cs typeface="+mn-cs"/>
+            </a:endParaRPr>
+          </a:p>
+          <a:p>
+            <a:pPr marL="0" marR="0" lvl="0" indent="0" algn="l" defTabSz="914400" rtl="0" eaLnBrk="1" fontAlgn="auto" latinLnBrk="0" hangingPunct="1">
+              <a:lnSpc>
+                <a:spcPct val="100000"/>
+              </a:lnSpc>
+              <a:spcBef>
+                <a:spcPts val="0"/>
+              </a:spcBef>
+              <a:spcAft>
+                <a:spcPts val="0"/>
+              </a:spcAft>
+              <a:buClrTx/>
+              <a:buSzTx/>
+              <a:buFontTx/>
+              <a:buNone/>
+              <a:tabLst/>
+              <a:defRPr/>
+            </a:pPr>
+            <a:r>
+              <a:rPr lang="en-GB" sz="1200" b="0" i="0" kern="1200" dirty="0">
+                <a:solidFill>
+                  <a:schemeClr val="tx1"/>
+                </a:solidFill>
+                <a:effectLst/>
+                <a:latin typeface="+mn-lt"/>
+                <a:ea typeface="+mn-ea"/>
+                <a:cs typeface="+mn-cs"/>
+              </a:rPr>
+              <a:t>*CLICK* It may not be better practice but Pipelines can optionally stop and wait for human input or approval before continuing the Pipeline run.</a:t>
+            </a:r>
+          </a:p>
+          <a:p>
+            <a:pPr marL="0" marR="0" lvl="0" indent="0" algn="l" defTabSz="914400" rtl="0" eaLnBrk="1" fontAlgn="auto" latinLnBrk="0" hangingPunct="1">
+              <a:lnSpc>
+                <a:spcPct val="100000"/>
+              </a:lnSpc>
+              <a:spcBef>
+                <a:spcPts val="0"/>
+              </a:spcBef>
+              <a:spcAft>
+                <a:spcPts val="0"/>
+              </a:spcAft>
+              <a:buClrTx/>
+              <a:buSzTx/>
+              <a:buFontTx/>
+              <a:buNone/>
+              <a:tabLst/>
+              <a:defRPr/>
+            </a:pPr>
+            <a:endParaRPr lang="en-GB" sz="1200" b="0" i="0" kern="1200" dirty="0">
+              <a:solidFill>
+                <a:schemeClr val="tx1"/>
+              </a:solidFill>
+              <a:effectLst/>
+              <a:latin typeface="+mn-lt"/>
+              <a:ea typeface="+mn-ea"/>
+              <a:cs typeface="+mn-cs"/>
+            </a:endParaRPr>
+          </a:p>
+          <a:p>
+            <a:pPr marL="0" marR="0" lvl="0" indent="0" algn="l" defTabSz="914400" rtl="0" eaLnBrk="1" fontAlgn="auto" latinLnBrk="0" hangingPunct="1">
+              <a:lnSpc>
+                <a:spcPct val="100000"/>
+              </a:lnSpc>
+              <a:spcBef>
+                <a:spcPts val="0"/>
+              </a:spcBef>
+              <a:spcAft>
+                <a:spcPts val="0"/>
+              </a:spcAft>
+              <a:buClrTx/>
+              <a:buSzTx/>
+              <a:buFontTx/>
+              <a:buNone/>
+              <a:tabLst/>
+              <a:defRPr/>
+            </a:pPr>
+            <a:r>
+              <a:rPr lang="en-GB" sz="1200" b="0" i="0" kern="1200" dirty="0">
+                <a:solidFill>
+                  <a:schemeClr val="tx1"/>
+                </a:solidFill>
+                <a:effectLst/>
+                <a:latin typeface="+mn-lt"/>
+                <a:ea typeface="+mn-ea"/>
+                <a:cs typeface="+mn-cs"/>
+              </a:rPr>
+              <a:t>*CLICK* Pipelines support complex real-world CD requirements, including the ability to fork, loop, and perform work in parallel.</a:t>
+            </a:r>
+          </a:p>
+          <a:p>
+            <a:pPr marL="0" marR="0" lvl="0" indent="0" algn="l" defTabSz="914400" rtl="0" eaLnBrk="1" fontAlgn="auto" latinLnBrk="0" hangingPunct="1">
+              <a:lnSpc>
+                <a:spcPct val="100000"/>
+              </a:lnSpc>
+              <a:spcBef>
+                <a:spcPts val="0"/>
+              </a:spcBef>
+              <a:spcAft>
+                <a:spcPts val="0"/>
+              </a:spcAft>
+              <a:buClrTx/>
+              <a:buSzTx/>
+              <a:buFontTx/>
+              <a:buNone/>
+              <a:tabLst/>
+              <a:defRPr/>
+            </a:pPr>
+            <a:endParaRPr lang="en-GB" sz="1200" b="0" i="0" kern="1200" dirty="0">
+              <a:solidFill>
+                <a:schemeClr val="tx1"/>
+              </a:solidFill>
+              <a:effectLst/>
+              <a:latin typeface="+mn-lt"/>
+              <a:ea typeface="+mn-ea"/>
+              <a:cs typeface="+mn-cs"/>
+            </a:endParaRPr>
+          </a:p>
+          <a:p>
+            <a:pPr marL="0" marR="0" lvl="0" indent="0" algn="l" defTabSz="914400" rtl="0" eaLnBrk="1" fontAlgn="auto" latinLnBrk="0" hangingPunct="1">
+              <a:lnSpc>
+                <a:spcPct val="100000"/>
+              </a:lnSpc>
+              <a:spcBef>
+                <a:spcPts val="0"/>
+              </a:spcBef>
+              <a:spcAft>
+                <a:spcPts val="0"/>
+              </a:spcAft>
+              <a:buClrTx/>
+              <a:buSzTx/>
+              <a:buFontTx/>
+              <a:buNone/>
+              <a:tabLst/>
+              <a:defRPr/>
+            </a:pPr>
+            <a:r>
+              <a:rPr lang="en-GB" sz="1200" b="0" i="0" kern="1200" dirty="0">
+                <a:solidFill>
+                  <a:schemeClr val="tx1"/>
+                </a:solidFill>
+                <a:effectLst/>
+                <a:latin typeface="+mn-lt"/>
+                <a:ea typeface="+mn-ea"/>
+                <a:cs typeface="+mn-cs"/>
+              </a:rPr>
+              <a:t>*CLICK* The Pipeline plugin supports custom extensions to its DSL and multiple options for integration with other plugins.</a:t>
             </a:r>
           </a:p>
         </p:txBody>
@@ -838,7 +1224,7 @@
     </p:spTree>
     <p:extLst>
       <p:ext uri="{BB962C8B-B14F-4D97-AF65-F5344CB8AC3E}">
-        <p14:creationId xmlns:p14="http://schemas.microsoft.com/office/powerpoint/2010/main" val="2965049787"/>
+        <p14:creationId xmlns:p14="http://schemas.microsoft.com/office/powerpoint/2010/main" val="810663806"/>
       </p:ext>
     </p:extLst>
   </p:cSld>
@@ -892,506 +1278,27 @@
           <a:bodyPr/>
           <a:lstStyle/>
           <a:p>
-            <a:pPr marL="0" marR="0" lvl="0" indent="0" algn="l" defTabSz="914400" rtl="0" eaLnBrk="1" fontAlgn="auto" latinLnBrk="0" hangingPunct="1">
-              <a:lnSpc>
-                <a:spcPct val="100000"/>
-              </a:lnSpc>
-              <a:spcBef>
-                <a:spcPts val="0"/>
-              </a:spcBef>
-              <a:spcAft>
-                <a:spcPts val="0"/>
-              </a:spcAft>
-              <a:buClrTx/>
-              <a:buSzTx/>
-              <a:buFontTx/>
-              <a:buNone/>
-              <a:tabLst/>
-              <a:defRPr/>
-            </a:pPr>
-            <a:r>
-              <a:rPr lang="en-GB" sz="1200" b="0" i="0" kern="1200" dirty="0">
-                <a:solidFill>
-                  <a:schemeClr val="tx1"/>
-                </a:solidFill>
-                <a:effectLst/>
-                <a:latin typeface="+mn-lt"/>
-                <a:ea typeface="+mn-ea"/>
-                <a:cs typeface="+mn-cs"/>
-              </a:rPr>
-              <a:t>*Have users follow ‘Accessing Your Jenkins Instance’ and log into their Jenkins instance – make sure all is ok*</a:t>
-            </a:r>
-          </a:p>
-          <a:p>
-            <a:pPr marL="0" marR="0" lvl="0" indent="0" algn="l" defTabSz="914400" rtl="0" eaLnBrk="1" fontAlgn="auto" latinLnBrk="0" hangingPunct="1">
-              <a:lnSpc>
-                <a:spcPct val="100000"/>
-              </a:lnSpc>
-              <a:spcBef>
-                <a:spcPts val="0"/>
-              </a:spcBef>
-              <a:spcAft>
-                <a:spcPts val="0"/>
-              </a:spcAft>
-              <a:buClrTx/>
-              <a:buSzTx/>
-              <a:buFontTx/>
-              <a:buNone/>
-              <a:tabLst/>
-              <a:defRPr/>
-            </a:pPr>
-            <a:endParaRPr lang="en-GB" sz="1200" b="0" i="0" kern="1200" dirty="0">
-              <a:solidFill>
-                <a:schemeClr val="tx1"/>
-              </a:solidFill>
-              <a:effectLst/>
-              <a:latin typeface="+mn-lt"/>
-              <a:ea typeface="+mn-ea"/>
-              <a:cs typeface="+mn-cs"/>
-            </a:endParaRPr>
-          </a:p>
-          <a:p>
-            <a:pPr marL="0" marR="0" lvl="0" indent="0" algn="l" defTabSz="914400" rtl="0" eaLnBrk="1" fontAlgn="auto" latinLnBrk="0" hangingPunct="1">
-              <a:lnSpc>
-                <a:spcPct val="100000"/>
-              </a:lnSpc>
-              <a:spcBef>
-                <a:spcPts val="0"/>
-              </a:spcBef>
-              <a:spcAft>
-                <a:spcPts val="0"/>
-              </a:spcAft>
-              <a:buClrTx/>
-              <a:buSzTx/>
-              <a:buFontTx/>
-              <a:buNone/>
-              <a:tabLst/>
-              <a:defRPr/>
-            </a:pPr>
-            <a:r>
-              <a:rPr lang="en-GB" sz="1200" b="0" i="0" kern="1200" dirty="0">
-                <a:solidFill>
-                  <a:schemeClr val="tx1"/>
-                </a:solidFill>
-                <a:effectLst/>
-                <a:latin typeface="+mn-lt"/>
-                <a:ea typeface="+mn-ea"/>
-                <a:cs typeface="+mn-cs"/>
-              </a:rPr>
-              <a:t>I’ll cover briefly what infrastructure your Jenkins instance is installed on and how we set it up.</a:t>
-            </a:r>
-          </a:p>
-          <a:p>
-            <a:pPr marL="0" marR="0" lvl="0" indent="0" algn="l" defTabSz="914400" rtl="0" eaLnBrk="1" fontAlgn="auto" latinLnBrk="0" hangingPunct="1">
-              <a:lnSpc>
-                <a:spcPct val="100000"/>
-              </a:lnSpc>
-              <a:spcBef>
-                <a:spcPts val="0"/>
-              </a:spcBef>
-              <a:spcAft>
-                <a:spcPts val="0"/>
-              </a:spcAft>
-              <a:buClrTx/>
-              <a:buSzTx/>
-              <a:buFontTx/>
-              <a:buNone/>
-              <a:tabLst/>
-              <a:defRPr/>
-            </a:pPr>
-            <a:endParaRPr lang="en-GB" sz="1200" b="0" i="0" kern="1200" dirty="0">
-              <a:solidFill>
-                <a:schemeClr val="tx1"/>
-              </a:solidFill>
-              <a:effectLst/>
-              <a:latin typeface="+mn-lt"/>
-              <a:ea typeface="+mn-ea"/>
-              <a:cs typeface="+mn-cs"/>
-            </a:endParaRPr>
-          </a:p>
-          <a:p>
-            <a:pPr marL="0" marR="0" lvl="0" indent="0" algn="l" defTabSz="914400" rtl="0" eaLnBrk="1" fontAlgn="auto" latinLnBrk="0" hangingPunct="1">
-              <a:lnSpc>
-                <a:spcPct val="100000"/>
-              </a:lnSpc>
-              <a:spcBef>
-                <a:spcPts val="0"/>
-              </a:spcBef>
-              <a:spcAft>
-                <a:spcPts val="0"/>
-              </a:spcAft>
-              <a:buClrTx/>
-              <a:buSzTx/>
-              <a:buFontTx/>
-              <a:buNone/>
-              <a:tabLst/>
-              <a:defRPr/>
-            </a:pPr>
-            <a:r>
-              <a:rPr lang="en-GB" sz="1200" b="0" i="0" kern="1200" dirty="0">
-                <a:solidFill>
-                  <a:schemeClr val="tx1"/>
-                </a:solidFill>
-                <a:effectLst/>
-                <a:latin typeface="+mn-lt"/>
-                <a:ea typeface="+mn-ea"/>
-                <a:cs typeface="+mn-cs"/>
-              </a:rPr>
-              <a:t>*CLICK* We first of all set up a Linux VM in a new resource group. We used Ubuntu 16.04 as our OS and created the VM through Azure Portal.</a:t>
-            </a:r>
-          </a:p>
-          <a:p>
-            <a:pPr marL="0" marR="0" lvl="0" indent="0" algn="l" defTabSz="914400" rtl="0" eaLnBrk="1" fontAlgn="auto" latinLnBrk="0" hangingPunct="1">
-              <a:lnSpc>
-                <a:spcPct val="100000"/>
-              </a:lnSpc>
-              <a:spcBef>
-                <a:spcPts val="0"/>
-              </a:spcBef>
-              <a:spcAft>
-                <a:spcPts val="0"/>
-              </a:spcAft>
-              <a:buClrTx/>
-              <a:buSzTx/>
-              <a:buFontTx/>
-              <a:buNone/>
-              <a:tabLst/>
-              <a:defRPr/>
-            </a:pPr>
-            <a:endParaRPr lang="en-GB" sz="1200" b="0" i="0" kern="1200" dirty="0">
-              <a:solidFill>
-                <a:schemeClr val="tx1"/>
-              </a:solidFill>
-              <a:effectLst/>
-              <a:latin typeface="+mn-lt"/>
-              <a:ea typeface="+mn-ea"/>
-              <a:cs typeface="+mn-cs"/>
-            </a:endParaRPr>
-          </a:p>
-          <a:p>
-            <a:pPr marL="0" marR="0" lvl="0" indent="0" algn="l" defTabSz="914400" rtl="0" eaLnBrk="1" fontAlgn="auto" latinLnBrk="0" hangingPunct="1">
-              <a:lnSpc>
-                <a:spcPct val="100000"/>
-              </a:lnSpc>
-              <a:spcBef>
-                <a:spcPts val="0"/>
-              </a:spcBef>
-              <a:spcAft>
-                <a:spcPts val="0"/>
-              </a:spcAft>
-              <a:buClrTx/>
-              <a:buSzTx/>
-              <a:buFontTx/>
-              <a:buNone/>
-              <a:tabLst/>
-              <a:defRPr/>
-            </a:pPr>
-            <a:r>
-              <a:rPr lang="en-GB" sz="1200" b="0" i="0" kern="1200" dirty="0">
-                <a:solidFill>
-                  <a:schemeClr val="tx1"/>
-                </a:solidFill>
-                <a:effectLst/>
-                <a:latin typeface="+mn-lt"/>
-                <a:ea typeface="+mn-ea"/>
-                <a:cs typeface="+mn-cs"/>
-              </a:rPr>
-              <a:t>*CLICK* On the first VM we created, we installed Java and Jenkins using the instructions linked in the ReadMe file. </a:t>
-            </a:r>
-          </a:p>
-          <a:p>
-            <a:pPr marL="0" marR="0" lvl="0" indent="0" algn="l" defTabSz="914400" rtl="0" eaLnBrk="1" fontAlgn="auto" latinLnBrk="0" hangingPunct="1">
-              <a:lnSpc>
-                <a:spcPct val="100000"/>
-              </a:lnSpc>
-              <a:spcBef>
-                <a:spcPts val="0"/>
-              </a:spcBef>
-              <a:spcAft>
-                <a:spcPts val="0"/>
-              </a:spcAft>
-              <a:buClrTx/>
-              <a:buSzTx/>
-              <a:buFontTx/>
-              <a:buNone/>
-              <a:tabLst/>
-              <a:defRPr/>
-            </a:pPr>
-            <a:endParaRPr lang="en-GB" sz="1200" b="0" i="0" kern="1200" dirty="0">
-              <a:solidFill>
-                <a:schemeClr val="tx1"/>
-              </a:solidFill>
-              <a:effectLst/>
-              <a:latin typeface="+mn-lt"/>
-              <a:ea typeface="+mn-ea"/>
-              <a:cs typeface="+mn-cs"/>
-            </a:endParaRPr>
-          </a:p>
-          <a:p>
-            <a:pPr marL="0" marR="0" lvl="0" indent="0" algn="l" defTabSz="914400" rtl="0" eaLnBrk="1" fontAlgn="auto" latinLnBrk="0" hangingPunct="1">
-              <a:lnSpc>
-                <a:spcPct val="100000"/>
-              </a:lnSpc>
-              <a:spcBef>
-                <a:spcPts val="0"/>
-              </a:spcBef>
-              <a:spcAft>
-                <a:spcPts val="0"/>
-              </a:spcAft>
-              <a:buClrTx/>
-              <a:buSzTx/>
-              <a:buFontTx/>
-              <a:buNone/>
-              <a:tabLst/>
-              <a:defRPr/>
-            </a:pPr>
-            <a:r>
-              <a:rPr lang="en-GB" sz="1200" b="0" i="0" kern="1200" dirty="0">
-                <a:solidFill>
-                  <a:schemeClr val="tx1"/>
-                </a:solidFill>
-                <a:effectLst/>
-                <a:latin typeface="+mn-lt"/>
-                <a:ea typeface="+mn-ea"/>
-                <a:cs typeface="+mn-cs"/>
-              </a:rPr>
-              <a:t>*CLICK* After starting Jenkins for the first-time we installed the suggested plugins and set up the ‘DevOps’ username and password.</a:t>
-            </a:r>
-          </a:p>
-          <a:p>
-            <a:pPr marL="0" marR="0" lvl="0" indent="0" algn="l" defTabSz="914400" rtl="0" eaLnBrk="1" fontAlgn="auto" latinLnBrk="0" hangingPunct="1">
-              <a:lnSpc>
-                <a:spcPct val="100000"/>
-              </a:lnSpc>
-              <a:spcBef>
-                <a:spcPts val="0"/>
-              </a:spcBef>
-              <a:spcAft>
-                <a:spcPts val="0"/>
-              </a:spcAft>
-              <a:buClrTx/>
-              <a:buSzTx/>
-              <a:buFontTx/>
-              <a:buNone/>
-              <a:tabLst/>
-              <a:defRPr/>
-            </a:pPr>
-            <a:endParaRPr lang="en-GB" sz="1200" b="0" i="0" kern="1200" dirty="0">
-              <a:solidFill>
-                <a:schemeClr val="tx1"/>
-              </a:solidFill>
-              <a:effectLst/>
-              <a:latin typeface="+mn-lt"/>
-              <a:ea typeface="+mn-ea"/>
-              <a:cs typeface="+mn-cs"/>
-            </a:endParaRPr>
-          </a:p>
-          <a:p>
-            <a:pPr marL="0" marR="0" lvl="0" indent="0" algn="l" defTabSz="914400" rtl="0" eaLnBrk="1" fontAlgn="auto" latinLnBrk="0" hangingPunct="1">
-              <a:lnSpc>
-                <a:spcPct val="100000"/>
-              </a:lnSpc>
-              <a:spcBef>
-                <a:spcPts val="0"/>
-              </a:spcBef>
-              <a:spcAft>
-                <a:spcPts val="0"/>
-              </a:spcAft>
-              <a:buClrTx/>
-              <a:buSzTx/>
-              <a:buFontTx/>
-              <a:buNone/>
-              <a:tabLst/>
-              <a:defRPr/>
-            </a:pPr>
-            <a:r>
-              <a:rPr lang="en-GB" sz="1200" b="0" i="0" kern="1200" dirty="0">
-                <a:solidFill>
-                  <a:schemeClr val="tx1"/>
-                </a:solidFill>
-                <a:effectLst/>
-                <a:latin typeface="+mn-lt"/>
-                <a:ea typeface="+mn-ea"/>
-                <a:cs typeface="+mn-cs"/>
-              </a:rPr>
-              <a:t>*CLICK* We then installed Blue Ocean, NodeJS and Allure - we’ll go into more details about these plugins later.</a:t>
-            </a:r>
-          </a:p>
-          <a:p>
-            <a:pPr marL="0" marR="0" lvl="0" indent="0" algn="l" defTabSz="914400" rtl="0" eaLnBrk="1" fontAlgn="auto" latinLnBrk="0" hangingPunct="1">
-              <a:lnSpc>
-                <a:spcPct val="100000"/>
-              </a:lnSpc>
-              <a:spcBef>
-                <a:spcPts val="0"/>
-              </a:spcBef>
-              <a:spcAft>
-                <a:spcPts val="0"/>
-              </a:spcAft>
-              <a:buClrTx/>
-              <a:buSzTx/>
-              <a:buFontTx/>
-              <a:buNone/>
-              <a:tabLst/>
-              <a:defRPr/>
-            </a:pPr>
-            <a:endParaRPr lang="en-GB" sz="1200" b="0" i="0" kern="1200" dirty="0">
-              <a:solidFill>
-                <a:schemeClr val="tx1"/>
-              </a:solidFill>
-              <a:effectLst/>
-              <a:latin typeface="+mn-lt"/>
-              <a:ea typeface="+mn-ea"/>
-              <a:cs typeface="+mn-cs"/>
-            </a:endParaRPr>
-          </a:p>
-          <a:p>
-            <a:pPr marL="0" marR="0" lvl="0" indent="0" algn="l" defTabSz="914400" rtl="0" eaLnBrk="1" fontAlgn="auto" latinLnBrk="0" hangingPunct="1">
-              <a:lnSpc>
-                <a:spcPct val="100000"/>
-              </a:lnSpc>
-              <a:spcBef>
-                <a:spcPts val="0"/>
-              </a:spcBef>
-              <a:spcAft>
-                <a:spcPts val="0"/>
-              </a:spcAft>
-              <a:buClrTx/>
-              <a:buSzTx/>
-              <a:buFontTx/>
-              <a:buNone/>
-              <a:tabLst/>
-              <a:defRPr/>
-            </a:pPr>
-            <a:r>
-              <a:rPr lang="en-GB" sz="1200" b="0" i="0" kern="1200" dirty="0">
-                <a:solidFill>
-                  <a:schemeClr val="tx1"/>
-                </a:solidFill>
-                <a:effectLst/>
-                <a:latin typeface="+mn-lt"/>
-                <a:ea typeface="+mn-ea"/>
-                <a:cs typeface="+mn-cs"/>
-              </a:rPr>
-              <a:t>*CLICK* We then set up the Global Tool Configuration to specify Allure and NodeJS names and versions for the Pipeline to use.</a:t>
-            </a:r>
-          </a:p>
-          <a:p>
-            <a:pPr marL="0" marR="0" lvl="0" indent="0" algn="l" defTabSz="914400" rtl="0" eaLnBrk="1" fontAlgn="auto" latinLnBrk="0" hangingPunct="1">
-              <a:lnSpc>
-                <a:spcPct val="100000"/>
-              </a:lnSpc>
-              <a:spcBef>
-                <a:spcPts val="0"/>
-              </a:spcBef>
-              <a:spcAft>
-                <a:spcPts val="0"/>
-              </a:spcAft>
-              <a:buClrTx/>
-              <a:buSzTx/>
-              <a:buFontTx/>
-              <a:buNone/>
-              <a:tabLst/>
-              <a:defRPr/>
-            </a:pPr>
-            <a:endParaRPr lang="en-GB" sz="1200" b="0" i="0" kern="1200" dirty="0">
-              <a:solidFill>
-                <a:schemeClr val="tx1"/>
-              </a:solidFill>
-              <a:effectLst/>
-              <a:latin typeface="+mn-lt"/>
-              <a:ea typeface="+mn-ea"/>
-              <a:cs typeface="+mn-cs"/>
-            </a:endParaRPr>
-          </a:p>
-          <a:p>
-            <a:pPr marL="0" marR="0" lvl="0" indent="0" algn="l" defTabSz="914400" rtl="0" eaLnBrk="1" fontAlgn="auto" latinLnBrk="0" hangingPunct="1">
-              <a:lnSpc>
-                <a:spcPct val="100000"/>
-              </a:lnSpc>
-              <a:spcBef>
-                <a:spcPts val="0"/>
-              </a:spcBef>
-              <a:spcAft>
-                <a:spcPts val="0"/>
-              </a:spcAft>
-              <a:buClrTx/>
-              <a:buSzTx/>
-              <a:buFontTx/>
-              <a:buNone/>
-              <a:tabLst/>
-              <a:defRPr/>
-            </a:pPr>
-            <a:r>
-              <a:rPr lang="en-GB" sz="1200" b="0" i="0" kern="1200" dirty="0">
-                <a:solidFill>
-                  <a:schemeClr val="tx1"/>
-                </a:solidFill>
-                <a:effectLst/>
-                <a:latin typeface="+mn-lt"/>
-                <a:ea typeface="+mn-ea"/>
-                <a:cs typeface="+mn-cs"/>
-              </a:rPr>
-              <a:t>*CLICK* At this point we stopped the VM and created multiple clones of the disk using Azure CLI. The instructions are included in the ReadMe.</a:t>
-            </a:r>
-          </a:p>
-          <a:p>
-            <a:pPr marL="0" marR="0" lvl="0" indent="0" algn="l" defTabSz="914400" rtl="0" eaLnBrk="1" fontAlgn="auto" latinLnBrk="0" hangingPunct="1">
-              <a:lnSpc>
-                <a:spcPct val="100000"/>
-              </a:lnSpc>
-              <a:spcBef>
-                <a:spcPts val="0"/>
-              </a:spcBef>
-              <a:spcAft>
-                <a:spcPts val="0"/>
-              </a:spcAft>
-              <a:buClrTx/>
-              <a:buSzTx/>
-              <a:buFontTx/>
-              <a:buNone/>
-              <a:tabLst/>
-              <a:defRPr/>
-            </a:pPr>
-            <a:endParaRPr lang="en-GB" sz="1200" b="0" i="0" kern="1200" dirty="0">
-              <a:solidFill>
-                <a:schemeClr val="tx1"/>
-              </a:solidFill>
-              <a:effectLst/>
-              <a:latin typeface="+mn-lt"/>
-              <a:ea typeface="+mn-ea"/>
-              <a:cs typeface="+mn-cs"/>
-            </a:endParaRPr>
-          </a:p>
-          <a:p>
-            <a:pPr marL="0" marR="0" lvl="0" indent="0" algn="l" defTabSz="914400" rtl="0" eaLnBrk="1" fontAlgn="auto" latinLnBrk="0" hangingPunct="1">
-              <a:lnSpc>
-                <a:spcPct val="100000"/>
-              </a:lnSpc>
-              <a:spcBef>
-                <a:spcPts val="0"/>
-              </a:spcBef>
-              <a:spcAft>
-                <a:spcPts val="0"/>
-              </a:spcAft>
-              <a:buClrTx/>
-              <a:buSzTx/>
-              <a:buFontTx/>
-              <a:buNone/>
-              <a:tabLst/>
-              <a:defRPr/>
-            </a:pPr>
-            <a:r>
-              <a:rPr lang="en-GB" sz="1200" b="0" i="0" kern="1200" dirty="0">
-                <a:solidFill>
-                  <a:schemeClr val="tx1"/>
-                </a:solidFill>
-                <a:effectLst/>
-                <a:latin typeface="+mn-lt"/>
-                <a:ea typeface="+mn-ea"/>
-                <a:cs typeface="+mn-cs"/>
-              </a:rPr>
-              <a:t>*CLICK* Finally, we created multiple VMs using our cloned disks by using Azure CLI. </a:t>
+            <a:r>
+              <a:rPr lang="en-US" dirty="0"/>
+              <a:t>Tonight’s Playground can be accessed using the link on this slide *make sure people have accessed it fine*.</a:t>
+            </a:r>
+          </a:p>
+          <a:p>
+            <a:endParaRPr lang="en-US" dirty="0"/>
+          </a:p>
+          <a:p>
+            <a:r>
+              <a:rPr lang="en-US" dirty="0"/>
+              <a:t>Tonight’s Pipeline will involve the following steps *read from slide*</a:t>
+            </a:r>
+          </a:p>
+          <a:p>
+            <a:endParaRPr lang="en-US" dirty="0"/>
+          </a:p>
+          <a:p>
+            <a:r>
+              <a:rPr lang="en-US" dirty="0"/>
+              <a:t>I think it would be good to highlight that we’re only implementing the testing aspect of a Jenkins Pipeline. You would normally start a pipeline with your production or application code building and then being deployed to a test environment and then have your tests run and if they’re successful, deploy the build to production. </a:t>
             </a:r>
           </a:p>
         </p:txBody>
@@ -1422,7 +1329,7 @@
     </p:spTree>
     <p:extLst>
       <p:ext uri="{BB962C8B-B14F-4D97-AF65-F5344CB8AC3E}">
-        <p14:creationId xmlns:p14="http://schemas.microsoft.com/office/powerpoint/2010/main" val="2981770478"/>
+        <p14:creationId xmlns:p14="http://schemas.microsoft.com/office/powerpoint/2010/main" val="2965049787"/>
       </p:ext>
     </p:extLst>
   </p:cSld>
@@ -1503,7 +1410,7 @@
                 <a:ea typeface="+mn-ea"/>
                 <a:cs typeface="+mn-cs"/>
               </a:rPr>
-              <a:t>*Have users edit a Jenkins pipeline – show this slide after running*</a:t>
+              <a:t>*Have users follow ‘Accessing Your Jenkins Instance’ and log into their Jenkins instance – make sure all is ok*</a:t>
             </a:r>
           </a:p>
           <a:p>
@@ -1562,7 +1469,7 @@
                 <a:ea typeface="+mn-ea"/>
                 <a:cs typeface="+mn-cs"/>
               </a:rPr>
-              <a:t>Whilst the first run is taking place I thought I would explain a bit more about the Pipeline code we are using.</a:t>
+              <a:t>I’ll cover briefly what infrastructure your Jenkins instance is installed on and how we set it up.</a:t>
             </a:r>
           </a:p>
           <a:p>
@@ -1621,7 +1528,7 @@
                 <a:ea typeface="+mn-ea"/>
                 <a:cs typeface="+mn-cs"/>
               </a:rPr>
-              <a:t>*CLICK* Our pipeline is a Declarative pipeline. Declarative Pipelines are relatively new to the Pipeline plugin and provides a relatively simple syntax to follow. </a:t>
+              <a:t>*CLICK* We first of all set up a Linux VM in a new resource group. We used Ubuntu 16.04 as our OS and created the VM through Azure Portal.</a:t>
             </a:r>
           </a:p>
           <a:p>
@@ -1680,7 +1587,7 @@
                 <a:ea typeface="+mn-ea"/>
                 <a:cs typeface="+mn-cs"/>
               </a:rPr>
-              <a:t>Previously Pipelines were only written in a Scripted Pipeline syntax, which meant there was a bit of a learning curve for teams as it was written in pure Groovy. Scripted syntax may be more desirable for more experienced users as the only limitations on syntax come from Groovy itself.</a:t>
+              <a:t>*CLICK* On the first VM we created, we installed Java and Jenkins using the instructions linked in the ReadMe file. </a:t>
             </a:r>
           </a:p>
           <a:p>
@@ -1739,7 +1646,7 @@
                 <a:ea typeface="+mn-ea"/>
                 <a:cs typeface="+mn-cs"/>
               </a:rPr>
-              <a:t>*CLICK* All declarative pipelines must be enclosed in a pipeline block.</a:t>
+              <a:t>*CLICK* After starting Jenkins for the first-time we installed the suggested plugins and set up the ‘DevOps’ username and password.</a:t>
             </a:r>
           </a:p>
           <a:p>
@@ -1798,7 +1705,7 @@
                 <a:ea typeface="+mn-ea"/>
                 <a:cs typeface="+mn-cs"/>
               </a:rPr>
-              <a:t>*CLICK* The agent property is required at the top level of the pipeline block, but you can declare optional agents at different stages of your pipeline. Our pipeline is not run on any specific agents so we use the value ‘any’, but if you would like your pipeline to run in Docker, for example, you can declare this here.</a:t>
+              <a:t>*CLICK* We then installed Blue Ocean, NodeJS and Allure - we’ll go into more details about these plugins later.</a:t>
             </a:r>
           </a:p>
           <a:p>
@@ -1857,7 +1764,7 @@
                 <a:ea typeface="+mn-ea"/>
                 <a:cs typeface="+mn-cs"/>
               </a:rPr>
-              <a:t>*CLICK* The next sections we have is the tools section. It declares one or more tools to be installed and put on the PATH. In our case we installed NodeJS as we require it to install dependencies.  </a:t>
+              <a:t>*CLICK* We then set up the Global Tool Configuration to specify Allure and NodeJS names and versions for the Pipeline to use.</a:t>
             </a:r>
           </a:p>
           <a:p>
@@ -1916,7 +1823,7 @@
                 <a:ea typeface="+mn-ea"/>
                 <a:cs typeface="+mn-cs"/>
               </a:rPr>
-              <a:t>*CLICK* The stage section is pretty self-explanatory in that it defines the different stages or sections of your pipeline.</a:t>
+              <a:t>*CLICK* At this point we stopped the VM and created multiple clones of the disk using Azure CLI. The instructions are included in the ReadMe.</a:t>
             </a:r>
           </a:p>
           <a:p>
@@ -1975,66 +1882,7 @@
                 <a:ea typeface="+mn-ea"/>
                 <a:cs typeface="+mn-cs"/>
               </a:rPr>
-              <a:t>*CLICK* The steps section, within each stage, defines what happens within the different declared stages. You might notice in our Pipeline that we are running the first two stages in parallel. </a:t>
-            </a:r>
-          </a:p>
-          <a:p>
-            <a:pPr marL="0" marR="0" lvl="0" indent="0" algn="l" defTabSz="914400" rtl="0" eaLnBrk="1" fontAlgn="auto" latinLnBrk="0" hangingPunct="1">
-              <a:lnSpc>
-                <a:spcPct val="100000"/>
-              </a:lnSpc>
-              <a:spcBef>
-                <a:spcPts val="0"/>
-              </a:spcBef>
-              <a:spcAft>
-                <a:spcPts val="0"/>
-              </a:spcAft>
-              <a:buClrTx/>
-              <a:buSzTx/>
-              <a:buFontTx/>
-              <a:buNone/>
-              <a:tabLst/>
-              <a:defRPr/>
-            </a:pPr>
-            <a:endParaRPr lang="en-GB" sz="1200" b="0" i="0" kern="1200" dirty="0">
-              <a:solidFill>
-                <a:schemeClr val="tx1"/>
-              </a:solidFill>
-              <a:effectLst/>
-              <a:latin typeface="+mn-lt"/>
-              <a:ea typeface="+mn-ea"/>
-              <a:cs typeface="+mn-cs"/>
-            </a:endParaRPr>
-          </a:p>
-          <a:p>
-            <a:pPr marL="0" marR="0" lvl="0" indent="0" algn="l" defTabSz="914400" rtl="0" eaLnBrk="1" fontAlgn="auto" latinLnBrk="0" hangingPunct="1">
-              <a:lnSpc>
-                <a:spcPct val="100000"/>
-              </a:lnSpc>
-              <a:spcBef>
-                <a:spcPts val="0"/>
-              </a:spcBef>
-              <a:spcAft>
-                <a:spcPts val="0"/>
-              </a:spcAft>
-              <a:buClrTx/>
-              <a:buSzTx/>
-              <a:buFontTx/>
-              <a:buNone/>
-              <a:tabLst/>
-              <a:defRPr/>
-            </a:pPr>
-            <a:r>
-              <a:rPr lang="en-GB" sz="1200" b="0" i="0" kern="1200" dirty="0">
-                <a:solidFill>
-                  <a:schemeClr val="tx1"/>
-                </a:solidFill>
-                <a:effectLst/>
-                <a:latin typeface="+mn-lt"/>
-                <a:ea typeface="+mn-ea"/>
-                <a:cs typeface="+mn-cs"/>
-              </a:rPr>
-              <a:t>Now that I’ve covered the basic structure of our pipeline I’ll go into the specifics of our pipeline.</a:t>
+              <a:t>*CLICK* Finally, we created multiple VMs using our cloned disks by using Azure CLI. </a:t>
             </a:r>
           </a:p>
         </p:txBody>
@@ -2065,7 +1913,7 @@
     </p:spTree>
     <p:extLst>
       <p:ext uri="{BB962C8B-B14F-4D97-AF65-F5344CB8AC3E}">
-        <p14:creationId xmlns:p14="http://schemas.microsoft.com/office/powerpoint/2010/main" val="1161662153"/>
+        <p14:creationId xmlns:p14="http://schemas.microsoft.com/office/powerpoint/2010/main" val="2981770478"/>
       </p:ext>
     </p:extLst>
   </p:cSld>
@@ -2146,7 +1994,7 @@
                 <a:ea typeface="+mn-ea"/>
                 <a:cs typeface="+mn-cs"/>
               </a:rPr>
-              <a:t>*Have users complete up to Reporting Using Allure*</a:t>
+              <a:t>*Have users edit a Jenkins pipeline – show this slide after running*</a:t>
             </a:r>
           </a:p>
           <a:p>
@@ -2205,7 +2053,7 @@
                 <a:ea typeface="+mn-ea"/>
                 <a:cs typeface="+mn-cs"/>
               </a:rPr>
-              <a:t>Before we add in the reporting capabilities I thought I’d cover what Allure reporter is.</a:t>
+              <a:t>Whilst the first run is taking place I thought I would explain a bit more about the Pipeline code we are using.</a:t>
             </a:r>
           </a:p>
           <a:p>
@@ -2264,7 +2112,7 @@
                 <a:ea typeface="+mn-ea"/>
                 <a:cs typeface="+mn-cs"/>
               </a:rPr>
-              <a:t>*CLICK* It’s an open-source test reporter created by the Yandex testing team. </a:t>
+              <a:t>*CLICK* Our pipeline is a Declarative pipeline. Declarative Pipelines are relatively new to the Pipeline plugin and provides a relatively simple syntax to follow. </a:t>
             </a:r>
           </a:p>
           <a:p>
@@ -2323,7 +2171,7 @@
                 <a:ea typeface="+mn-ea"/>
                 <a:cs typeface="+mn-cs"/>
               </a:rPr>
-              <a:t>*CLICK* It generates clear test reports which are readable by all members of your delivery team. </a:t>
+              <a:t>Previously Pipelines were only written in a Scripted Pipeline syntax, which meant there was a bit of a learning curve for teams as it was written in pure Groovy. Scripted syntax may be more desirable for more experienced users as the only limitations on syntax come from Groovy itself.</a:t>
             </a:r>
           </a:p>
           <a:p>
@@ -2382,7 +2230,302 @@
                 <a:ea typeface="+mn-ea"/>
                 <a:cs typeface="+mn-cs"/>
               </a:rPr>
-              <a:t>*CLICK* The reports it generates are in HTML. They can be accessed through the Jenkins UI and a new report is generated each time the tests are run, meaning the results of each Pipeline can be investigated. </a:t>
+              <a:t>*CLICK* All declarative pipelines must be enclosed in a pipeline block.</a:t>
+            </a:r>
+          </a:p>
+          <a:p>
+            <a:pPr marL="0" marR="0" lvl="0" indent="0" algn="l" defTabSz="914400" rtl="0" eaLnBrk="1" fontAlgn="auto" latinLnBrk="0" hangingPunct="1">
+              <a:lnSpc>
+                <a:spcPct val="100000"/>
+              </a:lnSpc>
+              <a:spcBef>
+                <a:spcPts val="0"/>
+              </a:spcBef>
+              <a:spcAft>
+                <a:spcPts val="0"/>
+              </a:spcAft>
+              <a:buClrTx/>
+              <a:buSzTx/>
+              <a:buFontTx/>
+              <a:buNone/>
+              <a:tabLst/>
+              <a:defRPr/>
+            </a:pPr>
+            <a:endParaRPr lang="en-GB" sz="1200" b="0" i="0" kern="1200" dirty="0">
+              <a:solidFill>
+                <a:schemeClr val="tx1"/>
+              </a:solidFill>
+              <a:effectLst/>
+              <a:latin typeface="+mn-lt"/>
+              <a:ea typeface="+mn-ea"/>
+              <a:cs typeface="+mn-cs"/>
+            </a:endParaRPr>
+          </a:p>
+          <a:p>
+            <a:pPr marL="0" marR="0" lvl="0" indent="0" algn="l" defTabSz="914400" rtl="0" eaLnBrk="1" fontAlgn="auto" latinLnBrk="0" hangingPunct="1">
+              <a:lnSpc>
+                <a:spcPct val="100000"/>
+              </a:lnSpc>
+              <a:spcBef>
+                <a:spcPts val="0"/>
+              </a:spcBef>
+              <a:spcAft>
+                <a:spcPts val="0"/>
+              </a:spcAft>
+              <a:buClrTx/>
+              <a:buSzTx/>
+              <a:buFontTx/>
+              <a:buNone/>
+              <a:tabLst/>
+              <a:defRPr/>
+            </a:pPr>
+            <a:r>
+              <a:rPr lang="en-GB" sz="1200" b="0" i="0" kern="1200" dirty="0">
+                <a:solidFill>
+                  <a:schemeClr val="tx1"/>
+                </a:solidFill>
+                <a:effectLst/>
+                <a:latin typeface="+mn-lt"/>
+                <a:ea typeface="+mn-ea"/>
+                <a:cs typeface="+mn-cs"/>
+              </a:rPr>
+              <a:t>*CLICK* The agent property is required at the top level of the pipeline block, but you can declare optional agents at different stages of your pipeline. Our pipeline is not run on any specific agents so we use the value ‘any’, but if you would like your pipeline to run in Docker, for example, you can declare this here.</a:t>
+            </a:r>
+          </a:p>
+          <a:p>
+            <a:pPr marL="0" marR="0" lvl="0" indent="0" algn="l" defTabSz="914400" rtl="0" eaLnBrk="1" fontAlgn="auto" latinLnBrk="0" hangingPunct="1">
+              <a:lnSpc>
+                <a:spcPct val="100000"/>
+              </a:lnSpc>
+              <a:spcBef>
+                <a:spcPts val="0"/>
+              </a:spcBef>
+              <a:spcAft>
+                <a:spcPts val="0"/>
+              </a:spcAft>
+              <a:buClrTx/>
+              <a:buSzTx/>
+              <a:buFontTx/>
+              <a:buNone/>
+              <a:tabLst/>
+              <a:defRPr/>
+            </a:pPr>
+            <a:endParaRPr lang="en-GB" sz="1200" b="0" i="0" kern="1200" dirty="0">
+              <a:solidFill>
+                <a:schemeClr val="tx1"/>
+              </a:solidFill>
+              <a:effectLst/>
+              <a:latin typeface="+mn-lt"/>
+              <a:ea typeface="+mn-ea"/>
+              <a:cs typeface="+mn-cs"/>
+            </a:endParaRPr>
+          </a:p>
+          <a:p>
+            <a:pPr marL="0" marR="0" lvl="0" indent="0" algn="l" defTabSz="914400" rtl="0" eaLnBrk="1" fontAlgn="auto" latinLnBrk="0" hangingPunct="1">
+              <a:lnSpc>
+                <a:spcPct val="100000"/>
+              </a:lnSpc>
+              <a:spcBef>
+                <a:spcPts val="0"/>
+              </a:spcBef>
+              <a:spcAft>
+                <a:spcPts val="0"/>
+              </a:spcAft>
+              <a:buClrTx/>
+              <a:buSzTx/>
+              <a:buFontTx/>
+              <a:buNone/>
+              <a:tabLst/>
+              <a:defRPr/>
+            </a:pPr>
+            <a:r>
+              <a:rPr lang="en-GB" sz="1200" b="0" i="0" kern="1200" dirty="0">
+                <a:solidFill>
+                  <a:schemeClr val="tx1"/>
+                </a:solidFill>
+                <a:effectLst/>
+                <a:latin typeface="+mn-lt"/>
+                <a:ea typeface="+mn-ea"/>
+                <a:cs typeface="+mn-cs"/>
+              </a:rPr>
+              <a:t>*CLICK* The next sections we have is the tools section. It declares one or more tools to be installed and put on the PATH. In our case we installed NodeJS as we require it to install dependencies.  </a:t>
+            </a:r>
+          </a:p>
+          <a:p>
+            <a:pPr marL="0" marR="0" lvl="0" indent="0" algn="l" defTabSz="914400" rtl="0" eaLnBrk="1" fontAlgn="auto" latinLnBrk="0" hangingPunct="1">
+              <a:lnSpc>
+                <a:spcPct val="100000"/>
+              </a:lnSpc>
+              <a:spcBef>
+                <a:spcPts val="0"/>
+              </a:spcBef>
+              <a:spcAft>
+                <a:spcPts val="0"/>
+              </a:spcAft>
+              <a:buClrTx/>
+              <a:buSzTx/>
+              <a:buFontTx/>
+              <a:buNone/>
+              <a:tabLst/>
+              <a:defRPr/>
+            </a:pPr>
+            <a:endParaRPr lang="en-GB" sz="1200" b="0" i="0" kern="1200" dirty="0">
+              <a:solidFill>
+                <a:schemeClr val="tx1"/>
+              </a:solidFill>
+              <a:effectLst/>
+              <a:latin typeface="+mn-lt"/>
+              <a:ea typeface="+mn-ea"/>
+              <a:cs typeface="+mn-cs"/>
+            </a:endParaRPr>
+          </a:p>
+          <a:p>
+            <a:pPr marL="0" marR="0" lvl="0" indent="0" algn="l" defTabSz="914400" rtl="0" eaLnBrk="1" fontAlgn="auto" latinLnBrk="0" hangingPunct="1">
+              <a:lnSpc>
+                <a:spcPct val="100000"/>
+              </a:lnSpc>
+              <a:spcBef>
+                <a:spcPts val="0"/>
+              </a:spcBef>
+              <a:spcAft>
+                <a:spcPts val="0"/>
+              </a:spcAft>
+              <a:buClrTx/>
+              <a:buSzTx/>
+              <a:buFontTx/>
+              <a:buNone/>
+              <a:tabLst/>
+              <a:defRPr/>
+            </a:pPr>
+            <a:r>
+              <a:rPr lang="en-GB" sz="1200" b="0" i="0" kern="1200" dirty="0">
+                <a:solidFill>
+                  <a:schemeClr val="tx1"/>
+                </a:solidFill>
+                <a:effectLst/>
+                <a:latin typeface="+mn-lt"/>
+                <a:ea typeface="+mn-ea"/>
+                <a:cs typeface="+mn-cs"/>
+              </a:rPr>
+              <a:t>*CLICK* The stage section is pretty self-explanatory in that it defines the different stages or sections of your pipeline.</a:t>
+            </a:r>
+          </a:p>
+          <a:p>
+            <a:pPr marL="0" marR="0" lvl="0" indent="0" algn="l" defTabSz="914400" rtl="0" eaLnBrk="1" fontAlgn="auto" latinLnBrk="0" hangingPunct="1">
+              <a:lnSpc>
+                <a:spcPct val="100000"/>
+              </a:lnSpc>
+              <a:spcBef>
+                <a:spcPts val="0"/>
+              </a:spcBef>
+              <a:spcAft>
+                <a:spcPts val="0"/>
+              </a:spcAft>
+              <a:buClrTx/>
+              <a:buSzTx/>
+              <a:buFontTx/>
+              <a:buNone/>
+              <a:tabLst/>
+              <a:defRPr/>
+            </a:pPr>
+            <a:endParaRPr lang="en-GB" sz="1200" b="0" i="0" kern="1200" dirty="0">
+              <a:solidFill>
+                <a:schemeClr val="tx1"/>
+              </a:solidFill>
+              <a:effectLst/>
+              <a:latin typeface="+mn-lt"/>
+              <a:ea typeface="+mn-ea"/>
+              <a:cs typeface="+mn-cs"/>
+            </a:endParaRPr>
+          </a:p>
+          <a:p>
+            <a:pPr marL="0" marR="0" lvl="0" indent="0" algn="l" defTabSz="914400" rtl="0" eaLnBrk="1" fontAlgn="auto" latinLnBrk="0" hangingPunct="1">
+              <a:lnSpc>
+                <a:spcPct val="100000"/>
+              </a:lnSpc>
+              <a:spcBef>
+                <a:spcPts val="0"/>
+              </a:spcBef>
+              <a:spcAft>
+                <a:spcPts val="0"/>
+              </a:spcAft>
+              <a:buClrTx/>
+              <a:buSzTx/>
+              <a:buFontTx/>
+              <a:buNone/>
+              <a:tabLst/>
+              <a:defRPr/>
+            </a:pPr>
+            <a:r>
+              <a:rPr lang="en-GB" sz="1200" b="0" i="0" kern="1200" dirty="0">
+                <a:solidFill>
+                  <a:schemeClr val="tx1"/>
+                </a:solidFill>
+                <a:effectLst/>
+                <a:latin typeface="+mn-lt"/>
+                <a:ea typeface="+mn-ea"/>
+                <a:cs typeface="+mn-cs"/>
+              </a:rPr>
+              <a:t>*CLICK* The steps section, within each stage, defines what happens within the different declared stages. You might notice in our Pipeline that we are running the first two stages in parallel. </a:t>
+            </a:r>
+          </a:p>
+          <a:p>
+            <a:pPr marL="0" marR="0" lvl="0" indent="0" algn="l" defTabSz="914400" rtl="0" eaLnBrk="1" fontAlgn="auto" latinLnBrk="0" hangingPunct="1">
+              <a:lnSpc>
+                <a:spcPct val="100000"/>
+              </a:lnSpc>
+              <a:spcBef>
+                <a:spcPts val="0"/>
+              </a:spcBef>
+              <a:spcAft>
+                <a:spcPts val="0"/>
+              </a:spcAft>
+              <a:buClrTx/>
+              <a:buSzTx/>
+              <a:buFontTx/>
+              <a:buNone/>
+              <a:tabLst/>
+              <a:defRPr/>
+            </a:pPr>
+            <a:endParaRPr lang="en-GB" sz="1200" b="0" i="0" kern="1200" dirty="0">
+              <a:solidFill>
+                <a:schemeClr val="tx1"/>
+              </a:solidFill>
+              <a:effectLst/>
+              <a:latin typeface="+mn-lt"/>
+              <a:ea typeface="+mn-ea"/>
+              <a:cs typeface="+mn-cs"/>
+            </a:endParaRPr>
+          </a:p>
+          <a:p>
+            <a:pPr marL="0" marR="0" lvl="0" indent="0" algn="l" defTabSz="914400" rtl="0" eaLnBrk="1" fontAlgn="auto" latinLnBrk="0" hangingPunct="1">
+              <a:lnSpc>
+                <a:spcPct val="100000"/>
+              </a:lnSpc>
+              <a:spcBef>
+                <a:spcPts val="0"/>
+              </a:spcBef>
+              <a:spcAft>
+                <a:spcPts val="0"/>
+              </a:spcAft>
+              <a:buClrTx/>
+              <a:buSzTx/>
+              <a:buFontTx/>
+              <a:buNone/>
+              <a:tabLst/>
+              <a:defRPr/>
+            </a:pPr>
+            <a:r>
+              <a:rPr lang="en-GB" sz="1200" b="0" i="0" kern="1200" dirty="0">
+                <a:solidFill>
+                  <a:schemeClr val="tx1"/>
+                </a:solidFill>
+                <a:effectLst/>
+                <a:latin typeface="+mn-lt"/>
+                <a:ea typeface="+mn-ea"/>
+                <a:cs typeface="+mn-cs"/>
+              </a:rPr>
+              <a:t>Now that I’ve covered the basic structure of our pipeline I’ll go into the specifics of our pipeline.</a:t>
             </a:r>
           </a:p>
         </p:txBody>
@@ -2413,7 +2556,1451 @@
     </p:spTree>
     <p:extLst>
       <p:ext uri="{BB962C8B-B14F-4D97-AF65-F5344CB8AC3E}">
+        <p14:creationId xmlns:p14="http://schemas.microsoft.com/office/powerpoint/2010/main" val="1161662153"/>
+      </p:ext>
+    </p:extLst>
+  </p:cSld>
+  <p:clrMapOvr>
+    <a:masterClrMapping/>
+  </p:clrMapOvr>
+</p:notes>
+</file>
+
+<file path=ppt/notesSlides/notesSlide14.xml><?xml version="1.0" encoding="utf-8"?>
+<p:notes xmlns:a="http://schemas.openxmlformats.org/drawingml/2006/main" xmlns:r="http://schemas.openxmlformats.org/officeDocument/2006/relationships" xmlns:p="http://schemas.openxmlformats.org/presentationml/2006/main">
+  <p:cSld>
+    <p:spTree>
+      <p:nvGrpSpPr>
+        <p:cNvPr id="1" name=""/>
+        <p:cNvGrpSpPr/>
+        <p:nvPr/>
+      </p:nvGrpSpPr>
+      <p:grpSpPr>
+        <a:xfrm>
+          <a:off x="0" y="0"/>
+          <a:ext cx="0" cy="0"/>
+          <a:chOff x="0" y="0"/>
+          <a:chExt cx="0" cy="0"/>
+        </a:xfrm>
+      </p:grpSpPr>
+      <p:sp>
+        <p:nvSpPr>
+          <p:cNvPr id="2" name="Slide Image Placeholder 1"/>
+          <p:cNvSpPr>
+            <a:spLocks noGrp="1" noRot="1" noChangeAspect="1"/>
+          </p:cNvSpPr>
+          <p:nvPr>
+            <p:ph type="sldImg"/>
+          </p:nvPr>
+        </p:nvSpPr>
+        <p:spPr/>
+      </p:sp>
+      <p:sp>
+        <p:nvSpPr>
+          <p:cNvPr id="3" name="Notes Placeholder 2"/>
+          <p:cNvSpPr>
+            <a:spLocks noGrp="1"/>
+          </p:cNvSpPr>
+          <p:nvPr>
+            <p:ph type="body" idx="1"/>
+          </p:nvPr>
+        </p:nvSpPr>
+        <p:spPr/>
+        <p:txBody>
+          <a:bodyPr/>
+          <a:lstStyle/>
+          <a:p>
+            <a:pPr marL="0" marR="0" lvl="0" indent="0" algn="l" defTabSz="914400" rtl="0" eaLnBrk="1" fontAlgn="auto" latinLnBrk="0" hangingPunct="1">
+              <a:lnSpc>
+                <a:spcPct val="100000"/>
+              </a:lnSpc>
+              <a:spcBef>
+                <a:spcPts val="0"/>
+              </a:spcBef>
+              <a:spcAft>
+                <a:spcPts val="0"/>
+              </a:spcAft>
+              <a:buClrTx/>
+              <a:buSzTx/>
+              <a:buFontTx/>
+              <a:buNone/>
+              <a:tabLst/>
+              <a:defRPr/>
+            </a:pPr>
+            <a:r>
+              <a:rPr lang="en-US" dirty="0"/>
+              <a:t>Whilst the tests are running I can cover a bit more detail about how our tests are constructed.</a:t>
+            </a:r>
+          </a:p>
+          <a:p>
+            <a:pPr marL="0" marR="0" lvl="0" indent="0" algn="l" defTabSz="914400" rtl="0" eaLnBrk="1" fontAlgn="auto" latinLnBrk="0" hangingPunct="1">
+              <a:lnSpc>
+                <a:spcPct val="100000"/>
+              </a:lnSpc>
+              <a:spcBef>
+                <a:spcPts val="0"/>
+              </a:spcBef>
+              <a:spcAft>
+                <a:spcPts val="0"/>
+              </a:spcAft>
+              <a:buClrTx/>
+              <a:buSzTx/>
+              <a:buFontTx/>
+              <a:buNone/>
+              <a:tabLst/>
+              <a:defRPr/>
+            </a:pPr>
+            <a:endParaRPr lang="en-US" dirty="0"/>
+          </a:p>
+          <a:p>
+            <a:pPr marL="0" marR="0" lvl="0" indent="0" algn="l" defTabSz="914400" rtl="0" eaLnBrk="1" fontAlgn="auto" latinLnBrk="0" hangingPunct="1">
+              <a:lnSpc>
+                <a:spcPct val="100000"/>
+              </a:lnSpc>
+              <a:spcBef>
+                <a:spcPts val="0"/>
+              </a:spcBef>
+              <a:spcAft>
+                <a:spcPts val="0"/>
+              </a:spcAft>
+              <a:buClrTx/>
+              <a:buSzTx/>
+              <a:buFontTx/>
+              <a:buNone/>
+              <a:tabLst/>
+              <a:defRPr/>
+            </a:pPr>
+            <a:r>
+              <a:rPr lang="en-US" dirty="0"/>
+              <a:t>*CLICK* We have written the tests in JavaScript using the </a:t>
+            </a:r>
+            <a:r>
+              <a:rPr lang="en-US" dirty="0" err="1"/>
+              <a:t>WebDriverIO</a:t>
+            </a:r>
+            <a:r>
+              <a:rPr lang="en-US" dirty="0"/>
+              <a:t>. </a:t>
+            </a:r>
+          </a:p>
+          <a:p>
+            <a:pPr marL="0" marR="0" lvl="0" indent="0" algn="l" defTabSz="914400" rtl="0" eaLnBrk="1" fontAlgn="auto" latinLnBrk="0" hangingPunct="1">
+              <a:lnSpc>
+                <a:spcPct val="100000"/>
+              </a:lnSpc>
+              <a:spcBef>
+                <a:spcPts val="0"/>
+              </a:spcBef>
+              <a:spcAft>
+                <a:spcPts val="0"/>
+              </a:spcAft>
+              <a:buClrTx/>
+              <a:buSzTx/>
+              <a:buFontTx/>
+              <a:buNone/>
+              <a:tabLst/>
+              <a:defRPr/>
+            </a:pPr>
+            <a:endParaRPr lang="en-US" dirty="0"/>
+          </a:p>
+          <a:p>
+            <a:pPr marL="0" marR="0" lvl="0" indent="0" algn="l" defTabSz="914400" rtl="0" eaLnBrk="1" fontAlgn="auto" latinLnBrk="0" hangingPunct="1">
+              <a:lnSpc>
+                <a:spcPct val="100000"/>
+              </a:lnSpc>
+              <a:spcBef>
+                <a:spcPts val="0"/>
+              </a:spcBef>
+              <a:spcAft>
+                <a:spcPts val="0"/>
+              </a:spcAft>
+              <a:buClrTx/>
+              <a:buSzTx/>
+              <a:buFontTx/>
+              <a:buNone/>
+              <a:tabLst/>
+              <a:defRPr/>
+            </a:pPr>
+            <a:r>
+              <a:rPr lang="en-US" dirty="0"/>
+              <a:t>*CLICK* </a:t>
+            </a:r>
+            <a:r>
+              <a:rPr lang="en-US" dirty="0" err="1"/>
+              <a:t>WebDriverIO</a:t>
+            </a:r>
+            <a:r>
+              <a:rPr lang="en-US" dirty="0"/>
+              <a:t> is extendable. Helper functions are easy to add and the command line commands are simple to get to grips with.</a:t>
+            </a:r>
+          </a:p>
+          <a:p>
+            <a:pPr marL="0" marR="0" lvl="0" indent="0" algn="l" defTabSz="914400" rtl="0" eaLnBrk="1" fontAlgn="auto" latinLnBrk="0" hangingPunct="1">
+              <a:lnSpc>
+                <a:spcPct val="100000"/>
+              </a:lnSpc>
+              <a:spcBef>
+                <a:spcPts val="0"/>
+              </a:spcBef>
+              <a:spcAft>
+                <a:spcPts val="0"/>
+              </a:spcAft>
+              <a:buClrTx/>
+              <a:buSzTx/>
+              <a:buFontTx/>
+              <a:buNone/>
+              <a:tabLst/>
+              <a:defRPr/>
+            </a:pPr>
+            <a:endParaRPr lang="en-US" dirty="0"/>
+          </a:p>
+          <a:p>
+            <a:pPr marL="0" marR="0" lvl="0" indent="0" algn="l" defTabSz="914400" rtl="0" eaLnBrk="1" fontAlgn="auto" latinLnBrk="0" hangingPunct="1">
+              <a:lnSpc>
+                <a:spcPct val="100000"/>
+              </a:lnSpc>
+              <a:spcBef>
+                <a:spcPts val="0"/>
+              </a:spcBef>
+              <a:spcAft>
+                <a:spcPts val="0"/>
+              </a:spcAft>
+              <a:buClrTx/>
+              <a:buSzTx/>
+              <a:buFontTx/>
+              <a:buNone/>
+              <a:tabLst/>
+              <a:defRPr/>
+            </a:pPr>
+            <a:r>
+              <a:rPr lang="en-US" dirty="0"/>
+              <a:t>*CLICK* </a:t>
+            </a:r>
+            <a:r>
+              <a:rPr lang="en-US" dirty="0" err="1"/>
+              <a:t>WebDriverIO</a:t>
+            </a:r>
+            <a:r>
+              <a:rPr lang="en-US" dirty="0"/>
+              <a:t> is Compatible with most TDD and BDD JavaScript frameworks.</a:t>
+            </a:r>
+          </a:p>
+          <a:p>
+            <a:pPr marL="0" marR="0" lvl="0" indent="0" algn="l" defTabSz="914400" rtl="0" eaLnBrk="1" fontAlgn="auto" latinLnBrk="0" hangingPunct="1">
+              <a:lnSpc>
+                <a:spcPct val="100000"/>
+              </a:lnSpc>
+              <a:spcBef>
+                <a:spcPts val="0"/>
+              </a:spcBef>
+              <a:spcAft>
+                <a:spcPts val="0"/>
+              </a:spcAft>
+              <a:buClrTx/>
+              <a:buSzTx/>
+              <a:buFontTx/>
+              <a:buNone/>
+              <a:tabLst/>
+              <a:defRPr/>
+            </a:pPr>
+            <a:endParaRPr lang="en-US" dirty="0"/>
+          </a:p>
+          <a:p>
+            <a:pPr marL="0" marR="0" lvl="0" indent="0" algn="l" defTabSz="914400" rtl="0" eaLnBrk="1" fontAlgn="auto" latinLnBrk="0" hangingPunct="1">
+              <a:lnSpc>
+                <a:spcPct val="100000"/>
+              </a:lnSpc>
+              <a:spcBef>
+                <a:spcPts val="0"/>
+              </a:spcBef>
+              <a:spcAft>
+                <a:spcPts val="0"/>
+              </a:spcAft>
+              <a:buClrTx/>
+              <a:buSzTx/>
+              <a:buFontTx/>
+              <a:buNone/>
+              <a:tabLst/>
+              <a:defRPr/>
+            </a:pPr>
+            <a:r>
+              <a:rPr lang="en-US" dirty="0"/>
+              <a:t>*CLICK* It is feature-rich and can be used alongside multiple other tools and plugins such as Sauce Labs, Allure and </a:t>
+            </a:r>
+            <a:r>
+              <a:rPr lang="en-US" dirty="0" err="1"/>
+              <a:t>Teamcity</a:t>
+            </a:r>
+            <a:r>
+              <a:rPr lang="en-US" dirty="0"/>
+              <a:t>.</a:t>
+            </a:r>
+          </a:p>
+          <a:p>
+            <a:pPr marL="0" marR="0" lvl="0" indent="0" algn="l" defTabSz="914400" rtl="0" eaLnBrk="1" fontAlgn="auto" latinLnBrk="0" hangingPunct="1">
+              <a:lnSpc>
+                <a:spcPct val="100000"/>
+              </a:lnSpc>
+              <a:spcBef>
+                <a:spcPts val="0"/>
+              </a:spcBef>
+              <a:spcAft>
+                <a:spcPts val="0"/>
+              </a:spcAft>
+              <a:buClrTx/>
+              <a:buSzTx/>
+              <a:buFontTx/>
+              <a:buNone/>
+              <a:tabLst/>
+              <a:defRPr/>
+            </a:pPr>
+            <a:endParaRPr lang="en-US" dirty="0"/>
+          </a:p>
+          <a:p>
+            <a:pPr marL="0" marR="0" lvl="0" indent="0" algn="l" defTabSz="914400" rtl="0" eaLnBrk="1" fontAlgn="auto" latinLnBrk="0" hangingPunct="1">
+              <a:lnSpc>
+                <a:spcPct val="100000"/>
+              </a:lnSpc>
+              <a:spcBef>
+                <a:spcPts val="0"/>
+              </a:spcBef>
+              <a:spcAft>
+                <a:spcPts val="0"/>
+              </a:spcAft>
+              <a:buClrTx/>
+              <a:buSzTx/>
+              <a:buFontTx/>
+              <a:buNone/>
+              <a:tabLst/>
+              <a:defRPr/>
+            </a:pPr>
+            <a:r>
+              <a:rPr lang="en-US" dirty="0"/>
+              <a:t>*CLICK* Parallel or asynchronous tests runs are easy to write. It removes the need to be concerned with race conditions as </a:t>
+            </a:r>
+            <a:r>
+              <a:rPr lang="en-US" dirty="0" err="1"/>
+              <a:t>WebDriverIO</a:t>
+            </a:r>
+            <a:r>
+              <a:rPr lang="en-US" dirty="0"/>
+              <a:t> handles the parallel running of tests for you.</a:t>
+            </a:r>
+          </a:p>
+        </p:txBody>
+      </p:sp>
+      <p:sp>
+        <p:nvSpPr>
+          <p:cNvPr id="4" name="Slide Number Placeholder 3"/>
+          <p:cNvSpPr>
+            <a:spLocks noGrp="1"/>
+          </p:cNvSpPr>
+          <p:nvPr>
+            <p:ph type="sldNum" sz="quarter" idx="5"/>
+          </p:nvPr>
+        </p:nvSpPr>
+        <p:spPr/>
+        <p:txBody>
+          <a:bodyPr/>
+          <a:lstStyle/>
+          <a:p>
+            <a:fld id="{7A507E9C-E9CF-45CC-A225-331D2025989C}" type="slidenum">
+              <a:rPr lang="en-GB" smtClean="0"/>
+              <a:t>14</a:t>
+            </a:fld>
+            <a:endParaRPr lang="en-GB" dirty="0"/>
+          </a:p>
+        </p:txBody>
+      </p:sp>
+    </p:spTree>
+    <p:extLst>
+      <p:ext uri="{BB962C8B-B14F-4D97-AF65-F5344CB8AC3E}">
+        <p14:creationId xmlns:p14="http://schemas.microsoft.com/office/powerpoint/2010/main" val="2394361495"/>
+      </p:ext>
+    </p:extLst>
+  </p:cSld>
+  <p:clrMapOvr>
+    <a:masterClrMapping/>
+  </p:clrMapOvr>
+</p:notes>
+</file>
+
+<file path=ppt/notesSlides/notesSlide15.xml><?xml version="1.0" encoding="utf-8"?>
+<p:notes xmlns:a="http://schemas.openxmlformats.org/drawingml/2006/main" xmlns:r="http://schemas.openxmlformats.org/officeDocument/2006/relationships" xmlns:p="http://schemas.openxmlformats.org/presentationml/2006/main">
+  <p:cSld>
+    <p:spTree>
+      <p:nvGrpSpPr>
+        <p:cNvPr id="1" name=""/>
+        <p:cNvGrpSpPr/>
+        <p:nvPr/>
+      </p:nvGrpSpPr>
+      <p:grpSpPr>
+        <a:xfrm>
+          <a:off x="0" y="0"/>
+          <a:ext cx="0" cy="0"/>
+          <a:chOff x="0" y="0"/>
+          <a:chExt cx="0" cy="0"/>
+        </a:xfrm>
+      </p:grpSpPr>
+      <p:sp>
+        <p:nvSpPr>
+          <p:cNvPr id="2" name="Slide Image Placeholder 1"/>
+          <p:cNvSpPr>
+            <a:spLocks noGrp="1" noRot="1" noChangeAspect="1"/>
+          </p:cNvSpPr>
+          <p:nvPr>
+            <p:ph type="sldImg"/>
+          </p:nvPr>
+        </p:nvSpPr>
+        <p:spPr/>
+      </p:sp>
+      <p:sp>
+        <p:nvSpPr>
+          <p:cNvPr id="3" name="Notes Placeholder 2"/>
+          <p:cNvSpPr>
+            <a:spLocks noGrp="1"/>
+          </p:cNvSpPr>
+          <p:nvPr>
+            <p:ph type="body" idx="1"/>
+          </p:nvPr>
+        </p:nvSpPr>
+        <p:spPr/>
+        <p:txBody>
+          <a:bodyPr/>
+          <a:lstStyle/>
+          <a:p>
+            <a:pPr marL="0" marR="0" lvl="0" indent="0" algn="l" defTabSz="914400" rtl="0" eaLnBrk="1" fontAlgn="auto" latinLnBrk="0" hangingPunct="1">
+              <a:lnSpc>
+                <a:spcPct val="100000"/>
+              </a:lnSpc>
+              <a:spcBef>
+                <a:spcPts val="0"/>
+              </a:spcBef>
+              <a:spcAft>
+                <a:spcPts val="0"/>
+              </a:spcAft>
+              <a:buClrTx/>
+              <a:buSzTx/>
+              <a:buFontTx/>
+              <a:buNone/>
+              <a:tabLst/>
+              <a:defRPr/>
+            </a:pPr>
+            <a:endParaRPr lang="en-US" dirty="0"/>
+          </a:p>
+        </p:txBody>
+      </p:sp>
+      <p:sp>
+        <p:nvSpPr>
+          <p:cNvPr id="4" name="Slide Number Placeholder 3"/>
+          <p:cNvSpPr>
+            <a:spLocks noGrp="1"/>
+          </p:cNvSpPr>
+          <p:nvPr>
+            <p:ph type="sldNum" sz="quarter" idx="5"/>
+          </p:nvPr>
+        </p:nvSpPr>
+        <p:spPr/>
+        <p:txBody>
+          <a:bodyPr/>
+          <a:lstStyle/>
+          <a:p>
+            <a:fld id="{7A507E9C-E9CF-45CC-A225-331D2025989C}" type="slidenum">
+              <a:rPr lang="en-GB" smtClean="0"/>
+              <a:t>15</a:t>
+            </a:fld>
+            <a:endParaRPr lang="en-GB" dirty="0"/>
+          </a:p>
+        </p:txBody>
+      </p:sp>
+    </p:spTree>
+    <p:extLst>
+      <p:ext uri="{BB962C8B-B14F-4D97-AF65-F5344CB8AC3E}">
+        <p14:creationId xmlns:p14="http://schemas.microsoft.com/office/powerpoint/2010/main" val="633061200"/>
+      </p:ext>
+    </p:extLst>
+  </p:cSld>
+  <p:clrMapOvr>
+    <a:masterClrMapping/>
+  </p:clrMapOvr>
+</p:notes>
+</file>
+
+<file path=ppt/notesSlides/notesSlide16.xml><?xml version="1.0" encoding="utf-8"?>
+<p:notes xmlns:a="http://schemas.openxmlformats.org/drawingml/2006/main" xmlns:r="http://schemas.openxmlformats.org/officeDocument/2006/relationships" xmlns:p="http://schemas.openxmlformats.org/presentationml/2006/main">
+  <p:cSld>
+    <p:spTree>
+      <p:nvGrpSpPr>
+        <p:cNvPr id="1" name=""/>
+        <p:cNvGrpSpPr/>
+        <p:nvPr/>
+      </p:nvGrpSpPr>
+      <p:grpSpPr>
+        <a:xfrm>
+          <a:off x="0" y="0"/>
+          <a:ext cx="0" cy="0"/>
+          <a:chOff x="0" y="0"/>
+          <a:chExt cx="0" cy="0"/>
+        </a:xfrm>
+      </p:grpSpPr>
+      <p:sp>
+        <p:nvSpPr>
+          <p:cNvPr id="2" name="Slide Image Placeholder 1"/>
+          <p:cNvSpPr>
+            <a:spLocks noGrp="1" noRot="1" noChangeAspect="1"/>
+          </p:cNvSpPr>
+          <p:nvPr>
+            <p:ph type="sldImg"/>
+          </p:nvPr>
+        </p:nvSpPr>
+        <p:spPr/>
+      </p:sp>
+      <p:sp>
+        <p:nvSpPr>
+          <p:cNvPr id="3" name="Notes Placeholder 2"/>
+          <p:cNvSpPr>
+            <a:spLocks noGrp="1"/>
+          </p:cNvSpPr>
+          <p:nvPr>
+            <p:ph type="body" idx="1"/>
+          </p:nvPr>
+        </p:nvSpPr>
+        <p:spPr/>
+        <p:txBody>
+          <a:bodyPr/>
+          <a:lstStyle/>
+          <a:p>
+            <a:pPr marL="0" marR="0" lvl="0" indent="0" algn="l" defTabSz="914400" rtl="0" eaLnBrk="1" fontAlgn="auto" latinLnBrk="0" hangingPunct="1">
+              <a:lnSpc>
+                <a:spcPct val="100000"/>
+              </a:lnSpc>
+              <a:spcBef>
+                <a:spcPts val="0"/>
+              </a:spcBef>
+              <a:spcAft>
+                <a:spcPts val="0"/>
+              </a:spcAft>
+              <a:buClrTx/>
+              <a:buSzTx/>
+              <a:buFontTx/>
+              <a:buNone/>
+              <a:tabLst/>
+              <a:defRPr/>
+            </a:pPr>
+            <a:r>
+              <a:rPr lang="en-GB" sz="1200" b="0" i="0" kern="1200" dirty="0">
+                <a:solidFill>
+                  <a:schemeClr val="tx1"/>
+                </a:solidFill>
+                <a:effectLst/>
+                <a:latin typeface="+mn-lt"/>
+                <a:ea typeface="+mn-ea"/>
+                <a:cs typeface="+mn-cs"/>
+              </a:rPr>
+              <a:t>*Have users complete up to Reporting Using Allure*</a:t>
+            </a:r>
+          </a:p>
+          <a:p>
+            <a:pPr marL="0" marR="0" lvl="0" indent="0" algn="l" defTabSz="914400" rtl="0" eaLnBrk="1" fontAlgn="auto" latinLnBrk="0" hangingPunct="1">
+              <a:lnSpc>
+                <a:spcPct val="100000"/>
+              </a:lnSpc>
+              <a:spcBef>
+                <a:spcPts val="0"/>
+              </a:spcBef>
+              <a:spcAft>
+                <a:spcPts val="0"/>
+              </a:spcAft>
+              <a:buClrTx/>
+              <a:buSzTx/>
+              <a:buFontTx/>
+              <a:buNone/>
+              <a:tabLst/>
+              <a:defRPr/>
+            </a:pPr>
+            <a:endParaRPr lang="en-GB" sz="1200" b="0" i="0" kern="1200" dirty="0">
+              <a:solidFill>
+                <a:schemeClr val="tx1"/>
+              </a:solidFill>
+              <a:effectLst/>
+              <a:latin typeface="+mn-lt"/>
+              <a:ea typeface="+mn-ea"/>
+              <a:cs typeface="+mn-cs"/>
+            </a:endParaRPr>
+          </a:p>
+          <a:p>
+            <a:pPr marL="0" marR="0" lvl="0" indent="0" algn="l" defTabSz="914400" rtl="0" eaLnBrk="1" fontAlgn="auto" latinLnBrk="0" hangingPunct="1">
+              <a:lnSpc>
+                <a:spcPct val="100000"/>
+              </a:lnSpc>
+              <a:spcBef>
+                <a:spcPts val="0"/>
+              </a:spcBef>
+              <a:spcAft>
+                <a:spcPts val="0"/>
+              </a:spcAft>
+              <a:buClrTx/>
+              <a:buSzTx/>
+              <a:buFontTx/>
+              <a:buNone/>
+              <a:tabLst/>
+              <a:defRPr/>
+            </a:pPr>
+            <a:r>
+              <a:rPr lang="en-GB" sz="1200" b="0" i="0" kern="1200" dirty="0">
+                <a:solidFill>
+                  <a:schemeClr val="tx1"/>
+                </a:solidFill>
+                <a:effectLst/>
+                <a:latin typeface="+mn-lt"/>
+                <a:ea typeface="+mn-ea"/>
+                <a:cs typeface="+mn-cs"/>
+              </a:rPr>
+              <a:t>Before we add in the reporting capabilities I thought I’d cover what Allure reporter is.</a:t>
+            </a:r>
+          </a:p>
+          <a:p>
+            <a:pPr marL="0" marR="0" lvl="0" indent="0" algn="l" defTabSz="914400" rtl="0" eaLnBrk="1" fontAlgn="auto" latinLnBrk="0" hangingPunct="1">
+              <a:lnSpc>
+                <a:spcPct val="100000"/>
+              </a:lnSpc>
+              <a:spcBef>
+                <a:spcPts val="0"/>
+              </a:spcBef>
+              <a:spcAft>
+                <a:spcPts val="0"/>
+              </a:spcAft>
+              <a:buClrTx/>
+              <a:buSzTx/>
+              <a:buFontTx/>
+              <a:buNone/>
+              <a:tabLst/>
+              <a:defRPr/>
+            </a:pPr>
+            <a:endParaRPr lang="en-GB" sz="1200" b="0" i="0" kern="1200" dirty="0">
+              <a:solidFill>
+                <a:schemeClr val="tx1"/>
+              </a:solidFill>
+              <a:effectLst/>
+              <a:latin typeface="+mn-lt"/>
+              <a:ea typeface="+mn-ea"/>
+              <a:cs typeface="+mn-cs"/>
+            </a:endParaRPr>
+          </a:p>
+          <a:p>
+            <a:pPr marL="0" marR="0" lvl="0" indent="0" algn="l" defTabSz="914400" rtl="0" eaLnBrk="1" fontAlgn="auto" latinLnBrk="0" hangingPunct="1">
+              <a:lnSpc>
+                <a:spcPct val="100000"/>
+              </a:lnSpc>
+              <a:spcBef>
+                <a:spcPts val="0"/>
+              </a:spcBef>
+              <a:spcAft>
+                <a:spcPts val="0"/>
+              </a:spcAft>
+              <a:buClrTx/>
+              <a:buSzTx/>
+              <a:buFontTx/>
+              <a:buNone/>
+              <a:tabLst/>
+              <a:defRPr/>
+            </a:pPr>
+            <a:r>
+              <a:rPr lang="en-GB" sz="1200" b="0" i="0" kern="1200" dirty="0">
+                <a:solidFill>
+                  <a:schemeClr val="tx1"/>
+                </a:solidFill>
+                <a:effectLst/>
+                <a:latin typeface="+mn-lt"/>
+                <a:ea typeface="+mn-ea"/>
+                <a:cs typeface="+mn-cs"/>
+              </a:rPr>
+              <a:t>*CLICK* It’s an open-source test reporter created by the Yandex testing team. </a:t>
+            </a:r>
+          </a:p>
+          <a:p>
+            <a:pPr marL="0" marR="0" lvl="0" indent="0" algn="l" defTabSz="914400" rtl="0" eaLnBrk="1" fontAlgn="auto" latinLnBrk="0" hangingPunct="1">
+              <a:lnSpc>
+                <a:spcPct val="100000"/>
+              </a:lnSpc>
+              <a:spcBef>
+                <a:spcPts val="0"/>
+              </a:spcBef>
+              <a:spcAft>
+                <a:spcPts val="0"/>
+              </a:spcAft>
+              <a:buClrTx/>
+              <a:buSzTx/>
+              <a:buFontTx/>
+              <a:buNone/>
+              <a:tabLst/>
+              <a:defRPr/>
+            </a:pPr>
+            <a:endParaRPr lang="en-GB" sz="1200" b="0" i="0" kern="1200" dirty="0">
+              <a:solidFill>
+                <a:schemeClr val="tx1"/>
+              </a:solidFill>
+              <a:effectLst/>
+              <a:latin typeface="+mn-lt"/>
+              <a:ea typeface="+mn-ea"/>
+              <a:cs typeface="+mn-cs"/>
+            </a:endParaRPr>
+          </a:p>
+          <a:p>
+            <a:pPr marL="0" marR="0" lvl="0" indent="0" algn="l" defTabSz="914400" rtl="0" eaLnBrk="1" fontAlgn="auto" latinLnBrk="0" hangingPunct="1">
+              <a:lnSpc>
+                <a:spcPct val="100000"/>
+              </a:lnSpc>
+              <a:spcBef>
+                <a:spcPts val="0"/>
+              </a:spcBef>
+              <a:spcAft>
+                <a:spcPts val="0"/>
+              </a:spcAft>
+              <a:buClrTx/>
+              <a:buSzTx/>
+              <a:buFontTx/>
+              <a:buNone/>
+              <a:tabLst/>
+              <a:defRPr/>
+            </a:pPr>
+            <a:r>
+              <a:rPr lang="en-GB" sz="1200" b="0" i="0" kern="1200" dirty="0">
+                <a:solidFill>
+                  <a:schemeClr val="tx1"/>
+                </a:solidFill>
+                <a:effectLst/>
+                <a:latin typeface="+mn-lt"/>
+                <a:ea typeface="+mn-ea"/>
+                <a:cs typeface="+mn-cs"/>
+              </a:rPr>
+              <a:t>*CLICK* It generates clear test reports which are readable by all members of your delivery team. It provides sections which provide an Overview of all tests, it also shows Defects, </a:t>
+            </a:r>
+          </a:p>
+          <a:p>
+            <a:pPr marL="0" marR="0" lvl="0" indent="0" algn="l" defTabSz="914400" rtl="0" eaLnBrk="1" fontAlgn="auto" latinLnBrk="0" hangingPunct="1">
+              <a:lnSpc>
+                <a:spcPct val="100000"/>
+              </a:lnSpc>
+              <a:spcBef>
+                <a:spcPts val="0"/>
+              </a:spcBef>
+              <a:spcAft>
+                <a:spcPts val="0"/>
+              </a:spcAft>
+              <a:buClrTx/>
+              <a:buSzTx/>
+              <a:buFontTx/>
+              <a:buNone/>
+              <a:tabLst/>
+              <a:defRPr/>
+            </a:pPr>
+            <a:endParaRPr lang="en-GB" sz="1200" b="0" i="0" kern="1200" dirty="0">
+              <a:solidFill>
+                <a:schemeClr val="tx1"/>
+              </a:solidFill>
+              <a:effectLst/>
+              <a:latin typeface="+mn-lt"/>
+              <a:ea typeface="+mn-ea"/>
+              <a:cs typeface="+mn-cs"/>
+            </a:endParaRPr>
+          </a:p>
+          <a:p>
+            <a:pPr marL="0" marR="0" lvl="0" indent="0" algn="l" defTabSz="914400" rtl="0" eaLnBrk="1" fontAlgn="auto" latinLnBrk="0" hangingPunct="1">
+              <a:lnSpc>
+                <a:spcPct val="100000"/>
+              </a:lnSpc>
+              <a:spcBef>
+                <a:spcPts val="0"/>
+              </a:spcBef>
+              <a:spcAft>
+                <a:spcPts val="0"/>
+              </a:spcAft>
+              <a:buClrTx/>
+              <a:buSzTx/>
+              <a:buFontTx/>
+              <a:buNone/>
+              <a:tabLst/>
+              <a:defRPr/>
+            </a:pPr>
+            <a:r>
+              <a:rPr lang="en-GB" sz="1200" b="0" i="0" kern="1200" dirty="0">
+                <a:solidFill>
+                  <a:schemeClr val="tx1"/>
+                </a:solidFill>
+                <a:effectLst/>
+                <a:latin typeface="+mn-lt"/>
+                <a:ea typeface="+mn-ea"/>
+                <a:cs typeface="+mn-cs"/>
+              </a:rPr>
+              <a:t>*CLICK* The reports it generates are in XML and then </a:t>
+            </a:r>
+            <a:r>
+              <a:rPr lang="en-GB" sz="1200" b="0" i="0" kern="1200" dirty="0" err="1">
+                <a:solidFill>
+                  <a:schemeClr val="tx1"/>
+                </a:solidFill>
+                <a:effectLst/>
+                <a:latin typeface="+mn-lt"/>
+                <a:ea typeface="+mn-ea"/>
+                <a:cs typeface="+mn-cs"/>
+              </a:rPr>
+              <a:t>coverted</a:t>
+            </a:r>
+            <a:r>
+              <a:rPr lang="en-GB" sz="1200" b="0" i="0" kern="1200" dirty="0">
+                <a:solidFill>
+                  <a:schemeClr val="tx1"/>
+                </a:solidFill>
+                <a:effectLst/>
+                <a:latin typeface="+mn-lt"/>
+                <a:ea typeface="+mn-ea"/>
+                <a:cs typeface="+mn-cs"/>
+              </a:rPr>
+              <a:t> into an HTML web page. They can be accessed through the Jenkins UI and a new report is generated each time the tests are run, meaning the results of each Pipeline can be investigated. </a:t>
+            </a:r>
+          </a:p>
+          <a:p>
+            <a:pPr marL="0" marR="0" lvl="0" indent="0" algn="l" defTabSz="914400" rtl="0" eaLnBrk="1" fontAlgn="auto" latinLnBrk="0" hangingPunct="1">
+              <a:lnSpc>
+                <a:spcPct val="100000"/>
+              </a:lnSpc>
+              <a:spcBef>
+                <a:spcPts val="0"/>
+              </a:spcBef>
+              <a:spcAft>
+                <a:spcPts val="0"/>
+              </a:spcAft>
+              <a:buClrTx/>
+              <a:buSzTx/>
+              <a:buFontTx/>
+              <a:buNone/>
+              <a:tabLst/>
+              <a:defRPr/>
+            </a:pPr>
+            <a:endParaRPr lang="en-GB" sz="1200" b="0" i="0" kern="1200" dirty="0">
+              <a:solidFill>
+                <a:schemeClr val="tx1"/>
+              </a:solidFill>
+              <a:effectLst/>
+              <a:latin typeface="+mn-lt"/>
+              <a:ea typeface="+mn-ea"/>
+              <a:cs typeface="+mn-cs"/>
+            </a:endParaRPr>
+          </a:p>
+          <a:p>
+            <a:pPr marL="0" marR="0" lvl="0" indent="0" algn="l" defTabSz="914400" rtl="0" eaLnBrk="1" fontAlgn="auto" latinLnBrk="0" hangingPunct="1">
+              <a:lnSpc>
+                <a:spcPct val="100000"/>
+              </a:lnSpc>
+              <a:spcBef>
+                <a:spcPts val="0"/>
+              </a:spcBef>
+              <a:spcAft>
+                <a:spcPts val="0"/>
+              </a:spcAft>
+              <a:buClrTx/>
+              <a:buSzTx/>
+              <a:buFontTx/>
+              <a:buNone/>
+              <a:tabLst/>
+              <a:defRPr/>
+            </a:pPr>
+            <a:r>
+              <a:rPr lang="en-GB" sz="1200" b="0" i="0" kern="1200" dirty="0">
+                <a:solidFill>
+                  <a:schemeClr val="tx1"/>
+                </a:solidFill>
+                <a:effectLst/>
+                <a:latin typeface="+mn-lt"/>
+                <a:ea typeface="+mn-ea"/>
+                <a:cs typeface="+mn-cs"/>
+              </a:rPr>
+              <a:t>*CLICK* It is extremely easy to install using an </a:t>
+            </a:r>
+            <a:r>
+              <a:rPr lang="en-GB" sz="1200" b="0" i="0" kern="1200" dirty="0" err="1">
+                <a:solidFill>
+                  <a:schemeClr val="tx1"/>
+                </a:solidFill>
+                <a:effectLst/>
+                <a:latin typeface="+mn-lt"/>
+                <a:ea typeface="+mn-ea"/>
+                <a:cs typeface="+mn-cs"/>
+              </a:rPr>
+              <a:t>npm</a:t>
+            </a:r>
+            <a:r>
+              <a:rPr lang="en-GB" sz="1200" b="0" i="0" kern="1200" dirty="0">
+                <a:solidFill>
+                  <a:schemeClr val="tx1"/>
+                </a:solidFill>
+                <a:effectLst/>
+                <a:latin typeface="+mn-lt"/>
+                <a:ea typeface="+mn-ea"/>
+                <a:cs typeface="+mn-cs"/>
+              </a:rPr>
+              <a:t> command to generate the reports using your </a:t>
+            </a:r>
+            <a:r>
+              <a:rPr lang="en-GB" sz="1200" b="0" i="0" kern="1200" dirty="0" err="1">
+                <a:solidFill>
+                  <a:schemeClr val="tx1"/>
+                </a:solidFill>
+                <a:effectLst/>
+                <a:latin typeface="+mn-lt"/>
+                <a:ea typeface="+mn-ea"/>
+                <a:cs typeface="+mn-cs"/>
+              </a:rPr>
+              <a:t>WebDriverIO</a:t>
+            </a:r>
+            <a:r>
+              <a:rPr lang="en-GB" sz="1200" b="0" i="0" kern="1200" dirty="0">
+                <a:solidFill>
+                  <a:schemeClr val="tx1"/>
+                </a:solidFill>
+                <a:effectLst/>
+                <a:latin typeface="+mn-lt"/>
+                <a:ea typeface="+mn-ea"/>
+                <a:cs typeface="+mn-cs"/>
+              </a:rPr>
+              <a:t> config file. </a:t>
+            </a:r>
+          </a:p>
+        </p:txBody>
+      </p:sp>
+      <p:sp>
+        <p:nvSpPr>
+          <p:cNvPr id="4" name="Slide Number Placeholder 3"/>
+          <p:cNvSpPr>
+            <a:spLocks noGrp="1"/>
+          </p:cNvSpPr>
+          <p:nvPr>
+            <p:ph type="sldNum" sz="quarter" idx="5"/>
+          </p:nvPr>
+        </p:nvSpPr>
+        <p:spPr/>
+        <p:txBody>
+          <a:bodyPr/>
+          <a:lstStyle/>
+          <a:p>
+            <a:fld id="{7A507E9C-E9CF-45CC-A225-331D2025989C}" type="slidenum">
+              <a:rPr lang="en-GB" smtClean="0"/>
+              <a:t>16</a:t>
+            </a:fld>
+            <a:endParaRPr lang="en-GB" dirty="0"/>
+          </a:p>
+        </p:txBody>
+      </p:sp>
+    </p:spTree>
+    <p:extLst>
+      <p:ext uri="{BB962C8B-B14F-4D97-AF65-F5344CB8AC3E}">
         <p14:creationId xmlns:p14="http://schemas.microsoft.com/office/powerpoint/2010/main" val="948540102"/>
+      </p:ext>
+    </p:extLst>
+  </p:cSld>
+  <p:clrMapOvr>
+    <a:masterClrMapping/>
+  </p:clrMapOvr>
+</p:notes>
+</file>
+
+<file path=ppt/notesSlides/notesSlide17.xml><?xml version="1.0" encoding="utf-8"?>
+<p:notes xmlns:a="http://schemas.openxmlformats.org/drawingml/2006/main" xmlns:r="http://schemas.openxmlformats.org/officeDocument/2006/relationships" xmlns:p="http://schemas.openxmlformats.org/presentationml/2006/main">
+  <p:cSld>
+    <p:spTree>
+      <p:nvGrpSpPr>
+        <p:cNvPr id="1" name=""/>
+        <p:cNvGrpSpPr/>
+        <p:nvPr/>
+      </p:nvGrpSpPr>
+      <p:grpSpPr>
+        <a:xfrm>
+          <a:off x="0" y="0"/>
+          <a:ext cx="0" cy="0"/>
+          <a:chOff x="0" y="0"/>
+          <a:chExt cx="0" cy="0"/>
+        </a:xfrm>
+      </p:grpSpPr>
+      <p:sp>
+        <p:nvSpPr>
+          <p:cNvPr id="2" name="Slide Image Placeholder 1"/>
+          <p:cNvSpPr>
+            <a:spLocks noGrp="1" noRot="1" noChangeAspect="1"/>
+          </p:cNvSpPr>
+          <p:nvPr>
+            <p:ph type="sldImg"/>
+          </p:nvPr>
+        </p:nvSpPr>
+        <p:spPr/>
+      </p:sp>
+      <p:sp>
+        <p:nvSpPr>
+          <p:cNvPr id="3" name="Notes Placeholder 2"/>
+          <p:cNvSpPr>
+            <a:spLocks noGrp="1"/>
+          </p:cNvSpPr>
+          <p:nvPr>
+            <p:ph type="body" idx="1"/>
+          </p:nvPr>
+        </p:nvSpPr>
+        <p:spPr/>
+        <p:txBody>
+          <a:bodyPr/>
+          <a:lstStyle/>
+          <a:p>
+            <a:pPr marL="0" marR="0" lvl="0" indent="0" algn="l" defTabSz="914400" rtl="0" eaLnBrk="1" fontAlgn="auto" latinLnBrk="0" hangingPunct="1">
+              <a:lnSpc>
+                <a:spcPct val="100000"/>
+              </a:lnSpc>
+              <a:spcBef>
+                <a:spcPts val="0"/>
+              </a:spcBef>
+              <a:spcAft>
+                <a:spcPts val="0"/>
+              </a:spcAft>
+              <a:buClrTx/>
+              <a:buSzTx/>
+              <a:buFontTx/>
+              <a:buNone/>
+              <a:tabLst/>
+              <a:defRPr/>
+            </a:pPr>
+            <a:r>
+              <a:rPr lang="en-GB" sz="1200" b="0" i="0" kern="1200" dirty="0">
+                <a:solidFill>
+                  <a:schemeClr val="tx1"/>
+                </a:solidFill>
+                <a:effectLst/>
+                <a:latin typeface="+mn-lt"/>
+                <a:ea typeface="+mn-ea"/>
+                <a:cs typeface="+mn-cs"/>
+              </a:rPr>
+              <a:t>That’s tonight’s Playground complete. Let’s re-cap on what we covered:</a:t>
+            </a:r>
+          </a:p>
+          <a:p>
+            <a:pPr marL="0" marR="0" lvl="0" indent="0" algn="l" defTabSz="914400" rtl="0" eaLnBrk="1" fontAlgn="auto" latinLnBrk="0" hangingPunct="1">
+              <a:lnSpc>
+                <a:spcPct val="100000"/>
+              </a:lnSpc>
+              <a:spcBef>
+                <a:spcPts val="0"/>
+              </a:spcBef>
+              <a:spcAft>
+                <a:spcPts val="0"/>
+              </a:spcAft>
+              <a:buClrTx/>
+              <a:buSzTx/>
+              <a:buFontTx/>
+              <a:buNone/>
+              <a:tabLst/>
+              <a:defRPr/>
+            </a:pPr>
+            <a:endParaRPr lang="en-GB" sz="1200" b="0" i="0" kern="1200" dirty="0">
+              <a:solidFill>
+                <a:schemeClr val="tx1"/>
+              </a:solidFill>
+              <a:effectLst/>
+              <a:latin typeface="+mn-lt"/>
+              <a:ea typeface="+mn-ea"/>
+              <a:cs typeface="+mn-cs"/>
+            </a:endParaRPr>
+          </a:p>
+          <a:p>
+            <a:pPr marL="0" marR="0" lvl="0" indent="0" algn="l" defTabSz="914400" rtl="0" eaLnBrk="1" fontAlgn="auto" latinLnBrk="0" hangingPunct="1">
+              <a:lnSpc>
+                <a:spcPct val="100000"/>
+              </a:lnSpc>
+              <a:spcBef>
+                <a:spcPts val="0"/>
+              </a:spcBef>
+              <a:spcAft>
+                <a:spcPts val="0"/>
+              </a:spcAft>
+              <a:buClrTx/>
+              <a:buSzTx/>
+              <a:buFontTx/>
+              <a:buNone/>
+              <a:tabLst/>
+              <a:defRPr/>
+            </a:pPr>
+            <a:r>
+              <a:rPr lang="en-GB" sz="1200" b="0" i="0" kern="1200" dirty="0">
+                <a:solidFill>
+                  <a:schemeClr val="tx1"/>
+                </a:solidFill>
+                <a:effectLst/>
+                <a:latin typeface="+mn-lt"/>
+                <a:ea typeface="+mn-ea"/>
+                <a:cs typeface="+mn-cs"/>
+              </a:rPr>
+              <a:t>*CLICK* We created a Jenkins Pipeline using the Jenkins UI. As I mentioned before, best practice is to create a </a:t>
+            </a:r>
+            <a:r>
+              <a:rPr lang="en-GB" sz="1200" b="0" i="0" kern="1200" dirty="0" err="1">
+                <a:solidFill>
+                  <a:schemeClr val="tx1"/>
+                </a:solidFill>
+                <a:effectLst/>
+                <a:latin typeface="+mn-lt"/>
+                <a:ea typeface="+mn-ea"/>
+                <a:cs typeface="+mn-cs"/>
+              </a:rPr>
+              <a:t>Jenkinsfile</a:t>
+            </a:r>
+            <a:r>
+              <a:rPr lang="en-GB" sz="1200" b="0" i="0" kern="1200" dirty="0">
+                <a:solidFill>
+                  <a:schemeClr val="tx1"/>
+                </a:solidFill>
+                <a:effectLst/>
+                <a:latin typeface="+mn-lt"/>
+                <a:ea typeface="+mn-ea"/>
+                <a:cs typeface="+mn-cs"/>
+              </a:rPr>
+              <a:t> in your code repository to allow for greater visibility on changes etc.</a:t>
+            </a:r>
+          </a:p>
+          <a:p>
+            <a:pPr marL="0" marR="0" lvl="0" indent="0" algn="l" defTabSz="914400" rtl="0" eaLnBrk="1" fontAlgn="auto" latinLnBrk="0" hangingPunct="1">
+              <a:lnSpc>
+                <a:spcPct val="100000"/>
+              </a:lnSpc>
+              <a:spcBef>
+                <a:spcPts val="0"/>
+              </a:spcBef>
+              <a:spcAft>
+                <a:spcPts val="0"/>
+              </a:spcAft>
+              <a:buClrTx/>
+              <a:buSzTx/>
+              <a:buFontTx/>
+              <a:buNone/>
+              <a:tabLst/>
+              <a:defRPr/>
+            </a:pPr>
+            <a:endParaRPr lang="en-GB" sz="1200" b="0" i="0" kern="1200" dirty="0">
+              <a:solidFill>
+                <a:schemeClr val="tx1"/>
+              </a:solidFill>
+              <a:effectLst/>
+              <a:latin typeface="+mn-lt"/>
+              <a:ea typeface="+mn-ea"/>
+              <a:cs typeface="+mn-cs"/>
+            </a:endParaRPr>
+          </a:p>
+          <a:p>
+            <a:pPr marL="0" marR="0" lvl="0" indent="0" algn="l" defTabSz="914400" rtl="0" eaLnBrk="1" fontAlgn="auto" latinLnBrk="0" hangingPunct="1">
+              <a:lnSpc>
+                <a:spcPct val="100000"/>
+              </a:lnSpc>
+              <a:spcBef>
+                <a:spcPts val="0"/>
+              </a:spcBef>
+              <a:spcAft>
+                <a:spcPts val="0"/>
+              </a:spcAft>
+              <a:buClrTx/>
+              <a:buSzTx/>
+              <a:buFontTx/>
+              <a:buNone/>
+              <a:tabLst/>
+              <a:defRPr/>
+            </a:pPr>
+            <a:r>
+              <a:rPr lang="en-GB" sz="1200" b="0" i="0" kern="1200" dirty="0">
+                <a:solidFill>
+                  <a:schemeClr val="tx1"/>
+                </a:solidFill>
+                <a:effectLst/>
+                <a:latin typeface="+mn-lt"/>
+                <a:ea typeface="+mn-ea"/>
+                <a:cs typeface="+mn-cs"/>
+              </a:rPr>
+              <a:t>*CLICK* Our Pipeline did the following: pulled dependencies and checked out code from Git in parallel. Started our </a:t>
+            </a:r>
+            <a:r>
+              <a:rPr lang="en-GB" sz="1200" b="0" i="0" kern="1200" dirty="0" err="1">
+                <a:solidFill>
+                  <a:schemeClr val="tx1"/>
+                </a:solidFill>
+                <a:effectLst/>
+                <a:latin typeface="+mn-lt"/>
+                <a:ea typeface="+mn-ea"/>
+                <a:cs typeface="+mn-cs"/>
+              </a:rPr>
+              <a:t>Zalenium</a:t>
+            </a:r>
+            <a:r>
+              <a:rPr lang="en-GB" sz="1200" b="0" i="0" kern="1200" dirty="0">
+                <a:solidFill>
+                  <a:schemeClr val="tx1"/>
+                </a:solidFill>
+                <a:effectLst/>
+                <a:latin typeface="+mn-lt"/>
+                <a:ea typeface="+mn-ea"/>
+                <a:cs typeface="+mn-cs"/>
+              </a:rPr>
+              <a:t> in Docker. Ran our WebDriver IO tests on our </a:t>
+            </a:r>
+            <a:r>
+              <a:rPr lang="en-GB" sz="1200" b="0" i="0" kern="1200" dirty="0" err="1">
+                <a:solidFill>
+                  <a:schemeClr val="tx1"/>
+                </a:solidFill>
+                <a:effectLst/>
+                <a:latin typeface="+mn-lt"/>
+                <a:ea typeface="+mn-ea"/>
+                <a:cs typeface="+mn-cs"/>
+              </a:rPr>
+              <a:t>Zalenium</a:t>
+            </a:r>
+            <a:r>
+              <a:rPr lang="en-GB" sz="1200" b="0" i="0" kern="1200" dirty="0">
+                <a:solidFill>
+                  <a:schemeClr val="tx1"/>
+                </a:solidFill>
+                <a:effectLst/>
+                <a:latin typeface="+mn-lt"/>
+                <a:ea typeface="+mn-ea"/>
+                <a:cs typeface="+mn-cs"/>
+              </a:rPr>
+              <a:t> VMs in Docker. Generated HTML </a:t>
+            </a:r>
+            <a:r>
+              <a:rPr lang="en-GB" sz="1200" b="0" i="0" kern="1200" dirty="0" err="1">
+                <a:solidFill>
+                  <a:schemeClr val="tx1"/>
+                </a:solidFill>
+                <a:effectLst/>
+                <a:latin typeface="+mn-lt"/>
+                <a:ea typeface="+mn-ea"/>
+                <a:cs typeface="+mn-cs"/>
+              </a:rPr>
+              <a:t>WebDriverIO</a:t>
+            </a:r>
+            <a:r>
+              <a:rPr lang="en-GB" sz="1200" b="0" i="0" kern="1200" dirty="0">
+                <a:solidFill>
+                  <a:schemeClr val="tx1"/>
+                </a:solidFill>
+                <a:effectLst/>
+                <a:latin typeface="+mn-lt"/>
+                <a:ea typeface="+mn-ea"/>
+                <a:cs typeface="+mn-cs"/>
+              </a:rPr>
+              <a:t> reports using Allure. Stopped the </a:t>
+            </a:r>
+            <a:r>
+              <a:rPr lang="en-GB" sz="1200" b="0" i="0" kern="1200" dirty="0" err="1">
+                <a:solidFill>
+                  <a:schemeClr val="tx1"/>
+                </a:solidFill>
+                <a:effectLst/>
+                <a:latin typeface="+mn-lt"/>
+                <a:ea typeface="+mn-ea"/>
+                <a:cs typeface="+mn-cs"/>
+              </a:rPr>
+              <a:t>Zalenium</a:t>
+            </a:r>
+            <a:r>
+              <a:rPr lang="en-GB" sz="1200" b="0" i="0" kern="1200" dirty="0">
+                <a:solidFill>
+                  <a:schemeClr val="tx1"/>
+                </a:solidFill>
+                <a:effectLst/>
+                <a:latin typeface="+mn-lt"/>
+                <a:ea typeface="+mn-ea"/>
+                <a:cs typeface="+mn-cs"/>
+              </a:rPr>
+              <a:t> containers.</a:t>
+            </a:r>
+          </a:p>
+          <a:p>
+            <a:pPr marL="0" marR="0" lvl="0" indent="0" algn="l" defTabSz="914400" rtl="0" eaLnBrk="1" fontAlgn="auto" latinLnBrk="0" hangingPunct="1">
+              <a:lnSpc>
+                <a:spcPct val="100000"/>
+              </a:lnSpc>
+              <a:spcBef>
+                <a:spcPts val="0"/>
+              </a:spcBef>
+              <a:spcAft>
+                <a:spcPts val="0"/>
+              </a:spcAft>
+              <a:buClrTx/>
+              <a:buSzTx/>
+              <a:buFontTx/>
+              <a:buNone/>
+              <a:tabLst/>
+              <a:defRPr/>
+            </a:pPr>
+            <a:endParaRPr lang="en-GB" sz="1200" b="0" i="0" kern="1200" dirty="0">
+              <a:solidFill>
+                <a:schemeClr val="tx1"/>
+              </a:solidFill>
+              <a:effectLst/>
+              <a:latin typeface="+mn-lt"/>
+              <a:ea typeface="+mn-ea"/>
+              <a:cs typeface="+mn-cs"/>
+            </a:endParaRPr>
+          </a:p>
+          <a:p>
+            <a:pPr marL="0" marR="0" lvl="0" indent="0" algn="l" defTabSz="914400" rtl="0" eaLnBrk="1" fontAlgn="auto" latinLnBrk="0" hangingPunct="1">
+              <a:lnSpc>
+                <a:spcPct val="100000"/>
+              </a:lnSpc>
+              <a:spcBef>
+                <a:spcPts val="0"/>
+              </a:spcBef>
+              <a:spcAft>
+                <a:spcPts val="0"/>
+              </a:spcAft>
+              <a:buClrTx/>
+              <a:buSzTx/>
+              <a:buFontTx/>
+              <a:buNone/>
+              <a:tabLst/>
+              <a:defRPr/>
+            </a:pPr>
+            <a:r>
+              <a:rPr lang="en-GB" sz="1200" b="0" i="0" kern="1200" dirty="0">
+                <a:solidFill>
+                  <a:schemeClr val="tx1"/>
+                </a:solidFill>
+                <a:effectLst/>
+                <a:latin typeface="+mn-lt"/>
+                <a:ea typeface="+mn-ea"/>
+                <a:cs typeface="+mn-cs"/>
+              </a:rPr>
+              <a:t>Usually these tests would be running as part of a build process. Typical flow may be that a developer checks in code, the latest build is deployed to a test environment and then these tests are run. We’ve decided to highlight the testing part of the pipeline tonight, to further highlight the benefits of Continuous Testing in a CI/CD tool such as Jenkins Pipeline.</a:t>
+            </a:r>
+          </a:p>
+        </p:txBody>
+      </p:sp>
+      <p:sp>
+        <p:nvSpPr>
+          <p:cNvPr id="4" name="Slide Number Placeholder 3"/>
+          <p:cNvSpPr>
+            <a:spLocks noGrp="1"/>
+          </p:cNvSpPr>
+          <p:nvPr>
+            <p:ph type="sldNum" sz="quarter" idx="5"/>
+          </p:nvPr>
+        </p:nvSpPr>
+        <p:spPr/>
+        <p:txBody>
+          <a:bodyPr/>
+          <a:lstStyle/>
+          <a:p>
+            <a:fld id="{7A507E9C-E9CF-45CC-A225-331D2025989C}" type="slidenum">
+              <a:rPr lang="en-GB" smtClean="0"/>
+              <a:t>17</a:t>
+            </a:fld>
+            <a:endParaRPr lang="en-GB" dirty="0"/>
+          </a:p>
+        </p:txBody>
+      </p:sp>
+    </p:spTree>
+    <p:extLst>
+      <p:ext uri="{BB962C8B-B14F-4D97-AF65-F5344CB8AC3E}">
+        <p14:creationId xmlns:p14="http://schemas.microsoft.com/office/powerpoint/2010/main" val="1901955329"/>
+      </p:ext>
+    </p:extLst>
+  </p:cSld>
+  <p:clrMapOvr>
+    <a:masterClrMapping/>
+  </p:clrMapOvr>
+</p:notes>
+</file>
+
+<file path=ppt/notesSlides/notesSlide18.xml><?xml version="1.0" encoding="utf-8"?>
+<p:notes xmlns:a="http://schemas.openxmlformats.org/drawingml/2006/main" xmlns:r="http://schemas.openxmlformats.org/officeDocument/2006/relationships" xmlns:p="http://schemas.openxmlformats.org/presentationml/2006/main">
+  <p:cSld>
+    <p:spTree>
+      <p:nvGrpSpPr>
+        <p:cNvPr id="1" name=""/>
+        <p:cNvGrpSpPr/>
+        <p:nvPr/>
+      </p:nvGrpSpPr>
+      <p:grpSpPr>
+        <a:xfrm>
+          <a:off x="0" y="0"/>
+          <a:ext cx="0" cy="0"/>
+          <a:chOff x="0" y="0"/>
+          <a:chExt cx="0" cy="0"/>
+        </a:xfrm>
+      </p:grpSpPr>
+      <p:sp>
+        <p:nvSpPr>
+          <p:cNvPr id="2" name="Slide Image Placeholder 1"/>
+          <p:cNvSpPr>
+            <a:spLocks noGrp="1" noRot="1" noChangeAspect="1"/>
+          </p:cNvSpPr>
+          <p:nvPr>
+            <p:ph type="sldImg"/>
+          </p:nvPr>
+        </p:nvSpPr>
+        <p:spPr/>
+      </p:sp>
+      <p:sp>
+        <p:nvSpPr>
+          <p:cNvPr id="3" name="Notes Placeholder 2"/>
+          <p:cNvSpPr>
+            <a:spLocks noGrp="1"/>
+          </p:cNvSpPr>
+          <p:nvPr>
+            <p:ph type="body" idx="1"/>
+          </p:nvPr>
+        </p:nvSpPr>
+        <p:spPr/>
+        <p:txBody>
+          <a:bodyPr/>
+          <a:lstStyle/>
+          <a:p>
+            <a:r>
+              <a:rPr lang="en-US" dirty="0"/>
+              <a:t>Thank you very much for attending tonight’s Playground hosted by ECS Digital.</a:t>
+            </a:r>
+          </a:p>
+          <a:p>
+            <a:endParaRPr lang="en-US" dirty="0"/>
+          </a:p>
+          <a:p>
+            <a:r>
+              <a:rPr lang="en-US" dirty="0"/>
+              <a:t>If you have any questions at all then please feel free to ask. If you don’t want to ask just now then feel free to ask us over pizza! Thank you.</a:t>
+            </a:r>
+          </a:p>
+        </p:txBody>
+      </p:sp>
+      <p:sp>
+        <p:nvSpPr>
+          <p:cNvPr id="4" name="Slide Number Placeholder 3"/>
+          <p:cNvSpPr>
+            <a:spLocks noGrp="1"/>
+          </p:cNvSpPr>
+          <p:nvPr>
+            <p:ph type="sldNum" sz="quarter" idx="5"/>
+          </p:nvPr>
+        </p:nvSpPr>
+        <p:spPr/>
+        <p:txBody>
+          <a:bodyPr/>
+          <a:lstStyle/>
+          <a:p>
+            <a:fld id="{7A507E9C-E9CF-45CC-A225-331D2025989C}" type="slidenum">
+              <a:rPr lang="en-GB" smtClean="0"/>
+              <a:t>18</a:t>
+            </a:fld>
+            <a:endParaRPr lang="en-GB" dirty="0"/>
+          </a:p>
+        </p:txBody>
+      </p:sp>
+    </p:spTree>
+    <p:extLst>
+      <p:ext uri="{BB962C8B-B14F-4D97-AF65-F5344CB8AC3E}">
+        <p14:creationId xmlns:p14="http://schemas.microsoft.com/office/powerpoint/2010/main" val="1171121564"/>
       </p:ext>
     </p:extLst>
   </p:cSld>
@@ -2469,7 +4056,7 @@
           <a:p>
             <a:r>
               <a:rPr lang="en-US" dirty="0"/>
-              <a:t>Tonight’s Playground session will involve setting up a continuous testing pipeline in Jenkins. We will be using a set of JavaScript tests written using Selenium </a:t>
+              <a:t>Tonight’s Playground session will involve setting up a Continuous Testing pipeline in Jenkins. We will be using a set of JavaScript tests written using Selenium </a:t>
             </a:r>
             <a:r>
               <a:rPr lang="en-US" dirty="0" err="1"/>
@@ -2486,6 +4073,31 @@
             <a:r>
               <a:rPr lang="en-US" dirty="0"/>
               <a:t>. At the end of the test run we will be generating test reports using Allure.</a:t>
+            </a:r>
+          </a:p>
+          <a:p>
+            <a:endParaRPr lang="en-US" dirty="0"/>
+          </a:p>
+          <a:p>
+            <a:r>
+              <a:rPr lang="en-US" dirty="0"/>
+              <a:t>Last month we ran a a session on </a:t>
+            </a:r>
+            <a:r>
+              <a:rPr lang="en-US" dirty="0" err="1"/>
+              <a:t>Zalenium</a:t>
+            </a:r>
+            <a:r>
+              <a:rPr lang="en-US" dirty="0"/>
+              <a:t> which seemed to generate a lot of interest and great discussion. We wanted to build on that and show how you can extend that </a:t>
+            </a:r>
+            <a:r>
+              <a:rPr lang="en-US" dirty="0" err="1"/>
+              <a:t>Zalenium</a:t>
+            </a:r>
+            <a:r>
+              <a:rPr lang="en-US" dirty="0"/>
+              <a:t> knowledge to include it in a continuous testing pipeline.</a:t>
             </a:r>
           </a:p>
         </p:txBody>
@@ -2580,23 +4192,7 @@
             </a:r>
             <a:r>
               <a:rPr lang="en-US" dirty="0"/>
-              <a:t> which takes place on the 1</a:t>
-            </a:r>
-            <a:r>
-              <a:rPr lang="en-US" baseline="30000" dirty="0"/>
-              <a:t>st</a:t>
-            </a:r>
-            <a:r>
-              <a:rPr lang="en-US" dirty="0"/>
-              <a:t> and 2</a:t>
-            </a:r>
-            <a:r>
-              <a:rPr lang="en-US" baseline="30000" dirty="0"/>
-              <a:t>nd</a:t>
-            </a:r>
-            <a:r>
-              <a:rPr lang="en-US" dirty="0"/>
-              <a:t> November. </a:t>
+              <a:t> which takes place on Thursday and Friday this week. </a:t>
             </a:r>
           </a:p>
           <a:p>
@@ -2613,7 +4209,7 @@
             </a:r>
             <a:r>
               <a:rPr lang="en-US" dirty="0"/>
-              <a:t> website or Twitter account.</a:t>
+              <a:t> website or Twitter account. There are still a limited number of tickets on sale if you are free on Thursday and Friday.</a:t>
             </a:r>
           </a:p>
         </p:txBody>
@@ -2718,7 +4314,7 @@
           <a:p>
             <a:r>
               <a:rPr lang="en-US" dirty="0"/>
-              <a:t>All 3 of us were involved in setting up this Playground, so feel free to give one of us a shout during the presentation if you have any questions.</a:t>
+              <a:t>All 3 of us were involved in setting up this Playground, so feel free to give one of us a shout during the presentation if you have any questions or technical issues.</a:t>
             </a:r>
           </a:p>
           <a:p>
@@ -3129,7 +4725,188 @@
               <a:tabLst/>
               <a:defRPr/>
             </a:pPr>
+            <a:r>
+              <a:rPr lang="en-US" dirty="0"/>
+              <a:t>The DORA State of DevOps report is published every year and aims to evaluate software delivery performance from technology companies across the world. It allows teams to benchmark themselves against industry standards.</a:t>
+            </a:r>
+          </a:p>
+          <a:p>
+            <a:pPr marL="0" marR="0" lvl="0" indent="0" algn="l" defTabSz="914400" rtl="0" eaLnBrk="1" fontAlgn="auto" latinLnBrk="0" hangingPunct="1">
+              <a:lnSpc>
+                <a:spcPct val="100000"/>
+              </a:lnSpc>
+              <a:spcBef>
+                <a:spcPts val="0"/>
+              </a:spcBef>
+              <a:spcAft>
+                <a:spcPts val="0"/>
+              </a:spcAft>
+              <a:buClrTx/>
+              <a:buSzTx/>
+              <a:buFontTx/>
+              <a:buNone/>
+              <a:tabLst/>
+              <a:defRPr/>
+            </a:pPr>
             <a:endParaRPr lang="en-US" dirty="0"/>
+          </a:p>
+          <a:p>
+            <a:pPr marL="0" marR="0" lvl="0" indent="0" algn="l" defTabSz="914400" rtl="0" eaLnBrk="1" fontAlgn="auto" latinLnBrk="0" hangingPunct="1">
+              <a:lnSpc>
+                <a:spcPct val="100000"/>
+              </a:lnSpc>
+              <a:spcBef>
+                <a:spcPts val="0"/>
+              </a:spcBef>
+              <a:spcAft>
+                <a:spcPts val="0"/>
+              </a:spcAft>
+              <a:buClrTx/>
+              <a:buSzTx/>
+              <a:buFontTx/>
+              <a:buNone/>
+              <a:tabLst/>
+              <a:defRPr/>
+            </a:pPr>
+            <a:r>
+              <a:rPr lang="en-US" dirty="0"/>
+              <a:t>The section on Continuous Testing is quite short, but it does highlight that automated testing is an important part of software delivery. Alongside automated testing, which is what this Playground will focus on, the State of DevOps report suggests that the following are important in being able to continuously delivery software to a high standard:</a:t>
+            </a:r>
+          </a:p>
+          <a:p>
+            <a:pPr marL="0" marR="0" lvl="0" indent="0" algn="l" defTabSz="914400" rtl="0" eaLnBrk="1" fontAlgn="auto" latinLnBrk="0" hangingPunct="1">
+              <a:lnSpc>
+                <a:spcPct val="100000"/>
+              </a:lnSpc>
+              <a:spcBef>
+                <a:spcPts val="0"/>
+              </a:spcBef>
+              <a:spcAft>
+                <a:spcPts val="0"/>
+              </a:spcAft>
+              <a:buClrTx/>
+              <a:buSzTx/>
+              <a:buFontTx/>
+              <a:buNone/>
+              <a:tabLst/>
+              <a:defRPr/>
+            </a:pPr>
+            <a:endParaRPr lang="en-US" dirty="0"/>
+          </a:p>
+          <a:p>
+            <a:pPr marL="0" marR="0" lvl="0" indent="0" algn="l" defTabSz="914400" rtl="0" eaLnBrk="1" fontAlgn="auto" latinLnBrk="0" hangingPunct="1">
+              <a:lnSpc>
+                <a:spcPct val="100000"/>
+              </a:lnSpc>
+              <a:spcBef>
+                <a:spcPts val="0"/>
+              </a:spcBef>
+              <a:spcAft>
+                <a:spcPts val="0"/>
+              </a:spcAft>
+              <a:buClrTx/>
+              <a:buSzTx/>
+              <a:buFontTx/>
+              <a:buNone/>
+              <a:tabLst/>
+              <a:defRPr/>
+            </a:pPr>
+            <a:r>
+              <a:rPr lang="en-US" dirty="0"/>
+              <a:t> - Continuously reviewing test suites to improve our tests.</a:t>
+            </a:r>
+          </a:p>
+          <a:p>
+            <a:pPr marL="171450" marR="0" lvl="0" indent="-171450" algn="l" defTabSz="914400" rtl="0" eaLnBrk="1" fontAlgn="auto" latinLnBrk="0" hangingPunct="1">
+              <a:lnSpc>
+                <a:spcPct val="100000"/>
+              </a:lnSpc>
+              <a:spcBef>
+                <a:spcPts val="0"/>
+              </a:spcBef>
+              <a:spcAft>
+                <a:spcPts val="0"/>
+              </a:spcAft>
+              <a:buClrTx/>
+              <a:buSzTx/>
+              <a:buFontTx/>
+              <a:buChar char="-"/>
+              <a:tabLst/>
+              <a:defRPr/>
+            </a:pPr>
+            <a:r>
+              <a:rPr lang="en-US" dirty="0"/>
+              <a:t>Working alongside developers throughout the SDLC lifecycle. I don’t believe the term Continuous Testing differs from Agile Testing in this sense.</a:t>
+            </a:r>
+          </a:p>
+          <a:p>
+            <a:pPr marL="171450" marR="0" lvl="0" indent="-171450" algn="l" defTabSz="914400" rtl="0" eaLnBrk="1" fontAlgn="auto" latinLnBrk="0" hangingPunct="1">
+              <a:lnSpc>
+                <a:spcPct val="100000"/>
+              </a:lnSpc>
+              <a:spcBef>
+                <a:spcPts val="0"/>
+              </a:spcBef>
+              <a:spcAft>
+                <a:spcPts val="0"/>
+              </a:spcAft>
+              <a:buClrTx/>
+              <a:buSzTx/>
+              <a:buFontTx/>
+              <a:buChar char="-"/>
+              <a:tabLst/>
+              <a:defRPr/>
+            </a:pPr>
+            <a:r>
+              <a:rPr lang="en-US" dirty="0"/>
+              <a:t>Performing exploratory testing throughout the delivery process.</a:t>
+            </a:r>
+          </a:p>
+          <a:p>
+            <a:pPr marL="171450" marR="0" lvl="0" indent="-171450" algn="l" defTabSz="914400" rtl="0" eaLnBrk="1" fontAlgn="auto" latinLnBrk="0" hangingPunct="1">
+              <a:lnSpc>
+                <a:spcPct val="100000"/>
+              </a:lnSpc>
+              <a:spcBef>
+                <a:spcPts val="0"/>
+              </a:spcBef>
+              <a:spcAft>
+                <a:spcPts val="0"/>
+              </a:spcAft>
+              <a:buClrTx/>
+              <a:buSzTx/>
+              <a:buFontTx/>
+              <a:buChar char="-"/>
+              <a:tabLst/>
+              <a:defRPr/>
+            </a:pPr>
+            <a:r>
+              <a:rPr lang="en-US" dirty="0"/>
+              <a:t>Having teams practice TDD.</a:t>
+            </a:r>
+          </a:p>
+          <a:p>
+            <a:pPr marL="171450" marR="0" lvl="0" indent="-171450" algn="l" defTabSz="914400" rtl="0" eaLnBrk="1" fontAlgn="auto" latinLnBrk="0" hangingPunct="1">
+              <a:lnSpc>
+                <a:spcPct val="100000"/>
+              </a:lnSpc>
+              <a:spcBef>
+                <a:spcPts val="0"/>
+              </a:spcBef>
+              <a:spcAft>
+                <a:spcPts val="0"/>
+              </a:spcAft>
+              <a:buClrTx/>
+              <a:buSzTx/>
+              <a:buFontTx/>
+              <a:buChar char="-"/>
+              <a:tabLst/>
+              <a:defRPr/>
+            </a:pPr>
+            <a:r>
+              <a:rPr lang="en-US" dirty="0"/>
+              <a:t>Being able to get fast feedback from </a:t>
+            </a:r>
           </a:p>
         </p:txBody>
       </p:sp>
@@ -3159,7 +4936,7 @@
     </p:spTree>
     <p:extLst>
       <p:ext uri="{BB962C8B-B14F-4D97-AF65-F5344CB8AC3E}">
-        <p14:creationId xmlns:p14="http://schemas.microsoft.com/office/powerpoint/2010/main" val="2394361495"/>
+        <p14:creationId xmlns:p14="http://schemas.microsoft.com/office/powerpoint/2010/main" val="1565402211"/>
       </p:ext>
     </p:extLst>
   </p:cSld>
@@ -3231,28 +5008,8 @@
               <a:defRPr/>
             </a:pPr>
             <a:r>
-              <a:rPr lang="en-GB" sz="1200" b="0" i="0" kern="1200" dirty="0">
-                <a:solidFill>
-                  <a:schemeClr val="tx1"/>
-                </a:solidFill>
-                <a:effectLst/>
-                <a:latin typeface="+mn-lt"/>
-                <a:ea typeface="+mn-ea"/>
-                <a:cs typeface="+mn-cs"/>
-              </a:rPr>
-              <a:t>Jenkins is an open-source tool which offers a simple way to set up a continuous integration environment for almost any combination of languages and source code repositories</a:t>
-            </a:r>
-            <a:r>
-              <a:rPr lang="en-US" sz="1200" b="0" i="0" kern="1200" dirty="0">
-                <a:solidFill>
-                  <a:schemeClr val="tx1"/>
-                </a:solidFill>
-                <a:effectLst/>
-                <a:latin typeface="+mn-lt"/>
-                <a:ea typeface="+mn-ea"/>
-                <a:cs typeface="+mn-cs"/>
-              </a:rPr>
-              <a:t>. Activities can be triggered by pull requests being completed into a code repository, for example.</a:t>
+              <a:rPr lang="en-US" dirty="0"/>
+              <a:t>The automation side of Continuous Testing offers us the following advantages:</a:t>
             </a:r>
           </a:p>
           <a:p>
@@ -3273,15 +5030,7 @@
               <a:tabLst/>
               <a:defRPr/>
             </a:pPr>
-            <a:endParaRPr lang="en-US" sz="1200" b="0" i="0" kern="1200" dirty="0">
-              <a:solidFill>
-                <a:schemeClr val="tx1"/>
-              </a:solidFill>
-              <a:effectLst/>
-              <a:latin typeface="+mn-lt"/>
-              <a:ea typeface="+mn-ea"/>
-              <a:cs typeface="+mn-cs"/>
-            </a:endParaRPr>
+            <a:endParaRPr lang="en-US" dirty="0"/>
           </a:p>
           <a:p>
             <a:pPr marL="0" marR="0" lvl="0" indent="0" algn="l" defTabSz="914400" rtl="0" eaLnBrk="1" fontAlgn="auto" latinLnBrk="0" hangingPunct="1">
@@ -3302,40 +5051,8 @@
               <a:defRPr/>
             </a:pPr>
             <a:r>
-              <a:rPr lang="en-GB" sz="1200" b="0" i="0" kern="1200" dirty="0">
-                <a:solidFill>
-                  <a:schemeClr val="tx1"/>
-                </a:solidFill>
-                <a:effectLst/>
-                <a:latin typeface="+mn-lt"/>
-                <a:ea typeface="+mn-ea"/>
-                <a:cs typeface="+mn-cs"/>
-              </a:rPr>
-              <a:t>*CLICK* Jenkins Pipeline is a suite of plugins which supports implementing and integrating </a:t>
-            </a:r>
-            <a:r>
-              <a:rPr lang="en-GB" sz="1200" b="0" i="1" kern="1200" dirty="0">
-                <a:solidFill>
-                  <a:schemeClr val="tx1"/>
-                </a:solidFill>
-                <a:effectLst/>
-                <a:latin typeface="+mn-lt"/>
-                <a:ea typeface="+mn-ea"/>
-                <a:cs typeface="+mn-cs"/>
-              </a:rPr>
-              <a:t>continuous delivery pipelines</a:t>
-            </a:r>
-            <a:r>
-              <a:rPr lang="en-GB" sz="1200" b="0" i="0" kern="1200" dirty="0">
-                <a:solidFill>
-                  <a:schemeClr val="tx1"/>
-                </a:solidFill>
-                <a:effectLst/>
-                <a:latin typeface="+mn-lt"/>
-                <a:ea typeface="+mn-ea"/>
-                <a:cs typeface="+mn-cs"/>
-              </a:rPr>
-              <a:t> into Jenkins.</a:t>
+              <a:rPr lang="en-US" dirty="0"/>
+              <a:t>*CLICK* We get fast feedback on any code changes made to builds. This is important as historically developers would have to wait a long time to know if their build was stable. </a:t>
             </a:r>
           </a:p>
           <a:p>
@@ -3356,15 +5073,7 @@
               <a:tabLst/>
               <a:defRPr/>
             </a:pPr>
-            <a:endParaRPr lang="en-GB" sz="1200" b="0" i="0" kern="1200" dirty="0">
-              <a:solidFill>
-                <a:schemeClr val="tx1"/>
-              </a:solidFill>
-              <a:effectLst/>
-              <a:latin typeface="+mn-lt"/>
-              <a:ea typeface="+mn-ea"/>
-              <a:cs typeface="+mn-cs"/>
-            </a:endParaRPr>
+            <a:endParaRPr lang="en-US" dirty="0"/>
           </a:p>
           <a:p>
             <a:pPr marL="0" marR="0" lvl="0" indent="0" algn="l" defTabSz="914400" rtl="0" eaLnBrk="1" fontAlgn="auto" latinLnBrk="0" hangingPunct="1">
@@ -3385,16 +5094,8 @@
               <a:defRPr/>
             </a:pPr>
             <a:r>
-              <a:rPr lang="en-GB" sz="1200" b="0" i="0" kern="1200" dirty="0">
-                <a:solidFill>
-                  <a:schemeClr val="tx1"/>
-                </a:solidFill>
-                <a:effectLst/>
-                <a:latin typeface="+mn-lt"/>
-                <a:ea typeface="+mn-ea"/>
-                <a:cs typeface="+mn-cs"/>
-              </a:rPr>
-              <a:t>It allows us to implement a repeatable process for getting code from version control right through to our users or customers. It allows us to implement a reliable process of moving software through different stages of testing and deployment.</a:t>
+              <a:rPr lang="en-US" dirty="0"/>
+              <a:t>*CLICK* As long as we are writing the correct tests, and we pair this with exploratory testing, we can have a certain amount of confidence that our build is stable and there are no major defects. </a:t>
             </a:r>
           </a:p>
           <a:p>
@@ -3415,15 +5116,7 @@
               <a:tabLst/>
               <a:defRPr/>
             </a:pPr>
-            <a:endParaRPr lang="en-GB" sz="1200" b="0" i="0" kern="1200" dirty="0">
-              <a:solidFill>
-                <a:schemeClr val="tx1"/>
-              </a:solidFill>
-              <a:effectLst/>
-              <a:latin typeface="+mn-lt"/>
-              <a:ea typeface="+mn-ea"/>
-              <a:cs typeface="+mn-cs"/>
-            </a:endParaRPr>
+            <a:endParaRPr lang="en-US" dirty="0"/>
           </a:p>
           <a:p>
             <a:pPr marL="0" marR="0" lvl="0" indent="0" algn="l" defTabSz="914400" rtl="0" eaLnBrk="1" fontAlgn="auto" latinLnBrk="0" hangingPunct="1">
@@ -3444,40 +5137,16 @@
               <a:defRPr/>
             </a:pPr>
             <a:r>
-              <a:rPr lang="en-GB" sz="1200" b="0" i="0" kern="1200" dirty="0">
-                <a:solidFill>
-                  <a:schemeClr val="tx1"/>
-                </a:solidFill>
-                <a:effectLst/>
-                <a:latin typeface="+mn-lt"/>
-                <a:ea typeface="+mn-ea"/>
-                <a:cs typeface="+mn-cs"/>
-              </a:rPr>
-              <a:t>*CLICK* Pipeline provides an extensible set of tools for </a:t>
-            </a:r>
-            <a:r>
-              <a:rPr lang="en-GB" sz="1200" b="0" i="0" kern="1200" dirty="0" err="1">
-                <a:solidFill>
-                  <a:schemeClr val="tx1"/>
-                </a:solidFill>
-                <a:effectLst/>
-                <a:latin typeface="+mn-lt"/>
-                <a:ea typeface="+mn-ea"/>
-                <a:cs typeface="+mn-cs"/>
-              </a:rPr>
-              <a:t>modeling</a:t>
-            </a:r>
-            <a:r>
-              <a:rPr lang="en-GB" sz="1200" b="0" i="0" kern="1200" dirty="0">
-                <a:solidFill>
-                  <a:schemeClr val="tx1"/>
-                </a:solidFill>
-                <a:effectLst/>
-                <a:latin typeface="+mn-lt"/>
-                <a:ea typeface="+mn-ea"/>
-                <a:cs typeface="+mn-cs"/>
-              </a:rPr>
-              <a:t> simple-to-complex delivery pipelines "as code" via the Pipeline syntax, which is built on Groovy.</a:t>
+              <a:rPr lang="en-US" dirty="0"/>
+              <a:t>*CLICK* As well as having functional tests running after each build, as we are tonight using WebDriver and </a:t>
+            </a:r>
+            <a:r>
+              <a:rPr lang="en-US" dirty="0" err="1"/>
+              <a:t>Zalenium</a:t>
+            </a:r>
+            <a:r>
+              <a:rPr lang="en-US" dirty="0"/>
+              <a:t>, you can set up non-functional tests, such as performance tests, to run in a scheduled manner.</a:t>
             </a:r>
           </a:p>
           <a:p>
@@ -3498,15 +5167,7 @@
               <a:tabLst/>
               <a:defRPr/>
             </a:pPr>
-            <a:endParaRPr lang="en-GB" sz="1200" b="0" i="0" kern="1200" dirty="0">
-              <a:solidFill>
-                <a:schemeClr val="tx1"/>
-              </a:solidFill>
-              <a:effectLst/>
-              <a:latin typeface="+mn-lt"/>
-              <a:ea typeface="+mn-ea"/>
-              <a:cs typeface="+mn-cs"/>
-            </a:endParaRPr>
+            <a:endParaRPr lang="en-US" dirty="0"/>
           </a:p>
           <a:p>
             <a:pPr marL="0" marR="0" lvl="0" indent="0" algn="l" defTabSz="914400" rtl="0" eaLnBrk="1" fontAlgn="auto" latinLnBrk="0" hangingPunct="1">
@@ -3527,244 +5188,8 @@
               <a:defRPr/>
             </a:pPr>
             <a:r>
-              <a:rPr lang="en-GB" sz="1200" b="0" i="0" kern="1200" dirty="0">
-                <a:solidFill>
-                  <a:schemeClr val="tx1"/>
-                </a:solidFill>
-                <a:effectLst/>
-                <a:latin typeface="+mn-lt"/>
-                <a:ea typeface="+mn-ea"/>
-                <a:cs typeface="+mn-cs"/>
-              </a:rPr>
-              <a:t>*CLICK* The Pipeline script that you create can be put into source control in the format of a </a:t>
-            </a:r>
-            <a:r>
-              <a:rPr lang="en-GB" sz="1200" b="0" i="0" kern="1200" dirty="0" err="1">
-                <a:solidFill>
-                  <a:schemeClr val="tx1"/>
-                </a:solidFill>
-                <a:effectLst/>
-                <a:latin typeface="+mn-lt"/>
-                <a:ea typeface="+mn-ea"/>
-                <a:cs typeface="+mn-cs"/>
-              </a:rPr>
-              <a:t>Jenkinsfile</a:t>
-            </a:r>
-            <a:r>
-              <a:rPr lang="en-GB" sz="1200" b="0" i="0" kern="1200" dirty="0">
-                <a:solidFill>
-                  <a:schemeClr val="tx1"/>
-                </a:solidFill>
-                <a:effectLst/>
-                <a:latin typeface="+mn-lt"/>
-                <a:ea typeface="+mn-ea"/>
-                <a:cs typeface="+mn-cs"/>
-              </a:rPr>
-              <a:t>. For the purposes of this evening’s Playground we will not be using a </a:t>
-            </a:r>
-            <a:r>
-              <a:rPr lang="en-GB" sz="1200" b="0" i="0" kern="1200" dirty="0" err="1">
-                <a:solidFill>
-                  <a:schemeClr val="tx1"/>
-                </a:solidFill>
-                <a:effectLst/>
-                <a:latin typeface="+mn-lt"/>
-                <a:ea typeface="+mn-ea"/>
-                <a:cs typeface="+mn-cs"/>
-              </a:rPr>
-              <a:t>Jenkinsfile</a:t>
-            </a:r>
-            <a:r>
-              <a:rPr lang="en-GB" sz="1200" b="0" i="0" kern="1200" dirty="0">
-                <a:solidFill>
-                  <a:schemeClr val="tx1"/>
-                </a:solidFill>
-                <a:effectLst/>
-                <a:latin typeface="+mn-lt"/>
-                <a:ea typeface="+mn-ea"/>
-                <a:cs typeface="+mn-cs"/>
-              </a:rPr>
-              <a:t> but editing directly in the Jenkins UI.</a:t>
-            </a:r>
-          </a:p>
-          <a:p>
-            <a:pPr marL="0" marR="0" lvl="0" indent="0" algn="l" defTabSz="914400" rtl="0" eaLnBrk="1" fontAlgn="auto" latinLnBrk="0" hangingPunct="1">
-              <a:lnSpc>
-                <a:spcPct val="100000"/>
-              </a:lnSpc>
-              <a:spcBef>
-                <a:spcPts val="0"/>
-              </a:spcBef>
-              <a:spcAft>
-                <a:spcPts val="0"/>
-              </a:spcAft>
-              <a:buClrTx/>
-              <a:buSzTx/>
-              <a:buFontTx/>
-              <a:buNone/>
-              <a:tabLst/>
-              <a:defRPr/>
-            </a:pPr>
-            <a:endParaRPr lang="en-GB" sz="1200" b="0" i="0" kern="1200" dirty="0">
-              <a:solidFill>
-                <a:schemeClr val="tx1"/>
-              </a:solidFill>
-              <a:effectLst/>
-              <a:latin typeface="+mn-lt"/>
-              <a:ea typeface="+mn-ea"/>
-              <a:cs typeface="+mn-cs"/>
-            </a:endParaRPr>
-          </a:p>
-          <a:p>
-            <a:pPr marL="0" marR="0" lvl="0" indent="0" algn="l" defTabSz="914400" rtl="0" eaLnBrk="1" fontAlgn="auto" latinLnBrk="0" hangingPunct="1">
-              <a:lnSpc>
-                <a:spcPct val="100000"/>
-              </a:lnSpc>
-              <a:spcBef>
-                <a:spcPts val="0"/>
-              </a:spcBef>
-              <a:spcAft>
-                <a:spcPts val="0"/>
-              </a:spcAft>
-              <a:buClrTx/>
-              <a:buSzTx/>
-              <a:buFontTx/>
-              <a:buNone/>
-              <a:tabLst/>
-              <a:defRPr/>
-            </a:pPr>
-            <a:r>
-              <a:rPr lang="en-GB" sz="1200" b="0" i="0" kern="1200" dirty="0">
-                <a:solidFill>
-                  <a:schemeClr val="tx1"/>
-                </a:solidFill>
-                <a:effectLst/>
-                <a:latin typeface="+mn-lt"/>
-                <a:ea typeface="+mn-ea"/>
-                <a:cs typeface="+mn-cs"/>
-              </a:rPr>
-              <a:t>This is not best practice. It’s highly advised to have your Pipeline script in version control as it:</a:t>
-            </a:r>
-          </a:p>
-          <a:p>
-            <a:pPr marL="0" marR="0" lvl="0" indent="0" algn="l" defTabSz="914400" rtl="0" eaLnBrk="1" fontAlgn="auto" latinLnBrk="0" hangingPunct="1">
-              <a:lnSpc>
-                <a:spcPct val="100000"/>
-              </a:lnSpc>
-              <a:spcBef>
-                <a:spcPts val="0"/>
-              </a:spcBef>
-              <a:spcAft>
-                <a:spcPts val="0"/>
-              </a:spcAft>
-              <a:buClrTx/>
-              <a:buSzTx/>
-              <a:buFontTx/>
-              <a:buNone/>
-              <a:tabLst/>
-              <a:defRPr/>
-            </a:pPr>
-            <a:endParaRPr lang="en-GB" sz="1200" b="0" i="0" kern="1200" dirty="0">
-              <a:solidFill>
-                <a:schemeClr val="tx1"/>
-              </a:solidFill>
-              <a:effectLst/>
-              <a:latin typeface="+mn-lt"/>
-              <a:ea typeface="+mn-ea"/>
-              <a:cs typeface="+mn-cs"/>
-            </a:endParaRPr>
-          </a:p>
-          <a:p>
-            <a:pPr marL="0" marR="0" lvl="0" indent="0" algn="l" defTabSz="914400" rtl="0" eaLnBrk="1" fontAlgn="auto" latinLnBrk="0" hangingPunct="1">
-              <a:lnSpc>
-                <a:spcPct val="100000"/>
-              </a:lnSpc>
-              <a:spcBef>
-                <a:spcPts val="0"/>
-              </a:spcBef>
-              <a:spcAft>
-                <a:spcPts val="0"/>
-              </a:spcAft>
-              <a:buClrTx/>
-              <a:buSzTx/>
-              <a:buFontTx/>
-              <a:buNone/>
-              <a:tabLst/>
-              <a:defRPr/>
-            </a:pPr>
-            <a:r>
-              <a:rPr lang="en-GB" sz="1200" b="0" i="0" kern="1200" dirty="0">
-                <a:solidFill>
-                  <a:schemeClr val="tx1"/>
-                </a:solidFill>
-                <a:effectLst/>
-                <a:latin typeface="+mn-lt"/>
-                <a:ea typeface="+mn-ea"/>
-                <a:cs typeface="+mn-cs"/>
-              </a:rPr>
-              <a:t>*CLICK* means all changes can go through code review.</a:t>
-            </a:r>
-          </a:p>
-          <a:p>
-            <a:pPr marL="0" marR="0" lvl="0" indent="0" algn="l" defTabSz="914400" rtl="0" eaLnBrk="1" fontAlgn="auto" latinLnBrk="0" hangingPunct="1">
-              <a:lnSpc>
-                <a:spcPct val="100000"/>
-              </a:lnSpc>
-              <a:spcBef>
-                <a:spcPts val="0"/>
-              </a:spcBef>
-              <a:spcAft>
-                <a:spcPts val="0"/>
-              </a:spcAft>
-              <a:buClrTx/>
-              <a:buSzTx/>
-              <a:buFontTx/>
-              <a:buNone/>
-              <a:tabLst/>
-              <a:defRPr/>
-            </a:pPr>
-            <a:r>
-              <a:rPr lang="en-GB" sz="1200" b="0" i="0" kern="1200" dirty="0">
-                <a:solidFill>
-                  <a:schemeClr val="tx1"/>
-                </a:solidFill>
-                <a:effectLst/>
-                <a:latin typeface="+mn-lt"/>
-                <a:ea typeface="+mn-ea"/>
-                <a:cs typeface="+mn-cs"/>
-              </a:rPr>
-              <a:t>*CLICK* there is an audit trail for the Pipeline script. This is not available when editing directly in Jenkins UI.</a:t>
-            </a:r>
-          </a:p>
-          <a:p>
-            <a:pPr marL="0" marR="0" lvl="0" indent="0" algn="l" defTabSz="914400" rtl="0" eaLnBrk="1" fontAlgn="auto" latinLnBrk="0" hangingPunct="1">
-              <a:lnSpc>
-                <a:spcPct val="100000"/>
-              </a:lnSpc>
-              <a:spcBef>
-                <a:spcPts val="0"/>
-              </a:spcBef>
-              <a:spcAft>
-                <a:spcPts val="0"/>
-              </a:spcAft>
-              <a:buClrTx/>
-              <a:buSzTx/>
-              <a:buFontTx/>
-              <a:buNone/>
-              <a:tabLst/>
-              <a:defRPr/>
-            </a:pPr>
-            <a:r>
-              <a:rPr lang="en-GB" sz="1200" b="0" i="0" kern="1200" dirty="0">
-                <a:solidFill>
-                  <a:schemeClr val="tx1"/>
-                </a:solidFill>
-                <a:effectLst/>
-                <a:latin typeface="+mn-lt"/>
-                <a:ea typeface="+mn-ea"/>
-                <a:cs typeface="+mn-cs"/>
-              </a:rPr>
-              <a:t>*CLICK* All branches and pull requests will follow a Pipeline build process.</a:t>
+              <a:rPr lang="en-US" dirty="0"/>
+              <a:t>*CLICK* In my opinion, one of the main benefits of implementing automation into a CI process is that testing becomes transparent. Reports can be generated, viewed and actioned by all members of the team.</a:t>
             </a:r>
           </a:p>
         </p:txBody>
@@ -3795,7 +5220,7 @@
     </p:spTree>
     <p:extLst>
       <p:ext uri="{BB962C8B-B14F-4D97-AF65-F5344CB8AC3E}">
-        <p14:creationId xmlns:p14="http://schemas.microsoft.com/office/powerpoint/2010/main" val="3746921493"/>
+        <p14:creationId xmlns:p14="http://schemas.microsoft.com/office/powerpoint/2010/main" val="3143921255"/>
       </p:ext>
     </p:extLst>
   </p:cSld>
@@ -3876,7 +5301,102 @@
                 <a:ea typeface="+mn-ea"/>
                 <a:cs typeface="+mn-cs"/>
               </a:rPr>
-              <a:t>Given all of that information about Jenkins Pipeline, why would you want to use?</a:t>
+              <a:t>Jenkins is an open-source tool which offers a simple way to set up a continuous integration environment for almost any combination of languages and source code repositories</a:t>
+            </a:r>
+            <a:r>
+              <a:rPr lang="en-US" sz="1200" b="0" i="0" kern="1200" dirty="0">
+                <a:solidFill>
+                  <a:schemeClr val="tx1"/>
+                </a:solidFill>
+                <a:effectLst/>
+                <a:latin typeface="+mn-lt"/>
+                <a:ea typeface="+mn-ea"/>
+                <a:cs typeface="+mn-cs"/>
+              </a:rPr>
+              <a:t>. Activities can be triggered by pull requests being completed into a code repository, for example.</a:t>
+            </a:r>
+          </a:p>
+          <a:p>
+            <a:pPr marL="0" marR="0" lvl="0" indent="0" algn="l" defTabSz="914400" rtl="0" eaLnBrk="1" fontAlgn="auto" latinLnBrk="0" hangingPunct="1">
+              <a:lnSpc>
+                <a:spcPct val="100000"/>
+              </a:lnSpc>
+              <a:spcBef>
+                <a:spcPts val="0"/>
+              </a:spcBef>
+              <a:spcAft>
+                <a:spcPts val="0"/>
+              </a:spcAft>
+              <a:buClrTx/>
+              <a:buSzTx/>
+              <a:buFontTx/>
+              <a:buNone/>
+              <a:tabLst/>
+              <a:defRPr/>
+            </a:pPr>
+            <a:endParaRPr lang="en-US" sz="1200" b="0" i="0" kern="1200" dirty="0">
+              <a:solidFill>
+                <a:schemeClr val="tx1"/>
+              </a:solidFill>
+              <a:effectLst/>
+              <a:latin typeface="+mn-lt"/>
+              <a:ea typeface="+mn-ea"/>
+              <a:cs typeface="+mn-cs"/>
+            </a:endParaRPr>
+          </a:p>
+          <a:p>
+            <a:pPr marL="0" marR="0" lvl="0" indent="0" algn="l" defTabSz="914400" rtl="0" eaLnBrk="1" fontAlgn="auto" latinLnBrk="0" hangingPunct="1">
+              <a:lnSpc>
+                <a:spcPct val="100000"/>
+              </a:lnSpc>
+              <a:spcBef>
+                <a:spcPts val="0"/>
+              </a:spcBef>
+              <a:spcAft>
+                <a:spcPts val="0"/>
+              </a:spcAft>
+              <a:buClrTx/>
+              <a:buSzTx/>
+              <a:buFontTx/>
+              <a:buNone/>
+              <a:tabLst/>
+              <a:defRPr/>
+            </a:pPr>
+            <a:r>
+              <a:rPr lang="en-GB" sz="1200" b="0" i="0" kern="1200" dirty="0">
+                <a:solidFill>
+                  <a:schemeClr val="tx1"/>
+                </a:solidFill>
+                <a:effectLst/>
+                <a:latin typeface="+mn-lt"/>
+                <a:ea typeface="+mn-ea"/>
+                <a:cs typeface="+mn-cs"/>
+              </a:rPr>
+              <a:t>*CLICK* Jenkins Pipeline is a suite of plugins which supports implementing and integrating </a:t>
+            </a:r>
+            <a:r>
+              <a:rPr lang="en-GB" sz="1200" b="0" i="1" kern="1200" dirty="0">
+                <a:solidFill>
+                  <a:schemeClr val="tx1"/>
+                </a:solidFill>
+                <a:effectLst/>
+                <a:latin typeface="+mn-lt"/>
+                <a:ea typeface="+mn-ea"/>
+                <a:cs typeface="+mn-cs"/>
+              </a:rPr>
+              <a:t>continuous delivery pipelines</a:t>
+            </a:r>
+            <a:r>
+              <a:rPr lang="en-GB" sz="1200" b="0" i="0" kern="1200" dirty="0">
+                <a:solidFill>
+                  <a:schemeClr val="tx1"/>
+                </a:solidFill>
+                <a:effectLst/>
+                <a:latin typeface="+mn-lt"/>
+                <a:ea typeface="+mn-ea"/>
+                <a:cs typeface="+mn-cs"/>
+              </a:rPr>
+              <a:t> into Jenkins.</a:t>
             </a:r>
           </a:p>
           <a:p>
@@ -3935,7 +5455,7 @@
                 <a:ea typeface="+mn-ea"/>
                 <a:cs typeface="+mn-cs"/>
               </a:rPr>
-              <a:t>*CLICK* It adds access to a lot of powerful automation tools into Jenkins, ranging from Continuous Integration to Continuous Delivery activities.</a:t>
+              <a:t>It allows us to implement a repeatable process for getting code from version control right through to our users or customers. It allows us to implement a reliable process of moving software through different stages of testing and deployment.</a:t>
             </a:r>
           </a:p>
           <a:p>
@@ -3994,7 +5514,31 @@
                 <a:ea typeface="+mn-ea"/>
                 <a:cs typeface="+mn-cs"/>
               </a:rPr>
-              <a:t>*CLICK* Pipelines are implemented in code and typically checked into source control, giving teams the ability to edit, review, and iterate upon their delivery pipeline.</a:t>
+              <a:t>*CLICK* Pipeline provides an extensible set of tools for </a:t>
+            </a:r>
+            <a:r>
+              <a:rPr lang="en-GB" sz="1200" b="0" i="0" kern="1200" dirty="0" err="1">
+                <a:solidFill>
+                  <a:schemeClr val="tx1"/>
+                </a:solidFill>
+                <a:effectLst/>
+                <a:latin typeface="+mn-lt"/>
+                <a:ea typeface="+mn-ea"/>
+                <a:cs typeface="+mn-cs"/>
+              </a:rPr>
+              <a:t>modeling</a:t>
+            </a:r>
+            <a:r>
+              <a:rPr lang="en-GB" sz="1200" b="0" i="0" kern="1200" dirty="0">
+                <a:solidFill>
+                  <a:schemeClr val="tx1"/>
+                </a:solidFill>
+                <a:effectLst/>
+                <a:latin typeface="+mn-lt"/>
+                <a:ea typeface="+mn-ea"/>
+                <a:cs typeface="+mn-cs"/>
+              </a:rPr>
+              <a:t> simple-to-complex delivery pipelines "as code" via the Pipeline syntax, which is built on Groovy.</a:t>
             </a:r>
           </a:p>
           <a:p>
@@ -4053,7 +5597,55 @@
                 <a:ea typeface="+mn-ea"/>
                 <a:cs typeface="+mn-cs"/>
               </a:rPr>
-              <a:t>*CLICK* Pipelines can survive both planned and unplanned restarts of the Jenkins master.</a:t>
+              <a:t>*CLICK* The Pipeline script that you create can be put into source control in the format of a </a:t>
+            </a:r>
+            <a:r>
+              <a:rPr lang="en-GB" sz="1200" b="0" i="0" kern="1200" dirty="0" err="1">
+                <a:solidFill>
+                  <a:schemeClr val="tx1"/>
+                </a:solidFill>
+                <a:effectLst/>
+                <a:latin typeface="+mn-lt"/>
+                <a:ea typeface="+mn-ea"/>
+                <a:cs typeface="+mn-cs"/>
+              </a:rPr>
+              <a:t>Jenkinsfile</a:t>
+            </a:r>
+            <a:r>
+              <a:rPr lang="en-GB" sz="1200" b="0" i="0" kern="1200" dirty="0">
+                <a:solidFill>
+                  <a:schemeClr val="tx1"/>
+                </a:solidFill>
+                <a:effectLst/>
+                <a:latin typeface="+mn-lt"/>
+                <a:ea typeface="+mn-ea"/>
+                <a:cs typeface="+mn-cs"/>
+              </a:rPr>
+              <a:t>. For the purposes of this evening’s Playground we will not be using a </a:t>
+            </a:r>
+            <a:r>
+              <a:rPr lang="en-GB" sz="1200" b="0" i="0" kern="1200" dirty="0" err="1">
+                <a:solidFill>
+                  <a:schemeClr val="tx1"/>
+                </a:solidFill>
+                <a:effectLst/>
+                <a:latin typeface="+mn-lt"/>
+                <a:ea typeface="+mn-ea"/>
+                <a:cs typeface="+mn-cs"/>
+              </a:rPr>
+              <a:t>Jenkinsfile</a:t>
+            </a:r>
+            <a:r>
+              <a:rPr lang="en-GB" sz="1200" b="0" i="0" kern="1200" dirty="0">
+                <a:solidFill>
+                  <a:schemeClr val="tx1"/>
+                </a:solidFill>
+                <a:effectLst/>
+                <a:latin typeface="+mn-lt"/>
+                <a:ea typeface="+mn-ea"/>
+                <a:cs typeface="+mn-cs"/>
+              </a:rPr>
+              <a:t> but editing directly in the Jenkins UI.</a:t>
             </a:r>
           </a:p>
           <a:p>
@@ -4112,7 +5704,7 @@
                 <a:ea typeface="+mn-ea"/>
                 <a:cs typeface="+mn-cs"/>
               </a:rPr>
-              <a:t>*CLICK* It may not be better practice but Pipelines can optionally stop and wait for human input or approval before continuing the Pipeline run.</a:t>
+              <a:t>This is not best practice. It’s highly advised to have your Pipeline script in version control as it:</a:t>
             </a:r>
           </a:p>
           <a:p>
@@ -4171,36 +5763,8 @@
                 <a:ea typeface="+mn-ea"/>
                 <a:cs typeface="+mn-cs"/>
               </a:rPr>
-              <a:t>*CLICK* Pipelines support complex real-world CD requirements, including the ability to fork, loop, and perform work in parallel.</a:t>
-            </a:r>
-          </a:p>
-          <a:p>
-            <a:pPr marL="0" marR="0" lvl="0" indent="0" algn="l" defTabSz="914400" rtl="0" eaLnBrk="1" fontAlgn="auto" latinLnBrk="0" hangingPunct="1">
-              <a:lnSpc>
-                <a:spcPct val="100000"/>
-              </a:lnSpc>
-              <a:spcBef>
-                <a:spcPts val="0"/>
-              </a:spcBef>
-              <a:spcAft>
-                <a:spcPts val="0"/>
-              </a:spcAft>
-              <a:buClrTx/>
-              <a:buSzTx/>
-              <a:buFontTx/>
-              <a:buNone/>
-              <a:tabLst/>
-              <a:defRPr/>
-            </a:pPr>
-            <a:endParaRPr lang="en-GB" sz="1200" b="0" i="0" kern="1200" dirty="0">
-              <a:solidFill>
-                <a:schemeClr val="tx1"/>
-              </a:solidFill>
-              <a:effectLst/>
-              <a:latin typeface="+mn-lt"/>
-              <a:ea typeface="+mn-ea"/>
-              <a:cs typeface="+mn-cs"/>
-            </a:endParaRPr>
+              <a:t>*CLICK* means all changes can go through code review.</a:t>
+            </a:r>
           </a:p>
           <a:p>
             <a:pPr marL="0" marR="0" lvl="0" indent="0" algn="l" defTabSz="914400" rtl="0" eaLnBrk="1" fontAlgn="auto" latinLnBrk="0" hangingPunct="1">
@@ -4230,7 +5794,38 @@
                 <a:ea typeface="+mn-ea"/>
                 <a:cs typeface="+mn-cs"/>
               </a:rPr>
-              <a:t>*CLICK* The Pipeline plugin supports custom extensions to its DSL and multiple options for integration with other plugins.</a:t>
+              <a:t>*CLICK* there is an audit trail for the Pipeline script. This is not available when editing directly in Jenkins UI.</a:t>
+            </a:r>
+          </a:p>
+          <a:p>
+            <a:pPr marL="0" marR="0" lvl="0" indent="0" algn="l" defTabSz="914400" rtl="0" eaLnBrk="1" fontAlgn="auto" latinLnBrk="0" hangingPunct="1">
+              <a:lnSpc>
+                <a:spcPct val="100000"/>
+              </a:lnSpc>
+              <a:spcBef>
+                <a:spcPts val="0"/>
+              </a:spcBef>
+              <a:spcAft>
+                <a:spcPts val="0"/>
+              </a:spcAft>
+              <a:buClrTx/>
+              <a:buSzTx/>
+              <a:buFontTx/>
+              <a:buNone/>
+              <a:tabLst/>
+              <a:defRPr/>
+            </a:pPr>
+            <a:r>
+              <a:rPr lang="en-GB" sz="1200" b="0" i="0" kern="1200" dirty="0">
+                <a:solidFill>
+                  <a:schemeClr val="tx1"/>
+                </a:solidFill>
+                <a:effectLst/>
+                <a:latin typeface="+mn-lt"/>
+                <a:ea typeface="+mn-ea"/>
+                <a:cs typeface="+mn-cs"/>
+              </a:rPr>
+              <a:t>*CLICK* All branches and pull requests will follow a Pipeline build process.</a:t>
             </a:r>
           </a:p>
         </p:txBody>
@@ -4261,7 +5856,7 @@
     </p:spTree>
     <p:extLst>
       <p:ext uri="{BB962C8B-B14F-4D97-AF65-F5344CB8AC3E}">
-        <p14:creationId xmlns:p14="http://schemas.microsoft.com/office/powerpoint/2010/main" val="810663806"/>
+        <p14:creationId xmlns:p14="http://schemas.microsoft.com/office/powerpoint/2010/main" val="3746921493"/>
       </p:ext>
     </p:extLst>
   </p:cSld>
@@ -7226,6 +8821,76 @@
       </p:grpSpPr>
       <p:sp>
         <p:nvSpPr>
+          <p:cNvPr id="2" name="Content Placeholder 1"/>
+          <p:cNvSpPr>
+            <a:spLocks noGrp="1"/>
+          </p:cNvSpPr>
+          <p:nvPr>
+            <p:ph idx="1"/>
+          </p:nvPr>
+        </p:nvSpPr>
+        <p:spPr>
+          <a:xfrm>
+            <a:off x="611560" y="1600201"/>
+            <a:ext cx="7920880" cy="4525963"/>
+          </a:xfrm>
+        </p:spPr>
+        <p:txBody>
+          <a:bodyPr>
+            <a:noAutofit/>
+          </a:bodyPr>
+          <a:lstStyle/>
+          <a:p>
+            <a:r>
+              <a:rPr lang="en-US" sz="2300" dirty="0"/>
+              <a:t>Pipeline adds a set of automation tools into Jenkins to execute powerful CI/CD pipelines.</a:t>
+            </a:r>
+          </a:p>
+          <a:p>
+            <a:endParaRPr lang="en-US" sz="2300" dirty="0"/>
+          </a:p>
+          <a:p>
+            <a:r>
+              <a:rPr lang="en-US" sz="2300" dirty="0"/>
+              <a:t>Implemented in </a:t>
+            </a:r>
+            <a:r>
+              <a:rPr lang="en-US" sz="2300" b="1" dirty="0"/>
+              <a:t>Code.</a:t>
+            </a:r>
+          </a:p>
+          <a:p>
+            <a:r>
+              <a:rPr lang="en-US" sz="2300" b="1" dirty="0"/>
+              <a:t>Durable.</a:t>
+            </a:r>
+          </a:p>
+          <a:p>
+            <a:r>
+              <a:rPr lang="en-US" sz="2300" b="1" dirty="0" err="1"/>
+              <a:t>Pausable</a:t>
+            </a:r>
+            <a:r>
+              <a:rPr lang="en-US" sz="2300" b="1" dirty="0"/>
+              <a:t>.</a:t>
+            </a:r>
+          </a:p>
+          <a:p>
+            <a:r>
+              <a:rPr lang="en-US" sz="2300" b="1" dirty="0"/>
+              <a:t>Versatile.</a:t>
+            </a:r>
+          </a:p>
+          <a:p>
+            <a:r>
+              <a:rPr lang="en-US" sz="2300" b="1" dirty="0"/>
+              <a:t>Extensible.</a:t>
+            </a:r>
+          </a:p>
+        </p:txBody>
+      </p:sp>
+      <p:sp>
+        <p:nvSpPr>
           <p:cNvPr id="3" name="Footer Placeholder 2"/>
           <p:cNvSpPr>
             <a:spLocks noGrp="1"/>
@@ -7234,18 +8899,19 @@
             <p:ph type="ftr" sz="quarter" idx="3"/>
           </p:nvPr>
         </p:nvSpPr>
-        <p:spPr/>
+        <p:spPr>
+          <a:xfrm>
+            <a:off x="3124200" y="6356351"/>
+            <a:ext cx="2895600" cy="365125"/>
+          </a:xfrm>
+        </p:spPr>
         <p:txBody>
           <a:bodyPr/>
           <a:lstStyle/>
           <a:p>
             <a:r>
-              <a:rPr lang="en-GB" sz="1600" dirty="0"/>
-              <a:t>#</a:t>
-            </a:r>
-            <a:r>
-              <a:rPr lang="en-GB" sz="1600" dirty="0" err="1"/>
-              <a:t>DevOpsPlayground</a:t>
+              <a:rPr lang="en-GB" sz="1600"/>
+              <a:t>#DevOpsPlayground</a:t>
             </a:r>
             <a:endParaRPr lang="en-GB" sz="1600" dirty="0"/>
           </a:p>
@@ -7281,133 +8947,381 @@
                 <a:latin typeface="Arial" panose="020B0604020202020204" pitchFamily="34" charset="0"/>
                 <a:cs typeface="Arial" panose="020B0604020202020204" pitchFamily="34" charset="0"/>
               </a:rPr>
-              <a:t>Playground</a:t>
+              <a:t>Why Pipeline?</a:t>
             </a:r>
           </a:p>
         </p:txBody>
       </p:sp>
-      <p:sp>
-        <p:nvSpPr>
-          <p:cNvPr id="5" name="Content Placeholder 4">
+      <p:pic>
+        <p:nvPicPr>
+          <p:cNvPr id="6" name="Picture 5">
             <a:extLst>
               <a:ext uri="{FF2B5EF4-FFF2-40B4-BE49-F238E27FC236}">
-                <a16:creationId xmlns:a16="http://schemas.microsoft.com/office/drawing/2014/main" id="{122D25EA-2C5B-F546-B0F0-A1ECE4E5202C}"/>
+                <a16:creationId xmlns:a16="http://schemas.microsoft.com/office/drawing/2014/main" id="{6ED58919-6A29-3345-9C23-AFD4A5775CFA}"/>
               </a:ext>
             </a:extLst>
           </p:cNvPr>
-          <p:cNvSpPr>
-            <a:spLocks noGrp="1"/>
-          </p:cNvSpPr>
-          <p:nvPr>
-            <p:ph idx="1"/>
-          </p:nvPr>
-        </p:nvSpPr>
-        <p:spPr/>
-        <p:txBody>
-          <a:bodyPr/>
-          <a:lstStyle/>
-          <a:p>
-            <a:endParaRPr lang="en-US" dirty="0"/>
-          </a:p>
-          <a:p>
-            <a:r>
-              <a:rPr lang="en-US" dirty="0"/>
-              <a:t>Access the Playground ReadMe and GitHub repo here: </a:t>
-            </a:r>
-            <a:r>
-              <a:rPr lang="en-US" dirty="0">
-                <a:hlinkClick r:id="rId3"/>
-              </a:rPr>
-              <a:t>https://bit.ly/2R6v6F4</a:t>
-            </a:r>
-            <a:r>
-              <a:rPr lang="en-US" dirty="0"/>
-              <a:t> </a:t>
-            </a:r>
-          </a:p>
-          <a:p>
-            <a:endParaRPr lang="en-US" dirty="0"/>
-          </a:p>
-          <a:p>
-            <a:r>
-              <a:rPr lang="en-US" dirty="0"/>
-              <a:t>We’re going to create a Jenkins Pipeline in multiple stages:</a:t>
-            </a:r>
-          </a:p>
-          <a:p>
-            <a:pPr lvl="1"/>
-            <a:r>
-              <a:rPr lang="en-US" dirty="0"/>
-              <a:t>Checking out test code from Git.</a:t>
-            </a:r>
-          </a:p>
-          <a:p>
-            <a:pPr lvl="1"/>
-            <a:r>
-              <a:rPr lang="en-US" dirty="0"/>
-              <a:t>Installing Dependencies.</a:t>
-            </a:r>
-          </a:p>
-          <a:p>
-            <a:pPr lvl="1"/>
-            <a:r>
-              <a:rPr lang="en-US" dirty="0"/>
-              <a:t>Starting </a:t>
-            </a:r>
-            <a:r>
-              <a:rPr lang="en-US" dirty="0" err="1"/>
-              <a:t>Zalenium</a:t>
-            </a:r>
-            <a:r>
-              <a:rPr lang="en-US" dirty="0"/>
-              <a:t>.</a:t>
-            </a:r>
-          </a:p>
-          <a:p>
-            <a:pPr lvl="1"/>
-            <a:r>
-              <a:rPr lang="en-US" dirty="0"/>
-              <a:t>Running tests.</a:t>
-            </a:r>
-          </a:p>
-          <a:p>
-            <a:pPr lvl="1"/>
-            <a:r>
-              <a:rPr lang="en-US" dirty="0"/>
-              <a:t>Generating reports using Allure.</a:t>
-            </a:r>
-          </a:p>
-          <a:p>
-            <a:pPr lvl="1"/>
-            <a:r>
-              <a:rPr lang="en-US" dirty="0"/>
-              <a:t>Stopping </a:t>
-            </a:r>
-            <a:r>
-              <a:rPr lang="en-US" dirty="0" err="1"/>
-              <a:t>Zalenium</a:t>
-            </a:r>
-            <a:r>
-              <a:rPr lang="en-US" dirty="0"/>
-              <a:t>.</a:t>
-            </a:r>
-          </a:p>
-          <a:p>
-            <a:pPr lvl="1"/>
-            <a:endParaRPr lang="en-US" dirty="0"/>
-          </a:p>
-        </p:txBody>
-      </p:sp>
+          <p:cNvPicPr>
+            <a:picLocks noChangeAspect="1"/>
+          </p:cNvPicPr>
+          <p:nvPr/>
+        </p:nvPicPr>
+        <p:blipFill>
+          <a:blip r:embed="rId3">
+            <a:extLst>
+              <a:ext uri="{28A0092B-C50C-407E-A947-70E740481C1C}">
+                <a14:useLocalDpi xmlns:a14="http://schemas.microsoft.com/office/drawing/2010/main" val="0"/>
+              </a:ext>
+            </a:extLst>
+          </a:blip>
+          <a:stretch>
+            <a:fillRect/>
+          </a:stretch>
+        </p:blipFill>
+        <p:spPr>
+          <a:xfrm>
+            <a:off x="4393670" y="-137717"/>
+            <a:ext cx="1541692" cy="1541692"/>
+          </a:xfrm>
+          <a:prstGeom prst="rect">
+            <a:avLst/>
+          </a:prstGeom>
+        </p:spPr>
+      </p:pic>
     </p:spTree>
     <p:extLst>
       <p:ext uri="{BB962C8B-B14F-4D97-AF65-F5344CB8AC3E}">
-        <p14:creationId xmlns:p14="http://schemas.microsoft.com/office/powerpoint/2010/main" val="2752887665"/>
+        <p14:creationId xmlns:p14="http://schemas.microsoft.com/office/powerpoint/2010/main" val="2812815337"/>
       </p:ext>
     </p:extLst>
   </p:cSld>
   <p:clrMapOvr>
     <a:masterClrMapping/>
   </p:clrMapOvr>
+  <p:timing>
+    <p:tnLst>
+      <p:par>
+        <p:cTn id="1" dur="indefinite" restart="never" nodeType="tmRoot">
+          <p:childTnLst>
+            <p:seq concurrent="1" nextAc="seek">
+              <p:cTn id="2" dur="indefinite" nodeType="mainSeq">
+                <p:childTnLst>
+                  <p:par>
+                    <p:cTn id="3" fill="hold">
+                      <p:stCondLst>
+                        <p:cond delay="indefinite"/>
+                      </p:stCondLst>
+                      <p:childTnLst>
+                        <p:par>
+                          <p:cTn id="4" fill="hold">
+                            <p:stCondLst>
+                              <p:cond delay="0"/>
+                            </p:stCondLst>
+                            <p:childTnLst>
+                              <p:par>
+                                <p:cTn id="5" presetID="1" presetClass="entr" presetSubtype="0" fill="hold" nodeType="clickEffect">
+                                  <p:stCondLst>
+                                    <p:cond delay="0"/>
+                                  </p:stCondLst>
+                                  <p:childTnLst>
+                                    <p:set>
+                                      <p:cBhvr>
+                                        <p:cTn id="6" dur="1" fill="hold">
+                                          <p:stCondLst>
+                                            <p:cond delay="0"/>
+                                          </p:stCondLst>
+                                        </p:cTn>
+                                        <p:tgtEl>
+                                          <p:spTgt spid="2">
+                                            <p:txEl>
+                                              <p:pRg st="0" end="0"/>
+                                            </p:txEl>
+                                          </p:spTgt>
+                                        </p:tgtEl>
+                                        <p:attrNameLst>
+                                          <p:attrName>style.visibility</p:attrName>
+                                        </p:attrNameLst>
+                                      </p:cBhvr>
+                                      <p:to>
+                                        <p:strVal val="visible"/>
+                                      </p:to>
+                                    </p:set>
+                                  </p:childTnLst>
+                                </p:cTn>
+                              </p:par>
+                            </p:childTnLst>
+                          </p:cTn>
+                        </p:par>
+                      </p:childTnLst>
+                    </p:cTn>
+                  </p:par>
+                  <p:par>
+                    <p:cTn id="7" fill="hold">
+                      <p:stCondLst>
+                        <p:cond delay="indefinite"/>
+                      </p:stCondLst>
+                      <p:childTnLst>
+                        <p:par>
+                          <p:cTn id="8" fill="hold">
+                            <p:stCondLst>
+                              <p:cond delay="0"/>
+                            </p:stCondLst>
+                            <p:childTnLst>
+                              <p:par>
+                                <p:cTn id="9" presetID="1" presetClass="entr" presetSubtype="0" fill="hold" nodeType="clickEffect">
+                                  <p:stCondLst>
+                                    <p:cond delay="0"/>
+                                  </p:stCondLst>
+                                  <p:childTnLst>
+                                    <p:set>
+                                      <p:cBhvr>
+                                        <p:cTn id="10" dur="1" fill="hold">
+                                          <p:stCondLst>
+                                            <p:cond delay="0"/>
+                                          </p:stCondLst>
+                                        </p:cTn>
+                                        <p:tgtEl>
+                                          <p:spTgt spid="2">
+                                            <p:txEl>
+                                              <p:pRg st="2" end="2"/>
+                                            </p:txEl>
+                                          </p:spTgt>
+                                        </p:tgtEl>
+                                        <p:attrNameLst>
+                                          <p:attrName>style.visibility</p:attrName>
+                                        </p:attrNameLst>
+                                      </p:cBhvr>
+                                      <p:to>
+                                        <p:strVal val="visible"/>
+                                      </p:to>
+                                    </p:set>
+                                  </p:childTnLst>
+                                </p:cTn>
+                              </p:par>
+                            </p:childTnLst>
+                          </p:cTn>
+                        </p:par>
+                      </p:childTnLst>
+                    </p:cTn>
+                  </p:par>
+                  <p:par>
+                    <p:cTn id="11" fill="hold">
+                      <p:stCondLst>
+                        <p:cond delay="indefinite"/>
+                      </p:stCondLst>
+                      <p:childTnLst>
+                        <p:par>
+                          <p:cTn id="12" fill="hold">
+                            <p:stCondLst>
+                              <p:cond delay="0"/>
+                            </p:stCondLst>
+                            <p:childTnLst>
+                              <p:par>
+                                <p:cTn id="13" presetID="1" presetClass="entr" presetSubtype="0" fill="hold" nodeType="clickEffect">
+                                  <p:stCondLst>
+                                    <p:cond delay="0"/>
+                                  </p:stCondLst>
+                                  <p:childTnLst>
+                                    <p:set>
+                                      <p:cBhvr>
+                                        <p:cTn id="14" dur="1" fill="hold">
+                                          <p:stCondLst>
+                                            <p:cond delay="0"/>
+                                          </p:stCondLst>
+                                        </p:cTn>
+                                        <p:tgtEl>
+                                          <p:spTgt spid="2">
+                                            <p:txEl>
+                                              <p:pRg st="3" end="3"/>
+                                            </p:txEl>
+                                          </p:spTgt>
+                                        </p:tgtEl>
+                                        <p:attrNameLst>
+                                          <p:attrName>style.visibility</p:attrName>
+                                        </p:attrNameLst>
+                                      </p:cBhvr>
+                                      <p:to>
+                                        <p:strVal val="visible"/>
+                                      </p:to>
+                                    </p:set>
+                                  </p:childTnLst>
+                                </p:cTn>
+                              </p:par>
+                            </p:childTnLst>
+                          </p:cTn>
+                        </p:par>
+                      </p:childTnLst>
+                    </p:cTn>
+                  </p:par>
+                  <p:par>
+                    <p:cTn id="15" fill="hold">
+                      <p:stCondLst>
+                        <p:cond delay="indefinite"/>
+                      </p:stCondLst>
+                      <p:childTnLst>
+                        <p:par>
+                          <p:cTn id="16" fill="hold">
+                            <p:stCondLst>
+                              <p:cond delay="0"/>
+                            </p:stCondLst>
+                            <p:childTnLst>
+                              <p:par>
+                                <p:cTn id="17" presetID="1" presetClass="entr" presetSubtype="0" fill="hold" nodeType="clickEffect">
+                                  <p:stCondLst>
+                                    <p:cond delay="0"/>
+                                  </p:stCondLst>
+                                  <p:childTnLst>
+                                    <p:set>
+                                      <p:cBhvr>
+                                        <p:cTn id="18" dur="1" fill="hold">
+                                          <p:stCondLst>
+                                            <p:cond delay="0"/>
+                                          </p:stCondLst>
+                                        </p:cTn>
+                                        <p:tgtEl>
+                                          <p:spTgt spid="2">
+                                            <p:txEl>
+                                              <p:pRg st="4" end="4"/>
+                                            </p:txEl>
+                                          </p:spTgt>
+                                        </p:tgtEl>
+                                        <p:attrNameLst>
+                                          <p:attrName>style.visibility</p:attrName>
+                                        </p:attrNameLst>
+                                      </p:cBhvr>
+                                      <p:to>
+                                        <p:strVal val="visible"/>
+                                      </p:to>
+                                    </p:set>
+                                  </p:childTnLst>
+                                </p:cTn>
+                              </p:par>
+                            </p:childTnLst>
+                          </p:cTn>
+                        </p:par>
+                      </p:childTnLst>
+                    </p:cTn>
+                  </p:par>
+                  <p:par>
+                    <p:cTn id="19" fill="hold">
+                      <p:stCondLst>
+                        <p:cond delay="indefinite"/>
+                      </p:stCondLst>
+                      <p:childTnLst>
+                        <p:par>
+                          <p:cTn id="20" fill="hold">
+                            <p:stCondLst>
+                              <p:cond delay="0"/>
+                            </p:stCondLst>
+                            <p:childTnLst>
+                              <p:par>
+                                <p:cTn id="21" presetID="1" presetClass="entr" presetSubtype="0" fill="hold" nodeType="clickEffect">
+                                  <p:stCondLst>
+                                    <p:cond delay="0"/>
+                                  </p:stCondLst>
+                                  <p:childTnLst>
+                                    <p:set>
+                                      <p:cBhvr>
+                                        <p:cTn id="22" dur="1" fill="hold">
+                                          <p:stCondLst>
+                                            <p:cond delay="0"/>
+                                          </p:stCondLst>
+                                        </p:cTn>
+                                        <p:tgtEl>
+                                          <p:spTgt spid="2">
+                                            <p:txEl>
+                                              <p:pRg st="5" end="5"/>
+                                            </p:txEl>
+                                          </p:spTgt>
+                                        </p:tgtEl>
+                                        <p:attrNameLst>
+                                          <p:attrName>style.visibility</p:attrName>
+                                        </p:attrNameLst>
+                                      </p:cBhvr>
+                                      <p:to>
+                                        <p:strVal val="visible"/>
+                                      </p:to>
+                                    </p:set>
+                                  </p:childTnLst>
+                                </p:cTn>
+                              </p:par>
+                            </p:childTnLst>
+                          </p:cTn>
+                        </p:par>
+                      </p:childTnLst>
+                    </p:cTn>
+                  </p:par>
+                  <p:par>
+                    <p:cTn id="23" fill="hold">
+                      <p:stCondLst>
+                        <p:cond delay="indefinite"/>
+                      </p:stCondLst>
+                      <p:childTnLst>
+                        <p:par>
+                          <p:cTn id="24" fill="hold">
+                            <p:stCondLst>
+                              <p:cond delay="0"/>
+                            </p:stCondLst>
+                            <p:childTnLst>
+                              <p:par>
+                                <p:cTn id="25" presetID="1" presetClass="entr" presetSubtype="0" fill="hold" nodeType="clickEffect">
+                                  <p:stCondLst>
+                                    <p:cond delay="0"/>
+                                  </p:stCondLst>
+                                  <p:childTnLst>
+                                    <p:set>
+                                      <p:cBhvr>
+                                        <p:cTn id="26" dur="1" fill="hold">
+                                          <p:stCondLst>
+                                            <p:cond delay="0"/>
+                                          </p:stCondLst>
+                                        </p:cTn>
+                                        <p:tgtEl>
+                                          <p:spTgt spid="2">
+                                            <p:txEl>
+                                              <p:pRg st="6" end="6"/>
+                                            </p:txEl>
+                                          </p:spTgt>
+                                        </p:tgtEl>
+                                        <p:attrNameLst>
+                                          <p:attrName>style.visibility</p:attrName>
+                                        </p:attrNameLst>
+                                      </p:cBhvr>
+                                      <p:to>
+                                        <p:strVal val="visible"/>
+                                      </p:to>
+                                    </p:set>
+                                  </p:childTnLst>
+                                </p:cTn>
+                              </p:par>
+                            </p:childTnLst>
+                          </p:cTn>
+                        </p:par>
+                      </p:childTnLst>
+                    </p:cTn>
+                  </p:par>
+                </p:childTnLst>
+              </p:cTn>
+              <p:prevCondLst>
+                <p:cond evt="onPrev" delay="0">
+                  <p:tgtEl>
+                    <p:sldTgt/>
+                  </p:tgtEl>
+                </p:cond>
+              </p:prevCondLst>
+              <p:nextCondLst>
+                <p:cond evt="onNext" delay="0">
+                  <p:tgtEl>
+                    <p:sldTgt/>
+                  </p:tgtEl>
+                </p:cond>
+              </p:nextCondLst>
+            </p:seq>
+          </p:childTnLst>
+        </p:cTn>
+      </p:par>
+    </p:tnLst>
+  </p:timing>
 </p:sld>
 </file>
 
@@ -7430,80 +9344,6 @@
       </p:grpSpPr>
       <p:sp>
         <p:nvSpPr>
-          <p:cNvPr id="2" name="Content Placeholder 1"/>
-          <p:cNvSpPr>
-            <a:spLocks noGrp="1"/>
-          </p:cNvSpPr>
-          <p:nvPr>
-            <p:ph idx="1"/>
-          </p:nvPr>
-        </p:nvSpPr>
-        <p:spPr>
-          <a:xfrm>
-            <a:off x="611560" y="1600201"/>
-            <a:ext cx="7920880" cy="4525963"/>
-          </a:xfrm>
-        </p:spPr>
-        <p:txBody>
-          <a:bodyPr>
-            <a:noAutofit/>
-          </a:bodyPr>
-          <a:lstStyle/>
-          <a:p>
-            <a:r>
-              <a:rPr lang="en-US" sz="2300" dirty="0"/>
-              <a:t>On a Linux (Ubuntu 16.04) VM hosted in Azure.</a:t>
-            </a:r>
-          </a:p>
-          <a:p>
-            <a:r>
-              <a:rPr lang="en-US" sz="2300" dirty="0"/>
-              <a:t>Java and Jenkins installed using instructions in ReadMe.</a:t>
-            </a:r>
-          </a:p>
-          <a:p>
-            <a:r>
-              <a:rPr lang="en-US" sz="2300" dirty="0"/>
-              <a:t>Set-up Jenkins using the suggested plugins upon first run-time.</a:t>
-            </a:r>
-          </a:p>
-          <a:p>
-            <a:r>
-              <a:rPr lang="en-US" sz="2300" dirty="0"/>
-              <a:t>Custom plugins installed: Blue Ocean, NodeJS and Allure.</a:t>
-            </a:r>
-          </a:p>
-          <a:p>
-            <a:r>
-              <a:rPr lang="en-US" sz="2300" dirty="0"/>
-              <a:t>Global Tool Configuration for NodeJS and Allure.</a:t>
-            </a:r>
-          </a:p>
-          <a:p>
-            <a:r>
-              <a:rPr lang="en-US" sz="2300" dirty="0"/>
-              <a:t>Cloned the initial VM’s VHD.</a:t>
-            </a:r>
-          </a:p>
-          <a:p>
-            <a:r>
-              <a:rPr lang="en-US" sz="2300" dirty="0"/>
-              <a:t>Created multiple VMs using the clones of the disk.</a:t>
-            </a:r>
-          </a:p>
-          <a:p>
-            <a:endParaRPr lang="en-US" sz="2300" dirty="0"/>
-          </a:p>
-          <a:p>
-            <a:endParaRPr lang="en-US" sz="2300" dirty="0"/>
-          </a:p>
-          <a:p>
-            <a:endParaRPr lang="en-US" sz="2300" dirty="0"/>
-          </a:p>
-        </p:txBody>
-      </p:sp>
-      <p:sp>
-        <p:nvSpPr>
           <p:cNvPr id="3" name="Footer Placeholder 2"/>
           <p:cNvSpPr>
             <a:spLocks noGrp="1"/>
@@ -7512,19 +9352,18 @@
             <p:ph type="ftr" sz="quarter" idx="3"/>
           </p:nvPr>
         </p:nvSpPr>
-        <p:spPr>
-          <a:xfrm>
-            <a:off x="3124200" y="6356351"/>
-            <a:ext cx="2895600" cy="365125"/>
-          </a:xfrm>
-        </p:spPr>
+        <p:spPr/>
         <p:txBody>
           <a:bodyPr/>
           <a:lstStyle/>
           <a:p>
             <a:r>
-              <a:rPr lang="en-GB" sz="1600"/>
-              <a:t>#DevOpsPlayground</a:t>
+              <a:rPr lang="en-GB" sz="1600" dirty="0"/>
+              <a:t>#</a:t>
+            </a:r>
+            <a:r>
+              <a:rPr lang="en-GB" sz="1600" dirty="0" err="1"/>
+              <a:t>DevOpsPlayground</a:t>
             </a:r>
             <a:endParaRPr lang="en-GB" sz="1600" dirty="0"/>
           </a:p>
@@ -7560,15 +9399,127 @@
                 <a:latin typeface="Arial" panose="020B0604020202020204" pitchFamily="34" charset="0"/>
                 <a:cs typeface="Arial" panose="020B0604020202020204" pitchFamily="34" charset="0"/>
               </a:rPr>
-              <a:t>How have we set up this Playground?</a:t>
-            </a:r>
+              <a:t>Playground</a:t>
+            </a:r>
+          </a:p>
+        </p:txBody>
+      </p:sp>
+      <p:sp>
+        <p:nvSpPr>
+          <p:cNvPr id="5" name="Content Placeholder 4">
+            <a:extLst>
+              <a:ext uri="{FF2B5EF4-FFF2-40B4-BE49-F238E27FC236}">
+                <a16:creationId xmlns:a16="http://schemas.microsoft.com/office/drawing/2014/main" id="{122D25EA-2C5B-F546-B0F0-A1ECE4E5202C}"/>
+              </a:ext>
+            </a:extLst>
+          </p:cNvPr>
+          <p:cNvSpPr>
+            <a:spLocks noGrp="1"/>
+          </p:cNvSpPr>
+          <p:nvPr>
+            <p:ph idx="1"/>
+          </p:nvPr>
+        </p:nvSpPr>
+        <p:spPr/>
+        <p:txBody>
+          <a:bodyPr/>
+          <a:lstStyle/>
+          <a:p>
+            <a:endParaRPr lang="en-US" dirty="0"/>
+          </a:p>
+          <a:p>
+            <a:r>
+              <a:rPr lang="en-US" dirty="0"/>
+              <a:t>Access the Playground ReadMe and GitHub repo here: </a:t>
+            </a:r>
+            <a:r>
+              <a:rPr lang="en-US" dirty="0">
+                <a:hlinkClick r:id="rId3"/>
+              </a:rPr>
+              <a:t>https://bit.ly/2R6v6F4</a:t>
+            </a:r>
+            <a:r>
+              <a:rPr lang="en-US" dirty="0"/>
+              <a:t> </a:t>
+            </a:r>
+          </a:p>
+          <a:p>
+            <a:endParaRPr lang="en-US" dirty="0"/>
+          </a:p>
+          <a:p>
+            <a:r>
+              <a:rPr lang="en-US" dirty="0"/>
+              <a:t>We’re going to create a Jenkins Pipeline in multiple stages:</a:t>
+            </a:r>
+          </a:p>
+          <a:p>
+            <a:pPr lvl="1"/>
+            <a:r>
+              <a:rPr lang="en-US" dirty="0"/>
+              <a:t>Checking out test code from Git.</a:t>
+            </a:r>
+          </a:p>
+          <a:p>
+            <a:pPr lvl="1"/>
+            <a:r>
+              <a:rPr lang="en-US" dirty="0"/>
+              <a:t>Installing Dependencies.</a:t>
+            </a:r>
+          </a:p>
+          <a:p>
+            <a:pPr lvl="1"/>
+            <a:r>
+              <a:rPr lang="en-US" dirty="0"/>
+              <a:t>Starting </a:t>
+            </a:r>
+            <a:r>
+              <a:rPr lang="en-US" dirty="0" err="1"/>
+              <a:t>Zalenium</a:t>
+            </a:r>
+            <a:r>
+              <a:rPr lang="en-US" dirty="0"/>
+              <a:t>.</a:t>
+            </a:r>
+          </a:p>
+          <a:p>
+            <a:pPr lvl="1"/>
+            <a:r>
+              <a:rPr lang="en-US" dirty="0"/>
+              <a:t>Running tests.</a:t>
+            </a:r>
+          </a:p>
+          <a:p>
+            <a:pPr lvl="1"/>
+            <a:r>
+              <a:rPr lang="en-US" dirty="0"/>
+              <a:t>Generating reports using Allure.</a:t>
+            </a:r>
+          </a:p>
+          <a:p>
+            <a:pPr lvl="1"/>
+            <a:r>
+              <a:rPr lang="en-US" dirty="0"/>
+              <a:t>Stopping </a:t>
+            </a:r>
+            <a:r>
+              <a:rPr lang="en-US" dirty="0" err="1"/>
+              <a:t>Zalenium</a:t>
+            </a:r>
+            <a:r>
+              <a:rPr lang="en-US" dirty="0"/>
+              <a:t>.</a:t>
+            </a:r>
+          </a:p>
+          <a:p>
+            <a:pPr lvl="1"/>
+            <a:endParaRPr lang="en-US" dirty="0"/>
           </a:p>
         </p:txBody>
       </p:sp>
     </p:spTree>
     <p:extLst>
       <p:ext uri="{BB962C8B-B14F-4D97-AF65-F5344CB8AC3E}">
-        <p14:creationId xmlns:p14="http://schemas.microsoft.com/office/powerpoint/2010/main" val="2753762352"/>
+        <p14:creationId xmlns:p14="http://schemas.microsoft.com/office/powerpoint/2010/main" val="2752887665"/>
       </p:ext>
     </p:extLst>
   </p:cSld>
@@ -7619,62 +9570,53 @@
           <a:p>
             <a:r>
               <a:rPr lang="en-US" sz="2300" dirty="0"/>
-              <a:t>Declarative pipeline.</a:t>
+              <a:t>On a Linux (Ubuntu 16.04) VM hosted in Azure.</a:t>
             </a:r>
           </a:p>
           <a:p>
             <a:r>
               <a:rPr lang="en-US" sz="2300" dirty="0"/>
-              <a:t>All Declarative pipelines must be enclosed in a </a:t>
-            </a:r>
-            <a:r>
-              <a:rPr lang="en-US" sz="2300" b="1" dirty="0"/>
-              <a:t>pipeline {} </a:t>
-            </a:r>
+              <a:t>Java and Jenkins installed using instructions in ReadMe.</a:t>
+            </a:r>
+          </a:p>
+          <a:p>
             <a:r>
               <a:rPr lang="en-US" sz="2300" dirty="0"/>
-              <a:t>block.</a:t>
-            </a:r>
-          </a:p>
-          <a:p>
-            <a:r>
-              <a:rPr lang="en-US" sz="2300" b="1" dirty="0"/>
-              <a:t>agent</a:t>
-            </a:r>
+              <a:t>Set-up Jenkins using the suggested plugins upon first run-time.</a:t>
+            </a:r>
+          </a:p>
+          <a:p>
             <a:r>
               <a:rPr lang="en-US" sz="2300" dirty="0"/>
-              <a:t> – specifies where the pipeline will be run. </a:t>
-            </a:r>
-          </a:p>
-          <a:p>
-            <a:r>
-              <a:rPr lang="en-US" sz="2300" b="1" dirty="0"/>
-              <a:t>tools – </a:t>
-            </a:r>
+              <a:t>Custom plugins installed: Blue Ocean, NodeJS and Allure.</a:t>
+            </a:r>
+          </a:p>
+          <a:p>
             <a:r>
               <a:rPr lang="en-US" sz="2300" dirty="0"/>
-              <a:t>declares any tools required to be used in the pipeline.</a:t>
-            </a:r>
-          </a:p>
-          <a:p>
-            <a:r>
-              <a:rPr lang="en-US" sz="2300" b="1" dirty="0"/>
-              <a:t>stage – </a:t>
-            </a:r>
+              <a:t>Global Tool Configuration for NodeJS and Allure.</a:t>
+            </a:r>
+          </a:p>
+          <a:p>
             <a:r>
               <a:rPr lang="en-US" sz="2300" dirty="0"/>
-              <a:t>declares the different stages of your pipeline.</a:t>
-            </a:r>
-          </a:p>
-          <a:p>
-            <a:r>
-              <a:rPr lang="en-US" sz="2300" b="1" dirty="0"/>
-              <a:t>steps – </a:t>
-            </a:r>
+              <a:t>Cloned the initial VM’s VHD.</a:t>
+            </a:r>
+          </a:p>
+          <a:p>
             <a:r>
               <a:rPr lang="en-US" sz="2300" dirty="0"/>
-              <a:t>defines what is happening during this stage.</a:t>
-            </a:r>
+              <a:t>Created multiple VMs using the clones of the disk.</a:t>
+            </a:r>
+          </a:p>
+          <a:p>
+            <a:endParaRPr lang="en-US" sz="2300" dirty="0"/>
+          </a:p>
+          <a:p>
+            <a:endParaRPr lang="en-US" sz="2300" dirty="0"/>
+          </a:p>
+          <a:p>
+            <a:endParaRPr lang="en-US" sz="2300" dirty="0"/>
           </a:p>
         </p:txBody>
       </p:sp>
@@ -7736,7 +9678,7 @@
                 <a:latin typeface="Arial" panose="020B0604020202020204" pitchFamily="34" charset="0"/>
                 <a:cs typeface="Arial" panose="020B0604020202020204" pitchFamily="34" charset="0"/>
               </a:rPr>
-              <a:t>Pipeline Syntax</a:t>
+              <a:t>How have we set up this Playground?</a:t>
             </a:r>
           </a:p>
         </p:txBody>
@@ -7744,13 +9686,386 @@
     </p:spTree>
     <p:extLst>
       <p:ext uri="{BB962C8B-B14F-4D97-AF65-F5344CB8AC3E}">
-        <p14:creationId xmlns:p14="http://schemas.microsoft.com/office/powerpoint/2010/main" val="549948015"/>
+        <p14:creationId xmlns:p14="http://schemas.microsoft.com/office/powerpoint/2010/main" val="2753762352"/>
       </p:ext>
     </p:extLst>
   </p:cSld>
   <p:clrMapOvr>
     <a:masterClrMapping/>
   </p:clrMapOvr>
+  <p:timing>
+    <p:tnLst>
+      <p:par>
+        <p:cTn id="1" dur="indefinite" restart="never" nodeType="tmRoot">
+          <p:childTnLst>
+            <p:seq concurrent="1" nextAc="seek">
+              <p:cTn id="2" dur="indefinite" nodeType="mainSeq">
+                <p:childTnLst>
+                  <p:par>
+                    <p:cTn id="3" fill="hold">
+                      <p:stCondLst>
+                        <p:cond delay="indefinite"/>
+                      </p:stCondLst>
+                      <p:childTnLst>
+                        <p:par>
+                          <p:cTn id="4" fill="hold">
+                            <p:stCondLst>
+                              <p:cond delay="0"/>
+                            </p:stCondLst>
+                            <p:childTnLst>
+                              <p:par>
+                                <p:cTn id="5" presetID="1" presetClass="entr" presetSubtype="0" fill="hold" nodeType="clickEffect">
+                                  <p:stCondLst>
+                                    <p:cond delay="0"/>
+                                  </p:stCondLst>
+                                  <p:childTnLst>
+                                    <p:set>
+                                      <p:cBhvr>
+                                        <p:cTn id="6" dur="1" fill="hold">
+                                          <p:stCondLst>
+                                            <p:cond delay="0"/>
+                                          </p:stCondLst>
+                                        </p:cTn>
+                                        <p:tgtEl>
+                                          <p:spTgt spid="2">
+                                            <p:txEl>
+                                              <p:pRg st="0" end="0"/>
+                                            </p:txEl>
+                                          </p:spTgt>
+                                        </p:tgtEl>
+                                        <p:attrNameLst>
+                                          <p:attrName>style.visibility</p:attrName>
+                                        </p:attrNameLst>
+                                      </p:cBhvr>
+                                      <p:to>
+                                        <p:strVal val="visible"/>
+                                      </p:to>
+                                    </p:set>
+                                  </p:childTnLst>
+                                </p:cTn>
+                              </p:par>
+                            </p:childTnLst>
+                          </p:cTn>
+                        </p:par>
+                      </p:childTnLst>
+                    </p:cTn>
+                  </p:par>
+                  <p:par>
+                    <p:cTn id="7" fill="hold">
+                      <p:stCondLst>
+                        <p:cond delay="indefinite"/>
+                      </p:stCondLst>
+                      <p:childTnLst>
+                        <p:par>
+                          <p:cTn id="8" fill="hold">
+                            <p:stCondLst>
+                              <p:cond delay="0"/>
+                            </p:stCondLst>
+                            <p:childTnLst>
+                              <p:par>
+                                <p:cTn id="9" presetID="1" presetClass="entr" presetSubtype="0" fill="hold" nodeType="clickEffect">
+                                  <p:stCondLst>
+                                    <p:cond delay="0"/>
+                                  </p:stCondLst>
+                                  <p:childTnLst>
+                                    <p:set>
+                                      <p:cBhvr>
+                                        <p:cTn id="10" dur="1" fill="hold">
+                                          <p:stCondLst>
+                                            <p:cond delay="0"/>
+                                          </p:stCondLst>
+                                        </p:cTn>
+                                        <p:tgtEl>
+                                          <p:spTgt spid="2">
+                                            <p:txEl>
+                                              <p:pRg st="1" end="1"/>
+                                            </p:txEl>
+                                          </p:spTgt>
+                                        </p:tgtEl>
+                                        <p:attrNameLst>
+                                          <p:attrName>style.visibility</p:attrName>
+                                        </p:attrNameLst>
+                                      </p:cBhvr>
+                                      <p:to>
+                                        <p:strVal val="visible"/>
+                                      </p:to>
+                                    </p:set>
+                                  </p:childTnLst>
+                                </p:cTn>
+                              </p:par>
+                            </p:childTnLst>
+                          </p:cTn>
+                        </p:par>
+                      </p:childTnLst>
+                    </p:cTn>
+                  </p:par>
+                  <p:par>
+                    <p:cTn id="11" fill="hold">
+                      <p:stCondLst>
+                        <p:cond delay="indefinite"/>
+                      </p:stCondLst>
+                      <p:childTnLst>
+                        <p:par>
+                          <p:cTn id="12" fill="hold">
+                            <p:stCondLst>
+                              <p:cond delay="0"/>
+                            </p:stCondLst>
+                            <p:childTnLst>
+                              <p:par>
+                                <p:cTn id="13" presetID="1" presetClass="entr" presetSubtype="0" fill="hold" nodeType="clickEffect">
+                                  <p:stCondLst>
+                                    <p:cond delay="0"/>
+                                  </p:stCondLst>
+                                  <p:childTnLst>
+                                    <p:set>
+                                      <p:cBhvr>
+                                        <p:cTn id="14" dur="1" fill="hold">
+                                          <p:stCondLst>
+                                            <p:cond delay="0"/>
+                                          </p:stCondLst>
+                                        </p:cTn>
+                                        <p:tgtEl>
+                                          <p:spTgt spid="2">
+                                            <p:txEl>
+                                              <p:pRg st="2" end="2"/>
+                                            </p:txEl>
+                                          </p:spTgt>
+                                        </p:tgtEl>
+                                        <p:attrNameLst>
+                                          <p:attrName>style.visibility</p:attrName>
+                                        </p:attrNameLst>
+                                      </p:cBhvr>
+                                      <p:to>
+                                        <p:strVal val="visible"/>
+                                      </p:to>
+                                    </p:set>
+                                  </p:childTnLst>
+                                </p:cTn>
+                              </p:par>
+                            </p:childTnLst>
+                          </p:cTn>
+                        </p:par>
+                      </p:childTnLst>
+                    </p:cTn>
+                  </p:par>
+                  <p:par>
+                    <p:cTn id="15" fill="hold">
+                      <p:stCondLst>
+                        <p:cond delay="indefinite"/>
+                      </p:stCondLst>
+                      <p:childTnLst>
+                        <p:par>
+                          <p:cTn id="16" fill="hold">
+                            <p:stCondLst>
+                              <p:cond delay="0"/>
+                            </p:stCondLst>
+                            <p:childTnLst>
+                              <p:par>
+                                <p:cTn id="17" presetID="1" presetClass="entr" presetSubtype="0" fill="hold" nodeType="clickEffect">
+                                  <p:stCondLst>
+                                    <p:cond delay="0"/>
+                                  </p:stCondLst>
+                                  <p:childTnLst>
+                                    <p:set>
+                                      <p:cBhvr>
+                                        <p:cTn id="18" dur="1" fill="hold">
+                                          <p:stCondLst>
+                                            <p:cond delay="0"/>
+                                          </p:stCondLst>
+                                        </p:cTn>
+                                        <p:tgtEl>
+                                          <p:spTgt spid="2">
+                                            <p:txEl>
+                                              <p:pRg st="3" end="3"/>
+                                            </p:txEl>
+                                          </p:spTgt>
+                                        </p:tgtEl>
+                                        <p:attrNameLst>
+                                          <p:attrName>style.visibility</p:attrName>
+                                        </p:attrNameLst>
+                                      </p:cBhvr>
+                                      <p:to>
+                                        <p:strVal val="visible"/>
+                                      </p:to>
+                                    </p:set>
+                                  </p:childTnLst>
+                                </p:cTn>
+                              </p:par>
+                            </p:childTnLst>
+                          </p:cTn>
+                        </p:par>
+                      </p:childTnLst>
+                    </p:cTn>
+                  </p:par>
+                  <p:par>
+                    <p:cTn id="19" fill="hold">
+                      <p:stCondLst>
+                        <p:cond delay="indefinite"/>
+                      </p:stCondLst>
+                      <p:childTnLst>
+                        <p:par>
+                          <p:cTn id="20" fill="hold">
+                            <p:stCondLst>
+                              <p:cond delay="0"/>
+                            </p:stCondLst>
+                            <p:childTnLst>
+                              <p:par>
+                                <p:cTn id="21" presetID="1" presetClass="entr" presetSubtype="0" fill="hold" nodeType="clickEffect">
+                                  <p:stCondLst>
+                                    <p:cond delay="0"/>
+                                  </p:stCondLst>
+                                  <p:childTnLst>
+                                    <p:set>
+                                      <p:cBhvr>
+                                        <p:cTn id="22" dur="1" fill="hold">
+                                          <p:stCondLst>
+                                            <p:cond delay="0"/>
+                                          </p:stCondLst>
+                                        </p:cTn>
+                                        <p:tgtEl>
+                                          <p:spTgt spid="2">
+                                            <p:txEl>
+                                              <p:pRg st="4" end="4"/>
+                                            </p:txEl>
+                                          </p:spTgt>
+                                        </p:tgtEl>
+                                        <p:attrNameLst>
+                                          <p:attrName>style.visibility</p:attrName>
+                                        </p:attrNameLst>
+                                      </p:cBhvr>
+                                      <p:to>
+                                        <p:strVal val="visible"/>
+                                      </p:to>
+                                    </p:set>
+                                  </p:childTnLst>
+                                </p:cTn>
+                              </p:par>
+                            </p:childTnLst>
+                          </p:cTn>
+                        </p:par>
+                      </p:childTnLst>
+                    </p:cTn>
+                  </p:par>
+                  <p:par>
+                    <p:cTn id="23" fill="hold">
+                      <p:stCondLst>
+                        <p:cond delay="indefinite"/>
+                      </p:stCondLst>
+                      <p:childTnLst>
+                        <p:par>
+                          <p:cTn id="24" fill="hold">
+                            <p:stCondLst>
+                              <p:cond delay="0"/>
+                            </p:stCondLst>
+                            <p:childTnLst>
+                              <p:par>
+                                <p:cTn id="25" presetID="1" presetClass="entr" presetSubtype="0" fill="hold" nodeType="clickEffect">
+                                  <p:stCondLst>
+                                    <p:cond delay="0"/>
+                                  </p:stCondLst>
+                                  <p:childTnLst>
+                                    <p:set>
+                                      <p:cBhvr>
+                                        <p:cTn id="26" dur="1" fill="hold">
+                                          <p:stCondLst>
+                                            <p:cond delay="0"/>
+                                          </p:stCondLst>
+                                        </p:cTn>
+                                        <p:tgtEl>
+                                          <p:spTgt spid="2">
+                                            <p:txEl>
+                                              <p:pRg st="5" end="5"/>
+                                            </p:txEl>
+                                          </p:spTgt>
+                                        </p:tgtEl>
+                                        <p:attrNameLst>
+                                          <p:attrName>style.visibility</p:attrName>
+                                        </p:attrNameLst>
+                                      </p:cBhvr>
+                                      <p:to>
+                                        <p:strVal val="visible"/>
+                                      </p:to>
+                                    </p:set>
+                                  </p:childTnLst>
+                                </p:cTn>
+                              </p:par>
+                            </p:childTnLst>
+                          </p:cTn>
+                        </p:par>
+                      </p:childTnLst>
+                    </p:cTn>
+                  </p:par>
+                  <p:par>
+                    <p:cTn id="27" fill="hold">
+                      <p:stCondLst>
+                        <p:cond delay="indefinite"/>
+                      </p:stCondLst>
+                      <p:childTnLst>
+                        <p:par>
+                          <p:cTn id="28" fill="hold">
+                            <p:stCondLst>
+                              <p:cond delay="0"/>
+                            </p:stCondLst>
+                            <p:childTnLst>
+                              <p:par>
+                                <p:cTn id="29" presetID="1" presetClass="entr" presetSubtype="0" fill="hold" nodeType="clickEffect">
+                                  <p:stCondLst>
+                                    <p:cond delay="0"/>
+                                  </p:stCondLst>
+                                  <p:childTnLst>
+                                    <p:set>
+                                      <p:cBhvr>
+                                        <p:cTn id="30" dur="1" fill="hold">
+                                          <p:stCondLst>
+                                            <p:cond delay="0"/>
+                                          </p:stCondLst>
+                                        </p:cTn>
+                                        <p:tgtEl>
+                                          <p:spTgt spid="2">
+                                            <p:txEl>
+                                              <p:pRg st="6" end="6"/>
+                                            </p:txEl>
+                                          </p:spTgt>
+                                        </p:tgtEl>
+                                        <p:attrNameLst>
+                                          <p:attrName>style.visibility</p:attrName>
+                                        </p:attrNameLst>
+                                      </p:cBhvr>
+                                      <p:to>
+                                        <p:strVal val="visible"/>
+                                      </p:to>
+                                    </p:set>
+                                  </p:childTnLst>
+                                </p:cTn>
+                              </p:par>
+                            </p:childTnLst>
+                          </p:cTn>
+                        </p:par>
+                      </p:childTnLst>
+                    </p:cTn>
+                  </p:par>
+                </p:childTnLst>
+              </p:cTn>
+              <p:prevCondLst>
+                <p:cond evt="onPrev" delay="0">
+                  <p:tgtEl>
+                    <p:sldTgt/>
+                  </p:tgtEl>
+                </p:cond>
+              </p:prevCondLst>
+              <p:nextCondLst>
+                <p:cond evt="onNext" delay="0">
+                  <p:tgtEl>
+                    <p:sldTgt/>
+                  </p:tgtEl>
+                </p:cond>
+              </p:nextCondLst>
+            </p:seq>
+          </p:childTnLst>
+        </p:cTn>
+      </p:par>
+    </p:tnLst>
+  </p:timing>
 </p:sld>
 </file>
 
@@ -7795,25 +10110,61 @@
           <a:p>
             <a:r>
               <a:rPr lang="en-US" sz="2300" dirty="0"/>
-              <a:t>Open-source test reporter.</a:t>
-            </a:r>
-          </a:p>
-          <a:p>
-            <a:endParaRPr lang="en-US" sz="2300" dirty="0"/>
+              <a:t>Declarative pipeline.</a:t>
+            </a:r>
           </a:p>
           <a:p>
             <a:r>
               <a:rPr lang="en-US" sz="2300" dirty="0"/>
-              <a:t>Generates clear reports which are readable by all members of the team.</a:t>
-            </a:r>
-          </a:p>
-          <a:p>
-            <a:endParaRPr lang="en-US" sz="2300" dirty="0"/>
-          </a:p>
-          <a:p>
+              <a:t>All Declarative pipelines must be enclosed in a </a:t>
+            </a:r>
+            <a:r>
+              <a:rPr lang="en-US" sz="2300" b="1" dirty="0"/>
+              <a:t>pipeline {} </a:t>
+            </a:r>
             <a:r>
               <a:rPr lang="en-US" sz="2300" dirty="0"/>
-              <a:t>HTML reports.</a:t>
+              <a:t>block.</a:t>
+            </a:r>
+          </a:p>
+          <a:p>
+            <a:r>
+              <a:rPr lang="en-US" sz="2300" b="1" dirty="0"/>
+              <a:t>agent</a:t>
+            </a:r>
+            <a:r>
+              <a:rPr lang="en-US" sz="2300" dirty="0"/>
+              <a:t> – specifies where the pipeline will be run. </a:t>
+            </a:r>
+          </a:p>
+          <a:p>
+            <a:r>
+              <a:rPr lang="en-US" sz="2300" b="1" dirty="0"/>
+              <a:t>tools – </a:t>
+            </a:r>
+            <a:r>
+              <a:rPr lang="en-US" sz="2300" dirty="0"/>
+              <a:t>declares any tools required to be used in the pipeline.</a:t>
+            </a:r>
+          </a:p>
+          <a:p>
+            <a:r>
+              <a:rPr lang="en-US" sz="2300" b="1" dirty="0"/>
+              <a:t>stage – </a:t>
+            </a:r>
+            <a:r>
+              <a:rPr lang="en-US" sz="2300" dirty="0"/>
+              <a:t>declares the different stages of your pipeline.</a:t>
+            </a:r>
+          </a:p>
+          <a:p>
+            <a:r>
+              <a:rPr lang="en-US" sz="2300" b="1" dirty="0"/>
+              <a:t>steps – </a:t>
+            </a:r>
+            <a:r>
+              <a:rPr lang="en-US" sz="2300" dirty="0"/>
+              <a:t>defines what is happening during this stage.</a:t>
             </a:r>
           </a:p>
         </p:txBody>
@@ -7876,7 +10227,1150 @@
                 <a:latin typeface="Arial" panose="020B0604020202020204" pitchFamily="34" charset="0"/>
                 <a:cs typeface="Arial" panose="020B0604020202020204" pitchFamily="34" charset="0"/>
               </a:rPr>
-              <a:t>What is Allure?</a:t>
+              <a:t>Pipeline Syntax</a:t>
+            </a:r>
+          </a:p>
+        </p:txBody>
+      </p:sp>
+    </p:spTree>
+    <p:extLst>
+      <p:ext uri="{BB962C8B-B14F-4D97-AF65-F5344CB8AC3E}">
+        <p14:creationId xmlns:p14="http://schemas.microsoft.com/office/powerpoint/2010/main" val="549948015"/>
+      </p:ext>
+    </p:extLst>
+  </p:cSld>
+  <p:clrMapOvr>
+    <a:masterClrMapping/>
+  </p:clrMapOvr>
+  <p:timing>
+    <p:tnLst>
+      <p:par>
+        <p:cTn id="1" dur="indefinite" restart="never" nodeType="tmRoot">
+          <p:childTnLst>
+            <p:seq concurrent="1" nextAc="seek">
+              <p:cTn id="2" dur="indefinite" nodeType="mainSeq">
+                <p:childTnLst>
+                  <p:par>
+                    <p:cTn id="3" fill="hold">
+                      <p:stCondLst>
+                        <p:cond delay="indefinite"/>
+                      </p:stCondLst>
+                      <p:childTnLst>
+                        <p:par>
+                          <p:cTn id="4" fill="hold">
+                            <p:stCondLst>
+                              <p:cond delay="0"/>
+                            </p:stCondLst>
+                            <p:childTnLst>
+                              <p:par>
+                                <p:cTn id="5" presetID="1" presetClass="entr" presetSubtype="0" fill="hold" nodeType="clickEffect">
+                                  <p:stCondLst>
+                                    <p:cond delay="0"/>
+                                  </p:stCondLst>
+                                  <p:childTnLst>
+                                    <p:set>
+                                      <p:cBhvr>
+                                        <p:cTn id="6" dur="1" fill="hold">
+                                          <p:stCondLst>
+                                            <p:cond delay="0"/>
+                                          </p:stCondLst>
+                                        </p:cTn>
+                                        <p:tgtEl>
+                                          <p:spTgt spid="2">
+                                            <p:txEl>
+                                              <p:pRg st="0" end="0"/>
+                                            </p:txEl>
+                                          </p:spTgt>
+                                        </p:tgtEl>
+                                        <p:attrNameLst>
+                                          <p:attrName>style.visibility</p:attrName>
+                                        </p:attrNameLst>
+                                      </p:cBhvr>
+                                      <p:to>
+                                        <p:strVal val="visible"/>
+                                      </p:to>
+                                    </p:set>
+                                  </p:childTnLst>
+                                </p:cTn>
+                              </p:par>
+                            </p:childTnLst>
+                          </p:cTn>
+                        </p:par>
+                      </p:childTnLst>
+                    </p:cTn>
+                  </p:par>
+                  <p:par>
+                    <p:cTn id="7" fill="hold">
+                      <p:stCondLst>
+                        <p:cond delay="indefinite"/>
+                      </p:stCondLst>
+                      <p:childTnLst>
+                        <p:par>
+                          <p:cTn id="8" fill="hold">
+                            <p:stCondLst>
+                              <p:cond delay="0"/>
+                            </p:stCondLst>
+                            <p:childTnLst>
+                              <p:par>
+                                <p:cTn id="9" presetID="1" presetClass="entr" presetSubtype="0" fill="hold" nodeType="clickEffect">
+                                  <p:stCondLst>
+                                    <p:cond delay="0"/>
+                                  </p:stCondLst>
+                                  <p:childTnLst>
+                                    <p:set>
+                                      <p:cBhvr>
+                                        <p:cTn id="10" dur="1" fill="hold">
+                                          <p:stCondLst>
+                                            <p:cond delay="0"/>
+                                          </p:stCondLst>
+                                        </p:cTn>
+                                        <p:tgtEl>
+                                          <p:spTgt spid="2">
+                                            <p:txEl>
+                                              <p:pRg st="1" end="1"/>
+                                            </p:txEl>
+                                          </p:spTgt>
+                                        </p:tgtEl>
+                                        <p:attrNameLst>
+                                          <p:attrName>style.visibility</p:attrName>
+                                        </p:attrNameLst>
+                                      </p:cBhvr>
+                                      <p:to>
+                                        <p:strVal val="visible"/>
+                                      </p:to>
+                                    </p:set>
+                                  </p:childTnLst>
+                                </p:cTn>
+                              </p:par>
+                            </p:childTnLst>
+                          </p:cTn>
+                        </p:par>
+                      </p:childTnLst>
+                    </p:cTn>
+                  </p:par>
+                  <p:par>
+                    <p:cTn id="11" fill="hold">
+                      <p:stCondLst>
+                        <p:cond delay="indefinite"/>
+                      </p:stCondLst>
+                      <p:childTnLst>
+                        <p:par>
+                          <p:cTn id="12" fill="hold">
+                            <p:stCondLst>
+                              <p:cond delay="0"/>
+                            </p:stCondLst>
+                            <p:childTnLst>
+                              <p:par>
+                                <p:cTn id="13" presetID="1" presetClass="entr" presetSubtype="0" fill="hold" nodeType="clickEffect">
+                                  <p:stCondLst>
+                                    <p:cond delay="0"/>
+                                  </p:stCondLst>
+                                  <p:childTnLst>
+                                    <p:set>
+                                      <p:cBhvr>
+                                        <p:cTn id="14" dur="1" fill="hold">
+                                          <p:stCondLst>
+                                            <p:cond delay="0"/>
+                                          </p:stCondLst>
+                                        </p:cTn>
+                                        <p:tgtEl>
+                                          <p:spTgt spid="2">
+                                            <p:txEl>
+                                              <p:pRg st="2" end="2"/>
+                                            </p:txEl>
+                                          </p:spTgt>
+                                        </p:tgtEl>
+                                        <p:attrNameLst>
+                                          <p:attrName>style.visibility</p:attrName>
+                                        </p:attrNameLst>
+                                      </p:cBhvr>
+                                      <p:to>
+                                        <p:strVal val="visible"/>
+                                      </p:to>
+                                    </p:set>
+                                  </p:childTnLst>
+                                </p:cTn>
+                              </p:par>
+                            </p:childTnLst>
+                          </p:cTn>
+                        </p:par>
+                      </p:childTnLst>
+                    </p:cTn>
+                  </p:par>
+                  <p:par>
+                    <p:cTn id="15" fill="hold">
+                      <p:stCondLst>
+                        <p:cond delay="indefinite"/>
+                      </p:stCondLst>
+                      <p:childTnLst>
+                        <p:par>
+                          <p:cTn id="16" fill="hold">
+                            <p:stCondLst>
+                              <p:cond delay="0"/>
+                            </p:stCondLst>
+                            <p:childTnLst>
+                              <p:par>
+                                <p:cTn id="17" presetID="1" presetClass="entr" presetSubtype="0" fill="hold" nodeType="clickEffect">
+                                  <p:stCondLst>
+                                    <p:cond delay="0"/>
+                                  </p:stCondLst>
+                                  <p:childTnLst>
+                                    <p:set>
+                                      <p:cBhvr>
+                                        <p:cTn id="18" dur="1" fill="hold">
+                                          <p:stCondLst>
+                                            <p:cond delay="0"/>
+                                          </p:stCondLst>
+                                        </p:cTn>
+                                        <p:tgtEl>
+                                          <p:spTgt spid="2">
+                                            <p:txEl>
+                                              <p:pRg st="3" end="3"/>
+                                            </p:txEl>
+                                          </p:spTgt>
+                                        </p:tgtEl>
+                                        <p:attrNameLst>
+                                          <p:attrName>style.visibility</p:attrName>
+                                        </p:attrNameLst>
+                                      </p:cBhvr>
+                                      <p:to>
+                                        <p:strVal val="visible"/>
+                                      </p:to>
+                                    </p:set>
+                                  </p:childTnLst>
+                                </p:cTn>
+                              </p:par>
+                            </p:childTnLst>
+                          </p:cTn>
+                        </p:par>
+                      </p:childTnLst>
+                    </p:cTn>
+                  </p:par>
+                  <p:par>
+                    <p:cTn id="19" fill="hold">
+                      <p:stCondLst>
+                        <p:cond delay="indefinite"/>
+                      </p:stCondLst>
+                      <p:childTnLst>
+                        <p:par>
+                          <p:cTn id="20" fill="hold">
+                            <p:stCondLst>
+                              <p:cond delay="0"/>
+                            </p:stCondLst>
+                            <p:childTnLst>
+                              <p:par>
+                                <p:cTn id="21" presetID="1" presetClass="entr" presetSubtype="0" fill="hold" nodeType="clickEffect">
+                                  <p:stCondLst>
+                                    <p:cond delay="0"/>
+                                  </p:stCondLst>
+                                  <p:childTnLst>
+                                    <p:set>
+                                      <p:cBhvr>
+                                        <p:cTn id="22" dur="1" fill="hold">
+                                          <p:stCondLst>
+                                            <p:cond delay="0"/>
+                                          </p:stCondLst>
+                                        </p:cTn>
+                                        <p:tgtEl>
+                                          <p:spTgt spid="2">
+                                            <p:txEl>
+                                              <p:pRg st="4" end="4"/>
+                                            </p:txEl>
+                                          </p:spTgt>
+                                        </p:tgtEl>
+                                        <p:attrNameLst>
+                                          <p:attrName>style.visibility</p:attrName>
+                                        </p:attrNameLst>
+                                      </p:cBhvr>
+                                      <p:to>
+                                        <p:strVal val="visible"/>
+                                      </p:to>
+                                    </p:set>
+                                  </p:childTnLst>
+                                </p:cTn>
+                              </p:par>
+                            </p:childTnLst>
+                          </p:cTn>
+                        </p:par>
+                      </p:childTnLst>
+                    </p:cTn>
+                  </p:par>
+                  <p:par>
+                    <p:cTn id="23" fill="hold">
+                      <p:stCondLst>
+                        <p:cond delay="indefinite"/>
+                      </p:stCondLst>
+                      <p:childTnLst>
+                        <p:par>
+                          <p:cTn id="24" fill="hold">
+                            <p:stCondLst>
+                              <p:cond delay="0"/>
+                            </p:stCondLst>
+                            <p:childTnLst>
+                              <p:par>
+                                <p:cTn id="25" presetID="1" presetClass="entr" presetSubtype="0" fill="hold" nodeType="clickEffect">
+                                  <p:stCondLst>
+                                    <p:cond delay="0"/>
+                                  </p:stCondLst>
+                                  <p:childTnLst>
+                                    <p:set>
+                                      <p:cBhvr>
+                                        <p:cTn id="26" dur="1" fill="hold">
+                                          <p:stCondLst>
+                                            <p:cond delay="0"/>
+                                          </p:stCondLst>
+                                        </p:cTn>
+                                        <p:tgtEl>
+                                          <p:spTgt spid="2">
+                                            <p:txEl>
+                                              <p:pRg st="5" end="5"/>
+                                            </p:txEl>
+                                          </p:spTgt>
+                                        </p:tgtEl>
+                                        <p:attrNameLst>
+                                          <p:attrName>style.visibility</p:attrName>
+                                        </p:attrNameLst>
+                                      </p:cBhvr>
+                                      <p:to>
+                                        <p:strVal val="visible"/>
+                                      </p:to>
+                                    </p:set>
+                                  </p:childTnLst>
+                                </p:cTn>
+                              </p:par>
+                            </p:childTnLst>
+                          </p:cTn>
+                        </p:par>
+                      </p:childTnLst>
+                    </p:cTn>
+                  </p:par>
+                </p:childTnLst>
+              </p:cTn>
+              <p:prevCondLst>
+                <p:cond evt="onPrev" delay="0">
+                  <p:tgtEl>
+                    <p:sldTgt/>
+                  </p:tgtEl>
+                </p:cond>
+              </p:prevCondLst>
+              <p:nextCondLst>
+                <p:cond evt="onNext" delay="0">
+                  <p:tgtEl>
+                    <p:sldTgt/>
+                  </p:tgtEl>
+                </p:cond>
+              </p:nextCondLst>
+            </p:seq>
+          </p:childTnLst>
+        </p:cTn>
+      </p:par>
+    </p:tnLst>
+  </p:timing>
+</p:sld>
+</file>
+
+<file path=ppt/slides/slide14.xml><?xml version="1.0" encoding="utf-8"?>
+<p:sld xmlns:a="http://schemas.openxmlformats.org/drawingml/2006/main" xmlns:r="http://schemas.openxmlformats.org/officeDocument/2006/relationships" xmlns:p="http://schemas.openxmlformats.org/presentationml/2006/main">
+  <p:cSld>
+    <p:spTree>
+      <p:nvGrpSpPr>
+        <p:cNvPr id="1" name=""/>
+        <p:cNvGrpSpPr/>
+        <p:nvPr/>
+      </p:nvGrpSpPr>
+      <p:grpSpPr>
+        <a:xfrm>
+          <a:off x="0" y="0"/>
+          <a:ext cx="0" cy="0"/>
+          <a:chOff x="0" y="0"/>
+          <a:chExt cx="0" cy="0"/>
+        </a:xfrm>
+      </p:grpSpPr>
+      <p:sp>
+        <p:nvSpPr>
+          <p:cNvPr id="2" name="Content Placeholder 1"/>
+          <p:cNvSpPr>
+            <a:spLocks noGrp="1"/>
+          </p:cNvSpPr>
+          <p:nvPr>
+            <p:ph idx="1"/>
+          </p:nvPr>
+        </p:nvSpPr>
+        <p:spPr>
+          <a:xfrm>
+            <a:off x="611560" y="1600201"/>
+            <a:ext cx="7920880" cy="4525963"/>
+          </a:xfrm>
+        </p:spPr>
+        <p:txBody>
+          <a:bodyPr>
+            <a:noAutofit/>
+          </a:bodyPr>
+          <a:lstStyle/>
+          <a:p>
+            <a:r>
+              <a:rPr lang="en-US" sz="2300" dirty="0"/>
+              <a:t>WebDriver IO:</a:t>
+            </a:r>
+          </a:p>
+          <a:p>
+            <a:pPr lvl="1"/>
+            <a:r>
+              <a:rPr lang="en-US" sz="2300" dirty="0"/>
+              <a:t>Extendable</a:t>
+            </a:r>
+          </a:p>
+          <a:p>
+            <a:pPr lvl="1"/>
+            <a:endParaRPr lang="en-US" sz="2300" dirty="0"/>
+          </a:p>
+          <a:p>
+            <a:pPr lvl="1"/>
+            <a:r>
+              <a:rPr lang="en-US" sz="2300" dirty="0"/>
+              <a:t>Compatible</a:t>
+            </a:r>
+          </a:p>
+          <a:p>
+            <a:pPr lvl="1"/>
+            <a:endParaRPr lang="en-US" sz="2300" dirty="0"/>
+          </a:p>
+          <a:p>
+            <a:pPr lvl="1"/>
+            <a:r>
+              <a:rPr lang="en-US" sz="2300" dirty="0"/>
+              <a:t>Feature-Rich</a:t>
+            </a:r>
+          </a:p>
+          <a:p>
+            <a:pPr lvl="1"/>
+            <a:endParaRPr lang="en-US" sz="2300" dirty="0"/>
+          </a:p>
+          <a:p>
+            <a:pPr lvl="1"/>
+            <a:r>
+              <a:rPr lang="en-US" sz="2300" dirty="0"/>
+              <a:t>Allows you to write asynchronous commands in a synchronous way.</a:t>
+            </a:r>
+          </a:p>
+        </p:txBody>
+      </p:sp>
+      <p:sp>
+        <p:nvSpPr>
+          <p:cNvPr id="3" name="Footer Placeholder 2"/>
+          <p:cNvSpPr>
+            <a:spLocks noGrp="1"/>
+          </p:cNvSpPr>
+          <p:nvPr>
+            <p:ph type="ftr" sz="quarter" idx="3"/>
+          </p:nvPr>
+        </p:nvSpPr>
+        <p:spPr>
+          <a:xfrm>
+            <a:off x="3124200" y="6356351"/>
+            <a:ext cx="2895600" cy="365125"/>
+          </a:xfrm>
+        </p:spPr>
+        <p:txBody>
+          <a:bodyPr/>
+          <a:lstStyle/>
+          <a:p>
+            <a:r>
+              <a:rPr lang="en-GB" sz="1600"/>
+              <a:t>#DevOpsPlayground</a:t>
+            </a:r>
+            <a:endParaRPr lang="en-GB" sz="1600" dirty="0"/>
+          </a:p>
+        </p:txBody>
+      </p:sp>
+      <p:sp>
+        <p:nvSpPr>
+          <p:cNvPr id="4" name="TextBox 3"/>
+          <p:cNvSpPr txBox="1"/>
+          <p:nvPr/>
+        </p:nvSpPr>
+        <p:spPr>
+          <a:xfrm>
+            <a:off x="611560" y="692696"/>
+            <a:ext cx="7920880" cy="523220"/>
+          </a:xfrm>
+          <a:prstGeom prst="rect">
+            <a:avLst/>
+          </a:prstGeom>
+          <a:noFill/>
+        </p:spPr>
+        <p:txBody>
+          <a:bodyPr wrap="square" rtlCol="0">
+            <a:spAutoFit/>
+          </a:bodyPr>
+          <a:lstStyle/>
+          <a:p>
+            <a:r>
+              <a:rPr lang="en-GB" sz="2800" dirty="0">
+                <a:solidFill>
+                  <a:srgbClr val="0070B7"/>
+                </a:solidFill>
+                <a:latin typeface="Arial" panose="020B0604020202020204" pitchFamily="34" charset="0"/>
+                <a:cs typeface="Arial" panose="020B0604020202020204" pitchFamily="34" charset="0"/>
+              </a:rPr>
+              <a:t>Test Code – </a:t>
+            </a:r>
+            <a:r>
+              <a:rPr lang="en-GB" sz="2800" dirty="0" err="1">
+                <a:solidFill>
+                  <a:srgbClr val="0070B7"/>
+                </a:solidFill>
+                <a:latin typeface="Arial" panose="020B0604020202020204" pitchFamily="34" charset="0"/>
+                <a:cs typeface="Arial" panose="020B0604020202020204" pitchFamily="34" charset="0"/>
+              </a:rPr>
+              <a:t>WebDriverIO</a:t>
+            </a:r>
+            <a:endParaRPr lang="en-GB" sz="2800" dirty="0">
+              <a:solidFill>
+                <a:srgbClr val="0070B7"/>
+              </a:solidFill>
+              <a:latin typeface="Arial" panose="020B0604020202020204" pitchFamily="34" charset="0"/>
+              <a:cs typeface="Arial" panose="020B0604020202020204" pitchFamily="34" charset="0"/>
+            </a:endParaRPr>
+          </a:p>
+        </p:txBody>
+      </p:sp>
+    </p:spTree>
+    <p:extLst>
+      <p:ext uri="{BB962C8B-B14F-4D97-AF65-F5344CB8AC3E}">
+        <p14:creationId xmlns:p14="http://schemas.microsoft.com/office/powerpoint/2010/main" val="423809741"/>
+      </p:ext>
+    </p:extLst>
+  </p:cSld>
+  <p:clrMapOvr>
+    <a:masterClrMapping/>
+  </p:clrMapOvr>
+  <p:timing>
+    <p:tnLst>
+      <p:par>
+        <p:cTn id="1" dur="indefinite" restart="never" nodeType="tmRoot">
+          <p:childTnLst>
+            <p:seq concurrent="1" nextAc="seek">
+              <p:cTn id="2" dur="indefinite" nodeType="mainSeq">
+                <p:childTnLst>
+                  <p:par>
+                    <p:cTn id="3" fill="hold">
+                      <p:stCondLst>
+                        <p:cond delay="indefinite"/>
+                      </p:stCondLst>
+                      <p:childTnLst>
+                        <p:par>
+                          <p:cTn id="4" fill="hold">
+                            <p:stCondLst>
+                              <p:cond delay="0"/>
+                            </p:stCondLst>
+                            <p:childTnLst>
+                              <p:par>
+                                <p:cTn id="5" presetID="1" presetClass="entr" presetSubtype="0" fill="hold" nodeType="clickEffect">
+                                  <p:stCondLst>
+                                    <p:cond delay="0"/>
+                                  </p:stCondLst>
+                                  <p:childTnLst>
+                                    <p:set>
+                                      <p:cBhvr>
+                                        <p:cTn id="6" dur="1" fill="hold">
+                                          <p:stCondLst>
+                                            <p:cond delay="0"/>
+                                          </p:stCondLst>
+                                        </p:cTn>
+                                        <p:tgtEl>
+                                          <p:spTgt spid="2">
+                                            <p:txEl>
+                                              <p:pRg st="0" end="0"/>
+                                            </p:txEl>
+                                          </p:spTgt>
+                                        </p:tgtEl>
+                                        <p:attrNameLst>
+                                          <p:attrName>style.visibility</p:attrName>
+                                        </p:attrNameLst>
+                                      </p:cBhvr>
+                                      <p:to>
+                                        <p:strVal val="visible"/>
+                                      </p:to>
+                                    </p:set>
+                                  </p:childTnLst>
+                                </p:cTn>
+                              </p:par>
+                            </p:childTnLst>
+                          </p:cTn>
+                        </p:par>
+                      </p:childTnLst>
+                    </p:cTn>
+                  </p:par>
+                  <p:par>
+                    <p:cTn id="7" fill="hold">
+                      <p:stCondLst>
+                        <p:cond delay="indefinite"/>
+                      </p:stCondLst>
+                      <p:childTnLst>
+                        <p:par>
+                          <p:cTn id="8" fill="hold">
+                            <p:stCondLst>
+                              <p:cond delay="0"/>
+                            </p:stCondLst>
+                            <p:childTnLst>
+                              <p:par>
+                                <p:cTn id="9" presetID="1" presetClass="entr" presetSubtype="0" fill="hold" nodeType="clickEffect">
+                                  <p:stCondLst>
+                                    <p:cond delay="0"/>
+                                  </p:stCondLst>
+                                  <p:childTnLst>
+                                    <p:set>
+                                      <p:cBhvr>
+                                        <p:cTn id="10" dur="1" fill="hold">
+                                          <p:stCondLst>
+                                            <p:cond delay="0"/>
+                                          </p:stCondLst>
+                                        </p:cTn>
+                                        <p:tgtEl>
+                                          <p:spTgt spid="2">
+                                            <p:txEl>
+                                              <p:pRg st="1" end="1"/>
+                                            </p:txEl>
+                                          </p:spTgt>
+                                        </p:tgtEl>
+                                        <p:attrNameLst>
+                                          <p:attrName>style.visibility</p:attrName>
+                                        </p:attrNameLst>
+                                      </p:cBhvr>
+                                      <p:to>
+                                        <p:strVal val="visible"/>
+                                      </p:to>
+                                    </p:set>
+                                  </p:childTnLst>
+                                </p:cTn>
+                              </p:par>
+                            </p:childTnLst>
+                          </p:cTn>
+                        </p:par>
+                      </p:childTnLst>
+                    </p:cTn>
+                  </p:par>
+                  <p:par>
+                    <p:cTn id="11" fill="hold">
+                      <p:stCondLst>
+                        <p:cond delay="indefinite"/>
+                      </p:stCondLst>
+                      <p:childTnLst>
+                        <p:par>
+                          <p:cTn id="12" fill="hold">
+                            <p:stCondLst>
+                              <p:cond delay="0"/>
+                            </p:stCondLst>
+                            <p:childTnLst>
+                              <p:par>
+                                <p:cTn id="13" presetID="1" presetClass="entr" presetSubtype="0" fill="hold" nodeType="clickEffect">
+                                  <p:stCondLst>
+                                    <p:cond delay="0"/>
+                                  </p:stCondLst>
+                                  <p:childTnLst>
+                                    <p:set>
+                                      <p:cBhvr>
+                                        <p:cTn id="14" dur="1" fill="hold">
+                                          <p:stCondLst>
+                                            <p:cond delay="0"/>
+                                          </p:stCondLst>
+                                        </p:cTn>
+                                        <p:tgtEl>
+                                          <p:spTgt spid="2">
+                                            <p:txEl>
+                                              <p:pRg st="3" end="3"/>
+                                            </p:txEl>
+                                          </p:spTgt>
+                                        </p:tgtEl>
+                                        <p:attrNameLst>
+                                          <p:attrName>style.visibility</p:attrName>
+                                        </p:attrNameLst>
+                                      </p:cBhvr>
+                                      <p:to>
+                                        <p:strVal val="visible"/>
+                                      </p:to>
+                                    </p:set>
+                                  </p:childTnLst>
+                                </p:cTn>
+                              </p:par>
+                            </p:childTnLst>
+                          </p:cTn>
+                        </p:par>
+                      </p:childTnLst>
+                    </p:cTn>
+                  </p:par>
+                  <p:par>
+                    <p:cTn id="15" fill="hold">
+                      <p:stCondLst>
+                        <p:cond delay="indefinite"/>
+                      </p:stCondLst>
+                      <p:childTnLst>
+                        <p:par>
+                          <p:cTn id="16" fill="hold">
+                            <p:stCondLst>
+                              <p:cond delay="0"/>
+                            </p:stCondLst>
+                            <p:childTnLst>
+                              <p:par>
+                                <p:cTn id="17" presetID="1" presetClass="entr" presetSubtype="0" fill="hold" nodeType="clickEffect">
+                                  <p:stCondLst>
+                                    <p:cond delay="0"/>
+                                  </p:stCondLst>
+                                  <p:childTnLst>
+                                    <p:set>
+                                      <p:cBhvr>
+                                        <p:cTn id="18" dur="1" fill="hold">
+                                          <p:stCondLst>
+                                            <p:cond delay="0"/>
+                                          </p:stCondLst>
+                                        </p:cTn>
+                                        <p:tgtEl>
+                                          <p:spTgt spid="2">
+                                            <p:txEl>
+                                              <p:pRg st="5" end="5"/>
+                                            </p:txEl>
+                                          </p:spTgt>
+                                        </p:tgtEl>
+                                        <p:attrNameLst>
+                                          <p:attrName>style.visibility</p:attrName>
+                                        </p:attrNameLst>
+                                      </p:cBhvr>
+                                      <p:to>
+                                        <p:strVal val="visible"/>
+                                      </p:to>
+                                    </p:set>
+                                  </p:childTnLst>
+                                </p:cTn>
+                              </p:par>
+                            </p:childTnLst>
+                          </p:cTn>
+                        </p:par>
+                      </p:childTnLst>
+                    </p:cTn>
+                  </p:par>
+                  <p:par>
+                    <p:cTn id="19" fill="hold">
+                      <p:stCondLst>
+                        <p:cond delay="indefinite"/>
+                      </p:stCondLst>
+                      <p:childTnLst>
+                        <p:par>
+                          <p:cTn id="20" fill="hold">
+                            <p:stCondLst>
+                              <p:cond delay="0"/>
+                            </p:stCondLst>
+                            <p:childTnLst>
+                              <p:par>
+                                <p:cTn id="21" presetID="1" presetClass="entr" presetSubtype="0" fill="hold" nodeType="clickEffect">
+                                  <p:stCondLst>
+                                    <p:cond delay="0"/>
+                                  </p:stCondLst>
+                                  <p:childTnLst>
+                                    <p:set>
+                                      <p:cBhvr>
+                                        <p:cTn id="22" dur="1" fill="hold">
+                                          <p:stCondLst>
+                                            <p:cond delay="0"/>
+                                          </p:stCondLst>
+                                        </p:cTn>
+                                        <p:tgtEl>
+                                          <p:spTgt spid="2">
+                                            <p:txEl>
+                                              <p:pRg st="7" end="7"/>
+                                            </p:txEl>
+                                          </p:spTgt>
+                                        </p:tgtEl>
+                                        <p:attrNameLst>
+                                          <p:attrName>style.visibility</p:attrName>
+                                        </p:attrNameLst>
+                                      </p:cBhvr>
+                                      <p:to>
+                                        <p:strVal val="visible"/>
+                                      </p:to>
+                                    </p:set>
+                                  </p:childTnLst>
+                                </p:cTn>
+                              </p:par>
+                            </p:childTnLst>
+                          </p:cTn>
+                        </p:par>
+                      </p:childTnLst>
+                    </p:cTn>
+                  </p:par>
+                </p:childTnLst>
+              </p:cTn>
+              <p:prevCondLst>
+                <p:cond evt="onPrev" delay="0">
+                  <p:tgtEl>
+                    <p:sldTgt/>
+                  </p:tgtEl>
+                </p:cond>
+              </p:prevCondLst>
+              <p:nextCondLst>
+                <p:cond evt="onNext" delay="0">
+                  <p:tgtEl>
+                    <p:sldTgt/>
+                  </p:tgtEl>
+                </p:cond>
+              </p:nextCondLst>
+            </p:seq>
+          </p:childTnLst>
+        </p:cTn>
+      </p:par>
+    </p:tnLst>
+  </p:timing>
+</p:sld>
+</file>
+
+<file path=ppt/slides/slide15.xml><?xml version="1.0" encoding="utf-8"?>
+<p:sld xmlns:a="http://schemas.openxmlformats.org/drawingml/2006/main" xmlns:r="http://schemas.openxmlformats.org/officeDocument/2006/relationships" xmlns:p="http://schemas.openxmlformats.org/presentationml/2006/main">
+  <p:cSld>
+    <p:spTree>
+      <p:nvGrpSpPr>
+        <p:cNvPr id="1" name=""/>
+        <p:cNvGrpSpPr/>
+        <p:nvPr/>
+      </p:nvGrpSpPr>
+      <p:grpSpPr>
+        <a:xfrm>
+          <a:off x="0" y="0"/>
+          <a:ext cx="0" cy="0"/>
+          <a:chOff x="0" y="0"/>
+          <a:chExt cx="0" cy="0"/>
+        </a:xfrm>
+      </p:grpSpPr>
+      <p:sp>
+        <p:nvSpPr>
+          <p:cNvPr id="2" name="Content Placeholder 1"/>
+          <p:cNvSpPr>
+            <a:spLocks noGrp="1"/>
+          </p:cNvSpPr>
+          <p:nvPr>
+            <p:ph idx="1"/>
+          </p:nvPr>
+        </p:nvSpPr>
+        <p:spPr>
+          <a:xfrm>
+            <a:off x="611560" y="1600201"/>
+            <a:ext cx="7920880" cy="4525963"/>
+          </a:xfrm>
+        </p:spPr>
+        <p:txBody>
+          <a:bodyPr>
+            <a:noAutofit/>
+          </a:bodyPr>
+          <a:lstStyle/>
+          <a:p>
+            <a:r>
+              <a:rPr lang="en-US" sz="2300" dirty="0"/>
+              <a:t>WebDriver IO:</a:t>
+            </a:r>
+          </a:p>
+        </p:txBody>
+      </p:sp>
+      <p:sp>
+        <p:nvSpPr>
+          <p:cNvPr id="3" name="Footer Placeholder 2"/>
+          <p:cNvSpPr>
+            <a:spLocks noGrp="1"/>
+          </p:cNvSpPr>
+          <p:nvPr>
+            <p:ph type="ftr" sz="quarter" idx="3"/>
+          </p:nvPr>
+        </p:nvSpPr>
+        <p:spPr>
+          <a:xfrm>
+            <a:off x="3124200" y="6356351"/>
+            <a:ext cx="2895600" cy="365125"/>
+          </a:xfrm>
+        </p:spPr>
+        <p:txBody>
+          <a:bodyPr/>
+          <a:lstStyle/>
+          <a:p>
+            <a:r>
+              <a:rPr lang="en-GB" sz="1600"/>
+              <a:t>#DevOpsPlayground</a:t>
+            </a:r>
+            <a:endParaRPr lang="en-GB" sz="1600" dirty="0"/>
+          </a:p>
+        </p:txBody>
+      </p:sp>
+      <p:sp>
+        <p:nvSpPr>
+          <p:cNvPr id="4" name="TextBox 3"/>
+          <p:cNvSpPr txBox="1"/>
+          <p:nvPr/>
+        </p:nvSpPr>
+        <p:spPr>
+          <a:xfrm>
+            <a:off x="611560" y="692696"/>
+            <a:ext cx="7920880" cy="523220"/>
+          </a:xfrm>
+          <a:prstGeom prst="rect">
+            <a:avLst/>
+          </a:prstGeom>
+          <a:noFill/>
+        </p:spPr>
+        <p:txBody>
+          <a:bodyPr wrap="square" rtlCol="0">
+            <a:spAutoFit/>
+          </a:bodyPr>
+          <a:lstStyle/>
+          <a:p>
+            <a:r>
+              <a:rPr lang="en-GB" sz="2800" dirty="0">
+                <a:solidFill>
+                  <a:srgbClr val="0070B7"/>
+                </a:solidFill>
+                <a:latin typeface="Arial" panose="020B0604020202020204" pitchFamily="34" charset="0"/>
+                <a:cs typeface="Arial" panose="020B0604020202020204" pitchFamily="34" charset="0"/>
+              </a:rPr>
+              <a:t>Test Code – Structure</a:t>
+            </a:r>
+          </a:p>
+        </p:txBody>
+      </p:sp>
+    </p:spTree>
+    <p:extLst>
+      <p:ext uri="{BB962C8B-B14F-4D97-AF65-F5344CB8AC3E}">
+        <p14:creationId xmlns:p14="http://schemas.microsoft.com/office/powerpoint/2010/main" val="2070558194"/>
+      </p:ext>
+    </p:extLst>
+  </p:cSld>
+  <p:clrMapOvr>
+    <a:masterClrMapping/>
+  </p:clrMapOvr>
+  <p:timing>
+    <p:tnLst>
+      <p:par>
+        <p:cTn id="1" dur="indefinite" restart="never" nodeType="tmRoot">
+          <p:childTnLst>
+            <p:seq concurrent="1" nextAc="seek">
+              <p:cTn id="2" dur="indefinite" nodeType="mainSeq">
+                <p:childTnLst>
+                  <p:par>
+                    <p:cTn id="3" fill="hold">
+                      <p:stCondLst>
+                        <p:cond delay="indefinite"/>
+                      </p:stCondLst>
+                      <p:childTnLst>
+                        <p:par>
+                          <p:cTn id="4" fill="hold">
+                            <p:stCondLst>
+                              <p:cond delay="0"/>
+                            </p:stCondLst>
+                            <p:childTnLst>
+                              <p:par>
+                                <p:cTn id="5" presetID="1" presetClass="entr" presetSubtype="0" fill="hold" nodeType="clickEffect">
+                                  <p:stCondLst>
+                                    <p:cond delay="0"/>
+                                  </p:stCondLst>
+                                  <p:childTnLst>
+                                    <p:set>
+                                      <p:cBhvr>
+                                        <p:cTn id="6" dur="1" fill="hold">
+                                          <p:stCondLst>
+                                            <p:cond delay="0"/>
+                                          </p:stCondLst>
+                                        </p:cTn>
+                                        <p:tgtEl>
+                                          <p:spTgt spid="2">
+                                            <p:txEl>
+                                              <p:pRg st="0" end="0"/>
+                                            </p:txEl>
+                                          </p:spTgt>
+                                        </p:tgtEl>
+                                        <p:attrNameLst>
+                                          <p:attrName>style.visibility</p:attrName>
+                                        </p:attrNameLst>
+                                      </p:cBhvr>
+                                      <p:to>
+                                        <p:strVal val="visible"/>
+                                      </p:to>
+                                    </p:set>
+                                  </p:childTnLst>
+                                </p:cTn>
+                              </p:par>
+                            </p:childTnLst>
+                          </p:cTn>
+                        </p:par>
+                      </p:childTnLst>
+                    </p:cTn>
+                  </p:par>
+                </p:childTnLst>
+              </p:cTn>
+              <p:prevCondLst>
+                <p:cond evt="onPrev" delay="0">
+                  <p:tgtEl>
+                    <p:sldTgt/>
+                  </p:tgtEl>
+                </p:cond>
+              </p:prevCondLst>
+              <p:nextCondLst>
+                <p:cond evt="onNext" delay="0">
+                  <p:tgtEl>
+                    <p:sldTgt/>
+                  </p:tgtEl>
+                </p:cond>
+              </p:nextCondLst>
+            </p:seq>
+          </p:childTnLst>
+        </p:cTn>
+      </p:par>
+    </p:tnLst>
+  </p:timing>
+</p:sld>
+</file>
+
+<file path=ppt/slides/slide16.xml><?xml version="1.0" encoding="utf-8"?>
+<p:sld xmlns:a="http://schemas.openxmlformats.org/drawingml/2006/main" xmlns:r="http://schemas.openxmlformats.org/officeDocument/2006/relationships" xmlns:p="http://schemas.openxmlformats.org/presentationml/2006/main">
+  <p:cSld>
+    <p:spTree>
+      <p:nvGrpSpPr>
+        <p:cNvPr id="1" name=""/>
+        <p:cNvGrpSpPr/>
+        <p:nvPr/>
+      </p:nvGrpSpPr>
+      <p:grpSpPr>
+        <a:xfrm>
+          <a:off x="0" y="0"/>
+          <a:ext cx="0" cy="0"/>
+          <a:chOff x="0" y="0"/>
+          <a:chExt cx="0" cy="0"/>
+        </a:xfrm>
+      </p:grpSpPr>
+      <p:sp>
+        <p:nvSpPr>
+          <p:cNvPr id="2" name="Content Placeholder 1"/>
+          <p:cNvSpPr>
+            <a:spLocks noGrp="1"/>
+          </p:cNvSpPr>
+          <p:nvPr>
+            <p:ph idx="1"/>
+          </p:nvPr>
+        </p:nvSpPr>
+        <p:spPr>
+          <a:xfrm>
+            <a:off x="611560" y="1600201"/>
+            <a:ext cx="7920880" cy="4525963"/>
+          </a:xfrm>
+        </p:spPr>
+        <p:txBody>
+          <a:bodyPr>
+            <a:noAutofit/>
+          </a:bodyPr>
+          <a:lstStyle/>
+          <a:p>
+            <a:r>
+              <a:rPr lang="en-US" sz="2300" dirty="0"/>
+              <a:t>Open-source test reporter.</a:t>
+            </a:r>
+          </a:p>
+          <a:p>
+            <a:endParaRPr lang="en-US" sz="2300" dirty="0"/>
+          </a:p>
+          <a:p>
+            <a:r>
+              <a:rPr lang="en-US" sz="2300" dirty="0"/>
+              <a:t>Generates clear reports which are readable by all members of the team.</a:t>
+            </a:r>
+          </a:p>
+          <a:p>
+            <a:endParaRPr lang="en-US" sz="2300" dirty="0"/>
+          </a:p>
+          <a:p>
+            <a:r>
+              <a:rPr lang="en-US" sz="2300" dirty="0"/>
+              <a:t>XML reports transformed into HTML.</a:t>
+            </a:r>
+          </a:p>
+          <a:p>
+            <a:endParaRPr lang="en-US" sz="2300" dirty="0"/>
+          </a:p>
+          <a:p>
+            <a:r>
+              <a:rPr lang="en-US" sz="2300" dirty="0"/>
+              <a:t>It is extremely easy to install and set up for running with WebDriver IO test suites.</a:t>
+            </a:r>
+          </a:p>
+          <a:p>
+            <a:endParaRPr lang="en-US" sz="2300" dirty="0"/>
+          </a:p>
+          <a:p>
+            <a:endParaRPr lang="en-US" sz="2300" dirty="0"/>
+          </a:p>
+          <a:p>
+            <a:endParaRPr lang="en-US" sz="2300" dirty="0"/>
+          </a:p>
+          <a:p>
+            <a:endParaRPr lang="en-US" sz="2300" dirty="0"/>
+          </a:p>
+          <a:p>
+            <a:endParaRPr lang="en-US" sz="2300" dirty="0"/>
+          </a:p>
+        </p:txBody>
+      </p:sp>
+      <p:sp>
+        <p:nvSpPr>
+          <p:cNvPr id="3" name="Footer Placeholder 2"/>
+          <p:cNvSpPr>
+            <a:spLocks noGrp="1"/>
+          </p:cNvSpPr>
+          <p:nvPr>
+            <p:ph type="ftr" sz="quarter" idx="3"/>
+          </p:nvPr>
+        </p:nvSpPr>
+        <p:spPr>
+          <a:xfrm>
+            <a:off x="3124200" y="6356351"/>
+            <a:ext cx="2895600" cy="365125"/>
+          </a:xfrm>
+        </p:spPr>
+        <p:txBody>
+          <a:bodyPr/>
+          <a:lstStyle/>
+          <a:p>
+            <a:r>
+              <a:rPr lang="en-GB" sz="1600"/>
+              <a:t>#DevOpsPlayground</a:t>
+            </a:r>
+            <a:endParaRPr lang="en-GB" sz="1600" dirty="0"/>
+          </a:p>
+        </p:txBody>
+      </p:sp>
+      <p:sp>
+        <p:nvSpPr>
+          <p:cNvPr id="4" name="TextBox 3"/>
+          <p:cNvSpPr txBox="1"/>
+          <p:nvPr/>
+        </p:nvSpPr>
+        <p:spPr>
+          <a:xfrm>
+            <a:off x="611560" y="692696"/>
+            <a:ext cx="7920880" cy="523220"/>
+          </a:xfrm>
+          <a:prstGeom prst="rect">
+            <a:avLst/>
+          </a:prstGeom>
+          <a:noFill/>
+        </p:spPr>
+        <p:txBody>
+          <a:bodyPr wrap="square" rtlCol="0">
+            <a:spAutoFit/>
+          </a:bodyPr>
+          <a:lstStyle/>
+          <a:p>
+            <a:r>
+              <a:rPr lang="en-GB" sz="2800" dirty="0">
+                <a:solidFill>
+                  <a:srgbClr val="0070B7"/>
+                </a:solidFill>
+                <a:latin typeface="Arial" panose="020B0604020202020204" pitchFamily="34" charset="0"/>
+                <a:cs typeface="Arial" panose="020B0604020202020204" pitchFamily="34" charset="0"/>
+              </a:rPr>
+              <a:t>What is Allure and Why Use it?</a:t>
             </a:r>
           </a:p>
         </p:txBody>
@@ -7891,10 +11385,789 @@
   <p:clrMapOvr>
     <a:masterClrMapping/>
   </p:clrMapOvr>
+  <p:timing>
+    <p:tnLst>
+      <p:par>
+        <p:cTn id="1" dur="indefinite" restart="never" nodeType="tmRoot">
+          <p:childTnLst>
+            <p:seq concurrent="1" nextAc="seek">
+              <p:cTn id="2" dur="indefinite" nodeType="mainSeq">
+                <p:childTnLst>
+                  <p:par>
+                    <p:cTn id="3" fill="hold">
+                      <p:stCondLst>
+                        <p:cond delay="indefinite"/>
+                      </p:stCondLst>
+                      <p:childTnLst>
+                        <p:par>
+                          <p:cTn id="4" fill="hold">
+                            <p:stCondLst>
+                              <p:cond delay="0"/>
+                            </p:stCondLst>
+                            <p:childTnLst>
+                              <p:par>
+                                <p:cTn id="5" presetID="1" presetClass="entr" presetSubtype="0" fill="hold" nodeType="clickEffect">
+                                  <p:stCondLst>
+                                    <p:cond delay="0"/>
+                                  </p:stCondLst>
+                                  <p:childTnLst>
+                                    <p:set>
+                                      <p:cBhvr>
+                                        <p:cTn id="6" dur="1" fill="hold">
+                                          <p:stCondLst>
+                                            <p:cond delay="0"/>
+                                          </p:stCondLst>
+                                        </p:cTn>
+                                        <p:tgtEl>
+                                          <p:spTgt spid="2">
+                                            <p:txEl>
+                                              <p:pRg st="0" end="0"/>
+                                            </p:txEl>
+                                          </p:spTgt>
+                                        </p:tgtEl>
+                                        <p:attrNameLst>
+                                          <p:attrName>style.visibility</p:attrName>
+                                        </p:attrNameLst>
+                                      </p:cBhvr>
+                                      <p:to>
+                                        <p:strVal val="visible"/>
+                                      </p:to>
+                                    </p:set>
+                                  </p:childTnLst>
+                                </p:cTn>
+                              </p:par>
+                            </p:childTnLst>
+                          </p:cTn>
+                        </p:par>
+                      </p:childTnLst>
+                    </p:cTn>
+                  </p:par>
+                  <p:par>
+                    <p:cTn id="7" fill="hold">
+                      <p:stCondLst>
+                        <p:cond delay="indefinite"/>
+                      </p:stCondLst>
+                      <p:childTnLst>
+                        <p:par>
+                          <p:cTn id="8" fill="hold">
+                            <p:stCondLst>
+                              <p:cond delay="0"/>
+                            </p:stCondLst>
+                            <p:childTnLst>
+                              <p:par>
+                                <p:cTn id="9" presetID="1" presetClass="entr" presetSubtype="0" fill="hold" nodeType="clickEffect">
+                                  <p:stCondLst>
+                                    <p:cond delay="0"/>
+                                  </p:stCondLst>
+                                  <p:childTnLst>
+                                    <p:set>
+                                      <p:cBhvr>
+                                        <p:cTn id="10" dur="1" fill="hold">
+                                          <p:stCondLst>
+                                            <p:cond delay="0"/>
+                                          </p:stCondLst>
+                                        </p:cTn>
+                                        <p:tgtEl>
+                                          <p:spTgt spid="2">
+                                            <p:txEl>
+                                              <p:pRg st="2" end="2"/>
+                                            </p:txEl>
+                                          </p:spTgt>
+                                        </p:tgtEl>
+                                        <p:attrNameLst>
+                                          <p:attrName>style.visibility</p:attrName>
+                                        </p:attrNameLst>
+                                      </p:cBhvr>
+                                      <p:to>
+                                        <p:strVal val="visible"/>
+                                      </p:to>
+                                    </p:set>
+                                  </p:childTnLst>
+                                </p:cTn>
+                              </p:par>
+                            </p:childTnLst>
+                          </p:cTn>
+                        </p:par>
+                      </p:childTnLst>
+                    </p:cTn>
+                  </p:par>
+                  <p:par>
+                    <p:cTn id="11" fill="hold">
+                      <p:stCondLst>
+                        <p:cond delay="indefinite"/>
+                      </p:stCondLst>
+                      <p:childTnLst>
+                        <p:par>
+                          <p:cTn id="12" fill="hold">
+                            <p:stCondLst>
+                              <p:cond delay="0"/>
+                            </p:stCondLst>
+                            <p:childTnLst>
+                              <p:par>
+                                <p:cTn id="13" presetID="1" presetClass="entr" presetSubtype="0" fill="hold" nodeType="clickEffect">
+                                  <p:stCondLst>
+                                    <p:cond delay="0"/>
+                                  </p:stCondLst>
+                                  <p:childTnLst>
+                                    <p:set>
+                                      <p:cBhvr>
+                                        <p:cTn id="14" dur="1" fill="hold">
+                                          <p:stCondLst>
+                                            <p:cond delay="0"/>
+                                          </p:stCondLst>
+                                        </p:cTn>
+                                        <p:tgtEl>
+                                          <p:spTgt spid="2">
+                                            <p:txEl>
+                                              <p:pRg st="4" end="4"/>
+                                            </p:txEl>
+                                          </p:spTgt>
+                                        </p:tgtEl>
+                                        <p:attrNameLst>
+                                          <p:attrName>style.visibility</p:attrName>
+                                        </p:attrNameLst>
+                                      </p:cBhvr>
+                                      <p:to>
+                                        <p:strVal val="visible"/>
+                                      </p:to>
+                                    </p:set>
+                                  </p:childTnLst>
+                                </p:cTn>
+                              </p:par>
+                            </p:childTnLst>
+                          </p:cTn>
+                        </p:par>
+                      </p:childTnLst>
+                    </p:cTn>
+                  </p:par>
+                  <p:par>
+                    <p:cTn id="15" fill="hold">
+                      <p:stCondLst>
+                        <p:cond delay="indefinite"/>
+                      </p:stCondLst>
+                      <p:childTnLst>
+                        <p:par>
+                          <p:cTn id="16" fill="hold">
+                            <p:stCondLst>
+                              <p:cond delay="0"/>
+                            </p:stCondLst>
+                            <p:childTnLst>
+                              <p:par>
+                                <p:cTn id="17" presetID="1" presetClass="entr" presetSubtype="0" fill="hold" nodeType="clickEffect">
+                                  <p:stCondLst>
+                                    <p:cond delay="0"/>
+                                  </p:stCondLst>
+                                  <p:childTnLst>
+                                    <p:set>
+                                      <p:cBhvr>
+                                        <p:cTn id="18" dur="1" fill="hold">
+                                          <p:stCondLst>
+                                            <p:cond delay="0"/>
+                                          </p:stCondLst>
+                                        </p:cTn>
+                                        <p:tgtEl>
+                                          <p:spTgt spid="2">
+                                            <p:txEl>
+                                              <p:pRg st="6" end="6"/>
+                                            </p:txEl>
+                                          </p:spTgt>
+                                        </p:tgtEl>
+                                        <p:attrNameLst>
+                                          <p:attrName>style.visibility</p:attrName>
+                                        </p:attrNameLst>
+                                      </p:cBhvr>
+                                      <p:to>
+                                        <p:strVal val="visible"/>
+                                      </p:to>
+                                    </p:set>
+                                  </p:childTnLst>
+                                </p:cTn>
+                              </p:par>
+                            </p:childTnLst>
+                          </p:cTn>
+                        </p:par>
+                      </p:childTnLst>
+                    </p:cTn>
+                  </p:par>
+                </p:childTnLst>
+              </p:cTn>
+              <p:prevCondLst>
+                <p:cond evt="onPrev" delay="0">
+                  <p:tgtEl>
+                    <p:sldTgt/>
+                  </p:tgtEl>
+                </p:cond>
+              </p:prevCondLst>
+              <p:nextCondLst>
+                <p:cond evt="onNext" delay="0">
+                  <p:tgtEl>
+                    <p:sldTgt/>
+                  </p:tgtEl>
+                </p:cond>
+              </p:nextCondLst>
+            </p:seq>
+          </p:childTnLst>
+        </p:cTn>
+      </p:par>
+    </p:tnLst>
+  </p:timing>
 </p:sld>
 </file>
 
-<file path=ppt/slides/slide14.xml><?xml version="1.0" encoding="utf-8"?>
+<file path=ppt/slides/slide17.xml><?xml version="1.0" encoding="utf-8"?>
+<p:sld xmlns:a="http://schemas.openxmlformats.org/drawingml/2006/main" xmlns:r="http://schemas.openxmlformats.org/officeDocument/2006/relationships" xmlns:p="http://schemas.openxmlformats.org/presentationml/2006/main">
+  <p:cSld>
+    <p:spTree>
+      <p:nvGrpSpPr>
+        <p:cNvPr id="1" name=""/>
+        <p:cNvGrpSpPr/>
+        <p:nvPr/>
+      </p:nvGrpSpPr>
+      <p:grpSpPr>
+        <a:xfrm>
+          <a:off x="0" y="0"/>
+          <a:ext cx="0" cy="0"/>
+          <a:chOff x="0" y="0"/>
+          <a:chExt cx="0" cy="0"/>
+        </a:xfrm>
+      </p:grpSpPr>
+      <p:sp>
+        <p:nvSpPr>
+          <p:cNvPr id="2" name="Content Placeholder 1"/>
+          <p:cNvSpPr>
+            <a:spLocks noGrp="1"/>
+          </p:cNvSpPr>
+          <p:nvPr>
+            <p:ph idx="1"/>
+          </p:nvPr>
+        </p:nvSpPr>
+        <p:spPr>
+          <a:xfrm>
+            <a:off x="611560" y="1600201"/>
+            <a:ext cx="7920880" cy="4525963"/>
+          </a:xfrm>
+        </p:spPr>
+        <p:txBody>
+          <a:bodyPr>
+            <a:noAutofit/>
+          </a:bodyPr>
+          <a:lstStyle/>
+          <a:p>
+            <a:r>
+              <a:rPr lang="en-US" sz="2300" dirty="0"/>
+              <a:t>We created a Jenkins Pipeline in the Jenkins Pipeline Editor UI.</a:t>
+            </a:r>
+          </a:p>
+          <a:p>
+            <a:r>
+              <a:rPr lang="en-US" sz="2300" dirty="0"/>
+              <a:t>Our pipeline:</a:t>
+            </a:r>
+          </a:p>
+          <a:p>
+            <a:pPr lvl="1"/>
+            <a:r>
+              <a:rPr lang="en-US" sz="2300" dirty="0"/>
+              <a:t>Pulled dependencies and checked out code in parallel.</a:t>
+            </a:r>
+          </a:p>
+          <a:p>
+            <a:pPr lvl="1"/>
+            <a:r>
+              <a:rPr lang="en-US" sz="2300" dirty="0"/>
+              <a:t>Started </a:t>
+            </a:r>
+            <a:r>
+              <a:rPr lang="en-US" sz="2300" dirty="0" err="1"/>
+              <a:t>Zalenium</a:t>
+            </a:r>
+            <a:endParaRPr lang="en-US" sz="2300" dirty="0"/>
+          </a:p>
+          <a:p>
+            <a:pPr lvl="1"/>
+            <a:r>
+              <a:rPr lang="en-US" sz="2300" dirty="0"/>
+              <a:t>Ran our tests.</a:t>
+            </a:r>
+          </a:p>
+          <a:p>
+            <a:pPr lvl="1"/>
+            <a:r>
+              <a:rPr lang="en-US" sz="2300" dirty="0"/>
+              <a:t>Generated reports using Allure.</a:t>
+            </a:r>
+          </a:p>
+          <a:p>
+            <a:pPr lvl="1"/>
+            <a:r>
+              <a:rPr lang="en-US" sz="2300" dirty="0"/>
+              <a:t>Stopped </a:t>
+            </a:r>
+            <a:r>
+              <a:rPr lang="en-US" sz="2300" dirty="0" err="1"/>
+              <a:t>Zalenium</a:t>
+            </a:r>
+            <a:r>
+              <a:rPr lang="en-US" sz="2300" dirty="0"/>
+              <a:t>.</a:t>
+            </a:r>
+          </a:p>
+          <a:p>
+            <a:pPr lvl="1"/>
+            <a:endParaRPr lang="en-US" sz="2300" dirty="0"/>
+          </a:p>
+        </p:txBody>
+      </p:sp>
+      <p:sp>
+        <p:nvSpPr>
+          <p:cNvPr id="3" name="Footer Placeholder 2"/>
+          <p:cNvSpPr>
+            <a:spLocks noGrp="1"/>
+          </p:cNvSpPr>
+          <p:nvPr>
+            <p:ph type="ftr" sz="quarter" idx="3"/>
+          </p:nvPr>
+        </p:nvSpPr>
+        <p:spPr>
+          <a:xfrm>
+            <a:off x="3124200" y="6356351"/>
+            <a:ext cx="2895600" cy="365125"/>
+          </a:xfrm>
+        </p:spPr>
+        <p:txBody>
+          <a:bodyPr/>
+          <a:lstStyle/>
+          <a:p>
+            <a:r>
+              <a:rPr lang="en-GB" sz="1600"/>
+              <a:t>#DevOpsPlayground</a:t>
+            </a:r>
+            <a:endParaRPr lang="en-GB" sz="1600" dirty="0"/>
+          </a:p>
+        </p:txBody>
+      </p:sp>
+      <p:sp>
+        <p:nvSpPr>
+          <p:cNvPr id="4" name="TextBox 3"/>
+          <p:cNvSpPr txBox="1"/>
+          <p:nvPr/>
+        </p:nvSpPr>
+        <p:spPr>
+          <a:xfrm>
+            <a:off x="611560" y="692696"/>
+            <a:ext cx="7920880" cy="523220"/>
+          </a:xfrm>
+          <a:prstGeom prst="rect">
+            <a:avLst/>
+          </a:prstGeom>
+          <a:noFill/>
+        </p:spPr>
+        <p:txBody>
+          <a:bodyPr wrap="square" rtlCol="0">
+            <a:spAutoFit/>
+          </a:bodyPr>
+          <a:lstStyle/>
+          <a:p>
+            <a:r>
+              <a:rPr lang="en-GB" sz="2800" dirty="0">
+                <a:solidFill>
+                  <a:srgbClr val="0070B7"/>
+                </a:solidFill>
+                <a:latin typeface="Arial" panose="020B0604020202020204" pitchFamily="34" charset="0"/>
+                <a:cs typeface="Arial" panose="020B0604020202020204" pitchFamily="34" charset="0"/>
+              </a:rPr>
+              <a:t>Tonight’s Playground – Review</a:t>
+            </a:r>
+          </a:p>
+        </p:txBody>
+      </p:sp>
+    </p:spTree>
+    <p:extLst>
+      <p:ext uri="{BB962C8B-B14F-4D97-AF65-F5344CB8AC3E}">
+        <p14:creationId xmlns:p14="http://schemas.microsoft.com/office/powerpoint/2010/main" val="2486863862"/>
+      </p:ext>
+    </p:extLst>
+  </p:cSld>
+  <p:clrMapOvr>
+    <a:masterClrMapping/>
+  </p:clrMapOvr>
+  <p:timing>
+    <p:tnLst>
+      <p:par>
+        <p:cTn id="1" dur="indefinite" restart="never" nodeType="tmRoot">
+          <p:childTnLst>
+            <p:seq concurrent="1" nextAc="seek">
+              <p:cTn id="2" dur="indefinite" nodeType="mainSeq">
+                <p:childTnLst>
+                  <p:par>
+                    <p:cTn id="3" fill="hold">
+                      <p:stCondLst>
+                        <p:cond delay="indefinite"/>
+                      </p:stCondLst>
+                      <p:childTnLst>
+                        <p:par>
+                          <p:cTn id="4" fill="hold">
+                            <p:stCondLst>
+                              <p:cond delay="0"/>
+                            </p:stCondLst>
+                            <p:childTnLst>
+                              <p:par>
+                                <p:cTn id="5" presetID="1" presetClass="entr" presetSubtype="0" fill="hold" nodeType="clickEffect">
+                                  <p:stCondLst>
+                                    <p:cond delay="0"/>
+                                  </p:stCondLst>
+                                  <p:childTnLst>
+                                    <p:set>
+                                      <p:cBhvr>
+                                        <p:cTn id="6" dur="1" fill="hold">
+                                          <p:stCondLst>
+                                            <p:cond delay="0"/>
+                                          </p:stCondLst>
+                                        </p:cTn>
+                                        <p:tgtEl>
+                                          <p:spTgt spid="2">
+                                            <p:txEl>
+                                              <p:pRg st="0" end="0"/>
+                                            </p:txEl>
+                                          </p:spTgt>
+                                        </p:tgtEl>
+                                        <p:attrNameLst>
+                                          <p:attrName>style.visibility</p:attrName>
+                                        </p:attrNameLst>
+                                      </p:cBhvr>
+                                      <p:to>
+                                        <p:strVal val="visible"/>
+                                      </p:to>
+                                    </p:set>
+                                  </p:childTnLst>
+                                </p:cTn>
+                              </p:par>
+                            </p:childTnLst>
+                          </p:cTn>
+                        </p:par>
+                      </p:childTnLst>
+                    </p:cTn>
+                  </p:par>
+                  <p:par>
+                    <p:cTn id="7" fill="hold">
+                      <p:stCondLst>
+                        <p:cond delay="indefinite"/>
+                      </p:stCondLst>
+                      <p:childTnLst>
+                        <p:par>
+                          <p:cTn id="8" fill="hold">
+                            <p:stCondLst>
+                              <p:cond delay="0"/>
+                            </p:stCondLst>
+                            <p:childTnLst>
+                              <p:par>
+                                <p:cTn id="9" presetID="1" presetClass="entr" presetSubtype="0" fill="hold" nodeType="clickEffect">
+                                  <p:stCondLst>
+                                    <p:cond delay="0"/>
+                                  </p:stCondLst>
+                                  <p:childTnLst>
+                                    <p:set>
+                                      <p:cBhvr>
+                                        <p:cTn id="10" dur="1" fill="hold">
+                                          <p:stCondLst>
+                                            <p:cond delay="0"/>
+                                          </p:stCondLst>
+                                        </p:cTn>
+                                        <p:tgtEl>
+                                          <p:spTgt spid="2">
+                                            <p:txEl>
+                                              <p:pRg st="1" end="1"/>
+                                            </p:txEl>
+                                          </p:spTgt>
+                                        </p:tgtEl>
+                                        <p:attrNameLst>
+                                          <p:attrName>style.visibility</p:attrName>
+                                        </p:attrNameLst>
+                                      </p:cBhvr>
+                                      <p:to>
+                                        <p:strVal val="visible"/>
+                                      </p:to>
+                                    </p:set>
+                                  </p:childTnLst>
+                                </p:cTn>
+                              </p:par>
+                            </p:childTnLst>
+                          </p:cTn>
+                        </p:par>
+                      </p:childTnLst>
+                    </p:cTn>
+                  </p:par>
+                  <p:par>
+                    <p:cTn id="11" fill="hold">
+                      <p:stCondLst>
+                        <p:cond delay="indefinite"/>
+                      </p:stCondLst>
+                      <p:childTnLst>
+                        <p:par>
+                          <p:cTn id="12" fill="hold">
+                            <p:stCondLst>
+                              <p:cond delay="0"/>
+                            </p:stCondLst>
+                            <p:childTnLst>
+                              <p:par>
+                                <p:cTn id="13" presetID="1" presetClass="entr" presetSubtype="0" fill="hold" nodeType="clickEffect">
+                                  <p:stCondLst>
+                                    <p:cond delay="0"/>
+                                  </p:stCondLst>
+                                  <p:childTnLst>
+                                    <p:set>
+                                      <p:cBhvr>
+                                        <p:cTn id="14" dur="1" fill="hold">
+                                          <p:stCondLst>
+                                            <p:cond delay="0"/>
+                                          </p:stCondLst>
+                                        </p:cTn>
+                                        <p:tgtEl>
+                                          <p:spTgt spid="2">
+                                            <p:txEl>
+                                              <p:pRg st="2" end="2"/>
+                                            </p:txEl>
+                                          </p:spTgt>
+                                        </p:tgtEl>
+                                        <p:attrNameLst>
+                                          <p:attrName>style.visibility</p:attrName>
+                                        </p:attrNameLst>
+                                      </p:cBhvr>
+                                      <p:to>
+                                        <p:strVal val="visible"/>
+                                      </p:to>
+                                    </p:set>
+                                  </p:childTnLst>
+                                </p:cTn>
+                              </p:par>
+                            </p:childTnLst>
+                          </p:cTn>
+                        </p:par>
+                      </p:childTnLst>
+                    </p:cTn>
+                  </p:par>
+                  <p:par>
+                    <p:cTn id="15" fill="hold">
+                      <p:stCondLst>
+                        <p:cond delay="indefinite"/>
+                      </p:stCondLst>
+                      <p:childTnLst>
+                        <p:par>
+                          <p:cTn id="16" fill="hold">
+                            <p:stCondLst>
+                              <p:cond delay="0"/>
+                            </p:stCondLst>
+                            <p:childTnLst>
+                              <p:par>
+                                <p:cTn id="17" presetID="1" presetClass="entr" presetSubtype="0" fill="hold" nodeType="clickEffect">
+                                  <p:stCondLst>
+                                    <p:cond delay="0"/>
+                                  </p:stCondLst>
+                                  <p:childTnLst>
+                                    <p:set>
+                                      <p:cBhvr>
+                                        <p:cTn id="18" dur="1" fill="hold">
+                                          <p:stCondLst>
+                                            <p:cond delay="0"/>
+                                          </p:stCondLst>
+                                        </p:cTn>
+                                        <p:tgtEl>
+                                          <p:spTgt spid="2">
+                                            <p:txEl>
+                                              <p:pRg st="3" end="3"/>
+                                            </p:txEl>
+                                          </p:spTgt>
+                                        </p:tgtEl>
+                                        <p:attrNameLst>
+                                          <p:attrName>style.visibility</p:attrName>
+                                        </p:attrNameLst>
+                                      </p:cBhvr>
+                                      <p:to>
+                                        <p:strVal val="visible"/>
+                                      </p:to>
+                                    </p:set>
+                                  </p:childTnLst>
+                                </p:cTn>
+                              </p:par>
+                            </p:childTnLst>
+                          </p:cTn>
+                        </p:par>
+                      </p:childTnLst>
+                    </p:cTn>
+                  </p:par>
+                  <p:par>
+                    <p:cTn id="19" fill="hold">
+                      <p:stCondLst>
+                        <p:cond delay="indefinite"/>
+                      </p:stCondLst>
+                      <p:childTnLst>
+                        <p:par>
+                          <p:cTn id="20" fill="hold">
+                            <p:stCondLst>
+                              <p:cond delay="0"/>
+                            </p:stCondLst>
+                            <p:childTnLst>
+                              <p:par>
+                                <p:cTn id="21" presetID="1" presetClass="entr" presetSubtype="0" fill="hold" nodeType="clickEffect">
+                                  <p:stCondLst>
+                                    <p:cond delay="0"/>
+                                  </p:stCondLst>
+                                  <p:childTnLst>
+                                    <p:set>
+                                      <p:cBhvr>
+                                        <p:cTn id="22" dur="1" fill="hold">
+                                          <p:stCondLst>
+                                            <p:cond delay="0"/>
+                                          </p:stCondLst>
+                                        </p:cTn>
+                                        <p:tgtEl>
+                                          <p:spTgt spid="2">
+                                            <p:txEl>
+                                              <p:pRg st="4" end="4"/>
+                                            </p:txEl>
+                                          </p:spTgt>
+                                        </p:tgtEl>
+                                        <p:attrNameLst>
+                                          <p:attrName>style.visibility</p:attrName>
+                                        </p:attrNameLst>
+                                      </p:cBhvr>
+                                      <p:to>
+                                        <p:strVal val="visible"/>
+                                      </p:to>
+                                    </p:set>
+                                  </p:childTnLst>
+                                </p:cTn>
+                              </p:par>
+                            </p:childTnLst>
+                          </p:cTn>
+                        </p:par>
+                      </p:childTnLst>
+                    </p:cTn>
+                  </p:par>
+                  <p:par>
+                    <p:cTn id="23" fill="hold">
+                      <p:stCondLst>
+                        <p:cond delay="indefinite"/>
+                      </p:stCondLst>
+                      <p:childTnLst>
+                        <p:par>
+                          <p:cTn id="24" fill="hold">
+                            <p:stCondLst>
+                              <p:cond delay="0"/>
+                            </p:stCondLst>
+                            <p:childTnLst>
+                              <p:par>
+                                <p:cTn id="25" presetID="1" presetClass="entr" presetSubtype="0" fill="hold" nodeType="clickEffect">
+                                  <p:stCondLst>
+                                    <p:cond delay="0"/>
+                                  </p:stCondLst>
+                                  <p:childTnLst>
+                                    <p:set>
+                                      <p:cBhvr>
+                                        <p:cTn id="26" dur="1" fill="hold">
+                                          <p:stCondLst>
+                                            <p:cond delay="0"/>
+                                          </p:stCondLst>
+                                        </p:cTn>
+                                        <p:tgtEl>
+                                          <p:spTgt spid="2">
+                                            <p:txEl>
+                                              <p:pRg st="5" end="5"/>
+                                            </p:txEl>
+                                          </p:spTgt>
+                                        </p:tgtEl>
+                                        <p:attrNameLst>
+                                          <p:attrName>style.visibility</p:attrName>
+                                        </p:attrNameLst>
+                                      </p:cBhvr>
+                                      <p:to>
+                                        <p:strVal val="visible"/>
+                                      </p:to>
+                                    </p:set>
+                                  </p:childTnLst>
+                                </p:cTn>
+                              </p:par>
+                            </p:childTnLst>
+                          </p:cTn>
+                        </p:par>
+                      </p:childTnLst>
+                    </p:cTn>
+                  </p:par>
+                  <p:par>
+                    <p:cTn id="27" fill="hold">
+                      <p:stCondLst>
+                        <p:cond delay="indefinite"/>
+                      </p:stCondLst>
+                      <p:childTnLst>
+                        <p:par>
+                          <p:cTn id="28" fill="hold">
+                            <p:stCondLst>
+                              <p:cond delay="0"/>
+                            </p:stCondLst>
+                            <p:childTnLst>
+                              <p:par>
+                                <p:cTn id="29" presetID="1" presetClass="entr" presetSubtype="0" fill="hold" nodeType="clickEffect">
+                                  <p:stCondLst>
+                                    <p:cond delay="0"/>
+                                  </p:stCondLst>
+                                  <p:childTnLst>
+                                    <p:set>
+                                      <p:cBhvr>
+                                        <p:cTn id="30" dur="1" fill="hold">
+                                          <p:stCondLst>
+                                            <p:cond delay="0"/>
+                                          </p:stCondLst>
+                                        </p:cTn>
+                                        <p:tgtEl>
+                                          <p:spTgt spid="2">
+                                            <p:txEl>
+                                              <p:pRg st="6" end="6"/>
+                                            </p:txEl>
+                                          </p:spTgt>
+                                        </p:tgtEl>
+                                        <p:attrNameLst>
+                                          <p:attrName>style.visibility</p:attrName>
+                                        </p:attrNameLst>
+                                      </p:cBhvr>
+                                      <p:to>
+                                        <p:strVal val="visible"/>
+                                      </p:to>
+                                    </p:set>
+                                  </p:childTnLst>
+                                </p:cTn>
+                              </p:par>
+                            </p:childTnLst>
+                          </p:cTn>
+                        </p:par>
+                      </p:childTnLst>
+                    </p:cTn>
+                  </p:par>
+                </p:childTnLst>
+              </p:cTn>
+              <p:prevCondLst>
+                <p:cond evt="onPrev" delay="0">
+                  <p:tgtEl>
+                    <p:sldTgt/>
+                  </p:tgtEl>
+                </p:cond>
+              </p:prevCondLst>
+              <p:nextCondLst>
+                <p:cond evt="onNext" delay="0">
+                  <p:tgtEl>
+                    <p:sldTgt/>
+                  </p:tgtEl>
+                </p:cond>
+              </p:nextCondLst>
+            </p:seq>
+          </p:childTnLst>
+        </p:cTn>
+      </p:par>
+    </p:tnLst>
+  </p:timing>
+</p:sld>
+</file>
+
+<file path=ppt/slides/slide18.xml><?xml version="1.0" encoding="utf-8"?>
 <p:sld xmlns:a="http://schemas.openxmlformats.org/drawingml/2006/main" xmlns:r="http://schemas.openxmlformats.org/officeDocument/2006/relationships" xmlns:p="http://schemas.openxmlformats.org/presentationml/2006/main">
   <p:cSld>
     <p:spTree>
@@ -8040,7 +12313,7 @@
           <p:nvPr/>
         </p:nvPicPr>
         <p:blipFill>
-          <a:blip r:embed="rId2">
+          <a:blip r:embed="rId3">
             <a:extLst>
               <a:ext uri="{28A0092B-C50C-407E-A947-70E740481C1C}">
                 <a14:useLocalDpi xmlns:a14="http://schemas.microsoft.com/office/drawing/2010/main" val="0"/>
@@ -8076,7 +12349,7 @@
           <p:nvPr/>
         </p:nvPicPr>
         <p:blipFill>
-          <a:blip r:embed="rId3">
+          <a:blip r:embed="rId4">
             <a:extLst>
               <a:ext uri="{28A0092B-C50C-407E-A947-70E740481C1C}">
                 <a14:useLocalDpi xmlns:a14="http://schemas.microsoft.com/office/drawing/2010/main" val="0"/>
@@ -8112,7 +12385,7 @@
           <p:nvPr/>
         </p:nvPicPr>
         <p:blipFill>
-          <a:blip r:embed="rId4">
+          <a:blip r:embed="rId5">
             <a:extLst>
               <a:ext uri="{28A0092B-C50C-407E-A947-70E740481C1C}">
                 <a14:useLocalDpi xmlns:a14="http://schemas.microsoft.com/office/drawing/2010/main" val="0"/>
@@ -8859,6 +13132,12 @@
           <a:p>
             <a:r>
               <a:rPr lang="en-US" sz="2300" dirty="0"/>
+              <a:t>What is Continuous Testing and what are its benefits?</a:t>
+            </a:r>
+          </a:p>
+          <a:p>
+            <a:r>
+              <a:rPr lang="en-US" sz="2300" dirty="0"/>
               <a:t>Overview of Jenkins Pipeline.</a:t>
             </a:r>
           </a:p>
@@ -8871,12 +13150,6 @@
           <a:p>
             <a:r>
               <a:rPr lang="en-US" sz="2300" dirty="0"/>
-              <a:t>Overview of our test structure.</a:t>
-            </a:r>
-          </a:p>
-          <a:p>
-            <a:r>
-              <a:rPr lang="en-US" sz="2300" dirty="0"/>
               <a:t>Playground – Jenkins, </a:t>
             </a:r>
             <a:r>
@@ -8887,6 +13160,27 @@
               <a:rPr lang="en-US" sz="2300" dirty="0"/>
               <a:t>, Allure.</a:t>
             </a:r>
+          </a:p>
+          <a:p>
+            <a:r>
+              <a:rPr lang="en-US" sz="2300" dirty="0"/>
+              <a:t>Overview of pipeline syntax.</a:t>
+            </a:r>
+          </a:p>
+          <a:p>
+            <a:r>
+              <a:rPr lang="en-US" sz="2300" dirty="0"/>
+              <a:t>Overview of our test structure.</a:t>
+            </a:r>
+          </a:p>
+          <a:p>
+            <a:r>
+              <a:rPr lang="en-US" sz="2300" dirty="0"/>
+              <a:t>Overview and benefits of using Allure reporter.</a:t>
+            </a:r>
+          </a:p>
+          <a:p>
+            <a:endParaRPr lang="en-US" sz="2300" dirty="0"/>
           </a:p>
           <a:p>
             <a:endParaRPr lang="en-US" sz="2300" dirty="0"/>
@@ -8973,6 +13267,428 @@
   <p:clrMapOvr>
     <a:masterClrMapping/>
   </p:clrMapOvr>
+  <p:timing>
+    <p:tnLst>
+      <p:par>
+        <p:cTn id="1" dur="indefinite" restart="never" nodeType="tmRoot">
+          <p:childTnLst>
+            <p:seq concurrent="1" nextAc="seek">
+              <p:cTn id="2" dur="indefinite" nodeType="mainSeq">
+                <p:childTnLst>
+                  <p:par>
+                    <p:cTn id="3" fill="hold">
+                      <p:stCondLst>
+                        <p:cond delay="indefinite"/>
+                      </p:stCondLst>
+                      <p:childTnLst>
+                        <p:par>
+                          <p:cTn id="4" fill="hold">
+                            <p:stCondLst>
+                              <p:cond delay="0"/>
+                            </p:stCondLst>
+                            <p:childTnLst>
+                              <p:par>
+                                <p:cTn id="5" presetID="1" presetClass="entr" presetSubtype="0" fill="hold" nodeType="clickEffect">
+                                  <p:stCondLst>
+                                    <p:cond delay="0"/>
+                                  </p:stCondLst>
+                                  <p:childTnLst>
+                                    <p:set>
+                                      <p:cBhvr>
+                                        <p:cTn id="6" dur="1" fill="hold">
+                                          <p:stCondLst>
+                                            <p:cond delay="0"/>
+                                          </p:stCondLst>
+                                        </p:cTn>
+                                        <p:tgtEl>
+                                          <p:spTgt spid="2">
+                                            <p:txEl>
+                                              <p:pRg st="0" end="0"/>
+                                            </p:txEl>
+                                          </p:spTgt>
+                                        </p:tgtEl>
+                                        <p:attrNameLst>
+                                          <p:attrName>style.visibility</p:attrName>
+                                        </p:attrNameLst>
+                                      </p:cBhvr>
+                                      <p:to>
+                                        <p:strVal val="visible"/>
+                                      </p:to>
+                                    </p:set>
+                                  </p:childTnLst>
+                                </p:cTn>
+                              </p:par>
+                            </p:childTnLst>
+                          </p:cTn>
+                        </p:par>
+                      </p:childTnLst>
+                    </p:cTn>
+                  </p:par>
+                  <p:par>
+                    <p:cTn id="7" fill="hold">
+                      <p:stCondLst>
+                        <p:cond delay="indefinite"/>
+                      </p:stCondLst>
+                      <p:childTnLst>
+                        <p:par>
+                          <p:cTn id="8" fill="hold">
+                            <p:stCondLst>
+                              <p:cond delay="0"/>
+                            </p:stCondLst>
+                            <p:childTnLst>
+                              <p:par>
+                                <p:cTn id="9" presetID="1" presetClass="entr" presetSubtype="0" fill="hold" nodeType="clickEffect">
+                                  <p:stCondLst>
+                                    <p:cond delay="0"/>
+                                  </p:stCondLst>
+                                  <p:childTnLst>
+                                    <p:set>
+                                      <p:cBhvr>
+                                        <p:cTn id="10" dur="1" fill="hold">
+                                          <p:stCondLst>
+                                            <p:cond delay="0"/>
+                                          </p:stCondLst>
+                                        </p:cTn>
+                                        <p:tgtEl>
+                                          <p:spTgt spid="2">
+                                            <p:txEl>
+                                              <p:pRg st="1" end="1"/>
+                                            </p:txEl>
+                                          </p:spTgt>
+                                        </p:tgtEl>
+                                        <p:attrNameLst>
+                                          <p:attrName>style.visibility</p:attrName>
+                                        </p:attrNameLst>
+                                      </p:cBhvr>
+                                      <p:to>
+                                        <p:strVal val="visible"/>
+                                      </p:to>
+                                    </p:set>
+                                  </p:childTnLst>
+                                </p:cTn>
+                              </p:par>
+                            </p:childTnLst>
+                          </p:cTn>
+                        </p:par>
+                      </p:childTnLst>
+                    </p:cTn>
+                  </p:par>
+                  <p:par>
+                    <p:cTn id="11" fill="hold">
+                      <p:stCondLst>
+                        <p:cond delay="indefinite"/>
+                      </p:stCondLst>
+                      <p:childTnLst>
+                        <p:par>
+                          <p:cTn id="12" fill="hold">
+                            <p:stCondLst>
+                              <p:cond delay="0"/>
+                            </p:stCondLst>
+                            <p:childTnLst>
+                              <p:par>
+                                <p:cTn id="13" presetID="1" presetClass="entr" presetSubtype="0" fill="hold" nodeType="clickEffect">
+                                  <p:stCondLst>
+                                    <p:cond delay="0"/>
+                                  </p:stCondLst>
+                                  <p:childTnLst>
+                                    <p:set>
+                                      <p:cBhvr>
+                                        <p:cTn id="14" dur="1" fill="hold">
+                                          <p:stCondLst>
+                                            <p:cond delay="0"/>
+                                          </p:stCondLst>
+                                        </p:cTn>
+                                        <p:tgtEl>
+                                          <p:spTgt spid="2">
+                                            <p:txEl>
+                                              <p:pRg st="2" end="2"/>
+                                            </p:txEl>
+                                          </p:spTgt>
+                                        </p:tgtEl>
+                                        <p:attrNameLst>
+                                          <p:attrName>style.visibility</p:attrName>
+                                        </p:attrNameLst>
+                                      </p:cBhvr>
+                                      <p:to>
+                                        <p:strVal val="visible"/>
+                                      </p:to>
+                                    </p:set>
+                                  </p:childTnLst>
+                                </p:cTn>
+                              </p:par>
+                            </p:childTnLst>
+                          </p:cTn>
+                        </p:par>
+                      </p:childTnLst>
+                    </p:cTn>
+                  </p:par>
+                  <p:par>
+                    <p:cTn id="15" fill="hold">
+                      <p:stCondLst>
+                        <p:cond delay="indefinite"/>
+                      </p:stCondLst>
+                      <p:childTnLst>
+                        <p:par>
+                          <p:cTn id="16" fill="hold">
+                            <p:stCondLst>
+                              <p:cond delay="0"/>
+                            </p:stCondLst>
+                            <p:childTnLst>
+                              <p:par>
+                                <p:cTn id="17" presetID="1" presetClass="entr" presetSubtype="0" fill="hold" nodeType="clickEffect">
+                                  <p:stCondLst>
+                                    <p:cond delay="0"/>
+                                  </p:stCondLst>
+                                  <p:childTnLst>
+                                    <p:set>
+                                      <p:cBhvr>
+                                        <p:cTn id="18" dur="1" fill="hold">
+                                          <p:stCondLst>
+                                            <p:cond delay="0"/>
+                                          </p:stCondLst>
+                                        </p:cTn>
+                                        <p:tgtEl>
+                                          <p:spTgt spid="2">
+                                            <p:txEl>
+                                              <p:pRg st="3" end="3"/>
+                                            </p:txEl>
+                                          </p:spTgt>
+                                        </p:tgtEl>
+                                        <p:attrNameLst>
+                                          <p:attrName>style.visibility</p:attrName>
+                                        </p:attrNameLst>
+                                      </p:cBhvr>
+                                      <p:to>
+                                        <p:strVal val="visible"/>
+                                      </p:to>
+                                    </p:set>
+                                  </p:childTnLst>
+                                </p:cTn>
+                              </p:par>
+                            </p:childTnLst>
+                          </p:cTn>
+                        </p:par>
+                      </p:childTnLst>
+                    </p:cTn>
+                  </p:par>
+                  <p:par>
+                    <p:cTn id="19" fill="hold">
+                      <p:stCondLst>
+                        <p:cond delay="indefinite"/>
+                      </p:stCondLst>
+                      <p:childTnLst>
+                        <p:par>
+                          <p:cTn id="20" fill="hold">
+                            <p:stCondLst>
+                              <p:cond delay="0"/>
+                            </p:stCondLst>
+                            <p:childTnLst>
+                              <p:par>
+                                <p:cTn id="21" presetID="1" presetClass="entr" presetSubtype="0" fill="hold" nodeType="clickEffect">
+                                  <p:stCondLst>
+                                    <p:cond delay="0"/>
+                                  </p:stCondLst>
+                                  <p:childTnLst>
+                                    <p:set>
+                                      <p:cBhvr>
+                                        <p:cTn id="22" dur="1" fill="hold">
+                                          <p:stCondLst>
+                                            <p:cond delay="0"/>
+                                          </p:stCondLst>
+                                        </p:cTn>
+                                        <p:tgtEl>
+                                          <p:spTgt spid="2">
+                                            <p:txEl>
+                                              <p:pRg st="4" end="4"/>
+                                            </p:txEl>
+                                          </p:spTgt>
+                                        </p:tgtEl>
+                                        <p:attrNameLst>
+                                          <p:attrName>style.visibility</p:attrName>
+                                        </p:attrNameLst>
+                                      </p:cBhvr>
+                                      <p:to>
+                                        <p:strVal val="visible"/>
+                                      </p:to>
+                                    </p:set>
+                                  </p:childTnLst>
+                                </p:cTn>
+                              </p:par>
+                            </p:childTnLst>
+                          </p:cTn>
+                        </p:par>
+                      </p:childTnLst>
+                    </p:cTn>
+                  </p:par>
+                  <p:par>
+                    <p:cTn id="23" fill="hold">
+                      <p:stCondLst>
+                        <p:cond delay="indefinite"/>
+                      </p:stCondLst>
+                      <p:childTnLst>
+                        <p:par>
+                          <p:cTn id="24" fill="hold">
+                            <p:stCondLst>
+                              <p:cond delay="0"/>
+                            </p:stCondLst>
+                            <p:childTnLst>
+                              <p:par>
+                                <p:cTn id="25" presetID="1" presetClass="entr" presetSubtype="0" fill="hold" nodeType="clickEffect">
+                                  <p:stCondLst>
+                                    <p:cond delay="0"/>
+                                  </p:stCondLst>
+                                  <p:childTnLst>
+                                    <p:set>
+                                      <p:cBhvr>
+                                        <p:cTn id="26" dur="1" fill="hold">
+                                          <p:stCondLst>
+                                            <p:cond delay="0"/>
+                                          </p:stCondLst>
+                                        </p:cTn>
+                                        <p:tgtEl>
+                                          <p:spTgt spid="2">
+                                            <p:txEl>
+                                              <p:pRg st="5" end="5"/>
+                                            </p:txEl>
+                                          </p:spTgt>
+                                        </p:tgtEl>
+                                        <p:attrNameLst>
+                                          <p:attrName>style.visibility</p:attrName>
+                                        </p:attrNameLst>
+                                      </p:cBhvr>
+                                      <p:to>
+                                        <p:strVal val="visible"/>
+                                      </p:to>
+                                    </p:set>
+                                  </p:childTnLst>
+                                </p:cTn>
+                              </p:par>
+                            </p:childTnLst>
+                          </p:cTn>
+                        </p:par>
+                      </p:childTnLst>
+                    </p:cTn>
+                  </p:par>
+                  <p:par>
+                    <p:cTn id="27" fill="hold">
+                      <p:stCondLst>
+                        <p:cond delay="indefinite"/>
+                      </p:stCondLst>
+                      <p:childTnLst>
+                        <p:par>
+                          <p:cTn id="28" fill="hold">
+                            <p:stCondLst>
+                              <p:cond delay="0"/>
+                            </p:stCondLst>
+                            <p:childTnLst>
+                              <p:par>
+                                <p:cTn id="29" presetID="1" presetClass="entr" presetSubtype="0" fill="hold" nodeType="clickEffect">
+                                  <p:stCondLst>
+                                    <p:cond delay="0"/>
+                                  </p:stCondLst>
+                                  <p:childTnLst>
+                                    <p:set>
+                                      <p:cBhvr>
+                                        <p:cTn id="30" dur="1" fill="hold">
+                                          <p:stCondLst>
+                                            <p:cond delay="0"/>
+                                          </p:stCondLst>
+                                        </p:cTn>
+                                        <p:tgtEl>
+                                          <p:spTgt spid="2">
+                                            <p:txEl>
+                                              <p:pRg st="6" end="6"/>
+                                            </p:txEl>
+                                          </p:spTgt>
+                                        </p:tgtEl>
+                                        <p:attrNameLst>
+                                          <p:attrName>style.visibility</p:attrName>
+                                        </p:attrNameLst>
+                                      </p:cBhvr>
+                                      <p:to>
+                                        <p:strVal val="visible"/>
+                                      </p:to>
+                                    </p:set>
+                                  </p:childTnLst>
+                                </p:cTn>
+                              </p:par>
+                            </p:childTnLst>
+                          </p:cTn>
+                        </p:par>
+                      </p:childTnLst>
+                    </p:cTn>
+                  </p:par>
+                  <p:par>
+                    <p:cTn id="31" fill="hold">
+                      <p:stCondLst>
+                        <p:cond delay="indefinite"/>
+                      </p:stCondLst>
+                      <p:childTnLst>
+                        <p:par>
+                          <p:cTn id="32" fill="hold">
+                            <p:stCondLst>
+                              <p:cond delay="0"/>
+                            </p:stCondLst>
+                            <p:childTnLst>
+                              <p:par>
+                                <p:cTn id="33" presetID="1" presetClass="entr" presetSubtype="0" fill="hold" nodeType="clickEffect">
+                                  <p:stCondLst>
+                                    <p:cond delay="0"/>
+                                  </p:stCondLst>
+                                  <p:childTnLst>
+                                    <p:set>
+                                      <p:cBhvr>
+                                        <p:cTn id="34" dur="1" fill="hold">
+                                          <p:stCondLst>
+                                            <p:cond delay="0"/>
+                                          </p:stCondLst>
+                                        </p:cTn>
+                                        <p:tgtEl>
+                                          <p:spTgt spid="2">
+                                            <p:txEl>
+                                              <p:pRg st="7" end="7"/>
+                                            </p:txEl>
+                                          </p:spTgt>
+                                        </p:tgtEl>
+                                        <p:attrNameLst>
+                                          <p:attrName>style.visibility</p:attrName>
+                                        </p:attrNameLst>
+                                      </p:cBhvr>
+                                      <p:to>
+                                        <p:strVal val="visible"/>
+                                      </p:to>
+                                    </p:set>
+                                  </p:childTnLst>
+                                </p:cTn>
+                              </p:par>
+                            </p:childTnLst>
+                          </p:cTn>
+                        </p:par>
+                      </p:childTnLst>
+                    </p:cTn>
+                  </p:par>
+                </p:childTnLst>
+              </p:cTn>
+              <p:prevCondLst>
+                <p:cond evt="onPrev" delay="0">
+                  <p:tgtEl>
+                    <p:sldTgt/>
+                  </p:tgtEl>
+                </p:cond>
+              </p:prevCondLst>
+              <p:nextCondLst>
+                <p:cond evt="onNext" delay="0">
+                  <p:tgtEl>
+                    <p:sldTgt/>
+                  </p:tgtEl>
+                </p:cond>
+              </p:nextCondLst>
+            </p:seq>
+          </p:childTnLst>
+        </p:cTn>
+      </p:par>
+    </p:tnLst>
+  </p:timing>
 </p:sld>
 </file>
 
@@ -9499,8 +14215,8 @@
         </p:nvSpPr>
         <p:spPr>
           <a:xfrm>
-            <a:off x="611560" y="1600201"/>
-            <a:ext cx="7920880" cy="4525963"/>
+            <a:off x="611560" y="1268761"/>
+            <a:ext cx="7920880" cy="4857404"/>
           </a:xfrm>
         </p:spPr>
         <p:txBody>
@@ -9512,7 +14228,10 @@
             <a:pPr marL="0" indent="0">
               <a:buNone/>
             </a:pPr>
-            <a:endParaRPr lang="en-US" sz="2300" dirty="0"/>
+            <a:r>
+              <a:rPr lang="en-US" sz="2300" dirty="0"/>
+              <a:t>DORA State of DevOps report 2018:</a:t>
+            </a:r>
           </a:p>
           <a:p>
             <a:pPr marL="0" indent="0">
@@ -9580,25 +14299,572 @@
                 <a:latin typeface="Arial" panose="020B0604020202020204" pitchFamily="34" charset="0"/>
                 <a:cs typeface="Arial" panose="020B0604020202020204" pitchFamily="34" charset="0"/>
               </a:rPr>
-              <a:t>Test Code</a:t>
+              <a:t>How do we define Continuous Testing?</a:t>
             </a:r>
           </a:p>
         </p:txBody>
       </p:sp>
+      <p:pic>
+        <p:nvPicPr>
+          <p:cNvPr id="6" name="Picture 5">
+            <a:extLst>
+              <a:ext uri="{FF2B5EF4-FFF2-40B4-BE49-F238E27FC236}">
+                <a16:creationId xmlns:a16="http://schemas.microsoft.com/office/drawing/2014/main" id="{5FDC938B-B37F-0046-9817-718BCB3E2E0C}"/>
+              </a:ext>
+            </a:extLst>
+          </p:cNvPr>
+          <p:cNvPicPr>
+            <a:picLocks noChangeAspect="1"/>
+          </p:cNvPicPr>
+          <p:nvPr/>
+        </p:nvPicPr>
+        <p:blipFill>
+          <a:blip r:embed="rId3">
+            <a:extLst>
+              <a:ext uri="{28A0092B-C50C-407E-A947-70E740481C1C}">
+                <a14:useLocalDpi xmlns:a14="http://schemas.microsoft.com/office/drawing/2010/main" val="0"/>
+              </a:ext>
+            </a:extLst>
+          </a:blip>
+          <a:stretch>
+            <a:fillRect/>
+          </a:stretch>
+        </p:blipFill>
+        <p:spPr>
+          <a:xfrm>
+            <a:off x="0" y="2044898"/>
+            <a:ext cx="9144000" cy="4314920"/>
+          </a:xfrm>
+          <a:prstGeom prst="rect">
+            <a:avLst/>
+          </a:prstGeom>
+        </p:spPr>
+      </p:pic>
     </p:spTree>
     <p:extLst>
       <p:ext uri="{BB962C8B-B14F-4D97-AF65-F5344CB8AC3E}">
-        <p14:creationId xmlns:p14="http://schemas.microsoft.com/office/powerpoint/2010/main" val="423809741"/>
+        <p14:creationId xmlns:p14="http://schemas.microsoft.com/office/powerpoint/2010/main" val="1229440567"/>
       </p:ext>
     </p:extLst>
   </p:cSld>
   <p:clrMapOvr>
     <a:masterClrMapping/>
   </p:clrMapOvr>
+  <p:timing>
+    <p:tnLst>
+      <p:par>
+        <p:cTn id="1" dur="indefinite" restart="never" nodeType="tmRoot">
+          <p:childTnLst>
+            <p:seq concurrent="1" nextAc="seek">
+              <p:cTn id="2" dur="indefinite" nodeType="mainSeq">
+                <p:childTnLst>
+                  <p:par>
+                    <p:cTn id="3" fill="hold">
+                      <p:stCondLst>
+                        <p:cond delay="indefinite"/>
+                      </p:stCondLst>
+                      <p:childTnLst>
+                        <p:par>
+                          <p:cTn id="4" fill="hold">
+                            <p:stCondLst>
+                              <p:cond delay="0"/>
+                            </p:stCondLst>
+                            <p:childTnLst>
+                              <p:par>
+                                <p:cTn id="5" presetID="1" presetClass="entr" presetSubtype="0" fill="hold" nodeType="clickEffect">
+                                  <p:stCondLst>
+                                    <p:cond delay="0"/>
+                                  </p:stCondLst>
+                                  <p:childTnLst>
+                                    <p:set>
+                                      <p:cBhvr>
+                                        <p:cTn id="6" dur="1" fill="hold">
+                                          <p:stCondLst>
+                                            <p:cond delay="0"/>
+                                          </p:stCondLst>
+                                        </p:cTn>
+                                        <p:tgtEl>
+                                          <p:spTgt spid="2">
+                                            <p:txEl>
+                                              <p:pRg st="0" end="0"/>
+                                            </p:txEl>
+                                          </p:spTgt>
+                                        </p:tgtEl>
+                                        <p:attrNameLst>
+                                          <p:attrName>style.visibility</p:attrName>
+                                        </p:attrNameLst>
+                                      </p:cBhvr>
+                                      <p:to>
+                                        <p:strVal val="visible"/>
+                                      </p:to>
+                                    </p:set>
+                                  </p:childTnLst>
+                                </p:cTn>
+                              </p:par>
+                            </p:childTnLst>
+                          </p:cTn>
+                        </p:par>
+                      </p:childTnLst>
+                    </p:cTn>
+                  </p:par>
+                  <p:par>
+                    <p:cTn id="7" fill="hold">
+                      <p:stCondLst>
+                        <p:cond delay="indefinite"/>
+                      </p:stCondLst>
+                      <p:childTnLst>
+                        <p:par>
+                          <p:cTn id="8" fill="hold">
+                            <p:stCondLst>
+                              <p:cond delay="0"/>
+                            </p:stCondLst>
+                            <p:childTnLst>
+                              <p:par>
+                                <p:cTn id="9" presetID="1" presetClass="entr" presetSubtype="0" fill="hold" nodeType="clickEffect">
+                                  <p:stCondLst>
+                                    <p:cond delay="0"/>
+                                  </p:stCondLst>
+                                  <p:childTnLst>
+                                    <p:set>
+                                      <p:cBhvr>
+                                        <p:cTn id="10" dur="1" fill="hold">
+                                          <p:stCondLst>
+                                            <p:cond delay="0"/>
+                                          </p:stCondLst>
+                                        </p:cTn>
+                                        <p:tgtEl>
+                                          <p:spTgt spid="6"/>
+                                        </p:tgtEl>
+                                        <p:attrNameLst>
+                                          <p:attrName>style.visibility</p:attrName>
+                                        </p:attrNameLst>
+                                      </p:cBhvr>
+                                      <p:to>
+                                        <p:strVal val="visible"/>
+                                      </p:to>
+                                    </p:set>
+                                  </p:childTnLst>
+                                </p:cTn>
+                              </p:par>
+                            </p:childTnLst>
+                          </p:cTn>
+                        </p:par>
+                      </p:childTnLst>
+                    </p:cTn>
+                  </p:par>
+                </p:childTnLst>
+              </p:cTn>
+              <p:prevCondLst>
+                <p:cond evt="onPrev" delay="0">
+                  <p:tgtEl>
+                    <p:sldTgt/>
+                  </p:tgtEl>
+                </p:cond>
+              </p:prevCondLst>
+              <p:nextCondLst>
+                <p:cond evt="onNext" delay="0">
+                  <p:tgtEl>
+                    <p:sldTgt/>
+                  </p:tgtEl>
+                </p:cond>
+              </p:nextCondLst>
+            </p:seq>
+          </p:childTnLst>
+        </p:cTn>
+      </p:par>
+    </p:tnLst>
+  </p:timing>
 </p:sld>
 </file>
 
 <file path=ppt/slides/slide8.xml><?xml version="1.0" encoding="utf-8"?>
+<p:sld xmlns:a="http://schemas.openxmlformats.org/drawingml/2006/main" xmlns:r="http://schemas.openxmlformats.org/officeDocument/2006/relationships" xmlns:p="http://schemas.openxmlformats.org/presentationml/2006/main">
+  <p:cSld>
+    <p:spTree>
+      <p:nvGrpSpPr>
+        <p:cNvPr id="1" name=""/>
+        <p:cNvGrpSpPr/>
+        <p:nvPr/>
+      </p:nvGrpSpPr>
+      <p:grpSpPr>
+        <a:xfrm>
+          <a:off x="0" y="0"/>
+          <a:ext cx="0" cy="0"/>
+          <a:chOff x="0" y="0"/>
+          <a:chExt cx="0" cy="0"/>
+        </a:xfrm>
+      </p:grpSpPr>
+      <p:sp>
+        <p:nvSpPr>
+          <p:cNvPr id="2" name="Content Placeholder 1"/>
+          <p:cNvSpPr>
+            <a:spLocks noGrp="1"/>
+          </p:cNvSpPr>
+          <p:nvPr>
+            <p:ph idx="1"/>
+          </p:nvPr>
+        </p:nvSpPr>
+        <p:spPr>
+          <a:xfrm>
+            <a:off x="611560" y="1600201"/>
+            <a:ext cx="7920880" cy="4525963"/>
+          </a:xfrm>
+        </p:spPr>
+        <p:txBody>
+          <a:bodyPr>
+            <a:noAutofit/>
+          </a:bodyPr>
+          <a:lstStyle/>
+          <a:p>
+            <a:r>
+              <a:rPr lang="en-US" sz="2300" dirty="0"/>
+              <a:t>Provides us with fast feedback on code changes.</a:t>
+            </a:r>
+          </a:p>
+          <a:p>
+            <a:endParaRPr lang="en-US" sz="2300" dirty="0"/>
+          </a:p>
+          <a:p>
+            <a:r>
+              <a:rPr lang="en-US" sz="2300" dirty="0"/>
+              <a:t>Provides us with a certain level of confidence after every build.</a:t>
+            </a:r>
+          </a:p>
+          <a:p>
+            <a:endParaRPr lang="en-US" sz="2300" dirty="0"/>
+          </a:p>
+          <a:p>
+            <a:r>
+              <a:rPr lang="en-US" sz="2300" dirty="0"/>
+              <a:t>Functional and non-functional tests can be run in a scheduled way.</a:t>
+            </a:r>
+          </a:p>
+          <a:p>
+            <a:endParaRPr lang="en-US" sz="2300" dirty="0"/>
+          </a:p>
+          <a:p>
+            <a:r>
+              <a:rPr lang="en-US" sz="2300" dirty="0"/>
+              <a:t>Testing becomes more transparent.</a:t>
+            </a:r>
+          </a:p>
+          <a:p>
+            <a:endParaRPr lang="en-US" sz="2300" dirty="0"/>
+          </a:p>
+          <a:p>
+            <a:endParaRPr lang="en-US" sz="2300" dirty="0"/>
+          </a:p>
+          <a:p>
+            <a:pPr marL="0" indent="0">
+              <a:buNone/>
+            </a:pPr>
+            <a:endParaRPr lang="en-US" sz="2300" dirty="0"/>
+          </a:p>
+        </p:txBody>
+      </p:sp>
+      <p:sp>
+        <p:nvSpPr>
+          <p:cNvPr id="3" name="Footer Placeholder 2"/>
+          <p:cNvSpPr>
+            <a:spLocks noGrp="1"/>
+          </p:cNvSpPr>
+          <p:nvPr>
+            <p:ph type="ftr" sz="quarter" idx="3"/>
+          </p:nvPr>
+        </p:nvSpPr>
+        <p:spPr>
+          <a:xfrm>
+            <a:off x="3124200" y="6356351"/>
+            <a:ext cx="2895600" cy="365125"/>
+          </a:xfrm>
+        </p:spPr>
+        <p:txBody>
+          <a:bodyPr/>
+          <a:lstStyle/>
+          <a:p>
+            <a:r>
+              <a:rPr lang="en-GB" sz="1600"/>
+              <a:t>#DevOpsPlayground</a:t>
+            </a:r>
+            <a:endParaRPr lang="en-GB" sz="1600" dirty="0"/>
+          </a:p>
+        </p:txBody>
+      </p:sp>
+      <p:sp>
+        <p:nvSpPr>
+          <p:cNvPr id="4" name="TextBox 3"/>
+          <p:cNvSpPr txBox="1"/>
+          <p:nvPr/>
+        </p:nvSpPr>
+        <p:spPr>
+          <a:xfrm>
+            <a:off x="611560" y="692696"/>
+            <a:ext cx="7920880" cy="461665"/>
+          </a:xfrm>
+          <a:prstGeom prst="rect">
+            <a:avLst/>
+          </a:prstGeom>
+          <a:noFill/>
+        </p:spPr>
+        <p:txBody>
+          <a:bodyPr wrap="square" rtlCol="0">
+            <a:spAutoFit/>
+          </a:bodyPr>
+          <a:lstStyle/>
+          <a:p>
+            <a:r>
+              <a:rPr lang="en-GB" sz="2400" dirty="0">
+                <a:solidFill>
+                  <a:srgbClr val="0070B7"/>
+                </a:solidFill>
+                <a:latin typeface="Arial" panose="020B0604020202020204" pitchFamily="34" charset="0"/>
+                <a:cs typeface="Arial" panose="020B0604020202020204" pitchFamily="34" charset="0"/>
+              </a:rPr>
+              <a:t>Continuous Testing – Automation - Benefits</a:t>
+            </a:r>
+          </a:p>
+        </p:txBody>
+      </p:sp>
+    </p:spTree>
+    <p:extLst>
+      <p:ext uri="{BB962C8B-B14F-4D97-AF65-F5344CB8AC3E}">
+        <p14:creationId xmlns:p14="http://schemas.microsoft.com/office/powerpoint/2010/main" val="1325623193"/>
+      </p:ext>
+    </p:extLst>
+  </p:cSld>
+  <p:clrMapOvr>
+    <a:masterClrMapping/>
+  </p:clrMapOvr>
+  <p:timing>
+    <p:tnLst>
+      <p:par>
+        <p:cTn id="1" dur="indefinite" restart="never" nodeType="tmRoot">
+          <p:childTnLst>
+            <p:seq concurrent="1" nextAc="seek">
+              <p:cTn id="2" dur="indefinite" nodeType="mainSeq">
+                <p:childTnLst>
+                  <p:par>
+                    <p:cTn id="3" fill="hold">
+                      <p:stCondLst>
+                        <p:cond delay="indefinite"/>
+                      </p:stCondLst>
+                      <p:childTnLst>
+                        <p:par>
+                          <p:cTn id="4" fill="hold">
+                            <p:stCondLst>
+                              <p:cond delay="0"/>
+                            </p:stCondLst>
+                            <p:childTnLst>
+                              <p:par>
+                                <p:cTn id="5" presetID="1" presetClass="entr" presetSubtype="0" fill="hold" nodeType="clickEffect">
+                                  <p:stCondLst>
+                                    <p:cond delay="0"/>
+                                  </p:stCondLst>
+                                  <p:childTnLst>
+                                    <p:set>
+                                      <p:cBhvr>
+                                        <p:cTn id="6" dur="1" fill="hold">
+                                          <p:stCondLst>
+                                            <p:cond delay="0"/>
+                                          </p:stCondLst>
+                                        </p:cTn>
+                                        <p:tgtEl>
+                                          <p:spTgt spid="2">
+                                            <p:txEl>
+                                              <p:pRg st="0" end="0"/>
+                                            </p:txEl>
+                                          </p:spTgt>
+                                        </p:tgtEl>
+                                        <p:attrNameLst>
+                                          <p:attrName>style.visibility</p:attrName>
+                                        </p:attrNameLst>
+                                      </p:cBhvr>
+                                      <p:to>
+                                        <p:strVal val="visible"/>
+                                      </p:to>
+                                    </p:set>
+                                  </p:childTnLst>
+                                </p:cTn>
+                              </p:par>
+                            </p:childTnLst>
+                          </p:cTn>
+                        </p:par>
+                      </p:childTnLst>
+                    </p:cTn>
+                  </p:par>
+                  <p:par>
+                    <p:cTn id="7" fill="hold">
+                      <p:stCondLst>
+                        <p:cond delay="indefinite"/>
+                      </p:stCondLst>
+                      <p:childTnLst>
+                        <p:par>
+                          <p:cTn id="8" fill="hold">
+                            <p:stCondLst>
+                              <p:cond delay="0"/>
+                            </p:stCondLst>
+                            <p:childTnLst>
+                              <p:par>
+                                <p:cTn id="9" presetID="1" presetClass="entr" presetSubtype="0" fill="hold" nodeType="clickEffect">
+                                  <p:stCondLst>
+                                    <p:cond delay="0"/>
+                                  </p:stCondLst>
+                                  <p:childTnLst>
+                                    <p:set>
+                                      <p:cBhvr>
+                                        <p:cTn id="10" dur="1" fill="hold">
+                                          <p:stCondLst>
+                                            <p:cond delay="0"/>
+                                          </p:stCondLst>
+                                        </p:cTn>
+                                        <p:tgtEl>
+                                          <p:spTgt spid="2">
+                                            <p:txEl>
+                                              <p:pRg st="2" end="2"/>
+                                            </p:txEl>
+                                          </p:spTgt>
+                                        </p:tgtEl>
+                                        <p:attrNameLst>
+                                          <p:attrName>style.visibility</p:attrName>
+                                        </p:attrNameLst>
+                                      </p:cBhvr>
+                                      <p:to>
+                                        <p:strVal val="visible"/>
+                                      </p:to>
+                                    </p:set>
+                                  </p:childTnLst>
+                                </p:cTn>
+                              </p:par>
+                            </p:childTnLst>
+                          </p:cTn>
+                        </p:par>
+                      </p:childTnLst>
+                    </p:cTn>
+                  </p:par>
+                  <p:par>
+                    <p:cTn id="11" fill="hold">
+                      <p:stCondLst>
+                        <p:cond delay="indefinite"/>
+                      </p:stCondLst>
+                      <p:childTnLst>
+                        <p:par>
+                          <p:cTn id="12" fill="hold">
+                            <p:stCondLst>
+                              <p:cond delay="0"/>
+                            </p:stCondLst>
+                            <p:childTnLst>
+                              <p:par>
+                                <p:cTn id="13" presetID="1" presetClass="entr" presetSubtype="0" fill="hold" nodeType="clickEffect">
+                                  <p:stCondLst>
+                                    <p:cond delay="0"/>
+                                  </p:stCondLst>
+                                  <p:childTnLst>
+                                    <p:set>
+                                      <p:cBhvr>
+                                        <p:cTn id="14" dur="1" fill="hold">
+                                          <p:stCondLst>
+                                            <p:cond delay="0"/>
+                                          </p:stCondLst>
+                                        </p:cTn>
+                                        <p:tgtEl>
+                                          <p:spTgt spid="2">
+                                            <p:txEl>
+                                              <p:pRg st="4" end="4"/>
+                                            </p:txEl>
+                                          </p:spTgt>
+                                        </p:tgtEl>
+                                        <p:attrNameLst>
+                                          <p:attrName>style.visibility</p:attrName>
+                                        </p:attrNameLst>
+                                      </p:cBhvr>
+                                      <p:to>
+                                        <p:strVal val="visible"/>
+                                      </p:to>
+                                    </p:set>
+                                  </p:childTnLst>
+                                </p:cTn>
+                              </p:par>
+                            </p:childTnLst>
+                          </p:cTn>
+                        </p:par>
+                      </p:childTnLst>
+                    </p:cTn>
+                  </p:par>
+                  <p:par>
+                    <p:cTn id="15" fill="hold">
+                      <p:stCondLst>
+                        <p:cond delay="indefinite"/>
+                      </p:stCondLst>
+                      <p:childTnLst>
+                        <p:par>
+                          <p:cTn id="16" fill="hold">
+                            <p:stCondLst>
+                              <p:cond delay="0"/>
+                            </p:stCondLst>
+                            <p:childTnLst>
+                              <p:par>
+                                <p:cTn id="17" presetID="1" presetClass="entr" presetSubtype="0" fill="hold" nodeType="clickEffect">
+                                  <p:stCondLst>
+                                    <p:cond delay="0"/>
+                                  </p:stCondLst>
+                                  <p:childTnLst>
+                                    <p:set>
+                                      <p:cBhvr>
+                                        <p:cTn id="18" dur="1" fill="hold">
+                                          <p:stCondLst>
+                                            <p:cond delay="0"/>
+                                          </p:stCondLst>
+                                        </p:cTn>
+                                        <p:tgtEl>
+                                          <p:spTgt spid="2">
+                                            <p:txEl>
+                                              <p:pRg st="6" end="6"/>
+                                            </p:txEl>
+                                          </p:spTgt>
+                                        </p:tgtEl>
+                                        <p:attrNameLst>
+                                          <p:attrName>style.visibility</p:attrName>
+                                        </p:attrNameLst>
+                                      </p:cBhvr>
+                                      <p:to>
+                                        <p:strVal val="visible"/>
+                                      </p:to>
+                                    </p:set>
+                                  </p:childTnLst>
+                                </p:cTn>
+                              </p:par>
+                            </p:childTnLst>
+                          </p:cTn>
+                        </p:par>
+                      </p:childTnLst>
+                    </p:cTn>
+                  </p:par>
+                </p:childTnLst>
+              </p:cTn>
+              <p:prevCondLst>
+                <p:cond evt="onPrev" delay="0">
+                  <p:tgtEl>
+                    <p:sldTgt/>
+                  </p:tgtEl>
+                </p:cond>
+              </p:prevCondLst>
+              <p:nextCondLst>
+                <p:cond evt="onNext" delay="0">
+                  <p:tgtEl>
+                    <p:sldTgt/>
+                  </p:tgtEl>
+                </p:cond>
+              </p:nextCondLst>
+            </p:seq>
+          </p:childTnLst>
+        </p:cTn>
+      </p:par>
+    </p:tnLst>
+  </p:timing>
+</p:sld>
+</file>
+
+<file path=ppt/slides/slide9.xml><?xml version="1.0" encoding="utf-8"?>
 <p:sld xmlns:a="http://schemas.openxmlformats.org/drawingml/2006/main" xmlns:r="http://schemas.openxmlformats.org/officeDocument/2006/relationships" xmlns:p="http://schemas.openxmlformats.org/presentationml/2006/main">
   <p:cSld>
     <p:spTree>
@@ -9801,205 +15067,330 @@
   <p:clrMapOvr>
     <a:masterClrMapping/>
   </p:clrMapOvr>
-</p:sld>
-</file>
-
-<file path=ppt/slides/slide9.xml><?xml version="1.0" encoding="utf-8"?>
-<p:sld xmlns:a="http://schemas.openxmlformats.org/drawingml/2006/main" xmlns:r="http://schemas.openxmlformats.org/officeDocument/2006/relationships" xmlns:p="http://schemas.openxmlformats.org/presentationml/2006/main">
-  <p:cSld>
-    <p:spTree>
-      <p:nvGrpSpPr>
-        <p:cNvPr id="1" name=""/>
-        <p:cNvGrpSpPr/>
-        <p:nvPr/>
-      </p:nvGrpSpPr>
-      <p:grpSpPr>
-        <a:xfrm>
-          <a:off x="0" y="0"/>
-          <a:ext cx="0" cy="0"/>
-          <a:chOff x="0" y="0"/>
-          <a:chExt cx="0" cy="0"/>
-        </a:xfrm>
-      </p:grpSpPr>
-      <p:sp>
-        <p:nvSpPr>
-          <p:cNvPr id="2" name="Content Placeholder 1"/>
-          <p:cNvSpPr>
-            <a:spLocks noGrp="1"/>
-          </p:cNvSpPr>
-          <p:nvPr>
-            <p:ph idx="1"/>
-          </p:nvPr>
-        </p:nvSpPr>
-        <p:spPr>
-          <a:xfrm>
-            <a:off x="611560" y="1600201"/>
-            <a:ext cx="7920880" cy="4525963"/>
-          </a:xfrm>
-        </p:spPr>
-        <p:txBody>
-          <a:bodyPr>
-            <a:noAutofit/>
-          </a:bodyPr>
-          <a:lstStyle/>
-          <a:p>
-            <a:r>
-              <a:rPr lang="en-US" sz="2300" dirty="0"/>
-              <a:t>Pipeline adds a set of automation tools into Jenkins to execute powerful CI/CD pipelines.</a:t>
-            </a:r>
-          </a:p>
-          <a:p>
-            <a:endParaRPr lang="en-US" sz="2300" dirty="0"/>
-          </a:p>
-          <a:p>
-            <a:r>
-              <a:rPr lang="en-US" sz="2300" dirty="0"/>
-              <a:t>Implemented in </a:t>
-            </a:r>
-            <a:r>
-              <a:rPr lang="en-US" sz="2300" b="1" dirty="0"/>
-              <a:t>Code.</a:t>
-            </a:r>
-          </a:p>
-          <a:p>
-            <a:r>
-              <a:rPr lang="en-US" sz="2300" b="1" dirty="0"/>
-              <a:t>Durable.</a:t>
-            </a:r>
-          </a:p>
-          <a:p>
-            <a:r>
-              <a:rPr lang="en-US" sz="2300" b="1" dirty="0" err="1"/>
-              <a:t>Pausable</a:t>
-            </a:r>
-            <a:r>
-              <a:rPr lang="en-US" sz="2300" b="1" dirty="0"/>
-              <a:t>.</a:t>
-            </a:r>
-          </a:p>
-          <a:p>
-            <a:r>
-              <a:rPr lang="en-US" sz="2300" b="1" dirty="0"/>
-              <a:t>Versatile.</a:t>
-            </a:r>
-          </a:p>
-          <a:p>
-            <a:r>
-              <a:rPr lang="en-US" sz="2300" b="1" dirty="0"/>
-              <a:t>Extensible.</a:t>
-            </a:r>
-          </a:p>
-        </p:txBody>
-      </p:sp>
-      <p:sp>
-        <p:nvSpPr>
-          <p:cNvPr id="3" name="Footer Placeholder 2"/>
-          <p:cNvSpPr>
-            <a:spLocks noGrp="1"/>
-          </p:cNvSpPr>
-          <p:nvPr>
-            <p:ph type="ftr" sz="quarter" idx="3"/>
-          </p:nvPr>
-        </p:nvSpPr>
-        <p:spPr>
-          <a:xfrm>
-            <a:off x="3124200" y="6356351"/>
-            <a:ext cx="2895600" cy="365125"/>
-          </a:xfrm>
-        </p:spPr>
-        <p:txBody>
-          <a:bodyPr/>
-          <a:lstStyle/>
-          <a:p>
-            <a:r>
-              <a:rPr lang="en-GB" sz="1600"/>
-              <a:t>#DevOpsPlayground</a:t>
-            </a:r>
-            <a:endParaRPr lang="en-GB" sz="1600" dirty="0"/>
-          </a:p>
-        </p:txBody>
-      </p:sp>
-      <p:sp>
-        <p:nvSpPr>
-          <p:cNvPr id="4" name="TextBox 3"/>
-          <p:cNvSpPr txBox="1"/>
-          <p:nvPr/>
-        </p:nvSpPr>
-        <p:spPr>
-          <a:xfrm>
-            <a:off x="611560" y="692696"/>
-            <a:ext cx="7920880" cy="523220"/>
-          </a:xfrm>
-          <a:prstGeom prst="rect">
-            <a:avLst/>
-          </a:prstGeom>
-          <a:noFill/>
-        </p:spPr>
-        <p:txBody>
-          <a:bodyPr wrap="square" rtlCol="0">
-            <a:spAutoFit/>
-          </a:bodyPr>
-          <a:lstStyle/>
-          <a:p>
-            <a:r>
-              <a:rPr lang="en-GB" sz="2800" dirty="0">
-                <a:solidFill>
-                  <a:srgbClr val="0070B7"/>
-                </a:solidFill>
-                <a:latin typeface="Arial" panose="020B0604020202020204" pitchFamily="34" charset="0"/>
-                <a:cs typeface="Arial" panose="020B0604020202020204" pitchFamily="34" charset="0"/>
-              </a:rPr>
-              <a:t>Why Pipeline?</a:t>
-            </a:r>
-          </a:p>
-        </p:txBody>
-      </p:sp>
-      <p:pic>
-        <p:nvPicPr>
-          <p:cNvPr id="6" name="Picture 5">
-            <a:extLst>
-              <a:ext uri="{FF2B5EF4-FFF2-40B4-BE49-F238E27FC236}">
-                <a16:creationId xmlns:a16="http://schemas.microsoft.com/office/drawing/2014/main" id="{6ED58919-6A29-3345-9C23-AFD4A5775CFA}"/>
-              </a:ext>
-            </a:extLst>
-          </p:cNvPr>
-          <p:cNvPicPr>
-            <a:picLocks noChangeAspect="1"/>
-          </p:cNvPicPr>
-          <p:nvPr/>
-        </p:nvPicPr>
-        <p:blipFill>
-          <a:blip r:embed="rId3">
-            <a:extLst>
-              <a:ext uri="{28A0092B-C50C-407E-A947-70E740481C1C}">
-                <a14:useLocalDpi xmlns:a14="http://schemas.microsoft.com/office/drawing/2010/main" val="0"/>
-              </a:ext>
-            </a:extLst>
-          </a:blip>
-          <a:stretch>
-            <a:fillRect/>
-          </a:stretch>
-        </p:blipFill>
-        <p:spPr>
-          <a:xfrm>
-            <a:off x="4393670" y="-137717"/>
-            <a:ext cx="1541692" cy="1541692"/>
-          </a:xfrm>
-          <a:prstGeom prst="rect">
-            <a:avLst/>
-          </a:prstGeom>
-        </p:spPr>
-      </p:pic>
-    </p:spTree>
-    <p:extLst>
-      <p:ext uri="{BB962C8B-B14F-4D97-AF65-F5344CB8AC3E}">
-        <p14:creationId xmlns:p14="http://schemas.microsoft.com/office/powerpoint/2010/main" val="2812815337"/>
-      </p:ext>
-    </p:extLst>
-  </p:cSld>
-  <p:clrMapOvr>
-    <a:masterClrMapping/>
-  </p:clrMapOvr>
+  <p:timing>
+    <p:tnLst>
+      <p:par>
+        <p:cTn id="1" dur="indefinite" restart="never" nodeType="tmRoot">
+          <p:childTnLst>
+            <p:seq concurrent="1" nextAc="seek">
+              <p:cTn id="2" dur="indefinite" nodeType="mainSeq">
+                <p:childTnLst>
+                  <p:par>
+                    <p:cTn id="3" fill="hold">
+                      <p:stCondLst>
+                        <p:cond delay="indefinite"/>
+                      </p:stCondLst>
+                      <p:childTnLst>
+                        <p:par>
+                          <p:cTn id="4" fill="hold">
+                            <p:stCondLst>
+                              <p:cond delay="0"/>
+                            </p:stCondLst>
+                            <p:childTnLst>
+                              <p:par>
+                                <p:cTn id="5" presetID="1" presetClass="entr" presetSubtype="0" fill="hold" nodeType="clickEffect">
+                                  <p:stCondLst>
+                                    <p:cond delay="0"/>
+                                  </p:stCondLst>
+                                  <p:childTnLst>
+                                    <p:set>
+                                      <p:cBhvr>
+                                        <p:cTn id="6" dur="1" fill="hold">
+                                          <p:stCondLst>
+                                            <p:cond delay="0"/>
+                                          </p:stCondLst>
+                                        </p:cTn>
+                                        <p:tgtEl>
+                                          <p:spTgt spid="2">
+                                            <p:txEl>
+                                              <p:pRg st="0" end="0"/>
+                                            </p:txEl>
+                                          </p:spTgt>
+                                        </p:tgtEl>
+                                        <p:attrNameLst>
+                                          <p:attrName>style.visibility</p:attrName>
+                                        </p:attrNameLst>
+                                      </p:cBhvr>
+                                      <p:to>
+                                        <p:strVal val="visible"/>
+                                      </p:to>
+                                    </p:set>
+                                  </p:childTnLst>
+                                </p:cTn>
+                              </p:par>
+                            </p:childTnLst>
+                          </p:cTn>
+                        </p:par>
+                      </p:childTnLst>
+                    </p:cTn>
+                  </p:par>
+                  <p:par>
+                    <p:cTn id="7" fill="hold">
+                      <p:stCondLst>
+                        <p:cond delay="indefinite"/>
+                      </p:stCondLst>
+                      <p:childTnLst>
+                        <p:par>
+                          <p:cTn id="8" fill="hold">
+                            <p:stCondLst>
+                              <p:cond delay="0"/>
+                            </p:stCondLst>
+                            <p:childTnLst>
+                              <p:par>
+                                <p:cTn id="9" presetID="1" presetClass="entr" presetSubtype="0" fill="hold" nodeType="clickEffect">
+                                  <p:stCondLst>
+                                    <p:cond delay="0"/>
+                                  </p:stCondLst>
+                                  <p:childTnLst>
+                                    <p:set>
+                                      <p:cBhvr>
+                                        <p:cTn id="10" dur="1" fill="hold">
+                                          <p:stCondLst>
+                                            <p:cond delay="0"/>
+                                          </p:stCondLst>
+                                        </p:cTn>
+                                        <p:tgtEl>
+                                          <p:spTgt spid="2">
+                                            <p:txEl>
+                                              <p:pRg st="1" end="1"/>
+                                            </p:txEl>
+                                          </p:spTgt>
+                                        </p:tgtEl>
+                                        <p:attrNameLst>
+                                          <p:attrName>style.visibility</p:attrName>
+                                        </p:attrNameLst>
+                                      </p:cBhvr>
+                                      <p:to>
+                                        <p:strVal val="visible"/>
+                                      </p:to>
+                                    </p:set>
+                                  </p:childTnLst>
+                                </p:cTn>
+                              </p:par>
+                            </p:childTnLst>
+                          </p:cTn>
+                        </p:par>
+                      </p:childTnLst>
+                    </p:cTn>
+                  </p:par>
+                  <p:par>
+                    <p:cTn id="11" fill="hold">
+                      <p:stCondLst>
+                        <p:cond delay="indefinite"/>
+                      </p:stCondLst>
+                      <p:childTnLst>
+                        <p:par>
+                          <p:cTn id="12" fill="hold">
+                            <p:stCondLst>
+                              <p:cond delay="0"/>
+                            </p:stCondLst>
+                            <p:childTnLst>
+                              <p:par>
+                                <p:cTn id="13" presetID="1" presetClass="entr" presetSubtype="0" fill="hold" nodeType="clickEffect">
+                                  <p:stCondLst>
+                                    <p:cond delay="0"/>
+                                  </p:stCondLst>
+                                  <p:childTnLst>
+                                    <p:set>
+                                      <p:cBhvr>
+                                        <p:cTn id="14" dur="1" fill="hold">
+                                          <p:stCondLst>
+                                            <p:cond delay="0"/>
+                                          </p:stCondLst>
+                                        </p:cTn>
+                                        <p:tgtEl>
+                                          <p:spTgt spid="2">
+                                            <p:txEl>
+                                              <p:pRg st="2" end="2"/>
+                                            </p:txEl>
+                                          </p:spTgt>
+                                        </p:tgtEl>
+                                        <p:attrNameLst>
+                                          <p:attrName>style.visibility</p:attrName>
+                                        </p:attrNameLst>
+                                      </p:cBhvr>
+                                      <p:to>
+                                        <p:strVal val="visible"/>
+                                      </p:to>
+                                    </p:set>
+                                  </p:childTnLst>
+                                </p:cTn>
+                              </p:par>
+                            </p:childTnLst>
+                          </p:cTn>
+                        </p:par>
+                      </p:childTnLst>
+                    </p:cTn>
+                  </p:par>
+                  <p:par>
+                    <p:cTn id="15" fill="hold">
+                      <p:stCondLst>
+                        <p:cond delay="indefinite"/>
+                      </p:stCondLst>
+                      <p:childTnLst>
+                        <p:par>
+                          <p:cTn id="16" fill="hold">
+                            <p:stCondLst>
+                              <p:cond delay="0"/>
+                            </p:stCondLst>
+                            <p:childTnLst>
+                              <p:par>
+                                <p:cTn id="17" presetID="1" presetClass="entr" presetSubtype="0" fill="hold" nodeType="clickEffect">
+                                  <p:stCondLst>
+                                    <p:cond delay="0"/>
+                                  </p:stCondLst>
+                                  <p:childTnLst>
+                                    <p:set>
+                                      <p:cBhvr>
+                                        <p:cTn id="18" dur="1" fill="hold">
+                                          <p:stCondLst>
+                                            <p:cond delay="0"/>
+                                          </p:stCondLst>
+                                        </p:cTn>
+                                        <p:tgtEl>
+                                          <p:spTgt spid="2">
+                                            <p:txEl>
+                                              <p:pRg st="3" end="3"/>
+                                            </p:txEl>
+                                          </p:spTgt>
+                                        </p:tgtEl>
+                                        <p:attrNameLst>
+                                          <p:attrName>style.visibility</p:attrName>
+                                        </p:attrNameLst>
+                                      </p:cBhvr>
+                                      <p:to>
+                                        <p:strVal val="visible"/>
+                                      </p:to>
+                                    </p:set>
+                                  </p:childTnLst>
+                                </p:cTn>
+                              </p:par>
+                            </p:childTnLst>
+                          </p:cTn>
+                        </p:par>
+                      </p:childTnLst>
+                    </p:cTn>
+                  </p:par>
+                  <p:par>
+                    <p:cTn id="19" fill="hold">
+                      <p:stCondLst>
+                        <p:cond delay="indefinite"/>
+                      </p:stCondLst>
+                      <p:childTnLst>
+                        <p:par>
+                          <p:cTn id="20" fill="hold">
+                            <p:stCondLst>
+                              <p:cond delay="0"/>
+                            </p:stCondLst>
+                            <p:childTnLst>
+                              <p:par>
+                                <p:cTn id="21" presetID="1" presetClass="entr" presetSubtype="0" fill="hold" nodeType="clickEffect">
+                                  <p:stCondLst>
+                                    <p:cond delay="0"/>
+                                  </p:stCondLst>
+                                  <p:childTnLst>
+                                    <p:set>
+                                      <p:cBhvr>
+                                        <p:cTn id="22" dur="1" fill="hold">
+                                          <p:stCondLst>
+                                            <p:cond delay="0"/>
+                                          </p:stCondLst>
+                                        </p:cTn>
+                                        <p:tgtEl>
+                                          <p:spTgt spid="2">
+                                            <p:txEl>
+                                              <p:pRg st="4" end="4"/>
+                                            </p:txEl>
+                                          </p:spTgt>
+                                        </p:tgtEl>
+                                        <p:attrNameLst>
+                                          <p:attrName>style.visibility</p:attrName>
+                                        </p:attrNameLst>
+                                      </p:cBhvr>
+                                      <p:to>
+                                        <p:strVal val="visible"/>
+                                      </p:to>
+                                    </p:set>
+                                  </p:childTnLst>
+                                </p:cTn>
+                              </p:par>
+                            </p:childTnLst>
+                          </p:cTn>
+                        </p:par>
+                      </p:childTnLst>
+                    </p:cTn>
+                  </p:par>
+                  <p:par>
+                    <p:cTn id="23" fill="hold">
+                      <p:stCondLst>
+                        <p:cond delay="indefinite"/>
+                      </p:stCondLst>
+                      <p:childTnLst>
+                        <p:par>
+                          <p:cTn id="24" fill="hold">
+                            <p:stCondLst>
+                              <p:cond delay="0"/>
+                            </p:stCondLst>
+                            <p:childTnLst>
+                              <p:par>
+                                <p:cTn id="25" presetID="1" presetClass="entr" presetSubtype="0" fill="hold" nodeType="clickEffect">
+                                  <p:stCondLst>
+                                    <p:cond delay="0"/>
+                                  </p:stCondLst>
+                                  <p:childTnLst>
+                                    <p:set>
+                                      <p:cBhvr>
+                                        <p:cTn id="26" dur="1" fill="hold">
+                                          <p:stCondLst>
+                                            <p:cond delay="0"/>
+                                          </p:stCondLst>
+                                        </p:cTn>
+                                        <p:tgtEl>
+                                          <p:spTgt spid="2">
+                                            <p:txEl>
+                                              <p:pRg st="5" end="5"/>
+                                            </p:txEl>
+                                          </p:spTgt>
+                                        </p:tgtEl>
+                                        <p:attrNameLst>
+                                          <p:attrName>style.visibility</p:attrName>
+                                        </p:attrNameLst>
+                                      </p:cBhvr>
+                                      <p:to>
+                                        <p:strVal val="visible"/>
+                                      </p:to>
+                                    </p:set>
+                                  </p:childTnLst>
+                                </p:cTn>
+                              </p:par>
+                            </p:childTnLst>
+                          </p:cTn>
+                        </p:par>
+                      </p:childTnLst>
+                    </p:cTn>
+                  </p:par>
+                </p:childTnLst>
+              </p:cTn>
+              <p:prevCondLst>
+                <p:cond evt="onPrev" delay="0">
+                  <p:tgtEl>
+                    <p:sldTgt/>
+                  </p:tgtEl>
+                </p:cond>
+              </p:prevCondLst>
+              <p:nextCondLst>
+                <p:cond evt="onNext" delay="0">
+                  <p:tgtEl>
+                    <p:sldTgt/>
+                  </p:tgtEl>
+                </p:cond>
+              </p:nextCondLst>
+            </p:seq>
+          </p:childTnLst>
+        </p:cTn>
+      </p:par>
+    </p:tnLst>
+  </p:timing>
 </p:sld>
 </file>
 

--- a/ZaleniumJenkins.pptx
+++ b/ZaleniumJenkins.pptx
@@ -5,10 +5,10 @@
     <p:sldMasterId id="2147483648" r:id="rId4"/>
   </p:sldMasterIdLst>
   <p:notesMasterIdLst>
-    <p:notesMasterId r:id="rId23"/>
+    <p:notesMasterId r:id="rId22"/>
   </p:notesMasterIdLst>
   <p:handoutMasterIdLst>
-    <p:handoutMasterId r:id="rId24"/>
+    <p:handoutMasterId r:id="rId23"/>
   </p:handoutMasterIdLst>
   <p:sldIdLst>
     <p:sldId id="303" r:id="rId5"/>
@@ -25,10 +25,9 @@
     <p:sldId id="312" r:id="rId16"/>
     <p:sldId id="314" r:id="rId17"/>
     <p:sldId id="313" r:id="rId18"/>
-    <p:sldId id="319" r:id="rId19"/>
-    <p:sldId id="315" r:id="rId20"/>
-    <p:sldId id="317" r:id="rId21"/>
-    <p:sldId id="267" r:id="rId22"/>
+    <p:sldId id="315" r:id="rId19"/>
+    <p:sldId id="317" r:id="rId20"/>
+    <p:sldId id="267" r:id="rId21"/>
   </p:sldIdLst>
   <p:sldSz cx="9144000" cy="6858000" type="screen4x3"/>
   <p:notesSz cx="6858000" cy="9144000"/>
@@ -1298,7 +1297,16 @@
           <a:p>
             <a:r>
               <a:rPr lang="en-US" dirty="0"/>
-              <a:t>I think it would be good to highlight that we’re only implementing the testing aspect of a Jenkins Pipeline. You would normally start a pipeline with your production or application code building and then being deployed to a test environment and then have your tests run and if they’re successful, deploy the build to production. </a:t>
+              <a:t>I think it would be good to highlight that we’re only implementing the testing aspect of a Jenkins Pipeline this evening. You would normally start a pipeline with your production or application code building and then being deployed to a test environment and then have your tests run and if they’re successful, deploy the build to production. </a:t>
+            </a:r>
+          </a:p>
+          <a:p>
+            <a:endParaRPr lang="en-US" dirty="0"/>
+          </a:p>
+          <a:p>
+            <a:r>
+              <a:rPr lang="en-US" dirty="0"/>
+              <a:t>**Have user log into their Jenkins instance**</a:t>
             </a:r>
           </a:p>
         </p:txBody>
@@ -1885,6 +1893,65 @@
               <a:t>*CLICK* Finally, we created multiple VMs using our cloned disks by using Azure CLI. </a:t>
             </a:r>
           </a:p>
+          <a:p>
+            <a:pPr marL="0" marR="0" lvl="0" indent="0" algn="l" defTabSz="914400" rtl="0" eaLnBrk="1" fontAlgn="auto" latinLnBrk="0" hangingPunct="1">
+              <a:lnSpc>
+                <a:spcPct val="100000"/>
+              </a:lnSpc>
+              <a:spcBef>
+                <a:spcPts val="0"/>
+              </a:spcBef>
+              <a:spcAft>
+                <a:spcPts val="0"/>
+              </a:spcAft>
+              <a:buClrTx/>
+              <a:buSzTx/>
+              <a:buFontTx/>
+              <a:buNone/>
+              <a:tabLst/>
+              <a:defRPr/>
+            </a:pPr>
+            <a:endParaRPr lang="en-GB" sz="1200" b="0" i="0" kern="1200" dirty="0">
+              <a:solidFill>
+                <a:schemeClr val="tx1"/>
+              </a:solidFill>
+              <a:effectLst/>
+              <a:latin typeface="+mn-lt"/>
+              <a:ea typeface="+mn-ea"/>
+              <a:cs typeface="+mn-cs"/>
+            </a:endParaRPr>
+          </a:p>
+          <a:p>
+            <a:pPr marL="0" marR="0" lvl="0" indent="0" algn="l" defTabSz="914400" rtl="0" eaLnBrk="1" fontAlgn="auto" latinLnBrk="0" hangingPunct="1">
+              <a:lnSpc>
+                <a:spcPct val="100000"/>
+              </a:lnSpc>
+              <a:spcBef>
+                <a:spcPts val="0"/>
+              </a:spcBef>
+              <a:spcAft>
+                <a:spcPts val="0"/>
+              </a:spcAft>
+              <a:buClrTx/>
+              <a:buSzTx/>
+              <a:buFontTx/>
+              <a:buNone/>
+              <a:tabLst/>
+              <a:defRPr/>
+            </a:pPr>
+            <a:r>
+              <a:rPr lang="en-GB" sz="1200" b="0" i="0" kern="1200" dirty="0">
+                <a:solidFill>
+                  <a:schemeClr val="tx1"/>
+                </a:solidFill>
+                <a:effectLst/>
+                <a:latin typeface="+mn-lt"/>
+                <a:ea typeface="+mn-ea"/>
+                <a:cs typeface="+mn-cs"/>
+              </a:rPr>
+              <a:t>**Go back to the ReadMe and start the first run of the Pipeline**</a:t>
+            </a:r>
+          </a:p>
         </p:txBody>
       </p:sp>
       <p:sp>
@@ -1994,7 +2061,7 @@
                 <a:ea typeface="+mn-ea"/>
                 <a:cs typeface="+mn-cs"/>
               </a:rPr>
-              <a:t>*Have users edit a Jenkins pipeline – show this slide after running*</a:t>
+              <a:t>**Have users run a Jenkins pipeline – show this slide after running**</a:t>
             </a:r>
           </a:p>
           <a:p>
@@ -2053,7 +2120,7 @@
                 <a:ea typeface="+mn-ea"/>
                 <a:cs typeface="+mn-cs"/>
               </a:rPr>
-              <a:t>Whilst the first run is taking place I thought I would explain a bit more about the Pipeline code we are using.</a:t>
+              <a:t>Whilst the first run is taking place I thought I would explain a bit more about the Pipeline code we are using as dependencies often take a long time to install on the first run.</a:t>
             </a:r>
           </a:p>
           <a:p>
@@ -2526,6 +2593,65 @@
                 <a:cs typeface="+mn-cs"/>
               </a:rPr>
               <a:t>Now that I’ve covered the basic structure of our pipeline I’ll go into the specifics of our pipeline.</a:t>
+            </a:r>
+          </a:p>
+          <a:p>
+            <a:pPr marL="0" marR="0" lvl="0" indent="0" algn="l" defTabSz="914400" rtl="0" eaLnBrk="1" fontAlgn="auto" latinLnBrk="0" hangingPunct="1">
+              <a:lnSpc>
+                <a:spcPct val="100000"/>
+              </a:lnSpc>
+              <a:spcBef>
+                <a:spcPts val="0"/>
+              </a:spcBef>
+              <a:spcAft>
+                <a:spcPts val="0"/>
+              </a:spcAft>
+              <a:buClrTx/>
+              <a:buSzTx/>
+              <a:buFontTx/>
+              <a:buNone/>
+              <a:tabLst/>
+              <a:defRPr/>
+            </a:pPr>
+            <a:endParaRPr lang="en-GB" sz="1200" b="0" i="0" kern="1200" dirty="0">
+              <a:solidFill>
+                <a:schemeClr val="tx1"/>
+              </a:solidFill>
+              <a:effectLst/>
+              <a:latin typeface="+mn-lt"/>
+              <a:ea typeface="+mn-ea"/>
+              <a:cs typeface="+mn-cs"/>
+            </a:endParaRPr>
+          </a:p>
+          <a:p>
+            <a:pPr marL="0" marR="0" lvl="0" indent="0" algn="l" defTabSz="914400" rtl="0" eaLnBrk="1" fontAlgn="auto" latinLnBrk="0" hangingPunct="1">
+              <a:lnSpc>
+                <a:spcPct val="100000"/>
+              </a:lnSpc>
+              <a:spcBef>
+                <a:spcPts val="0"/>
+              </a:spcBef>
+              <a:spcAft>
+                <a:spcPts val="0"/>
+              </a:spcAft>
+              <a:buClrTx/>
+              <a:buSzTx/>
+              <a:buFontTx/>
+              <a:buNone/>
+              <a:tabLst/>
+              <a:defRPr/>
+            </a:pPr>
+            <a:r>
+              <a:rPr lang="en-GB" sz="1200" b="0" i="0" kern="1200" dirty="0">
+                <a:solidFill>
+                  <a:schemeClr val="tx1"/>
+                </a:solidFill>
+                <a:effectLst/>
+                <a:latin typeface="+mn-lt"/>
+                <a:ea typeface="+mn-ea"/>
+                <a:cs typeface="+mn-cs"/>
+              </a:rPr>
+              <a:t>**Discuss the pipeline specifics and then complete up to Running our tests**</a:t>
             </a:r>
           </a:p>
         </p:txBody>
@@ -2986,7 +3112,385 @@
               <a:tabLst/>
               <a:defRPr/>
             </a:pPr>
-            <a:endParaRPr lang="en-US" dirty="0"/>
+            <a:r>
+              <a:rPr lang="en-GB" sz="1200" b="0" i="0" kern="1200" dirty="0">
+                <a:solidFill>
+                  <a:schemeClr val="tx1"/>
+                </a:solidFill>
+                <a:effectLst/>
+                <a:latin typeface="+mn-lt"/>
+                <a:ea typeface="+mn-ea"/>
+                <a:cs typeface="+mn-cs"/>
+              </a:rPr>
+              <a:t>*Have users complete up to Reporting Using Allure*</a:t>
+            </a:r>
+          </a:p>
+          <a:p>
+            <a:pPr marL="0" marR="0" lvl="0" indent="0" algn="l" defTabSz="914400" rtl="0" eaLnBrk="1" fontAlgn="auto" latinLnBrk="0" hangingPunct="1">
+              <a:lnSpc>
+                <a:spcPct val="100000"/>
+              </a:lnSpc>
+              <a:spcBef>
+                <a:spcPts val="0"/>
+              </a:spcBef>
+              <a:spcAft>
+                <a:spcPts val="0"/>
+              </a:spcAft>
+              <a:buClrTx/>
+              <a:buSzTx/>
+              <a:buFontTx/>
+              <a:buNone/>
+              <a:tabLst/>
+              <a:defRPr/>
+            </a:pPr>
+            <a:endParaRPr lang="en-GB" sz="1200" b="0" i="0" kern="1200" dirty="0">
+              <a:solidFill>
+                <a:schemeClr val="tx1"/>
+              </a:solidFill>
+              <a:effectLst/>
+              <a:latin typeface="+mn-lt"/>
+              <a:ea typeface="+mn-ea"/>
+              <a:cs typeface="+mn-cs"/>
+            </a:endParaRPr>
+          </a:p>
+          <a:p>
+            <a:pPr marL="0" marR="0" lvl="0" indent="0" algn="l" defTabSz="914400" rtl="0" eaLnBrk="1" fontAlgn="auto" latinLnBrk="0" hangingPunct="1">
+              <a:lnSpc>
+                <a:spcPct val="100000"/>
+              </a:lnSpc>
+              <a:spcBef>
+                <a:spcPts val="0"/>
+              </a:spcBef>
+              <a:spcAft>
+                <a:spcPts val="0"/>
+              </a:spcAft>
+              <a:buClrTx/>
+              <a:buSzTx/>
+              <a:buFontTx/>
+              <a:buNone/>
+              <a:tabLst/>
+              <a:defRPr/>
+            </a:pPr>
+            <a:r>
+              <a:rPr lang="en-GB" sz="1200" b="0" i="0" kern="1200" dirty="0">
+                <a:solidFill>
+                  <a:schemeClr val="tx1"/>
+                </a:solidFill>
+                <a:effectLst/>
+                <a:latin typeface="+mn-lt"/>
+                <a:ea typeface="+mn-ea"/>
+                <a:cs typeface="+mn-cs"/>
+              </a:rPr>
+              <a:t>Before we add in the reporting capabilities I thought I’d cover what Allure reporter is.</a:t>
+            </a:r>
+          </a:p>
+          <a:p>
+            <a:pPr marL="0" marR="0" lvl="0" indent="0" algn="l" defTabSz="914400" rtl="0" eaLnBrk="1" fontAlgn="auto" latinLnBrk="0" hangingPunct="1">
+              <a:lnSpc>
+                <a:spcPct val="100000"/>
+              </a:lnSpc>
+              <a:spcBef>
+                <a:spcPts val="0"/>
+              </a:spcBef>
+              <a:spcAft>
+                <a:spcPts val="0"/>
+              </a:spcAft>
+              <a:buClrTx/>
+              <a:buSzTx/>
+              <a:buFontTx/>
+              <a:buNone/>
+              <a:tabLst/>
+              <a:defRPr/>
+            </a:pPr>
+            <a:endParaRPr lang="en-GB" sz="1200" b="0" i="0" kern="1200" dirty="0">
+              <a:solidFill>
+                <a:schemeClr val="tx1"/>
+              </a:solidFill>
+              <a:effectLst/>
+              <a:latin typeface="+mn-lt"/>
+              <a:ea typeface="+mn-ea"/>
+              <a:cs typeface="+mn-cs"/>
+            </a:endParaRPr>
+          </a:p>
+          <a:p>
+            <a:pPr marL="0" marR="0" lvl="0" indent="0" algn="l" defTabSz="914400" rtl="0" eaLnBrk="1" fontAlgn="auto" latinLnBrk="0" hangingPunct="1">
+              <a:lnSpc>
+                <a:spcPct val="100000"/>
+              </a:lnSpc>
+              <a:spcBef>
+                <a:spcPts val="0"/>
+              </a:spcBef>
+              <a:spcAft>
+                <a:spcPts val="0"/>
+              </a:spcAft>
+              <a:buClrTx/>
+              <a:buSzTx/>
+              <a:buFontTx/>
+              <a:buNone/>
+              <a:tabLst/>
+              <a:defRPr/>
+            </a:pPr>
+            <a:r>
+              <a:rPr lang="en-GB" sz="1200" b="0" i="0" kern="1200" dirty="0">
+                <a:solidFill>
+                  <a:schemeClr val="tx1"/>
+                </a:solidFill>
+                <a:effectLst/>
+                <a:latin typeface="+mn-lt"/>
+                <a:ea typeface="+mn-ea"/>
+                <a:cs typeface="+mn-cs"/>
+              </a:rPr>
+              <a:t>*CLICK* It’s an open-source test reporter created by the Yandex testing team. </a:t>
+            </a:r>
+          </a:p>
+          <a:p>
+            <a:pPr marL="0" marR="0" lvl="0" indent="0" algn="l" defTabSz="914400" rtl="0" eaLnBrk="1" fontAlgn="auto" latinLnBrk="0" hangingPunct="1">
+              <a:lnSpc>
+                <a:spcPct val="100000"/>
+              </a:lnSpc>
+              <a:spcBef>
+                <a:spcPts val="0"/>
+              </a:spcBef>
+              <a:spcAft>
+                <a:spcPts val="0"/>
+              </a:spcAft>
+              <a:buClrTx/>
+              <a:buSzTx/>
+              <a:buFontTx/>
+              <a:buNone/>
+              <a:tabLst/>
+              <a:defRPr/>
+            </a:pPr>
+            <a:endParaRPr lang="en-GB" sz="1200" b="0" i="0" kern="1200" dirty="0">
+              <a:solidFill>
+                <a:schemeClr val="tx1"/>
+              </a:solidFill>
+              <a:effectLst/>
+              <a:latin typeface="+mn-lt"/>
+              <a:ea typeface="+mn-ea"/>
+              <a:cs typeface="+mn-cs"/>
+            </a:endParaRPr>
+          </a:p>
+          <a:p>
+            <a:pPr marL="0" marR="0" lvl="0" indent="0" algn="l" defTabSz="914400" rtl="0" eaLnBrk="1" fontAlgn="auto" latinLnBrk="0" hangingPunct="1">
+              <a:lnSpc>
+                <a:spcPct val="100000"/>
+              </a:lnSpc>
+              <a:spcBef>
+                <a:spcPts val="0"/>
+              </a:spcBef>
+              <a:spcAft>
+                <a:spcPts val="0"/>
+              </a:spcAft>
+              <a:buClrTx/>
+              <a:buSzTx/>
+              <a:buFontTx/>
+              <a:buNone/>
+              <a:tabLst/>
+              <a:defRPr/>
+            </a:pPr>
+            <a:r>
+              <a:rPr lang="en-GB" sz="1200" b="0" i="0" kern="1200" dirty="0">
+                <a:solidFill>
+                  <a:schemeClr val="tx1"/>
+                </a:solidFill>
+                <a:effectLst/>
+                <a:latin typeface="+mn-lt"/>
+                <a:ea typeface="+mn-ea"/>
+                <a:cs typeface="+mn-cs"/>
+              </a:rPr>
+              <a:t>*CLICK* It generates clear test reports which are readable by all members of your delivery team. It provides sections which provide an Overview of all tests, it also shows Defects, </a:t>
+            </a:r>
+          </a:p>
+          <a:p>
+            <a:pPr marL="0" marR="0" lvl="0" indent="0" algn="l" defTabSz="914400" rtl="0" eaLnBrk="1" fontAlgn="auto" latinLnBrk="0" hangingPunct="1">
+              <a:lnSpc>
+                <a:spcPct val="100000"/>
+              </a:lnSpc>
+              <a:spcBef>
+                <a:spcPts val="0"/>
+              </a:spcBef>
+              <a:spcAft>
+                <a:spcPts val="0"/>
+              </a:spcAft>
+              <a:buClrTx/>
+              <a:buSzTx/>
+              <a:buFontTx/>
+              <a:buNone/>
+              <a:tabLst/>
+              <a:defRPr/>
+            </a:pPr>
+            <a:endParaRPr lang="en-GB" sz="1200" b="0" i="0" kern="1200" dirty="0">
+              <a:solidFill>
+                <a:schemeClr val="tx1"/>
+              </a:solidFill>
+              <a:effectLst/>
+              <a:latin typeface="+mn-lt"/>
+              <a:ea typeface="+mn-ea"/>
+              <a:cs typeface="+mn-cs"/>
+            </a:endParaRPr>
+          </a:p>
+          <a:p>
+            <a:pPr marL="0" marR="0" lvl="0" indent="0" algn="l" defTabSz="914400" rtl="0" eaLnBrk="1" fontAlgn="auto" latinLnBrk="0" hangingPunct="1">
+              <a:lnSpc>
+                <a:spcPct val="100000"/>
+              </a:lnSpc>
+              <a:spcBef>
+                <a:spcPts val="0"/>
+              </a:spcBef>
+              <a:spcAft>
+                <a:spcPts val="0"/>
+              </a:spcAft>
+              <a:buClrTx/>
+              <a:buSzTx/>
+              <a:buFontTx/>
+              <a:buNone/>
+              <a:tabLst/>
+              <a:defRPr/>
+            </a:pPr>
+            <a:r>
+              <a:rPr lang="en-GB" sz="1200" b="0" i="0" kern="1200" dirty="0">
+                <a:solidFill>
+                  <a:schemeClr val="tx1"/>
+                </a:solidFill>
+                <a:effectLst/>
+                <a:latin typeface="+mn-lt"/>
+                <a:ea typeface="+mn-ea"/>
+                <a:cs typeface="+mn-cs"/>
+              </a:rPr>
+              <a:t>*CLICK* The reports it generates are in XML and then </a:t>
+            </a:r>
+            <a:r>
+              <a:rPr lang="en-GB" sz="1200" b="0" i="0" kern="1200" dirty="0" err="1">
+                <a:solidFill>
+                  <a:schemeClr val="tx1"/>
+                </a:solidFill>
+                <a:effectLst/>
+                <a:latin typeface="+mn-lt"/>
+                <a:ea typeface="+mn-ea"/>
+                <a:cs typeface="+mn-cs"/>
+              </a:rPr>
+              <a:t>coverted</a:t>
+            </a:r>
+            <a:r>
+              <a:rPr lang="en-GB" sz="1200" b="0" i="0" kern="1200" dirty="0">
+                <a:solidFill>
+                  <a:schemeClr val="tx1"/>
+                </a:solidFill>
+                <a:effectLst/>
+                <a:latin typeface="+mn-lt"/>
+                <a:ea typeface="+mn-ea"/>
+                <a:cs typeface="+mn-cs"/>
+              </a:rPr>
+              <a:t> into an HTML web page. They can be accessed through the Jenkins UI and a new report is generated each time the tests are run, meaning the results of each Pipeline can be investigated. </a:t>
+            </a:r>
+          </a:p>
+          <a:p>
+            <a:pPr marL="0" marR="0" lvl="0" indent="0" algn="l" defTabSz="914400" rtl="0" eaLnBrk="1" fontAlgn="auto" latinLnBrk="0" hangingPunct="1">
+              <a:lnSpc>
+                <a:spcPct val="100000"/>
+              </a:lnSpc>
+              <a:spcBef>
+                <a:spcPts val="0"/>
+              </a:spcBef>
+              <a:spcAft>
+                <a:spcPts val="0"/>
+              </a:spcAft>
+              <a:buClrTx/>
+              <a:buSzTx/>
+              <a:buFontTx/>
+              <a:buNone/>
+              <a:tabLst/>
+              <a:defRPr/>
+            </a:pPr>
+            <a:endParaRPr lang="en-GB" sz="1200" b="0" i="0" kern="1200" dirty="0">
+              <a:solidFill>
+                <a:schemeClr val="tx1"/>
+              </a:solidFill>
+              <a:effectLst/>
+              <a:latin typeface="+mn-lt"/>
+              <a:ea typeface="+mn-ea"/>
+              <a:cs typeface="+mn-cs"/>
+            </a:endParaRPr>
+          </a:p>
+          <a:p>
+            <a:pPr marL="0" marR="0" lvl="0" indent="0" algn="l" defTabSz="914400" rtl="0" eaLnBrk="1" fontAlgn="auto" latinLnBrk="0" hangingPunct="1">
+              <a:lnSpc>
+                <a:spcPct val="100000"/>
+              </a:lnSpc>
+              <a:spcBef>
+                <a:spcPts val="0"/>
+              </a:spcBef>
+              <a:spcAft>
+                <a:spcPts val="0"/>
+              </a:spcAft>
+              <a:buClrTx/>
+              <a:buSzTx/>
+              <a:buFontTx/>
+              <a:buNone/>
+              <a:tabLst/>
+              <a:defRPr/>
+            </a:pPr>
+            <a:r>
+              <a:rPr lang="en-GB" sz="1200" b="0" i="0" kern="1200" dirty="0">
+                <a:solidFill>
+                  <a:schemeClr val="tx1"/>
+                </a:solidFill>
+                <a:effectLst/>
+                <a:latin typeface="+mn-lt"/>
+                <a:ea typeface="+mn-ea"/>
+                <a:cs typeface="+mn-cs"/>
+              </a:rPr>
+              <a:t>*CLICK* It is extremely easy to install using an </a:t>
+            </a:r>
+            <a:r>
+              <a:rPr lang="en-GB" sz="1200" b="0" i="0" kern="1200" dirty="0" err="1">
+                <a:solidFill>
+                  <a:schemeClr val="tx1"/>
+                </a:solidFill>
+                <a:effectLst/>
+                <a:latin typeface="+mn-lt"/>
+                <a:ea typeface="+mn-ea"/>
+                <a:cs typeface="+mn-cs"/>
+              </a:rPr>
+              <a:t>npm</a:t>
+            </a:r>
+            <a:r>
+              <a:rPr lang="en-GB" sz="1200" b="0" i="0" kern="1200" dirty="0">
+                <a:solidFill>
+                  <a:schemeClr val="tx1"/>
+                </a:solidFill>
+                <a:effectLst/>
+                <a:latin typeface="+mn-lt"/>
+                <a:ea typeface="+mn-ea"/>
+                <a:cs typeface="+mn-cs"/>
+              </a:rPr>
+              <a:t> command to generate the reports using your </a:t>
+            </a:r>
+            <a:r>
+              <a:rPr lang="en-GB" sz="1200" b="0" i="0" kern="1200" dirty="0" err="1">
+                <a:solidFill>
+                  <a:schemeClr val="tx1"/>
+                </a:solidFill>
+                <a:effectLst/>
+                <a:latin typeface="+mn-lt"/>
+                <a:ea typeface="+mn-ea"/>
+                <a:cs typeface="+mn-cs"/>
+              </a:rPr>
+              <a:t>WebDriverIO</a:t>
+            </a:r>
+            <a:r>
+              <a:rPr lang="en-GB" sz="1200" b="0" i="0" kern="1200" dirty="0">
+                <a:solidFill>
+                  <a:schemeClr val="tx1"/>
+                </a:solidFill>
+                <a:effectLst/>
+                <a:latin typeface="+mn-lt"/>
+                <a:ea typeface="+mn-ea"/>
+                <a:cs typeface="+mn-cs"/>
+              </a:rPr>
+              <a:t> config file. </a:t>
+            </a:r>
           </a:p>
         </p:txBody>
       </p:sp>
@@ -3016,7 +3520,7 @@
     </p:spTree>
     <p:extLst>
       <p:ext uri="{BB962C8B-B14F-4D97-AF65-F5344CB8AC3E}">
-        <p14:creationId xmlns:p14="http://schemas.microsoft.com/office/powerpoint/2010/main" val="633061200"/>
+        <p14:creationId xmlns:p14="http://schemas.microsoft.com/office/powerpoint/2010/main" val="948540102"/>
       </p:ext>
     </p:extLst>
   </p:cSld>
@@ -3097,7 +3601,7 @@
                 <a:ea typeface="+mn-ea"/>
                 <a:cs typeface="+mn-cs"/>
               </a:rPr>
-              <a:t>*Have users complete up to Reporting Using Allure*</a:t>
+              <a:t>That’s tonight’s Playground complete. Let’s re-cap on what we covered:</a:t>
             </a:r>
           </a:p>
           <a:p>
@@ -3156,7 +3660,31 @@
                 <a:ea typeface="+mn-ea"/>
                 <a:cs typeface="+mn-cs"/>
               </a:rPr>
-              <a:t>Before we add in the reporting capabilities I thought I’d cover what Allure reporter is.</a:t>
+              <a:t>*CLICK* We created a Jenkins Pipeline using the Jenkins UI. As I mentioned before, best practice is to create a </a:t>
+            </a:r>
+            <a:r>
+              <a:rPr lang="en-GB" sz="1200" b="0" i="0" kern="1200" dirty="0" err="1">
+                <a:solidFill>
+                  <a:schemeClr val="tx1"/>
+                </a:solidFill>
+                <a:effectLst/>
+                <a:latin typeface="+mn-lt"/>
+                <a:ea typeface="+mn-ea"/>
+                <a:cs typeface="+mn-cs"/>
+              </a:rPr>
+              <a:t>Jenkinsfile</a:t>
+            </a:r>
+            <a:r>
+              <a:rPr lang="en-GB" sz="1200" b="0" i="0" kern="1200" dirty="0">
+                <a:solidFill>
+                  <a:schemeClr val="tx1"/>
+                </a:solidFill>
+                <a:effectLst/>
+                <a:latin typeface="+mn-lt"/>
+                <a:ea typeface="+mn-ea"/>
+                <a:cs typeface="+mn-cs"/>
+              </a:rPr>
+              <a:t> in your code repository to allow for greater visibility on changes etc.</a:t>
             </a:r>
           </a:p>
           <a:p>
@@ -3215,7 +3743,103 @@
                 <a:ea typeface="+mn-ea"/>
                 <a:cs typeface="+mn-cs"/>
               </a:rPr>
-              <a:t>*CLICK* It’s an open-source test reporter created by the Yandex testing team. </a:t>
+              <a:t>*CLICK* Our Pipeline did the following: pulled dependencies and checked out code from Git in parallel. Started our </a:t>
+            </a:r>
+            <a:r>
+              <a:rPr lang="en-GB" sz="1200" b="0" i="0" kern="1200" dirty="0" err="1">
+                <a:solidFill>
+                  <a:schemeClr val="tx1"/>
+                </a:solidFill>
+                <a:effectLst/>
+                <a:latin typeface="+mn-lt"/>
+                <a:ea typeface="+mn-ea"/>
+                <a:cs typeface="+mn-cs"/>
+              </a:rPr>
+              <a:t>Zalenium</a:t>
+            </a:r>
+            <a:r>
+              <a:rPr lang="en-GB" sz="1200" b="0" i="0" kern="1200" dirty="0">
+                <a:solidFill>
+                  <a:schemeClr val="tx1"/>
+                </a:solidFill>
+                <a:effectLst/>
+                <a:latin typeface="+mn-lt"/>
+                <a:ea typeface="+mn-ea"/>
+                <a:cs typeface="+mn-cs"/>
+              </a:rPr>
+              <a:t> in Docker. Ran our WebDriver IO tests on our </a:t>
+            </a:r>
+            <a:r>
+              <a:rPr lang="en-GB" sz="1200" b="0" i="0" kern="1200" dirty="0" err="1">
+                <a:solidFill>
+                  <a:schemeClr val="tx1"/>
+                </a:solidFill>
+                <a:effectLst/>
+                <a:latin typeface="+mn-lt"/>
+                <a:ea typeface="+mn-ea"/>
+                <a:cs typeface="+mn-cs"/>
+              </a:rPr>
+              <a:t>Zalenium</a:t>
+            </a:r>
+            <a:r>
+              <a:rPr lang="en-GB" sz="1200" b="0" i="0" kern="1200" dirty="0">
+                <a:solidFill>
+                  <a:schemeClr val="tx1"/>
+                </a:solidFill>
+                <a:effectLst/>
+                <a:latin typeface="+mn-lt"/>
+                <a:ea typeface="+mn-ea"/>
+                <a:cs typeface="+mn-cs"/>
+              </a:rPr>
+              <a:t> VMs in Docker. Generated HTML </a:t>
+            </a:r>
+            <a:r>
+              <a:rPr lang="en-GB" sz="1200" b="0" i="0" kern="1200" dirty="0" err="1">
+                <a:solidFill>
+                  <a:schemeClr val="tx1"/>
+                </a:solidFill>
+                <a:effectLst/>
+                <a:latin typeface="+mn-lt"/>
+                <a:ea typeface="+mn-ea"/>
+                <a:cs typeface="+mn-cs"/>
+              </a:rPr>
+              <a:t>WebDriverIO</a:t>
+            </a:r>
+            <a:r>
+              <a:rPr lang="en-GB" sz="1200" b="0" i="0" kern="1200" dirty="0">
+                <a:solidFill>
+                  <a:schemeClr val="tx1"/>
+                </a:solidFill>
+                <a:effectLst/>
+                <a:latin typeface="+mn-lt"/>
+                <a:ea typeface="+mn-ea"/>
+                <a:cs typeface="+mn-cs"/>
+              </a:rPr>
+              <a:t> reports using Allure. Stopped the </a:t>
+            </a:r>
+            <a:r>
+              <a:rPr lang="en-GB" sz="1200" b="0" i="0" kern="1200" dirty="0" err="1">
+                <a:solidFill>
+                  <a:schemeClr val="tx1"/>
+                </a:solidFill>
+                <a:effectLst/>
+                <a:latin typeface="+mn-lt"/>
+                <a:ea typeface="+mn-ea"/>
+                <a:cs typeface="+mn-cs"/>
+              </a:rPr>
+              <a:t>Zalenium</a:t>
+            </a:r>
+            <a:r>
+              <a:rPr lang="en-GB" sz="1200" b="0" i="0" kern="1200" dirty="0">
+                <a:solidFill>
+                  <a:schemeClr val="tx1"/>
+                </a:solidFill>
+                <a:effectLst/>
+                <a:latin typeface="+mn-lt"/>
+                <a:ea typeface="+mn-ea"/>
+                <a:cs typeface="+mn-cs"/>
+              </a:rPr>
+              <a:t> containers.</a:t>
             </a:r>
           </a:p>
           <a:p>
@@ -3274,197 +3898,7 @@
                 <a:ea typeface="+mn-ea"/>
                 <a:cs typeface="+mn-cs"/>
               </a:rPr>
-              <a:t>*CLICK* It generates clear test reports which are readable by all members of your delivery team. It provides sections which provide an Overview of all tests, it also shows Defects, </a:t>
-            </a:r>
-          </a:p>
-          <a:p>
-            <a:pPr marL="0" marR="0" lvl="0" indent="0" algn="l" defTabSz="914400" rtl="0" eaLnBrk="1" fontAlgn="auto" latinLnBrk="0" hangingPunct="1">
-              <a:lnSpc>
-                <a:spcPct val="100000"/>
-              </a:lnSpc>
-              <a:spcBef>
-                <a:spcPts val="0"/>
-              </a:spcBef>
-              <a:spcAft>
-                <a:spcPts val="0"/>
-              </a:spcAft>
-              <a:buClrTx/>
-              <a:buSzTx/>
-              <a:buFontTx/>
-              <a:buNone/>
-              <a:tabLst/>
-              <a:defRPr/>
-            </a:pPr>
-            <a:endParaRPr lang="en-GB" sz="1200" b="0" i="0" kern="1200" dirty="0">
-              <a:solidFill>
-                <a:schemeClr val="tx1"/>
-              </a:solidFill>
-              <a:effectLst/>
-              <a:latin typeface="+mn-lt"/>
-              <a:ea typeface="+mn-ea"/>
-              <a:cs typeface="+mn-cs"/>
-            </a:endParaRPr>
-          </a:p>
-          <a:p>
-            <a:pPr marL="0" marR="0" lvl="0" indent="0" algn="l" defTabSz="914400" rtl="0" eaLnBrk="1" fontAlgn="auto" latinLnBrk="0" hangingPunct="1">
-              <a:lnSpc>
-                <a:spcPct val="100000"/>
-              </a:lnSpc>
-              <a:spcBef>
-                <a:spcPts val="0"/>
-              </a:spcBef>
-              <a:spcAft>
-                <a:spcPts val="0"/>
-              </a:spcAft>
-              <a:buClrTx/>
-              <a:buSzTx/>
-              <a:buFontTx/>
-              <a:buNone/>
-              <a:tabLst/>
-              <a:defRPr/>
-            </a:pPr>
-            <a:r>
-              <a:rPr lang="en-GB" sz="1200" b="0" i="0" kern="1200" dirty="0">
-                <a:solidFill>
-                  <a:schemeClr val="tx1"/>
-                </a:solidFill>
-                <a:effectLst/>
-                <a:latin typeface="+mn-lt"/>
-                <a:ea typeface="+mn-ea"/>
-                <a:cs typeface="+mn-cs"/>
-              </a:rPr>
-              <a:t>*CLICK* The reports it generates are in XML and then </a:t>
-            </a:r>
-            <a:r>
-              <a:rPr lang="en-GB" sz="1200" b="0" i="0" kern="1200" dirty="0" err="1">
-                <a:solidFill>
-                  <a:schemeClr val="tx1"/>
-                </a:solidFill>
-                <a:effectLst/>
-                <a:latin typeface="+mn-lt"/>
-                <a:ea typeface="+mn-ea"/>
-                <a:cs typeface="+mn-cs"/>
-              </a:rPr>
-              <a:t>coverted</a:t>
-            </a:r>
-            <a:r>
-              <a:rPr lang="en-GB" sz="1200" b="0" i="0" kern="1200" dirty="0">
-                <a:solidFill>
-                  <a:schemeClr val="tx1"/>
-                </a:solidFill>
-                <a:effectLst/>
-                <a:latin typeface="+mn-lt"/>
-                <a:ea typeface="+mn-ea"/>
-                <a:cs typeface="+mn-cs"/>
-              </a:rPr>
-              <a:t> into an HTML web page. They can be accessed through the Jenkins UI and a new report is generated each time the tests are run, meaning the results of each Pipeline can be investigated. </a:t>
-            </a:r>
-          </a:p>
-          <a:p>
-            <a:pPr marL="0" marR="0" lvl="0" indent="0" algn="l" defTabSz="914400" rtl="0" eaLnBrk="1" fontAlgn="auto" latinLnBrk="0" hangingPunct="1">
-              <a:lnSpc>
-                <a:spcPct val="100000"/>
-              </a:lnSpc>
-              <a:spcBef>
-                <a:spcPts val="0"/>
-              </a:spcBef>
-              <a:spcAft>
-                <a:spcPts val="0"/>
-              </a:spcAft>
-              <a:buClrTx/>
-              <a:buSzTx/>
-              <a:buFontTx/>
-              <a:buNone/>
-              <a:tabLst/>
-              <a:defRPr/>
-            </a:pPr>
-            <a:endParaRPr lang="en-GB" sz="1200" b="0" i="0" kern="1200" dirty="0">
-              <a:solidFill>
-                <a:schemeClr val="tx1"/>
-              </a:solidFill>
-              <a:effectLst/>
-              <a:latin typeface="+mn-lt"/>
-              <a:ea typeface="+mn-ea"/>
-              <a:cs typeface="+mn-cs"/>
-            </a:endParaRPr>
-          </a:p>
-          <a:p>
-            <a:pPr marL="0" marR="0" lvl="0" indent="0" algn="l" defTabSz="914400" rtl="0" eaLnBrk="1" fontAlgn="auto" latinLnBrk="0" hangingPunct="1">
-              <a:lnSpc>
-                <a:spcPct val="100000"/>
-              </a:lnSpc>
-              <a:spcBef>
-                <a:spcPts val="0"/>
-              </a:spcBef>
-              <a:spcAft>
-                <a:spcPts val="0"/>
-              </a:spcAft>
-              <a:buClrTx/>
-              <a:buSzTx/>
-              <a:buFontTx/>
-              <a:buNone/>
-              <a:tabLst/>
-              <a:defRPr/>
-            </a:pPr>
-            <a:r>
-              <a:rPr lang="en-GB" sz="1200" b="0" i="0" kern="1200" dirty="0">
-                <a:solidFill>
-                  <a:schemeClr val="tx1"/>
-                </a:solidFill>
-                <a:effectLst/>
-                <a:latin typeface="+mn-lt"/>
-                <a:ea typeface="+mn-ea"/>
-                <a:cs typeface="+mn-cs"/>
-              </a:rPr>
-              <a:t>*CLICK* It is extremely easy to install using an </a:t>
-            </a:r>
-            <a:r>
-              <a:rPr lang="en-GB" sz="1200" b="0" i="0" kern="1200" dirty="0" err="1">
-                <a:solidFill>
-                  <a:schemeClr val="tx1"/>
-                </a:solidFill>
-                <a:effectLst/>
-                <a:latin typeface="+mn-lt"/>
-                <a:ea typeface="+mn-ea"/>
-                <a:cs typeface="+mn-cs"/>
-              </a:rPr>
-              <a:t>npm</a:t>
-            </a:r>
-            <a:r>
-              <a:rPr lang="en-GB" sz="1200" b="0" i="0" kern="1200" dirty="0">
-                <a:solidFill>
-                  <a:schemeClr val="tx1"/>
-                </a:solidFill>
-                <a:effectLst/>
-                <a:latin typeface="+mn-lt"/>
-                <a:ea typeface="+mn-ea"/>
-                <a:cs typeface="+mn-cs"/>
-              </a:rPr>
-              <a:t> command to generate the reports using your </a:t>
-            </a:r>
-            <a:r>
-              <a:rPr lang="en-GB" sz="1200" b="0" i="0" kern="1200" dirty="0" err="1">
-                <a:solidFill>
-                  <a:schemeClr val="tx1"/>
-                </a:solidFill>
-                <a:effectLst/>
-                <a:latin typeface="+mn-lt"/>
-                <a:ea typeface="+mn-ea"/>
-                <a:cs typeface="+mn-cs"/>
-              </a:rPr>
-              <a:t>WebDriverIO</a:t>
-            </a:r>
-            <a:r>
-              <a:rPr lang="en-GB" sz="1200" b="0" i="0" kern="1200" dirty="0">
-                <a:solidFill>
-                  <a:schemeClr val="tx1"/>
-                </a:solidFill>
-                <a:effectLst/>
-                <a:latin typeface="+mn-lt"/>
-                <a:ea typeface="+mn-ea"/>
-                <a:cs typeface="+mn-cs"/>
-              </a:rPr>
-              <a:t> config file. </a:t>
+              <a:t>Usually these tests would be running as part of a build process. Typical flow may be that a developer checks in code, the latest build is deployed to a test environment and then these tests are run. We’ve decided to highlight the testing part of the pipeline tonight, to further highlight the benefits of Continuous Testing in a CI/CD tool such as Jenkins Pipeline.</a:t>
             </a:r>
           </a:p>
         </p:txBody>
@@ -3495,7 +3929,7 @@
     </p:spTree>
     <p:extLst>
       <p:ext uri="{BB962C8B-B14F-4D97-AF65-F5344CB8AC3E}">
-        <p14:creationId xmlns:p14="http://schemas.microsoft.com/office/powerpoint/2010/main" val="948540102"/>
+        <p14:creationId xmlns:p14="http://schemas.microsoft.com/office/powerpoint/2010/main" val="1901955329"/>
       </p:ext>
     </p:extLst>
   </p:cSld>
@@ -3549,331 +3983,18 @@
           <a:bodyPr/>
           <a:lstStyle/>
           <a:p>
-            <a:pPr marL="0" marR="0" lvl="0" indent="0" algn="l" defTabSz="914400" rtl="0" eaLnBrk="1" fontAlgn="auto" latinLnBrk="0" hangingPunct="1">
-              <a:lnSpc>
-                <a:spcPct val="100000"/>
-              </a:lnSpc>
-              <a:spcBef>
-                <a:spcPts val="0"/>
-              </a:spcBef>
-              <a:spcAft>
-                <a:spcPts val="0"/>
-              </a:spcAft>
-              <a:buClrTx/>
-              <a:buSzTx/>
-              <a:buFontTx/>
-              <a:buNone/>
-              <a:tabLst/>
-              <a:defRPr/>
-            </a:pPr>
-            <a:r>
-              <a:rPr lang="en-GB" sz="1200" b="0" i="0" kern="1200" dirty="0">
-                <a:solidFill>
-                  <a:schemeClr val="tx1"/>
-                </a:solidFill>
-                <a:effectLst/>
-                <a:latin typeface="+mn-lt"/>
-                <a:ea typeface="+mn-ea"/>
-                <a:cs typeface="+mn-cs"/>
-              </a:rPr>
-              <a:t>That’s tonight’s Playground complete. Let’s re-cap on what we covered:</a:t>
-            </a:r>
-          </a:p>
-          <a:p>
-            <a:pPr marL="0" marR="0" lvl="0" indent="0" algn="l" defTabSz="914400" rtl="0" eaLnBrk="1" fontAlgn="auto" latinLnBrk="0" hangingPunct="1">
-              <a:lnSpc>
-                <a:spcPct val="100000"/>
-              </a:lnSpc>
-              <a:spcBef>
-                <a:spcPts val="0"/>
-              </a:spcBef>
-              <a:spcAft>
-                <a:spcPts val="0"/>
-              </a:spcAft>
-              <a:buClrTx/>
-              <a:buSzTx/>
-              <a:buFontTx/>
-              <a:buNone/>
-              <a:tabLst/>
-              <a:defRPr/>
-            </a:pPr>
-            <a:endParaRPr lang="en-GB" sz="1200" b="0" i="0" kern="1200" dirty="0">
-              <a:solidFill>
-                <a:schemeClr val="tx1"/>
-              </a:solidFill>
-              <a:effectLst/>
-              <a:latin typeface="+mn-lt"/>
-              <a:ea typeface="+mn-ea"/>
-              <a:cs typeface="+mn-cs"/>
-            </a:endParaRPr>
-          </a:p>
-          <a:p>
-            <a:pPr marL="0" marR="0" lvl="0" indent="0" algn="l" defTabSz="914400" rtl="0" eaLnBrk="1" fontAlgn="auto" latinLnBrk="0" hangingPunct="1">
-              <a:lnSpc>
-                <a:spcPct val="100000"/>
-              </a:lnSpc>
-              <a:spcBef>
-                <a:spcPts val="0"/>
-              </a:spcBef>
-              <a:spcAft>
-                <a:spcPts val="0"/>
-              </a:spcAft>
-              <a:buClrTx/>
-              <a:buSzTx/>
-              <a:buFontTx/>
-              <a:buNone/>
-              <a:tabLst/>
-              <a:defRPr/>
-            </a:pPr>
-            <a:r>
-              <a:rPr lang="en-GB" sz="1200" b="0" i="0" kern="1200" dirty="0">
-                <a:solidFill>
-                  <a:schemeClr val="tx1"/>
-                </a:solidFill>
-                <a:effectLst/>
-                <a:latin typeface="+mn-lt"/>
-                <a:ea typeface="+mn-ea"/>
-                <a:cs typeface="+mn-cs"/>
-              </a:rPr>
-              <a:t>*CLICK* We created a Jenkins Pipeline using the Jenkins UI. As I mentioned before, best practice is to create a </a:t>
-            </a:r>
-            <a:r>
-              <a:rPr lang="en-GB" sz="1200" b="0" i="0" kern="1200" dirty="0" err="1">
-                <a:solidFill>
-                  <a:schemeClr val="tx1"/>
-                </a:solidFill>
-                <a:effectLst/>
-                <a:latin typeface="+mn-lt"/>
-                <a:ea typeface="+mn-ea"/>
-                <a:cs typeface="+mn-cs"/>
-              </a:rPr>
-              <a:t>Jenkinsfile</a:t>
-            </a:r>
-            <a:r>
-              <a:rPr lang="en-GB" sz="1200" b="0" i="0" kern="1200" dirty="0">
-                <a:solidFill>
-                  <a:schemeClr val="tx1"/>
-                </a:solidFill>
-                <a:effectLst/>
-                <a:latin typeface="+mn-lt"/>
-                <a:ea typeface="+mn-ea"/>
-                <a:cs typeface="+mn-cs"/>
-              </a:rPr>
-              <a:t> in your code repository to allow for greater visibility on changes etc.</a:t>
-            </a:r>
-          </a:p>
-          <a:p>
-            <a:pPr marL="0" marR="0" lvl="0" indent="0" algn="l" defTabSz="914400" rtl="0" eaLnBrk="1" fontAlgn="auto" latinLnBrk="0" hangingPunct="1">
-              <a:lnSpc>
-                <a:spcPct val="100000"/>
-              </a:lnSpc>
-              <a:spcBef>
-                <a:spcPts val="0"/>
-              </a:spcBef>
-              <a:spcAft>
-                <a:spcPts val="0"/>
-              </a:spcAft>
-              <a:buClrTx/>
-              <a:buSzTx/>
-              <a:buFontTx/>
-              <a:buNone/>
-              <a:tabLst/>
-              <a:defRPr/>
-            </a:pPr>
-            <a:endParaRPr lang="en-GB" sz="1200" b="0" i="0" kern="1200" dirty="0">
-              <a:solidFill>
-                <a:schemeClr val="tx1"/>
-              </a:solidFill>
-              <a:effectLst/>
-              <a:latin typeface="+mn-lt"/>
-              <a:ea typeface="+mn-ea"/>
-              <a:cs typeface="+mn-cs"/>
-            </a:endParaRPr>
-          </a:p>
-          <a:p>
-            <a:pPr marL="0" marR="0" lvl="0" indent="0" algn="l" defTabSz="914400" rtl="0" eaLnBrk="1" fontAlgn="auto" latinLnBrk="0" hangingPunct="1">
-              <a:lnSpc>
-                <a:spcPct val="100000"/>
-              </a:lnSpc>
-              <a:spcBef>
-                <a:spcPts val="0"/>
-              </a:spcBef>
-              <a:spcAft>
-                <a:spcPts val="0"/>
-              </a:spcAft>
-              <a:buClrTx/>
-              <a:buSzTx/>
-              <a:buFontTx/>
-              <a:buNone/>
-              <a:tabLst/>
-              <a:defRPr/>
-            </a:pPr>
-            <a:r>
-              <a:rPr lang="en-GB" sz="1200" b="0" i="0" kern="1200" dirty="0">
-                <a:solidFill>
-                  <a:schemeClr val="tx1"/>
-                </a:solidFill>
-                <a:effectLst/>
-                <a:latin typeface="+mn-lt"/>
-                <a:ea typeface="+mn-ea"/>
-                <a:cs typeface="+mn-cs"/>
-              </a:rPr>
-              <a:t>*CLICK* Our Pipeline did the following: pulled dependencies and checked out code from Git in parallel. Started our </a:t>
-            </a:r>
-            <a:r>
-              <a:rPr lang="en-GB" sz="1200" b="0" i="0" kern="1200" dirty="0" err="1">
-                <a:solidFill>
-                  <a:schemeClr val="tx1"/>
-                </a:solidFill>
-                <a:effectLst/>
-                <a:latin typeface="+mn-lt"/>
-                <a:ea typeface="+mn-ea"/>
-                <a:cs typeface="+mn-cs"/>
-              </a:rPr>
-              <a:t>Zalenium</a:t>
-            </a:r>
-            <a:r>
-              <a:rPr lang="en-GB" sz="1200" b="0" i="0" kern="1200" dirty="0">
-                <a:solidFill>
-                  <a:schemeClr val="tx1"/>
-                </a:solidFill>
-                <a:effectLst/>
-                <a:latin typeface="+mn-lt"/>
-                <a:ea typeface="+mn-ea"/>
-                <a:cs typeface="+mn-cs"/>
-              </a:rPr>
-              <a:t> in Docker. Ran our WebDriver IO tests on our </a:t>
-            </a:r>
-            <a:r>
-              <a:rPr lang="en-GB" sz="1200" b="0" i="0" kern="1200" dirty="0" err="1">
-                <a:solidFill>
-                  <a:schemeClr val="tx1"/>
-                </a:solidFill>
-                <a:effectLst/>
-                <a:latin typeface="+mn-lt"/>
-                <a:ea typeface="+mn-ea"/>
-                <a:cs typeface="+mn-cs"/>
-              </a:rPr>
-              <a:t>Zalenium</a:t>
-            </a:r>
-            <a:r>
-              <a:rPr lang="en-GB" sz="1200" b="0" i="0" kern="1200" dirty="0">
-                <a:solidFill>
-                  <a:schemeClr val="tx1"/>
-                </a:solidFill>
-                <a:effectLst/>
-                <a:latin typeface="+mn-lt"/>
-                <a:ea typeface="+mn-ea"/>
-                <a:cs typeface="+mn-cs"/>
-              </a:rPr>
-              <a:t> VMs in Docker. Generated HTML </a:t>
-            </a:r>
-            <a:r>
-              <a:rPr lang="en-GB" sz="1200" b="0" i="0" kern="1200" dirty="0" err="1">
-                <a:solidFill>
-                  <a:schemeClr val="tx1"/>
-                </a:solidFill>
-                <a:effectLst/>
-                <a:latin typeface="+mn-lt"/>
-                <a:ea typeface="+mn-ea"/>
-                <a:cs typeface="+mn-cs"/>
-              </a:rPr>
-              <a:t>WebDriverIO</a:t>
-            </a:r>
-            <a:r>
-              <a:rPr lang="en-GB" sz="1200" b="0" i="0" kern="1200" dirty="0">
-                <a:solidFill>
-                  <a:schemeClr val="tx1"/>
-                </a:solidFill>
-                <a:effectLst/>
-                <a:latin typeface="+mn-lt"/>
-                <a:ea typeface="+mn-ea"/>
-                <a:cs typeface="+mn-cs"/>
-              </a:rPr>
-              <a:t> reports using Allure. Stopped the </a:t>
-            </a:r>
-            <a:r>
-              <a:rPr lang="en-GB" sz="1200" b="0" i="0" kern="1200" dirty="0" err="1">
-                <a:solidFill>
-                  <a:schemeClr val="tx1"/>
-                </a:solidFill>
-                <a:effectLst/>
-                <a:latin typeface="+mn-lt"/>
-                <a:ea typeface="+mn-ea"/>
-                <a:cs typeface="+mn-cs"/>
-              </a:rPr>
-              <a:t>Zalenium</a:t>
-            </a:r>
-            <a:r>
-              <a:rPr lang="en-GB" sz="1200" b="0" i="0" kern="1200" dirty="0">
-                <a:solidFill>
-                  <a:schemeClr val="tx1"/>
-                </a:solidFill>
-                <a:effectLst/>
-                <a:latin typeface="+mn-lt"/>
-                <a:ea typeface="+mn-ea"/>
-                <a:cs typeface="+mn-cs"/>
-              </a:rPr>
-              <a:t> containers.</a:t>
-            </a:r>
-          </a:p>
-          <a:p>
-            <a:pPr marL="0" marR="0" lvl="0" indent="0" algn="l" defTabSz="914400" rtl="0" eaLnBrk="1" fontAlgn="auto" latinLnBrk="0" hangingPunct="1">
-              <a:lnSpc>
-                <a:spcPct val="100000"/>
-              </a:lnSpc>
-              <a:spcBef>
-                <a:spcPts val="0"/>
-              </a:spcBef>
-              <a:spcAft>
-                <a:spcPts val="0"/>
-              </a:spcAft>
-              <a:buClrTx/>
-              <a:buSzTx/>
-              <a:buFontTx/>
-              <a:buNone/>
-              <a:tabLst/>
-              <a:defRPr/>
-            </a:pPr>
-            <a:endParaRPr lang="en-GB" sz="1200" b="0" i="0" kern="1200" dirty="0">
-              <a:solidFill>
-                <a:schemeClr val="tx1"/>
-              </a:solidFill>
-              <a:effectLst/>
-              <a:latin typeface="+mn-lt"/>
-              <a:ea typeface="+mn-ea"/>
-              <a:cs typeface="+mn-cs"/>
-            </a:endParaRPr>
-          </a:p>
-          <a:p>
-            <a:pPr marL="0" marR="0" lvl="0" indent="0" algn="l" defTabSz="914400" rtl="0" eaLnBrk="1" fontAlgn="auto" latinLnBrk="0" hangingPunct="1">
-              <a:lnSpc>
-                <a:spcPct val="100000"/>
-              </a:lnSpc>
-              <a:spcBef>
-                <a:spcPts val="0"/>
-              </a:spcBef>
-              <a:spcAft>
-                <a:spcPts val="0"/>
-              </a:spcAft>
-              <a:buClrTx/>
-              <a:buSzTx/>
-              <a:buFontTx/>
-              <a:buNone/>
-              <a:tabLst/>
-              <a:defRPr/>
-            </a:pPr>
-            <a:r>
-              <a:rPr lang="en-GB" sz="1200" b="0" i="0" kern="1200" dirty="0">
-                <a:solidFill>
-                  <a:schemeClr val="tx1"/>
-                </a:solidFill>
-                <a:effectLst/>
-                <a:latin typeface="+mn-lt"/>
-                <a:ea typeface="+mn-ea"/>
-                <a:cs typeface="+mn-cs"/>
-              </a:rPr>
-              <a:t>Usually these tests would be running as part of a build process. Typical flow may be that a developer checks in code, the latest build is deployed to a test environment and then these tests are run. We’ve decided to highlight the testing part of the pipeline tonight, to further highlight the benefits of Continuous Testing in a CI/CD tool such as Jenkins Pipeline.</a:t>
+            <a:r>
+              <a:rPr lang="en-US" dirty="0"/>
+              <a:t>Thank you very much for attending tonight’s Playground hosted by ECS Digital.</a:t>
+            </a:r>
+          </a:p>
+          <a:p>
+            <a:endParaRPr lang="en-US" dirty="0"/>
+          </a:p>
+          <a:p>
+            <a:r>
+              <a:rPr lang="en-US" dirty="0"/>
+              <a:t>If you have any questions at all then please feel free to ask. If you don’t want to ask just now then feel free to ask us over pizza! Thank you.</a:t>
             </a:r>
           </a:p>
         </p:txBody>
@@ -3896,102 +4017,6 @@
             <a:fld id="{7A507E9C-E9CF-45CC-A225-331D2025989C}" type="slidenum">
               <a:rPr lang="en-GB" smtClean="0"/>
               <a:t>17</a:t>
-            </a:fld>
-            <a:endParaRPr lang="en-GB" dirty="0"/>
-          </a:p>
-        </p:txBody>
-      </p:sp>
-    </p:spTree>
-    <p:extLst>
-      <p:ext uri="{BB962C8B-B14F-4D97-AF65-F5344CB8AC3E}">
-        <p14:creationId xmlns:p14="http://schemas.microsoft.com/office/powerpoint/2010/main" val="1901955329"/>
-      </p:ext>
-    </p:extLst>
-  </p:cSld>
-  <p:clrMapOvr>
-    <a:masterClrMapping/>
-  </p:clrMapOvr>
-</p:notes>
-</file>
-
-<file path=ppt/notesSlides/notesSlide18.xml><?xml version="1.0" encoding="utf-8"?>
-<p:notes xmlns:a="http://schemas.openxmlformats.org/drawingml/2006/main" xmlns:r="http://schemas.openxmlformats.org/officeDocument/2006/relationships" xmlns:p="http://schemas.openxmlformats.org/presentationml/2006/main">
-  <p:cSld>
-    <p:spTree>
-      <p:nvGrpSpPr>
-        <p:cNvPr id="1" name=""/>
-        <p:cNvGrpSpPr/>
-        <p:nvPr/>
-      </p:nvGrpSpPr>
-      <p:grpSpPr>
-        <a:xfrm>
-          <a:off x="0" y="0"/>
-          <a:ext cx="0" cy="0"/>
-          <a:chOff x="0" y="0"/>
-          <a:chExt cx="0" cy="0"/>
-        </a:xfrm>
-      </p:grpSpPr>
-      <p:sp>
-        <p:nvSpPr>
-          <p:cNvPr id="2" name="Slide Image Placeholder 1"/>
-          <p:cNvSpPr>
-            <a:spLocks noGrp="1" noRot="1" noChangeAspect="1"/>
-          </p:cNvSpPr>
-          <p:nvPr>
-            <p:ph type="sldImg"/>
-          </p:nvPr>
-        </p:nvSpPr>
-        <p:spPr/>
-      </p:sp>
-      <p:sp>
-        <p:nvSpPr>
-          <p:cNvPr id="3" name="Notes Placeholder 2"/>
-          <p:cNvSpPr>
-            <a:spLocks noGrp="1"/>
-          </p:cNvSpPr>
-          <p:nvPr>
-            <p:ph type="body" idx="1"/>
-          </p:nvPr>
-        </p:nvSpPr>
-        <p:spPr/>
-        <p:txBody>
-          <a:bodyPr/>
-          <a:lstStyle/>
-          <a:p>
-            <a:r>
-              <a:rPr lang="en-US" dirty="0"/>
-              <a:t>Thank you very much for attending tonight’s Playground hosted by ECS Digital.</a:t>
-            </a:r>
-          </a:p>
-          <a:p>
-            <a:endParaRPr lang="en-US" dirty="0"/>
-          </a:p>
-          <a:p>
-            <a:r>
-              <a:rPr lang="en-US" dirty="0"/>
-              <a:t>If you have any questions at all then please feel free to ask. If you don’t want to ask just now then feel free to ask us over pizza! Thank you.</a:t>
-            </a:r>
-          </a:p>
-        </p:txBody>
-      </p:sp>
-      <p:sp>
-        <p:nvSpPr>
-          <p:cNvPr id="4" name="Slide Number Placeholder 3"/>
-          <p:cNvSpPr>
-            <a:spLocks noGrp="1"/>
-          </p:cNvSpPr>
-          <p:nvPr>
-            <p:ph type="sldNum" sz="quarter" idx="5"/>
-          </p:nvPr>
-        </p:nvSpPr>
-        <p:spPr/>
-        <p:txBody>
-          <a:bodyPr/>
-          <a:lstStyle/>
-          <a:p>
-            <a:fld id="{7A507E9C-E9CF-45CC-A225-331D2025989C}" type="slidenum">
-              <a:rPr lang="en-GB" smtClean="0"/>
-              <a:t>18</a:t>
             </a:fld>
             <a:endParaRPr lang="en-GB" dirty="0"/>
           </a:p>
@@ -4570,7 +4595,7 @@
           <a:p>
             <a:r>
               <a:rPr lang="en-US" dirty="0"/>
-              <a:t>*CLICK* A lot of time is invested in setting up and maintaining your own Selenium Grid. Having all browser versions updated and in line with the Selenium WebDriver browser drivers is often a frustrating process. </a:t>
+              <a:t>*CLICK* A lot of time is invested in setting up and maintaining your own Selenium Grid. Having all browser versions updated and in line with the Selenium WebDriver  drivers is often a frustrating process. </a:t>
             </a:r>
           </a:p>
           <a:p>
@@ -4905,7 +4930,7 @@
             </a:pPr>
             <a:r>
               <a:rPr lang="en-US" dirty="0"/>
-              <a:t>Being able to get fast feedback from </a:t>
+              <a:t>Being able to get fast feedback from our test runs.</a:t>
             </a:r>
           </a:p>
         </p:txBody>
@@ -5313,7 +5338,7 @@
                 <a:ea typeface="+mn-ea"/>
                 <a:cs typeface="+mn-cs"/>
               </a:rPr>
-              <a:t>. Activities can be triggered by pull requests being completed into a code repository, for example.</a:t>
+              <a:t>. Activities can be triggered by pull requests being completed into a code repository, as an example.</a:t>
             </a:r>
           </a:p>
           <a:p>
@@ -10609,8 +10634,12 @@
           <a:lstStyle/>
           <a:p>
             <a:r>
+              <a:rPr lang="en-US" sz="2300" dirty="0" err="1"/>
+              <a:t>Javascript</a:t>
+            </a:r>
+            <a:r>
               <a:rPr lang="en-US" sz="2300" dirty="0"/>
-              <a:t>WebDriver IO:</a:t>
+              <a:t> - WebDriver IO:</a:t>
             </a:r>
           </a:p>
           <a:p>
@@ -11064,207 +11093,6 @@
           <a:p>
             <a:r>
               <a:rPr lang="en-US" sz="2300" dirty="0"/>
-              <a:t>WebDriver IO:</a:t>
-            </a:r>
-          </a:p>
-        </p:txBody>
-      </p:sp>
-      <p:sp>
-        <p:nvSpPr>
-          <p:cNvPr id="3" name="Footer Placeholder 2"/>
-          <p:cNvSpPr>
-            <a:spLocks noGrp="1"/>
-          </p:cNvSpPr>
-          <p:nvPr>
-            <p:ph type="ftr" sz="quarter" idx="3"/>
-          </p:nvPr>
-        </p:nvSpPr>
-        <p:spPr>
-          <a:xfrm>
-            <a:off x="3124200" y="6356351"/>
-            <a:ext cx="2895600" cy="365125"/>
-          </a:xfrm>
-        </p:spPr>
-        <p:txBody>
-          <a:bodyPr/>
-          <a:lstStyle/>
-          <a:p>
-            <a:r>
-              <a:rPr lang="en-GB" sz="1600"/>
-              <a:t>#DevOpsPlayground</a:t>
-            </a:r>
-            <a:endParaRPr lang="en-GB" sz="1600" dirty="0"/>
-          </a:p>
-        </p:txBody>
-      </p:sp>
-      <p:sp>
-        <p:nvSpPr>
-          <p:cNvPr id="4" name="TextBox 3"/>
-          <p:cNvSpPr txBox="1"/>
-          <p:nvPr/>
-        </p:nvSpPr>
-        <p:spPr>
-          <a:xfrm>
-            <a:off x="611560" y="692696"/>
-            <a:ext cx="7920880" cy="523220"/>
-          </a:xfrm>
-          <a:prstGeom prst="rect">
-            <a:avLst/>
-          </a:prstGeom>
-          <a:noFill/>
-        </p:spPr>
-        <p:txBody>
-          <a:bodyPr wrap="square" rtlCol="0">
-            <a:spAutoFit/>
-          </a:bodyPr>
-          <a:lstStyle/>
-          <a:p>
-            <a:r>
-              <a:rPr lang="en-GB" sz="2800" dirty="0">
-                <a:solidFill>
-                  <a:srgbClr val="0070B7"/>
-                </a:solidFill>
-                <a:latin typeface="Arial" panose="020B0604020202020204" pitchFamily="34" charset="0"/>
-                <a:cs typeface="Arial" panose="020B0604020202020204" pitchFamily="34" charset="0"/>
-              </a:rPr>
-              <a:t>Test Code – Structure</a:t>
-            </a:r>
-          </a:p>
-        </p:txBody>
-      </p:sp>
-    </p:spTree>
-    <p:extLst>
-      <p:ext uri="{BB962C8B-B14F-4D97-AF65-F5344CB8AC3E}">
-        <p14:creationId xmlns:p14="http://schemas.microsoft.com/office/powerpoint/2010/main" val="2070558194"/>
-      </p:ext>
-    </p:extLst>
-  </p:cSld>
-  <p:clrMapOvr>
-    <a:masterClrMapping/>
-  </p:clrMapOvr>
-  <p:timing>
-    <p:tnLst>
-      <p:par>
-        <p:cTn id="1" dur="indefinite" restart="never" nodeType="tmRoot">
-          <p:childTnLst>
-            <p:seq concurrent="1" nextAc="seek">
-              <p:cTn id="2" dur="indefinite" nodeType="mainSeq">
-                <p:childTnLst>
-                  <p:par>
-                    <p:cTn id="3" fill="hold">
-                      <p:stCondLst>
-                        <p:cond delay="indefinite"/>
-                      </p:stCondLst>
-                      <p:childTnLst>
-                        <p:par>
-                          <p:cTn id="4" fill="hold">
-                            <p:stCondLst>
-                              <p:cond delay="0"/>
-                            </p:stCondLst>
-                            <p:childTnLst>
-                              <p:par>
-                                <p:cTn id="5" presetID="1" presetClass="entr" presetSubtype="0" fill="hold" nodeType="clickEffect">
-                                  <p:stCondLst>
-                                    <p:cond delay="0"/>
-                                  </p:stCondLst>
-                                  <p:childTnLst>
-                                    <p:set>
-                                      <p:cBhvr>
-                                        <p:cTn id="6" dur="1" fill="hold">
-                                          <p:stCondLst>
-                                            <p:cond delay="0"/>
-                                          </p:stCondLst>
-                                        </p:cTn>
-                                        <p:tgtEl>
-                                          <p:spTgt spid="2">
-                                            <p:txEl>
-                                              <p:pRg st="0" end="0"/>
-                                            </p:txEl>
-                                          </p:spTgt>
-                                        </p:tgtEl>
-                                        <p:attrNameLst>
-                                          <p:attrName>style.visibility</p:attrName>
-                                        </p:attrNameLst>
-                                      </p:cBhvr>
-                                      <p:to>
-                                        <p:strVal val="visible"/>
-                                      </p:to>
-                                    </p:set>
-                                  </p:childTnLst>
-                                </p:cTn>
-                              </p:par>
-                            </p:childTnLst>
-                          </p:cTn>
-                        </p:par>
-                      </p:childTnLst>
-                    </p:cTn>
-                  </p:par>
-                </p:childTnLst>
-              </p:cTn>
-              <p:prevCondLst>
-                <p:cond evt="onPrev" delay="0">
-                  <p:tgtEl>
-                    <p:sldTgt/>
-                  </p:tgtEl>
-                </p:cond>
-              </p:prevCondLst>
-              <p:nextCondLst>
-                <p:cond evt="onNext" delay="0">
-                  <p:tgtEl>
-                    <p:sldTgt/>
-                  </p:tgtEl>
-                </p:cond>
-              </p:nextCondLst>
-            </p:seq>
-          </p:childTnLst>
-        </p:cTn>
-      </p:par>
-    </p:tnLst>
-  </p:timing>
-</p:sld>
-</file>
-
-<file path=ppt/slides/slide16.xml><?xml version="1.0" encoding="utf-8"?>
-<p:sld xmlns:a="http://schemas.openxmlformats.org/drawingml/2006/main" xmlns:r="http://schemas.openxmlformats.org/officeDocument/2006/relationships" xmlns:p="http://schemas.openxmlformats.org/presentationml/2006/main">
-  <p:cSld>
-    <p:spTree>
-      <p:nvGrpSpPr>
-        <p:cNvPr id="1" name=""/>
-        <p:cNvGrpSpPr/>
-        <p:nvPr/>
-      </p:nvGrpSpPr>
-      <p:grpSpPr>
-        <a:xfrm>
-          <a:off x="0" y="0"/>
-          <a:ext cx="0" cy="0"/>
-          <a:chOff x="0" y="0"/>
-          <a:chExt cx="0" cy="0"/>
-        </a:xfrm>
-      </p:grpSpPr>
-      <p:sp>
-        <p:nvSpPr>
-          <p:cNvPr id="2" name="Content Placeholder 1"/>
-          <p:cNvSpPr>
-            <a:spLocks noGrp="1"/>
-          </p:cNvSpPr>
-          <p:nvPr>
-            <p:ph idx="1"/>
-          </p:nvPr>
-        </p:nvSpPr>
-        <p:spPr>
-          <a:xfrm>
-            <a:off x="611560" y="1600201"/>
-            <a:ext cx="7920880" cy="4525963"/>
-          </a:xfrm>
-        </p:spPr>
-        <p:txBody>
-          <a:bodyPr>
-            <a:noAutofit/>
-          </a:bodyPr>
-          <a:lstStyle/>
-          <a:p>
-            <a:r>
-              <a:rPr lang="en-US" sz="2300" dirty="0"/>
               <a:t>Open-source test reporter.</a:t>
             </a:r>
           </a:p>
@@ -11614,7 +11442,7 @@
 </p:sld>
 </file>
 
-<file path=ppt/slides/slide17.xml><?xml version="1.0" encoding="utf-8"?>
+<file path=ppt/slides/slide16.xml><?xml version="1.0" encoding="utf-8"?>
 <p:sld xmlns:a="http://schemas.openxmlformats.org/drawingml/2006/main" xmlns:r="http://schemas.openxmlformats.org/officeDocument/2006/relationships" xmlns:p="http://schemas.openxmlformats.org/presentationml/2006/main">
   <p:cSld>
     <p:spTree>
@@ -12167,7 +11995,7 @@
 </p:sld>
 </file>
 
-<file path=ppt/slides/slide18.xml><?xml version="1.0" encoding="utf-8"?>
+<file path=ppt/slides/slide17.xml><?xml version="1.0" encoding="utf-8"?>
 <p:sld xmlns:a="http://schemas.openxmlformats.org/drawingml/2006/main" xmlns:r="http://schemas.openxmlformats.org/officeDocument/2006/relationships" xmlns:p="http://schemas.openxmlformats.org/presentationml/2006/main">
   <p:cSld>
     <p:spTree>

--- a/ZaleniumJenkins.pptx
+++ b/ZaleniumJenkins.pptx
@@ -2900,15 +2900,7 @@
             </a:pPr>
             <a:r>
               <a:rPr lang="en-US" dirty="0"/>
-              <a:t>*CLICK* </a:t>
-            </a:r>
-            <a:r>
-              <a:rPr lang="en-US" dirty="0" err="1"/>
-              <a:t>WebDriverIO</a:t>
-            </a:r>
-            <a:r>
-              <a:rPr lang="en-US" dirty="0"/>
-              <a:t> is Compatible with most TDD and BDD JavaScript frameworks.</a:t>
+              <a:t>**Have people check tests and then run the Allure reporter – come back once allure reports are being run**</a:t>
             </a:r>
           </a:p>
           <a:p>
@@ -2951,15 +2943,15 @@
             </a:pPr>
             <a:r>
               <a:rPr lang="en-US" dirty="0"/>
-              <a:t>*CLICK* It is feature-rich and can be used alongside multiple other tools and plugins such as Sauce Labs, Allure and </a:t>
+              <a:t>*CLICK* </a:t>
             </a:r>
             <a:r>
               <a:rPr lang="en-US" dirty="0" err="1"/>
-              <a:t>Teamcity</a:t>
+              <a:t>WebDriverIO</a:t>
             </a:r>
             <a:r>
               <a:rPr lang="en-US" dirty="0"/>
-              <a:t>.</a:t>
+              <a:t> is Compatible with most TDD and BDD JavaScript frameworks.</a:t>
             </a:r>
           </a:p>
           <a:p>
@@ -3002,6 +2994,57 @@
             </a:pPr>
             <a:r>
               <a:rPr lang="en-US" dirty="0"/>
+              <a:t>*CLICK* It is feature-rich and can be used alongside multiple other tools and plugins such as Sauce Labs, Allure and </a:t>
+            </a:r>
+            <a:r>
+              <a:rPr lang="en-US" dirty="0" err="1"/>
+              <a:t>Teamcity</a:t>
+            </a:r>
+            <a:r>
+              <a:rPr lang="en-US" dirty="0"/>
+              <a:t>.</a:t>
+            </a:r>
+          </a:p>
+          <a:p>
+            <a:pPr marL="0" marR="0" lvl="0" indent="0" algn="l" defTabSz="914400" rtl="0" eaLnBrk="1" fontAlgn="auto" latinLnBrk="0" hangingPunct="1">
+              <a:lnSpc>
+                <a:spcPct val="100000"/>
+              </a:lnSpc>
+              <a:spcBef>
+                <a:spcPts val="0"/>
+              </a:spcBef>
+              <a:spcAft>
+                <a:spcPts val="0"/>
+              </a:spcAft>
+              <a:buClrTx/>
+              <a:buSzTx/>
+              <a:buFontTx/>
+              <a:buNone/>
+              <a:tabLst/>
+              <a:defRPr/>
+            </a:pPr>
+            <a:endParaRPr lang="en-US" dirty="0"/>
+          </a:p>
+          <a:p>
+            <a:pPr marL="0" marR="0" lvl="0" indent="0" algn="l" defTabSz="914400" rtl="0" eaLnBrk="1" fontAlgn="auto" latinLnBrk="0" hangingPunct="1">
+              <a:lnSpc>
+                <a:spcPct val="100000"/>
+              </a:lnSpc>
+              <a:spcBef>
+                <a:spcPts val="0"/>
+              </a:spcBef>
+              <a:spcAft>
+                <a:spcPts val="0"/>
+              </a:spcAft>
+              <a:buClrTx/>
+              <a:buSzTx/>
+              <a:buFontTx/>
+              <a:buNone/>
+              <a:tabLst/>
+              <a:defRPr/>
+            </a:pPr>
+            <a:r>
+              <a:rPr lang="en-US" dirty="0"/>
               <a:t>*CLICK* Parallel or asynchronous tests runs are easy to write. It removes the need to be concerned with race conditions as </a:t>
             </a:r>
             <a:r>
@@ -3011,6 +3054,49 @@
             <a:r>
               <a:rPr lang="en-US" dirty="0"/>
               <a:t> handles the parallel running of tests for you.</a:t>
+            </a:r>
+          </a:p>
+          <a:p>
+            <a:pPr marL="0" marR="0" lvl="0" indent="0" algn="l" defTabSz="914400" rtl="0" eaLnBrk="1" fontAlgn="auto" latinLnBrk="0" hangingPunct="1">
+              <a:lnSpc>
+                <a:spcPct val="100000"/>
+              </a:lnSpc>
+              <a:spcBef>
+                <a:spcPts val="0"/>
+              </a:spcBef>
+              <a:spcAft>
+                <a:spcPts val="0"/>
+              </a:spcAft>
+              <a:buClrTx/>
+              <a:buSzTx/>
+              <a:buFontTx/>
+              <a:buNone/>
+              <a:tabLst/>
+              <a:defRPr/>
+            </a:pPr>
+            <a:endParaRPr lang="en-US" dirty="0"/>
+          </a:p>
+          <a:p>
+            <a:pPr marL="0" marR="0" lvl="0" indent="0" algn="l" defTabSz="914400" rtl="0" eaLnBrk="1" fontAlgn="auto" latinLnBrk="0" hangingPunct="1">
+              <a:lnSpc>
+                <a:spcPct val="100000"/>
+              </a:lnSpc>
+              <a:spcBef>
+                <a:spcPts val="0"/>
+              </a:spcBef>
+              <a:spcAft>
+                <a:spcPts val="0"/>
+              </a:spcAft>
+              <a:buClrTx/>
+              <a:buSzTx/>
+              <a:buFontTx/>
+              <a:buNone/>
+              <a:tabLst/>
+              <a:defRPr/>
+            </a:pPr>
+            <a:r>
+              <a:rPr lang="en-US" dirty="0"/>
+              <a:t>Our test scenarios will be navigating to Google and then asserting that the title of the Google home page is ‘Google’. A really simple, basic test.</a:t>
             </a:r>
           </a:p>
         </p:txBody>
@@ -3491,6 +3577,101 @@
               </a:rPr>
               <a:t> config file. </a:t>
             </a:r>
+          </a:p>
+          <a:p>
+            <a:pPr marL="0" marR="0" lvl="0" indent="0" algn="l" defTabSz="914400" rtl="0" eaLnBrk="1" fontAlgn="auto" latinLnBrk="0" hangingPunct="1">
+              <a:lnSpc>
+                <a:spcPct val="100000"/>
+              </a:lnSpc>
+              <a:spcBef>
+                <a:spcPts val="0"/>
+              </a:spcBef>
+              <a:spcAft>
+                <a:spcPts val="0"/>
+              </a:spcAft>
+              <a:buClrTx/>
+              <a:buSzTx/>
+              <a:buFontTx/>
+              <a:buNone/>
+              <a:tabLst/>
+              <a:defRPr/>
+            </a:pPr>
+            <a:r>
+              <a:rPr lang="en-GB" sz="1200" b="0" i="0" kern="1200" dirty="0">
+                <a:solidFill>
+                  <a:schemeClr val="tx1"/>
+                </a:solidFill>
+                <a:effectLst/>
+                <a:latin typeface="+mn-lt"/>
+                <a:ea typeface="+mn-ea"/>
+                <a:cs typeface="+mn-cs"/>
+              </a:rPr>
+              <a:t> </a:t>
+            </a:r>
+          </a:p>
+          <a:p>
+            <a:pPr marL="0" marR="0" lvl="0" indent="0" algn="l" defTabSz="914400" rtl="0" eaLnBrk="1" fontAlgn="auto" latinLnBrk="0" hangingPunct="1">
+              <a:lnSpc>
+                <a:spcPct val="100000"/>
+              </a:lnSpc>
+              <a:spcBef>
+                <a:spcPts val="0"/>
+              </a:spcBef>
+              <a:spcAft>
+                <a:spcPts val="0"/>
+              </a:spcAft>
+              <a:buClrTx/>
+              <a:buSzTx/>
+              <a:buFontTx/>
+              <a:buNone/>
+              <a:tabLst/>
+              <a:defRPr/>
+            </a:pPr>
+            <a:r>
+              <a:rPr lang="en-GB" sz="1200" b="0" i="0" kern="1200" dirty="0">
+                <a:solidFill>
+                  <a:schemeClr val="tx1"/>
+                </a:solidFill>
+                <a:effectLst/>
+                <a:latin typeface="+mn-lt"/>
+                <a:ea typeface="+mn-ea"/>
+                <a:cs typeface="+mn-cs"/>
+              </a:rPr>
+              <a:t>**Explore UI of Allure a bit and then return to final </a:t>
+            </a:r>
+            <a:r>
+              <a:rPr lang="en-GB" sz="1200" b="0" i="0" kern="1200">
+                <a:solidFill>
+                  <a:schemeClr val="tx1"/>
+                </a:solidFill>
+                <a:effectLst/>
+                <a:latin typeface="+mn-lt"/>
+                <a:ea typeface="+mn-ea"/>
+                <a:cs typeface="+mn-cs"/>
+              </a:rPr>
+              <a:t>slide after*</a:t>
+            </a:r>
+            <a:r>
+              <a:rPr lang="en-GB" sz="1200" b="0" i="0" kern="1200" dirty="0">
+                <a:solidFill>
+                  <a:schemeClr val="tx1"/>
+                </a:solidFill>
+                <a:effectLst/>
+                <a:latin typeface="+mn-lt"/>
+                <a:ea typeface="+mn-ea"/>
+                <a:cs typeface="+mn-cs"/>
+              </a:rPr>
+              <a:t>*</a:t>
+            </a:r>
+            <a:endParaRPr lang="en-GB" sz="1200" b="0" i="0" kern="1200">
+              <a:solidFill>
+                <a:schemeClr val="tx1"/>
+              </a:solidFill>
+              <a:effectLst/>
+              <a:latin typeface="+mn-lt"/>
+              <a:ea typeface="+mn-ea"/>
+              <a:cs typeface="+mn-cs"/>
+            </a:endParaRPr>
           </a:p>
         </p:txBody>
       </p:sp>
